--- a/notes/csc402-ln007.pptx
+++ b/notes/csc402-ln007.pptx
@@ -5,34 +5,35 @@
     <p:sldMasterId id="2147483649" r:id="rId1"/>
   </p:sldMasterIdLst>
   <p:notesMasterIdLst>
-    <p:notesMasterId r:id="rId27"/>
+    <p:notesMasterId r:id="rId28"/>
   </p:notesMasterIdLst>
   <p:sldIdLst>
     <p:sldId id="292" r:id="rId2"/>
-    <p:sldId id="296" r:id="rId3"/>
-    <p:sldId id="293" r:id="rId4"/>
-    <p:sldId id="294" r:id="rId5"/>
-    <p:sldId id="295" r:id="rId6"/>
-    <p:sldId id="297" r:id="rId7"/>
-    <p:sldId id="298" r:id="rId8"/>
-    <p:sldId id="299" r:id="rId9"/>
-    <p:sldId id="300" r:id="rId10"/>
-    <p:sldId id="301" r:id="rId11"/>
-    <p:sldId id="302" r:id="rId12"/>
-    <p:sldId id="303" r:id="rId13"/>
-    <p:sldId id="304" r:id="rId14"/>
-    <p:sldId id="305" r:id="rId15"/>
-    <p:sldId id="308" r:id="rId16"/>
-    <p:sldId id="306" r:id="rId17"/>
-    <p:sldId id="307" r:id="rId18"/>
-    <p:sldId id="309" r:id="rId19"/>
-    <p:sldId id="310" r:id="rId20"/>
-    <p:sldId id="311" r:id="rId21"/>
-    <p:sldId id="312" r:id="rId22"/>
-    <p:sldId id="313" r:id="rId23"/>
-    <p:sldId id="314" r:id="rId24"/>
-    <p:sldId id="315" r:id="rId25"/>
-    <p:sldId id="316" r:id="rId26"/>
+    <p:sldId id="317" r:id="rId3"/>
+    <p:sldId id="296" r:id="rId4"/>
+    <p:sldId id="293" r:id="rId5"/>
+    <p:sldId id="294" r:id="rId6"/>
+    <p:sldId id="295" r:id="rId7"/>
+    <p:sldId id="297" r:id="rId8"/>
+    <p:sldId id="298" r:id="rId9"/>
+    <p:sldId id="299" r:id="rId10"/>
+    <p:sldId id="300" r:id="rId11"/>
+    <p:sldId id="301" r:id="rId12"/>
+    <p:sldId id="302" r:id="rId13"/>
+    <p:sldId id="303" r:id="rId14"/>
+    <p:sldId id="304" r:id="rId15"/>
+    <p:sldId id="305" r:id="rId16"/>
+    <p:sldId id="308" r:id="rId17"/>
+    <p:sldId id="306" r:id="rId18"/>
+    <p:sldId id="307" r:id="rId19"/>
+    <p:sldId id="309" r:id="rId20"/>
+    <p:sldId id="310" r:id="rId21"/>
+    <p:sldId id="311" r:id="rId22"/>
+    <p:sldId id="312" r:id="rId23"/>
+    <p:sldId id="313" r:id="rId24"/>
+    <p:sldId id="314" r:id="rId25"/>
+    <p:sldId id="315" r:id="rId26"/>
+    <p:sldId id="316" r:id="rId27"/>
   </p:sldIdLst>
   <p:sldSz cx="9144000" cy="6858000" type="screen4x3"/>
   <p:notesSz cx="6858000" cy="9144000"/>
@@ -229,17 +230,17 @@
           </a:ln>
           <a:extLst>
             <a:ext uri="{FAA26D3D-D897-4be2-8F04-BA451C77F1D7}">
-              <ma14:placeholderFlag xmlns:ma14="http://schemas.microsoft.com/office/mac/drawingml/2011/main" val="1"/>
+              <ma14:placeholderFlag xmlns:ma14="http://schemas.microsoft.com/office/mac/drawingml/2011/main" xmlns="" val="1"/>
             </a:ext>
             <a:ext uri="{909E8E84-426E-40dd-AFC4-6F175D3DCCD1}">
-              <a14:hiddenFill xmlns:a14="http://schemas.microsoft.com/office/drawing/2010/main" xmlns="">
+              <a14:hiddenFill xmlns="" xmlns:a14="http://schemas.microsoft.com/office/drawing/2010/main">
                 <a:solidFill>
                   <a:schemeClr val="accent1"/>
                 </a:solidFill>
               </a14:hiddenFill>
             </a:ext>
             <a:ext uri="{91240B29-F687-4f45-9708-019B960494DF}">
-              <a14:hiddenLine xmlns:a14="http://schemas.microsoft.com/office/drawing/2010/main" xmlns="" w="9525">
+              <a14:hiddenLine xmlns="" xmlns:a14="http://schemas.microsoft.com/office/drawing/2010/main" w="9525">
                 <a:solidFill>
                   <a:schemeClr val="tx1"/>
                 </a:solidFill>
@@ -290,17 +291,17 @@
           </a:ln>
           <a:extLst>
             <a:ext uri="{FAA26D3D-D897-4be2-8F04-BA451C77F1D7}">
-              <ma14:placeholderFlag xmlns:ma14="http://schemas.microsoft.com/office/mac/drawingml/2011/main" val="1"/>
+              <ma14:placeholderFlag xmlns:ma14="http://schemas.microsoft.com/office/mac/drawingml/2011/main" xmlns="" val="1"/>
             </a:ext>
             <a:ext uri="{909E8E84-426E-40dd-AFC4-6F175D3DCCD1}">
-              <a14:hiddenFill xmlns:a14="http://schemas.microsoft.com/office/drawing/2010/main" xmlns="">
+              <a14:hiddenFill xmlns="" xmlns:a14="http://schemas.microsoft.com/office/drawing/2010/main">
                 <a:solidFill>
                   <a:schemeClr val="accent1"/>
                 </a:solidFill>
               </a14:hiddenFill>
             </a:ext>
             <a:ext uri="{91240B29-F687-4f45-9708-019B960494DF}">
-              <a14:hiddenLine xmlns:a14="http://schemas.microsoft.com/office/drawing/2010/main" xmlns="" w="9525">
+              <a14:hiddenLine xmlns="" xmlns:a14="http://schemas.microsoft.com/office/drawing/2010/main" w="9525">
                 <a:solidFill>
                   <a:schemeClr val="tx1"/>
                 </a:solidFill>
@@ -357,7 +358,7 @@
           <a:effectLst/>
           <a:extLst>
             <a:ext uri="{AF507438-7753-43e0-B8FC-AC1667EBCBE1}">
-              <a14:hiddenEffects xmlns:a14="http://schemas.microsoft.com/office/drawing/2010/main" xmlns="">
+              <a14:hiddenEffects xmlns="" xmlns:a14="http://schemas.microsoft.com/office/drawing/2010/main">
                 <a:effectLst>
                   <a:outerShdw blurRad="63500" dist="38099" dir="2700000" algn="ctr" rotWithShape="0">
                     <a:srgbClr val="000000">
@@ -368,7 +369,7 @@
               </a14:hiddenEffects>
             </a:ext>
             <a:ext uri="{53640926-AAD7-44d8-BBD7-CCE9431645EC}">
-              <a14:shadowObscured xmlns:a14="http://schemas.microsoft.com/office/drawing/2010/main" xmlns="" val="1"/>
+              <a14:shadowObscured xmlns="" xmlns:a14="http://schemas.microsoft.com/office/drawing/2010/main" val="1"/>
             </a:ext>
           </a:extLst>
         </p:spPr>
@@ -397,17 +398,17 @@
           </a:ln>
           <a:extLst>
             <a:ext uri="{FAA26D3D-D897-4be2-8F04-BA451C77F1D7}">
-              <ma14:placeholderFlag xmlns:ma14="http://schemas.microsoft.com/office/mac/drawingml/2011/main" val="1"/>
+              <ma14:placeholderFlag xmlns:ma14="http://schemas.microsoft.com/office/mac/drawingml/2011/main" xmlns="" val="1"/>
             </a:ext>
             <a:ext uri="{909E8E84-426E-40dd-AFC4-6F175D3DCCD1}">
-              <a14:hiddenFill xmlns:a14="http://schemas.microsoft.com/office/drawing/2010/main" xmlns="">
+              <a14:hiddenFill xmlns="" xmlns:a14="http://schemas.microsoft.com/office/drawing/2010/main">
                 <a:solidFill>
                   <a:schemeClr val="accent1"/>
                 </a:solidFill>
               </a14:hiddenFill>
             </a:ext>
             <a:ext uri="{91240B29-F687-4f45-9708-019B960494DF}">
-              <a14:hiddenLine xmlns:a14="http://schemas.microsoft.com/office/drawing/2010/main" xmlns="" w="9525">
+              <a14:hiddenLine xmlns="" xmlns:a14="http://schemas.microsoft.com/office/drawing/2010/main" w="9525">
                 <a:solidFill>
                   <a:schemeClr val="tx1"/>
                 </a:solidFill>
@@ -486,17 +487,17 @@
           </a:ln>
           <a:extLst>
             <a:ext uri="{FAA26D3D-D897-4be2-8F04-BA451C77F1D7}">
-              <ma14:placeholderFlag xmlns:ma14="http://schemas.microsoft.com/office/mac/drawingml/2011/main" val="1"/>
+              <ma14:placeholderFlag xmlns:ma14="http://schemas.microsoft.com/office/mac/drawingml/2011/main" xmlns="" val="1"/>
             </a:ext>
             <a:ext uri="{909E8E84-426E-40dd-AFC4-6F175D3DCCD1}">
-              <a14:hiddenFill xmlns:a14="http://schemas.microsoft.com/office/drawing/2010/main" xmlns="">
+              <a14:hiddenFill xmlns="" xmlns:a14="http://schemas.microsoft.com/office/drawing/2010/main">
                 <a:solidFill>
                   <a:schemeClr val="accent1"/>
                 </a:solidFill>
               </a14:hiddenFill>
             </a:ext>
             <a:ext uri="{91240B29-F687-4f45-9708-019B960494DF}">
-              <a14:hiddenLine xmlns:a14="http://schemas.microsoft.com/office/drawing/2010/main" xmlns="" w="9525">
+              <a14:hiddenLine xmlns="" xmlns:a14="http://schemas.microsoft.com/office/drawing/2010/main" w="9525">
                 <a:solidFill>
                   <a:schemeClr val="tx1"/>
                 </a:solidFill>
@@ -547,17 +548,17 @@
           </a:ln>
           <a:extLst>
             <a:ext uri="{FAA26D3D-D897-4be2-8F04-BA451C77F1D7}">
-              <ma14:placeholderFlag xmlns:ma14="http://schemas.microsoft.com/office/mac/drawingml/2011/main" val="1"/>
+              <ma14:placeholderFlag xmlns:ma14="http://schemas.microsoft.com/office/mac/drawingml/2011/main" xmlns="" val="1"/>
             </a:ext>
             <a:ext uri="{909E8E84-426E-40dd-AFC4-6F175D3DCCD1}">
-              <a14:hiddenFill xmlns:a14="http://schemas.microsoft.com/office/drawing/2010/main" xmlns="">
+              <a14:hiddenFill xmlns="" xmlns:a14="http://schemas.microsoft.com/office/drawing/2010/main">
                 <a:solidFill>
                   <a:schemeClr val="accent1"/>
                 </a:solidFill>
               </a14:hiddenFill>
             </a:ext>
             <a:ext uri="{91240B29-F687-4f45-9708-019B960494DF}">
-              <a14:hiddenLine xmlns:a14="http://schemas.microsoft.com/office/drawing/2010/main" xmlns="" w="9525">
+              <a14:hiddenLine xmlns="" xmlns:a14="http://schemas.microsoft.com/office/drawing/2010/main" w="9525">
                 <a:solidFill>
                   <a:schemeClr val="tx1"/>
                 </a:solidFill>
@@ -788,7 +789,7 @@
             <a:fld id="{0A32AC2C-6A9D-5140-A968-18508A6ACF7A}" type="slidenum">
               <a:rPr lang="en-US" smtClean="0"/>
               <a:pPr/>
-              <a:t>24</a:t>
+              <a:t>25</a:t>
             </a:fld>
             <a:endParaRPr lang="en-US"/>
           </a:p>
@@ -852,12 +853,12 @@
           <a:effectLst/>
           <a:extLst>
             <a:ext uri="{909E8E84-426E-40dd-AFC4-6F175D3DCCD1}">
-              <a14:hiddenFill xmlns:a14="http://schemas.microsoft.com/office/drawing/2010/main" xmlns="">
+              <a14:hiddenFill xmlns="" xmlns:a14="http://schemas.microsoft.com/office/drawing/2010/main">
                 <a:noFill/>
               </a14:hiddenFill>
             </a:ext>
             <a:ext uri="{AF507438-7753-43e0-B8FC-AC1667EBCBE1}">
-              <a14:hiddenEffects xmlns:a14="http://schemas.microsoft.com/office/drawing/2010/main" xmlns="">
+              <a14:hiddenEffects xmlns="" xmlns:a14="http://schemas.microsoft.com/office/drawing/2010/main">
                 <a:effectLst>
                   <a:outerShdw blurRad="63500" dist="38099" dir="2700000" algn="ctr" rotWithShape="0">
                     <a:schemeClr val="bg2">
@@ -903,7 +904,7 @@
           <a:p>
             <a:pPr lvl="0"/>
             <a:r>
-              <a:rPr lang="en-US" noProof="0" smtClean="0"/>
+              <a:rPr lang="en-US" noProof="0"/>
               <a:t>Click to edit Master title style</a:t>
             </a:r>
           </a:p>
@@ -937,7 +938,7 @@
           <a:p>
             <a:pPr lvl="0"/>
             <a:r>
-              <a:rPr lang="en-US" noProof="0" smtClean="0"/>
+              <a:rPr lang="en-US" noProof="0"/>
               <a:t>Click to edit Master subtitle style</a:t>
             </a:r>
           </a:p>
@@ -1058,7 +1059,7 @@
             <a:effectLst/>
             <a:extLst>
               <a:ext uri="{91240B29-F687-4f45-9708-019B960494DF}">
-                <a14:hiddenLine xmlns:a14="http://schemas.microsoft.com/office/drawing/2010/main" xmlns="" w="9525">
+                <a14:hiddenLine xmlns="" xmlns:a14="http://schemas.microsoft.com/office/drawing/2010/main" w="9525">
                   <a:solidFill>
                     <a:schemeClr val="tx1"/>
                   </a:solidFill>
@@ -1068,7 +1069,7 @@
                 </a14:hiddenLine>
               </a:ext>
               <a:ext uri="{AF507438-7753-43e0-B8FC-AC1667EBCBE1}">
-                <a14:hiddenEffects xmlns:a14="http://schemas.microsoft.com/office/drawing/2010/main" xmlns="">
+                <a14:hiddenEffects xmlns="" xmlns:a14="http://schemas.microsoft.com/office/drawing/2010/main">
                   <a:effectLst>
                     <a:outerShdw blurRad="63500" dist="38099" dir="2700000" algn="ctr" rotWithShape="0">
                       <a:schemeClr val="bg2">
@@ -1113,7 +1114,7 @@
             <a:effectLst/>
             <a:extLst>
               <a:ext uri="{91240B29-F687-4f45-9708-019B960494DF}">
-                <a14:hiddenLine xmlns:a14="http://schemas.microsoft.com/office/drawing/2010/main" xmlns="" w="9525">
+                <a14:hiddenLine xmlns="" xmlns:a14="http://schemas.microsoft.com/office/drawing/2010/main" w="9525">
                   <a:solidFill>
                     <a:schemeClr val="tx1"/>
                   </a:solidFill>
@@ -1123,7 +1124,7 @@
                 </a14:hiddenLine>
               </a:ext>
               <a:ext uri="{AF507438-7753-43e0-B8FC-AC1667EBCBE1}">
-                <a14:hiddenEffects xmlns:a14="http://schemas.microsoft.com/office/drawing/2010/main" xmlns="">
+                <a14:hiddenEffects xmlns="" xmlns:a14="http://schemas.microsoft.com/office/drawing/2010/main">
                   <a:effectLst>
                     <a:outerShdw blurRad="63500" dist="38099" dir="2700000" algn="ctr" rotWithShape="0">
                       <a:schemeClr val="bg2">
@@ -1168,7 +1169,7 @@
             <a:effectLst/>
             <a:extLst>
               <a:ext uri="{91240B29-F687-4f45-9708-019B960494DF}">
-                <a14:hiddenLine xmlns:a14="http://schemas.microsoft.com/office/drawing/2010/main" xmlns="" w="9525">
+                <a14:hiddenLine xmlns="" xmlns:a14="http://schemas.microsoft.com/office/drawing/2010/main" w="9525">
                   <a:solidFill>
                     <a:schemeClr val="tx1"/>
                   </a:solidFill>
@@ -1178,7 +1179,7 @@
                 </a14:hiddenLine>
               </a:ext>
               <a:ext uri="{AF507438-7753-43e0-B8FC-AC1667EBCBE1}">
-                <a14:hiddenEffects xmlns:a14="http://schemas.microsoft.com/office/drawing/2010/main" xmlns="">
+                <a14:hiddenEffects xmlns="" xmlns:a14="http://schemas.microsoft.com/office/drawing/2010/main">
                   <a:effectLst>
                     <a:outerShdw blurRad="63500" dist="38099" dir="2700000" algn="ctr" rotWithShape="0">
                       <a:schemeClr val="bg2">
@@ -1223,7 +1224,7 @@
             <a:effectLst/>
             <a:extLst>
               <a:ext uri="{91240B29-F687-4f45-9708-019B960494DF}">
-                <a14:hiddenLine xmlns:a14="http://schemas.microsoft.com/office/drawing/2010/main" xmlns="" w="9525">
+                <a14:hiddenLine xmlns="" xmlns:a14="http://schemas.microsoft.com/office/drawing/2010/main" w="9525">
                   <a:solidFill>
                     <a:schemeClr val="tx1"/>
                   </a:solidFill>
@@ -1233,7 +1234,7 @@
                 </a14:hiddenLine>
               </a:ext>
               <a:ext uri="{AF507438-7753-43e0-B8FC-AC1667EBCBE1}">
-                <a14:hiddenEffects xmlns:a14="http://schemas.microsoft.com/office/drawing/2010/main" xmlns="">
+                <a14:hiddenEffects xmlns="" xmlns:a14="http://schemas.microsoft.com/office/drawing/2010/main">
                   <a:effectLst>
                     <a:outerShdw blurRad="63500" dist="38099" dir="2700000" algn="ctr" rotWithShape="0">
                       <a:schemeClr val="bg2">
@@ -1278,7 +1279,7 @@
             <a:effectLst/>
             <a:extLst>
               <a:ext uri="{91240B29-F687-4f45-9708-019B960494DF}">
-                <a14:hiddenLine xmlns:a14="http://schemas.microsoft.com/office/drawing/2010/main" xmlns="" w="9525">
+                <a14:hiddenLine xmlns="" xmlns:a14="http://schemas.microsoft.com/office/drawing/2010/main" w="9525">
                   <a:solidFill>
                     <a:schemeClr val="tx1"/>
                   </a:solidFill>
@@ -1288,7 +1289,7 @@
                 </a14:hiddenLine>
               </a:ext>
               <a:ext uri="{AF507438-7753-43e0-B8FC-AC1667EBCBE1}">
-                <a14:hiddenEffects xmlns:a14="http://schemas.microsoft.com/office/drawing/2010/main" xmlns="">
+                <a14:hiddenEffects xmlns="" xmlns:a14="http://schemas.microsoft.com/office/drawing/2010/main">
                   <a:effectLst>
                     <a:outerShdw blurRad="63500" dist="38099" dir="2700000" algn="ctr" rotWithShape="0">
                       <a:schemeClr val="bg2">
@@ -1333,7 +1334,7 @@
             <a:effectLst/>
             <a:extLst>
               <a:ext uri="{91240B29-F687-4f45-9708-019B960494DF}">
-                <a14:hiddenLine xmlns:a14="http://schemas.microsoft.com/office/drawing/2010/main" xmlns="" w="9525">
+                <a14:hiddenLine xmlns="" xmlns:a14="http://schemas.microsoft.com/office/drawing/2010/main" w="9525">
                   <a:solidFill>
                     <a:schemeClr val="tx1"/>
                   </a:solidFill>
@@ -1343,7 +1344,7 @@
                 </a14:hiddenLine>
               </a:ext>
               <a:ext uri="{AF507438-7753-43e0-B8FC-AC1667EBCBE1}">
-                <a14:hiddenEffects xmlns:a14="http://schemas.microsoft.com/office/drawing/2010/main" xmlns="">
+                <a14:hiddenEffects xmlns="" xmlns:a14="http://schemas.microsoft.com/office/drawing/2010/main">
                   <a:effectLst>
                     <a:outerShdw blurRad="63500" dist="38099" dir="2700000" algn="ctr" rotWithShape="0">
                       <a:schemeClr val="bg2">
@@ -1388,7 +1389,7 @@
             <a:effectLst/>
             <a:extLst>
               <a:ext uri="{91240B29-F687-4f45-9708-019B960494DF}">
-                <a14:hiddenLine xmlns:a14="http://schemas.microsoft.com/office/drawing/2010/main" xmlns="" w="9525">
+                <a14:hiddenLine xmlns="" xmlns:a14="http://schemas.microsoft.com/office/drawing/2010/main" w="9525">
                   <a:solidFill>
                     <a:schemeClr val="tx1"/>
                   </a:solidFill>
@@ -1398,7 +1399,7 @@
                 </a14:hiddenLine>
               </a:ext>
               <a:ext uri="{AF507438-7753-43e0-B8FC-AC1667EBCBE1}">
-                <a14:hiddenEffects xmlns:a14="http://schemas.microsoft.com/office/drawing/2010/main" xmlns="">
+                <a14:hiddenEffects xmlns="" xmlns:a14="http://schemas.microsoft.com/office/drawing/2010/main">
                   <a:effectLst>
                     <a:outerShdw blurRad="63500" dist="38099" dir="2700000" algn="ctr" rotWithShape="0">
                       <a:schemeClr val="bg2">
@@ -1443,7 +1444,7 @@
             <a:effectLst/>
             <a:extLst>
               <a:ext uri="{91240B29-F687-4f45-9708-019B960494DF}">
-                <a14:hiddenLine xmlns:a14="http://schemas.microsoft.com/office/drawing/2010/main" xmlns="" w="9525">
+                <a14:hiddenLine xmlns="" xmlns:a14="http://schemas.microsoft.com/office/drawing/2010/main" w="9525">
                   <a:solidFill>
                     <a:schemeClr val="tx1"/>
                   </a:solidFill>
@@ -1453,7 +1454,7 @@
                 </a14:hiddenLine>
               </a:ext>
               <a:ext uri="{AF507438-7753-43e0-B8FC-AC1667EBCBE1}">
-                <a14:hiddenEffects xmlns:a14="http://schemas.microsoft.com/office/drawing/2010/main" xmlns="">
+                <a14:hiddenEffects xmlns="" xmlns:a14="http://schemas.microsoft.com/office/drawing/2010/main">
                   <a:effectLst>
                     <a:outerShdw blurRad="63500" dist="38099" dir="2700000" algn="ctr" rotWithShape="0">
                       <a:schemeClr val="bg2">
@@ -1498,7 +1499,7 @@
             <a:effectLst/>
             <a:extLst>
               <a:ext uri="{91240B29-F687-4f45-9708-019B960494DF}">
-                <a14:hiddenLine xmlns:a14="http://schemas.microsoft.com/office/drawing/2010/main" xmlns="" w="9525">
+                <a14:hiddenLine xmlns="" xmlns:a14="http://schemas.microsoft.com/office/drawing/2010/main" w="9525">
                   <a:solidFill>
                     <a:schemeClr val="tx1"/>
                   </a:solidFill>
@@ -1508,7 +1509,7 @@
                 </a14:hiddenLine>
               </a:ext>
               <a:ext uri="{AF507438-7753-43e0-B8FC-AC1667EBCBE1}">
-                <a14:hiddenEffects xmlns:a14="http://schemas.microsoft.com/office/drawing/2010/main" xmlns="">
+                <a14:hiddenEffects xmlns="" xmlns:a14="http://schemas.microsoft.com/office/drawing/2010/main">
                   <a:effectLst>
                     <a:outerShdw blurRad="63500" dist="38099" dir="2700000" algn="ctr" rotWithShape="0">
                       <a:schemeClr val="bg2">
@@ -1553,7 +1554,7 @@
             <a:effectLst/>
             <a:extLst>
               <a:ext uri="{91240B29-F687-4f45-9708-019B960494DF}">
-                <a14:hiddenLine xmlns:a14="http://schemas.microsoft.com/office/drawing/2010/main" xmlns="" w="9525">
+                <a14:hiddenLine xmlns="" xmlns:a14="http://schemas.microsoft.com/office/drawing/2010/main" w="9525">
                   <a:solidFill>
                     <a:schemeClr val="tx1"/>
                   </a:solidFill>
@@ -1563,7 +1564,7 @@
                 </a14:hiddenLine>
               </a:ext>
               <a:ext uri="{AF507438-7753-43e0-B8FC-AC1667EBCBE1}">
-                <a14:hiddenEffects xmlns:a14="http://schemas.microsoft.com/office/drawing/2010/main" xmlns="">
+                <a14:hiddenEffects xmlns="" xmlns:a14="http://schemas.microsoft.com/office/drawing/2010/main">
                   <a:effectLst>
                     <a:outerShdw blurRad="63500" dist="38099" dir="2700000" algn="ctr" rotWithShape="0">
                       <a:schemeClr val="bg2">
@@ -1608,7 +1609,7 @@
             <a:effectLst/>
             <a:extLst>
               <a:ext uri="{91240B29-F687-4f45-9708-019B960494DF}">
-                <a14:hiddenLine xmlns:a14="http://schemas.microsoft.com/office/drawing/2010/main" xmlns="" w="9525">
+                <a14:hiddenLine xmlns="" xmlns:a14="http://schemas.microsoft.com/office/drawing/2010/main" w="9525">
                   <a:solidFill>
                     <a:schemeClr val="tx1"/>
                   </a:solidFill>
@@ -1618,7 +1619,7 @@
                 </a14:hiddenLine>
               </a:ext>
               <a:ext uri="{AF507438-7753-43e0-B8FC-AC1667EBCBE1}">
-                <a14:hiddenEffects xmlns:a14="http://schemas.microsoft.com/office/drawing/2010/main" xmlns="">
+                <a14:hiddenEffects xmlns="" xmlns:a14="http://schemas.microsoft.com/office/drawing/2010/main">
                   <a:effectLst>
                     <a:outerShdw blurRad="63500" dist="38099" dir="2700000" algn="ctr" rotWithShape="0">
                       <a:schemeClr val="bg2">
@@ -1663,7 +1664,7 @@
             <a:effectLst/>
             <a:extLst>
               <a:ext uri="{91240B29-F687-4f45-9708-019B960494DF}">
-                <a14:hiddenLine xmlns:a14="http://schemas.microsoft.com/office/drawing/2010/main" xmlns="" w="9525">
+                <a14:hiddenLine xmlns="" xmlns:a14="http://schemas.microsoft.com/office/drawing/2010/main" w="9525">
                   <a:solidFill>
                     <a:schemeClr val="tx1"/>
                   </a:solidFill>
@@ -1673,7 +1674,7 @@
                 </a14:hiddenLine>
               </a:ext>
               <a:ext uri="{AF507438-7753-43e0-B8FC-AC1667EBCBE1}">
-                <a14:hiddenEffects xmlns:a14="http://schemas.microsoft.com/office/drawing/2010/main" xmlns="">
+                <a14:hiddenEffects xmlns="" xmlns:a14="http://schemas.microsoft.com/office/drawing/2010/main">
                   <a:effectLst>
                     <a:outerShdw blurRad="63500" dist="38099" dir="2700000" algn="ctr" rotWithShape="0">
                       <a:schemeClr val="bg2">
@@ -1718,7 +1719,7 @@
             <a:effectLst/>
             <a:extLst>
               <a:ext uri="{91240B29-F687-4f45-9708-019B960494DF}">
-                <a14:hiddenLine xmlns:a14="http://schemas.microsoft.com/office/drawing/2010/main" xmlns="" w="9525">
+                <a14:hiddenLine xmlns="" xmlns:a14="http://schemas.microsoft.com/office/drawing/2010/main" w="9525">
                   <a:solidFill>
                     <a:schemeClr val="tx1"/>
                   </a:solidFill>
@@ -1728,7 +1729,7 @@
                 </a14:hiddenLine>
               </a:ext>
               <a:ext uri="{AF507438-7753-43e0-B8FC-AC1667EBCBE1}">
-                <a14:hiddenEffects xmlns:a14="http://schemas.microsoft.com/office/drawing/2010/main" xmlns="">
+                <a14:hiddenEffects xmlns="" xmlns:a14="http://schemas.microsoft.com/office/drawing/2010/main">
                   <a:effectLst>
                     <a:outerShdw blurRad="63500" dist="38099" dir="2700000" algn="ctr" rotWithShape="0">
                       <a:schemeClr val="bg2">
@@ -1773,7 +1774,7 @@
             <a:effectLst/>
             <a:extLst>
               <a:ext uri="{91240B29-F687-4f45-9708-019B960494DF}">
-                <a14:hiddenLine xmlns:a14="http://schemas.microsoft.com/office/drawing/2010/main" xmlns="" w="9525">
+                <a14:hiddenLine xmlns="" xmlns:a14="http://schemas.microsoft.com/office/drawing/2010/main" w="9525">
                   <a:solidFill>
                     <a:schemeClr val="tx1"/>
                   </a:solidFill>
@@ -1783,7 +1784,7 @@
                 </a14:hiddenLine>
               </a:ext>
               <a:ext uri="{AF507438-7753-43e0-B8FC-AC1667EBCBE1}">
-                <a14:hiddenEffects xmlns:a14="http://schemas.microsoft.com/office/drawing/2010/main" xmlns="">
+                <a14:hiddenEffects xmlns="" xmlns:a14="http://schemas.microsoft.com/office/drawing/2010/main">
                   <a:effectLst>
                     <a:outerShdw blurRad="63500" dist="38099" dir="2700000" algn="ctr" rotWithShape="0">
                       <a:schemeClr val="bg2">
@@ -1828,7 +1829,7 @@
             <a:effectLst/>
             <a:extLst>
               <a:ext uri="{91240B29-F687-4f45-9708-019B960494DF}">
-                <a14:hiddenLine xmlns:a14="http://schemas.microsoft.com/office/drawing/2010/main" xmlns="" w="9525">
+                <a14:hiddenLine xmlns="" xmlns:a14="http://schemas.microsoft.com/office/drawing/2010/main" w="9525">
                   <a:solidFill>
                     <a:schemeClr val="tx1"/>
                   </a:solidFill>
@@ -1838,7 +1839,7 @@
                 </a14:hiddenLine>
               </a:ext>
               <a:ext uri="{AF507438-7753-43e0-B8FC-AC1667EBCBE1}">
-                <a14:hiddenEffects xmlns:a14="http://schemas.microsoft.com/office/drawing/2010/main" xmlns="">
+                <a14:hiddenEffects xmlns="" xmlns:a14="http://schemas.microsoft.com/office/drawing/2010/main">
                   <a:effectLst>
                     <a:outerShdw blurRad="63500" dist="38099" dir="2700000" algn="ctr" rotWithShape="0">
                       <a:schemeClr val="bg2">
@@ -1883,7 +1884,7 @@
             <a:effectLst/>
             <a:extLst>
               <a:ext uri="{91240B29-F687-4f45-9708-019B960494DF}">
-                <a14:hiddenLine xmlns:a14="http://schemas.microsoft.com/office/drawing/2010/main" xmlns="" w="9525">
+                <a14:hiddenLine xmlns="" xmlns:a14="http://schemas.microsoft.com/office/drawing/2010/main" w="9525">
                   <a:solidFill>
                     <a:schemeClr val="tx1"/>
                   </a:solidFill>
@@ -1893,7 +1894,7 @@
                 </a14:hiddenLine>
               </a:ext>
               <a:ext uri="{AF507438-7753-43e0-B8FC-AC1667EBCBE1}">
-                <a14:hiddenEffects xmlns:a14="http://schemas.microsoft.com/office/drawing/2010/main" xmlns="">
+                <a14:hiddenEffects xmlns="" xmlns:a14="http://schemas.microsoft.com/office/drawing/2010/main">
                   <a:effectLst>
                     <a:outerShdw blurRad="63500" dist="38099" dir="2700000" algn="ctr" rotWithShape="0">
                       <a:schemeClr val="bg2">
@@ -1938,7 +1939,7 @@
             <a:effectLst/>
             <a:extLst>
               <a:ext uri="{91240B29-F687-4f45-9708-019B960494DF}">
-                <a14:hiddenLine xmlns:a14="http://schemas.microsoft.com/office/drawing/2010/main" xmlns="" w="9525">
+                <a14:hiddenLine xmlns="" xmlns:a14="http://schemas.microsoft.com/office/drawing/2010/main" w="9525">
                   <a:solidFill>
                     <a:schemeClr val="tx1"/>
                   </a:solidFill>
@@ -1948,7 +1949,7 @@
                 </a14:hiddenLine>
               </a:ext>
               <a:ext uri="{AF507438-7753-43e0-B8FC-AC1667EBCBE1}">
-                <a14:hiddenEffects xmlns:a14="http://schemas.microsoft.com/office/drawing/2010/main" xmlns="">
+                <a14:hiddenEffects xmlns="" xmlns:a14="http://schemas.microsoft.com/office/drawing/2010/main">
                   <a:effectLst>
                     <a:outerShdw blurRad="63500" dist="38099" dir="2700000" algn="ctr" rotWithShape="0">
                       <a:schemeClr val="bg2">
@@ -1993,7 +1994,7 @@
             <a:effectLst/>
             <a:extLst>
               <a:ext uri="{91240B29-F687-4f45-9708-019B960494DF}">
-                <a14:hiddenLine xmlns:a14="http://schemas.microsoft.com/office/drawing/2010/main" xmlns="" w="9525">
+                <a14:hiddenLine xmlns="" xmlns:a14="http://schemas.microsoft.com/office/drawing/2010/main" w="9525">
                   <a:solidFill>
                     <a:schemeClr val="tx1"/>
                   </a:solidFill>
@@ -2003,7 +2004,7 @@
                 </a14:hiddenLine>
               </a:ext>
               <a:ext uri="{AF507438-7753-43e0-B8FC-AC1667EBCBE1}">
-                <a14:hiddenEffects xmlns:a14="http://schemas.microsoft.com/office/drawing/2010/main" xmlns="">
+                <a14:hiddenEffects xmlns="" xmlns:a14="http://schemas.microsoft.com/office/drawing/2010/main">
                   <a:effectLst>
                     <a:outerShdw blurRad="63500" dist="38099" dir="2700000" algn="ctr" rotWithShape="0">
                       <a:schemeClr val="bg2">
@@ -2048,7 +2049,7 @@
             <a:effectLst/>
             <a:extLst>
               <a:ext uri="{91240B29-F687-4f45-9708-019B960494DF}">
-                <a14:hiddenLine xmlns:a14="http://schemas.microsoft.com/office/drawing/2010/main" xmlns="" w="9525">
+                <a14:hiddenLine xmlns="" xmlns:a14="http://schemas.microsoft.com/office/drawing/2010/main" w="9525">
                   <a:solidFill>
                     <a:schemeClr val="tx1"/>
                   </a:solidFill>
@@ -2058,7 +2059,7 @@
                 </a14:hiddenLine>
               </a:ext>
               <a:ext uri="{AF507438-7753-43e0-B8FC-AC1667EBCBE1}">
-                <a14:hiddenEffects xmlns:a14="http://schemas.microsoft.com/office/drawing/2010/main" xmlns="">
+                <a14:hiddenEffects xmlns="" xmlns:a14="http://schemas.microsoft.com/office/drawing/2010/main">
                   <a:effectLst>
                     <a:outerShdw blurRad="63500" dist="38099" dir="2700000" algn="ctr" rotWithShape="0">
                       <a:schemeClr val="bg2">
@@ -2103,7 +2104,7 @@
             <a:effectLst/>
             <a:extLst>
               <a:ext uri="{91240B29-F687-4f45-9708-019B960494DF}">
-                <a14:hiddenLine xmlns:a14="http://schemas.microsoft.com/office/drawing/2010/main" xmlns="" w="9525">
+                <a14:hiddenLine xmlns="" xmlns:a14="http://schemas.microsoft.com/office/drawing/2010/main" w="9525">
                   <a:solidFill>
                     <a:schemeClr val="tx1"/>
                   </a:solidFill>
@@ -2113,7 +2114,7 @@
                 </a14:hiddenLine>
               </a:ext>
               <a:ext uri="{AF507438-7753-43e0-B8FC-AC1667EBCBE1}">
-                <a14:hiddenEffects xmlns:a14="http://schemas.microsoft.com/office/drawing/2010/main" xmlns="">
+                <a14:hiddenEffects xmlns="" xmlns:a14="http://schemas.microsoft.com/office/drawing/2010/main">
                   <a:effectLst>
                     <a:outerShdw blurRad="63500" dist="38099" dir="2700000" algn="ctr" rotWithShape="0">
                       <a:schemeClr val="bg2">
@@ -2158,7 +2159,7 @@
             <a:effectLst/>
             <a:extLst>
               <a:ext uri="{91240B29-F687-4f45-9708-019B960494DF}">
-                <a14:hiddenLine xmlns:a14="http://schemas.microsoft.com/office/drawing/2010/main" xmlns="" w="9525">
+                <a14:hiddenLine xmlns="" xmlns:a14="http://schemas.microsoft.com/office/drawing/2010/main" w="9525">
                   <a:solidFill>
                     <a:schemeClr val="tx1"/>
                   </a:solidFill>
@@ -2168,7 +2169,7 @@
                 </a14:hiddenLine>
               </a:ext>
               <a:ext uri="{AF507438-7753-43e0-B8FC-AC1667EBCBE1}">
-                <a14:hiddenEffects xmlns:a14="http://schemas.microsoft.com/office/drawing/2010/main" xmlns="">
+                <a14:hiddenEffects xmlns="" xmlns:a14="http://schemas.microsoft.com/office/drawing/2010/main">
                   <a:effectLst>
                     <a:outerShdw blurRad="63500" dist="38099" dir="2700000" algn="ctr" rotWithShape="0">
                       <a:schemeClr val="bg2">
@@ -2213,7 +2214,7 @@
             <a:effectLst/>
             <a:extLst>
               <a:ext uri="{91240B29-F687-4f45-9708-019B960494DF}">
-                <a14:hiddenLine xmlns:a14="http://schemas.microsoft.com/office/drawing/2010/main" xmlns="" w="9525">
+                <a14:hiddenLine xmlns="" xmlns:a14="http://schemas.microsoft.com/office/drawing/2010/main" w="9525">
                   <a:solidFill>
                     <a:schemeClr val="tx1"/>
                   </a:solidFill>
@@ -2223,7 +2224,7 @@
                 </a14:hiddenLine>
               </a:ext>
               <a:ext uri="{AF507438-7753-43e0-B8FC-AC1667EBCBE1}">
-                <a14:hiddenEffects xmlns:a14="http://schemas.microsoft.com/office/drawing/2010/main" xmlns="">
+                <a14:hiddenEffects xmlns="" xmlns:a14="http://schemas.microsoft.com/office/drawing/2010/main">
                   <a:effectLst>
                     <a:outerShdw blurRad="63500" dist="38099" dir="2700000" algn="ctr" rotWithShape="0">
                       <a:schemeClr val="bg2">
@@ -2268,7 +2269,7 @@
             <a:effectLst/>
             <a:extLst>
               <a:ext uri="{91240B29-F687-4f45-9708-019B960494DF}">
-                <a14:hiddenLine xmlns:a14="http://schemas.microsoft.com/office/drawing/2010/main" xmlns="" w="9525">
+                <a14:hiddenLine xmlns="" xmlns:a14="http://schemas.microsoft.com/office/drawing/2010/main" w="9525">
                   <a:solidFill>
                     <a:schemeClr val="tx1"/>
                   </a:solidFill>
@@ -2278,7 +2279,7 @@
                 </a14:hiddenLine>
               </a:ext>
               <a:ext uri="{AF507438-7753-43e0-B8FC-AC1667EBCBE1}">
-                <a14:hiddenEffects xmlns:a14="http://schemas.microsoft.com/office/drawing/2010/main" xmlns="">
+                <a14:hiddenEffects xmlns="" xmlns:a14="http://schemas.microsoft.com/office/drawing/2010/main">
                   <a:effectLst>
                     <a:outerShdw blurRad="63500" dist="38099" dir="2700000" algn="ctr" rotWithShape="0">
                       <a:schemeClr val="bg2">
@@ -2323,7 +2324,7 @@
             <a:effectLst/>
             <a:extLst>
               <a:ext uri="{91240B29-F687-4f45-9708-019B960494DF}">
-                <a14:hiddenLine xmlns:a14="http://schemas.microsoft.com/office/drawing/2010/main" xmlns="" w="9525">
+                <a14:hiddenLine xmlns="" xmlns:a14="http://schemas.microsoft.com/office/drawing/2010/main" w="9525">
                   <a:solidFill>
                     <a:schemeClr val="tx1"/>
                   </a:solidFill>
@@ -2333,7 +2334,7 @@
                 </a14:hiddenLine>
               </a:ext>
               <a:ext uri="{AF507438-7753-43e0-B8FC-AC1667EBCBE1}">
-                <a14:hiddenEffects xmlns:a14="http://schemas.microsoft.com/office/drawing/2010/main" xmlns="">
+                <a14:hiddenEffects xmlns="" xmlns:a14="http://schemas.microsoft.com/office/drawing/2010/main">
                   <a:effectLst>
                     <a:outerShdw blurRad="63500" dist="38099" dir="2700000" algn="ctr" rotWithShape="0">
                       <a:schemeClr val="bg2">
@@ -2378,7 +2379,7 @@
             <a:effectLst/>
             <a:extLst>
               <a:ext uri="{91240B29-F687-4f45-9708-019B960494DF}">
-                <a14:hiddenLine xmlns:a14="http://schemas.microsoft.com/office/drawing/2010/main" xmlns="" w="9525">
+                <a14:hiddenLine xmlns="" xmlns:a14="http://schemas.microsoft.com/office/drawing/2010/main" w="9525">
                   <a:solidFill>
                     <a:schemeClr val="tx1"/>
                   </a:solidFill>
@@ -2388,7 +2389,7 @@
                 </a14:hiddenLine>
               </a:ext>
               <a:ext uri="{AF507438-7753-43e0-B8FC-AC1667EBCBE1}">
-                <a14:hiddenEffects xmlns:a14="http://schemas.microsoft.com/office/drawing/2010/main" xmlns="">
+                <a14:hiddenEffects xmlns="" xmlns:a14="http://schemas.microsoft.com/office/drawing/2010/main">
                   <a:effectLst>
                     <a:outerShdw blurRad="63500" dist="38099" dir="2700000" algn="ctr" rotWithShape="0">
                       <a:schemeClr val="bg2">
@@ -2433,7 +2434,7 @@
             <a:effectLst/>
             <a:extLst>
               <a:ext uri="{91240B29-F687-4f45-9708-019B960494DF}">
-                <a14:hiddenLine xmlns:a14="http://schemas.microsoft.com/office/drawing/2010/main" xmlns="" w="9525">
+                <a14:hiddenLine xmlns="" xmlns:a14="http://schemas.microsoft.com/office/drawing/2010/main" w="9525">
                   <a:solidFill>
                     <a:schemeClr val="tx1"/>
                   </a:solidFill>
@@ -2443,7 +2444,7 @@
                 </a14:hiddenLine>
               </a:ext>
               <a:ext uri="{AF507438-7753-43e0-B8FC-AC1667EBCBE1}">
-                <a14:hiddenEffects xmlns:a14="http://schemas.microsoft.com/office/drawing/2010/main" xmlns="">
+                <a14:hiddenEffects xmlns="" xmlns:a14="http://schemas.microsoft.com/office/drawing/2010/main">
                   <a:effectLst>
                     <a:outerShdw blurRad="63500" dist="38099" dir="2700000" algn="ctr" rotWithShape="0">
                       <a:schemeClr val="bg2">
@@ -2488,7 +2489,7 @@
             <a:effectLst/>
             <a:extLst>
               <a:ext uri="{91240B29-F687-4f45-9708-019B960494DF}">
-                <a14:hiddenLine xmlns:a14="http://schemas.microsoft.com/office/drawing/2010/main" xmlns="" w="9525">
+                <a14:hiddenLine xmlns="" xmlns:a14="http://schemas.microsoft.com/office/drawing/2010/main" w="9525">
                   <a:solidFill>
                     <a:schemeClr val="tx1"/>
                   </a:solidFill>
@@ -2498,7 +2499,7 @@
                 </a14:hiddenLine>
               </a:ext>
               <a:ext uri="{AF507438-7753-43e0-B8FC-AC1667EBCBE1}">
-                <a14:hiddenEffects xmlns:a14="http://schemas.microsoft.com/office/drawing/2010/main" xmlns="">
+                <a14:hiddenEffects xmlns="" xmlns:a14="http://schemas.microsoft.com/office/drawing/2010/main">
                   <a:effectLst>
                     <a:outerShdw blurRad="63500" dist="38099" dir="2700000" algn="ctr" rotWithShape="0">
                       <a:schemeClr val="bg2">
@@ -2543,7 +2544,7 @@
             <a:effectLst/>
             <a:extLst>
               <a:ext uri="{91240B29-F687-4f45-9708-019B960494DF}">
-                <a14:hiddenLine xmlns:a14="http://schemas.microsoft.com/office/drawing/2010/main" xmlns="" w="9525">
+                <a14:hiddenLine xmlns="" xmlns:a14="http://schemas.microsoft.com/office/drawing/2010/main" w="9525">
                   <a:solidFill>
                     <a:schemeClr val="tx1"/>
                   </a:solidFill>
@@ -2553,7 +2554,7 @@
                 </a14:hiddenLine>
               </a:ext>
               <a:ext uri="{AF507438-7753-43e0-B8FC-AC1667EBCBE1}">
-                <a14:hiddenEffects xmlns:a14="http://schemas.microsoft.com/office/drawing/2010/main" xmlns="">
+                <a14:hiddenEffects xmlns="" xmlns:a14="http://schemas.microsoft.com/office/drawing/2010/main">
                   <a:effectLst>
                     <a:outerShdw blurRad="63500" dist="38099" dir="2700000" algn="ctr" rotWithShape="0">
                       <a:schemeClr val="bg2">
@@ -2598,7 +2599,7 @@
             <a:effectLst/>
             <a:extLst>
               <a:ext uri="{91240B29-F687-4f45-9708-019B960494DF}">
-                <a14:hiddenLine xmlns:a14="http://schemas.microsoft.com/office/drawing/2010/main" xmlns="" w="9525">
+                <a14:hiddenLine xmlns="" xmlns:a14="http://schemas.microsoft.com/office/drawing/2010/main" w="9525">
                   <a:solidFill>
                     <a:schemeClr val="tx1"/>
                   </a:solidFill>
@@ -2608,7 +2609,7 @@
                 </a14:hiddenLine>
               </a:ext>
               <a:ext uri="{AF507438-7753-43e0-B8FC-AC1667EBCBE1}">
-                <a14:hiddenEffects xmlns:a14="http://schemas.microsoft.com/office/drawing/2010/main" xmlns="">
+                <a14:hiddenEffects xmlns="" xmlns:a14="http://schemas.microsoft.com/office/drawing/2010/main">
                   <a:effectLst>
                     <a:outerShdw blurRad="63500" dist="38099" dir="2700000" algn="ctr" rotWithShape="0">
                       <a:schemeClr val="bg2">
@@ -2653,7 +2654,7 @@
             <a:effectLst/>
             <a:extLst>
               <a:ext uri="{91240B29-F687-4f45-9708-019B960494DF}">
-                <a14:hiddenLine xmlns:a14="http://schemas.microsoft.com/office/drawing/2010/main" xmlns="" w="9525">
+                <a14:hiddenLine xmlns="" xmlns:a14="http://schemas.microsoft.com/office/drawing/2010/main" w="9525">
                   <a:solidFill>
                     <a:schemeClr val="tx1"/>
                   </a:solidFill>
@@ -2663,7 +2664,7 @@
                 </a14:hiddenLine>
               </a:ext>
               <a:ext uri="{AF507438-7753-43e0-B8FC-AC1667EBCBE1}">
-                <a14:hiddenEffects xmlns:a14="http://schemas.microsoft.com/office/drawing/2010/main" xmlns="">
+                <a14:hiddenEffects xmlns="" xmlns:a14="http://schemas.microsoft.com/office/drawing/2010/main">
                   <a:effectLst>
                     <a:outerShdw blurRad="63500" dist="38099" dir="2700000" algn="ctr" rotWithShape="0">
                       <a:schemeClr val="bg2">
@@ -2708,7 +2709,7 @@
             <a:effectLst/>
             <a:extLst>
               <a:ext uri="{91240B29-F687-4f45-9708-019B960494DF}">
-                <a14:hiddenLine xmlns:a14="http://schemas.microsoft.com/office/drawing/2010/main" xmlns="" w="9525">
+                <a14:hiddenLine xmlns="" xmlns:a14="http://schemas.microsoft.com/office/drawing/2010/main" w="9525">
                   <a:solidFill>
                     <a:schemeClr val="tx1"/>
                   </a:solidFill>
@@ -2718,7 +2719,7 @@
                 </a14:hiddenLine>
               </a:ext>
               <a:ext uri="{AF507438-7753-43e0-B8FC-AC1667EBCBE1}">
-                <a14:hiddenEffects xmlns:a14="http://schemas.microsoft.com/office/drawing/2010/main" xmlns="">
+                <a14:hiddenEffects xmlns="" xmlns:a14="http://schemas.microsoft.com/office/drawing/2010/main">
                   <a:effectLst>
                     <a:outerShdw blurRad="63500" dist="38099" dir="2700000" algn="ctr" rotWithShape="0">
                       <a:schemeClr val="bg2">
@@ -2767,12 +2768,12 @@
           <a:effectLst/>
           <a:extLst>
             <a:ext uri="{909E8E84-426E-40dd-AFC4-6F175D3DCCD1}">
-              <a14:hiddenFill xmlns:a14="http://schemas.microsoft.com/office/drawing/2010/main" xmlns="">
+              <a14:hiddenFill xmlns="" xmlns:a14="http://schemas.microsoft.com/office/drawing/2010/main">
                 <a:noFill/>
               </a14:hiddenFill>
             </a:ext>
             <a:ext uri="{AF507438-7753-43e0-B8FC-AC1667EBCBE1}">
-              <a14:hiddenEffects xmlns:a14="http://schemas.microsoft.com/office/drawing/2010/main" xmlns="">
+              <a14:hiddenEffects xmlns="" xmlns:a14="http://schemas.microsoft.com/office/drawing/2010/main">
                 <a:effectLst>
                   <a:outerShdw blurRad="63500" dist="38099" dir="2700000" algn="ctr" rotWithShape="0">
                     <a:schemeClr val="bg2">
@@ -2797,13 +2798,6 @@
   <p:clrMapOvr>
     <a:masterClrMapping/>
   </p:clrMapOvr>
-  <p:timing>
-    <p:tnLst>
-      <p:par>
-        <p:cTn id="1" dur="indefinite" restart="never" nodeType="tmRoot"/>
-      </p:par>
-    </p:tnLst>
-  </p:timing>
 </p:sldLayout>
 </file>
 
@@ -2840,10 +2834,9 @@
           <a:lstStyle/>
           <a:p>
             <a:r>
-              <a:rPr lang="en-US" smtClean="0"/>
+              <a:rPr lang="en-US"/>
               <a:t>Click to edit Master title style</a:t>
             </a:r>
-            <a:endParaRPr lang="en-US"/>
           </a:p>
         </p:txBody>
       </p:sp>
@@ -2864,38 +2857,37 @@
           <a:p>
             <a:pPr lvl="0"/>
             <a:r>
-              <a:rPr lang="en-US" smtClean="0"/>
+              <a:rPr lang="en-US"/>
               <a:t>Click to edit Master text styles</a:t>
             </a:r>
           </a:p>
           <a:p>
             <a:pPr lvl="1"/>
             <a:r>
-              <a:rPr lang="en-US" smtClean="0"/>
+              <a:rPr lang="en-US"/>
               <a:t>Second level</a:t>
             </a:r>
           </a:p>
           <a:p>
             <a:pPr lvl="2"/>
             <a:r>
-              <a:rPr lang="en-US" smtClean="0"/>
+              <a:rPr lang="en-US"/>
               <a:t>Third level</a:t>
             </a:r>
           </a:p>
           <a:p>
             <a:pPr lvl="3"/>
             <a:r>
-              <a:rPr lang="en-US" smtClean="0"/>
+              <a:rPr lang="en-US"/>
               <a:t>Fourth level</a:t>
             </a:r>
           </a:p>
           <a:p>
             <a:pPr lvl="4"/>
             <a:r>
-              <a:rPr lang="en-US" smtClean="0"/>
+              <a:rPr lang="en-US"/>
               <a:t>Fifth level</a:t>
             </a:r>
-            <a:endParaRPr lang="en-US"/>
           </a:p>
         </p:txBody>
       </p:sp>
@@ -3024,10 +3016,9 @@
           <a:lstStyle/>
           <a:p>
             <a:r>
-              <a:rPr lang="en-US" smtClean="0"/>
+              <a:rPr lang="en-US"/>
               <a:t>Click to edit Master title style</a:t>
             </a:r>
-            <a:endParaRPr lang="en-US"/>
           </a:p>
         </p:txBody>
       </p:sp>
@@ -3053,38 +3044,37 @@
           <a:p>
             <a:pPr lvl="0"/>
             <a:r>
-              <a:rPr lang="en-US" smtClean="0"/>
+              <a:rPr lang="en-US"/>
               <a:t>Click to edit Master text styles</a:t>
             </a:r>
           </a:p>
           <a:p>
             <a:pPr lvl="1"/>
             <a:r>
-              <a:rPr lang="en-US" smtClean="0"/>
+              <a:rPr lang="en-US"/>
               <a:t>Second level</a:t>
             </a:r>
           </a:p>
           <a:p>
             <a:pPr lvl="2"/>
             <a:r>
-              <a:rPr lang="en-US" smtClean="0"/>
+              <a:rPr lang="en-US"/>
               <a:t>Third level</a:t>
             </a:r>
           </a:p>
           <a:p>
             <a:pPr lvl="3"/>
             <a:r>
-              <a:rPr lang="en-US" smtClean="0"/>
+              <a:rPr lang="en-US"/>
               <a:t>Fourth level</a:t>
             </a:r>
           </a:p>
           <a:p>
             <a:pPr lvl="4"/>
             <a:r>
-              <a:rPr lang="en-US" smtClean="0"/>
+              <a:rPr lang="en-US"/>
               <a:t>Fifth level</a:t>
             </a:r>
-            <a:endParaRPr lang="en-US"/>
           </a:p>
         </p:txBody>
       </p:sp>
@@ -3208,10 +3198,9 @@
           <a:lstStyle/>
           <a:p>
             <a:r>
-              <a:rPr lang="en-US" smtClean="0"/>
+              <a:rPr lang="en-US"/>
               <a:t>Click to edit Master title style</a:t>
             </a:r>
-            <a:endParaRPr lang="en-US"/>
           </a:p>
         </p:txBody>
       </p:sp>
@@ -3232,38 +3221,37 @@
           <a:p>
             <a:pPr lvl="0"/>
             <a:r>
-              <a:rPr lang="en-US" smtClean="0"/>
+              <a:rPr lang="en-US"/>
               <a:t>Click to edit Master text styles</a:t>
             </a:r>
           </a:p>
           <a:p>
             <a:pPr lvl="1"/>
             <a:r>
-              <a:rPr lang="en-US" smtClean="0"/>
+              <a:rPr lang="en-US"/>
               <a:t>Second level</a:t>
             </a:r>
           </a:p>
           <a:p>
             <a:pPr lvl="2"/>
             <a:r>
-              <a:rPr lang="en-US" smtClean="0"/>
+              <a:rPr lang="en-US"/>
               <a:t>Third level</a:t>
             </a:r>
           </a:p>
           <a:p>
             <a:pPr lvl="3"/>
             <a:r>
-              <a:rPr lang="en-US" smtClean="0"/>
+              <a:rPr lang="en-US"/>
               <a:t>Fourth level</a:t>
             </a:r>
           </a:p>
           <a:p>
             <a:pPr lvl="4"/>
             <a:r>
-              <a:rPr lang="en-US" smtClean="0"/>
+              <a:rPr lang="en-US"/>
               <a:t>Fifth level</a:t>
             </a:r>
-            <a:endParaRPr lang="en-US"/>
           </a:p>
         </p:txBody>
       </p:sp>
@@ -3396,10 +3384,9 @@
           </a:lstStyle>
           <a:p>
             <a:r>
-              <a:rPr lang="en-US" smtClean="0"/>
+              <a:rPr lang="en-US"/>
               <a:t>Click to edit Master title style</a:t>
             </a:r>
-            <a:endParaRPr lang="en-US"/>
           </a:p>
         </p:txBody>
       </p:sp>
@@ -3462,7 +3449,7 @@
           <a:p>
             <a:pPr lvl="0"/>
             <a:r>
-              <a:rPr lang="en-US" smtClean="0"/>
+              <a:rPr lang="en-US"/>
               <a:t>Click to edit Master text styles</a:t>
             </a:r>
           </a:p>
@@ -3588,10 +3575,9 @@
           <a:lstStyle/>
           <a:p>
             <a:r>
-              <a:rPr lang="en-US" smtClean="0"/>
+              <a:rPr lang="en-US"/>
               <a:t>Click to edit Master title style</a:t>
             </a:r>
-            <a:endParaRPr lang="en-US"/>
           </a:p>
         </p:txBody>
       </p:sp>
@@ -3645,38 +3631,37 @@
           <a:p>
             <a:pPr lvl="0"/>
             <a:r>
-              <a:rPr lang="en-US" smtClean="0"/>
+              <a:rPr lang="en-US"/>
               <a:t>Click to edit Master text styles</a:t>
             </a:r>
           </a:p>
           <a:p>
             <a:pPr lvl="1"/>
             <a:r>
-              <a:rPr lang="en-US" smtClean="0"/>
+              <a:rPr lang="en-US"/>
               <a:t>Second level</a:t>
             </a:r>
           </a:p>
           <a:p>
             <a:pPr lvl="2"/>
             <a:r>
-              <a:rPr lang="en-US" smtClean="0"/>
+              <a:rPr lang="en-US"/>
               <a:t>Third level</a:t>
             </a:r>
           </a:p>
           <a:p>
             <a:pPr lvl="3"/>
             <a:r>
-              <a:rPr lang="en-US" smtClean="0"/>
+              <a:rPr lang="en-US"/>
               <a:t>Fourth level</a:t>
             </a:r>
           </a:p>
           <a:p>
             <a:pPr lvl="4"/>
             <a:r>
-              <a:rPr lang="en-US" smtClean="0"/>
+              <a:rPr lang="en-US"/>
               <a:t>Fifth level</a:t>
             </a:r>
-            <a:endParaRPr lang="en-US"/>
           </a:p>
         </p:txBody>
       </p:sp>
@@ -3730,38 +3715,37 @@
           <a:p>
             <a:pPr lvl="0"/>
             <a:r>
-              <a:rPr lang="en-US" smtClean="0"/>
+              <a:rPr lang="en-US"/>
               <a:t>Click to edit Master text styles</a:t>
             </a:r>
           </a:p>
           <a:p>
             <a:pPr lvl="1"/>
             <a:r>
-              <a:rPr lang="en-US" smtClean="0"/>
+              <a:rPr lang="en-US"/>
               <a:t>Second level</a:t>
             </a:r>
           </a:p>
           <a:p>
             <a:pPr lvl="2"/>
             <a:r>
-              <a:rPr lang="en-US" smtClean="0"/>
+              <a:rPr lang="en-US"/>
               <a:t>Third level</a:t>
             </a:r>
           </a:p>
           <a:p>
             <a:pPr lvl="3"/>
             <a:r>
-              <a:rPr lang="en-US" smtClean="0"/>
+              <a:rPr lang="en-US"/>
               <a:t>Fourth level</a:t>
             </a:r>
           </a:p>
           <a:p>
             <a:pPr lvl="4"/>
             <a:r>
-              <a:rPr lang="en-US" smtClean="0"/>
+              <a:rPr lang="en-US"/>
               <a:t>Fifth level</a:t>
             </a:r>
-            <a:endParaRPr lang="en-US"/>
           </a:p>
         </p:txBody>
       </p:sp>
@@ -3894,10 +3878,9 @@
           </a:lstStyle>
           <a:p>
             <a:r>
-              <a:rPr lang="en-US" smtClean="0"/>
+              <a:rPr lang="en-US"/>
               <a:t>Click to edit Master title style</a:t>
             </a:r>
-            <a:endParaRPr lang="en-US"/>
           </a:p>
         </p:txBody>
       </p:sp>
@@ -3960,7 +3943,7 @@
           <a:p>
             <a:pPr lvl="0"/>
             <a:r>
-              <a:rPr lang="en-US" smtClean="0"/>
+              <a:rPr lang="en-US"/>
               <a:t>Click to edit Master text styles</a:t>
             </a:r>
           </a:p>
@@ -4016,38 +3999,37 @@
           <a:p>
             <a:pPr lvl="0"/>
             <a:r>
-              <a:rPr lang="en-US" smtClean="0"/>
+              <a:rPr lang="en-US"/>
               <a:t>Click to edit Master text styles</a:t>
             </a:r>
           </a:p>
           <a:p>
             <a:pPr lvl="1"/>
             <a:r>
-              <a:rPr lang="en-US" smtClean="0"/>
+              <a:rPr lang="en-US"/>
               <a:t>Second level</a:t>
             </a:r>
           </a:p>
           <a:p>
             <a:pPr lvl="2"/>
             <a:r>
-              <a:rPr lang="en-US" smtClean="0"/>
+              <a:rPr lang="en-US"/>
               <a:t>Third level</a:t>
             </a:r>
           </a:p>
           <a:p>
             <a:pPr lvl="3"/>
             <a:r>
-              <a:rPr lang="en-US" smtClean="0"/>
+              <a:rPr lang="en-US"/>
               <a:t>Fourth level</a:t>
             </a:r>
           </a:p>
           <a:p>
             <a:pPr lvl="4"/>
             <a:r>
-              <a:rPr lang="en-US" smtClean="0"/>
+              <a:rPr lang="en-US"/>
               <a:t>Fifth level</a:t>
             </a:r>
-            <a:endParaRPr lang="en-US"/>
           </a:p>
         </p:txBody>
       </p:sp>
@@ -4110,7 +4092,7 @@
           <a:p>
             <a:pPr lvl="0"/>
             <a:r>
-              <a:rPr lang="en-US" smtClean="0"/>
+              <a:rPr lang="en-US"/>
               <a:t>Click to edit Master text styles</a:t>
             </a:r>
           </a:p>
@@ -4166,38 +4148,37 @@
           <a:p>
             <a:pPr lvl="0"/>
             <a:r>
-              <a:rPr lang="en-US" smtClean="0"/>
+              <a:rPr lang="en-US"/>
               <a:t>Click to edit Master text styles</a:t>
             </a:r>
           </a:p>
           <a:p>
             <a:pPr lvl="1"/>
             <a:r>
-              <a:rPr lang="en-US" smtClean="0"/>
+              <a:rPr lang="en-US"/>
               <a:t>Second level</a:t>
             </a:r>
           </a:p>
           <a:p>
             <a:pPr lvl="2"/>
             <a:r>
-              <a:rPr lang="en-US" smtClean="0"/>
+              <a:rPr lang="en-US"/>
               <a:t>Third level</a:t>
             </a:r>
           </a:p>
           <a:p>
             <a:pPr lvl="3"/>
             <a:r>
-              <a:rPr lang="en-US" smtClean="0"/>
+              <a:rPr lang="en-US"/>
               <a:t>Fourth level</a:t>
             </a:r>
           </a:p>
           <a:p>
             <a:pPr lvl="4"/>
             <a:r>
-              <a:rPr lang="en-US" smtClean="0"/>
+              <a:rPr lang="en-US"/>
               <a:t>Fifth level</a:t>
             </a:r>
-            <a:endParaRPr lang="en-US"/>
           </a:p>
         </p:txBody>
       </p:sp>
@@ -4321,10 +4302,9 @@
           <a:lstStyle/>
           <a:p>
             <a:r>
-              <a:rPr lang="en-US" smtClean="0"/>
+              <a:rPr lang="en-US"/>
               <a:t>Click to edit Master title style</a:t>
             </a:r>
-            <a:endParaRPr lang="en-US"/>
           </a:p>
         </p:txBody>
       </p:sp>
@@ -4561,10 +4541,9 @@
           </a:lstStyle>
           <a:p>
             <a:r>
-              <a:rPr lang="en-US" smtClean="0"/>
+              <a:rPr lang="en-US"/>
               <a:t>Click to edit Master title style</a:t>
             </a:r>
-            <a:endParaRPr lang="en-US"/>
           </a:p>
         </p:txBody>
       </p:sp>
@@ -4618,38 +4597,37 @@
           <a:p>
             <a:pPr lvl="0"/>
             <a:r>
-              <a:rPr lang="en-US" smtClean="0"/>
+              <a:rPr lang="en-US"/>
               <a:t>Click to edit Master text styles</a:t>
             </a:r>
           </a:p>
           <a:p>
             <a:pPr lvl="1"/>
             <a:r>
-              <a:rPr lang="en-US" smtClean="0"/>
+              <a:rPr lang="en-US"/>
               <a:t>Second level</a:t>
             </a:r>
           </a:p>
           <a:p>
             <a:pPr lvl="2"/>
             <a:r>
-              <a:rPr lang="en-US" smtClean="0"/>
+              <a:rPr lang="en-US"/>
               <a:t>Third level</a:t>
             </a:r>
           </a:p>
           <a:p>
             <a:pPr lvl="3"/>
             <a:r>
-              <a:rPr lang="en-US" smtClean="0"/>
+              <a:rPr lang="en-US"/>
               <a:t>Fourth level</a:t>
             </a:r>
           </a:p>
           <a:p>
             <a:pPr lvl="4"/>
             <a:r>
-              <a:rPr lang="en-US" smtClean="0"/>
+              <a:rPr lang="en-US"/>
               <a:t>Fifth level</a:t>
             </a:r>
-            <a:endParaRPr lang="en-US"/>
           </a:p>
         </p:txBody>
       </p:sp>
@@ -4712,7 +4690,7 @@
           <a:p>
             <a:pPr lvl="0"/>
             <a:r>
-              <a:rPr lang="en-US" smtClean="0"/>
+              <a:rPr lang="en-US"/>
               <a:t>Click to edit Master text styles</a:t>
             </a:r>
           </a:p>
@@ -4847,10 +4825,9 @@
           </a:lstStyle>
           <a:p>
             <a:r>
-              <a:rPr lang="en-US" smtClean="0"/>
+              <a:rPr lang="en-US"/>
               <a:t>Click to edit Master title style</a:t>
             </a:r>
-            <a:endParaRPr lang="en-US"/>
           </a:p>
         </p:txBody>
       </p:sp>
@@ -4974,7 +4951,7 @@
           <a:p>
             <a:pPr lvl="0"/>
             <a:r>
-              <a:rPr lang="en-US" smtClean="0"/>
+              <a:rPr lang="en-US"/>
               <a:t>Click to edit Master text styles</a:t>
             </a:r>
           </a:p>
@@ -5120,12 +5097,12 @@
           <a:effectLst/>
           <a:extLst>
             <a:ext uri="{909E8E84-426E-40dd-AFC4-6F175D3DCCD1}">
-              <a14:hiddenFill xmlns:a14="http://schemas.microsoft.com/office/drawing/2010/main" xmlns="">
+              <a14:hiddenFill xmlns="" xmlns:a14="http://schemas.microsoft.com/office/drawing/2010/main">
                 <a:noFill/>
               </a14:hiddenFill>
             </a:ext>
             <a:ext uri="{AF507438-7753-43e0-B8FC-AC1667EBCBE1}">
-              <a14:hiddenEffects xmlns:a14="http://schemas.microsoft.com/office/drawing/2010/main" xmlns="">
+              <a14:hiddenEffects xmlns="" xmlns:a14="http://schemas.microsoft.com/office/drawing/2010/main">
                 <a:effectLst>
                   <a:outerShdw blurRad="63500" dist="38099" dir="2700000" algn="ctr" rotWithShape="0">
                     <a:schemeClr val="bg2">
@@ -5170,17 +5147,17 @@
           <a:effectLst/>
           <a:extLst>
             <a:ext uri="{FAA26D3D-D897-4be2-8F04-BA451C77F1D7}">
-              <ma14:placeholderFlag xmlns:ma14="http://schemas.microsoft.com/office/mac/drawingml/2011/main" val="1"/>
+              <ma14:placeholderFlag xmlns:ma14="http://schemas.microsoft.com/office/mac/drawingml/2011/main" xmlns="" val="1"/>
             </a:ext>
             <a:ext uri="{909E8E84-426E-40dd-AFC4-6F175D3DCCD1}">
-              <a14:hiddenFill xmlns:a14="http://schemas.microsoft.com/office/drawing/2010/main" xmlns="">
+              <a14:hiddenFill xmlns="" xmlns:a14="http://schemas.microsoft.com/office/drawing/2010/main">
                 <a:solidFill>
                   <a:schemeClr val="accent1"/>
                 </a:solidFill>
               </a14:hiddenFill>
             </a:ext>
             <a:ext uri="{91240B29-F687-4f45-9708-019B960494DF}">
-              <a14:hiddenLine xmlns:a14="http://schemas.microsoft.com/office/drawing/2010/main" xmlns="" w="9525">
+              <a14:hiddenLine xmlns="" xmlns:a14="http://schemas.microsoft.com/office/drawing/2010/main" w="9525">
                 <a:solidFill>
                   <a:schemeClr val="tx1"/>
                 </a:solidFill>
@@ -5190,7 +5167,7 @@
               </a14:hiddenLine>
             </a:ext>
             <a:ext uri="{AF507438-7753-43e0-B8FC-AC1667EBCBE1}">
-              <a14:hiddenEffects xmlns:a14="http://schemas.microsoft.com/office/drawing/2010/main" xmlns="">
+              <a14:hiddenEffects xmlns="" xmlns:a14="http://schemas.microsoft.com/office/drawing/2010/main">
                 <a:effectLst>
                   <a:outerShdw blurRad="63500" dist="38099" dir="2700000" algn="ctr" rotWithShape="0">
                     <a:schemeClr val="bg2">
@@ -5243,17 +5220,17 @@
           <a:effectLst/>
           <a:extLst>
             <a:ext uri="{FAA26D3D-D897-4be2-8F04-BA451C77F1D7}">
-              <ma14:placeholderFlag xmlns:ma14="http://schemas.microsoft.com/office/mac/drawingml/2011/main" val="1"/>
+              <ma14:placeholderFlag xmlns:ma14="http://schemas.microsoft.com/office/mac/drawingml/2011/main" xmlns="" val="1"/>
             </a:ext>
             <a:ext uri="{909E8E84-426E-40dd-AFC4-6F175D3DCCD1}">
-              <a14:hiddenFill xmlns:a14="http://schemas.microsoft.com/office/drawing/2010/main" xmlns="">
+              <a14:hiddenFill xmlns="" xmlns:a14="http://schemas.microsoft.com/office/drawing/2010/main">
                 <a:solidFill>
                   <a:schemeClr val="accent1"/>
                 </a:solidFill>
               </a14:hiddenFill>
             </a:ext>
             <a:ext uri="{91240B29-F687-4f45-9708-019B960494DF}">
-              <a14:hiddenLine xmlns:a14="http://schemas.microsoft.com/office/drawing/2010/main" xmlns="" w="9525">
+              <a14:hiddenLine xmlns="" xmlns:a14="http://schemas.microsoft.com/office/drawing/2010/main" w="9525">
                 <a:solidFill>
                   <a:schemeClr val="tx1"/>
                 </a:solidFill>
@@ -5263,7 +5240,7 @@
               </a14:hiddenLine>
             </a:ext>
             <a:ext uri="{AF507438-7753-43e0-B8FC-AC1667EBCBE1}">
-              <a14:hiddenEffects xmlns:a14="http://schemas.microsoft.com/office/drawing/2010/main" xmlns="">
+              <a14:hiddenEffects xmlns="" xmlns:a14="http://schemas.microsoft.com/office/drawing/2010/main">
                 <a:effectLst>
                   <a:outerShdw blurRad="63500" dist="38099" dir="2700000" algn="ctr" rotWithShape="0">
                     <a:schemeClr val="bg2">
@@ -5344,17 +5321,17 @@
           <a:effectLst/>
           <a:extLst>
             <a:ext uri="{FAA26D3D-D897-4be2-8F04-BA451C77F1D7}">
-              <ma14:placeholderFlag xmlns:ma14="http://schemas.microsoft.com/office/mac/drawingml/2011/main" val="1"/>
+              <ma14:placeholderFlag xmlns:ma14="http://schemas.microsoft.com/office/mac/drawingml/2011/main" xmlns="" val="1"/>
             </a:ext>
             <a:ext uri="{909E8E84-426E-40dd-AFC4-6F175D3DCCD1}">
-              <a14:hiddenFill xmlns:a14="http://schemas.microsoft.com/office/drawing/2010/main" xmlns="">
+              <a14:hiddenFill xmlns="" xmlns:a14="http://schemas.microsoft.com/office/drawing/2010/main">
                 <a:solidFill>
                   <a:schemeClr val="accent1"/>
                 </a:solidFill>
               </a14:hiddenFill>
             </a:ext>
             <a:ext uri="{91240B29-F687-4f45-9708-019B960494DF}">
-              <a14:hiddenLine xmlns:a14="http://schemas.microsoft.com/office/drawing/2010/main" xmlns="" w="9525">
+              <a14:hiddenLine xmlns="" xmlns:a14="http://schemas.microsoft.com/office/drawing/2010/main" w="9525">
                 <a:solidFill>
                   <a:schemeClr val="tx1"/>
                 </a:solidFill>
@@ -5364,7 +5341,7 @@
               </a14:hiddenLine>
             </a:ext>
             <a:ext uri="{AF507438-7753-43e0-B8FC-AC1667EBCBE1}">
-              <a14:hiddenEffects xmlns:a14="http://schemas.microsoft.com/office/drawing/2010/main" xmlns="">
+              <a14:hiddenEffects xmlns="" xmlns:a14="http://schemas.microsoft.com/office/drawing/2010/main">
                 <a:effectLst>
                   <a:outerShdw blurRad="63500" dist="38099" dir="2700000" algn="ctr" rotWithShape="0">
                     <a:schemeClr val="bg2">
@@ -5417,17 +5394,17 @@
           <a:effectLst/>
           <a:extLst>
             <a:ext uri="{FAA26D3D-D897-4be2-8F04-BA451C77F1D7}">
-              <ma14:placeholderFlag xmlns:ma14="http://schemas.microsoft.com/office/mac/drawingml/2011/main" val="1"/>
+              <ma14:placeholderFlag xmlns:ma14="http://schemas.microsoft.com/office/mac/drawingml/2011/main" xmlns="" val="1"/>
             </a:ext>
             <a:ext uri="{909E8E84-426E-40dd-AFC4-6F175D3DCCD1}">
-              <a14:hiddenFill xmlns:a14="http://schemas.microsoft.com/office/drawing/2010/main" xmlns="">
+              <a14:hiddenFill xmlns="" xmlns:a14="http://schemas.microsoft.com/office/drawing/2010/main">
                 <a:solidFill>
                   <a:schemeClr val="accent1"/>
                 </a:solidFill>
               </a14:hiddenFill>
             </a:ext>
             <a:ext uri="{91240B29-F687-4f45-9708-019B960494DF}">
-              <a14:hiddenLine xmlns:a14="http://schemas.microsoft.com/office/drawing/2010/main" xmlns="" w="9525">
+              <a14:hiddenLine xmlns="" xmlns:a14="http://schemas.microsoft.com/office/drawing/2010/main" w="9525">
                 <a:solidFill>
                   <a:schemeClr val="tx1"/>
                 </a:solidFill>
@@ -5437,7 +5414,7 @@
               </a14:hiddenLine>
             </a:ext>
             <a:ext uri="{AF507438-7753-43e0-B8FC-AC1667EBCBE1}">
-              <a14:hiddenEffects xmlns:a14="http://schemas.microsoft.com/office/drawing/2010/main" xmlns="">
+              <a14:hiddenEffects xmlns="" xmlns:a14="http://schemas.microsoft.com/office/drawing/2010/main">
                 <a:effectLst>
                   <a:outerShdw blurRad="63500" dist="38099" dir="2700000" algn="ctr" rotWithShape="0">
                     <a:schemeClr val="bg2">
@@ -5490,17 +5467,17 @@
           <a:effectLst/>
           <a:extLst>
             <a:ext uri="{FAA26D3D-D897-4be2-8F04-BA451C77F1D7}">
-              <ma14:placeholderFlag xmlns:ma14="http://schemas.microsoft.com/office/mac/drawingml/2011/main" val="1"/>
+              <ma14:placeholderFlag xmlns:ma14="http://schemas.microsoft.com/office/mac/drawingml/2011/main" xmlns="" val="1"/>
             </a:ext>
             <a:ext uri="{909E8E84-426E-40dd-AFC4-6F175D3DCCD1}">
-              <a14:hiddenFill xmlns:a14="http://schemas.microsoft.com/office/drawing/2010/main" xmlns="">
+              <a14:hiddenFill xmlns="" xmlns:a14="http://schemas.microsoft.com/office/drawing/2010/main">
                 <a:solidFill>
                   <a:schemeClr val="accent1"/>
                 </a:solidFill>
               </a14:hiddenFill>
             </a:ext>
             <a:ext uri="{91240B29-F687-4f45-9708-019B960494DF}">
-              <a14:hiddenLine xmlns:a14="http://schemas.microsoft.com/office/drawing/2010/main" xmlns="" w="9525">
+              <a14:hiddenLine xmlns="" xmlns:a14="http://schemas.microsoft.com/office/drawing/2010/main" w="9525">
                 <a:solidFill>
                   <a:schemeClr val="tx1"/>
                 </a:solidFill>
@@ -5510,7 +5487,7 @@
               </a14:hiddenLine>
             </a:ext>
             <a:ext uri="{AF507438-7753-43e0-B8FC-AC1667EBCBE1}">
-              <a14:hiddenEffects xmlns:a14="http://schemas.microsoft.com/office/drawing/2010/main" xmlns="">
+              <a14:hiddenEffects xmlns="" xmlns:a14="http://schemas.microsoft.com/office/drawing/2010/main">
                 <a:effectLst>
                   <a:outerShdw blurRad="63500" dist="38099" dir="2700000" algn="ctr" rotWithShape="0">
                     <a:schemeClr val="bg2">
@@ -5584,7 +5561,7 @@
             <a:effectLst/>
             <a:extLst>
               <a:ext uri="{91240B29-F687-4f45-9708-019B960494DF}">
-                <a14:hiddenLine xmlns:a14="http://schemas.microsoft.com/office/drawing/2010/main" xmlns="" w="9525">
+                <a14:hiddenLine xmlns="" xmlns:a14="http://schemas.microsoft.com/office/drawing/2010/main" w="9525">
                   <a:solidFill>
                     <a:schemeClr val="tx1"/>
                   </a:solidFill>
@@ -5594,7 +5571,7 @@
                 </a14:hiddenLine>
               </a:ext>
               <a:ext uri="{AF507438-7753-43e0-B8FC-AC1667EBCBE1}">
-                <a14:hiddenEffects xmlns:a14="http://schemas.microsoft.com/office/drawing/2010/main" xmlns="">
+                <a14:hiddenEffects xmlns="" xmlns:a14="http://schemas.microsoft.com/office/drawing/2010/main">
                   <a:effectLst>
                     <a:outerShdw blurRad="63500" dist="38099" dir="2700000" algn="ctr" rotWithShape="0">
                       <a:schemeClr val="bg2">
@@ -5639,7 +5616,7 @@
             <a:effectLst/>
             <a:extLst>
               <a:ext uri="{91240B29-F687-4f45-9708-019B960494DF}">
-                <a14:hiddenLine xmlns:a14="http://schemas.microsoft.com/office/drawing/2010/main" xmlns="" w="9525">
+                <a14:hiddenLine xmlns="" xmlns:a14="http://schemas.microsoft.com/office/drawing/2010/main" w="9525">
                   <a:solidFill>
                     <a:schemeClr val="tx1"/>
                   </a:solidFill>
@@ -5649,7 +5626,7 @@
                 </a14:hiddenLine>
               </a:ext>
               <a:ext uri="{AF507438-7753-43e0-B8FC-AC1667EBCBE1}">
-                <a14:hiddenEffects xmlns:a14="http://schemas.microsoft.com/office/drawing/2010/main" xmlns="">
+                <a14:hiddenEffects xmlns="" xmlns:a14="http://schemas.microsoft.com/office/drawing/2010/main">
                   <a:effectLst>
                     <a:outerShdw blurRad="63500" dist="38099" dir="2700000" algn="ctr" rotWithShape="0">
                       <a:schemeClr val="bg2">
@@ -5694,7 +5671,7 @@
             <a:effectLst/>
             <a:extLst>
               <a:ext uri="{91240B29-F687-4f45-9708-019B960494DF}">
-                <a14:hiddenLine xmlns:a14="http://schemas.microsoft.com/office/drawing/2010/main" xmlns="" w="9525">
+                <a14:hiddenLine xmlns="" xmlns:a14="http://schemas.microsoft.com/office/drawing/2010/main" w="9525">
                   <a:solidFill>
                     <a:schemeClr val="tx1"/>
                   </a:solidFill>
@@ -5704,7 +5681,7 @@
                 </a14:hiddenLine>
               </a:ext>
               <a:ext uri="{AF507438-7753-43e0-B8FC-AC1667EBCBE1}">
-                <a14:hiddenEffects xmlns:a14="http://schemas.microsoft.com/office/drawing/2010/main" xmlns="">
+                <a14:hiddenEffects xmlns="" xmlns:a14="http://schemas.microsoft.com/office/drawing/2010/main">
                   <a:effectLst>
                     <a:outerShdw blurRad="63500" dist="38099" dir="2700000" algn="ctr" rotWithShape="0">
                       <a:schemeClr val="bg2">
@@ -5749,7 +5726,7 @@
             <a:effectLst/>
             <a:extLst>
               <a:ext uri="{91240B29-F687-4f45-9708-019B960494DF}">
-                <a14:hiddenLine xmlns:a14="http://schemas.microsoft.com/office/drawing/2010/main" xmlns="" w="9525">
+                <a14:hiddenLine xmlns="" xmlns:a14="http://schemas.microsoft.com/office/drawing/2010/main" w="9525">
                   <a:solidFill>
                     <a:schemeClr val="tx1"/>
                   </a:solidFill>
@@ -5759,7 +5736,7 @@
                 </a14:hiddenLine>
               </a:ext>
               <a:ext uri="{AF507438-7753-43e0-B8FC-AC1667EBCBE1}">
-                <a14:hiddenEffects xmlns:a14="http://schemas.microsoft.com/office/drawing/2010/main" xmlns="">
+                <a14:hiddenEffects xmlns="" xmlns:a14="http://schemas.microsoft.com/office/drawing/2010/main">
                   <a:effectLst>
                     <a:outerShdw blurRad="63500" dist="38099" dir="2700000" algn="ctr" rotWithShape="0">
                       <a:schemeClr val="bg2">
@@ -5804,7 +5781,7 @@
             <a:effectLst/>
             <a:extLst>
               <a:ext uri="{91240B29-F687-4f45-9708-019B960494DF}">
-                <a14:hiddenLine xmlns:a14="http://schemas.microsoft.com/office/drawing/2010/main" xmlns="" w="9525">
+                <a14:hiddenLine xmlns="" xmlns:a14="http://schemas.microsoft.com/office/drawing/2010/main" w="9525">
                   <a:solidFill>
                     <a:schemeClr val="tx1"/>
                   </a:solidFill>
@@ -5814,7 +5791,7 @@
                 </a14:hiddenLine>
               </a:ext>
               <a:ext uri="{AF507438-7753-43e0-B8FC-AC1667EBCBE1}">
-                <a14:hiddenEffects xmlns:a14="http://schemas.microsoft.com/office/drawing/2010/main" xmlns="">
+                <a14:hiddenEffects xmlns="" xmlns:a14="http://schemas.microsoft.com/office/drawing/2010/main">
                   <a:effectLst>
                     <a:outerShdw blurRad="63500" dist="38099" dir="2700000" algn="ctr" rotWithShape="0">
                       <a:schemeClr val="bg2">
@@ -5859,7 +5836,7 @@
             <a:effectLst/>
             <a:extLst>
               <a:ext uri="{91240B29-F687-4f45-9708-019B960494DF}">
-                <a14:hiddenLine xmlns:a14="http://schemas.microsoft.com/office/drawing/2010/main" xmlns="" w="9525">
+                <a14:hiddenLine xmlns="" xmlns:a14="http://schemas.microsoft.com/office/drawing/2010/main" w="9525">
                   <a:solidFill>
                     <a:schemeClr val="tx1"/>
                   </a:solidFill>
@@ -5869,7 +5846,7 @@
                 </a14:hiddenLine>
               </a:ext>
               <a:ext uri="{AF507438-7753-43e0-B8FC-AC1667EBCBE1}">
-                <a14:hiddenEffects xmlns:a14="http://schemas.microsoft.com/office/drawing/2010/main" xmlns="">
+                <a14:hiddenEffects xmlns="" xmlns:a14="http://schemas.microsoft.com/office/drawing/2010/main">
                   <a:effectLst>
                     <a:outerShdw blurRad="63500" dist="38099" dir="2700000" algn="ctr" rotWithShape="0">
                       <a:schemeClr val="bg2">
@@ -5914,7 +5891,7 @@
             <a:effectLst/>
             <a:extLst>
               <a:ext uri="{91240B29-F687-4f45-9708-019B960494DF}">
-                <a14:hiddenLine xmlns:a14="http://schemas.microsoft.com/office/drawing/2010/main" xmlns="" w="9525">
+                <a14:hiddenLine xmlns="" xmlns:a14="http://schemas.microsoft.com/office/drawing/2010/main" w="9525">
                   <a:solidFill>
                     <a:schemeClr val="tx1"/>
                   </a:solidFill>
@@ -5924,7 +5901,7 @@
                 </a14:hiddenLine>
               </a:ext>
               <a:ext uri="{AF507438-7753-43e0-B8FC-AC1667EBCBE1}">
-                <a14:hiddenEffects xmlns:a14="http://schemas.microsoft.com/office/drawing/2010/main" xmlns="">
+                <a14:hiddenEffects xmlns="" xmlns:a14="http://schemas.microsoft.com/office/drawing/2010/main">
                   <a:effectLst>
                     <a:outerShdw blurRad="63500" dist="38099" dir="2700000" algn="ctr" rotWithShape="0">
                       <a:schemeClr val="bg2">
@@ -5969,7 +5946,7 @@
             <a:effectLst/>
             <a:extLst>
               <a:ext uri="{91240B29-F687-4f45-9708-019B960494DF}">
-                <a14:hiddenLine xmlns:a14="http://schemas.microsoft.com/office/drawing/2010/main" xmlns="" w="9525">
+                <a14:hiddenLine xmlns="" xmlns:a14="http://schemas.microsoft.com/office/drawing/2010/main" w="9525">
                   <a:solidFill>
                     <a:schemeClr val="tx1"/>
                   </a:solidFill>
@@ -5979,7 +5956,7 @@
                 </a14:hiddenLine>
               </a:ext>
               <a:ext uri="{AF507438-7753-43e0-B8FC-AC1667EBCBE1}">
-                <a14:hiddenEffects xmlns:a14="http://schemas.microsoft.com/office/drawing/2010/main" xmlns="">
+                <a14:hiddenEffects xmlns="" xmlns:a14="http://schemas.microsoft.com/office/drawing/2010/main">
                   <a:effectLst>
                     <a:outerShdw blurRad="63500" dist="38099" dir="2700000" algn="ctr" rotWithShape="0">
                       <a:schemeClr val="bg2">
@@ -6024,7 +6001,7 @@
             <a:effectLst/>
             <a:extLst>
               <a:ext uri="{91240B29-F687-4f45-9708-019B960494DF}">
-                <a14:hiddenLine xmlns:a14="http://schemas.microsoft.com/office/drawing/2010/main" xmlns="" w="9525">
+                <a14:hiddenLine xmlns="" xmlns:a14="http://schemas.microsoft.com/office/drawing/2010/main" w="9525">
                   <a:solidFill>
                     <a:schemeClr val="tx1"/>
                   </a:solidFill>
@@ -6034,7 +6011,7 @@
                 </a14:hiddenLine>
               </a:ext>
               <a:ext uri="{AF507438-7753-43e0-B8FC-AC1667EBCBE1}">
-                <a14:hiddenEffects xmlns:a14="http://schemas.microsoft.com/office/drawing/2010/main" xmlns="">
+                <a14:hiddenEffects xmlns="" xmlns:a14="http://schemas.microsoft.com/office/drawing/2010/main">
                   <a:effectLst>
                     <a:outerShdw blurRad="63500" dist="38099" dir="2700000" algn="ctr" rotWithShape="0">
                       <a:schemeClr val="bg2">
@@ -6079,7 +6056,7 @@
             <a:effectLst/>
             <a:extLst>
               <a:ext uri="{91240B29-F687-4f45-9708-019B960494DF}">
-                <a14:hiddenLine xmlns:a14="http://schemas.microsoft.com/office/drawing/2010/main" xmlns="" w="9525">
+                <a14:hiddenLine xmlns="" xmlns:a14="http://schemas.microsoft.com/office/drawing/2010/main" w="9525">
                   <a:solidFill>
                     <a:schemeClr val="tx1"/>
                   </a:solidFill>
@@ -6089,7 +6066,7 @@
                 </a14:hiddenLine>
               </a:ext>
               <a:ext uri="{AF507438-7753-43e0-B8FC-AC1667EBCBE1}">
-                <a14:hiddenEffects xmlns:a14="http://schemas.microsoft.com/office/drawing/2010/main" xmlns="">
+                <a14:hiddenEffects xmlns="" xmlns:a14="http://schemas.microsoft.com/office/drawing/2010/main">
                   <a:effectLst>
                     <a:outerShdw blurRad="63500" dist="38099" dir="2700000" algn="ctr" rotWithShape="0">
                       <a:schemeClr val="bg2">
@@ -6134,7 +6111,7 @@
             <a:effectLst/>
             <a:extLst>
               <a:ext uri="{91240B29-F687-4f45-9708-019B960494DF}">
-                <a14:hiddenLine xmlns:a14="http://schemas.microsoft.com/office/drawing/2010/main" xmlns="" w="9525">
+                <a14:hiddenLine xmlns="" xmlns:a14="http://schemas.microsoft.com/office/drawing/2010/main" w="9525">
                   <a:solidFill>
                     <a:schemeClr val="tx1"/>
                   </a:solidFill>
@@ -6144,7 +6121,7 @@
                 </a14:hiddenLine>
               </a:ext>
               <a:ext uri="{AF507438-7753-43e0-B8FC-AC1667EBCBE1}">
-                <a14:hiddenEffects xmlns:a14="http://schemas.microsoft.com/office/drawing/2010/main" xmlns="">
+                <a14:hiddenEffects xmlns="" xmlns:a14="http://schemas.microsoft.com/office/drawing/2010/main">
                   <a:effectLst>
                     <a:outerShdw blurRad="63500" dist="38099" dir="2700000" algn="ctr" rotWithShape="0">
                       <a:schemeClr val="bg2">
@@ -6189,7 +6166,7 @@
             <a:effectLst/>
             <a:extLst>
               <a:ext uri="{91240B29-F687-4f45-9708-019B960494DF}">
-                <a14:hiddenLine xmlns:a14="http://schemas.microsoft.com/office/drawing/2010/main" xmlns="" w="9525">
+                <a14:hiddenLine xmlns="" xmlns:a14="http://schemas.microsoft.com/office/drawing/2010/main" w="9525">
                   <a:solidFill>
                     <a:schemeClr val="tx1"/>
                   </a:solidFill>
@@ -6199,7 +6176,7 @@
                 </a14:hiddenLine>
               </a:ext>
               <a:ext uri="{AF507438-7753-43e0-B8FC-AC1667EBCBE1}">
-                <a14:hiddenEffects xmlns:a14="http://schemas.microsoft.com/office/drawing/2010/main" xmlns="">
+                <a14:hiddenEffects xmlns="" xmlns:a14="http://schemas.microsoft.com/office/drawing/2010/main">
                   <a:effectLst>
                     <a:outerShdw blurRad="63500" dist="38099" dir="2700000" algn="ctr" rotWithShape="0">
                       <a:schemeClr val="bg2">
@@ -6244,7 +6221,7 @@
             <a:effectLst/>
             <a:extLst>
               <a:ext uri="{91240B29-F687-4f45-9708-019B960494DF}">
-                <a14:hiddenLine xmlns:a14="http://schemas.microsoft.com/office/drawing/2010/main" xmlns="" w="9525">
+                <a14:hiddenLine xmlns="" xmlns:a14="http://schemas.microsoft.com/office/drawing/2010/main" w="9525">
                   <a:solidFill>
                     <a:schemeClr val="tx1"/>
                   </a:solidFill>
@@ -6254,7 +6231,7 @@
                 </a14:hiddenLine>
               </a:ext>
               <a:ext uri="{AF507438-7753-43e0-B8FC-AC1667EBCBE1}">
-                <a14:hiddenEffects xmlns:a14="http://schemas.microsoft.com/office/drawing/2010/main" xmlns="">
+                <a14:hiddenEffects xmlns="" xmlns:a14="http://schemas.microsoft.com/office/drawing/2010/main">
                   <a:effectLst>
                     <a:outerShdw blurRad="63500" dist="38099" dir="2700000" algn="ctr" rotWithShape="0">
                       <a:schemeClr val="bg2">
@@ -6299,7 +6276,7 @@
             <a:effectLst/>
             <a:extLst>
               <a:ext uri="{91240B29-F687-4f45-9708-019B960494DF}">
-                <a14:hiddenLine xmlns:a14="http://schemas.microsoft.com/office/drawing/2010/main" xmlns="" w="9525">
+                <a14:hiddenLine xmlns="" xmlns:a14="http://schemas.microsoft.com/office/drawing/2010/main" w="9525">
                   <a:solidFill>
                     <a:schemeClr val="tx1"/>
                   </a:solidFill>
@@ -6309,7 +6286,7 @@
                 </a14:hiddenLine>
               </a:ext>
               <a:ext uri="{AF507438-7753-43e0-B8FC-AC1667EBCBE1}">
-                <a14:hiddenEffects xmlns:a14="http://schemas.microsoft.com/office/drawing/2010/main" xmlns="">
+                <a14:hiddenEffects xmlns="" xmlns:a14="http://schemas.microsoft.com/office/drawing/2010/main">
                   <a:effectLst>
                     <a:outerShdw blurRad="63500" dist="38099" dir="2700000" algn="ctr" rotWithShape="0">
                       <a:schemeClr val="bg2">
@@ -6354,7 +6331,7 @@
             <a:effectLst/>
             <a:extLst>
               <a:ext uri="{91240B29-F687-4f45-9708-019B960494DF}">
-                <a14:hiddenLine xmlns:a14="http://schemas.microsoft.com/office/drawing/2010/main" xmlns="" w="9525">
+                <a14:hiddenLine xmlns="" xmlns:a14="http://schemas.microsoft.com/office/drawing/2010/main" w="9525">
                   <a:solidFill>
                     <a:schemeClr val="tx1"/>
                   </a:solidFill>
@@ -6364,7 +6341,7 @@
                 </a14:hiddenLine>
               </a:ext>
               <a:ext uri="{AF507438-7753-43e0-B8FC-AC1667EBCBE1}">
-                <a14:hiddenEffects xmlns:a14="http://schemas.microsoft.com/office/drawing/2010/main" xmlns="">
+                <a14:hiddenEffects xmlns="" xmlns:a14="http://schemas.microsoft.com/office/drawing/2010/main">
                   <a:effectLst>
                     <a:outerShdw blurRad="63500" dist="38099" dir="2700000" algn="ctr" rotWithShape="0">
                       <a:schemeClr val="bg2">
@@ -6409,7 +6386,7 @@
             <a:effectLst/>
             <a:extLst>
               <a:ext uri="{91240B29-F687-4f45-9708-019B960494DF}">
-                <a14:hiddenLine xmlns:a14="http://schemas.microsoft.com/office/drawing/2010/main" xmlns="" w="9525">
+                <a14:hiddenLine xmlns="" xmlns:a14="http://schemas.microsoft.com/office/drawing/2010/main" w="9525">
                   <a:solidFill>
                     <a:schemeClr val="tx1"/>
                   </a:solidFill>
@@ -6419,7 +6396,7 @@
                 </a14:hiddenLine>
               </a:ext>
               <a:ext uri="{AF507438-7753-43e0-B8FC-AC1667EBCBE1}">
-                <a14:hiddenEffects xmlns:a14="http://schemas.microsoft.com/office/drawing/2010/main" xmlns="">
+                <a14:hiddenEffects xmlns="" xmlns:a14="http://schemas.microsoft.com/office/drawing/2010/main">
                   <a:effectLst>
                     <a:outerShdw blurRad="63500" dist="38099" dir="2700000" algn="ctr" rotWithShape="0">
                       <a:schemeClr val="bg2">
@@ -6464,7 +6441,7 @@
             <a:effectLst/>
             <a:extLst>
               <a:ext uri="{91240B29-F687-4f45-9708-019B960494DF}">
-                <a14:hiddenLine xmlns:a14="http://schemas.microsoft.com/office/drawing/2010/main" xmlns="" w="9525">
+                <a14:hiddenLine xmlns="" xmlns:a14="http://schemas.microsoft.com/office/drawing/2010/main" w="9525">
                   <a:solidFill>
                     <a:schemeClr val="tx1"/>
                   </a:solidFill>
@@ -6474,7 +6451,7 @@
                 </a14:hiddenLine>
               </a:ext>
               <a:ext uri="{AF507438-7753-43e0-B8FC-AC1667EBCBE1}">
-                <a14:hiddenEffects xmlns:a14="http://schemas.microsoft.com/office/drawing/2010/main" xmlns="">
+                <a14:hiddenEffects xmlns="" xmlns:a14="http://schemas.microsoft.com/office/drawing/2010/main">
                   <a:effectLst>
                     <a:outerShdw blurRad="63500" dist="38099" dir="2700000" algn="ctr" rotWithShape="0">
                       <a:schemeClr val="bg2">
@@ -6519,7 +6496,7 @@
             <a:effectLst/>
             <a:extLst>
               <a:ext uri="{91240B29-F687-4f45-9708-019B960494DF}">
-                <a14:hiddenLine xmlns:a14="http://schemas.microsoft.com/office/drawing/2010/main" xmlns="" w="9525">
+                <a14:hiddenLine xmlns="" xmlns:a14="http://schemas.microsoft.com/office/drawing/2010/main" w="9525">
                   <a:solidFill>
                     <a:schemeClr val="tx1"/>
                   </a:solidFill>
@@ -6529,7 +6506,7 @@
                 </a14:hiddenLine>
               </a:ext>
               <a:ext uri="{AF507438-7753-43e0-B8FC-AC1667EBCBE1}">
-                <a14:hiddenEffects xmlns:a14="http://schemas.microsoft.com/office/drawing/2010/main" xmlns="">
+                <a14:hiddenEffects xmlns="" xmlns:a14="http://schemas.microsoft.com/office/drawing/2010/main">
                   <a:effectLst>
                     <a:outerShdw blurRad="63500" dist="38099" dir="2700000" algn="ctr" rotWithShape="0">
                       <a:schemeClr val="bg2">
@@ -6574,7 +6551,7 @@
             <a:effectLst/>
             <a:extLst>
               <a:ext uri="{91240B29-F687-4f45-9708-019B960494DF}">
-                <a14:hiddenLine xmlns:a14="http://schemas.microsoft.com/office/drawing/2010/main" xmlns="" w="9525">
+                <a14:hiddenLine xmlns="" xmlns:a14="http://schemas.microsoft.com/office/drawing/2010/main" w="9525">
                   <a:solidFill>
                     <a:schemeClr val="tx1"/>
                   </a:solidFill>
@@ -6584,7 +6561,7 @@
                 </a14:hiddenLine>
               </a:ext>
               <a:ext uri="{AF507438-7753-43e0-B8FC-AC1667EBCBE1}">
-                <a14:hiddenEffects xmlns:a14="http://schemas.microsoft.com/office/drawing/2010/main" xmlns="">
+                <a14:hiddenEffects xmlns="" xmlns:a14="http://schemas.microsoft.com/office/drawing/2010/main">
                   <a:effectLst>
                     <a:outerShdw blurRad="63500" dist="38099" dir="2700000" algn="ctr" rotWithShape="0">
                       <a:schemeClr val="bg2">
@@ -6629,7 +6606,7 @@
             <a:effectLst/>
             <a:extLst>
               <a:ext uri="{91240B29-F687-4f45-9708-019B960494DF}">
-                <a14:hiddenLine xmlns:a14="http://schemas.microsoft.com/office/drawing/2010/main" xmlns="" w="9525">
+                <a14:hiddenLine xmlns="" xmlns:a14="http://schemas.microsoft.com/office/drawing/2010/main" w="9525">
                   <a:solidFill>
                     <a:schemeClr val="tx1"/>
                   </a:solidFill>
@@ -6639,7 +6616,7 @@
                 </a14:hiddenLine>
               </a:ext>
               <a:ext uri="{AF507438-7753-43e0-B8FC-AC1667EBCBE1}">
-                <a14:hiddenEffects xmlns:a14="http://schemas.microsoft.com/office/drawing/2010/main" xmlns="">
+                <a14:hiddenEffects xmlns="" xmlns:a14="http://schemas.microsoft.com/office/drawing/2010/main">
                   <a:effectLst>
                     <a:outerShdw blurRad="63500" dist="38099" dir="2700000" algn="ctr" rotWithShape="0">
                       <a:schemeClr val="bg2">
@@ -6684,7 +6661,7 @@
             <a:effectLst/>
             <a:extLst>
               <a:ext uri="{91240B29-F687-4f45-9708-019B960494DF}">
-                <a14:hiddenLine xmlns:a14="http://schemas.microsoft.com/office/drawing/2010/main" xmlns="" w="9525">
+                <a14:hiddenLine xmlns="" xmlns:a14="http://schemas.microsoft.com/office/drawing/2010/main" w="9525">
                   <a:solidFill>
                     <a:schemeClr val="tx1"/>
                   </a:solidFill>
@@ -6694,7 +6671,7 @@
                 </a14:hiddenLine>
               </a:ext>
               <a:ext uri="{AF507438-7753-43e0-B8FC-AC1667EBCBE1}">
-                <a14:hiddenEffects xmlns:a14="http://schemas.microsoft.com/office/drawing/2010/main" xmlns="">
+                <a14:hiddenEffects xmlns="" xmlns:a14="http://schemas.microsoft.com/office/drawing/2010/main">
                   <a:effectLst>
                     <a:outerShdw blurRad="63500" dist="38099" dir="2700000" algn="ctr" rotWithShape="0">
                       <a:schemeClr val="bg2">
@@ -6739,7 +6716,7 @@
             <a:effectLst/>
             <a:extLst>
               <a:ext uri="{91240B29-F687-4f45-9708-019B960494DF}">
-                <a14:hiddenLine xmlns:a14="http://schemas.microsoft.com/office/drawing/2010/main" xmlns="" w="9525">
+                <a14:hiddenLine xmlns="" xmlns:a14="http://schemas.microsoft.com/office/drawing/2010/main" w="9525">
                   <a:solidFill>
                     <a:schemeClr val="tx1"/>
                   </a:solidFill>
@@ -6749,7 +6726,7 @@
                 </a14:hiddenLine>
               </a:ext>
               <a:ext uri="{AF507438-7753-43e0-B8FC-AC1667EBCBE1}">
-                <a14:hiddenEffects xmlns:a14="http://schemas.microsoft.com/office/drawing/2010/main" xmlns="">
+                <a14:hiddenEffects xmlns="" xmlns:a14="http://schemas.microsoft.com/office/drawing/2010/main">
                   <a:effectLst>
                     <a:outerShdw blurRad="63500" dist="38099" dir="2700000" algn="ctr" rotWithShape="0">
                       <a:schemeClr val="bg2">
@@ -6794,7 +6771,7 @@
             <a:effectLst/>
             <a:extLst>
               <a:ext uri="{91240B29-F687-4f45-9708-019B960494DF}">
-                <a14:hiddenLine xmlns:a14="http://schemas.microsoft.com/office/drawing/2010/main" xmlns="" w="9525">
+                <a14:hiddenLine xmlns="" xmlns:a14="http://schemas.microsoft.com/office/drawing/2010/main" w="9525">
                   <a:solidFill>
                     <a:schemeClr val="tx1"/>
                   </a:solidFill>
@@ -6804,7 +6781,7 @@
                 </a14:hiddenLine>
               </a:ext>
               <a:ext uri="{AF507438-7753-43e0-B8FC-AC1667EBCBE1}">
-                <a14:hiddenEffects xmlns:a14="http://schemas.microsoft.com/office/drawing/2010/main" xmlns="">
+                <a14:hiddenEffects xmlns="" xmlns:a14="http://schemas.microsoft.com/office/drawing/2010/main">
                   <a:effectLst>
                     <a:outerShdw blurRad="63500" dist="38099" dir="2700000" algn="ctr" rotWithShape="0">
                       <a:schemeClr val="bg2">
@@ -6849,7 +6826,7 @@
             <a:effectLst/>
             <a:extLst>
               <a:ext uri="{91240B29-F687-4f45-9708-019B960494DF}">
-                <a14:hiddenLine xmlns:a14="http://schemas.microsoft.com/office/drawing/2010/main" xmlns="" w="9525">
+                <a14:hiddenLine xmlns="" xmlns:a14="http://schemas.microsoft.com/office/drawing/2010/main" w="9525">
                   <a:solidFill>
                     <a:schemeClr val="tx1"/>
                   </a:solidFill>
@@ -6859,7 +6836,7 @@
                 </a14:hiddenLine>
               </a:ext>
               <a:ext uri="{AF507438-7753-43e0-B8FC-AC1667EBCBE1}">
-                <a14:hiddenEffects xmlns:a14="http://schemas.microsoft.com/office/drawing/2010/main" xmlns="">
+                <a14:hiddenEffects xmlns="" xmlns:a14="http://schemas.microsoft.com/office/drawing/2010/main">
                   <a:effectLst>
                     <a:outerShdw blurRad="63500" dist="38099" dir="2700000" algn="ctr" rotWithShape="0">
                       <a:schemeClr val="bg2">
@@ -6904,7 +6881,7 @@
             <a:effectLst/>
             <a:extLst>
               <a:ext uri="{91240B29-F687-4f45-9708-019B960494DF}">
-                <a14:hiddenLine xmlns:a14="http://schemas.microsoft.com/office/drawing/2010/main" xmlns="" w="9525">
+                <a14:hiddenLine xmlns="" xmlns:a14="http://schemas.microsoft.com/office/drawing/2010/main" w="9525">
                   <a:solidFill>
                     <a:schemeClr val="tx1"/>
                   </a:solidFill>
@@ -6914,7 +6891,7 @@
                 </a14:hiddenLine>
               </a:ext>
               <a:ext uri="{AF507438-7753-43e0-B8FC-AC1667EBCBE1}">
-                <a14:hiddenEffects xmlns:a14="http://schemas.microsoft.com/office/drawing/2010/main" xmlns="">
+                <a14:hiddenEffects xmlns="" xmlns:a14="http://schemas.microsoft.com/office/drawing/2010/main">
                   <a:effectLst>
                     <a:outerShdw blurRad="63500" dist="38099" dir="2700000" algn="ctr" rotWithShape="0">
                       <a:schemeClr val="bg2">
@@ -6959,7 +6936,7 @@
             <a:effectLst/>
             <a:extLst>
               <a:ext uri="{91240B29-F687-4f45-9708-019B960494DF}">
-                <a14:hiddenLine xmlns:a14="http://schemas.microsoft.com/office/drawing/2010/main" xmlns="" w="9525">
+                <a14:hiddenLine xmlns="" xmlns:a14="http://schemas.microsoft.com/office/drawing/2010/main" w="9525">
                   <a:solidFill>
                     <a:schemeClr val="tx1"/>
                   </a:solidFill>
@@ -6969,7 +6946,7 @@
                 </a14:hiddenLine>
               </a:ext>
               <a:ext uri="{AF507438-7753-43e0-B8FC-AC1667EBCBE1}">
-                <a14:hiddenEffects xmlns:a14="http://schemas.microsoft.com/office/drawing/2010/main" xmlns="">
+                <a14:hiddenEffects xmlns="" xmlns:a14="http://schemas.microsoft.com/office/drawing/2010/main">
                   <a:effectLst>
                     <a:outerShdw blurRad="63500" dist="38099" dir="2700000" algn="ctr" rotWithShape="0">
                       <a:schemeClr val="bg2">
@@ -7014,7 +6991,7 @@
             <a:effectLst/>
             <a:extLst>
               <a:ext uri="{91240B29-F687-4f45-9708-019B960494DF}">
-                <a14:hiddenLine xmlns:a14="http://schemas.microsoft.com/office/drawing/2010/main" xmlns="" w="9525">
+                <a14:hiddenLine xmlns="" xmlns:a14="http://schemas.microsoft.com/office/drawing/2010/main" w="9525">
                   <a:solidFill>
                     <a:schemeClr val="tx1"/>
                   </a:solidFill>
@@ -7024,7 +7001,7 @@
                 </a14:hiddenLine>
               </a:ext>
               <a:ext uri="{AF507438-7753-43e0-B8FC-AC1667EBCBE1}">
-                <a14:hiddenEffects xmlns:a14="http://schemas.microsoft.com/office/drawing/2010/main" xmlns="">
+                <a14:hiddenEffects xmlns="" xmlns:a14="http://schemas.microsoft.com/office/drawing/2010/main">
                   <a:effectLst>
                     <a:outerShdw blurRad="63500" dist="38099" dir="2700000" algn="ctr" rotWithShape="0">
                       <a:schemeClr val="bg2">
@@ -7069,7 +7046,7 @@
             <a:effectLst/>
             <a:extLst>
               <a:ext uri="{91240B29-F687-4f45-9708-019B960494DF}">
-                <a14:hiddenLine xmlns:a14="http://schemas.microsoft.com/office/drawing/2010/main" xmlns="" w="9525">
+                <a14:hiddenLine xmlns="" xmlns:a14="http://schemas.microsoft.com/office/drawing/2010/main" w="9525">
                   <a:solidFill>
                     <a:schemeClr val="tx1"/>
                   </a:solidFill>
@@ -7079,7 +7056,7 @@
                 </a14:hiddenLine>
               </a:ext>
               <a:ext uri="{AF507438-7753-43e0-B8FC-AC1667EBCBE1}">
-                <a14:hiddenEffects xmlns:a14="http://schemas.microsoft.com/office/drawing/2010/main" xmlns="">
+                <a14:hiddenEffects xmlns="" xmlns:a14="http://schemas.microsoft.com/office/drawing/2010/main">
                   <a:effectLst>
                     <a:outerShdw blurRad="63500" dist="38099" dir="2700000" algn="ctr" rotWithShape="0">
                       <a:schemeClr val="bg2">
@@ -7124,7 +7101,7 @@
             <a:effectLst/>
             <a:extLst>
               <a:ext uri="{91240B29-F687-4f45-9708-019B960494DF}">
-                <a14:hiddenLine xmlns:a14="http://schemas.microsoft.com/office/drawing/2010/main" xmlns="" w="9525">
+                <a14:hiddenLine xmlns="" xmlns:a14="http://schemas.microsoft.com/office/drawing/2010/main" w="9525">
                   <a:solidFill>
                     <a:schemeClr val="tx1"/>
                   </a:solidFill>
@@ -7134,7 +7111,7 @@
                 </a14:hiddenLine>
               </a:ext>
               <a:ext uri="{AF507438-7753-43e0-B8FC-AC1667EBCBE1}">
-                <a14:hiddenEffects xmlns:a14="http://schemas.microsoft.com/office/drawing/2010/main" xmlns="">
+                <a14:hiddenEffects xmlns="" xmlns:a14="http://schemas.microsoft.com/office/drawing/2010/main">
                   <a:effectLst>
                     <a:outerShdw blurRad="63500" dist="38099" dir="2700000" algn="ctr" rotWithShape="0">
                       <a:schemeClr val="bg2">
@@ -7179,7 +7156,7 @@
             <a:effectLst/>
             <a:extLst>
               <a:ext uri="{91240B29-F687-4f45-9708-019B960494DF}">
-                <a14:hiddenLine xmlns:a14="http://schemas.microsoft.com/office/drawing/2010/main" xmlns="" w="9525">
+                <a14:hiddenLine xmlns="" xmlns:a14="http://schemas.microsoft.com/office/drawing/2010/main" w="9525">
                   <a:solidFill>
                     <a:schemeClr val="tx1"/>
                   </a:solidFill>
@@ -7189,7 +7166,7 @@
                 </a14:hiddenLine>
               </a:ext>
               <a:ext uri="{AF507438-7753-43e0-B8FC-AC1667EBCBE1}">
-                <a14:hiddenEffects xmlns:a14="http://schemas.microsoft.com/office/drawing/2010/main" xmlns="">
+                <a14:hiddenEffects xmlns="" xmlns:a14="http://schemas.microsoft.com/office/drawing/2010/main">
                   <a:effectLst>
                     <a:outerShdw blurRad="63500" dist="38099" dir="2700000" algn="ctr" rotWithShape="0">
                       <a:schemeClr val="bg2">
@@ -7234,7 +7211,7 @@
             <a:effectLst/>
             <a:extLst>
               <a:ext uri="{91240B29-F687-4f45-9708-019B960494DF}">
-                <a14:hiddenLine xmlns:a14="http://schemas.microsoft.com/office/drawing/2010/main" xmlns="" w="9525">
+                <a14:hiddenLine xmlns="" xmlns:a14="http://schemas.microsoft.com/office/drawing/2010/main" w="9525">
                   <a:solidFill>
                     <a:schemeClr val="tx1"/>
                   </a:solidFill>
@@ -7244,7 +7221,7 @@
                 </a14:hiddenLine>
               </a:ext>
               <a:ext uri="{AF507438-7753-43e0-B8FC-AC1667EBCBE1}">
-                <a14:hiddenEffects xmlns:a14="http://schemas.microsoft.com/office/drawing/2010/main" xmlns="">
+                <a14:hiddenEffects xmlns="" xmlns:a14="http://schemas.microsoft.com/office/drawing/2010/main">
                   <a:effectLst>
                     <a:outerShdw blurRad="63500" dist="38099" dir="2700000" algn="ctr" rotWithShape="0">
                       <a:schemeClr val="bg2">
@@ -7281,13 +7258,6 @@
     <p:sldLayoutId id="2147483659" r:id="rId10"/>
     <p:sldLayoutId id="2147483660" r:id="rId11"/>
   </p:sldLayoutIdLst>
-  <p:timing>
-    <p:tnLst>
-      <p:par>
-        <p:cTn id="1" dur="indefinite" restart="never" nodeType="tmRoot"/>
-      </p:par>
-    </p:tnLst>
-  </p:timing>
   <p:txStyles>
     <p:titleStyle>
       <a:lvl1pPr algn="l" rtl="0" fontAlgn="base">
@@ -7751,10 +7721,9 @@
           <a:lstStyle/>
           <a:p>
             <a:r>
-              <a:rPr lang="en-US" dirty="0" smtClean="0"/>
+              <a:rPr lang="en-US" dirty="0"/>
               <a:t>A Basic Compiler</a:t>
             </a:r>
-            <a:endParaRPr lang="en-US" dirty="0"/>
           </a:p>
         </p:txBody>
       </p:sp>
@@ -7775,19 +7744,14 @@
           <a:p>
             <a:r>
               <a:rPr lang="en-US" dirty="0"/>
-              <a:t>At a fundamental level compilers can be understood as processors that match AST patterns of the source language and translate them into patterns in the target language</a:t>
-            </a:r>
-            <a:r>
-              <a:rPr lang="en-US" dirty="0" smtClean="0"/>
-              <a:t>.</a:t>
-            </a:r>
-          </a:p>
-          <a:p>
-            <a:r>
-              <a:rPr lang="en-US" dirty="0" smtClean="0"/>
+              <a:t>At a fundamental level compilers can be understood as processors that match AST patterns of the source language and translate them into patterns in the target language.</a:t>
+            </a:r>
+          </a:p>
+          <a:p>
+            <a:r>
+              <a:rPr lang="en-US" dirty="0"/>
               <a:t>Here we will look at a basic compiler that translates Cuppa1 programs into exp1bytecode.</a:t>
             </a:r>
-            <a:endParaRPr lang="en-US" dirty="0"/>
           </a:p>
         </p:txBody>
       </p:sp>
@@ -7819,10 +7783,9 @@
           <a:lstStyle/>
           <a:p>
             <a:r>
-              <a:rPr lang="en-US" smtClean="0"/>
+              <a:rPr lang="en-US"/>
               <a:t>Chap 6</a:t>
             </a:r>
-            <a:endParaRPr lang="en-US"/>
           </a:p>
         </p:txBody>
       </p:sp>
@@ -7872,10 +7835,9 @@
           <a:lstStyle/>
           <a:p>
             <a:r>
-              <a:rPr lang="en-US" dirty="0" smtClean="0"/>
-              <a:t>Frontend Pattern Translation</a:t>
-            </a:r>
-            <a:endParaRPr lang="en-US" dirty="0"/>
+              <a:rPr lang="en-US" dirty="0"/>
+              <a:t>A Basic Compiler Architecture</a:t>
+            </a:r>
           </a:p>
         </p:txBody>
       </p:sp>
@@ -7892,6 +7854,123 @@
         <p:spPr>
           <a:xfrm>
             <a:off x="457200" y="1719263"/>
+            <a:ext cx="8229600" cy="1100137"/>
+          </a:xfrm>
+        </p:spPr>
+        <p:txBody>
+          <a:bodyPr/>
+          <a:lstStyle/>
+          <a:p>
+            <a:r>
+              <a:rPr lang="en-US" dirty="0"/>
+              <a:t>Our basic compiler consists of:</a:t>
+            </a:r>
+          </a:p>
+          <a:p>
+            <a:pPr lvl="1"/>
+            <a:r>
+              <a:rPr lang="en-US" dirty="0"/>
+              <a:t>The Cuppa1 frontend</a:t>
+            </a:r>
+          </a:p>
+          <a:p>
+            <a:pPr lvl="1"/>
+            <a:r>
+              <a:rPr lang="en-US" dirty="0"/>
+              <a:t>A code generation tree walker</a:t>
+            </a:r>
+          </a:p>
+        </p:txBody>
+      </p:sp>
+      <p:pic>
+        <p:nvPicPr>
+          <p:cNvPr id="5" name="Picture 4"/>
+          <p:cNvPicPr>
+            <a:picLocks noChangeAspect="1"/>
+          </p:cNvPicPr>
+          <p:nvPr/>
+        </p:nvPicPr>
+        <p:blipFill>
+          <a:blip r:embed="rId2"/>
+          <a:stretch>
+            <a:fillRect/>
+          </a:stretch>
+        </p:blipFill>
+        <p:spPr>
+          <a:xfrm>
+            <a:off x="990600" y="3570705"/>
+            <a:ext cx="6705600" cy="3058695"/>
+          </a:xfrm>
+          <a:prstGeom prst="rect">
+            <a:avLst/>
+          </a:prstGeom>
+        </p:spPr>
+      </p:pic>
+    </p:spTree>
+    <p:extLst>
+      <p:ext uri="{BB962C8B-B14F-4D97-AF65-F5344CB8AC3E}">
+        <p14:creationId xmlns:p14="http://schemas.microsoft.com/office/powerpoint/2010/main" val="1786695996"/>
+      </p:ext>
+    </p:extLst>
+  </p:cSld>
+  <p:clrMapOvr>
+    <a:masterClrMapping/>
+  </p:clrMapOvr>
+</p:sld>
+</file>
+
+<file path=ppt/slides/slide11.xml><?xml version="1.0" encoding="utf-8"?>
+<p:sld xmlns:a="http://schemas.openxmlformats.org/drawingml/2006/main" xmlns:r="http://schemas.openxmlformats.org/officeDocument/2006/relationships" xmlns:p="http://schemas.openxmlformats.org/presentationml/2006/main">
+  <p:cSld>
+    <p:spTree>
+      <p:nvGrpSpPr>
+        <p:cNvPr id="1" name=""/>
+        <p:cNvGrpSpPr/>
+        <p:nvPr/>
+      </p:nvGrpSpPr>
+      <p:grpSpPr>
+        <a:xfrm>
+          <a:off x="0" y="0"/>
+          <a:ext cx="0" cy="0"/>
+          <a:chOff x="0" y="0"/>
+          <a:chExt cx="0" cy="0"/>
+        </a:xfrm>
+      </p:grpSpPr>
+      <p:sp>
+        <p:nvSpPr>
+          <p:cNvPr id="2" name="Title 1"/>
+          <p:cNvSpPr>
+            <a:spLocks noGrp="1"/>
+          </p:cNvSpPr>
+          <p:nvPr>
+            <p:ph type="title"/>
+          </p:nvPr>
+        </p:nvSpPr>
+        <p:spPr/>
+        <p:txBody>
+          <a:bodyPr/>
+          <a:lstStyle/>
+          <a:p>
+            <a:r>
+              <a:rPr lang="en-US" dirty="0"/>
+              <a:t>Frontend Pattern Translation</a:t>
+            </a:r>
+          </a:p>
+        </p:txBody>
+      </p:sp>
+      <p:sp>
+        <p:nvSpPr>
+          <p:cNvPr id="3" name="Content Placeholder 2"/>
+          <p:cNvSpPr>
+            <a:spLocks noGrp="1"/>
+          </p:cNvSpPr>
+          <p:nvPr>
+            <p:ph idx="1"/>
+          </p:nvPr>
+        </p:nvSpPr>
+        <p:spPr>
+          <a:xfrm>
+            <a:off x="457200" y="1719263"/>
             <a:ext cx="8229600" cy="642937"/>
           </a:xfrm>
         </p:spPr>
@@ -7903,13 +7982,8 @@
           <a:p>
             <a:r>
               <a:rPr lang="en-US" dirty="0"/>
-              <a:t>Recall that the Cuppa1 frontend generates an AST for a source </a:t>
-            </a:r>
-            <a:r>
-              <a:rPr lang="en-US" dirty="0" smtClean="0"/>
-              <a:t>program,</a:t>
-            </a:r>
-            <a:endParaRPr lang="en-US" dirty="0"/>
+              <a:t>Recall that the Cuppa1 frontend generates an AST for a source program,</a:t>
+            </a:r>
           </a:p>
         </p:txBody>
       </p:sp>
@@ -8036,10 +8110,9 @@
           <a:lstStyle/>
           <a:p>
             <a:r>
-              <a:rPr lang="en-US" dirty="0" smtClean="0"/>
+              <a:rPr lang="en-US" dirty="0"/>
               <a:t>We can easily apply our pattern translations to generate Exp1bytecode: </a:t>
             </a:r>
-            <a:endParaRPr lang="en-US" dirty="0"/>
           </a:p>
         </p:txBody>
       </p:sp>
@@ -8047,128 +8120,6 @@
     <p:extLst>
       <p:ext uri="{BB962C8B-B14F-4D97-AF65-F5344CB8AC3E}">
         <p14:creationId xmlns:p14="http://schemas.microsoft.com/office/powerpoint/2010/main" val="1564057785"/>
-      </p:ext>
-    </p:extLst>
-  </p:cSld>
-  <p:clrMapOvr>
-    <a:masterClrMapping/>
-  </p:clrMapOvr>
-</p:sld>
-</file>
-
-<file path=ppt/slides/slide11.xml><?xml version="1.0" encoding="utf-8"?>
-<p:sld xmlns:a="http://schemas.openxmlformats.org/drawingml/2006/main" xmlns:r="http://schemas.openxmlformats.org/officeDocument/2006/relationships" xmlns:p="http://schemas.openxmlformats.org/presentationml/2006/main">
-  <p:cSld>
-    <p:spTree>
-      <p:nvGrpSpPr>
-        <p:cNvPr id="1" name=""/>
-        <p:cNvGrpSpPr/>
-        <p:nvPr/>
-      </p:nvGrpSpPr>
-      <p:grpSpPr>
-        <a:xfrm>
-          <a:off x="0" y="0"/>
-          <a:ext cx="0" cy="0"/>
-          <a:chOff x="0" y="0"/>
-          <a:chExt cx="0" cy="0"/>
-        </a:xfrm>
-      </p:grpSpPr>
-      <p:sp>
-        <p:nvSpPr>
-          <p:cNvPr id="2" name="Title 1"/>
-          <p:cNvSpPr>
-            <a:spLocks noGrp="1"/>
-          </p:cNvSpPr>
-          <p:nvPr>
-            <p:ph type="title"/>
-          </p:nvPr>
-        </p:nvSpPr>
-        <p:spPr/>
-        <p:txBody>
-          <a:bodyPr/>
-          <a:lstStyle/>
-          <a:p>
-            <a:r>
-              <a:rPr lang="en-US" dirty="0" err="1" smtClean="0"/>
-              <a:t>Codegen</a:t>
-            </a:r>
-            <a:r>
-              <a:rPr lang="en-US" dirty="0" smtClean="0"/>
-              <a:t> Tree Walker</a:t>
-            </a:r>
-            <a:endParaRPr lang="en-US" dirty="0"/>
-          </a:p>
-        </p:txBody>
-      </p:sp>
-      <p:sp>
-        <p:nvSpPr>
-          <p:cNvPr id="3" name="Content Placeholder 2"/>
-          <p:cNvSpPr>
-            <a:spLocks noGrp="1"/>
-          </p:cNvSpPr>
-          <p:nvPr>
-            <p:ph idx="1"/>
-          </p:nvPr>
-        </p:nvSpPr>
-        <p:spPr/>
-        <p:txBody>
-          <a:bodyPr>
-            <a:normAutofit fontScale="92500" lnSpcReduction="10000"/>
-          </a:bodyPr>
-          <a:lstStyle/>
-          <a:p>
-            <a:r>
-              <a:rPr lang="en-US" dirty="0"/>
-              <a:t>The code generator for our compiler is a tree walker that walks the Cuppa1 AST and for each AST pattern that appears in a pattern translation rule it will generate the corresponding target code</a:t>
-            </a:r>
-            <a:r>
-              <a:rPr lang="en-US" dirty="0" smtClean="0"/>
-              <a:t>.</a:t>
-            </a:r>
-          </a:p>
-          <a:p>
-            <a:r>
-              <a:rPr lang="en-US" dirty="0"/>
-              <a:t>Cuppa1 statement patterns will generate Exp1bytecode instructions on a </a:t>
-            </a:r>
-            <a:r>
-              <a:rPr lang="en-US" i="1" dirty="0"/>
-              <a:t>list</a:t>
-            </a:r>
-            <a:r>
-              <a:rPr lang="en-US" dirty="0"/>
-              <a:t> and Cuppa1 expression patterns will </a:t>
-            </a:r>
-            <a:r>
-              <a:rPr lang="en-US" dirty="0" smtClean="0"/>
-              <a:t>generate Exp1bytecode </a:t>
-            </a:r>
-            <a:r>
-              <a:rPr lang="en-US" dirty="0"/>
-              <a:t>expressions returned as </a:t>
-            </a:r>
-            <a:r>
-              <a:rPr lang="en-US" i="1" dirty="0"/>
-              <a:t>strings</a:t>
-            </a:r>
-            <a:r>
-              <a:rPr lang="en-US" dirty="0" smtClean="0"/>
-              <a:t>.</a:t>
-            </a:r>
-          </a:p>
-          <a:p>
-            <a:pPr lvl="1"/>
-            <a:r>
-              <a:rPr lang="en-US" dirty="0"/>
-              <a:t>The reason for this will become clear later when we look at optimizations in this compiler.</a:t>
-            </a:r>
-          </a:p>
-        </p:txBody>
-      </p:sp>
-    </p:spTree>
-    <p:extLst>
-      <p:ext uri="{BB962C8B-B14F-4D97-AF65-F5344CB8AC3E}">
-        <p14:creationId xmlns:p14="http://schemas.microsoft.com/office/powerpoint/2010/main" val="357476084"/>
       </p:ext>
     </p:extLst>
   </p:cSld>
@@ -8211,10 +8162,13 @@
           <a:lstStyle/>
           <a:p>
             <a:r>
-              <a:rPr lang="en-US" dirty="0" err="1" smtClean="0"/>
+              <a:rPr lang="en-US" dirty="0" err="1"/>
               <a:t>Codegen</a:t>
             </a:r>
-            <a:endParaRPr lang="en-US" dirty="0"/>
+            <a:r>
+              <a:rPr lang="en-US" dirty="0"/>
+              <a:t> Tree Walker</a:t>
+            </a:r>
           </a:p>
         </p:txBody>
       </p:sp>
@@ -8228,6 +8182,112 @@
             <p:ph idx="1"/>
           </p:nvPr>
         </p:nvSpPr>
+        <p:spPr/>
+        <p:txBody>
+          <a:bodyPr>
+            <a:normAutofit fontScale="92500" lnSpcReduction="10000"/>
+          </a:bodyPr>
+          <a:lstStyle/>
+          <a:p>
+            <a:r>
+              <a:rPr lang="en-US" dirty="0"/>
+              <a:t>The code generator for our compiler is a tree walker that walks the Cuppa1 AST and for each AST pattern that appears in a pattern translation rule it will generate the corresponding target code.</a:t>
+            </a:r>
+          </a:p>
+          <a:p>
+            <a:r>
+              <a:rPr lang="en-US" dirty="0"/>
+              <a:t>Cuppa1 statement patterns will generate Exp1bytecode instructions on a </a:t>
+            </a:r>
+            <a:r>
+              <a:rPr lang="en-US" i="1" dirty="0"/>
+              <a:t>list</a:t>
+            </a:r>
+            <a:r>
+              <a:rPr lang="en-US" dirty="0"/>
+              <a:t> and Cuppa1 expression patterns will generate Exp1bytecode expressions returned as </a:t>
+            </a:r>
+            <a:r>
+              <a:rPr lang="en-US" i="1" dirty="0"/>
+              <a:t>strings</a:t>
+            </a:r>
+            <a:r>
+              <a:rPr lang="en-US" dirty="0"/>
+              <a:t>.</a:t>
+            </a:r>
+          </a:p>
+          <a:p>
+            <a:pPr lvl="1"/>
+            <a:r>
+              <a:rPr lang="en-US" dirty="0"/>
+              <a:t>The reason for this will become clear later when we look at optimizations in this compiler.</a:t>
+            </a:r>
+          </a:p>
+        </p:txBody>
+      </p:sp>
+    </p:spTree>
+    <p:extLst>
+      <p:ext uri="{BB962C8B-B14F-4D97-AF65-F5344CB8AC3E}">
+        <p14:creationId xmlns:p14="http://schemas.microsoft.com/office/powerpoint/2010/main" val="357476084"/>
+      </p:ext>
+    </p:extLst>
+  </p:cSld>
+  <p:clrMapOvr>
+    <a:masterClrMapping/>
+  </p:clrMapOvr>
+</p:sld>
+</file>
+
+<file path=ppt/slides/slide13.xml><?xml version="1.0" encoding="utf-8"?>
+<p:sld xmlns:a="http://schemas.openxmlformats.org/drawingml/2006/main" xmlns:r="http://schemas.openxmlformats.org/officeDocument/2006/relationships" xmlns:p="http://schemas.openxmlformats.org/presentationml/2006/main">
+  <p:cSld>
+    <p:spTree>
+      <p:nvGrpSpPr>
+        <p:cNvPr id="1" name=""/>
+        <p:cNvGrpSpPr/>
+        <p:nvPr/>
+      </p:nvGrpSpPr>
+      <p:grpSpPr>
+        <a:xfrm>
+          <a:off x="0" y="0"/>
+          <a:ext cx="0" cy="0"/>
+          <a:chOff x="0" y="0"/>
+          <a:chExt cx="0" cy="0"/>
+        </a:xfrm>
+      </p:grpSpPr>
+      <p:sp>
+        <p:nvSpPr>
+          <p:cNvPr id="2" name="Title 1"/>
+          <p:cNvSpPr>
+            <a:spLocks noGrp="1"/>
+          </p:cNvSpPr>
+          <p:nvPr>
+            <p:ph type="title"/>
+          </p:nvPr>
+        </p:nvSpPr>
+        <p:spPr/>
+        <p:txBody>
+          <a:bodyPr/>
+          <a:lstStyle/>
+          <a:p>
+            <a:r>
+              <a:rPr lang="en-US" dirty="0" err="1"/>
+              <a:t>Codegen</a:t>
+            </a:r>
+            <a:endParaRPr lang="en-US" dirty="0"/>
+          </a:p>
+        </p:txBody>
+      </p:sp>
+      <p:sp>
+        <p:nvSpPr>
+          <p:cNvPr id="3" name="Content Placeholder 2"/>
+          <p:cNvSpPr>
+            <a:spLocks noGrp="1"/>
+          </p:cNvSpPr>
+          <p:nvPr>
+            <p:ph idx="1"/>
+          </p:nvPr>
+        </p:nvSpPr>
         <p:spPr>
           <a:xfrm>
             <a:off x="457200" y="1719263"/>
@@ -8241,7 +8301,7 @@
           <a:lstStyle/>
           <a:p>
             <a:r>
-              <a:rPr lang="en-US" dirty="0" smtClean="0"/>
+              <a:rPr lang="en-US" dirty="0"/>
               <a:t>Recall the pattern translation,</a:t>
             </a:r>
           </a:p>
@@ -8249,27 +8309,22 @@
             <a:pPr lvl="1"/>
             <a:r>
               <a:rPr lang="en-US" dirty="0"/>
-              <a:t>('get', name) =&gt; input &lt;name</a:t>
-            </a:r>
-            <a:r>
-              <a:rPr lang="en-US" dirty="0" smtClean="0"/>
-              <a:t>&gt;;</a:t>
-            </a:r>
-          </a:p>
-          <a:p>
-            <a:r>
-              <a:rPr lang="en-US" dirty="0" smtClean="0"/>
+              <a:t>('get', name) =&gt; input &lt;name&gt;;</a:t>
+            </a:r>
+          </a:p>
+          <a:p>
+            <a:r>
+              <a:rPr lang="en-US" dirty="0"/>
               <a:t>The </a:t>
             </a:r>
             <a:r>
-              <a:rPr lang="en-US" dirty="0" err="1" smtClean="0"/>
+              <a:rPr lang="en-US" dirty="0" err="1"/>
               <a:t>codegen</a:t>
             </a:r>
             <a:r>
-              <a:rPr lang="en-US" dirty="0" smtClean="0"/>
+              <a:rPr lang="en-US" dirty="0"/>
               <a:t> tree walker has a function for that,</a:t>
             </a:r>
-            <a:endParaRPr lang="en-US" dirty="0"/>
           </a:p>
         </p:txBody>
       </p:sp>
@@ -8354,56 +8409,31 @@
           <a:p>
             <a:r>
               <a:rPr lang="en-US" dirty="0"/>
-              <a:t>Even though the translation rule for the </a:t>
-            </a:r>
-            <a:r>
-              <a:rPr lang="en-US" dirty="0" smtClean="0"/>
-              <a:t>get</a:t>
-            </a:r>
-          </a:p>
-          <a:p>
-            <a:r>
-              <a:rPr lang="en-US" dirty="0" smtClean="0"/>
-              <a:t>statement </a:t>
-            </a:r>
+              <a:t>Even though the translation rule for the get</a:t>
+            </a:r>
+          </a:p>
+          <a:p>
             <a:r>
               <a:rPr lang="en-US" dirty="0"/>
-              <a:t>demands that we also generate the </a:t>
-            </a:r>
-            <a:endParaRPr lang="en-US" dirty="0" smtClean="0"/>
-          </a:p>
-          <a:p>
-            <a:r>
-              <a:rPr lang="en-US" dirty="0" smtClean="0"/>
-              <a:t>semicolon </a:t>
-            </a:r>
+              <a:t>statement demands that we also generate the </a:t>
+            </a:r>
+          </a:p>
+          <a:p>
             <a:r>
               <a:rPr lang="en-US" dirty="0"/>
-              <a:t>as part of the translation,</a:t>
-            </a:r>
-          </a:p>
-          <a:p>
-            <a:r>
-              <a:rPr lang="en-US" dirty="0" smtClean="0"/>
-              <a:t>we </a:t>
-            </a:r>
+              <a:t>semicolon as part of the translation,</a:t>
+            </a:r>
+          </a:p>
+          <a:p>
             <a:r>
               <a:rPr lang="en-US" dirty="0"/>
-              <a:t>delay this until we generate the </a:t>
-            </a:r>
-            <a:r>
-              <a:rPr lang="en-US" dirty="0" smtClean="0"/>
-              <a:t>actual </a:t>
-            </a:r>
-          </a:p>
-          <a:p>
-            <a:r>
-              <a:rPr lang="en-US" dirty="0" smtClean="0"/>
-              <a:t>machine </a:t>
-            </a:r>
+              <a:t>we delay this until we generate the actual </a:t>
+            </a:r>
+          </a:p>
+          <a:p>
             <a:r>
               <a:rPr lang="en-US" dirty="0"/>
-              <a:t>instructions.</a:t>
+              <a:t>machine instructions.</a:t>
             </a:r>
           </a:p>
           <a:p>
@@ -8440,7 +8470,7 @@
           <a:effectLst/>
           <a:extLst>
             <a:ext uri="{AF507438-7753-43e0-B8FC-AC1667EBCBE1}">
-              <a14:hiddenEffects xmlns:a14="http://schemas.microsoft.com/office/drawing/2010/main" xmlns="">
+              <a14:hiddenEffects xmlns="" xmlns:a14="http://schemas.microsoft.com/office/drawing/2010/main">
                 <a:effectLst>
                   <a:outerShdw blurRad="63500" dist="38099" dir="2700000" algn="ctr" rotWithShape="0">
                     <a:schemeClr val="bg2">
@@ -8519,10 +8549,9 @@
           <a:lstStyle/>
           <a:p>
             <a:r>
-              <a:rPr lang="en-US" dirty="0" smtClean="0"/>
+              <a:rPr lang="en-US" dirty="0"/>
               <a:t>We use Python’s ability to do pattern matching on tuples!</a:t>
             </a:r>
-            <a:endParaRPr lang="en-US" dirty="0"/>
           </a:p>
         </p:txBody>
       </p:sp>
@@ -8539,7 +8568,7 @@
 </p:sld>
 </file>
 
-<file path=ppt/slides/slide13.xml><?xml version="1.0" encoding="utf-8"?>
+<file path=ppt/slides/slide14.xml><?xml version="1.0" encoding="utf-8"?>
 <p:sld xmlns:a="http://schemas.openxmlformats.org/drawingml/2006/main" xmlns:r="http://schemas.openxmlformats.org/officeDocument/2006/relationships" xmlns:p="http://schemas.openxmlformats.org/presentationml/2006/main">
   <p:cSld>
     <p:spTree>
@@ -8572,7 +8601,7 @@
           <a:lstStyle/>
           <a:p>
             <a:r>
-              <a:rPr lang="en-US" dirty="0" err="1" smtClean="0"/>
+              <a:rPr lang="en-US" dirty="0" err="1"/>
               <a:t>Codegen</a:t>
             </a:r>
             <a:endParaRPr lang="en-US" dirty="0"/>
@@ -8602,7 +8631,7 @@
           <a:lstStyle/>
           <a:p>
             <a:r>
-              <a:rPr lang="en-US" dirty="0" smtClean="0"/>
+              <a:rPr lang="en-US" dirty="0"/>
               <a:t>Recall the pattern translation,</a:t>
             </a:r>
           </a:p>
@@ -8625,24 +8654,23 @@
               <a:t>exp</a:t>
             </a:r>
             <a:r>
-              <a:rPr lang="en-US" dirty="0" smtClean="0"/>
+              <a:rPr lang="en-US" dirty="0"/>
               <a:t>&gt;;</a:t>
             </a:r>
           </a:p>
           <a:p>
             <a:r>
-              <a:rPr lang="en-US" dirty="0" smtClean="0"/>
+              <a:rPr lang="en-US" dirty="0"/>
               <a:t>The </a:t>
             </a:r>
             <a:r>
-              <a:rPr lang="en-US" dirty="0" err="1" smtClean="0"/>
+              <a:rPr lang="en-US" dirty="0" err="1"/>
               <a:t>codegen</a:t>
             </a:r>
             <a:r>
-              <a:rPr lang="en-US" dirty="0" smtClean="0"/>
+              <a:rPr lang="en-US" dirty="0"/>
               <a:t> tree walker has a function for that,</a:t>
             </a:r>
-            <a:endParaRPr lang="en-US" dirty="0"/>
           </a:p>
         </p:txBody>
       </p:sp>
@@ -8731,7 +8759,7 @@
           <a:effectLst/>
           <a:extLst>
             <a:ext uri="{AF507438-7753-43e0-B8FC-AC1667EBCBE1}">
-              <a14:hiddenEffects xmlns:a14="http://schemas.microsoft.com/office/drawing/2010/main" xmlns="">
+              <a14:hiddenEffects xmlns="" xmlns:a14="http://schemas.microsoft.com/office/drawing/2010/main">
                 <a:effectLst>
                   <a:outerShdw blurRad="63500" dist="38099" dir="2700000" algn="ctr" rotWithShape="0">
                     <a:schemeClr val="bg2">
@@ -8795,7 +8823,7 @@
 </p:sld>
 </file>
 
-<file path=ppt/slides/slide14.xml><?xml version="1.0" encoding="utf-8"?>
+<file path=ppt/slides/slide15.xml><?xml version="1.0" encoding="utf-8"?>
 <p:sld xmlns:a="http://schemas.openxmlformats.org/drawingml/2006/main" xmlns:r="http://schemas.openxmlformats.org/officeDocument/2006/relationships" xmlns:p="http://schemas.openxmlformats.org/presentationml/2006/main">
   <p:cSld>
     <p:spTree>
@@ -8857,7 +8885,7 @@
           <a:lstStyle/>
           <a:p>
             <a:r>
-              <a:rPr lang="en-US" dirty="0" err="1" smtClean="0"/>
+              <a:rPr lang="en-US" dirty="0" err="1"/>
               <a:t>Codegen</a:t>
             </a:r>
             <a:endParaRPr lang="en-US" dirty="0"/>
@@ -8887,63 +8915,42 @@
           <a:lstStyle/>
           <a:p>
             <a:r>
-              <a:rPr lang="en-US" dirty="0" smtClean="0"/>
+              <a:rPr lang="en-US" dirty="0"/>
               <a:t>Recall the pattern translation,</a:t>
             </a:r>
             <a:br>
-              <a:rPr lang="en-US" dirty="0" smtClean="0"/>
+              <a:rPr lang="en-US" dirty="0"/>
             </a:br>
-            <a:r>
-              <a:rPr lang="en-US" dirty="0" smtClean="0"/>
-              <a:t/>
-            </a:r>
             <a:br>
-              <a:rPr lang="en-US" dirty="0" smtClean="0"/>
+              <a:rPr lang="en-US" dirty="0"/>
             </a:br>
-            <a:r>
-              <a:rPr lang="en-US" dirty="0" smtClean="0"/>
-              <a:t/>
-            </a:r>
             <a:br>
-              <a:rPr lang="en-US" dirty="0" smtClean="0"/>
+              <a:rPr lang="en-US" dirty="0"/>
             </a:br>
-            <a:r>
-              <a:rPr lang="en-US" dirty="0" smtClean="0"/>
-              <a:t/>
-            </a:r>
             <a:br>
-              <a:rPr lang="en-US" dirty="0" smtClean="0"/>
+              <a:rPr lang="en-US" dirty="0"/>
             </a:br>
-            <a:r>
-              <a:rPr lang="en-US" dirty="0" smtClean="0"/>
-              <a:t/>
-            </a:r>
             <a:br>
-              <a:rPr lang="en-US" dirty="0" smtClean="0"/>
+              <a:rPr lang="en-US" dirty="0"/>
             </a:br>
-            <a:r>
-              <a:rPr lang="en-US" dirty="0" smtClean="0"/>
-              <a:t/>
-            </a:r>
             <a:br>
-              <a:rPr lang="en-US" dirty="0" smtClean="0"/>
+              <a:rPr lang="en-US" dirty="0"/>
             </a:br>
-            <a:endParaRPr lang="en-US" dirty="0" smtClean="0"/>
-          </a:p>
-          <a:p>
-            <a:r>
-              <a:rPr lang="en-US" dirty="0" smtClean="0"/>
+            <a:endParaRPr lang="en-US" dirty="0"/>
+          </a:p>
+          <a:p>
+            <a:r>
+              <a:rPr lang="en-US" dirty="0"/>
               <a:t>The </a:t>
             </a:r>
             <a:r>
-              <a:rPr lang="en-US" dirty="0" err="1" smtClean="0"/>
+              <a:rPr lang="en-US" dirty="0" err="1"/>
               <a:t>codegen</a:t>
             </a:r>
             <a:r>
-              <a:rPr lang="en-US" dirty="0" smtClean="0"/>
+              <a:rPr lang="en-US" dirty="0"/>
               <a:t> tree walker has a function for that,</a:t>
             </a:r>
-            <a:endParaRPr lang="en-US" dirty="0"/>
           </a:p>
         </p:txBody>
       </p:sp>
@@ -9004,7 +9011,7 @@
           <a:effectLst/>
           <a:extLst>
             <a:ext uri="{AF507438-7753-43e0-B8FC-AC1667EBCBE1}">
-              <a14:hiddenEffects xmlns:a14="http://schemas.microsoft.com/office/drawing/2010/main" xmlns="">
+              <a14:hiddenEffects xmlns="" xmlns:a14="http://schemas.microsoft.com/office/drawing/2010/main">
                 <a:effectLst>
                   <a:outerShdw blurRad="63500" dist="38099" dir="2700000" algn="ctr" rotWithShape="0">
                     <a:schemeClr val="bg2">
@@ -9092,7 +9099,7 @@
 </p:sld>
 </file>
 
-<file path=ppt/slides/slide15.xml><?xml version="1.0" encoding="utf-8"?>
+<file path=ppt/slides/slide16.xml><?xml version="1.0" encoding="utf-8"?>
 <p:sld xmlns:a="http://schemas.openxmlformats.org/drawingml/2006/main" xmlns:r="http://schemas.openxmlformats.org/officeDocument/2006/relationships" xmlns:p="http://schemas.openxmlformats.org/presentationml/2006/main">
   <p:cSld>
     <p:spTree>
@@ -9125,7 +9132,7 @@
           <a:lstStyle/>
           <a:p>
             <a:r>
-              <a:rPr lang="en-US" dirty="0" err="1" smtClean="0"/>
+              <a:rPr lang="en-US" dirty="0" err="1"/>
               <a:t>Codegen</a:t>
             </a:r>
             <a:endParaRPr lang="en-US" dirty="0"/>
@@ -9155,71 +9162,50 @@
           <a:lstStyle/>
           <a:p>
             <a:r>
-              <a:rPr lang="en-US" dirty="0" smtClean="0"/>
+              <a:rPr lang="en-US" dirty="0"/>
               <a:t>Recall the pattern translation for </a:t>
             </a:r>
             <a:r>
-              <a:rPr lang="en-US" dirty="0" err="1" smtClean="0"/>
+              <a:rPr lang="en-US" dirty="0" err="1"/>
               <a:t>binops</a:t>
             </a:r>
             <a:r>
-              <a:rPr lang="en-US" dirty="0" smtClean="0"/>
+              <a:rPr lang="en-US" dirty="0"/>
               <a:t>,</a:t>
             </a:r>
             <a:br>
-              <a:rPr lang="en-US" dirty="0" smtClean="0"/>
+              <a:rPr lang="en-US" dirty="0"/>
             </a:br>
-            <a:r>
-              <a:rPr lang="en-US" dirty="0" smtClean="0"/>
-              <a:t/>
-            </a:r>
             <a:br>
-              <a:rPr lang="en-US" dirty="0" smtClean="0"/>
+              <a:rPr lang="en-US" dirty="0"/>
             </a:br>
-            <a:r>
-              <a:rPr lang="en-US" dirty="0" smtClean="0"/>
-              <a:t/>
-            </a:r>
             <a:br>
-              <a:rPr lang="en-US" dirty="0" smtClean="0"/>
+              <a:rPr lang="en-US" dirty="0"/>
             </a:br>
-            <a:r>
-              <a:rPr lang="en-US" dirty="0" smtClean="0"/>
-              <a:t/>
-            </a:r>
             <a:br>
-              <a:rPr lang="en-US" dirty="0" smtClean="0"/>
+              <a:rPr lang="en-US" dirty="0"/>
             </a:br>
-            <a:r>
-              <a:rPr lang="en-US" dirty="0" smtClean="0"/>
-              <a:t/>
-            </a:r>
             <a:br>
-              <a:rPr lang="en-US" dirty="0" smtClean="0"/>
+              <a:rPr lang="en-US" dirty="0"/>
             </a:br>
-            <a:r>
-              <a:rPr lang="en-US" dirty="0" smtClean="0"/>
-              <a:t/>
-            </a:r>
             <a:br>
-              <a:rPr lang="en-US" dirty="0" smtClean="0"/>
+              <a:rPr lang="en-US" dirty="0"/>
             </a:br>
-            <a:endParaRPr lang="en-US" dirty="0" smtClean="0"/>
-          </a:p>
-          <a:p>
-            <a:r>
-              <a:rPr lang="en-US" dirty="0" smtClean="0"/>
+            <a:endParaRPr lang="en-US" dirty="0"/>
+          </a:p>
+          <a:p>
+            <a:r>
+              <a:rPr lang="en-US" dirty="0"/>
               <a:t>The </a:t>
             </a:r>
             <a:r>
-              <a:rPr lang="en-US" dirty="0" err="1" smtClean="0"/>
+              <a:rPr lang="en-US" dirty="0" err="1"/>
               <a:t>codegen</a:t>
             </a:r>
             <a:r>
-              <a:rPr lang="en-US" dirty="0" smtClean="0"/>
+              <a:rPr lang="en-US" dirty="0"/>
               <a:t> tree walker has a function for that,</a:t>
             </a:r>
-            <a:endParaRPr lang="en-US" dirty="0"/>
           </a:p>
         </p:txBody>
       </p:sp>
@@ -9280,7 +9266,7 @@
           <a:effectLst/>
           <a:extLst>
             <a:ext uri="{AF507438-7753-43e0-B8FC-AC1667EBCBE1}">
-              <a14:hiddenEffects xmlns:a14="http://schemas.microsoft.com/office/drawing/2010/main" xmlns="">
+              <a14:hiddenEffects xmlns="" xmlns:a14="http://schemas.microsoft.com/office/drawing/2010/main">
                 <a:effectLst>
                   <a:outerShdw blurRad="63500" dist="38099" dir="2700000" algn="ctr" rotWithShape="0">
                     <a:schemeClr val="bg2">
@@ -9397,7 +9383,7 @@
 </p:sld>
 </file>
 
-<file path=ppt/slides/slide16.xml><?xml version="1.0" encoding="utf-8"?>
+<file path=ppt/slides/slide17.xml><?xml version="1.0" encoding="utf-8"?>
 <p:sld xmlns:a="http://schemas.openxmlformats.org/drawingml/2006/main" xmlns:r="http://schemas.openxmlformats.org/officeDocument/2006/relationships" xmlns:p="http://schemas.openxmlformats.org/presentationml/2006/main">
   <p:cSld>
     <p:spTree>
@@ -9430,7 +9416,7 @@
           <a:lstStyle/>
           <a:p>
             <a:r>
-              <a:rPr lang="en-US" dirty="0" err="1" smtClean="0"/>
+              <a:rPr lang="en-US" dirty="0" err="1"/>
               <a:t>Codegen</a:t>
             </a:r>
             <a:endParaRPr lang="en-US" dirty="0"/>
@@ -9464,47 +9450,26 @@
               <a:t>What remains to be looked at is how the tree walker deals with </a:t>
             </a:r>
             <a:r>
-              <a:rPr lang="en-US" dirty="0" err="1" smtClean="0"/>
+              <a:rPr lang="en-US" dirty="0" err="1"/>
               <a:t>Seq</a:t>
             </a:r>
             <a:r>
               <a:rPr lang="en-US" dirty="0"/>
               <a:t> nodes since they act as the glue between the statements in the AST we saw above. </a:t>
             </a:r>
-            <a:endParaRPr lang="en-US" dirty="0" smtClean="0"/>
-          </a:p>
-          <a:p>
-            <a:r>
-              <a:rPr lang="en-US" dirty="0" smtClean="0"/>
-              <a:t>Related </a:t>
-            </a:r>
+          </a:p>
+          <a:p>
             <a:r>
               <a:rPr lang="en-US" dirty="0"/>
-              <a:t>to this is how the walker deals with </a:t>
-            </a:r>
-            <a:r>
-              <a:rPr lang="en-US" dirty="0" smtClean="0"/>
-              <a:t>Nil</a:t>
+              <a:t>Related to this is how the walker deals with Nil nodes in a statement sequence since </a:t>
+            </a:r>
+            <a:r>
+              <a:rPr lang="en-US" dirty="0" err="1"/>
+              <a:t>Seq</a:t>
             </a:r>
             <a:r>
               <a:rPr lang="en-US" dirty="0"/>
-              <a:t> nodes in a statement sequence since </a:t>
-            </a:r>
-            <a:r>
-              <a:rPr lang="en-US" dirty="0" err="1" smtClean="0"/>
-              <a:t>Seq</a:t>
-            </a:r>
-            <a:r>
-              <a:rPr lang="en-US" dirty="0"/>
-              <a:t> sequences are </a:t>
-            </a:r>
-            <a:r>
-              <a:rPr lang="en-US" dirty="0" smtClean="0"/>
-              <a:t>Nil</a:t>
-            </a:r>
-            <a:r>
-              <a:rPr lang="en-US" dirty="0"/>
-              <a:t> terminated.</a:t>
+              <a:t> sequences are Nil terminated.</a:t>
             </a:r>
           </a:p>
         </p:txBody>
@@ -9608,7 +9573,7 @@
 </p:sld>
 </file>
 
-<file path=ppt/slides/slide17.xml><?xml version="1.0" encoding="utf-8"?>
+<file path=ppt/slides/slide18.xml><?xml version="1.0" encoding="utf-8"?>
 <p:sld xmlns:a="http://schemas.openxmlformats.org/drawingml/2006/main" xmlns:r="http://schemas.openxmlformats.org/officeDocument/2006/relationships" xmlns:p="http://schemas.openxmlformats.org/presentationml/2006/main">
   <p:cSld>
     <p:spTree>
@@ -9641,7 +9606,7 @@
           <a:lstStyle/>
           <a:p>
             <a:r>
-              <a:rPr lang="en-US" dirty="0" err="1" smtClean="0"/>
+              <a:rPr lang="en-US" dirty="0" err="1"/>
               <a:t>Codegen</a:t>
             </a:r>
             <a:endParaRPr lang="en-US" dirty="0"/>
@@ -9712,7 +9677,7 @@
 </p:sld>
 </file>
 
-<file path=ppt/slides/slide18.xml><?xml version="1.0" encoding="utf-8"?>
+<file path=ppt/slides/slide19.xml><?xml version="1.0" encoding="utf-8"?>
 <p:sld xmlns:a="http://schemas.openxmlformats.org/drawingml/2006/main" xmlns:r="http://schemas.openxmlformats.org/officeDocument/2006/relationships" xmlns:p="http://schemas.openxmlformats.org/presentationml/2006/main">
   <p:cSld>
     <p:spTree>
@@ -9745,11 +9710,11 @@
           <a:lstStyle/>
           <a:p>
             <a:r>
-              <a:rPr lang="en-US" dirty="0" smtClean="0"/>
+              <a:rPr lang="en-US" dirty="0"/>
               <a:t>Running </a:t>
             </a:r>
             <a:r>
-              <a:rPr lang="en-US" dirty="0" err="1" smtClean="0"/>
+              <a:rPr lang="en-US" dirty="0" err="1"/>
               <a:t>Codegen</a:t>
             </a:r>
             <a:endParaRPr lang="en-US" dirty="0"/>
@@ -9803,10 +9768,9 @@
           <a:lstStyle/>
           <a:p>
             <a:r>
-              <a:rPr lang="en-US" dirty="0" smtClean="0"/>
+              <a:rPr lang="en-US" dirty="0"/>
               <a:t>Consider our AST:</a:t>
             </a:r>
-            <a:endParaRPr lang="en-US" dirty="0"/>
           </a:p>
         </p:txBody>
       </p:sp>
@@ -9863,7 +9827,7 @@
           <a:effectLst/>
           <a:extLst>
             <a:ext uri="{AF507438-7753-43e0-B8FC-AC1667EBCBE1}">
-              <a14:hiddenEffects xmlns:a14="http://schemas.microsoft.com/office/drawing/2010/main" xmlns="">
+              <a14:hiddenEffects xmlns="" xmlns:a14="http://schemas.microsoft.com/office/drawing/2010/main">
                 <a:effectLst>
                   <a:outerShdw blurRad="63500" dist="38099" dir="2700000" algn="ctr" rotWithShape="0">
                     <a:schemeClr val="bg2">
@@ -9937,10 +9901,9 @@
           <a:lstStyle/>
           <a:p>
             <a:r>
-              <a:rPr lang="en-US" dirty="0" smtClean="0"/>
+              <a:rPr lang="en-US" dirty="0"/>
               <a:t>Generated instruction list:</a:t>
             </a:r>
-            <a:endParaRPr lang="en-US" dirty="0"/>
           </a:p>
         </p:txBody>
       </p:sp>
@@ -9957,7 +9920,7 @@
 </p:sld>
 </file>
 
-<file path=ppt/slides/slide19.xml><?xml version="1.0" encoding="utf-8"?>
+<file path=ppt/slides/slide2.xml><?xml version="1.0" encoding="utf-8"?>
 <p:sld xmlns:a="http://schemas.openxmlformats.org/drawingml/2006/main" xmlns:r="http://schemas.openxmlformats.org/officeDocument/2006/relationships" xmlns:p="http://schemas.openxmlformats.org/presentationml/2006/main">
   <p:cSld>
     <p:spTree>
@@ -9976,6 +9939,92 @@
       </p:grpSpPr>
       <p:sp>
         <p:nvSpPr>
+          <p:cNvPr id="2" name="Title 1">
+            <a:extLst>
+              <a:ext uri="{FF2B5EF4-FFF2-40B4-BE49-F238E27FC236}">
+                <a16:creationId xmlns:a16="http://schemas.microsoft.com/office/drawing/2014/main" id="{04AC7ACA-FA4F-B54F-8EA6-97EBBE95195A}"/>
+              </a:ext>
+            </a:extLst>
+          </p:cNvPr>
+          <p:cNvSpPr>
+            <a:spLocks noGrp="1"/>
+          </p:cNvSpPr>
+          <p:nvPr>
+            <p:ph type="title"/>
+          </p:nvPr>
+        </p:nvSpPr>
+        <p:spPr/>
+        <p:txBody>
+          <a:bodyPr/>
+          <a:lstStyle/>
+          <a:p>
+            <a:r>
+              <a:rPr lang="en-US" dirty="0"/>
+              <a:t>Reading</a:t>
+            </a:r>
+          </a:p>
+        </p:txBody>
+      </p:sp>
+      <p:sp>
+        <p:nvSpPr>
+          <p:cNvPr id="3" name="Content Placeholder 2">
+            <a:extLst>
+              <a:ext uri="{FF2B5EF4-FFF2-40B4-BE49-F238E27FC236}">
+                <a16:creationId xmlns:a16="http://schemas.microsoft.com/office/drawing/2014/main" id="{4A2B6B90-0D00-084D-8D4A-CDC229D21419}"/>
+              </a:ext>
+            </a:extLst>
+          </p:cNvPr>
+          <p:cNvSpPr>
+            <a:spLocks noGrp="1"/>
+          </p:cNvSpPr>
+          <p:nvPr>
+            <p:ph idx="1"/>
+          </p:nvPr>
+        </p:nvSpPr>
+        <p:spPr/>
+        <p:txBody>
+          <a:bodyPr/>
+          <a:lstStyle/>
+          <a:p>
+            <a:r>
+              <a:rPr lang="en-US" dirty="0"/>
+              <a:t>Chap 6</a:t>
+            </a:r>
+          </a:p>
+        </p:txBody>
+      </p:sp>
+    </p:spTree>
+    <p:extLst>
+      <p:ext uri="{BB962C8B-B14F-4D97-AF65-F5344CB8AC3E}">
+        <p14:creationId xmlns:p14="http://schemas.microsoft.com/office/powerpoint/2010/main" val="1559756629"/>
+      </p:ext>
+    </p:extLst>
+  </p:cSld>
+  <p:clrMapOvr>
+    <a:masterClrMapping/>
+  </p:clrMapOvr>
+</p:sld>
+</file>
+
+<file path=ppt/slides/slide20.xml><?xml version="1.0" encoding="utf-8"?>
+<p:sld xmlns:a="http://schemas.openxmlformats.org/drawingml/2006/main" xmlns:r="http://schemas.openxmlformats.org/officeDocument/2006/relationships" xmlns:p="http://schemas.openxmlformats.org/presentationml/2006/main">
+  <p:cSld>
+    <p:spTree>
+      <p:nvGrpSpPr>
+        <p:cNvPr id="1" name=""/>
+        <p:cNvGrpSpPr/>
+        <p:nvPr/>
+      </p:nvGrpSpPr>
+      <p:grpSpPr>
+        <a:xfrm>
+          <a:off x="0" y="0"/>
+          <a:ext cx="0" cy="0"/>
+          <a:chOff x="0" y="0"/>
+          <a:chExt cx="0" cy="0"/>
+        </a:xfrm>
+      </p:grpSpPr>
+      <p:sp>
+        <p:nvSpPr>
           <p:cNvPr id="2" name="Title 1"/>
           <p:cNvSpPr>
             <a:spLocks noGrp="1"/>
@@ -9990,10 +10039,9 @@
           <a:lstStyle/>
           <a:p>
             <a:r>
-              <a:rPr lang="en-US" dirty="0" smtClean="0"/>
+              <a:rPr lang="en-US" dirty="0"/>
               <a:t>Formatting the Output</a:t>
             </a:r>
-            <a:endParaRPr lang="en-US" dirty="0"/>
           </a:p>
         </p:txBody>
       </p:sp>
@@ -10078,16 +10126,15 @@
           <a:lstStyle/>
           <a:p>
             <a:r>
-              <a:rPr lang="en-US" dirty="0" smtClean="0"/>
+              <a:rPr lang="en-US" dirty="0"/>
               <a:t>Convert the instruction tuple list into</a:t>
             </a:r>
           </a:p>
           <a:p>
             <a:r>
-              <a:rPr lang="en-US" dirty="0" smtClean="0"/>
+              <a:rPr lang="en-US" dirty="0"/>
               <a:t>a printable target program.</a:t>
             </a:r>
-            <a:endParaRPr lang="en-US" dirty="0"/>
           </a:p>
         </p:txBody>
       </p:sp>
@@ -10104,7 +10151,7 @@
 </p:sld>
 </file>
 
-<file path=ppt/slides/slide2.xml><?xml version="1.0" encoding="utf-8"?>
+<file path=ppt/slides/slide21.xml><?xml version="1.0" encoding="utf-8"?>
 <p:sld xmlns:a="http://schemas.openxmlformats.org/drawingml/2006/main" xmlns:r="http://schemas.openxmlformats.org/officeDocument/2006/relationships" xmlns:p="http://schemas.openxmlformats.org/presentationml/2006/main">
   <p:cSld>
     <p:spTree>
@@ -10137,181 +10184,9 @@
           <a:lstStyle/>
           <a:p>
             <a:r>
-              <a:rPr lang="en-US" dirty="0" smtClean="0"/>
-              <a:t>A Basic Compiler</a:t>
-            </a:r>
-            <a:endParaRPr lang="en-US" dirty="0"/>
-          </a:p>
-        </p:txBody>
-      </p:sp>
-      <p:pic>
-        <p:nvPicPr>
-          <p:cNvPr id="4" name="Picture 3"/>
-          <p:cNvPicPr>
-            <a:picLocks noChangeAspect="1"/>
-          </p:cNvPicPr>
-          <p:nvPr/>
-        </p:nvPicPr>
-        <p:blipFill>
-          <a:blip r:embed="rId2"/>
-          <a:stretch>
-            <a:fillRect/>
-          </a:stretch>
-        </p:blipFill>
-        <p:spPr>
-          <a:xfrm>
-            <a:off x="304800" y="1417638"/>
-            <a:ext cx="3263900" cy="4826000"/>
-          </a:xfrm>
-          <a:prstGeom prst="rect">
-            <a:avLst/>
-          </a:prstGeom>
-          <a:ln>
-            <a:solidFill>
-              <a:schemeClr val="tx1"/>
-            </a:solidFill>
-          </a:ln>
-        </p:spPr>
-      </p:pic>
-      <p:sp>
-        <p:nvSpPr>
-          <p:cNvPr id="5" name="TextBox 4"/>
-          <p:cNvSpPr txBox="1"/>
-          <p:nvPr/>
-        </p:nvSpPr>
-        <p:spPr>
-          <a:xfrm>
-            <a:off x="845127" y="6428509"/>
-            <a:ext cx="861133" cy="307777"/>
-          </a:xfrm>
-          <a:prstGeom prst="rect">
-            <a:avLst/>
-          </a:prstGeom>
-          <a:noFill/>
-        </p:spPr>
-        <p:txBody>
-          <a:bodyPr wrap="none" rtlCol="0">
-            <a:spAutoFit/>
-          </a:bodyPr>
-          <a:lstStyle/>
-          <a:p>
-            <a:r>
-              <a:rPr lang="en-US" dirty="0" smtClean="0"/>
-              <a:t>Cuppa1 </a:t>
-            </a:r>
-            <a:endParaRPr lang="en-US" dirty="0"/>
-          </a:p>
-        </p:txBody>
-      </p:sp>
-      <p:pic>
-        <p:nvPicPr>
-          <p:cNvPr id="6" name="Picture 5"/>
-          <p:cNvPicPr>
-            <a:picLocks noChangeAspect="1"/>
-          </p:cNvPicPr>
-          <p:nvPr/>
-        </p:nvPicPr>
-        <p:blipFill>
-          <a:blip r:embed="rId3"/>
-          <a:stretch>
-            <a:fillRect/>
-          </a:stretch>
-        </p:blipFill>
-        <p:spPr>
-          <a:xfrm>
-            <a:off x="4953000" y="736600"/>
-            <a:ext cx="3403600" cy="5511800"/>
-          </a:xfrm>
-          <a:prstGeom prst="rect">
-            <a:avLst/>
-          </a:prstGeom>
-          <a:ln>
-            <a:solidFill>
-              <a:schemeClr val="tx1"/>
-            </a:solidFill>
-          </a:ln>
-        </p:spPr>
-      </p:pic>
-      <p:sp>
-        <p:nvSpPr>
-          <p:cNvPr id="7" name="TextBox 6"/>
-          <p:cNvSpPr txBox="1"/>
-          <p:nvPr/>
-        </p:nvSpPr>
-        <p:spPr>
-          <a:xfrm>
-            <a:off x="5614608" y="6400800"/>
-            <a:ext cx="1319592" cy="307777"/>
-          </a:xfrm>
-          <a:prstGeom prst="rect">
-            <a:avLst/>
-          </a:prstGeom>
-          <a:noFill/>
-        </p:spPr>
-        <p:txBody>
-          <a:bodyPr wrap="none" rtlCol="0">
-            <a:spAutoFit/>
-          </a:bodyPr>
-          <a:lstStyle/>
-          <a:p>
-            <a:r>
-              <a:rPr lang="en-US" smtClean="0"/>
-              <a:t>Exp1bytecode</a:t>
-            </a:r>
-            <a:endParaRPr lang="en-US"/>
-          </a:p>
-        </p:txBody>
-      </p:sp>
-    </p:spTree>
-    <p:extLst>
-      <p:ext uri="{BB962C8B-B14F-4D97-AF65-F5344CB8AC3E}">
-        <p14:creationId xmlns:p14="http://schemas.microsoft.com/office/powerpoint/2010/main" val="1587995034"/>
-      </p:ext>
-    </p:extLst>
-  </p:cSld>
-  <p:clrMapOvr>
-    <a:masterClrMapping/>
-  </p:clrMapOvr>
-</p:sld>
-</file>
-
-<file path=ppt/slides/slide20.xml><?xml version="1.0" encoding="utf-8"?>
-<p:sld xmlns:a="http://schemas.openxmlformats.org/drawingml/2006/main" xmlns:r="http://schemas.openxmlformats.org/officeDocument/2006/relationships" xmlns:p="http://schemas.openxmlformats.org/presentationml/2006/main">
-  <p:cSld>
-    <p:spTree>
-      <p:nvGrpSpPr>
-        <p:cNvPr id="1" name=""/>
-        <p:cNvGrpSpPr/>
-        <p:nvPr/>
-      </p:nvGrpSpPr>
-      <p:grpSpPr>
-        <a:xfrm>
-          <a:off x="0" y="0"/>
-          <a:ext cx="0" cy="0"/>
-          <a:chOff x="0" y="0"/>
-          <a:chExt cx="0" cy="0"/>
-        </a:xfrm>
-      </p:grpSpPr>
-      <p:sp>
-        <p:nvSpPr>
-          <p:cNvPr id="2" name="Title 1"/>
-          <p:cNvSpPr>
-            <a:spLocks noGrp="1"/>
-          </p:cNvSpPr>
-          <p:nvPr>
-            <p:ph type="title"/>
-          </p:nvPr>
-        </p:nvSpPr>
-        <p:spPr/>
-        <p:txBody>
-          <a:bodyPr/>
-          <a:lstStyle/>
-          <a:p>
-            <a:r>
-              <a:rPr lang="en-US" dirty="0" smtClean="0"/>
+              <a:rPr lang="en-US" dirty="0"/>
               <a:t>Running the Phases of the Compiler</a:t>
             </a:r>
-            <a:endParaRPr lang="en-US" dirty="0"/>
           </a:p>
         </p:txBody>
       </p:sp>
@@ -10471,7 +10346,7 @@
 </p:sld>
 </file>
 
-<file path=ppt/slides/slide21.xml><?xml version="1.0" encoding="utf-8"?>
+<file path=ppt/slides/slide22.xml><?xml version="1.0" encoding="utf-8"?>
 <p:sld xmlns:a="http://schemas.openxmlformats.org/drawingml/2006/main" xmlns:r="http://schemas.openxmlformats.org/officeDocument/2006/relationships" xmlns:p="http://schemas.openxmlformats.org/presentationml/2006/main">
   <p:cSld>
     <p:spTree>
@@ -10504,10 +10379,9 @@
           <a:lstStyle/>
           <a:p>
             <a:r>
-              <a:rPr lang="en-US" dirty="0" smtClean="0"/>
+              <a:rPr lang="en-US" dirty="0"/>
               <a:t>Running the Phases of the Compiler</a:t>
             </a:r>
-            <a:endParaRPr lang="en-US" dirty="0"/>
           </a:p>
         </p:txBody>
       </p:sp>
@@ -10669,7 +10543,7 @@
 </p:sld>
 </file>
 
-<file path=ppt/slides/slide22.xml><?xml version="1.0" encoding="utf-8"?>
+<file path=ppt/slides/slide23.xml><?xml version="1.0" encoding="utf-8"?>
 <p:sld xmlns:a="http://schemas.openxmlformats.org/drawingml/2006/main" xmlns:r="http://schemas.openxmlformats.org/officeDocument/2006/relationships" xmlns:p="http://schemas.openxmlformats.org/presentationml/2006/main">
   <p:cSld>
     <p:spTree>
@@ -10702,10 +10576,9 @@
           <a:lstStyle/>
           <a:p>
             <a:r>
-              <a:rPr lang="en-US" dirty="0" smtClean="0"/>
+              <a:rPr lang="en-US" dirty="0"/>
               <a:t>Compilation vs Interpretation</a:t>
             </a:r>
-            <a:endParaRPr lang="en-US" dirty="0"/>
           </a:p>
         </p:txBody>
       </p:sp>
@@ -10877,10 +10750,9 @@
           <a:lstStyle/>
           <a:p>
             <a:r>
-              <a:rPr lang="en-US" dirty="0" smtClean="0"/>
+              <a:rPr lang="en-US" dirty="0"/>
               <a:t>Interpretation</a:t>
             </a:r>
-            <a:endParaRPr lang="en-US" dirty="0"/>
           </a:p>
         </p:txBody>
       </p:sp>
@@ -10907,10 +10779,9 @@
           <a:lstStyle/>
           <a:p>
             <a:r>
-              <a:rPr lang="en-US" dirty="0" smtClean="0"/>
+              <a:rPr lang="en-US" dirty="0"/>
               <a:t>Compilation</a:t>
             </a:r>
-            <a:endParaRPr lang="en-US" dirty="0"/>
           </a:p>
         </p:txBody>
       </p:sp>
@@ -10918,190 +10789,6 @@
     <p:extLst>
       <p:ext uri="{BB962C8B-B14F-4D97-AF65-F5344CB8AC3E}">
         <p14:creationId xmlns:p14="http://schemas.microsoft.com/office/powerpoint/2010/main" val="1463087504"/>
-      </p:ext>
-    </p:extLst>
-  </p:cSld>
-  <p:clrMapOvr>
-    <a:masterClrMapping/>
-  </p:clrMapOvr>
-</p:sld>
-</file>
-
-<file path=ppt/slides/slide23.xml><?xml version="1.0" encoding="utf-8"?>
-<p:sld xmlns:a="http://schemas.openxmlformats.org/drawingml/2006/main" xmlns:r="http://schemas.openxmlformats.org/officeDocument/2006/relationships" xmlns:p="http://schemas.openxmlformats.org/presentationml/2006/main">
-  <p:cSld>
-    <p:spTree>
-      <p:nvGrpSpPr>
-        <p:cNvPr id="1" name=""/>
-        <p:cNvGrpSpPr/>
-        <p:nvPr/>
-      </p:nvGrpSpPr>
-      <p:grpSpPr>
-        <a:xfrm>
-          <a:off x="0" y="0"/>
-          <a:ext cx="0" cy="0"/>
-          <a:chOff x="0" y="0"/>
-          <a:chExt cx="0" cy="0"/>
-        </a:xfrm>
-      </p:grpSpPr>
-      <p:sp>
-        <p:nvSpPr>
-          <p:cNvPr id="2" name="Title 1"/>
-          <p:cNvSpPr>
-            <a:spLocks noGrp="1"/>
-          </p:cNvSpPr>
-          <p:nvPr>
-            <p:ph type="title"/>
-          </p:nvPr>
-        </p:nvSpPr>
-        <p:spPr/>
-        <p:txBody>
-          <a:bodyPr/>
-          <a:lstStyle/>
-          <a:p>
-            <a:r>
-              <a:rPr lang="en-US" dirty="0" smtClean="0"/>
-              <a:t>Compiler Correctness</a:t>
-            </a:r>
-            <a:endParaRPr lang="en-US" dirty="0"/>
-          </a:p>
-        </p:txBody>
-      </p:sp>
-      <p:sp>
-        <p:nvSpPr>
-          <p:cNvPr id="3" name="Content Placeholder 2"/>
-          <p:cNvSpPr>
-            <a:spLocks noGrp="1"/>
-          </p:cNvSpPr>
-          <p:nvPr>
-            <p:ph idx="1"/>
-          </p:nvPr>
-        </p:nvSpPr>
-        <p:spPr/>
-        <p:txBody>
-          <a:bodyPr/>
-          <a:lstStyle/>
-          <a:p>
-            <a:r>
-              <a:rPr lang="en-US" dirty="0"/>
-              <a:t>We now have two ways to execute a Cuppa1 program:</a:t>
-            </a:r>
-          </a:p>
-          <a:p>
-            <a:pPr lvl="1"/>
-            <a:r>
-              <a:rPr lang="en-US" dirty="0"/>
-              <a:t>We can interpret the program directly with the Cuppa1 </a:t>
-            </a:r>
-            <a:r>
-              <a:rPr lang="en-US" dirty="0" smtClean="0"/>
-              <a:t>interpreter.</a:t>
-            </a:r>
-            <a:endParaRPr lang="en-US" dirty="0"/>
-          </a:p>
-          <a:p>
-            <a:pPr lvl="1"/>
-            <a:r>
-              <a:rPr lang="en-US" dirty="0"/>
-              <a:t>We can first translate the Cuppa1 program into Exp1bytecode and then execute the bytecode in the abstract bytecode machine.</a:t>
-            </a:r>
-          </a:p>
-          <a:p>
-            <a:endParaRPr lang="en-US" dirty="0"/>
-          </a:p>
-        </p:txBody>
-      </p:sp>
-      <p:sp>
-        <p:nvSpPr>
-          <p:cNvPr id="4" name="TextBox 3"/>
-          <p:cNvSpPr txBox="1"/>
-          <p:nvPr/>
-        </p:nvSpPr>
-        <p:spPr>
-          <a:xfrm>
-            <a:off x="1190402" y="5423039"/>
-            <a:ext cx="7343998" cy="707886"/>
-          </a:xfrm>
-          <a:prstGeom prst="rect">
-            <a:avLst/>
-          </a:prstGeom>
-          <a:noFill/>
-          <a:ln>
-            <a:solidFill>
-              <a:schemeClr val="tx1"/>
-            </a:solidFill>
-          </a:ln>
-        </p:spPr>
-        <p:txBody>
-          <a:bodyPr wrap="none" rtlCol="0">
-            <a:spAutoFit/>
-          </a:bodyPr>
-          <a:lstStyle/>
-          <a:p>
-            <a:r>
-              <a:rPr lang="en-US" sz="2000" dirty="0"/>
-              <a:t>A compiler is </a:t>
-            </a:r>
-            <a:r>
-              <a:rPr lang="en-US" sz="2000" i="1" dirty="0"/>
-              <a:t>correct</a:t>
-            </a:r>
-            <a:r>
-              <a:rPr lang="en-US" sz="2000" dirty="0"/>
-              <a:t> if the translated program, when executed</a:t>
-            </a:r>
-            <a:r>
-              <a:rPr lang="en-US" sz="2000"/>
-              <a:t>, </a:t>
-            </a:r>
-            <a:endParaRPr lang="en-US" sz="2000" smtClean="0"/>
-          </a:p>
-          <a:p>
-            <a:r>
-              <a:rPr lang="en-US" sz="2000" dirty="0" smtClean="0"/>
-              <a:t>gives </a:t>
-            </a:r>
-            <a:r>
-              <a:rPr lang="en-US" sz="2000" dirty="0"/>
-              <a:t>the same results as the interpreted program.</a:t>
-            </a:r>
-          </a:p>
-        </p:txBody>
-      </p:sp>
-      <p:sp>
-        <p:nvSpPr>
-          <p:cNvPr id="6" name="TextBox 5"/>
-          <p:cNvSpPr txBox="1"/>
-          <p:nvPr/>
-        </p:nvSpPr>
-        <p:spPr>
-          <a:xfrm>
-            <a:off x="762000" y="5638800"/>
-            <a:ext cx="441146" cy="400110"/>
-          </a:xfrm>
-          <a:prstGeom prst="rect">
-            <a:avLst/>
-          </a:prstGeom>
-          <a:noFill/>
-        </p:spPr>
-        <p:txBody>
-          <a:bodyPr wrap="none" rtlCol="0">
-            <a:spAutoFit/>
-          </a:bodyPr>
-          <a:lstStyle/>
-          <a:p>
-            <a:r>
-              <a:rPr lang="en-US" sz="2000" dirty="0" smtClean="0"/>
-              <a:t>👍</a:t>
-            </a:r>
-            <a:endParaRPr lang="en-US" sz="2000" dirty="0"/>
-          </a:p>
-        </p:txBody>
-      </p:sp>
-    </p:spTree>
-    <p:extLst>
-      <p:ext uri="{BB962C8B-B14F-4D97-AF65-F5344CB8AC3E}">
-        <p14:creationId xmlns:p14="http://schemas.microsoft.com/office/powerpoint/2010/main" val="1461471413"/>
       </p:ext>
     </p:extLst>
   </p:cSld>
@@ -11130,6 +10817,178 @@
       </p:grpSpPr>
       <p:sp>
         <p:nvSpPr>
+          <p:cNvPr id="2" name="Title 1"/>
+          <p:cNvSpPr>
+            <a:spLocks noGrp="1"/>
+          </p:cNvSpPr>
+          <p:nvPr>
+            <p:ph type="title"/>
+          </p:nvPr>
+        </p:nvSpPr>
+        <p:spPr/>
+        <p:txBody>
+          <a:bodyPr/>
+          <a:lstStyle/>
+          <a:p>
+            <a:r>
+              <a:rPr lang="en-US" dirty="0"/>
+              <a:t>Compiler Correctness</a:t>
+            </a:r>
+          </a:p>
+        </p:txBody>
+      </p:sp>
+      <p:sp>
+        <p:nvSpPr>
+          <p:cNvPr id="3" name="Content Placeholder 2"/>
+          <p:cNvSpPr>
+            <a:spLocks noGrp="1"/>
+          </p:cNvSpPr>
+          <p:nvPr>
+            <p:ph idx="1"/>
+          </p:nvPr>
+        </p:nvSpPr>
+        <p:spPr/>
+        <p:txBody>
+          <a:bodyPr/>
+          <a:lstStyle/>
+          <a:p>
+            <a:r>
+              <a:rPr lang="en-US" dirty="0"/>
+              <a:t>We now have two ways to execute a Cuppa1 program:</a:t>
+            </a:r>
+          </a:p>
+          <a:p>
+            <a:pPr lvl="1"/>
+            <a:r>
+              <a:rPr lang="en-US" dirty="0"/>
+              <a:t>We can interpret the program directly with the Cuppa1 interpreter.</a:t>
+            </a:r>
+          </a:p>
+          <a:p>
+            <a:pPr lvl="1"/>
+            <a:r>
+              <a:rPr lang="en-US" dirty="0"/>
+              <a:t>We can first translate the Cuppa1 program into Exp1bytecode and then execute the bytecode in the abstract bytecode machine.</a:t>
+            </a:r>
+          </a:p>
+          <a:p>
+            <a:endParaRPr lang="en-US" dirty="0"/>
+          </a:p>
+        </p:txBody>
+      </p:sp>
+      <p:sp>
+        <p:nvSpPr>
+          <p:cNvPr id="4" name="TextBox 3"/>
+          <p:cNvSpPr txBox="1"/>
+          <p:nvPr/>
+        </p:nvSpPr>
+        <p:spPr>
+          <a:xfrm>
+            <a:off x="1190402" y="5423039"/>
+            <a:ext cx="7343998" cy="707886"/>
+          </a:xfrm>
+          <a:prstGeom prst="rect">
+            <a:avLst/>
+          </a:prstGeom>
+          <a:noFill/>
+          <a:ln>
+            <a:solidFill>
+              <a:schemeClr val="tx1"/>
+            </a:solidFill>
+          </a:ln>
+        </p:spPr>
+        <p:txBody>
+          <a:bodyPr wrap="none" rtlCol="0">
+            <a:spAutoFit/>
+          </a:bodyPr>
+          <a:lstStyle/>
+          <a:p>
+            <a:r>
+              <a:rPr lang="en-US" sz="2000" dirty="0"/>
+              <a:t>A compiler is </a:t>
+            </a:r>
+            <a:r>
+              <a:rPr lang="en-US" sz="2000" i="1" dirty="0"/>
+              <a:t>correct</a:t>
+            </a:r>
+            <a:r>
+              <a:rPr lang="en-US" sz="2000" dirty="0"/>
+              <a:t> if the translated program, when executed</a:t>
+            </a:r>
+            <a:r>
+              <a:rPr lang="en-US" sz="2000"/>
+              <a:t>, </a:t>
+            </a:r>
+          </a:p>
+          <a:p>
+            <a:r>
+              <a:rPr lang="en-US" sz="2000" dirty="0"/>
+              <a:t>gives the same results as the interpreted program.</a:t>
+            </a:r>
+          </a:p>
+        </p:txBody>
+      </p:sp>
+      <p:sp>
+        <p:nvSpPr>
+          <p:cNvPr id="6" name="TextBox 5"/>
+          <p:cNvSpPr txBox="1"/>
+          <p:nvPr/>
+        </p:nvSpPr>
+        <p:spPr>
+          <a:xfrm>
+            <a:off x="762000" y="5638800"/>
+            <a:ext cx="441146" cy="400110"/>
+          </a:xfrm>
+          <a:prstGeom prst="rect">
+            <a:avLst/>
+          </a:prstGeom>
+          <a:noFill/>
+        </p:spPr>
+        <p:txBody>
+          <a:bodyPr wrap="none" rtlCol="0">
+            <a:spAutoFit/>
+          </a:bodyPr>
+          <a:lstStyle/>
+          <a:p>
+            <a:r>
+              <a:rPr lang="en-US" sz="2000" dirty="0"/>
+              <a:t>👍</a:t>
+            </a:r>
+          </a:p>
+        </p:txBody>
+      </p:sp>
+    </p:spTree>
+    <p:extLst>
+      <p:ext uri="{BB962C8B-B14F-4D97-AF65-F5344CB8AC3E}">
+        <p14:creationId xmlns:p14="http://schemas.microsoft.com/office/powerpoint/2010/main" val="1461471413"/>
+      </p:ext>
+    </p:extLst>
+  </p:cSld>
+  <p:clrMapOvr>
+    <a:masterClrMapping/>
+  </p:clrMapOvr>
+</p:sld>
+</file>
+
+<file path=ppt/slides/slide25.xml><?xml version="1.0" encoding="utf-8"?>
+<p:sld xmlns:a="http://schemas.openxmlformats.org/drawingml/2006/main" xmlns:r="http://schemas.openxmlformats.org/officeDocument/2006/relationships" xmlns:p="http://schemas.openxmlformats.org/presentationml/2006/main">
+  <p:cSld>
+    <p:spTree>
+      <p:nvGrpSpPr>
+        <p:cNvPr id="1" name=""/>
+        <p:cNvGrpSpPr/>
+        <p:nvPr/>
+      </p:nvGrpSpPr>
+      <p:grpSpPr>
+        <a:xfrm>
+          <a:off x="0" y="0"/>
+          <a:ext cx="0" cy="0"/>
+          <a:chOff x="0" y="0"/>
+          <a:chExt cx="0" cy="0"/>
+        </a:xfrm>
+      </p:grpSpPr>
+      <p:sp>
+        <p:nvSpPr>
           <p:cNvPr id="4" name="Title 3"/>
           <p:cNvSpPr>
             <a:spLocks noGrp="1"/>
@@ -11144,10 +11003,9 @@
           <a:lstStyle/>
           <a:p>
             <a:r>
-              <a:rPr lang="en-US" dirty="0" smtClean="0"/>
+              <a:rPr lang="en-US" dirty="0"/>
               <a:t>Compiler Correctness</a:t>
             </a:r>
-            <a:endParaRPr lang="en-US" dirty="0"/>
           </a:p>
         </p:txBody>
       </p:sp>
@@ -11188,7 +11046,7 @@
 </p:sld>
 </file>
 
-<file path=ppt/slides/slide25.xml><?xml version="1.0" encoding="utf-8"?>
+<file path=ppt/slides/slide26.xml><?xml version="1.0" encoding="utf-8"?>
 <p:sld xmlns:a="http://schemas.openxmlformats.org/drawingml/2006/main" xmlns:r="http://schemas.openxmlformats.org/officeDocument/2006/relationships" xmlns:p="http://schemas.openxmlformats.org/presentationml/2006/main">
   <p:cSld>
     <p:spTree>
@@ -11244,15 +11102,7 @@
           <a:p>
             <a:r>
               <a:rPr lang="en-US"/>
-              <a:t>Assignment </a:t>
-            </a:r>
-            <a:r>
-              <a:rPr lang="en-US" smtClean="0"/>
-              <a:t>#6 </a:t>
-            </a:r>
-            <a:r>
-              <a:rPr lang="en-US"/>
-              <a:t>– see webpage.</a:t>
+              <a:t>Assignment #5 – see webpage.</a:t>
             </a:r>
           </a:p>
         </p:txBody>
@@ -11303,112 +11153,132 @@
           <a:lstStyle/>
           <a:p>
             <a:r>
-              <a:rPr lang="en-US" dirty="0" smtClean="0"/>
+              <a:rPr lang="en-US" dirty="0"/>
               <a:t>A Basic Compiler</a:t>
             </a:r>
-            <a:endParaRPr lang="en-US" dirty="0"/>
-          </a:p>
-        </p:txBody>
-      </p:sp>
-      <p:sp>
-        <p:nvSpPr>
-          <p:cNvPr id="3" name="Content Placeholder 2"/>
-          <p:cNvSpPr>
-            <a:spLocks noGrp="1"/>
-          </p:cNvSpPr>
-          <p:nvPr>
-            <p:ph idx="1"/>
-          </p:nvPr>
-        </p:nvSpPr>
-        <p:spPr/>
-        <p:txBody>
-          <a:bodyPr>
-            <a:normAutofit fontScale="92500" lnSpcReduction="20000"/>
+          </a:p>
+        </p:txBody>
+      </p:sp>
+      <p:pic>
+        <p:nvPicPr>
+          <p:cNvPr id="4" name="Picture 3"/>
+          <p:cNvPicPr>
+            <a:picLocks noChangeAspect="1"/>
+          </p:cNvPicPr>
+          <p:nvPr/>
+        </p:nvPicPr>
+        <p:blipFill>
+          <a:blip r:embed="rId2"/>
+          <a:stretch>
+            <a:fillRect/>
+          </a:stretch>
+        </p:blipFill>
+        <p:spPr>
+          <a:xfrm>
+            <a:off x="304800" y="1417638"/>
+            <a:ext cx="3263900" cy="4826000"/>
+          </a:xfrm>
+          <a:prstGeom prst="rect">
+            <a:avLst/>
+          </a:prstGeom>
+          <a:ln>
+            <a:solidFill>
+              <a:schemeClr val="tx1"/>
+            </a:solidFill>
+          </a:ln>
+        </p:spPr>
+      </p:pic>
+      <p:sp>
+        <p:nvSpPr>
+          <p:cNvPr id="5" name="TextBox 4"/>
+          <p:cNvSpPr txBox="1"/>
+          <p:nvPr/>
+        </p:nvSpPr>
+        <p:spPr>
+          <a:xfrm>
+            <a:off x="845127" y="6428509"/>
+            <a:ext cx="861133" cy="307777"/>
+          </a:xfrm>
+          <a:prstGeom prst="rect">
+            <a:avLst/>
+          </a:prstGeom>
+          <a:noFill/>
+        </p:spPr>
+        <p:txBody>
+          <a:bodyPr wrap="none" rtlCol="0">
+            <a:spAutoFit/>
           </a:bodyPr>
           <a:lstStyle/>
           <a:p>
             <a:r>
               <a:rPr lang="en-US" dirty="0"/>
-              <a:t>C</a:t>
-            </a:r>
-            <a:r>
-              <a:rPr lang="en-US" dirty="0" smtClean="0"/>
-              <a:t>onsider </a:t>
-            </a:r>
-            <a:r>
-              <a:rPr lang="en-US" dirty="0"/>
-              <a:t>for example the AST pattern for the assignment statement in Cuppa1,</a:t>
-            </a:r>
-          </a:p>
-          <a:p>
-            <a:pPr lvl="1"/>
-            <a:r>
-              <a:rPr lang="en-US" dirty="0"/>
-              <a:t>('assign', name, </a:t>
-            </a:r>
-            <a:r>
-              <a:rPr lang="en-US" dirty="0" err="1"/>
-              <a:t>exp</a:t>
-            </a:r>
-            <a:r>
-              <a:rPr lang="en-US" dirty="0"/>
-              <a:t>) </a:t>
-            </a:r>
-            <a:endParaRPr lang="en-US" dirty="0" smtClean="0"/>
-          </a:p>
-          <a:p>
-            <a:r>
-              <a:rPr lang="en-US" dirty="0" smtClean="0"/>
-              <a:t>We </a:t>
-            </a:r>
-            <a:r>
-              <a:rPr lang="en-US" dirty="0"/>
-              <a:t>could easily envision translating this AST pattern into a pattern in Exp1bytecode as follows,</a:t>
-            </a:r>
-          </a:p>
-          <a:p>
-            <a:pPr lvl="1"/>
-            <a:r>
-              <a:rPr lang="en-US" dirty="0"/>
-              <a:t>store &lt;name&gt; &lt;</a:t>
-            </a:r>
-            <a:r>
-              <a:rPr lang="en-US" dirty="0" err="1"/>
-              <a:t>exp</a:t>
-            </a:r>
-            <a:r>
-              <a:rPr lang="en-US" dirty="0"/>
-              <a:t>&gt;; </a:t>
-            </a:r>
-            <a:endParaRPr lang="en-US" dirty="0" smtClean="0"/>
-          </a:p>
-          <a:p>
-            <a:r>
-              <a:rPr lang="en-US" dirty="0" smtClean="0"/>
-              <a:t>where</a:t>
-            </a:r>
-            <a:r>
-              <a:rPr lang="en-US" dirty="0"/>
-              <a:t> &lt;name&gt; and &lt;</a:t>
-            </a:r>
-            <a:r>
-              <a:rPr lang="en-US" dirty="0" err="1"/>
-              <a:t>exp</a:t>
-            </a:r>
-            <a:r>
-              <a:rPr lang="en-US" dirty="0"/>
-              <a:t>&gt; are the appropriate translations of the variable name and the assignment expression from Cuppa1 into Exp1bytecode.</a:t>
-            </a:r>
-          </a:p>
-          <a:p>
-            <a:endParaRPr lang="en-US" dirty="0"/>
+              <a:t>Cuppa1 </a:t>
+            </a:r>
+          </a:p>
+        </p:txBody>
+      </p:sp>
+      <p:pic>
+        <p:nvPicPr>
+          <p:cNvPr id="6" name="Picture 5"/>
+          <p:cNvPicPr>
+            <a:picLocks noChangeAspect="1"/>
+          </p:cNvPicPr>
+          <p:nvPr/>
+        </p:nvPicPr>
+        <p:blipFill>
+          <a:blip r:embed="rId3"/>
+          <a:stretch>
+            <a:fillRect/>
+          </a:stretch>
+        </p:blipFill>
+        <p:spPr>
+          <a:xfrm>
+            <a:off x="4953000" y="736600"/>
+            <a:ext cx="3403600" cy="5511800"/>
+          </a:xfrm>
+          <a:prstGeom prst="rect">
+            <a:avLst/>
+          </a:prstGeom>
+          <a:ln>
+            <a:solidFill>
+              <a:schemeClr val="tx1"/>
+            </a:solidFill>
+          </a:ln>
+        </p:spPr>
+      </p:pic>
+      <p:sp>
+        <p:nvSpPr>
+          <p:cNvPr id="7" name="TextBox 6"/>
+          <p:cNvSpPr txBox="1"/>
+          <p:nvPr/>
+        </p:nvSpPr>
+        <p:spPr>
+          <a:xfrm>
+            <a:off x="5614608" y="6400800"/>
+            <a:ext cx="1319592" cy="307777"/>
+          </a:xfrm>
+          <a:prstGeom prst="rect">
+            <a:avLst/>
+          </a:prstGeom>
+          <a:noFill/>
+        </p:spPr>
+        <p:txBody>
+          <a:bodyPr wrap="none" rtlCol="0">
+            <a:spAutoFit/>
+          </a:bodyPr>
+          <a:lstStyle/>
+          <a:p>
+            <a:r>
+              <a:rPr lang="en-US"/>
+              <a:t>Exp1bytecode</a:t>
+            </a:r>
           </a:p>
         </p:txBody>
       </p:sp>
     </p:spTree>
     <p:extLst>
       <p:ext uri="{BB962C8B-B14F-4D97-AF65-F5344CB8AC3E}">
-        <p14:creationId xmlns:p14="http://schemas.microsoft.com/office/powerpoint/2010/main" val="1791617394"/>
+        <p14:creationId xmlns:p14="http://schemas.microsoft.com/office/powerpoint/2010/main" val="1587995034"/>
       </p:ext>
     </p:extLst>
   </p:cSld>
@@ -11451,10 +11321,9 @@
           <a:lstStyle/>
           <a:p>
             <a:r>
-              <a:rPr lang="en-US" dirty="0" smtClean="0"/>
+              <a:rPr lang="en-US" dirty="0"/>
               <a:t>A Basic Compiler</a:t>
             </a:r>
-            <a:endParaRPr lang="en-US" dirty="0"/>
           </a:p>
         </p:txBody>
       </p:sp>
@@ -11471,24 +11340,13 @@
         <p:spPr/>
         <p:txBody>
           <a:bodyPr>
-            <a:normAutofit lnSpcReduction="10000"/>
+            <a:normAutofit fontScale="92500" lnSpcReduction="20000"/>
           </a:bodyPr>
           <a:lstStyle/>
           <a:p>
             <a:r>
               <a:rPr lang="en-US" dirty="0"/>
-              <a:t>In our case it is not that difficult to come up with pattern translations for all the non-structured statements and expressions in Cuppa1. </a:t>
-            </a:r>
-            <a:endParaRPr lang="en-US" dirty="0" smtClean="0"/>
-          </a:p>
-          <a:p>
-            <a:r>
-              <a:rPr lang="en-US" dirty="0" smtClean="0"/>
-              <a:t>For </a:t>
-            </a:r>
-            <a:r>
-              <a:rPr lang="en-US" dirty="0"/>
-              <a:t>all the non-structured statements we have the pattern translations,</a:t>
+              <a:t>Consider for example the AST pattern for the assignment statement in Cuppa1,</a:t>
             </a:r>
           </a:p>
           <a:p>
@@ -11503,26 +11361,34 @@
             </a:r>
             <a:r>
               <a:rPr lang="en-US" dirty="0"/>
-              <a:t>) =&gt; store &lt;name&gt; &lt;</a:t>
+              <a:t>) </a:t>
+            </a:r>
+          </a:p>
+          <a:p>
+            <a:r>
+              <a:rPr lang="en-US" dirty="0"/>
+              <a:t>We could easily envision translating this AST pattern into a pattern in Exp1bytecode as follows,</a:t>
+            </a:r>
+          </a:p>
+          <a:p>
+            <a:pPr lvl="1"/>
+            <a:r>
+              <a:rPr lang="en-US" dirty="0"/>
+              <a:t>store &lt;name&gt; &lt;</a:t>
             </a:r>
             <a:r>
               <a:rPr lang="en-US" dirty="0" err="1"/>
               <a:t>exp</a:t>
             </a:r>
             <a:r>
-              <a:rPr lang="en-US" dirty="0" smtClean="0"/>
-              <a:t>&gt;;</a:t>
-            </a:r>
-          </a:p>
-          <a:p>
-            <a:pPr lvl="1"/>
-            <a:r>
-              <a:rPr lang="en-US" dirty="0" smtClean="0"/>
-              <a:t> </a:t>
-            </a:r>
-            <a:r>
               <a:rPr lang="en-US" dirty="0"/>
-              <a:t>('put', </a:t>
+              <a:t>&gt;; </a:t>
+            </a:r>
+          </a:p>
+          <a:p>
+            <a:r>
+              <a:rPr lang="en-US" dirty="0"/>
+              <a:t>where &lt;name&gt; and &lt;</a:t>
             </a:r>
             <a:r>
               <a:rPr lang="en-US" dirty="0" err="1"/>
@@ -11530,31 +11396,10 @@
             </a:r>
             <a:r>
               <a:rPr lang="en-US" dirty="0"/>
-              <a:t>) =&gt; print &lt;</a:t>
-            </a:r>
-            <a:r>
-              <a:rPr lang="en-US" dirty="0" err="1"/>
-              <a:t>exp</a:t>
-            </a:r>
-            <a:r>
-              <a:rPr lang="en-US" dirty="0"/>
-              <a:t>&gt;; </a:t>
-            </a:r>
-            <a:endParaRPr lang="en-US" dirty="0" smtClean="0"/>
-          </a:p>
-          <a:p>
-            <a:pPr lvl="1"/>
-            <a:r>
-              <a:rPr lang="en-US" dirty="0" smtClean="0"/>
-              <a:t>(</a:t>
-            </a:r>
-            <a:r>
-              <a:rPr lang="en-US" dirty="0"/>
-              <a:t>'get', name) =&gt; input &lt;name&gt;; </a:t>
-            </a:r>
-            <a:br>
-              <a:rPr lang="en-US" dirty="0"/>
-            </a:br>
+              <a:t>&gt; are the appropriate translations of the variable name and the assignment expression from Cuppa1 into Exp1bytecode.</a:t>
+            </a:r>
+          </a:p>
+          <a:p>
             <a:endParaRPr lang="en-US" dirty="0"/>
           </a:p>
         </p:txBody>
@@ -11562,7 +11407,7 @@
     </p:spTree>
     <p:extLst>
       <p:ext uri="{BB962C8B-B14F-4D97-AF65-F5344CB8AC3E}">
-        <p14:creationId xmlns:p14="http://schemas.microsoft.com/office/powerpoint/2010/main" val="1972255510"/>
+        <p14:creationId xmlns:p14="http://schemas.microsoft.com/office/powerpoint/2010/main" val="1791617394"/>
       </p:ext>
     </p:extLst>
   </p:cSld>
@@ -11605,10 +11450,9 @@
           <a:lstStyle/>
           <a:p>
             <a:r>
-              <a:rPr lang="en-US" dirty="0" smtClean="0"/>
+              <a:rPr lang="en-US" dirty="0"/>
               <a:t>A Basic Compiler</a:t>
             </a:r>
-            <a:endParaRPr lang="en-US" dirty="0"/>
           </a:p>
         </p:txBody>
       </p:sp>
@@ -11625,261 +11469,76 @@
         <p:spPr/>
         <p:txBody>
           <a:bodyPr>
-            <a:normAutofit fontScale="92500" lnSpcReduction="20000"/>
+            <a:normAutofit lnSpcReduction="10000"/>
           </a:bodyPr>
           <a:lstStyle/>
           <a:p>
             <a:r>
-              <a:rPr lang="mr-IN" dirty="0" err="1"/>
-              <a:t>And</a:t>
-            </a:r>
-            <a:r>
-              <a:rPr lang="mr-IN" dirty="0"/>
-              <a:t> </a:t>
-            </a:r>
-            <a:r>
-              <a:rPr lang="mr-IN" dirty="0" err="1"/>
-              <a:t>for</a:t>
-            </a:r>
-            <a:r>
-              <a:rPr lang="mr-IN" dirty="0"/>
-              <a:t> the </a:t>
-            </a:r>
-            <a:r>
-              <a:rPr lang="mr-IN" dirty="0" err="1"/>
-              <a:t>expressions</a:t>
-            </a:r>
-            <a:r>
-              <a:rPr lang="mr-IN" dirty="0"/>
-              <a:t> </a:t>
-            </a:r>
-            <a:r>
-              <a:rPr lang="mr-IN" dirty="0" err="1"/>
-              <a:t>we</a:t>
-            </a:r>
-            <a:r>
-              <a:rPr lang="mr-IN" dirty="0"/>
-              <a:t> </a:t>
-            </a:r>
-            <a:r>
-              <a:rPr lang="mr-IN" dirty="0" err="1"/>
-              <a:t>have</a:t>
-            </a:r>
-            <a:r>
-              <a:rPr lang="mr-IN" dirty="0"/>
-              <a:t>,</a:t>
+              <a:rPr lang="en-US" dirty="0"/>
+              <a:t>In our case it is not that difficult to come up with pattern translations for all the non-structured statements and expressions in Cuppa1. </a:t>
+            </a:r>
+          </a:p>
+          <a:p>
+            <a:r>
+              <a:rPr lang="en-US" dirty="0"/>
+              <a:t>For all the non-structured statements we have the pattern translations,</a:t>
             </a:r>
           </a:p>
           <a:p>
             <a:pPr lvl="1"/>
             <a:r>
-              <a:rPr lang="mr-IN" dirty="0"/>
-              <a:t>('+', c1, c2) =&gt; ('+' &lt;c1&gt; &lt;c2&gt;) </a:t>
-            </a:r>
-            <a:endParaRPr lang="en-US" dirty="0" smtClean="0"/>
+              <a:rPr lang="en-US" dirty="0"/>
+              <a:t>('assign', name, </a:t>
+            </a:r>
+            <a:r>
+              <a:rPr lang="en-US" dirty="0" err="1"/>
+              <a:t>exp</a:t>
+            </a:r>
+            <a:r>
+              <a:rPr lang="en-US" dirty="0"/>
+              <a:t>) =&gt; store &lt;name&gt; &lt;</a:t>
+            </a:r>
+            <a:r>
+              <a:rPr lang="en-US" dirty="0" err="1"/>
+              <a:t>exp</a:t>
+            </a:r>
+            <a:r>
+              <a:rPr lang="en-US" dirty="0"/>
+              <a:t>&gt;;</a:t>
+            </a:r>
           </a:p>
           <a:p>
             <a:pPr lvl="1"/>
             <a:r>
-              <a:rPr lang="mr-IN" dirty="0" smtClean="0"/>
-              <a:t>('-', </a:t>
-            </a:r>
-            <a:r>
-              <a:rPr lang="mr-IN" dirty="0"/>
-              <a:t>c1, c2) =&gt; ('-' &lt;c1&gt; &lt;c2&gt;) </a:t>
-            </a:r>
-            <a:endParaRPr lang="en-US" dirty="0" smtClean="0"/>
+              <a:rPr lang="en-US" dirty="0"/>
+              <a:t> ('put', </a:t>
+            </a:r>
+            <a:r>
+              <a:rPr lang="en-US" dirty="0" err="1"/>
+              <a:t>exp</a:t>
+            </a:r>
+            <a:r>
+              <a:rPr lang="en-US" dirty="0"/>
+              <a:t>) =&gt; print &lt;</a:t>
+            </a:r>
+            <a:r>
+              <a:rPr lang="en-US" dirty="0" err="1"/>
+              <a:t>exp</a:t>
+            </a:r>
+            <a:r>
+              <a:rPr lang="en-US" dirty="0"/>
+              <a:t>&gt;; </a:t>
+            </a:r>
           </a:p>
           <a:p>
             <a:pPr lvl="1"/>
             <a:r>
-              <a:rPr lang="mr-IN" dirty="0" smtClean="0"/>
-              <a:t>('*', </a:t>
-            </a:r>
-            <a:r>
-              <a:rPr lang="mr-IN" dirty="0"/>
-              <a:t>c1, c2) =&gt; ('*' &lt;c1&gt; &lt;c2&gt;) </a:t>
-            </a:r>
-            <a:endParaRPr lang="en-US" dirty="0" smtClean="0"/>
-          </a:p>
-          <a:p>
-            <a:pPr lvl="1"/>
-            <a:r>
-              <a:rPr lang="mr-IN" dirty="0" smtClean="0"/>
-              <a:t>('/', </a:t>
-            </a:r>
-            <a:r>
-              <a:rPr lang="mr-IN" dirty="0"/>
-              <a:t>c1, c2) =&gt; ('/' &lt;c1&gt; &lt;c2&gt;) </a:t>
-            </a:r>
-            <a:endParaRPr lang="en-US" dirty="0" smtClean="0"/>
-          </a:p>
-          <a:p>
-            <a:pPr lvl="1"/>
-            <a:r>
-              <a:rPr lang="mr-IN" dirty="0" smtClean="0"/>
-              <a:t>('==', </a:t>
-            </a:r>
-            <a:r>
-              <a:rPr lang="mr-IN" dirty="0"/>
-              <a:t>c1, c2) =&gt; ('==' &lt;c1&gt; &lt;c2&gt;) </a:t>
-            </a:r>
-            <a:endParaRPr lang="en-US" dirty="0" smtClean="0"/>
-          </a:p>
-          <a:p>
-            <a:pPr lvl="1"/>
-            <a:r>
-              <a:rPr lang="mr-IN" dirty="0" smtClean="0"/>
-              <a:t>('&lt;=', </a:t>
-            </a:r>
-            <a:r>
-              <a:rPr lang="mr-IN" dirty="0"/>
-              <a:t>c1, c2) =&gt; ('&lt;=' &lt;c1&gt; &lt;c2&gt;) </a:t>
-            </a:r>
-            <a:endParaRPr lang="en-US" dirty="0" smtClean="0"/>
-          </a:p>
-          <a:p>
-            <a:pPr lvl="1"/>
-            <a:r>
-              <a:rPr lang="mr-IN" dirty="0" smtClean="0"/>
-              <a:t>(</a:t>
-            </a:r>
-            <a:r>
-              <a:rPr lang="mr-IN" dirty="0"/>
-              <a:t>'</a:t>
-            </a:r>
-            <a:r>
-              <a:rPr lang="mr-IN" dirty="0" err="1"/>
-              <a:t>id</a:t>
-            </a:r>
-            <a:r>
-              <a:rPr lang="mr-IN" dirty="0"/>
-              <a:t>', </a:t>
-            </a:r>
-            <a:r>
-              <a:rPr lang="mr-IN" dirty="0" err="1"/>
-              <a:t>name</a:t>
-            </a:r>
-            <a:r>
-              <a:rPr lang="mr-IN" dirty="0"/>
-              <a:t>) =&gt; &lt;</a:t>
-            </a:r>
-            <a:r>
-              <a:rPr lang="mr-IN" dirty="0" err="1"/>
-              <a:t>name</a:t>
-            </a:r>
-            <a:r>
-              <a:rPr lang="mr-IN" dirty="0"/>
-              <a:t>&gt; </a:t>
-            </a:r>
-            <a:endParaRPr lang="en-US" dirty="0" smtClean="0"/>
-          </a:p>
-          <a:p>
-            <a:pPr lvl="1"/>
-            <a:r>
-              <a:rPr lang="mr-IN" dirty="0" smtClean="0"/>
-              <a:t>(</a:t>
-            </a:r>
-            <a:r>
-              <a:rPr lang="mr-IN" dirty="0"/>
-              <a:t>'</a:t>
-            </a:r>
-            <a:r>
-              <a:rPr lang="mr-IN" dirty="0" err="1"/>
-              <a:t>integer</a:t>
-            </a:r>
-            <a:r>
-              <a:rPr lang="mr-IN" dirty="0"/>
-              <a:t>', </a:t>
-            </a:r>
-            <a:r>
-              <a:rPr lang="mr-IN" dirty="0" err="1"/>
-              <a:t>value</a:t>
-            </a:r>
-            <a:r>
-              <a:rPr lang="mr-IN" dirty="0"/>
-              <a:t>) =&gt; &lt;</a:t>
-            </a:r>
-            <a:r>
-              <a:rPr lang="mr-IN" dirty="0" err="1"/>
-              <a:t>value</a:t>
-            </a:r>
-            <a:r>
-              <a:rPr lang="mr-IN" dirty="0"/>
-              <a:t>&gt; </a:t>
-            </a:r>
-            <a:endParaRPr lang="en-US" dirty="0" smtClean="0"/>
-          </a:p>
-          <a:p>
-            <a:pPr lvl="1"/>
-            <a:r>
-              <a:rPr lang="mr-IN" dirty="0" smtClean="0"/>
-              <a:t>(</a:t>
-            </a:r>
-            <a:r>
-              <a:rPr lang="mr-IN" dirty="0"/>
-              <a:t>'</a:t>
-            </a:r>
-            <a:r>
-              <a:rPr lang="mr-IN" dirty="0" err="1"/>
-              <a:t>uminus</a:t>
-            </a:r>
-            <a:r>
-              <a:rPr lang="mr-IN" dirty="0"/>
-              <a:t>', </a:t>
-            </a:r>
-            <a:r>
-              <a:rPr lang="mr-IN" dirty="0" err="1"/>
-              <a:t>value</a:t>
-            </a:r>
-            <a:r>
-              <a:rPr lang="mr-IN" dirty="0"/>
-              <a:t>) =&gt; - &lt;</a:t>
-            </a:r>
-            <a:r>
-              <a:rPr lang="mr-IN" dirty="0" err="1"/>
-              <a:t>value</a:t>
-            </a:r>
-            <a:r>
-              <a:rPr lang="mr-IN" dirty="0"/>
-              <a:t>&gt; </a:t>
-            </a:r>
-            <a:endParaRPr lang="en-US" dirty="0" smtClean="0"/>
-          </a:p>
-          <a:p>
-            <a:pPr lvl="1"/>
-            <a:r>
-              <a:rPr lang="mr-IN" dirty="0" smtClean="0"/>
-              <a:t>(</a:t>
-            </a:r>
-            <a:r>
-              <a:rPr lang="mr-IN" dirty="0"/>
-              <a:t>'</a:t>
-            </a:r>
-            <a:r>
-              <a:rPr lang="mr-IN" dirty="0" err="1"/>
-              <a:t>not</a:t>
-            </a:r>
-            <a:r>
-              <a:rPr lang="mr-IN" dirty="0"/>
-              <a:t>', </a:t>
-            </a:r>
-            <a:r>
-              <a:rPr lang="mr-IN" dirty="0" err="1"/>
-              <a:t>value</a:t>
-            </a:r>
-            <a:r>
-              <a:rPr lang="mr-IN" dirty="0"/>
-              <a:t>) =&gt; ! &lt;</a:t>
-            </a:r>
-            <a:r>
-              <a:rPr lang="mr-IN" dirty="0" err="1"/>
-              <a:t>value</a:t>
-            </a:r>
-            <a:r>
-              <a:rPr lang="mr-IN" dirty="0"/>
-              <a:t>&gt;</a:t>
-            </a:r>
+              <a:rPr lang="en-US" dirty="0"/>
+              <a:t>('get', name) =&gt; input &lt;name&gt;; </a:t>
+            </a:r>
+            <a:br>
+              <a:rPr lang="en-US" dirty="0"/>
+            </a:br>
             <a:endParaRPr lang="en-US" dirty="0"/>
           </a:p>
         </p:txBody>
@@ -11887,7 +11546,7 @@
     </p:spTree>
     <p:extLst>
       <p:ext uri="{BB962C8B-B14F-4D97-AF65-F5344CB8AC3E}">
-        <p14:creationId xmlns:p14="http://schemas.microsoft.com/office/powerpoint/2010/main" val="914446405"/>
+        <p14:creationId xmlns:p14="http://schemas.microsoft.com/office/powerpoint/2010/main" val="1972255510"/>
       </p:ext>
     </p:extLst>
   </p:cSld>
@@ -11930,10 +11589,9 @@
           <a:lstStyle/>
           <a:p>
             <a:r>
-              <a:rPr lang="en-US" dirty="0" smtClean="0"/>
+              <a:rPr lang="en-US" dirty="0"/>
               <a:t>A Basic Compiler</a:t>
             </a:r>
-            <a:endParaRPr lang="en-US" dirty="0"/>
           </a:p>
         </p:txBody>
       </p:sp>
@@ -11947,6 +11605,294 @@
             <p:ph idx="1"/>
           </p:nvPr>
         </p:nvSpPr>
+        <p:spPr/>
+        <p:txBody>
+          <a:bodyPr>
+            <a:normAutofit fontScale="92500" lnSpcReduction="20000"/>
+          </a:bodyPr>
+          <a:lstStyle/>
+          <a:p>
+            <a:r>
+              <a:rPr lang="mr-IN" dirty="0" err="1"/>
+              <a:t>And</a:t>
+            </a:r>
+            <a:r>
+              <a:rPr lang="mr-IN" dirty="0"/>
+              <a:t> </a:t>
+            </a:r>
+            <a:r>
+              <a:rPr lang="mr-IN" dirty="0" err="1"/>
+              <a:t>for</a:t>
+            </a:r>
+            <a:r>
+              <a:rPr lang="mr-IN" dirty="0"/>
+              <a:t> the </a:t>
+            </a:r>
+            <a:r>
+              <a:rPr lang="mr-IN" dirty="0" err="1"/>
+              <a:t>expressions</a:t>
+            </a:r>
+            <a:r>
+              <a:rPr lang="mr-IN" dirty="0"/>
+              <a:t> </a:t>
+            </a:r>
+            <a:r>
+              <a:rPr lang="mr-IN" dirty="0" err="1"/>
+              <a:t>we</a:t>
+            </a:r>
+            <a:r>
+              <a:rPr lang="mr-IN" dirty="0"/>
+              <a:t> </a:t>
+            </a:r>
+            <a:r>
+              <a:rPr lang="mr-IN" dirty="0" err="1"/>
+              <a:t>have</a:t>
+            </a:r>
+            <a:r>
+              <a:rPr lang="mr-IN" dirty="0"/>
+              <a:t>,</a:t>
+            </a:r>
+          </a:p>
+          <a:p>
+            <a:pPr lvl="1"/>
+            <a:r>
+              <a:rPr lang="mr-IN" dirty="0"/>
+              <a:t>('+', c1, c2) =&gt; ('+' &lt;c1&gt; &lt;c2&gt;) </a:t>
+            </a:r>
+            <a:endParaRPr lang="en-US" dirty="0"/>
+          </a:p>
+          <a:p>
+            <a:pPr lvl="1"/>
+            <a:r>
+              <a:rPr lang="mr-IN" dirty="0"/>
+              <a:t>('-', c1, c2) =&gt; ('-' &lt;c1&gt; &lt;c2&gt;) </a:t>
+            </a:r>
+            <a:endParaRPr lang="en-US" dirty="0"/>
+          </a:p>
+          <a:p>
+            <a:pPr lvl="1"/>
+            <a:r>
+              <a:rPr lang="mr-IN" dirty="0"/>
+              <a:t>('*', c1, c2) =&gt; ('*' &lt;c1&gt; &lt;c2&gt;) </a:t>
+            </a:r>
+            <a:endParaRPr lang="en-US" dirty="0"/>
+          </a:p>
+          <a:p>
+            <a:pPr lvl="1"/>
+            <a:r>
+              <a:rPr lang="mr-IN" dirty="0"/>
+              <a:t>('/', c1, c2) =&gt; ('/' &lt;c1&gt; &lt;c2&gt;) </a:t>
+            </a:r>
+            <a:endParaRPr lang="en-US" dirty="0"/>
+          </a:p>
+          <a:p>
+            <a:pPr lvl="1"/>
+            <a:r>
+              <a:rPr lang="mr-IN" dirty="0"/>
+              <a:t>('==', c1, c2) =&gt; ('==' &lt;c1&gt; &lt;c2&gt;) </a:t>
+            </a:r>
+            <a:endParaRPr lang="en-US" dirty="0"/>
+          </a:p>
+          <a:p>
+            <a:pPr lvl="1"/>
+            <a:r>
+              <a:rPr lang="mr-IN" dirty="0"/>
+              <a:t>('&lt;=', c1, c2) =&gt; ('&lt;=' &lt;c1&gt; &lt;c2&gt;) </a:t>
+            </a:r>
+            <a:endParaRPr lang="en-US" dirty="0"/>
+          </a:p>
+          <a:p>
+            <a:pPr lvl="1"/>
+            <a:r>
+              <a:rPr lang="mr-IN" dirty="0"/>
+              <a:t>('</a:t>
+            </a:r>
+            <a:r>
+              <a:rPr lang="mr-IN" dirty="0" err="1"/>
+              <a:t>id</a:t>
+            </a:r>
+            <a:r>
+              <a:rPr lang="mr-IN" dirty="0"/>
+              <a:t>', </a:t>
+            </a:r>
+            <a:r>
+              <a:rPr lang="mr-IN" dirty="0" err="1"/>
+              <a:t>name</a:t>
+            </a:r>
+            <a:r>
+              <a:rPr lang="mr-IN" dirty="0"/>
+              <a:t>) =&gt; &lt;</a:t>
+            </a:r>
+            <a:r>
+              <a:rPr lang="mr-IN" dirty="0" err="1"/>
+              <a:t>name</a:t>
+            </a:r>
+            <a:r>
+              <a:rPr lang="mr-IN" dirty="0"/>
+              <a:t>&gt; </a:t>
+            </a:r>
+            <a:endParaRPr lang="en-US" dirty="0"/>
+          </a:p>
+          <a:p>
+            <a:pPr lvl="1"/>
+            <a:r>
+              <a:rPr lang="mr-IN" dirty="0"/>
+              <a:t>('</a:t>
+            </a:r>
+            <a:r>
+              <a:rPr lang="mr-IN" dirty="0" err="1"/>
+              <a:t>integer</a:t>
+            </a:r>
+            <a:r>
+              <a:rPr lang="mr-IN" dirty="0"/>
+              <a:t>', </a:t>
+            </a:r>
+            <a:r>
+              <a:rPr lang="mr-IN" dirty="0" err="1"/>
+              <a:t>value</a:t>
+            </a:r>
+            <a:r>
+              <a:rPr lang="mr-IN" dirty="0"/>
+              <a:t>) =&gt; &lt;</a:t>
+            </a:r>
+            <a:r>
+              <a:rPr lang="mr-IN" dirty="0" err="1"/>
+              <a:t>value</a:t>
+            </a:r>
+            <a:r>
+              <a:rPr lang="mr-IN" dirty="0"/>
+              <a:t>&gt; </a:t>
+            </a:r>
+            <a:endParaRPr lang="en-US" dirty="0"/>
+          </a:p>
+          <a:p>
+            <a:pPr lvl="1"/>
+            <a:r>
+              <a:rPr lang="mr-IN" dirty="0"/>
+              <a:t>('</a:t>
+            </a:r>
+            <a:r>
+              <a:rPr lang="mr-IN" dirty="0" err="1"/>
+              <a:t>uminus</a:t>
+            </a:r>
+            <a:r>
+              <a:rPr lang="mr-IN" dirty="0"/>
+              <a:t>', </a:t>
+            </a:r>
+            <a:r>
+              <a:rPr lang="mr-IN" dirty="0" err="1"/>
+              <a:t>value</a:t>
+            </a:r>
+            <a:r>
+              <a:rPr lang="mr-IN" dirty="0"/>
+              <a:t>) =&gt; - &lt;</a:t>
+            </a:r>
+            <a:r>
+              <a:rPr lang="mr-IN" dirty="0" err="1"/>
+              <a:t>value</a:t>
+            </a:r>
+            <a:r>
+              <a:rPr lang="mr-IN" dirty="0"/>
+              <a:t>&gt; </a:t>
+            </a:r>
+            <a:endParaRPr lang="en-US" dirty="0"/>
+          </a:p>
+          <a:p>
+            <a:pPr lvl="1"/>
+            <a:r>
+              <a:rPr lang="mr-IN" dirty="0"/>
+              <a:t>('</a:t>
+            </a:r>
+            <a:r>
+              <a:rPr lang="mr-IN" dirty="0" err="1"/>
+              <a:t>not</a:t>
+            </a:r>
+            <a:r>
+              <a:rPr lang="mr-IN" dirty="0"/>
+              <a:t>', </a:t>
+            </a:r>
+            <a:r>
+              <a:rPr lang="mr-IN" dirty="0" err="1"/>
+              <a:t>value</a:t>
+            </a:r>
+            <a:r>
+              <a:rPr lang="mr-IN" dirty="0"/>
+              <a:t>) =&gt; ! &lt;</a:t>
+            </a:r>
+            <a:r>
+              <a:rPr lang="mr-IN" dirty="0" err="1"/>
+              <a:t>value</a:t>
+            </a:r>
+            <a:r>
+              <a:rPr lang="mr-IN" dirty="0"/>
+              <a:t>&gt;</a:t>
+            </a:r>
+            <a:endParaRPr lang="en-US" dirty="0"/>
+          </a:p>
+        </p:txBody>
+      </p:sp>
+    </p:spTree>
+    <p:extLst>
+      <p:ext uri="{BB962C8B-B14F-4D97-AF65-F5344CB8AC3E}">
+        <p14:creationId xmlns:p14="http://schemas.microsoft.com/office/powerpoint/2010/main" val="914446405"/>
+      </p:ext>
+    </p:extLst>
+  </p:cSld>
+  <p:clrMapOvr>
+    <a:masterClrMapping/>
+  </p:clrMapOvr>
+</p:sld>
+</file>
+
+<file path=ppt/slides/slide7.xml><?xml version="1.0" encoding="utf-8"?>
+<p:sld xmlns:a="http://schemas.openxmlformats.org/drawingml/2006/main" xmlns:r="http://schemas.openxmlformats.org/officeDocument/2006/relationships" xmlns:p="http://schemas.openxmlformats.org/presentationml/2006/main">
+  <p:cSld>
+    <p:spTree>
+      <p:nvGrpSpPr>
+        <p:cNvPr id="1" name=""/>
+        <p:cNvGrpSpPr/>
+        <p:nvPr/>
+      </p:nvGrpSpPr>
+      <p:grpSpPr>
+        <a:xfrm>
+          <a:off x="0" y="0"/>
+          <a:ext cx="0" cy="0"/>
+          <a:chOff x="0" y="0"/>
+          <a:chExt cx="0" cy="0"/>
+        </a:xfrm>
+      </p:grpSpPr>
+      <p:sp>
+        <p:nvSpPr>
+          <p:cNvPr id="2" name="Title 1"/>
+          <p:cNvSpPr>
+            <a:spLocks noGrp="1"/>
+          </p:cNvSpPr>
+          <p:nvPr>
+            <p:ph type="title"/>
+          </p:nvPr>
+        </p:nvSpPr>
+        <p:spPr/>
+        <p:txBody>
+          <a:bodyPr/>
+          <a:lstStyle/>
+          <a:p>
+            <a:r>
+              <a:rPr lang="en-US" dirty="0"/>
+              <a:t>A Basic Compiler</a:t>
+            </a:r>
+          </a:p>
+        </p:txBody>
+      </p:sp>
+      <p:sp>
+        <p:nvSpPr>
+          <p:cNvPr id="3" name="Content Placeholder 2"/>
+          <p:cNvSpPr>
+            <a:spLocks noGrp="1"/>
+          </p:cNvSpPr>
+          <p:nvPr>
+            <p:ph idx="1"/>
+          </p:nvPr>
+        </p:nvSpPr>
         <p:spPr>
           <a:xfrm>
             <a:off x="457200" y="1719263"/>
@@ -11961,42 +11907,26 @@
           <a:p>
             <a:r>
               <a:rPr lang="en-US" sz="2000" dirty="0"/>
-              <a:t>W</a:t>
-            </a:r>
-            <a:r>
-              <a:rPr lang="en-US" sz="2000" dirty="0" smtClean="0"/>
-              <a:t>e </a:t>
-            </a:r>
+              <a:t>We have to “simulate” the behavior of the Cuppa1 “while” loop with jump statements in Exp1bytecode. </a:t>
+            </a:r>
+          </a:p>
+          <a:p>
             <a:r>
               <a:rPr lang="en-US" sz="2000" dirty="0"/>
-              <a:t>have to “simulate” the behavior of the Cuppa1 “while” loop with jump statements in Exp1bytecode. </a:t>
-            </a:r>
-          </a:p>
-          <a:p>
-            <a:r>
-              <a:rPr lang="en-US" sz="2000" dirty="0" smtClean="0"/>
-              <a:t>One </a:t>
-            </a:r>
-            <a:r>
-              <a:rPr lang="en-US" sz="2000" dirty="0"/>
-              <a:t>way to translate the AST pattern for the while loop into a code pattern in Exp1bytecode is</a:t>
-            </a:r>
-            <a:r>
-              <a:rPr lang="en-US" sz="2000" dirty="0" smtClean="0"/>
-              <a:t>,</a:t>
+              <a:t>One way to translate the AST pattern for the while loop into a code pattern in Exp1bytecode is,</a:t>
             </a:r>
           </a:p>
           <a:p>
             <a:endParaRPr lang="en-US" dirty="0"/>
           </a:p>
           <a:p>
-            <a:endParaRPr lang="en-US" dirty="0" smtClean="0"/>
-          </a:p>
-          <a:p>
             <a:endParaRPr lang="en-US" dirty="0"/>
           </a:p>
           <a:p>
-            <a:endParaRPr lang="en-US" sz="2000" dirty="0" smtClean="0"/>
+            <a:endParaRPr lang="en-US" dirty="0"/>
+          </a:p>
+          <a:p>
+            <a:endParaRPr lang="en-US" sz="2000" dirty="0"/>
           </a:p>
           <a:p>
             <a:endParaRPr lang="en-US" dirty="0"/>
@@ -12040,7 +11970,7 @@
 </p:sld>
 </file>
 
-<file path=ppt/slides/slide7.xml><?xml version="1.0" encoding="utf-8"?>
+<file path=ppt/slides/slide8.xml><?xml version="1.0" encoding="utf-8"?>
 <p:sld xmlns:a="http://schemas.openxmlformats.org/drawingml/2006/main" xmlns:r="http://schemas.openxmlformats.org/officeDocument/2006/relationships" xmlns:p="http://schemas.openxmlformats.org/presentationml/2006/main">
   <p:cSld>
     <p:spTree>
@@ -12073,10 +12003,9 @@
           <a:lstStyle/>
           <a:p>
             <a:r>
-              <a:rPr lang="en-US" dirty="0" smtClean="0"/>
+              <a:rPr lang="en-US" dirty="0"/>
               <a:t>A Basic Compiler</a:t>
             </a:r>
-            <a:endParaRPr lang="en-US" dirty="0"/>
           </a:p>
         </p:txBody>
       </p:sp>
@@ -12104,24 +12033,20 @@
           <a:p>
             <a:r>
               <a:rPr lang="en-US" sz="2000" dirty="0"/>
-              <a:t> We can do something similar with if-then statements</a:t>
-            </a:r>
-            <a:r>
-              <a:rPr lang="en-US" sz="2000" dirty="0" smtClean="0"/>
-              <a:t>,</a:t>
+              <a:t> We can do something similar with if-then statements,</a:t>
             </a:r>
           </a:p>
           <a:p>
             <a:endParaRPr lang="en-US" sz="2000" dirty="0"/>
           </a:p>
           <a:p>
-            <a:endParaRPr lang="en-US" sz="2000" dirty="0" smtClean="0"/>
-          </a:p>
-          <a:p>
             <a:endParaRPr lang="en-US" sz="2000" dirty="0"/>
           </a:p>
           <a:p>
-            <a:endParaRPr lang="en-US" sz="2000" dirty="0" smtClean="0"/>
+            <a:endParaRPr lang="en-US" sz="2000" dirty="0"/>
+          </a:p>
+          <a:p>
+            <a:endParaRPr lang="en-US" sz="2000" dirty="0"/>
           </a:p>
           <a:p>
             <a:r>
@@ -12192,176 +12117,6 @@
 </p:sld>
 </file>
 
-<file path=ppt/slides/slide8.xml><?xml version="1.0" encoding="utf-8"?>
-<p:sld xmlns:a="http://schemas.openxmlformats.org/drawingml/2006/main" xmlns:r="http://schemas.openxmlformats.org/officeDocument/2006/relationships" xmlns:p="http://schemas.openxmlformats.org/presentationml/2006/main">
-  <p:cSld>
-    <p:spTree>
-      <p:nvGrpSpPr>
-        <p:cNvPr id="1" name=""/>
-        <p:cNvGrpSpPr/>
-        <p:nvPr/>
-      </p:nvGrpSpPr>
-      <p:grpSpPr>
-        <a:xfrm>
-          <a:off x="0" y="0"/>
-          <a:ext cx="0" cy="0"/>
-          <a:chOff x="0" y="0"/>
-          <a:chExt cx="0" cy="0"/>
-        </a:xfrm>
-      </p:grpSpPr>
-      <p:sp>
-        <p:nvSpPr>
-          <p:cNvPr id="2" name="Title 1"/>
-          <p:cNvSpPr>
-            <a:spLocks noGrp="1"/>
-          </p:cNvSpPr>
-          <p:nvPr>
-            <p:ph type="title"/>
-          </p:nvPr>
-        </p:nvSpPr>
-        <p:spPr/>
-        <p:txBody>
-          <a:bodyPr/>
-          <a:lstStyle/>
-          <a:p>
-            <a:r>
-              <a:rPr lang="en-US" dirty="0" smtClean="0"/>
-              <a:t>A Basic Compiler</a:t>
-            </a:r>
-            <a:endParaRPr lang="en-US" dirty="0"/>
-          </a:p>
-        </p:txBody>
-      </p:sp>
-      <p:sp>
-        <p:nvSpPr>
-          <p:cNvPr id="3" name="Content Placeholder 2"/>
-          <p:cNvSpPr>
-            <a:spLocks noGrp="1"/>
-          </p:cNvSpPr>
-          <p:nvPr>
-            <p:ph idx="1"/>
-          </p:nvPr>
-        </p:nvSpPr>
-        <p:spPr/>
-        <p:txBody>
-          <a:bodyPr>
-            <a:normAutofit fontScale="92500" lnSpcReduction="20000"/>
-          </a:bodyPr>
-          <a:lstStyle/>
-          <a:p>
-            <a:r>
-              <a:rPr lang="en-US" dirty="0"/>
-              <a:t>One thing to keep in mind is the notion of </a:t>
-            </a:r>
-            <a:r>
-              <a:rPr lang="en-US" i="1" dirty="0"/>
-              <a:t>target pattern compositionality</a:t>
-            </a:r>
-            <a:r>
-              <a:rPr lang="en-US" dirty="0"/>
-              <a:t>. </a:t>
-            </a:r>
-            <a:endParaRPr lang="en-US" dirty="0" smtClean="0"/>
-          </a:p>
-          <a:p>
-            <a:r>
-              <a:rPr lang="en-US" dirty="0" smtClean="0"/>
-              <a:t>By </a:t>
-            </a:r>
-            <a:r>
-              <a:rPr lang="en-US" dirty="0"/>
-              <a:t>that we mean that any </a:t>
-            </a:r>
-            <a:r>
-              <a:rPr lang="en-US" dirty="0" smtClean="0"/>
-              <a:t>target language patterns </a:t>
-            </a:r>
-            <a:r>
-              <a:rPr lang="en-US" dirty="0"/>
-              <a:t>generated from the same class of AST patterns should be able to be </a:t>
-            </a:r>
-            <a:r>
-              <a:rPr lang="en-US" dirty="0" smtClean="0"/>
-              <a:t>composed</a:t>
-            </a:r>
-            <a:r>
-              <a:rPr lang="en-US" dirty="0"/>
-              <a:t>,</a:t>
-            </a:r>
-            <a:endParaRPr lang="en-US" dirty="0" smtClean="0"/>
-          </a:p>
-          <a:p>
-            <a:pPr lvl="1"/>
-            <a:r>
-              <a:rPr lang="en-US" dirty="0"/>
-              <a:t>Any one of the Exp1bytecode patterns due to statements in Cuppa1 should be able to be composed with any other Exp1bytecode pattern due to a statement without ever generating incorrect target code. </a:t>
-            </a:r>
-            <a:endParaRPr lang="en-US" dirty="0" smtClean="0"/>
-          </a:p>
-          <a:p>
-            <a:pPr lvl="1"/>
-            <a:r>
-              <a:rPr lang="en-US" dirty="0" smtClean="0"/>
-              <a:t>The </a:t>
-            </a:r>
-            <a:r>
-              <a:rPr lang="en-US" dirty="0"/>
-              <a:t>same thing is true for Exp1bycode patterns generated from Cuppa1 expressions</a:t>
-            </a:r>
-          </a:p>
-        </p:txBody>
-      </p:sp>
-      <p:sp>
-        <p:nvSpPr>
-          <p:cNvPr id="4" name="TextBox 3"/>
-          <p:cNvSpPr txBox="1"/>
-          <p:nvPr/>
-        </p:nvSpPr>
-        <p:spPr>
-          <a:xfrm>
-            <a:off x="693502" y="6278661"/>
-            <a:ext cx="7756995" cy="307777"/>
-          </a:xfrm>
-          <a:prstGeom prst="rect">
-            <a:avLst/>
-          </a:prstGeom>
-          <a:noFill/>
-        </p:spPr>
-        <p:txBody>
-          <a:bodyPr wrap="none" rtlCol="0">
-            <a:spAutoFit/>
-          </a:bodyPr>
-          <a:lstStyle/>
-          <a:p>
-            <a:r>
-              <a:rPr lang="en-US" dirty="0" smtClean="0"/>
-              <a:t>See the ‘</a:t>
-            </a:r>
-            <a:r>
-              <a:rPr lang="en-US" dirty="0" err="1" smtClean="0"/>
-              <a:t>noop</a:t>
-            </a:r>
-            <a:r>
-              <a:rPr lang="en-US" dirty="0" smtClean="0"/>
-              <a:t>’ instructions at the end of the target patterns for ‘while’, ’if-then’, and ‘if-then-else’.</a:t>
-            </a:r>
-            <a:endParaRPr lang="en-US" dirty="0"/>
-          </a:p>
-        </p:txBody>
-      </p:sp>
-    </p:spTree>
-    <p:extLst>
-      <p:ext uri="{BB962C8B-B14F-4D97-AF65-F5344CB8AC3E}">
-        <p14:creationId xmlns:p14="http://schemas.microsoft.com/office/powerpoint/2010/main" val="433471177"/>
-      </p:ext>
-    </p:extLst>
-  </p:cSld>
-  <p:clrMapOvr>
-    <a:masterClrMapping/>
-  </p:clrMapOvr>
-</p:sld>
-</file>
-
 <file path=ppt/slides/slide9.xml><?xml version="1.0" encoding="utf-8"?>
 <p:sld xmlns:a="http://schemas.openxmlformats.org/drawingml/2006/main" xmlns:r="http://schemas.openxmlformats.org/officeDocument/2006/relationships" xmlns:p="http://schemas.openxmlformats.org/presentationml/2006/main">
   <p:cSld>
@@ -12395,10 +12150,9 @@
           <a:lstStyle/>
           <a:p>
             <a:r>
-              <a:rPr lang="en-US" dirty="0" smtClean="0"/>
-              <a:t>A Basic Compiler Architecture</a:t>
-            </a:r>
-            <a:endParaRPr lang="en-US" dirty="0"/>
+              <a:rPr lang="en-US" dirty="0"/>
+              <a:t>A Basic Compiler</a:t>
+            </a:r>
           </a:p>
         </p:txBody>
       </p:sp>
@@ -12412,66 +12166,89 @@
             <p:ph idx="1"/>
           </p:nvPr>
         </p:nvSpPr>
+        <p:spPr/>
+        <p:txBody>
+          <a:bodyPr>
+            <a:normAutofit fontScale="92500" lnSpcReduction="20000"/>
+          </a:bodyPr>
+          <a:lstStyle/>
+          <a:p>
+            <a:r>
+              <a:rPr lang="en-US" dirty="0"/>
+              <a:t>One thing to keep in mind is the notion of </a:t>
+            </a:r>
+            <a:r>
+              <a:rPr lang="en-US" i="1" dirty="0"/>
+              <a:t>target pattern compositionality</a:t>
+            </a:r>
+            <a:r>
+              <a:rPr lang="en-US" dirty="0"/>
+              <a:t>. </a:t>
+            </a:r>
+          </a:p>
+          <a:p>
+            <a:r>
+              <a:rPr lang="en-US" dirty="0"/>
+              <a:t>By that we mean that any target language patterns generated from the same class of AST patterns should be able to be composed,</a:t>
+            </a:r>
+          </a:p>
+          <a:p>
+            <a:pPr lvl="1"/>
+            <a:r>
+              <a:rPr lang="en-US" dirty="0"/>
+              <a:t>Any one of the Exp1bytecode patterns due to statements in Cuppa1 should be able to be composed with any other Exp1bytecode pattern due to a statement without ever generating incorrect target code. </a:t>
+            </a:r>
+          </a:p>
+          <a:p>
+            <a:pPr lvl="1"/>
+            <a:r>
+              <a:rPr lang="en-US" dirty="0"/>
+              <a:t>The same thing is true for Exp1bycode patterns generated from Cuppa1 expressions</a:t>
+            </a:r>
+          </a:p>
+        </p:txBody>
+      </p:sp>
+      <p:sp>
+        <p:nvSpPr>
+          <p:cNvPr id="4" name="TextBox 3"/>
+          <p:cNvSpPr txBox="1"/>
+          <p:nvPr/>
+        </p:nvSpPr>
         <p:spPr>
           <a:xfrm>
-            <a:off x="457200" y="1719263"/>
-            <a:ext cx="8229600" cy="1100137"/>
-          </a:xfrm>
-        </p:spPr>
-        <p:txBody>
-          <a:bodyPr/>
-          <a:lstStyle/>
-          <a:p>
-            <a:r>
-              <a:rPr lang="en-US" dirty="0" smtClean="0"/>
-              <a:t>Our basic compiler consists of:</a:t>
-            </a:r>
-          </a:p>
-          <a:p>
-            <a:pPr lvl="1"/>
-            <a:r>
-              <a:rPr lang="en-US" dirty="0" smtClean="0"/>
-              <a:t>The Cuppa1 frontend</a:t>
-            </a:r>
-          </a:p>
-          <a:p>
-            <a:pPr lvl="1"/>
-            <a:r>
-              <a:rPr lang="en-US" dirty="0" smtClean="0"/>
-              <a:t>A code generation tree walker</a:t>
-            </a:r>
-            <a:endParaRPr lang="en-US" dirty="0"/>
-          </a:p>
-        </p:txBody>
-      </p:sp>
-      <p:pic>
-        <p:nvPicPr>
-          <p:cNvPr id="5" name="Picture 4"/>
-          <p:cNvPicPr>
-            <a:picLocks noChangeAspect="1"/>
-          </p:cNvPicPr>
-          <p:nvPr/>
-        </p:nvPicPr>
-        <p:blipFill>
-          <a:blip r:embed="rId2"/>
-          <a:stretch>
-            <a:fillRect/>
-          </a:stretch>
-        </p:blipFill>
-        <p:spPr>
-          <a:xfrm>
-            <a:off x="990600" y="3570705"/>
-            <a:ext cx="6705600" cy="3058695"/>
+            <a:off x="693502" y="6278661"/>
+            <a:ext cx="7756995" cy="307777"/>
           </a:xfrm>
           <a:prstGeom prst="rect">
             <a:avLst/>
           </a:prstGeom>
+          <a:noFill/>
         </p:spPr>
-      </p:pic>
+        <p:txBody>
+          <a:bodyPr wrap="none" rtlCol="0">
+            <a:spAutoFit/>
+          </a:bodyPr>
+          <a:lstStyle/>
+          <a:p>
+            <a:r>
+              <a:rPr lang="en-US" dirty="0"/>
+              <a:t>See the ‘</a:t>
+            </a:r>
+            <a:r>
+              <a:rPr lang="en-US" dirty="0" err="1"/>
+              <a:t>noop</a:t>
+            </a:r>
+            <a:r>
+              <a:rPr lang="en-US" dirty="0"/>
+              <a:t>’ instructions at the end of the target patterns for ‘while’, ’if-then’, and ‘if-then-else’.</a:t>
+            </a:r>
+          </a:p>
+        </p:txBody>
+      </p:sp>
     </p:spTree>
     <p:extLst>
       <p:ext uri="{BB962C8B-B14F-4D97-AF65-F5344CB8AC3E}">
-        <p14:creationId xmlns:p14="http://schemas.microsoft.com/office/powerpoint/2010/main" val="1786695996"/>
+        <p14:creationId xmlns:p14="http://schemas.microsoft.com/office/powerpoint/2010/main" val="433471177"/>
       </p:ext>
     </p:extLst>
   </p:cSld>
@@ -12727,7 +12504,7 @@
         <a:effectLst/>
         <a:extLst>
           <a:ext uri="{AF507438-7753-43e0-B8FC-AC1667EBCBE1}">
-            <a14:hiddenEffects xmlns:a14="http://schemas.microsoft.com/office/drawing/2010/main" xmlns="">
+            <a14:hiddenEffects xmlns="" xmlns:a14="http://schemas.microsoft.com/office/drawing/2010/main">
               <a:effectLst>
                 <a:outerShdw blurRad="63500" dist="38099" dir="2700000" algn="ctr" rotWithShape="0">
                   <a:schemeClr val="bg2">
@@ -12804,7 +12581,7 @@
         <a:effectLst/>
         <a:extLst>
           <a:ext uri="{AF507438-7753-43e0-B8FC-AC1667EBCBE1}">
-            <a14:hiddenEffects xmlns:a14="http://schemas.microsoft.com/office/drawing/2010/main" xmlns="">
+            <a14:hiddenEffects xmlns="" xmlns:a14="http://schemas.microsoft.com/office/drawing/2010/main">
               <a:effectLst>
                 <a:outerShdw blurRad="63500" dist="38099" dir="2700000" algn="ctr" rotWithShape="0">
                   <a:schemeClr val="bg2">

--- a/notes/csc402-ln007.pptx
+++ b/notes/csc402-ln007.pptx
@@ -27,10 +27,10 @@
     <p:sldId id="306" r:id="rId18"/>
     <p:sldId id="307" r:id="rId19"/>
     <p:sldId id="309" r:id="rId20"/>
-    <p:sldId id="310" r:id="rId21"/>
-    <p:sldId id="311" r:id="rId22"/>
-    <p:sldId id="312" r:id="rId23"/>
-    <p:sldId id="313" r:id="rId24"/>
+    <p:sldId id="318" r:id="rId21"/>
+    <p:sldId id="310" r:id="rId22"/>
+    <p:sldId id="311" r:id="rId23"/>
+    <p:sldId id="312" r:id="rId24"/>
     <p:sldId id="314" r:id="rId25"/>
     <p:sldId id="315" r:id="rId26"/>
     <p:sldId id="316" r:id="rId27"/>
@@ -230,17 +230,17 @@
           </a:ln>
           <a:extLst>
             <a:ext uri="{FAA26D3D-D897-4be2-8F04-BA451C77F1D7}">
-              <ma14:placeholderFlag xmlns:ma14="http://schemas.microsoft.com/office/mac/drawingml/2011/main" xmlns="" val="1"/>
+              <ma14:placeholderFlag xmlns="" xmlns:ma14="http://schemas.microsoft.com/office/mac/drawingml/2011/main" val="1"/>
             </a:ext>
             <a:ext uri="{909E8E84-426E-40dd-AFC4-6F175D3DCCD1}">
-              <a14:hiddenFill xmlns="" xmlns:a14="http://schemas.microsoft.com/office/drawing/2010/main">
+              <a14:hiddenFill xmlns:a14="http://schemas.microsoft.com/office/drawing/2010/main" xmlns="">
                 <a:solidFill>
                   <a:schemeClr val="accent1"/>
                 </a:solidFill>
               </a14:hiddenFill>
             </a:ext>
             <a:ext uri="{91240B29-F687-4f45-9708-019B960494DF}">
-              <a14:hiddenLine xmlns="" xmlns:a14="http://schemas.microsoft.com/office/drawing/2010/main" w="9525">
+              <a14:hiddenLine xmlns:a14="http://schemas.microsoft.com/office/drawing/2010/main" xmlns="" w="9525">
                 <a:solidFill>
                   <a:schemeClr val="tx1"/>
                 </a:solidFill>
@@ -291,17 +291,17 @@
           </a:ln>
           <a:extLst>
             <a:ext uri="{FAA26D3D-D897-4be2-8F04-BA451C77F1D7}">
-              <ma14:placeholderFlag xmlns:ma14="http://schemas.microsoft.com/office/mac/drawingml/2011/main" xmlns="" val="1"/>
+              <ma14:placeholderFlag xmlns="" xmlns:ma14="http://schemas.microsoft.com/office/mac/drawingml/2011/main" val="1"/>
             </a:ext>
             <a:ext uri="{909E8E84-426E-40dd-AFC4-6F175D3DCCD1}">
-              <a14:hiddenFill xmlns="" xmlns:a14="http://schemas.microsoft.com/office/drawing/2010/main">
+              <a14:hiddenFill xmlns:a14="http://schemas.microsoft.com/office/drawing/2010/main" xmlns="">
                 <a:solidFill>
                   <a:schemeClr val="accent1"/>
                 </a:solidFill>
               </a14:hiddenFill>
             </a:ext>
             <a:ext uri="{91240B29-F687-4f45-9708-019B960494DF}">
-              <a14:hiddenLine xmlns="" xmlns:a14="http://schemas.microsoft.com/office/drawing/2010/main" w="9525">
+              <a14:hiddenLine xmlns:a14="http://schemas.microsoft.com/office/drawing/2010/main" xmlns="" w="9525">
                 <a:solidFill>
                   <a:schemeClr val="tx1"/>
                 </a:solidFill>
@@ -358,7 +358,7 @@
           <a:effectLst/>
           <a:extLst>
             <a:ext uri="{AF507438-7753-43e0-B8FC-AC1667EBCBE1}">
-              <a14:hiddenEffects xmlns="" xmlns:a14="http://schemas.microsoft.com/office/drawing/2010/main">
+              <a14:hiddenEffects xmlns:a14="http://schemas.microsoft.com/office/drawing/2010/main" xmlns="">
                 <a:effectLst>
                   <a:outerShdw blurRad="63500" dist="38099" dir="2700000" algn="ctr" rotWithShape="0">
                     <a:srgbClr val="000000">
@@ -369,7 +369,7 @@
               </a14:hiddenEffects>
             </a:ext>
             <a:ext uri="{53640926-AAD7-44d8-BBD7-CCE9431645EC}">
-              <a14:shadowObscured xmlns="" xmlns:a14="http://schemas.microsoft.com/office/drawing/2010/main" val="1"/>
+              <a14:shadowObscured xmlns:a14="http://schemas.microsoft.com/office/drawing/2010/main" xmlns="" val="1"/>
             </a:ext>
           </a:extLst>
         </p:spPr>
@@ -398,17 +398,17 @@
           </a:ln>
           <a:extLst>
             <a:ext uri="{FAA26D3D-D897-4be2-8F04-BA451C77F1D7}">
-              <ma14:placeholderFlag xmlns:ma14="http://schemas.microsoft.com/office/mac/drawingml/2011/main" xmlns="" val="1"/>
+              <ma14:placeholderFlag xmlns="" xmlns:ma14="http://schemas.microsoft.com/office/mac/drawingml/2011/main" val="1"/>
             </a:ext>
             <a:ext uri="{909E8E84-426E-40dd-AFC4-6F175D3DCCD1}">
-              <a14:hiddenFill xmlns="" xmlns:a14="http://schemas.microsoft.com/office/drawing/2010/main">
+              <a14:hiddenFill xmlns:a14="http://schemas.microsoft.com/office/drawing/2010/main" xmlns="">
                 <a:solidFill>
                   <a:schemeClr val="accent1"/>
                 </a:solidFill>
               </a14:hiddenFill>
             </a:ext>
             <a:ext uri="{91240B29-F687-4f45-9708-019B960494DF}">
-              <a14:hiddenLine xmlns="" xmlns:a14="http://schemas.microsoft.com/office/drawing/2010/main" w="9525">
+              <a14:hiddenLine xmlns:a14="http://schemas.microsoft.com/office/drawing/2010/main" xmlns="" w="9525">
                 <a:solidFill>
                   <a:schemeClr val="tx1"/>
                 </a:solidFill>
@@ -487,17 +487,17 @@
           </a:ln>
           <a:extLst>
             <a:ext uri="{FAA26D3D-D897-4be2-8F04-BA451C77F1D7}">
-              <ma14:placeholderFlag xmlns:ma14="http://schemas.microsoft.com/office/mac/drawingml/2011/main" xmlns="" val="1"/>
+              <ma14:placeholderFlag xmlns="" xmlns:ma14="http://schemas.microsoft.com/office/mac/drawingml/2011/main" val="1"/>
             </a:ext>
             <a:ext uri="{909E8E84-426E-40dd-AFC4-6F175D3DCCD1}">
-              <a14:hiddenFill xmlns="" xmlns:a14="http://schemas.microsoft.com/office/drawing/2010/main">
+              <a14:hiddenFill xmlns:a14="http://schemas.microsoft.com/office/drawing/2010/main" xmlns="">
                 <a:solidFill>
                   <a:schemeClr val="accent1"/>
                 </a:solidFill>
               </a14:hiddenFill>
             </a:ext>
             <a:ext uri="{91240B29-F687-4f45-9708-019B960494DF}">
-              <a14:hiddenLine xmlns="" xmlns:a14="http://schemas.microsoft.com/office/drawing/2010/main" w="9525">
+              <a14:hiddenLine xmlns:a14="http://schemas.microsoft.com/office/drawing/2010/main" xmlns="" w="9525">
                 <a:solidFill>
                   <a:schemeClr val="tx1"/>
                 </a:solidFill>
@@ -548,17 +548,17 @@
           </a:ln>
           <a:extLst>
             <a:ext uri="{FAA26D3D-D897-4be2-8F04-BA451C77F1D7}">
-              <ma14:placeholderFlag xmlns:ma14="http://schemas.microsoft.com/office/mac/drawingml/2011/main" xmlns="" val="1"/>
+              <ma14:placeholderFlag xmlns="" xmlns:ma14="http://schemas.microsoft.com/office/mac/drawingml/2011/main" val="1"/>
             </a:ext>
             <a:ext uri="{909E8E84-426E-40dd-AFC4-6F175D3DCCD1}">
-              <a14:hiddenFill xmlns="" xmlns:a14="http://schemas.microsoft.com/office/drawing/2010/main">
+              <a14:hiddenFill xmlns:a14="http://schemas.microsoft.com/office/drawing/2010/main" xmlns="">
                 <a:solidFill>
                   <a:schemeClr val="accent1"/>
                 </a:solidFill>
               </a14:hiddenFill>
             </a:ext>
             <a:ext uri="{91240B29-F687-4f45-9708-019B960494DF}">
-              <a14:hiddenLine xmlns="" xmlns:a14="http://schemas.microsoft.com/office/drawing/2010/main" w="9525">
+              <a14:hiddenLine xmlns:a14="http://schemas.microsoft.com/office/drawing/2010/main" xmlns="" w="9525">
                 <a:solidFill>
                   <a:schemeClr val="tx1"/>
                 </a:solidFill>
@@ -853,12 +853,12 @@
           <a:effectLst/>
           <a:extLst>
             <a:ext uri="{909E8E84-426E-40dd-AFC4-6F175D3DCCD1}">
-              <a14:hiddenFill xmlns="" xmlns:a14="http://schemas.microsoft.com/office/drawing/2010/main">
+              <a14:hiddenFill xmlns:a14="http://schemas.microsoft.com/office/drawing/2010/main" xmlns="">
                 <a:noFill/>
               </a14:hiddenFill>
             </a:ext>
             <a:ext uri="{AF507438-7753-43e0-B8FC-AC1667EBCBE1}">
-              <a14:hiddenEffects xmlns="" xmlns:a14="http://schemas.microsoft.com/office/drawing/2010/main">
+              <a14:hiddenEffects xmlns:a14="http://schemas.microsoft.com/office/drawing/2010/main" xmlns="">
                 <a:effectLst>
                   <a:outerShdw blurRad="63500" dist="38099" dir="2700000" algn="ctr" rotWithShape="0">
                     <a:schemeClr val="bg2">
@@ -1059,7 +1059,7 @@
             <a:effectLst/>
             <a:extLst>
               <a:ext uri="{91240B29-F687-4f45-9708-019B960494DF}">
-                <a14:hiddenLine xmlns="" xmlns:a14="http://schemas.microsoft.com/office/drawing/2010/main" w="9525">
+                <a14:hiddenLine xmlns:a14="http://schemas.microsoft.com/office/drawing/2010/main" xmlns="" w="9525">
                   <a:solidFill>
                     <a:schemeClr val="tx1"/>
                   </a:solidFill>
@@ -1069,7 +1069,7 @@
                 </a14:hiddenLine>
               </a:ext>
               <a:ext uri="{AF507438-7753-43e0-B8FC-AC1667EBCBE1}">
-                <a14:hiddenEffects xmlns="" xmlns:a14="http://schemas.microsoft.com/office/drawing/2010/main">
+                <a14:hiddenEffects xmlns:a14="http://schemas.microsoft.com/office/drawing/2010/main" xmlns="">
                   <a:effectLst>
                     <a:outerShdw blurRad="63500" dist="38099" dir="2700000" algn="ctr" rotWithShape="0">
                       <a:schemeClr val="bg2">
@@ -1114,7 +1114,7 @@
             <a:effectLst/>
             <a:extLst>
               <a:ext uri="{91240B29-F687-4f45-9708-019B960494DF}">
-                <a14:hiddenLine xmlns="" xmlns:a14="http://schemas.microsoft.com/office/drawing/2010/main" w="9525">
+                <a14:hiddenLine xmlns:a14="http://schemas.microsoft.com/office/drawing/2010/main" xmlns="" w="9525">
                   <a:solidFill>
                     <a:schemeClr val="tx1"/>
                   </a:solidFill>
@@ -1124,7 +1124,7 @@
                 </a14:hiddenLine>
               </a:ext>
               <a:ext uri="{AF507438-7753-43e0-B8FC-AC1667EBCBE1}">
-                <a14:hiddenEffects xmlns="" xmlns:a14="http://schemas.microsoft.com/office/drawing/2010/main">
+                <a14:hiddenEffects xmlns:a14="http://schemas.microsoft.com/office/drawing/2010/main" xmlns="">
                   <a:effectLst>
                     <a:outerShdw blurRad="63500" dist="38099" dir="2700000" algn="ctr" rotWithShape="0">
                       <a:schemeClr val="bg2">
@@ -1169,7 +1169,7 @@
             <a:effectLst/>
             <a:extLst>
               <a:ext uri="{91240B29-F687-4f45-9708-019B960494DF}">
-                <a14:hiddenLine xmlns="" xmlns:a14="http://schemas.microsoft.com/office/drawing/2010/main" w="9525">
+                <a14:hiddenLine xmlns:a14="http://schemas.microsoft.com/office/drawing/2010/main" xmlns="" w="9525">
                   <a:solidFill>
                     <a:schemeClr val="tx1"/>
                   </a:solidFill>
@@ -1179,7 +1179,7 @@
                 </a14:hiddenLine>
               </a:ext>
               <a:ext uri="{AF507438-7753-43e0-B8FC-AC1667EBCBE1}">
-                <a14:hiddenEffects xmlns="" xmlns:a14="http://schemas.microsoft.com/office/drawing/2010/main">
+                <a14:hiddenEffects xmlns:a14="http://schemas.microsoft.com/office/drawing/2010/main" xmlns="">
                   <a:effectLst>
                     <a:outerShdw blurRad="63500" dist="38099" dir="2700000" algn="ctr" rotWithShape="0">
                       <a:schemeClr val="bg2">
@@ -1224,7 +1224,7 @@
             <a:effectLst/>
             <a:extLst>
               <a:ext uri="{91240B29-F687-4f45-9708-019B960494DF}">
-                <a14:hiddenLine xmlns="" xmlns:a14="http://schemas.microsoft.com/office/drawing/2010/main" w="9525">
+                <a14:hiddenLine xmlns:a14="http://schemas.microsoft.com/office/drawing/2010/main" xmlns="" w="9525">
                   <a:solidFill>
                     <a:schemeClr val="tx1"/>
                   </a:solidFill>
@@ -1234,7 +1234,7 @@
                 </a14:hiddenLine>
               </a:ext>
               <a:ext uri="{AF507438-7753-43e0-B8FC-AC1667EBCBE1}">
-                <a14:hiddenEffects xmlns="" xmlns:a14="http://schemas.microsoft.com/office/drawing/2010/main">
+                <a14:hiddenEffects xmlns:a14="http://schemas.microsoft.com/office/drawing/2010/main" xmlns="">
                   <a:effectLst>
                     <a:outerShdw blurRad="63500" dist="38099" dir="2700000" algn="ctr" rotWithShape="0">
                       <a:schemeClr val="bg2">
@@ -1279,7 +1279,7 @@
             <a:effectLst/>
             <a:extLst>
               <a:ext uri="{91240B29-F687-4f45-9708-019B960494DF}">
-                <a14:hiddenLine xmlns="" xmlns:a14="http://schemas.microsoft.com/office/drawing/2010/main" w="9525">
+                <a14:hiddenLine xmlns:a14="http://schemas.microsoft.com/office/drawing/2010/main" xmlns="" w="9525">
                   <a:solidFill>
                     <a:schemeClr val="tx1"/>
                   </a:solidFill>
@@ -1289,7 +1289,7 @@
                 </a14:hiddenLine>
               </a:ext>
               <a:ext uri="{AF507438-7753-43e0-B8FC-AC1667EBCBE1}">
-                <a14:hiddenEffects xmlns="" xmlns:a14="http://schemas.microsoft.com/office/drawing/2010/main">
+                <a14:hiddenEffects xmlns:a14="http://schemas.microsoft.com/office/drawing/2010/main" xmlns="">
                   <a:effectLst>
                     <a:outerShdw blurRad="63500" dist="38099" dir="2700000" algn="ctr" rotWithShape="0">
                       <a:schemeClr val="bg2">
@@ -1334,7 +1334,7 @@
             <a:effectLst/>
             <a:extLst>
               <a:ext uri="{91240B29-F687-4f45-9708-019B960494DF}">
-                <a14:hiddenLine xmlns="" xmlns:a14="http://schemas.microsoft.com/office/drawing/2010/main" w="9525">
+                <a14:hiddenLine xmlns:a14="http://schemas.microsoft.com/office/drawing/2010/main" xmlns="" w="9525">
                   <a:solidFill>
                     <a:schemeClr val="tx1"/>
                   </a:solidFill>
@@ -1344,7 +1344,7 @@
                 </a14:hiddenLine>
               </a:ext>
               <a:ext uri="{AF507438-7753-43e0-B8FC-AC1667EBCBE1}">
-                <a14:hiddenEffects xmlns="" xmlns:a14="http://schemas.microsoft.com/office/drawing/2010/main">
+                <a14:hiddenEffects xmlns:a14="http://schemas.microsoft.com/office/drawing/2010/main" xmlns="">
                   <a:effectLst>
                     <a:outerShdw blurRad="63500" dist="38099" dir="2700000" algn="ctr" rotWithShape="0">
                       <a:schemeClr val="bg2">
@@ -1389,7 +1389,7 @@
             <a:effectLst/>
             <a:extLst>
               <a:ext uri="{91240B29-F687-4f45-9708-019B960494DF}">
-                <a14:hiddenLine xmlns="" xmlns:a14="http://schemas.microsoft.com/office/drawing/2010/main" w="9525">
+                <a14:hiddenLine xmlns:a14="http://schemas.microsoft.com/office/drawing/2010/main" xmlns="" w="9525">
                   <a:solidFill>
                     <a:schemeClr val="tx1"/>
                   </a:solidFill>
@@ -1399,7 +1399,7 @@
                 </a14:hiddenLine>
               </a:ext>
               <a:ext uri="{AF507438-7753-43e0-B8FC-AC1667EBCBE1}">
-                <a14:hiddenEffects xmlns="" xmlns:a14="http://schemas.microsoft.com/office/drawing/2010/main">
+                <a14:hiddenEffects xmlns:a14="http://schemas.microsoft.com/office/drawing/2010/main" xmlns="">
                   <a:effectLst>
                     <a:outerShdw blurRad="63500" dist="38099" dir="2700000" algn="ctr" rotWithShape="0">
                       <a:schemeClr val="bg2">
@@ -1444,7 +1444,7 @@
             <a:effectLst/>
             <a:extLst>
               <a:ext uri="{91240B29-F687-4f45-9708-019B960494DF}">
-                <a14:hiddenLine xmlns="" xmlns:a14="http://schemas.microsoft.com/office/drawing/2010/main" w="9525">
+                <a14:hiddenLine xmlns:a14="http://schemas.microsoft.com/office/drawing/2010/main" xmlns="" w="9525">
                   <a:solidFill>
                     <a:schemeClr val="tx1"/>
                   </a:solidFill>
@@ -1454,7 +1454,7 @@
                 </a14:hiddenLine>
               </a:ext>
               <a:ext uri="{AF507438-7753-43e0-B8FC-AC1667EBCBE1}">
-                <a14:hiddenEffects xmlns="" xmlns:a14="http://schemas.microsoft.com/office/drawing/2010/main">
+                <a14:hiddenEffects xmlns:a14="http://schemas.microsoft.com/office/drawing/2010/main" xmlns="">
                   <a:effectLst>
                     <a:outerShdw blurRad="63500" dist="38099" dir="2700000" algn="ctr" rotWithShape="0">
                       <a:schemeClr val="bg2">
@@ -1499,7 +1499,7 @@
             <a:effectLst/>
             <a:extLst>
               <a:ext uri="{91240B29-F687-4f45-9708-019B960494DF}">
-                <a14:hiddenLine xmlns="" xmlns:a14="http://schemas.microsoft.com/office/drawing/2010/main" w="9525">
+                <a14:hiddenLine xmlns:a14="http://schemas.microsoft.com/office/drawing/2010/main" xmlns="" w="9525">
                   <a:solidFill>
                     <a:schemeClr val="tx1"/>
                   </a:solidFill>
@@ -1509,7 +1509,7 @@
                 </a14:hiddenLine>
               </a:ext>
               <a:ext uri="{AF507438-7753-43e0-B8FC-AC1667EBCBE1}">
-                <a14:hiddenEffects xmlns="" xmlns:a14="http://schemas.microsoft.com/office/drawing/2010/main">
+                <a14:hiddenEffects xmlns:a14="http://schemas.microsoft.com/office/drawing/2010/main" xmlns="">
                   <a:effectLst>
                     <a:outerShdw blurRad="63500" dist="38099" dir="2700000" algn="ctr" rotWithShape="0">
                       <a:schemeClr val="bg2">
@@ -1554,7 +1554,7 @@
             <a:effectLst/>
             <a:extLst>
               <a:ext uri="{91240B29-F687-4f45-9708-019B960494DF}">
-                <a14:hiddenLine xmlns="" xmlns:a14="http://schemas.microsoft.com/office/drawing/2010/main" w="9525">
+                <a14:hiddenLine xmlns:a14="http://schemas.microsoft.com/office/drawing/2010/main" xmlns="" w="9525">
                   <a:solidFill>
                     <a:schemeClr val="tx1"/>
                   </a:solidFill>
@@ -1564,7 +1564,7 @@
                 </a14:hiddenLine>
               </a:ext>
               <a:ext uri="{AF507438-7753-43e0-B8FC-AC1667EBCBE1}">
-                <a14:hiddenEffects xmlns="" xmlns:a14="http://schemas.microsoft.com/office/drawing/2010/main">
+                <a14:hiddenEffects xmlns:a14="http://schemas.microsoft.com/office/drawing/2010/main" xmlns="">
                   <a:effectLst>
                     <a:outerShdw blurRad="63500" dist="38099" dir="2700000" algn="ctr" rotWithShape="0">
                       <a:schemeClr val="bg2">
@@ -1609,7 +1609,7 @@
             <a:effectLst/>
             <a:extLst>
               <a:ext uri="{91240B29-F687-4f45-9708-019B960494DF}">
-                <a14:hiddenLine xmlns="" xmlns:a14="http://schemas.microsoft.com/office/drawing/2010/main" w="9525">
+                <a14:hiddenLine xmlns:a14="http://schemas.microsoft.com/office/drawing/2010/main" xmlns="" w="9525">
                   <a:solidFill>
                     <a:schemeClr val="tx1"/>
                   </a:solidFill>
@@ -1619,7 +1619,7 @@
                 </a14:hiddenLine>
               </a:ext>
               <a:ext uri="{AF507438-7753-43e0-B8FC-AC1667EBCBE1}">
-                <a14:hiddenEffects xmlns="" xmlns:a14="http://schemas.microsoft.com/office/drawing/2010/main">
+                <a14:hiddenEffects xmlns:a14="http://schemas.microsoft.com/office/drawing/2010/main" xmlns="">
                   <a:effectLst>
                     <a:outerShdw blurRad="63500" dist="38099" dir="2700000" algn="ctr" rotWithShape="0">
                       <a:schemeClr val="bg2">
@@ -1664,7 +1664,7 @@
             <a:effectLst/>
             <a:extLst>
               <a:ext uri="{91240B29-F687-4f45-9708-019B960494DF}">
-                <a14:hiddenLine xmlns="" xmlns:a14="http://schemas.microsoft.com/office/drawing/2010/main" w="9525">
+                <a14:hiddenLine xmlns:a14="http://schemas.microsoft.com/office/drawing/2010/main" xmlns="" w="9525">
                   <a:solidFill>
                     <a:schemeClr val="tx1"/>
                   </a:solidFill>
@@ -1674,7 +1674,7 @@
                 </a14:hiddenLine>
               </a:ext>
               <a:ext uri="{AF507438-7753-43e0-B8FC-AC1667EBCBE1}">
-                <a14:hiddenEffects xmlns="" xmlns:a14="http://schemas.microsoft.com/office/drawing/2010/main">
+                <a14:hiddenEffects xmlns:a14="http://schemas.microsoft.com/office/drawing/2010/main" xmlns="">
                   <a:effectLst>
                     <a:outerShdw blurRad="63500" dist="38099" dir="2700000" algn="ctr" rotWithShape="0">
                       <a:schemeClr val="bg2">
@@ -1719,7 +1719,7 @@
             <a:effectLst/>
             <a:extLst>
               <a:ext uri="{91240B29-F687-4f45-9708-019B960494DF}">
-                <a14:hiddenLine xmlns="" xmlns:a14="http://schemas.microsoft.com/office/drawing/2010/main" w="9525">
+                <a14:hiddenLine xmlns:a14="http://schemas.microsoft.com/office/drawing/2010/main" xmlns="" w="9525">
                   <a:solidFill>
                     <a:schemeClr val="tx1"/>
                   </a:solidFill>
@@ -1729,7 +1729,7 @@
                 </a14:hiddenLine>
               </a:ext>
               <a:ext uri="{AF507438-7753-43e0-B8FC-AC1667EBCBE1}">
-                <a14:hiddenEffects xmlns="" xmlns:a14="http://schemas.microsoft.com/office/drawing/2010/main">
+                <a14:hiddenEffects xmlns:a14="http://schemas.microsoft.com/office/drawing/2010/main" xmlns="">
                   <a:effectLst>
                     <a:outerShdw blurRad="63500" dist="38099" dir="2700000" algn="ctr" rotWithShape="0">
                       <a:schemeClr val="bg2">
@@ -1774,7 +1774,7 @@
             <a:effectLst/>
             <a:extLst>
               <a:ext uri="{91240B29-F687-4f45-9708-019B960494DF}">
-                <a14:hiddenLine xmlns="" xmlns:a14="http://schemas.microsoft.com/office/drawing/2010/main" w="9525">
+                <a14:hiddenLine xmlns:a14="http://schemas.microsoft.com/office/drawing/2010/main" xmlns="" w="9525">
                   <a:solidFill>
                     <a:schemeClr val="tx1"/>
                   </a:solidFill>
@@ -1784,7 +1784,7 @@
                 </a14:hiddenLine>
               </a:ext>
               <a:ext uri="{AF507438-7753-43e0-B8FC-AC1667EBCBE1}">
-                <a14:hiddenEffects xmlns="" xmlns:a14="http://schemas.microsoft.com/office/drawing/2010/main">
+                <a14:hiddenEffects xmlns:a14="http://schemas.microsoft.com/office/drawing/2010/main" xmlns="">
                   <a:effectLst>
                     <a:outerShdw blurRad="63500" dist="38099" dir="2700000" algn="ctr" rotWithShape="0">
                       <a:schemeClr val="bg2">
@@ -1829,7 +1829,7 @@
             <a:effectLst/>
             <a:extLst>
               <a:ext uri="{91240B29-F687-4f45-9708-019B960494DF}">
-                <a14:hiddenLine xmlns="" xmlns:a14="http://schemas.microsoft.com/office/drawing/2010/main" w="9525">
+                <a14:hiddenLine xmlns:a14="http://schemas.microsoft.com/office/drawing/2010/main" xmlns="" w="9525">
                   <a:solidFill>
                     <a:schemeClr val="tx1"/>
                   </a:solidFill>
@@ -1839,7 +1839,7 @@
                 </a14:hiddenLine>
               </a:ext>
               <a:ext uri="{AF507438-7753-43e0-B8FC-AC1667EBCBE1}">
-                <a14:hiddenEffects xmlns="" xmlns:a14="http://schemas.microsoft.com/office/drawing/2010/main">
+                <a14:hiddenEffects xmlns:a14="http://schemas.microsoft.com/office/drawing/2010/main" xmlns="">
                   <a:effectLst>
                     <a:outerShdw blurRad="63500" dist="38099" dir="2700000" algn="ctr" rotWithShape="0">
                       <a:schemeClr val="bg2">
@@ -1884,7 +1884,7 @@
             <a:effectLst/>
             <a:extLst>
               <a:ext uri="{91240B29-F687-4f45-9708-019B960494DF}">
-                <a14:hiddenLine xmlns="" xmlns:a14="http://schemas.microsoft.com/office/drawing/2010/main" w="9525">
+                <a14:hiddenLine xmlns:a14="http://schemas.microsoft.com/office/drawing/2010/main" xmlns="" w="9525">
                   <a:solidFill>
                     <a:schemeClr val="tx1"/>
                   </a:solidFill>
@@ -1894,7 +1894,7 @@
                 </a14:hiddenLine>
               </a:ext>
               <a:ext uri="{AF507438-7753-43e0-B8FC-AC1667EBCBE1}">
-                <a14:hiddenEffects xmlns="" xmlns:a14="http://schemas.microsoft.com/office/drawing/2010/main">
+                <a14:hiddenEffects xmlns:a14="http://schemas.microsoft.com/office/drawing/2010/main" xmlns="">
                   <a:effectLst>
                     <a:outerShdw blurRad="63500" dist="38099" dir="2700000" algn="ctr" rotWithShape="0">
                       <a:schemeClr val="bg2">
@@ -1939,7 +1939,7 @@
             <a:effectLst/>
             <a:extLst>
               <a:ext uri="{91240B29-F687-4f45-9708-019B960494DF}">
-                <a14:hiddenLine xmlns="" xmlns:a14="http://schemas.microsoft.com/office/drawing/2010/main" w="9525">
+                <a14:hiddenLine xmlns:a14="http://schemas.microsoft.com/office/drawing/2010/main" xmlns="" w="9525">
                   <a:solidFill>
                     <a:schemeClr val="tx1"/>
                   </a:solidFill>
@@ -1949,7 +1949,7 @@
                 </a14:hiddenLine>
               </a:ext>
               <a:ext uri="{AF507438-7753-43e0-B8FC-AC1667EBCBE1}">
-                <a14:hiddenEffects xmlns="" xmlns:a14="http://schemas.microsoft.com/office/drawing/2010/main">
+                <a14:hiddenEffects xmlns:a14="http://schemas.microsoft.com/office/drawing/2010/main" xmlns="">
                   <a:effectLst>
                     <a:outerShdw blurRad="63500" dist="38099" dir="2700000" algn="ctr" rotWithShape="0">
                       <a:schemeClr val="bg2">
@@ -1994,7 +1994,7 @@
             <a:effectLst/>
             <a:extLst>
               <a:ext uri="{91240B29-F687-4f45-9708-019B960494DF}">
-                <a14:hiddenLine xmlns="" xmlns:a14="http://schemas.microsoft.com/office/drawing/2010/main" w="9525">
+                <a14:hiddenLine xmlns:a14="http://schemas.microsoft.com/office/drawing/2010/main" xmlns="" w="9525">
                   <a:solidFill>
                     <a:schemeClr val="tx1"/>
                   </a:solidFill>
@@ -2004,7 +2004,7 @@
                 </a14:hiddenLine>
               </a:ext>
               <a:ext uri="{AF507438-7753-43e0-B8FC-AC1667EBCBE1}">
-                <a14:hiddenEffects xmlns="" xmlns:a14="http://schemas.microsoft.com/office/drawing/2010/main">
+                <a14:hiddenEffects xmlns:a14="http://schemas.microsoft.com/office/drawing/2010/main" xmlns="">
                   <a:effectLst>
                     <a:outerShdw blurRad="63500" dist="38099" dir="2700000" algn="ctr" rotWithShape="0">
                       <a:schemeClr val="bg2">
@@ -2049,7 +2049,7 @@
             <a:effectLst/>
             <a:extLst>
               <a:ext uri="{91240B29-F687-4f45-9708-019B960494DF}">
-                <a14:hiddenLine xmlns="" xmlns:a14="http://schemas.microsoft.com/office/drawing/2010/main" w="9525">
+                <a14:hiddenLine xmlns:a14="http://schemas.microsoft.com/office/drawing/2010/main" xmlns="" w="9525">
                   <a:solidFill>
                     <a:schemeClr val="tx1"/>
                   </a:solidFill>
@@ -2059,7 +2059,7 @@
                 </a14:hiddenLine>
               </a:ext>
               <a:ext uri="{AF507438-7753-43e0-B8FC-AC1667EBCBE1}">
-                <a14:hiddenEffects xmlns="" xmlns:a14="http://schemas.microsoft.com/office/drawing/2010/main">
+                <a14:hiddenEffects xmlns:a14="http://schemas.microsoft.com/office/drawing/2010/main" xmlns="">
                   <a:effectLst>
                     <a:outerShdw blurRad="63500" dist="38099" dir="2700000" algn="ctr" rotWithShape="0">
                       <a:schemeClr val="bg2">
@@ -2104,7 +2104,7 @@
             <a:effectLst/>
             <a:extLst>
               <a:ext uri="{91240B29-F687-4f45-9708-019B960494DF}">
-                <a14:hiddenLine xmlns="" xmlns:a14="http://schemas.microsoft.com/office/drawing/2010/main" w="9525">
+                <a14:hiddenLine xmlns:a14="http://schemas.microsoft.com/office/drawing/2010/main" xmlns="" w="9525">
                   <a:solidFill>
                     <a:schemeClr val="tx1"/>
                   </a:solidFill>
@@ -2114,7 +2114,7 @@
                 </a14:hiddenLine>
               </a:ext>
               <a:ext uri="{AF507438-7753-43e0-B8FC-AC1667EBCBE1}">
-                <a14:hiddenEffects xmlns="" xmlns:a14="http://schemas.microsoft.com/office/drawing/2010/main">
+                <a14:hiddenEffects xmlns:a14="http://schemas.microsoft.com/office/drawing/2010/main" xmlns="">
                   <a:effectLst>
                     <a:outerShdw blurRad="63500" dist="38099" dir="2700000" algn="ctr" rotWithShape="0">
                       <a:schemeClr val="bg2">
@@ -2159,7 +2159,7 @@
             <a:effectLst/>
             <a:extLst>
               <a:ext uri="{91240B29-F687-4f45-9708-019B960494DF}">
-                <a14:hiddenLine xmlns="" xmlns:a14="http://schemas.microsoft.com/office/drawing/2010/main" w="9525">
+                <a14:hiddenLine xmlns:a14="http://schemas.microsoft.com/office/drawing/2010/main" xmlns="" w="9525">
                   <a:solidFill>
                     <a:schemeClr val="tx1"/>
                   </a:solidFill>
@@ -2169,7 +2169,7 @@
                 </a14:hiddenLine>
               </a:ext>
               <a:ext uri="{AF507438-7753-43e0-B8FC-AC1667EBCBE1}">
-                <a14:hiddenEffects xmlns="" xmlns:a14="http://schemas.microsoft.com/office/drawing/2010/main">
+                <a14:hiddenEffects xmlns:a14="http://schemas.microsoft.com/office/drawing/2010/main" xmlns="">
                   <a:effectLst>
                     <a:outerShdw blurRad="63500" dist="38099" dir="2700000" algn="ctr" rotWithShape="0">
                       <a:schemeClr val="bg2">
@@ -2214,7 +2214,7 @@
             <a:effectLst/>
             <a:extLst>
               <a:ext uri="{91240B29-F687-4f45-9708-019B960494DF}">
-                <a14:hiddenLine xmlns="" xmlns:a14="http://schemas.microsoft.com/office/drawing/2010/main" w="9525">
+                <a14:hiddenLine xmlns:a14="http://schemas.microsoft.com/office/drawing/2010/main" xmlns="" w="9525">
                   <a:solidFill>
                     <a:schemeClr val="tx1"/>
                   </a:solidFill>
@@ -2224,7 +2224,7 @@
                 </a14:hiddenLine>
               </a:ext>
               <a:ext uri="{AF507438-7753-43e0-B8FC-AC1667EBCBE1}">
-                <a14:hiddenEffects xmlns="" xmlns:a14="http://schemas.microsoft.com/office/drawing/2010/main">
+                <a14:hiddenEffects xmlns:a14="http://schemas.microsoft.com/office/drawing/2010/main" xmlns="">
                   <a:effectLst>
                     <a:outerShdw blurRad="63500" dist="38099" dir="2700000" algn="ctr" rotWithShape="0">
                       <a:schemeClr val="bg2">
@@ -2269,7 +2269,7 @@
             <a:effectLst/>
             <a:extLst>
               <a:ext uri="{91240B29-F687-4f45-9708-019B960494DF}">
-                <a14:hiddenLine xmlns="" xmlns:a14="http://schemas.microsoft.com/office/drawing/2010/main" w="9525">
+                <a14:hiddenLine xmlns:a14="http://schemas.microsoft.com/office/drawing/2010/main" xmlns="" w="9525">
                   <a:solidFill>
                     <a:schemeClr val="tx1"/>
                   </a:solidFill>
@@ -2279,7 +2279,7 @@
                 </a14:hiddenLine>
               </a:ext>
               <a:ext uri="{AF507438-7753-43e0-B8FC-AC1667EBCBE1}">
-                <a14:hiddenEffects xmlns="" xmlns:a14="http://schemas.microsoft.com/office/drawing/2010/main">
+                <a14:hiddenEffects xmlns:a14="http://schemas.microsoft.com/office/drawing/2010/main" xmlns="">
                   <a:effectLst>
                     <a:outerShdw blurRad="63500" dist="38099" dir="2700000" algn="ctr" rotWithShape="0">
                       <a:schemeClr val="bg2">
@@ -2324,7 +2324,7 @@
             <a:effectLst/>
             <a:extLst>
               <a:ext uri="{91240B29-F687-4f45-9708-019B960494DF}">
-                <a14:hiddenLine xmlns="" xmlns:a14="http://schemas.microsoft.com/office/drawing/2010/main" w="9525">
+                <a14:hiddenLine xmlns:a14="http://schemas.microsoft.com/office/drawing/2010/main" xmlns="" w="9525">
                   <a:solidFill>
                     <a:schemeClr val="tx1"/>
                   </a:solidFill>
@@ -2334,7 +2334,7 @@
                 </a14:hiddenLine>
               </a:ext>
               <a:ext uri="{AF507438-7753-43e0-B8FC-AC1667EBCBE1}">
-                <a14:hiddenEffects xmlns="" xmlns:a14="http://schemas.microsoft.com/office/drawing/2010/main">
+                <a14:hiddenEffects xmlns:a14="http://schemas.microsoft.com/office/drawing/2010/main" xmlns="">
                   <a:effectLst>
                     <a:outerShdw blurRad="63500" dist="38099" dir="2700000" algn="ctr" rotWithShape="0">
                       <a:schemeClr val="bg2">
@@ -2379,7 +2379,7 @@
             <a:effectLst/>
             <a:extLst>
               <a:ext uri="{91240B29-F687-4f45-9708-019B960494DF}">
-                <a14:hiddenLine xmlns="" xmlns:a14="http://schemas.microsoft.com/office/drawing/2010/main" w="9525">
+                <a14:hiddenLine xmlns:a14="http://schemas.microsoft.com/office/drawing/2010/main" xmlns="" w="9525">
                   <a:solidFill>
                     <a:schemeClr val="tx1"/>
                   </a:solidFill>
@@ -2389,7 +2389,7 @@
                 </a14:hiddenLine>
               </a:ext>
               <a:ext uri="{AF507438-7753-43e0-B8FC-AC1667EBCBE1}">
-                <a14:hiddenEffects xmlns="" xmlns:a14="http://schemas.microsoft.com/office/drawing/2010/main">
+                <a14:hiddenEffects xmlns:a14="http://schemas.microsoft.com/office/drawing/2010/main" xmlns="">
                   <a:effectLst>
                     <a:outerShdw blurRad="63500" dist="38099" dir="2700000" algn="ctr" rotWithShape="0">
                       <a:schemeClr val="bg2">
@@ -2434,7 +2434,7 @@
             <a:effectLst/>
             <a:extLst>
               <a:ext uri="{91240B29-F687-4f45-9708-019B960494DF}">
-                <a14:hiddenLine xmlns="" xmlns:a14="http://schemas.microsoft.com/office/drawing/2010/main" w="9525">
+                <a14:hiddenLine xmlns:a14="http://schemas.microsoft.com/office/drawing/2010/main" xmlns="" w="9525">
                   <a:solidFill>
                     <a:schemeClr val="tx1"/>
                   </a:solidFill>
@@ -2444,7 +2444,7 @@
                 </a14:hiddenLine>
               </a:ext>
               <a:ext uri="{AF507438-7753-43e0-B8FC-AC1667EBCBE1}">
-                <a14:hiddenEffects xmlns="" xmlns:a14="http://schemas.microsoft.com/office/drawing/2010/main">
+                <a14:hiddenEffects xmlns:a14="http://schemas.microsoft.com/office/drawing/2010/main" xmlns="">
                   <a:effectLst>
                     <a:outerShdw blurRad="63500" dist="38099" dir="2700000" algn="ctr" rotWithShape="0">
                       <a:schemeClr val="bg2">
@@ -2489,7 +2489,7 @@
             <a:effectLst/>
             <a:extLst>
               <a:ext uri="{91240B29-F687-4f45-9708-019B960494DF}">
-                <a14:hiddenLine xmlns="" xmlns:a14="http://schemas.microsoft.com/office/drawing/2010/main" w="9525">
+                <a14:hiddenLine xmlns:a14="http://schemas.microsoft.com/office/drawing/2010/main" xmlns="" w="9525">
                   <a:solidFill>
                     <a:schemeClr val="tx1"/>
                   </a:solidFill>
@@ -2499,7 +2499,7 @@
                 </a14:hiddenLine>
               </a:ext>
               <a:ext uri="{AF507438-7753-43e0-B8FC-AC1667EBCBE1}">
-                <a14:hiddenEffects xmlns="" xmlns:a14="http://schemas.microsoft.com/office/drawing/2010/main">
+                <a14:hiddenEffects xmlns:a14="http://schemas.microsoft.com/office/drawing/2010/main" xmlns="">
                   <a:effectLst>
                     <a:outerShdw blurRad="63500" dist="38099" dir="2700000" algn="ctr" rotWithShape="0">
                       <a:schemeClr val="bg2">
@@ -2544,7 +2544,7 @@
             <a:effectLst/>
             <a:extLst>
               <a:ext uri="{91240B29-F687-4f45-9708-019B960494DF}">
-                <a14:hiddenLine xmlns="" xmlns:a14="http://schemas.microsoft.com/office/drawing/2010/main" w="9525">
+                <a14:hiddenLine xmlns:a14="http://schemas.microsoft.com/office/drawing/2010/main" xmlns="" w="9525">
                   <a:solidFill>
                     <a:schemeClr val="tx1"/>
                   </a:solidFill>
@@ -2554,7 +2554,7 @@
                 </a14:hiddenLine>
               </a:ext>
               <a:ext uri="{AF507438-7753-43e0-B8FC-AC1667EBCBE1}">
-                <a14:hiddenEffects xmlns="" xmlns:a14="http://schemas.microsoft.com/office/drawing/2010/main">
+                <a14:hiddenEffects xmlns:a14="http://schemas.microsoft.com/office/drawing/2010/main" xmlns="">
                   <a:effectLst>
                     <a:outerShdw blurRad="63500" dist="38099" dir="2700000" algn="ctr" rotWithShape="0">
                       <a:schemeClr val="bg2">
@@ -2599,7 +2599,7 @@
             <a:effectLst/>
             <a:extLst>
               <a:ext uri="{91240B29-F687-4f45-9708-019B960494DF}">
-                <a14:hiddenLine xmlns="" xmlns:a14="http://schemas.microsoft.com/office/drawing/2010/main" w="9525">
+                <a14:hiddenLine xmlns:a14="http://schemas.microsoft.com/office/drawing/2010/main" xmlns="" w="9525">
                   <a:solidFill>
                     <a:schemeClr val="tx1"/>
                   </a:solidFill>
@@ -2609,7 +2609,7 @@
                 </a14:hiddenLine>
               </a:ext>
               <a:ext uri="{AF507438-7753-43e0-B8FC-AC1667EBCBE1}">
-                <a14:hiddenEffects xmlns="" xmlns:a14="http://schemas.microsoft.com/office/drawing/2010/main">
+                <a14:hiddenEffects xmlns:a14="http://schemas.microsoft.com/office/drawing/2010/main" xmlns="">
                   <a:effectLst>
                     <a:outerShdw blurRad="63500" dist="38099" dir="2700000" algn="ctr" rotWithShape="0">
                       <a:schemeClr val="bg2">
@@ -2654,7 +2654,7 @@
             <a:effectLst/>
             <a:extLst>
               <a:ext uri="{91240B29-F687-4f45-9708-019B960494DF}">
-                <a14:hiddenLine xmlns="" xmlns:a14="http://schemas.microsoft.com/office/drawing/2010/main" w="9525">
+                <a14:hiddenLine xmlns:a14="http://schemas.microsoft.com/office/drawing/2010/main" xmlns="" w="9525">
                   <a:solidFill>
                     <a:schemeClr val="tx1"/>
                   </a:solidFill>
@@ -2664,7 +2664,7 @@
                 </a14:hiddenLine>
               </a:ext>
               <a:ext uri="{AF507438-7753-43e0-B8FC-AC1667EBCBE1}">
-                <a14:hiddenEffects xmlns="" xmlns:a14="http://schemas.microsoft.com/office/drawing/2010/main">
+                <a14:hiddenEffects xmlns:a14="http://schemas.microsoft.com/office/drawing/2010/main" xmlns="">
                   <a:effectLst>
                     <a:outerShdw blurRad="63500" dist="38099" dir="2700000" algn="ctr" rotWithShape="0">
                       <a:schemeClr val="bg2">
@@ -2709,7 +2709,7 @@
             <a:effectLst/>
             <a:extLst>
               <a:ext uri="{91240B29-F687-4f45-9708-019B960494DF}">
-                <a14:hiddenLine xmlns="" xmlns:a14="http://schemas.microsoft.com/office/drawing/2010/main" w="9525">
+                <a14:hiddenLine xmlns:a14="http://schemas.microsoft.com/office/drawing/2010/main" xmlns="" w="9525">
                   <a:solidFill>
                     <a:schemeClr val="tx1"/>
                   </a:solidFill>
@@ -2719,7 +2719,7 @@
                 </a14:hiddenLine>
               </a:ext>
               <a:ext uri="{AF507438-7753-43e0-B8FC-AC1667EBCBE1}">
-                <a14:hiddenEffects xmlns="" xmlns:a14="http://schemas.microsoft.com/office/drawing/2010/main">
+                <a14:hiddenEffects xmlns:a14="http://schemas.microsoft.com/office/drawing/2010/main" xmlns="">
                   <a:effectLst>
                     <a:outerShdw blurRad="63500" dist="38099" dir="2700000" algn="ctr" rotWithShape="0">
                       <a:schemeClr val="bg2">
@@ -2768,12 +2768,12 @@
           <a:effectLst/>
           <a:extLst>
             <a:ext uri="{909E8E84-426E-40dd-AFC4-6F175D3DCCD1}">
-              <a14:hiddenFill xmlns="" xmlns:a14="http://schemas.microsoft.com/office/drawing/2010/main">
+              <a14:hiddenFill xmlns:a14="http://schemas.microsoft.com/office/drawing/2010/main" xmlns="">
                 <a:noFill/>
               </a14:hiddenFill>
             </a:ext>
             <a:ext uri="{AF507438-7753-43e0-B8FC-AC1667EBCBE1}">
-              <a14:hiddenEffects xmlns="" xmlns:a14="http://schemas.microsoft.com/office/drawing/2010/main">
+              <a14:hiddenEffects xmlns:a14="http://schemas.microsoft.com/office/drawing/2010/main" xmlns="">
                 <a:effectLst>
                   <a:outerShdw blurRad="63500" dist="38099" dir="2700000" algn="ctr" rotWithShape="0">
                     <a:schemeClr val="bg2">
@@ -5097,12 +5097,12 @@
           <a:effectLst/>
           <a:extLst>
             <a:ext uri="{909E8E84-426E-40dd-AFC4-6F175D3DCCD1}">
-              <a14:hiddenFill xmlns="" xmlns:a14="http://schemas.microsoft.com/office/drawing/2010/main">
+              <a14:hiddenFill xmlns:a14="http://schemas.microsoft.com/office/drawing/2010/main" xmlns="">
                 <a:noFill/>
               </a14:hiddenFill>
             </a:ext>
             <a:ext uri="{AF507438-7753-43e0-B8FC-AC1667EBCBE1}">
-              <a14:hiddenEffects xmlns="" xmlns:a14="http://schemas.microsoft.com/office/drawing/2010/main">
+              <a14:hiddenEffects xmlns:a14="http://schemas.microsoft.com/office/drawing/2010/main" xmlns="">
                 <a:effectLst>
                   <a:outerShdw blurRad="63500" dist="38099" dir="2700000" algn="ctr" rotWithShape="0">
                     <a:schemeClr val="bg2">
@@ -5147,17 +5147,17 @@
           <a:effectLst/>
           <a:extLst>
             <a:ext uri="{FAA26D3D-D897-4be2-8F04-BA451C77F1D7}">
-              <ma14:placeholderFlag xmlns:ma14="http://schemas.microsoft.com/office/mac/drawingml/2011/main" xmlns="" val="1"/>
+              <ma14:placeholderFlag xmlns="" xmlns:ma14="http://schemas.microsoft.com/office/mac/drawingml/2011/main" val="1"/>
             </a:ext>
             <a:ext uri="{909E8E84-426E-40dd-AFC4-6F175D3DCCD1}">
-              <a14:hiddenFill xmlns="" xmlns:a14="http://schemas.microsoft.com/office/drawing/2010/main">
+              <a14:hiddenFill xmlns:a14="http://schemas.microsoft.com/office/drawing/2010/main" xmlns="">
                 <a:solidFill>
                   <a:schemeClr val="accent1"/>
                 </a:solidFill>
               </a14:hiddenFill>
             </a:ext>
             <a:ext uri="{91240B29-F687-4f45-9708-019B960494DF}">
-              <a14:hiddenLine xmlns="" xmlns:a14="http://schemas.microsoft.com/office/drawing/2010/main" w="9525">
+              <a14:hiddenLine xmlns:a14="http://schemas.microsoft.com/office/drawing/2010/main" xmlns="" w="9525">
                 <a:solidFill>
                   <a:schemeClr val="tx1"/>
                 </a:solidFill>
@@ -5167,7 +5167,7 @@
               </a14:hiddenLine>
             </a:ext>
             <a:ext uri="{AF507438-7753-43e0-B8FC-AC1667EBCBE1}">
-              <a14:hiddenEffects xmlns="" xmlns:a14="http://schemas.microsoft.com/office/drawing/2010/main">
+              <a14:hiddenEffects xmlns:a14="http://schemas.microsoft.com/office/drawing/2010/main" xmlns="">
                 <a:effectLst>
                   <a:outerShdw blurRad="63500" dist="38099" dir="2700000" algn="ctr" rotWithShape="0">
                     <a:schemeClr val="bg2">
@@ -5220,17 +5220,17 @@
           <a:effectLst/>
           <a:extLst>
             <a:ext uri="{FAA26D3D-D897-4be2-8F04-BA451C77F1D7}">
-              <ma14:placeholderFlag xmlns:ma14="http://schemas.microsoft.com/office/mac/drawingml/2011/main" xmlns="" val="1"/>
+              <ma14:placeholderFlag xmlns="" xmlns:ma14="http://schemas.microsoft.com/office/mac/drawingml/2011/main" val="1"/>
             </a:ext>
             <a:ext uri="{909E8E84-426E-40dd-AFC4-6F175D3DCCD1}">
-              <a14:hiddenFill xmlns="" xmlns:a14="http://schemas.microsoft.com/office/drawing/2010/main">
+              <a14:hiddenFill xmlns:a14="http://schemas.microsoft.com/office/drawing/2010/main" xmlns="">
                 <a:solidFill>
                   <a:schemeClr val="accent1"/>
                 </a:solidFill>
               </a14:hiddenFill>
             </a:ext>
             <a:ext uri="{91240B29-F687-4f45-9708-019B960494DF}">
-              <a14:hiddenLine xmlns="" xmlns:a14="http://schemas.microsoft.com/office/drawing/2010/main" w="9525">
+              <a14:hiddenLine xmlns:a14="http://schemas.microsoft.com/office/drawing/2010/main" xmlns="" w="9525">
                 <a:solidFill>
                   <a:schemeClr val="tx1"/>
                 </a:solidFill>
@@ -5240,7 +5240,7 @@
               </a14:hiddenLine>
             </a:ext>
             <a:ext uri="{AF507438-7753-43e0-B8FC-AC1667EBCBE1}">
-              <a14:hiddenEffects xmlns="" xmlns:a14="http://schemas.microsoft.com/office/drawing/2010/main">
+              <a14:hiddenEffects xmlns:a14="http://schemas.microsoft.com/office/drawing/2010/main" xmlns="">
                 <a:effectLst>
                   <a:outerShdw blurRad="63500" dist="38099" dir="2700000" algn="ctr" rotWithShape="0">
                     <a:schemeClr val="bg2">
@@ -5321,17 +5321,17 @@
           <a:effectLst/>
           <a:extLst>
             <a:ext uri="{FAA26D3D-D897-4be2-8F04-BA451C77F1D7}">
-              <ma14:placeholderFlag xmlns:ma14="http://schemas.microsoft.com/office/mac/drawingml/2011/main" xmlns="" val="1"/>
+              <ma14:placeholderFlag xmlns="" xmlns:ma14="http://schemas.microsoft.com/office/mac/drawingml/2011/main" val="1"/>
             </a:ext>
             <a:ext uri="{909E8E84-426E-40dd-AFC4-6F175D3DCCD1}">
-              <a14:hiddenFill xmlns="" xmlns:a14="http://schemas.microsoft.com/office/drawing/2010/main">
+              <a14:hiddenFill xmlns:a14="http://schemas.microsoft.com/office/drawing/2010/main" xmlns="">
                 <a:solidFill>
                   <a:schemeClr val="accent1"/>
                 </a:solidFill>
               </a14:hiddenFill>
             </a:ext>
             <a:ext uri="{91240B29-F687-4f45-9708-019B960494DF}">
-              <a14:hiddenLine xmlns="" xmlns:a14="http://schemas.microsoft.com/office/drawing/2010/main" w="9525">
+              <a14:hiddenLine xmlns:a14="http://schemas.microsoft.com/office/drawing/2010/main" xmlns="" w="9525">
                 <a:solidFill>
                   <a:schemeClr val="tx1"/>
                 </a:solidFill>
@@ -5341,7 +5341,7 @@
               </a14:hiddenLine>
             </a:ext>
             <a:ext uri="{AF507438-7753-43e0-B8FC-AC1667EBCBE1}">
-              <a14:hiddenEffects xmlns="" xmlns:a14="http://schemas.microsoft.com/office/drawing/2010/main">
+              <a14:hiddenEffects xmlns:a14="http://schemas.microsoft.com/office/drawing/2010/main" xmlns="">
                 <a:effectLst>
                   <a:outerShdw blurRad="63500" dist="38099" dir="2700000" algn="ctr" rotWithShape="0">
                     <a:schemeClr val="bg2">
@@ -5394,17 +5394,17 @@
           <a:effectLst/>
           <a:extLst>
             <a:ext uri="{FAA26D3D-D897-4be2-8F04-BA451C77F1D7}">
-              <ma14:placeholderFlag xmlns:ma14="http://schemas.microsoft.com/office/mac/drawingml/2011/main" xmlns="" val="1"/>
+              <ma14:placeholderFlag xmlns="" xmlns:ma14="http://schemas.microsoft.com/office/mac/drawingml/2011/main" val="1"/>
             </a:ext>
             <a:ext uri="{909E8E84-426E-40dd-AFC4-6F175D3DCCD1}">
-              <a14:hiddenFill xmlns="" xmlns:a14="http://schemas.microsoft.com/office/drawing/2010/main">
+              <a14:hiddenFill xmlns:a14="http://schemas.microsoft.com/office/drawing/2010/main" xmlns="">
                 <a:solidFill>
                   <a:schemeClr val="accent1"/>
                 </a:solidFill>
               </a14:hiddenFill>
             </a:ext>
             <a:ext uri="{91240B29-F687-4f45-9708-019B960494DF}">
-              <a14:hiddenLine xmlns="" xmlns:a14="http://schemas.microsoft.com/office/drawing/2010/main" w="9525">
+              <a14:hiddenLine xmlns:a14="http://schemas.microsoft.com/office/drawing/2010/main" xmlns="" w="9525">
                 <a:solidFill>
                   <a:schemeClr val="tx1"/>
                 </a:solidFill>
@@ -5414,7 +5414,7 @@
               </a14:hiddenLine>
             </a:ext>
             <a:ext uri="{AF507438-7753-43e0-B8FC-AC1667EBCBE1}">
-              <a14:hiddenEffects xmlns="" xmlns:a14="http://schemas.microsoft.com/office/drawing/2010/main">
+              <a14:hiddenEffects xmlns:a14="http://schemas.microsoft.com/office/drawing/2010/main" xmlns="">
                 <a:effectLst>
                   <a:outerShdw blurRad="63500" dist="38099" dir="2700000" algn="ctr" rotWithShape="0">
                     <a:schemeClr val="bg2">
@@ -5467,17 +5467,17 @@
           <a:effectLst/>
           <a:extLst>
             <a:ext uri="{FAA26D3D-D897-4be2-8F04-BA451C77F1D7}">
-              <ma14:placeholderFlag xmlns:ma14="http://schemas.microsoft.com/office/mac/drawingml/2011/main" xmlns="" val="1"/>
+              <ma14:placeholderFlag xmlns="" xmlns:ma14="http://schemas.microsoft.com/office/mac/drawingml/2011/main" val="1"/>
             </a:ext>
             <a:ext uri="{909E8E84-426E-40dd-AFC4-6F175D3DCCD1}">
-              <a14:hiddenFill xmlns="" xmlns:a14="http://schemas.microsoft.com/office/drawing/2010/main">
+              <a14:hiddenFill xmlns:a14="http://schemas.microsoft.com/office/drawing/2010/main" xmlns="">
                 <a:solidFill>
                   <a:schemeClr val="accent1"/>
                 </a:solidFill>
               </a14:hiddenFill>
             </a:ext>
             <a:ext uri="{91240B29-F687-4f45-9708-019B960494DF}">
-              <a14:hiddenLine xmlns="" xmlns:a14="http://schemas.microsoft.com/office/drawing/2010/main" w="9525">
+              <a14:hiddenLine xmlns:a14="http://schemas.microsoft.com/office/drawing/2010/main" xmlns="" w="9525">
                 <a:solidFill>
                   <a:schemeClr val="tx1"/>
                 </a:solidFill>
@@ -5487,7 +5487,7 @@
               </a14:hiddenLine>
             </a:ext>
             <a:ext uri="{AF507438-7753-43e0-B8FC-AC1667EBCBE1}">
-              <a14:hiddenEffects xmlns="" xmlns:a14="http://schemas.microsoft.com/office/drawing/2010/main">
+              <a14:hiddenEffects xmlns:a14="http://schemas.microsoft.com/office/drawing/2010/main" xmlns="">
                 <a:effectLst>
                   <a:outerShdw blurRad="63500" dist="38099" dir="2700000" algn="ctr" rotWithShape="0">
                     <a:schemeClr val="bg2">
@@ -5561,7 +5561,7 @@
             <a:effectLst/>
             <a:extLst>
               <a:ext uri="{91240B29-F687-4f45-9708-019B960494DF}">
-                <a14:hiddenLine xmlns="" xmlns:a14="http://schemas.microsoft.com/office/drawing/2010/main" w="9525">
+                <a14:hiddenLine xmlns:a14="http://schemas.microsoft.com/office/drawing/2010/main" xmlns="" w="9525">
                   <a:solidFill>
                     <a:schemeClr val="tx1"/>
                   </a:solidFill>
@@ -5571,7 +5571,7 @@
                 </a14:hiddenLine>
               </a:ext>
               <a:ext uri="{AF507438-7753-43e0-B8FC-AC1667EBCBE1}">
-                <a14:hiddenEffects xmlns="" xmlns:a14="http://schemas.microsoft.com/office/drawing/2010/main">
+                <a14:hiddenEffects xmlns:a14="http://schemas.microsoft.com/office/drawing/2010/main" xmlns="">
                   <a:effectLst>
                     <a:outerShdw blurRad="63500" dist="38099" dir="2700000" algn="ctr" rotWithShape="0">
                       <a:schemeClr val="bg2">
@@ -5616,7 +5616,7 @@
             <a:effectLst/>
             <a:extLst>
               <a:ext uri="{91240B29-F687-4f45-9708-019B960494DF}">
-                <a14:hiddenLine xmlns="" xmlns:a14="http://schemas.microsoft.com/office/drawing/2010/main" w="9525">
+                <a14:hiddenLine xmlns:a14="http://schemas.microsoft.com/office/drawing/2010/main" xmlns="" w="9525">
                   <a:solidFill>
                     <a:schemeClr val="tx1"/>
                   </a:solidFill>
@@ -5626,7 +5626,7 @@
                 </a14:hiddenLine>
               </a:ext>
               <a:ext uri="{AF507438-7753-43e0-B8FC-AC1667EBCBE1}">
-                <a14:hiddenEffects xmlns="" xmlns:a14="http://schemas.microsoft.com/office/drawing/2010/main">
+                <a14:hiddenEffects xmlns:a14="http://schemas.microsoft.com/office/drawing/2010/main" xmlns="">
                   <a:effectLst>
                     <a:outerShdw blurRad="63500" dist="38099" dir="2700000" algn="ctr" rotWithShape="0">
                       <a:schemeClr val="bg2">
@@ -5671,7 +5671,7 @@
             <a:effectLst/>
             <a:extLst>
               <a:ext uri="{91240B29-F687-4f45-9708-019B960494DF}">
-                <a14:hiddenLine xmlns="" xmlns:a14="http://schemas.microsoft.com/office/drawing/2010/main" w="9525">
+                <a14:hiddenLine xmlns:a14="http://schemas.microsoft.com/office/drawing/2010/main" xmlns="" w="9525">
                   <a:solidFill>
                     <a:schemeClr val="tx1"/>
                   </a:solidFill>
@@ -5681,7 +5681,7 @@
                 </a14:hiddenLine>
               </a:ext>
               <a:ext uri="{AF507438-7753-43e0-B8FC-AC1667EBCBE1}">
-                <a14:hiddenEffects xmlns="" xmlns:a14="http://schemas.microsoft.com/office/drawing/2010/main">
+                <a14:hiddenEffects xmlns:a14="http://schemas.microsoft.com/office/drawing/2010/main" xmlns="">
                   <a:effectLst>
                     <a:outerShdw blurRad="63500" dist="38099" dir="2700000" algn="ctr" rotWithShape="0">
                       <a:schemeClr val="bg2">
@@ -5726,7 +5726,7 @@
             <a:effectLst/>
             <a:extLst>
               <a:ext uri="{91240B29-F687-4f45-9708-019B960494DF}">
-                <a14:hiddenLine xmlns="" xmlns:a14="http://schemas.microsoft.com/office/drawing/2010/main" w="9525">
+                <a14:hiddenLine xmlns:a14="http://schemas.microsoft.com/office/drawing/2010/main" xmlns="" w="9525">
                   <a:solidFill>
                     <a:schemeClr val="tx1"/>
                   </a:solidFill>
@@ -5736,7 +5736,7 @@
                 </a14:hiddenLine>
               </a:ext>
               <a:ext uri="{AF507438-7753-43e0-B8FC-AC1667EBCBE1}">
-                <a14:hiddenEffects xmlns="" xmlns:a14="http://schemas.microsoft.com/office/drawing/2010/main">
+                <a14:hiddenEffects xmlns:a14="http://schemas.microsoft.com/office/drawing/2010/main" xmlns="">
                   <a:effectLst>
                     <a:outerShdw blurRad="63500" dist="38099" dir="2700000" algn="ctr" rotWithShape="0">
                       <a:schemeClr val="bg2">
@@ -5781,7 +5781,7 @@
             <a:effectLst/>
             <a:extLst>
               <a:ext uri="{91240B29-F687-4f45-9708-019B960494DF}">
-                <a14:hiddenLine xmlns="" xmlns:a14="http://schemas.microsoft.com/office/drawing/2010/main" w="9525">
+                <a14:hiddenLine xmlns:a14="http://schemas.microsoft.com/office/drawing/2010/main" xmlns="" w="9525">
                   <a:solidFill>
                     <a:schemeClr val="tx1"/>
                   </a:solidFill>
@@ -5791,7 +5791,7 @@
                 </a14:hiddenLine>
               </a:ext>
               <a:ext uri="{AF507438-7753-43e0-B8FC-AC1667EBCBE1}">
-                <a14:hiddenEffects xmlns="" xmlns:a14="http://schemas.microsoft.com/office/drawing/2010/main">
+                <a14:hiddenEffects xmlns:a14="http://schemas.microsoft.com/office/drawing/2010/main" xmlns="">
                   <a:effectLst>
                     <a:outerShdw blurRad="63500" dist="38099" dir="2700000" algn="ctr" rotWithShape="0">
                       <a:schemeClr val="bg2">
@@ -5836,7 +5836,7 @@
             <a:effectLst/>
             <a:extLst>
               <a:ext uri="{91240B29-F687-4f45-9708-019B960494DF}">
-                <a14:hiddenLine xmlns="" xmlns:a14="http://schemas.microsoft.com/office/drawing/2010/main" w="9525">
+                <a14:hiddenLine xmlns:a14="http://schemas.microsoft.com/office/drawing/2010/main" xmlns="" w="9525">
                   <a:solidFill>
                     <a:schemeClr val="tx1"/>
                   </a:solidFill>
@@ -5846,7 +5846,7 @@
                 </a14:hiddenLine>
               </a:ext>
               <a:ext uri="{AF507438-7753-43e0-B8FC-AC1667EBCBE1}">
-                <a14:hiddenEffects xmlns="" xmlns:a14="http://schemas.microsoft.com/office/drawing/2010/main">
+                <a14:hiddenEffects xmlns:a14="http://schemas.microsoft.com/office/drawing/2010/main" xmlns="">
                   <a:effectLst>
                     <a:outerShdw blurRad="63500" dist="38099" dir="2700000" algn="ctr" rotWithShape="0">
                       <a:schemeClr val="bg2">
@@ -5891,7 +5891,7 @@
             <a:effectLst/>
             <a:extLst>
               <a:ext uri="{91240B29-F687-4f45-9708-019B960494DF}">
-                <a14:hiddenLine xmlns="" xmlns:a14="http://schemas.microsoft.com/office/drawing/2010/main" w="9525">
+                <a14:hiddenLine xmlns:a14="http://schemas.microsoft.com/office/drawing/2010/main" xmlns="" w="9525">
                   <a:solidFill>
                     <a:schemeClr val="tx1"/>
                   </a:solidFill>
@@ -5901,7 +5901,7 @@
                 </a14:hiddenLine>
               </a:ext>
               <a:ext uri="{AF507438-7753-43e0-B8FC-AC1667EBCBE1}">
-                <a14:hiddenEffects xmlns="" xmlns:a14="http://schemas.microsoft.com/office/drawing/2010/main">
+                <a14:hiddenEffects xmlns:a14="http://schemas.microsoft.com/office/drawing/2010/main" xmlns="">
                   <a:effectLst>
                     <a:outerShdw blurRad="63500" dist="38099" dir="2700000" algn="ctr" rotWithShape="0">
                       <a:schemeClr val="bg2">
@@ -5946,7 +5946,7 @@
             <a:effectLst/>
             <a:extLst>
               <a:ext uri="{91240B29-F687-4f45-9708-019B960494DF}">
-                <a14:hiddenLine xmlns="" xmlns:a14="http://schemas.microsoft.com/office/drawing/2010/main" w="9525">
+                <a14:hiddenLine xmlns:a14="http://schemas.microsoft.com/office/drawing/2010/main" xmlns="" w="9525">
                   <a:solidFill>
                     <a:schemeClr val="tx1"/>
                   </a:solidFill>
@@ -5956,7 +5956,7 @@
                 </a14:hiddenLine>
               </a:ext>
               <a:ext uri="{AF507438-7753-43e0-B8FC-AC1667EBCBE1}">
-                <a14:hiddenEffects xmlns="" xmlns:a14="http://schemas.microsoft.com/office/drawing/2010/main">
+                <a14:hiddenEffects xmlns:a14="http://schemas.microsoft.com/office/drawing/2010/main" xmlns="">
                   <a:effectLst>
                     <a:outerShdw blurRad="63500" dist="38099" dir="2700000" algn="ctr" rotWithShape="0">
                       <a:schemeClr val="bg2">
@@ -6001,7 +6001,7 @@
             <a:effectLst/>
             <a:extLst>
               <a:ext uri="{91240B29-F687-4f45-9708-019B960494DF}">
-                <a14:hiddenLine xmlns="" xmlns:a14="http://schemas.microsoft.com/office/drawing/2010/main" w="9525">
+                <a14:hiddenLine xmlns:a14="http://schemas.microsoft.com/office/drawing/2010/main" xmlns="" w="9525">
                   <a:solidFill>
                     <a:schemeClr val="tx1"/>
                   </a:solidFill>
@@ -6011,7 +6011,7 @@
                 </a14:hiddenLine>
               </a:ext>
               <a:ext uri="{AF507438-7753-43e0-B8FC-AC1667EBCBE1}">
-                <a14:hiddenEffects xmlns="" xmlns:a14="http://schemas.microsoft.com/office/drawing/2010/main">
+                <a14:hiddenEffects xmlns:a14="http://schemas.microsoft.com/office/drawing/2010/main" xmlns="">
                   <a:effectLst>
                     <a:outerShdw blurRad="63500" dist="38099" dir="2700000" algn="ctr" rotWithShape="0">
                       <a:schemeClr val="bg2">
@@ -6056,7 +6056,7 @@
             <a:effectLst/>
             <a:extLst>
               <a:ext uri="{91240B29-F687-4f45-9708-019B960494DF}">
-                <a14:hiddenLine xmlns="" xmlns:a14="http://schemas.microsoft.com/office/drawing/2010/main" w="9525">
+                <a14:hiddenLine xmlns:a14="http://schemas.microsoft.com/office/drawing/2010/main" xmlns="" w="9525">
                   <a:solidFill>
                     <a:schemeClr val="tx1"/>
                   </a:solidFill>
@@ -6066,7 +6066,7 @@
                 </a14:hiddenLine>
               </a:ext>
               <a:ext uri="{AF507438-7753-43e0-B8FC-AC1667EBCBE1}">
-                <a14:hiddenEffects xmlns="" xmlns:a14="http://schemas.microsoft.com/office/drawing/2010/main">
+                <a14:hiddenEffects xmlns:a14="http://schemas.microsoft.com/office/drawing/2010/main" xmlns="">
                   <a:effectLst>
                     <a:outerShdw blurRad="63500" dist="38099" dir="2700000" algn="ctr" rotWithShape="0">
                       <a:schemeClr val="bg2">
@@ -6111,7 +6111,7 @@
             <a:effectLst/>
             <a:extLst>
               <a:ext uri="{91240B29-F687-4f45-9708-019B960494DF}">
-                <a14:hiddenLine xmlns="" xmlns:a14="http://schemas.microsoft.com/office/drawing/2010/main" w="9525">
+                <a14:hiddenLine xmlns:a14="http://schemas.microsoft.com/office/drawing/2010/main" xmlns="" w="9525">
                   <a:solidFill>
                     <a:schemeClr val="tx1"/>
                   </a:solidFill>
@@ -6121,7 +6121,7 @@
                 </a14:hiddenLine>
               </a:ext>
               <a:ext uri="{AF507438-7753-43e0-B8FC-AC1667EBCBE1}">
-                <a14:hiddenEffects xmlns="" xmlns:a14="http://schemas.microsoft.com/office/drawing/2010/main">
+                <a14:hiddenEffects xmlns:a14="http://schemas.microsoft.com/office/drawing/2010/main" xmlns="">
                   <a:effectLst>
                     <a:outerShdw blurRad="63500" dist="38099" dir="2700000" algn="ctr" rotWithShape="0">
                       <a:schemeClr val="bg2">
@@ -6166,7 +6166,7 @@
             <a:effectLst/>
             <a:extLst>
               <a:ext uri="{91240B29-F687-4f45-9708-019B960494DF}">
-                <a14:hiddenLine xmlns="" xmlns:a14="http://schemas.microsoft.com/office/drawing/2010/main" w="9525">
+                <a14:hiddenLine xmlns:a14="http://schemas.microsoft.com/office/drawing/2010/main" xmlns="" w="9525">
                   <a:solidFill>
                     <a:schemeClr val="tx1"/>
                   </a:solidFill>
@@ -6176,7 +6176,7 @@
                 </a14:hiddenLine>
               </a:ext>
               <a:ext uri="{AF507438-7753-43e0-B8FC-AC1667EBCBE1}">
-                <a14:hiddenEffects xmlns="" xmlns:a14="http://schemas.microsoft.com/office/drawing/2010/main">
+                <a14:hiddenEffects xmlns:a14="http://schemas.microsoft.com/office/drawing/2010/main" xmlns="">
                   <a:effectLst>
                     <a:outerShdw blurRad="63500" dist="38099" dir="2700000" algn="ctr" rotWithShape="0">
                       <a:schemeClr val="bg2">
@@ -6221,7 +6221,7 @@
             <a:effectLst/>
             <a:extLst>
               <a:ext uri="{91240B29-F687-4f45-9708-019B960494DF}">
-                <a14:hiddenLine xmlns="" xmlns:a14="http://schemas.microsoft.com/office/drawing/2010/main" w="9525">
+                <a14:hiddenLine xmlns:a14="http://schemas.microsoft.com/office/drawing/2010/main" xmlns="" w="9525">
                   <a:solidFill>
                     <a:schemeClr val="tx1"/>
                   </a:solidFill>
@@ -6231,7 +6231,7 @@
                 </a14:hiddenLine>
               </a:ext>
               <a:ext uri="{AF507438-7753-43e0-B8FC-AC1667EBCBE1}">
-                <a14:hiddenEffects xmlns="" xmlns:a14="http://schemas.microsoft.com/office/drawing/2010/main">
+                <a14:hiddenEffects xmlns:a14="http://schemas.microsoft.com/office/drawing/2010/main" xmlns="">
                   <a:effectLst>
                     <a:outerShdw blurRad="63500" dist="38099" dir="2700000" algn="ctr" rotWithShape="0">
                       <a:schemeClr val="bg2">
@@ -6276,7 +6276,7 @@
             <a:effectLst/>
             <a:extLst>
               <a:ext uri="{91240B29-F687-4f45-9708-019B960494DF}">
-                <a14:hiddenLine xmlns="" xmlns:a14="http://schemas.microsoft.com/office/drawing/2010/main" w="9525">
+                <a14:hiddenLine xmlns:a14="http://schemas.microsoft.com/office/drawing/2010/main" xmlns="" w="9525">
                   <a:solidFill>
                     <a:schemeClr val="tx1"/>
                   </a:solidFill>
@@ -6286,7 +6286,7 @@
                 </a14:hiddenLine>
               </a:ext>
               <a:ext uri="{AF507438-7753-43e0-B8FC-AC1667EBCBE1}">
-                <a14:hiddenEffects xmlns="" xmlns:a14="http://schemas.microsoft.com/office/drawing/2010/main">
+                <a14:hiddenEffects xmlns:a14="http://schemas.microsoft.com/office/drawing/2010/main" xmlns="">
                   <a:effectLst>
                     <a:outerShdw blurRad="63500" dist="38099" dir="2700000" algn="ctr" rotWithShape="0">
                       <a:schemeClr val="bg2">
@@ -6331,7 +6331,7 @@
             <a:effectLst/>
             <a:extLst>
               <a:ext uri="{91240B29-F687-4f45-9708-019B960494DF}">
-                <a14:hiddenLine xmlns="" xmlns:a14="http://schemas.microsoft.com/office/drawing/2010/main" w="9525">
+                <a14:hiddenLine xmlns:a14="http://schemas.microsoft.com/office/drawing/2010/main" xmlns="" w="9525">
                   <a:solidFill>
                     <a:schemeClr val="tx1"/>
                   </a:solidFill>
@@ -6341,7 +6341,7 @@
                 </a14:hiddenLine>
               </a:ext>
               <a:ext uri="{AF507438-7753-43e0-B8FC-AC1667EBCBE1}">
-                <a14:hiddenEffects xmlns="" xmlns:a14="http://schemas.microsoft.com/office/drawing/2010/main">
+                <a14:hiddenEffects xmlns:a14="http://schemas.microsoft.com/office/drawing/2010/main" xmlns="">
                   <a:effectLst>
                     <a:outerShdw blurRad="63500" dist="38099" dir="2700000" algn="ctr" rotWithShape="0">
                       <a:schemeClr val="bg2">
@@ -6386,7 +6386,7 @@
             <a:effectLst/>
             <a:extLst>
               <a:ext uri="{91240B29-F687-4f45-9708-019B960494DF}">
-                <a14:hiddenLine xmlns="" xmlns:a14="http://schemas.microsoft.com/office/drawing/2010/main" w="9525">
+                <a14:hiddenLine xmlns:a14="http://schemas.microsoft.com/office/drawing/2010/main" xmlns="" w="9525">
                   <a:solidFill>
                     <a:schemeClr val="tx1"/>
                   </a:solidFill>
@@ -6396,7 +6396,7 @@
                 </a14:hiddenLine>
               </a:ext>
               <a:ext uri="{AF507438-7753-43e0-B8FC-AC1667EBCBE1}">
-                <a14:hiddenEffects xmlns="" xmlns:a14="http://schemas.microsoft.com/office/drawing/2010/main">
+                <a14:hiddenEffects xmlns:a14="http://schemas.microsoft.com/office/drawing/2010/main" xmlns="">
                   <a:effectLst>
                     <a:outerShdw blurRad="63500" dist="38099" dir="2700000" algn="ctr" rotWithShape="0">
                       <a:schemeClr val="bg2">
@@ -6441,7 +6441,7 @@
             <a:effectLst/>
             <a:extLst>
               <a:ext uri="{91240B29-F687-4f45-9708-019B960494DF}">
-                <a14:hiddenLine xmlns="" xmlns:a14="http://schemas.microsoft.com/office/drawing/2010/main" w="9525">
+                <a14:hiddenLine xmlns:a14="http://schemas.microsoft.com/office/drawing/2010/main" xmlns="" w="9525">
                   <a:solidFill>
                     <a:schemeClr val="tx1"/>
                   </a:solidFill>
@@ -6451,7 +6451,7 @@
                 </a14:hiddenLine>
               </a:ext>
               <a:ext uri="{AF507438-7753-43e0-B8FC-AC1667EBCBE1}">
-                <a14:hiddenEffects xmlns="" xmlns:a14="http://schemas.microsoft.com/office/drawing/2010/main">
+                <a14:hiddenEffects xmlns:a14="http://schemas.microsoft.com/office/drawing/2010/main" xmlns="">
                   <a:effectLst>
                     <a:outerShdw blurRad="63500" dist="38099" dir="2700000" algn="ctr" rotWithShape="0">
                       <a:schemeClr val="bg2">
@@ -6496,7 +6496,7 @@
             <a:effectLst/>
             <a:extLst>
               <a:ext uri="{91240B29-F687-4f45-9708-019B960494DF}">
-                <a14:hiddenLine xmlns="" xmlns:a14="http://schemas.microsoft.com/office/drawing/2010/main" w="9525">
+                <a14:hiddenLine xmlns:a14="http://schemas.microsoft.com/office/drawing/2010/main" xmlns="" w="9525">
                   <a:solidFill>
                     <a:schemeClr val="tx1"/>
                   </a:solidFill>
@@ -6506,7 +6506,7 @@
                 </a14:hiddenLine>
               </a:ext>
               <a:ext uri="{AF507438-7753-43e0-B8FC-AC1667EBCBE1}">
-                <a14:hiddenEffects xmlns="" xmlns:a14="http://schemas.microsoft.com/office/drawing/2010/main">
+                <a14:hiddenEffects xmlns:a14="http://schemas.microsoft.com/office/drawing/2010/main" xmlns="">
                   <a:effectLst>
                     <a:outerShdw blurRad="63500" dist="38099" dir="2700000" algn="ctr" rotWithShape="0">
                       <a:schemeClr val="bg2">
@@ -6551,7 +6551,7 @@
             <a:effectLst/>
             <a:extLst>
               <a:ext uri="{91240B29-F687-4f45-9708-019B960494DF}">
-                <a14:hiddenLine xmlns="" xmlns:a14="http://schemas.microsoft.com/office/drawing/2010/main" w="9525">
+                <a14:hiddenLine xmlns:a14="http://schemas.microsoft.com/office/drawing/2010/main" xmlns="" w="9525">
                   <a:solidFill>
                     <a:schemeClr val="tx1"/>
                   </a:solidFill>
@@ -6561,7 +6561,7 @@
                 </a14:hiddenLine>
               </a:ext>
               <a:ext uri="{AF507438-7753-43e0-B8FC-AC1667EBCBE1}">
-                <a14:hiddenEffects xmlns="" xmlns:a14="http://schemas.microsoft.com/office/drawing/2010/main">
+                <a14:hiddenEffects xmlns:a14="http://schemas.microsoft.com/office/drawing/2010/main" xmlns="">
                   <a:effectLst>
                     <a:outerShdw blurRad="63500" dist="38099" dir="2700000" algn="ctr" rotWithShape="0">
                       <a:schemeClr val="bg2">
@@ -6606,7 +6606,7 @@
             <a:effectLst/>
             <a:extLst>
               <a:ext uri="{91240B29-F687-4f45-9708-019B960494DF}">
-                <a14:hiddenLine xmlns="" xmlns:a14="http://schemas.microsoft.com/office/drawing/2010/main" w="9525">
+                <a14:hiddenLine xmlns:a14="http://schemas.microsoft.com/office/drawing/2010/main" xmlns="" w="9525">
                   <a:solidFill>
                     <a:schemeClr val="tx1"/>
                   </a:solidFill>
@@ -6616,7 +6616,7 @@
                 </a14:hiddenLine>
               </a:ext>
               <a:ext uri="{AF507438-7753-43e0-B8FC-AC1667EBCBE1}">
-                <a14:hiddenEffects xmlns="" xmlns:a14="http://schemas.microsoft.com/office/drawing/2010/main">
+                <a14:hiddenEffects xmlns:a14="http://schemas.microsoft.com/office/drawing/2010/main" xmlns="">
                   <a:effectLst>
                     <a:outerShdw blurRad="63500" dist="38099" dir="2700000" algn="ctr" rotWithShape="0">
                       <a:schemeClr val="bg2">
@@ -6661,7 +6661,7 @@
             <a:effectLst/>
             <a:extLst>
               <a:ext uri="{91240B29-F687-4f45-9708-019B960494DF}">
-                <a14:hiddenLine xmlns="" xmlns:a14="http://schemas.microsoft.com/office/drawing/2010/main" w="9525">
+                <a14:hiddenLine xmlns:a14="http://schemas.microsoft.com/office/drawing/2010/main" xmlns="" w="9525">
                   <a:solidFill>
                     <a:schemeClr val="tx1"/>
                   </a:solidFill>
@@ -6671,7 +6671,7 @@
                 </a14:hiddenLine>
               </a:ext>
               <a:ext uri="{AF507438-7753-43e0-B8FC-AC1667EBCBE1}">
-                <a14:hiddenEffects xmlns="" xmlns:a14="http://schemas.microsoft.com/office/drawing/2010/main">
+                <a14:hiddenEffects xmlns:a14="http://schemas.microsoft.com/office/drawing/2010/main" xmlns="">
                   <a:effectLst>
                     <a:outerShdw blurRad="63500" dist="38099" dir="2700000" algn="ctr" rotWithShape="0">
                       <a:schemeClr val="bg2">
@@ -6716,7 +6716,7 @@
             <a:effectLst/>
             <a:extLst>
               <a:ext uri="{91240B29-F687-4f45-9708-019B960494DF}">
-                <a14:hiddenLine xmlns="" xmlns:a14="http://schemas.microsoft.com/office/drawing/2010/main" w="9525">
+                <a14:hiddenLine xmlns:a14="http://schemas.microsoft.com/office/drawing/2010/main" xmlns="" w="9525">
                   <a:solidFill>
                     <a:schemeClr val="tx1"/>
                   </a:solidFill>
@@ -6726,7 +6726,7 @@
                 </a14:hiddenLine>
               </a:ext>
               <a:ext uri="{AF507438-7753-43e0-B8FC-AC1667EBCBE1}">
-                <a14:hiddenEffects xmlns="" xmlns:a14="http://schemas.microsoft.com/office/drawing/2010/main">
+                <a14:hiddenEffects xmlns:a14="http://schemas.microsoft.com/office/drawing/2010/main" xmlns="">
                   <a:effectLst>
                     <a:outerShdw blurRad="63500" dist="38099" dir="2700000" algn="ctr" rotWithShape="0">
                       <a:schemeClr val="bg2">
@@ -6771,7 +6771,7 @@
             <a:effectLst/>
             <a:extLst>
               <a:ext uri="{91240B29-F687-4f45-9708-019B960494DF}">
-                <a14:hiddenLine xmlns="" xmlns:a14="http://schemas.microsoft.com/office/drawing/2010/main" w="9525">
+                <a14:hiddenLine xmlns:a14="http://schemas.microsoft.com/office/drawing/2010/main" xmlns="" w="9525">
                   <a:solidFill>
                     <a:schemeClr val="tx1"/>
                   </a:solidFill>
@@ -6781,7 +6781,7 @@
                 </a14:hiddenLine>
               </a:ext>
               <a:ext uri="{AF507438-7753-43e0-B8FC-AC1667EBCBE1}">
-                <a14:hiddenEffects xmlns="" xmlns:a14="http://schemas.microsoft.com/office/drawing/2010/main">
+                <a14:hiddenEffects xmlns:a14="http://schemas.microsoft.com/office/drawing/2010/main" xmlns="">
                   <a:effectLst>
                     <a:outerShdw blurRad="63500" dist="38099" dir="2700000" algn="ctr" rotWithShape="0">
                       <a:schemeClr val="bg2">
@@ -6826,7 +6826,7 @@
             <a:effectLst/>
             <a:extLst>
               <a:ext uri="{91240B29-F687-4f45-9708-019B960494DF}">
-                <a14:hiddenLine xmlns="" xmlns:a14="http://schemas.microsoft.com/office/drawing/2010/main" w="9525">
+                <a14:hiddenLine xmlns:a14="http://schemas.microsoft.com/office/drawing/2010/main" xmlns="" w="9525">
                   <a:solidFill>
                     <a:schemeClr val="tx1"/>
                   </a:solidFill>
@@ -6836,7 +6836,7 @@
                 </a14:hiddenLine>
               </a:ext>
               <a:ext uri="{AF507438-7753-43e0-B8FC-AC1667EBCBE1}">
-                <a14:hiddenEffects xmlns="" xmlns:a14="http://schemas.microsoft.com/office/drawing/2010/main">
+                <a14:hiddenEffects xmlns:a14="http://schemas.microsoft.com/office/drawing/2010/main" xmlns="">
                   <a:effectLst>
                     <a:outerShdw blurRad="63500" dist="38099" dir="2700000" algn="ctr" rotWithShape="0">
                       <a:schemeClr val="bg2">
@@ -6881,7 +6881,7 @@
             <a:effectLst/>
             <a:extLst>
               <a:ext uri="{91240B29-F687-4f45-9708-019B960494DF}">
-                <a14:hiddenLine xmlns="" xmlns:a14="http://schemas.microsoft.com/office/drawing/2010/main" w="9525">
+                <a14:hiddenLine xmlns:a14="http://schemas.microsoft.com/office/drawing/2010/main" xmlns="" w="9525">
                   <a:solidFill>
                     <a:schemeClr val="tx1"/>
                   </a:solidFill>
@@ -6891,7 +6891,7 @@
                 </a14:hiddenLine>
               </a:ext>
               <a:ext uri="{AF507438-7753-43e0-B8FC-AC1667EBCBE1}">
-                <a14:hiddenEffects xmlns="" xmlns:a14="http://schemas.microsoft.com/office/drawing/2010/main">
+                <a14:hiddenEffects xmlns:a14="http://schemas.microsoft.com/office/drawing/2010/main" xmlns="">
                   <a:effectLst>
                     <a:outerShdw blurRad="63500" dist="38099" dir="2700000" algn="ctr" rotWithShape="0">
                       <a:schemeClr val="bg2">
@@ -6936,7 +6936,7 @@
             <a:effectLst/>
             <a:extLst>
               <a:ext uri="{91240B29-F687-4f45-9708-019B960494DF}">
-                <a14:hiddenLine xmlns="" xmlns:a14="http://schemas.microsoft.com/office/drawing/2010/main" w="9525">
+                <a14:hiddenLine xmlns:a14="http://schemas.microsoft.com/office/drawing/2010/main" xmlns="" w="9525">
                   <a:solidFill>
                     <a:schemeClr val="tx1"/>
                   </a:solidFill>
@@ -6946,7 +6946,7 @@
                 </a14:hiddenLine>
               </a:ext>
               <a:ext uri="{AF507438-7753-43e0-B8FC-AC1667EBCBE1}">
-                <a14:hiddenEffects xmlns="" xmlns:a14="http://schemas.microsoft.com/office/drawing/2010/main">
+                <a14:hiddenEffects xmlns:a14="http://schemas.microsoft.com/office/drawing/2010/main" xmlns="">
                   <a:effectLst>
                     <a:outerShdw blurRad="63500" dist="38099" dir="2700000" algn="ctr" rotWithShape="0">
                       <a:schemeClr val="bg2">
@@ -6991,7 +6991,7 @@
             <a:effectLst/>
             <a:extLst>
               <a:ext uri="{91240B29-F687-4f45-9708-019B960494DF}">
-                <a14:hiddenLine xmlns="" xmlns:a14="http://schemas.microsoft.com/office/drawing/2010/main" w="9525">
+                <a14:hiddenLine xmlns:a14="http://schemas.microsoft.com/office/drawing/2010/main" xmlns="" w="9525">
                   <a:solidFill>
                     <a:schemeClr val="tx1"/>
                   </a:solidFill>
@@ -7001,7 +7001,7 @@
                 </a14:hiddenLine>
               </a:ext>
               <a:ext uri="{AF507438-7753-43e0-B8FC-AC1667EBCBE1}">
-                <a14:hiddenEffects xmlns="" xmlns:a14="http://schemas.microsoft.com/office/drawing/2010/main">
+                <a14:hiddenEffects xmlns:a14="http://schemas.microsoft.com/office/drawing/2010/main" xmlns="">
                   <a:effectLst>
                     <a:outerShdw blurRad="63500" dist="38099" dir="2700000" algn="ctr" rotWithShape="0">
                       <a:schemeClr val="bg2">
@@ -7046,7 +7046,7 @@
             <a:effectLst/>
             <a:extLst>
               <a:ext uri="{91240B29-F687-4f45-9708-019B960494DF}">
-                <a14:hiddenLine xmlns="" xmlns:a14="http://schemas.microsoft.com/office/drawing/2010/main" w="9525">
+                <a14:hiddenLine xmlns:a14="http://schemas.microsoft.com/office/drawing/2010/main" xmlns="" w="9525">
                   <a:solidFill>
                     <a:schemeClr val="tx1"/>
                   </a:solidFill>
@@ -7056,7 +7056,7 @@
                 </a14:hiddenLine>
               </a:ext>
               <a:ext uri="{AF507438-7753-43e0-B8FC-AC1667EBCBE1}">
-                <a14:hiddenEffects xmlns="" xmlns:a14="http://schemas.microsoft.com/office/drawing/2010/main">
+                <a14:hiddenEffects xmlns:a14="http://schemas.microsoft.com/office/drawing/2010/main" xmlns="">
                   <a:effectLst>
                     <a:outerShdw blurRad="63500" dist="38099" dir="2700000" algn="ctr" rotWithShape="0">
                       <a:schemeClr val="bg2">
@@ -7101,7 +7101,7 @@
             <a:effectLst/>
             <a:extLst>
               <a:ext uri="{91240B29-F687-4f45-9708-019B960494DF}">
-                <a14:hiddenLine xmlns="" xmlns:a14="http://schemas.microsoft.com/office/drawing/2010/main" w="9525">
+                <a14:hiddenLine xmlns:a14="http://schemas.microsoft.com/office/drawing/2010/main" xmlns="" w="9525">
                   <a:solidFill>
                     <a:schemeClr val="tx1"/>
                   </a:solidFill>
@@ -7111,7 +7111,7 @@
                 </a14:hiddenLine>
               </a:ext>
               <a:ext uri="{AF507438-7753-43e0-B8FC-AC1667EBCBE1}">
-                <a14:hiddenEffects xmlns="" xmlns:a14="http://schemas.microsoft.com/office/drawing/2010/main">
+                <a14:hiddenEffects xmlns:a14="http://schemas.microsoft.com/office/drawing/2010/main" xmlns="">
                   <a:effectLst>
                     <a:outerShdw blurRad="63500" dist="38099" dir="2700000" algn="ctr" rotWithShape="0">
                       <a:schemeClr val="bg2">
@@ -7156,7 +7156,7 @@
             <a:effectLst/>
             <a:extLst>
               <a:ext uri="{91240B29-F687-4f45-9708-019B960494DF}">
-                <a14:hiddenLine xmlns="" xmlns:a14="http://schemas.microsoft.com/office/drawing/2010/main" w="9525">
+                <a14:hiddenLine xmlns:a14="http://schemas.microsoft.com/office/drawing/2010/main" xmlns="" w="9525">
                   <a:solidFill>
                     <a:schemeClr val="tx1"/>
                   </a:solidFill>
@@ -7166,7 +7166,7 @@
                 </a14:hiddenLine>
               </a:ext>
               <a:ext uri="{AF507438-7753-43e0-B8FC-AC1667EBCBE1}">
-                <a14:hiddenEffects xmlns="" xmlns:a14="http://schemas.microsoft.com/office/drawing/2010/main">
+                <a14:hiddenEffects xmlns:a14="http://schemas.microsoft.com/office/drawing/2010/main" xmlns="">
                   <a:effectLst>
                     <a:outerShdw blurRad="63500" dist="38099" dir="2700000" algn="ctr" rotWithShape="0">
                       <a:schemeClr val="bg2">
@@ -7211,7 +7211,7 @@
             <a:effectLst/>
             <a:extLst>
               <a:ext uri="{91240B29-F687-4f45-9708-019B960494DF}">
-                <a14:hiddenLine xmlns="" xmlns:a14="http://schemas.microsoft.com/office/drawing/2010/main" w="9525">
+                <a14:hiddenLine xmlns:a14="http://schemas.microsoft.com/office/drawing/2010/main" xmlns="" w="9525">
                   <a:solidFill>
                     <a:schemeClr val="tx1"/>
                   </a:solidFill>
@@ -7221,7 +7221,7 @@
                 </a14:hiddenLine>
               </a:ext>
               <a:ext uri="{AF507438-7753-43e0-B8FC-AC1667EBCBE1}">
-                <a14:hiddenEffects xmlns="" xmlns:a14="http://schemas.microsoft.com/office/drawing/2010/main">
+                <a14:hiddenEffects xmlns:a14="http://schemas.microsoft.com/office/drawing/2010/main" xmlns="">
                   <a:effectLst>
                     <a:outerShdw blurRad="63500" dist="38099" dir="2700000" algn="ctr" rotWithShape="0">
                       <a:schemeClr val="bg2">
@@ -7755,40 +7755,6 @@
           </a:p>
         </p:txBody>
       </p:sp>
-      <p:sp>
-        <p:nvSpPr>
-          <p:cNvPr id="4" name="TextBox 3"/>
-          <p:cNvSpPr txBox="1"/>
-          <p:nvPr/>
-        </p:nvSpPr>
-        <p:spPr>
-          <a:xfrm>
-            <a:off x="1690255" y="5957455"/>
-            <a:ext cx="761747" cy="307777"/>
-          </a:xfrm>
-          <a:prstGeom prst="rect">
-            <a:avLst/>
-          </a:prstGeom>
-          <a:noFill/>
-          <a:ln>
-            <a:solidFill>
-              <a:schemeClr val="tx1"/>
-            </a:solidFill>
-          </a:ln>
-        </p:spPr>
-        <p:txBody>
-          <a:bodyPr wrap="none" rtlCol="0">
-            <a:spAutoFit/>
-          </a:bodyPr>
-          <a:lstStyle/>
-          <a:p>
-            <a:r>
-              <a:rPr lang="en-US"/>
-              <a:t>Chap 6</a:t>
-            </a:r>
-          </a:p>
-        </p:txBody>
-      </p:sp>
     </p:spTree>
     <p:extLst>
       <p:ext uri="{BB962C8B-B14F-4D97-AF65-F5344CB8AC3E}">
@@ -7987,32 +7953,79 @@
           </a:p>
         </p:txBody>
       </p:sp>
+      <p:sp>
+        <p:nvSpPr>
+          <p:cNvPr id="8" name="TextBox 7"/>
+          <p:cNvSpPr txBox="1"/>
+          <p:nvPr/>
+        </p:nvSpPr>
+        <p:spPr>
+          <a:xfrm>
+            <a:off x="678873" y="5472545"/>
+            <a:ext cx="5841664" cy="307777"/>
+          </a:xfrm>
+          <a:prstGeom prst="rect">
+            <a:avLst/>
+          </a:prstGeom>
+          <a:noFill/>
+        </p:spPr>
+        <p:txBody>
+          <a:bodyPr wrap="none" rtlCol="0">
+            <a:spAutoFit/>
+          </a:bodyPr>
+          <a:lstStyle/>
+          <a:p>
+            <a:r>
+              <a:rPr lang="en-US" dirty="0"/>
+              <a:t>We can easily apply our pattern translations to generate Exp1bytecode: </a:t>
+            </a:r>
+          </a:p>
+        </p:txBody>
+      </p:sp>
       <p:pic>
         <p:nvPicPr>
-          <p:cNvPr id="4" name="Picture 3"/>
+          <p:cNvPr id="9" name="Picture 8">
+            <a:extLst>
+              <a:ext uri="{FF2B5EF4-FFF2-40B4-BE49-F238E27FC236}">
+                <a16:creationId xmlns:a16="http://schemas.microsoft.com/office/drawing/2014/main" id="{FBD22A5B-BA47-C443-9556-F56BFB8C31F5}"/>
+              </a:ext>
+            </a:extLst>
+          </p:cNvPr>
           <p:cNvPicPr>
             <a:picLocks noChangeAspect="1"/>
           </p:cNvPicPr>
           <p:nvPr/>
         </p:nvPicPr>
-        <p:blipFill rotWithShape="1">
+        <p:blipFill>
           <a:blip r:embed="rId2"/>
-          <a:srcRect b="5264"/>
-          <a:stretch/>
+          <a:stretch>
+            <a:fillRect/>
+          </a:stretch>
         </p:blipFill>
         <p:spPr>
           <a:xfrm>
-            <a:off x="152400" y="2362200"/>
-            <a:ext cx="4114800" cy="894522"/>
+            <a:off x="2286000" y="2070221"/>
+            <a:ext cx="3581400" cy="3259666"/>
           </a:xfrm>
           <a:prstGeom prst="rect">
             <a:avLst/>
           </a:prstGeom>
+          <a:ln>
+            <a:solidFill>
+              <a:schemeClr val="tx1"/>
+            </a:solidFill>
+          </a:ln>
         </p:spPr>
       </p:pic>
       <p:pic>
         <p:nvPicPr>
-          <p:cNvPr id="5" name="Picture 4"/>
+          <p:cNvPr id="10" name="Picture 9">
+            <a:extLst>
+              <a:ext uri="{FF2B5EF4-FFF2-40B4-BE49-F238E27FC236}">
+                <a16:creationId xmlns:a16="http://schemas.microsoft.com/office/drawing/2014/main" id="{6FCC9766-8763-3743-A943-7A6DE30BD12F}"/>
+              </a:ext>
+            </a:extLst>
+          </p:cNvPr>
           <p:cNvPicPr>
             <a:picLocks noChangeAspect="1"/>
           </p:cNvPicPr>
@@ -8026,96 +8039,14 @@
         </p:blipFill>
         <p:spPr>
           <a:xfrm>
-            <a:off x="152400" y="3276600"/>
-            <a:ext cx="3962400" cy="1415143"/>
+            <a:off x="1212850" y="5791200"/>
+            <a:ext cx="5841664" cy="971749"/>
           </a:xfrm>
           <a:prstGeom prst="rect">
             <a:avLst/>
           </a:prstGeom>
         </p:spPr>
       </p:pic>
-      <p:pic>
-        <p:nvPicPr>
-          <p:cNvPr id="6" name="Picture 5"/>
-          <p:cNvPicPr>
-            <a:picLocks noChangeAspect="1"/>
-          </p:cNvPicPr>
-          <p:nvPr/>
-        </p:nvPicPr>
-        <p:blipFill>
-          <a:blip r:embed="rId4"/>
-          <a:stretch>
-            <a:fillRect/>
-          </a:stretch>
-        </p:blipFill>
-        <p:spPr>
-          <a:xfrm>
-            <a:off x="4495800" y="2057400"/>
-            <a:ext cx="3962400" cy="3213100"/>
-          </a:xfrm>
-          <a:prstGeom prst="rect">
-            <a:avLst/>
-          </a:prstGeom>
-          <a:ln>
-            <a:solidFill>
-              <a:schemeClr val="accent1"/>
-            </a:solidFill>
-          </a:ln>
-        </p:spPr>
-      </p:pic>
-      <p:pic>
-        <p:nvPicPr>
-          <p:cNvPr id="7" name="Picture 6"/>
-          <p:cNvPicPr>
-            <a:picLocks noChangeAspect="1"/>
-          </p:cNvPicPr>
-          <p:nvPr/>
-        </p:nvPicPr>
-        <p:blipFill>
-          <a:blip r:embed="rId5"/>
-          <a:stretch>
-            <a:fillRect/>
-          </a:stretch>
-        </p:blipFill>
-        <p:spPr>
-          <a:xfrm>
-            <a:off x="1447800" y="5757862"/>
-            <a:ext cx="4851400" cy="914400"/>
-          </a:xfrm>
-          <a:prstGeom prst="rect">
-            <a:avLst/>
-          </a:prstGeom>
-        </p:spPr>
-      </p:pic>
-      <p:sp>
-        <p:nvSpPr>
-          <p:cNvPr id="8" name="TextBox 7"/>
-          <p:cNvSpPr txBox="1"/>
-          <p:nvPr/>
-        </p:nvSpPr>
-        <p:spPr>
-          <a:xfrm>
-            <a:off x="678873" y="5472545"/>
-            <a:ext cx="5841664" cy="307777"/>
-          </a:xfrm>
-          <a:prstGeom prst="rect">
-            <a:avLst/>
-          </a:prstGeom>
-          <a:noFill/>
-        </p:spPr>
-        <p:txBody>
-          <a:bodyPr wrap="none" rtlCol="0">
-            <a:spAutoFit/>
-          </a:bodyPr>
-          <a:lstStyle/>
-          <a:p>
-            <a:r>
-              <a:rPr lang="en-US" dirty="0"/>
-              <a:t>We can easily apply our pattern translations to generate Exp1bytecode: </a:t>
-            </a:r>
-          </a:p>
-        </p:txBody>
-      </p:sp>
     </p:spTree>
     <p:extLst>
       <p:ext uri="{BB962C8B-B14F-4D97-AF65-F5344CB8AC3E}">
@@ -8185,7 +8116,7 @@
         <p:spPr/>
         <p:txBody>
           <a:bodyPr>
-            <a:normAutofit fontScale="92500" lnSpcReduction="10000"/>
+            <a:normAutofit/>
           </a:bodyPr>
           <a:lstStyle/>
           <a:p>
@@ -8195,6 +8126,7 @@
             </a:r>
           </a:p>
           <a:p>
+            <a:pPr lvl="1"/>
             <a:r>
               <a:rPr lang="en-US" dirty="0"/>
               <a:t>Cuppa1 statement patterns will generate Exp1bytecode instructions on a </a:t>
@@ -8203,9 +8135,12 @@
               <a:rPr lang="en-US" i="1" dirty="0"/>
               <a:t>list</a:t>
             </a:r>
+          </a:p>
+          <a:p>
+            <a:pPr lvl="1"/>
             <a:r>
               <a:rPr lang="en-US" dirty="0"/>
-              <a:t> and Cuppa1 expression patterns will generate Exp1bytecode expressions returned as </a:t>
+              <a:t>Cuppa1 expression patterns will generate Exp1bytecode expressions returned as </a:t>
             </a:r>
             <a:r>
               <a:rPr lang="en-US" i="1" dirty="0"/>
@@ -8214,13 +8149,6 @@
             <a:r>
               <a:rPr lang="en-US" dirty="0"/>
               <a:t>.</a:t>
-            </a:r>
-          </a:p>
-          <a:p>
-            <a:pPr lvl="1"/>
-            <a:r>
-              <a:rPr lang="en-US" dirty="0"/>
-              <a:t>The reason for this will become clear later when we look at optimizations in this compiler.</a:t>
             </a:r>
           </a:p>
         </p:txBody>
@@ -8255,110 +8183,15 @@
           <a:chExt cx="0" cy="0"/>
         </a:xfrm>
       </p:grpSpPr>
-      <p:sp>
-        <p:nvSpPr>
-          <p:cNvPr id="2" name="Title 1"/>
-          <p:cNvSpPr>
-            <a:spLocks noGrp="1"/>
-          </p:cNvSpPr>
-          <p:nvPr>
-            <p:ph type="title"/>
-          </p:nvPr>
-        </p:nvSpPr>
-        <p:spPr/>
-        <p:txBody>
-          <a:bodyPr/>
-          <a:lstStyle/>
-          <a:p>
-            <a:r>
-              <a:rPr lang="en-US" dirty="0" err="1"/>
-              <a:t>Codegen</a:t>
-            </a:r>
-            <a:endParaRPr lang="en-US" dirty="0"/>
-          </a:p>
-        </p:txBody>
-      </p:sp>
-      <p:sp>
-        <p:nvSpPr>
-          <p:cNvPr id="3" name="Content Placeholder 2"/>
-          <p:cNvSpPr>
-            <a:spLocks noGrp="1"/>
-          </p:cNvSpPr>
-          <p:nvPr>
-            <p:ph idx="1"/>
-          </p:nvPr>
-        </p:nvSpPr>
-        <p:spPr>
-          <a:xfrm>
-            <a:off x="457200" y="1719263"/>
-            <a:ext cx="8229600" cy="1252537"/>
-          </a:xfrm>
-        </p:spPr>
-        <p:txBody>
-          <a:bodyPr>
-            <a:normAutofit fontScale="85000" lnSpcReduction="20000"/>
-          </a:bodyPr>
-          <a:lstStyle/>
-          <a:p>
-            <a:r>
-              <a:rPr lang="en-US" dirty="0"/>
-              <a:t>Recall the pattern translation,</a:t>
-            </a:r>
-          </a:p>
-          <a:p>
-            <a:pPr lvl="1"/>
-            <a:r>
-              <a:rPr lang="en-US" dirty="0"/>
-              <a:t>('get', name) =&gt; input &lt;name&gt;;</a:t>
-            </a:r>
-          </a:p>
-          <a:p>
-            <a:r>
-              <a:rPr lang="en-US" dirty="0"/>
-              <a:t>The </a:t>
-            </a:r>
-            <a:r>
-              <a:rPr lang="en-US" dirty="0" err="1"/>
-              <a:t>codegen</a:t>
-            </a:r>
-            <a:r>
-              <a:rPr lang="en-US" dirty="0"/>
-              <a:t> tree walker has a function for that,</a:t>
-            </a:r>
-          </a:p>
-        </p:txBody>
-      </p:sp>
-      <p:sp>
-        <p:nvSpPr>
-          <p:cNvPr id="4" name="Rectangle 3"/>
-          <p:cNvSpPr/>
-          <p:nvPr/>
-        </p:nvSpPr>
-        <p:spPr>
-          <a:xfrm>
-            <a:off x="4800600" y="462161"/>
-            <a:ext cx="2074607" cy="307777"/>
-          </a:xfrm>
-          <a:prstGeom prst="rect">
-            <a:avLst/>
-          </a:prstGeom>
-        </p:spPr>
-        <p:txBody>
-          <a:bodyPr wrap="none">
-            <a:spAutoFit/>
-          </a:bodyPr>
-          <a:lstStyle/>
-          <a:p>
-            <a:r>
-              <a:rPr lang="en-US"/>
-              <a:t>cuppa1_cc_codegen.py</a:t>
-            </a:r>
-          </a:p>
-        </p:txBody>
-      </p:sp>
       <p:pic>
         <p:nvPicPr>
-          <p:cNvPr id="5" name="Picture 4"/>
+          <p:cNvPr id="9" name="Picture 8">
+            <a:extLst>
+              <a:ext uri="{FF2B5EF4-FFF2-40B4-BE49-F238E27FC236}">
+                <a16:creationId xmlns:a16="http://schemas.microsoft.com/office/drawing/2014/main" id="{CA39FC1C-CA13-6C46-9ECE-548F8859CF0E}"/>
+              </a:ext>
+            </a:extLst>
+          </p:cNvPr>
           <p:cNvPicPr>
             <a:picLocks noChangeAspect="1"/>
           </p:cNvPicPr>
@@ -8372,8 +8205,8 @@
         </p:blipFill>
         <p:spPr>
           <a:xfrm>
-            <a:off x="762000" y="3429000"/>
-            <a:ext cx="3251200" cy="1803400"/>
+            <a:off x="850900" y="3346797"/>
+            <a:ext cx="3200400" cy="1701800"/>
           </a:xfrm>
           <a:prstGeom prst="rect">
             <a:avLst/>
@@ -8385,6 +8218,107 @@
           </a:ln>
         </p:spPr>
       </p:pic>
+      <p:sp>
+        <p:nvSpPr>
+          <p:cNvPr id="2" name="Title 1"/>
+          <p:cNvSpPr>
+            <a:spLocks noGrp="1"/>
+          </p:cNvSpPr>
+          <p:nvPr>
+            <p:ph type="title"/>
+          </p:nvPr>
+        </p:nvSpPr>
+        <p:spPr/>
+        <p:txBody>
+          <a:bodyPr/>
+          <a:lstStyle/>
+          <a:p>
+            <a:r>
+              <a:rPr lang="en-US" dirty="0" err="1"/>
+              <a:t>Codegen</a:t>
+            </a:r>
+            <a:endParaRPr lang="en-US" dirty="0"/>
+          </a:p>
+        </p:txBody>
+      </p:sp>
+      <p:sp>
+        <p:nvSpPr>
+          <p:cNvPr id="3" name="Content Placeholder 2"/>
+          <p:cNvSpPr>
+            <a:spLocks noGrp="1"/>
+          </p:cNvSpPr>
+          <p:nvPr>
+            <p:ph idx="1"/>
+          </p:nvPr>
+        </p:nvSpPr>
+        <p:spPr>
+          <a:xfrm>
+            <a:off x="457200" y="1719263"/>
+            <a:ext cx="8229600" cy="1252537"/>
+          </a:xfrm>
+        </p:spPr>
+        <p:txBody>
+          <a:bodyPr>
+            <a:normAutofit fontScale="85000" lnSpcReduction="20000"/>
+          </a:bodyPr>
+          <a:lstStyle/>
+          <a:p>
+            <a:r>
+              <a:rPr lang="en-US" dirty="0"/>
+              <a:t>Recall the pattern translation,</a:t>
+            </a:r>
+          </a:p>
+          <a:p>
+            <a:pPr lvl="1"/>
+            <a:r>
+              <a:rPr lang="en-US" dirty="0"/>
+              <a:t>(‘GET’, (‘ID’, name)) =&gt; input &lt;name&gt;;</a:t>
+            </a:r>
+          </a:p>
+          <a:p>
+            <a:r>
+              <a:rPr lang="en-US" dirty="0"/>
+              <a:t>The </a:t>
+            </a:r>
+            <a:r>
+              <a:rPr lang="en-US" dirty="0" err="1"/>
+              <a:t>codegen</a:t>
+            </a:r>
+            <a:r>
+              <a:rPr lang="en-US" dirty="0"/>
+              <a:t> tree walker has a function for that,</a:t>
+            </a:r>
+          </a:p>
+        </p:txBody>
+      </p:sp>
+      <p:sp>
+        <p:nvSpPr>
+          <p:cNvPr id="4" name="Rectangle 3"/>
+          <p:cNvSpPr/>
+          <p:nvPr/>
+        </p:nvSpPr>
+        <p:spPr>
+          <a:xfrm>
+            <a:off x="4800600" y="462161"/>
+            <a:ext cx="1795684" cy="307777"/>
+          </a:xfrm>
+          <a:prstGeom prst="rect">
+            <a:avLst/>
+          </a:prstGeom>
+        </p:spPr>
+        <p:txBody>
+          <a:bodyPr wrap="none">
+            <a:spAutoFit/>
+          </a:bodyPr>
+          <a:lstStyle/>
+          <a:p>
+            <a:r>
+              <a:rPr lang="en-US" dirty="0"/>
+              <a:t>cuppa1_codegen.py</a:t>
+            </a:r>
+          </a:p>
+        </p:txBody>
+      </p:sp>
       <p:sp>
         <p:nvSpPr>
           <p:cNvPr id="6" name="TextBox 5"/>
@@ -8470,7 +8404,7 @@
           <a:effectLst/>
           <a:extLst>
             <a:ext uri="{AF507438-7753-43e0-B8FC-AC1667EBCBE1}">
-              <a14:hiddenEffects xmlns="" xmlns:a14="http://schemas.microsoft.com/office/drawing/2010/main">
+              <a14:hiddenEffects xmlns:a14="http://schemas.microsoft.com/office/drawing/2010/main" xmlns="">
                 <a:effectLst>
                   <a:outerShdw blurRad="63500" dist="38099" dir="2700000" algn="ctr" rotWithShape="0">
                     <a:schemeClr val="bg2">
@@ -8585,140 +8519,30 @@
           <a:chExt cx="0" cy="0"/>
         </a:xfrm>
       </p:grpSpPr>
-      <p:sp>
-        <p:nvSpPr>
-          <p:cNvPr id="2" name="Title 1"/>
-          <p:cNvSpPr>
-            <a:spLocks noGrp="1"/>
-          </p:cNvSpPr>
-          <p:nvPr>
-            <p:ph type="title"/>
-          </p:nvPr>
-        </p:nvSpPr>
-        <p:spPr/>
-        <p:txBody>
-          <a:bodyPr/>
-          <a:lstStyle/>
-          <a:p>
-            <a:r>
-              <a:rPr lang="en-US" dirty="0" err="1"/>
-              <a:t>Codegen</a:t>
-            </a:r>
-            <a:endParaRPr lang="en-US" dirty="0"/>
-          </a:p>
-        </p:txBody>
-      </p:sp>
-      <p:sp>
-        <p:nvSpPr>
-          <p:cNvPr id="3" name="Content Placeholder 2"/>
-          <p:cNvSpPr>
-            <a:spLocks noGrp="1"/>
-          </p:cNvSpPr>
-          <p:nvPr>
-            <p:ph idx="1"/>
-          </p:nvPr>
-        </p:nvSpPr>
-        <p:spPr>
-          <a:xfrm>
-            <a:off x="457200" y="1719263"/>
-            <a:ext cx="8229600" cy="1252537"/>
-          </a:xfrm>
-        </p:spPr>
-        <p:txBody>
-          <a:bodyPr>
-            <a:normAutofit fontScale="92500" lnSpcReduction="20000"/>
-          </a:bodyPr>
-          <a:lstStyle/>
-          <a:p>
-            <a:r>
-              <a:rPr lang="en-US" dirty="0"/>
-              <a:t>Recall the pattern translation,</a:t>
-            </a:r>
-          </a:p>
-          <a:p>
-            <a:pPr lvl="1"/>
-            <a:r>
-              <a:rPr lang="en-US" dirty="0"/>
-              <a:t>('assign', name, </a:t>
-            </a:r>
-            <a:r>
-              <a:rPr lang="en-US" dirty="0" err="1"/>
-              <a:t>exp</a:t>
-            </a:r>
-            <a:r>
-              <a:rPr lang="en-US" dirty="0"/>
-              <a:t>) =&gt; store &lt;name&gt; &lt;</a:t>
-            </a:r>
-            <a:r>
-              <a:rPr lang="en-US" dirty="0" err="1"/>
-              <a:t>exp</a:t>
-            </a:r>
-            <a:r>
-              <a:rPr lang="en-US" dirty="0"/>
-              <a:t>&gt;;</a:t>
-            </a:r>
-          </a:p>
-          <a:p>
-            <a:r>
-              <a:rPr lang="en-US" dirty="0"/>
-              <a:t>The </a:t>
-            </a:r>
-            <a:r>
-              <a:rPr lang="en-US" dirty="0" err="1"/>
-              <a:t>codegen</a:t>
-            </a:r>
-            <a:r>
-              <a:rPr lang="en-US" dirty="0"/>
-              <a:t> tree walker has a function for that,</a:t>
-            </a:r>
-          </a:p>
-        </p:txBody>
-      </p:sp>
-      <p:sp>
-        <p:nvSpPr>
-          <p:cNvPr id="4" name="Rectangle 3"/>
-          <p:cNvSpPr/>
-          <p:nvPr/>
-        </p:nvSpPr>
-        <p:spPr>
-          <a:xfrm>
-            <a:off x="4800600" y="462161"/>
-            <a:ext cx="2074607" cy="307777"/>
-          </a:xfrm>
-          <a:prstGeom prst="rect">
-            <a:avLst/>
-          </a:prstGeom>
-        </p:spPr>
-        <p:txBody>
-          <a:bodyPr wrap="none">
-            <a:spAutoFit/>
-          </a:bodyPr>
-          <a:lstStyle/>
-          <a:p>
-            <a:r>
-              <a:rPr lang="en-US"/>
-              <a:t>cuppa1_cc_codegen.py</a:t>
-            </a:r>
-          </a:p>
-        </p:txBody>
-      </p:sp>
       <p:pic>
         <p:nvPicPr>
-          <p:cNvPr id="7" name="Picture 6"/>
+          <p:cNvPr id="5" name="Picture 4">
+            <a:extLst>
+              <a:ext uri="{FF2B5EF4-FFF2-40B4-BE49-F238E27FC236}">
+                <a16:creationId xmlns:a16="http://schemas.microsoft.com/office/drawing/2014/main" id="{E645E90D-4870-F949-B322-978278FA3C74}"/>
+              </a:ext>
+            </a:extLst>
+          </p:cNvPr>
           <p:cNvPicPr>
             <a:picLocks noChangeAspect="1"/>
           </p:cNvPicPr>
           <p:nvPr/>
         </p:nvPicPr>
-        <p:blipFill rotWithShape="1">
+        <p:blipFill>
           <a:blip r:embed="rId2"/>
-          <a:srcRect t="3352"/>
-          <a:stretch/>
+          <a:stretch>
+            <a:fillRect/>
+          </a:stretch>
         </p:blipFill>
         <p:spPr>
           <a:xfrm>
-            <a:off x="1257300" y="3581400"/>
-            <a:ext cx="4457700" cy="2197100"/>
+            <a:off x="1600200" y="3683000"/>
+            <a:ext cx="3975100" cy="1778000"/>
           </a:xfrm>
           <a:prstGeom prst="rect">
             <a:avLst/>
@@ -8732,13 +8556,114 @@
       </p:pic>
       <p:sp>
         <p:nvSpPr>
+          <p:cNvPr id="2" name="Title 1"/>
+          <p:cNvSpPr>
+            <a:spLocks noGrp="1"/>
+          </p:cNvSpPr>
+          <p:nvPr>
+            <p:ph type="title"/>
+          </p:nvPr>
+        </p:nvSpPr>
+        <p:spPr/>
+        <p:txBody>
+          <a:bodyPr/>
+          <a:lstStyle/>
+          <a:p>
+            <a:r>
+              <a:rPr lang="en-US" dirty="0" err="1"/>
+              <a:t>Codegen</a:t>
+            </a:r>
+            <a:endParaRPr lang="en-US" dirty="0"/>
+          </a:p>
+        </p:txBody>
+      </p:sp>
+      <p:sp>
+        <p:nvSpPr>
+          <p:cNvPr id="3" name="Content Placeholder 2"/>
+          <p:cNvSpPr>
+            <a:spLocks noGrp="1"/>
+          </p:cNvSpPr>
+          <p:nvPr>
+            <p:ph idx="1"/>
+          </p:nvPr>
+        </p:nvSpPr>
+        <p:spPr>
+          <a:xfrm>
+            <a:off x="457200" y="1719263"/>
+            <a:ext cx="8229600" cy="1252537"/>
+          </a:xfrm>
+        </p:spPr>
+        <p:txBody>
+          <a:bodyPr>
+            <a:normAutofit fontScale="92500" lnSpcReduction="20000"/>
+          </a:bodyPr>
+          <a:lstStyle/>
+          <a:p>
+            <a:r>
+              <a:rPr lang="en-US" dirty="0"/>
+              <a:t>Recall the pattern translation,</a:t>
+            </a:r>
+          </a:p>
+          <a:p>
+            <a:pPr lvl="1"/>
+            <a:r>
+              <a:rPr lang="en-US" dirty="0"/>
+              <a:t>(‘ASSIGN’, (‘ID’, name), exp) =&gt; store &lt;name&gt; &lt;exp&gt;;</a:t>
+            </a:r>
+          </a:p>
+          <a:p>
+            <a:r>
+              <a:rPr lang="en-US" dirty="0"/>
+              <a:t>The </a:t>
+            </a:r>
+            <a:r>
+              <a:rPr lang="en-US" dirty="0" err="1"/>
+              <a:t>codegen</a:t>
+            </a:r>
+            <a:r>
+              <a:rPr lang="en-US" dirty="0"/>
+              <a:t> tree walker has a function for that,</a:t>
+            </a:r>
+          </a:p>
+        </p:txBody>
+      </p:sp>
+      <p:sp>
+        <p:nvSpPr>
+          <p:cNvPr id="4" name="Rectangle 3"/>
+          <p:cNvSpPr/>
+          <p:nvPr/>
+        </p:nvSpPr>
+        <p:spPr>
+          <a:xfrm>
+            <a:off x="4800600" y="462161"/>
+            <a:ext cx="1795684" cy="307777"/>
+          </a:xfrm>
+          <a:prstGeom prst="rect">
+            <a:avLst/>
+          </a:prstGeom>
+        </p:spPr>
+        <p:txBody>
+          <a:bodyPr wrap="none">
+            <a:spAutoFit/>
+          </a:bodyPr>
+          <a:lstStyle/>
+          <a:p>
+            <a:r>
+              <a:rPr lang="en-US" dirty="0"/>
+              <a:t>cuppa1_codegen.py</a:t>
+            </a:r>
+          </a:p>
+        </p:txBody>
+      </p:sp>
+      <p:sp>
+        <p:nvSpPr>
           <p:cNvPr id="8" name="Left Arrow 7"/>
           <p:cNvSpPr/>
           <p:nvPr/>
         </p:nvSpPr>
         <p:spPr bwMode="auto">
           <a:xfrm>
-            <a:off x="4076700" y="4572000"/>
+            <a:off x="4076700" y="4603750"/>
             <a:ext cx="495300" cy="273050"/>
           </a:xfrm>
           <a:prstGeom prst="leftArrow">
@@ -8759,7 +8684,7 @@
           <a:effectLst/>
           <a:extLst>
             <a:ext uri="{AF507438-7753-43e0-B8FC-AC1667EBCBE1}">
-              <a14:hiddenEffects xmlns="" xmlns:a14="http://schemas.microsoft.com/office/drawing/2010/main">
+              <a14:hiddenEffects xmlns:a14="http://schemas.microsoft.com/office/drawing/2010/main" xmlns="">
                 <a:effectLst>
                   <a:outerShdw blurRad="63500" dist="38099" dir="2700000" algn="ctr" rotWithShape="0">
                     <a:schemeClr val="bg2">
@@ -8842,7 +8767,13 @@
       </p:grpSpPr>
       <p:pic>
         <p:nvPicPr>
-          <p:cNvPr id="5" name="Picture 4"/>
+          <p:cNvPr id="7" name="Picture 6">
+            <a:extLst>
+              <a:ext uri="{FF2B5EF4-FFF2-40B4-BE49-F238E27FC236}">
+                <a16:creationId xmlns:a16="http://schemas.microsoft.com/office/drawing/2014/main" id="{A7316693-E9A6-514E-888D-BD5952CECE42}"/>
+              </a:ext>
+            </a:extLst>
+          </p:cNvPr>
           <p:cNvPicPr>
             <a:picLocks noChangeAspect="1"/>
           </p:cNvPicPr>
@@ -8856,8 +8787,8 @@
         </p:blipFill>
         <p:spPr>
           <a:xfrm>
-            <a:off x="1066800" y="3853250"/>
-            <a:ext cx="3876675" cy="2909830"/>
+            <a:off x="1565201" y="3816398"/>
+            <a:ext cx="3387799" cy="2965402"/>
           </a:xfrm>
           <a:prstGeom prst="rect">
             <a:avLst/>
@@ -8963,7 +8894,7 @@
         <p:spPr>
           <a:xfrm>
             <a:off x="4800600" y="462161"/>
-            <a:ext cx="2074607" cy="307777"/>
+            <a:ext cx="1795684" cy="307777"/>
           </a:xfrm>
           <a:prstGeom prst="rect">
             <a:avLst/>
@@ -8976,8 +8907,8 @@
           <a:lstStyle/>
           <a:p>
             <a:r>
-              <a:rPr lang="en-US"/>
-              <a:t>cuppa1_cc_codegen.py</a:t>
+              <a:rPr lang="en-US" dirty="0"/>
+              <a:t>cuppa1_codegen.py</a:t>
             </a:r>
           </a:p>
         </p:txBody>
@@ -8990,7 +8921,7 @@
         </p:nvSpPr>
         <p:spPr bwMode="auto">
           <a:xfrm flipV="1">
-            <a:off x="5057775" y="5562600"/>
+            <a:off x="4876800" y="5530850"/>
             <a:ext cx="495300" cy="336550"/>
           </a:xfrm>
           <a:prstGeom prst="leftArrow">
@@ -9011,7 +8942,7 @@
           <a:effectLst/>
           <a:extLst>
             <a:ext uri="{AF507438-7753-43e0-B8FC-AC1667EBCBE1}">
-              <a14:hiddenEffects xmlns="" xmlns:a14="http://schemas.microsoft.com/office/drawing/2010/main">
+              <a14:hiddenEffects xmlns:a14="http://schemas.microsoft.com/office/drawing/2010/main" xmlns="">
                 <a:effectLst>
                   <a:outerShdw blurRad="63500" dist="38099" dir="2700000" algn="ctr" rotWithShape="0">
                     <a:schemeClr val="bg2">
@@ -9064,7 +8995,13 @@
       </p:sp>
       <p:pic>
         <p:nvPicPr>
-          <p:cNvPr id="9" name="Picture 8"/>
+          <p:cNvPr id="10" name="Picture 9">
+            <a:extLst>
+              <a:ext uri="{FF2B5EF4-FFF2-40B4-BE49-F238E27FC236}">
+                <a16:creationId xmlns:a16="http://schemas.microsoft.com/office/drawing/2014/main" id="{2110E893-1FDF-3346-A53A-9509A974FF8A}"/>
+              </a:ext>
+            </a:extLst>
+          </p:cNvPr>
           <p:cNvPicPr>
             <a:picLocks noChangeAspect="1"/>
           </p:cNvPicPr>
@@ -9078,8 +9015,8 @@
         </p:blipFill>
         <p:spPr>
           <a:xfrm>
-            <a:off x="1295400" y="1701800"/>
-            <a:ext cx="5842000" cy="1727200"/>
+            <a:off x="1371600" y="1855869"/>
+            <a:ext cx="4870450" cy="1496931"/>
           </a:xfrm>
           <a:prstGeom prst="rect">
             <a:avLst/>
@@ -9152,7 +9089,7 @@
         <p:spPr>
           <a:xfrm>
             <a:off x="457200" y="1417638"/>
-            <a:ext cx="7696200" cy="2595127"/>
+            <a:ext cx="4114800" cy="3382962"/>
           </a:xfrm>
         </p:spPr>
         <p:txBody>
@@ -9218,7 +9155,7 @@
         <p:spPr>
           <a:xfrm>
             <a:off x="4800600" y="462161"/>
-            <a:ext cx="2074607" cy="307777"/>
+            <a:ext cx="1795684" cy="307777"/>
           </a:xfrm>
           <a:prstGeom prst="rect">
             <a:avLst/>
@@ -9231,21 +9168,91 @@
           <a:lstStyle/>
           <a:p>
             <a:r>
-              <a:rPr lang="en-US"/>
-              <a:t>cuppa1_cc_codegen.py</a:t>
-            </a:r>
-          </a:p>
-        </p:txBody>
-      </p:sp>
-      <p:sp>
-        <p:nvSpPr>
-          <p:cNvPr id="8" name="Left Arrow 7"/>
+              <a:rPr lang="en-US" dirty="0"/>
+              <a:t>cuppa1_codegen.py</a:t>
+            </a:r>
+          </a:p>
+        </p:txBody>
+      </p:sp>
+      <p:pic>
+        <p:nvPicPr>
+          <p:cNvPr id="9" name="Picture 8">
+            <a:extLst>
+              <a:ext uri="{FF2B5EF4-FFF2-40B4-BE49-F238E27FC236}">
+                <a16:creationId xmlns:a16="http://schemas.microsoft.com/office/drawing/2014/main" id="{22BD7F64-8B39-8648-B379-349B1B50F226}"/>
+              </a:ext>
+            </a:extLst>
+          </p:cNvPr>
+          <p:cNvPicPr>
+            <a:picLocks noChangeAspect="1"/>
+          </p:cNvPicPr>
+          <p:nvPr/>
+        </p:nvPicPr>
+        <p:blipFill rotWithShape="1">
+          <a:blip r:embed="rId2"/>
+          <a:srcRect b="42621"/>
+          <a:stretch/>
+        </p:blipFill>
+        <p:spPr>
+          <a:xfrm>
+            <a:off x="533400" y="2114985"/>
+            <a:ext cx="3689350" cy="1390215"/>
+          </a:xfrm>
+          <a:prstGeom prst="rect">
+            <a:avLst/>
+          </a:prstGeom>
+        </p:spPr>
+      </p:pic>
+      <p:pic>
+        <p:nvPicPr>
+          <p:cNvPr id="5" name="Picture 4">
+            <a:extLst>
+              <a:ext uri="{FF2B5EF4-FFF2-40B4-BE49-F238E27FC236}">
+                <a16:creationId xmlns:a16="http://schemas.microsoft.com/office/drawing/2014/main" id="{57A441B7-D4A4-5C40-8C10-C77ECCC4D64A}"/>
+              </a:ext>
+            </a:extLst>
+          </p:cNvPr>
+          <p:cNvPicPr>
+            <a:picLocks noChangeAspect="1"/>
+          </p:cNvPicPr>
+          <p:nvPr/>
+        </p:nvPicPr>
+        <p:blipFill>
+          <a:blip r:embed="rId3"/>
+          <a:stretch>
+            <a:fillRect/>
+          </a:stretch>
+        </p:blipFill>
+        <p:spPr>
+          <a:xfrm>
+            <a:off x="4673600" y="2281039"/>
+            <a:ext cx="3569677" cy="4114800"/>
+          </a:xfrm>
+          <a:prstGeom prst="rect">
+            <a:avLst/>
+          </a:prstGeom>
+          <a:ln>
+            <a:solidFill>
+              <a:schemeClr val="tx1"/>
+            </a:solidFill>
+          </a:ln>
+        </p:spPr>
+      </p:pic>
+      <p:sp>
+        <p:nvSpPr>
+          <p:cNvPr id="10" name="Left Arrow 9">
+            <a:extLst>
+              <a:ext uri="{FF2B5EF4-FFF2-40B4-BE49-F238E27FC236}">
+                <a16:creationId xmlns:a16="http://schemas.microsoft.com/office/drawing/2014/main" id="{4D5690D2-7815-5449-A0DC-A8EEC03EF46D}"/>
+              </a:ext>
+            </a:extLst>
+          </p:cNvPr>
           <p:cNvSpPr/>
           <p:nvPr/>
         </p:nvSpPr>
         <p:spPr bwMode="auto">
           <a:xfrm flipV="1">
-            <a:off x="5057775" y="5562600"/>
+            <a:off x="7874977" y="5867400"/>
             <a:ext cx="495300" cy="336550"/>
           </a:xfrm>
           <a:prstGeom prst="leftArrow">
@@ -9266,7 +9273,7 @@
           <a:effectLst/>
           <a:extLst>
             <a:ext uri="{AF507438-7753-43e0-B8FC-AC1667EBCBE1}">
-              <a14:hiddenEffects xmlns="" xmlns:a14="http://schemas.microsoft.com/office/drawing/2010/main">
+              <a14:hiddenEffects xmlns:a14="http://schemas.microsoft.com/office/drawing/2010/main" xmlns="">
                 <a:effectLst>
                   <a:outerShdw blurRad="63500" dist="38099" dir="2700000" algn="ctr" rotWithShape="0">
                     <a:schemeClr val="bg2">
@@ -9317,59 +9324,6 @@
           </a:p>
         </p:txBody>
       </p:sp>
-      <p:pic>
-        <p:nvPicPr>
-          <p:cNvPr id="6" name="Picture 5"/>
-          <p:cNvPicPr>
-            <a:picLocks noChangeAspect="1"/>
-          </p:cNvPicPr>
-          <p:nvPr/>
-        </p:nvPicPr>
-        <p:blipFill>
-          <a:blip r:embed="rId2"/>
-          <a:stretch>
-            <a:fillRect/>
-          </a:stretch>
-        </p:blipFill>
-        <p:spPr>
-          <a:xfrm>
-            <a:off x="2116803" y="1757561"/>
-            <a:ext cx="3721100" cy="1638300"/>
-          </a:xfrm>
-          <a:prstGeom prst="rect">
-            <a:avLst/>
-          </a:prstGeom>
-        </p:spPr>
-      </p:pic>
-      <p:pic>
-        <p:nvPicPr>
-          <p:cNvPr id="7" name="Picture 6"/>
-          <p:cNvPicPr>
-            <a:picLocks noChangeAspect="1"/>
-          </p:cNvPicPr>
-          <p:nvPr/>
-        </p:nvPicPr>
-        <p:blipFill>
-          <a:blip r:embed="rId3"/>
-          <a:stretch>
-            <a:fillRect/>
-          </a:stretch>
-        </p:blipFill>
-        <p:spPr>
-          <a:xfrm>
-            <a:off x="865853" y="3942915"/>
-            <a:ext cx="6223000" cy="2730500"/>
-          </a:xfrm>
-          <a:prstGeom prst="rect">
-            <a:avLst/>
-          </a:prstGeom>
-          <a:ln>
-            <a:solidFill>
-              <a:schemeClr val="tx1"/>
-            </a:solidFill>
-          </a:ln>
-        </p:spPr>
-      </p:pic>
     </p:spTree>
     <p:extLst>
       <p:ext uri="{BB962C8B-B14F-4D97-AF65-F5344CB8AC3E}">
@@ -9441,35 +9395,19 @@
         </p:spPr>
         <p:txBody>
           <a:bodyPr>
-            <a:normAutofit fontScale="77500" lnSpcReduction="20000"/>
+            <a:normAutofit/>
           </a:bodyPr>
           <a:lstStyle/>
           <a:p>
             <a:r>
               <a:rPr lang="en-US" dirty="0"/>
-              <a:t>What remains to be looked at is how the tree walker deals with </a:t>
-            </a:r>
-            <a:r>
-              <a:rPr lang="en-US" dirty="0" err="1"/>
-              <a:t>Seq</a:t>
-            </a:r>
+              <a:t>What remains to be looked at is how the tree walker deals with statement lists. </a:t>
+            </a:r>
+          </a:p>
+          <a:p>
             <a:r>
               <a:rPr lang="en-US" dirty="0"/>
-              <a:t> nodes since they act as the glue between the statements in the AST we saw above. </a:t>
-            </a:r>
-          </a:p>
-          <a:p>
-            <a:r>
-              <a:rPr lang="en-US" dirty="0"/>
-              <a:t>Related to this is how the walker deals with Nil nodes in a statement sequence since </a:t>
-            </a:r>
-            <a:r>
-              <a:rPr lang="en-US" dirty="0" err="1"/>
-              <a:t>Seq</a:t>
-            </a:r>
-            <a:r>
-              <a:rPr lang="en-US" dirty="0"/>
-              <a:t> sequences are Nil terminated.</a:t>
+              <a:t>And how the walker deals with Nil nodes in a statement.</a:t>
             </a:r>
           </a:p>
         </p:txBody>
@@ -9483,7 +9421,7 @@
         <p:spPr>
           <a:xfrm>
             <a:off x="4800600" y="462161"/>
-            <a:ext cx="2074607" cy="307777"/>
+            <a:ext cx="1795684" cy="307777"/>
           </a:xfrm>
           <a:prstGeom prst="rect">
             <a:avLst/>
@@ -9496,15 +9434,21 @@
           <a:lstStyle/>
           <a:p>
             <a:r>
-              <a:rPr lang="en-US"/>
-              <a:t>cuppa1_cc_codegen.py</a:t>
+              <a:rPr lang="en-US" dirty="0"/>
+              <a:t>cuppa1_codegen.py</a:t>
             </a:r>
           </a:p>
         </p:txBody>
       </p:sp>
       <p:pic>
         <p:nvPicPr>
-          <p:cNvPr id="6" name="Picture 5"/>
+          <p:cNvPr id="5" name="Picture 4">
+            <a:extLst>
+              <a:ext uri="{FF2B5EF4-FFF2-40B4-BE49-F238E27FC236}">
+                <a16:creationId xmlns:a16="http://schemas.microsoft.com/office/drawing/2014/main" id="{A55C31F3-1ED8-6242-B9BB-5D21D0399003}"/>
+              </a:ext>
+            </a:extLst>
+          </p:cNvPr>
           <p:cNvPicPr>
             <a:picLocks noChangeAspect="1"/>
           </p:cNvPicPr>
@@ -9518,8 +9462,8 @@
         </p:blipFill>
         <p:spPr>
           <a:xfrm>
-            <a:off x="609600" y="3692236"/>
-            <a:ext cx="3276600" cy="2057400"/>
+            <a:off x="914400" y="3797300"/>
+            <a:ext cx="3048000" cy="2019300"/>
           </a:xfrm>
           <a:prstGeom prst="rect">
             <a:avLst/>
@@ -9533,7 +9477,13 @@
       </p:pic>
       <p:pic>
         <p:nvPicPr>
-          <p:cNvPr id="7" name="Picture 6"/>
+          <p:cNvPr id="8" name="Picture 7">
+            <a:extLst>
+              <a:ext uri="{FF2B5EF4-FFF2-40B4-BE49-F238E27FC236}">
+                <a16:creationId xmlns:a16="http://schemas.microsoft.com/office/drawing/2014/main" id="{E5EE8200-815E-8F41-A58B-FF033E96D6E2}"/>
+              </a:ext>
+            </a:extLst>
+          </p:cNvPr>
           <p:cNvPicPr>
             <a:picLocks noChangeAspect="1"/>
           </p:cNvPicPr>
@@ -9547,8 +9497,8 @@
         </p:blipFill>
         <p:spPr>
           <a:xfrm>
-            <a:off x="4944918" y="4038600"/>
-            <a:ext cx="3149600" cy="1536700"/>
+            <a:off x="4876800" y="3987800"/>
+            <a:ext cx="2120900" cy="1346200"/>
           </a:xfrm>
           <a:prstGeom prst="rect">
             <a:avLst/>
@@ -9621,8 +9571,8 @@
         </p:nvSpPr>
         <p:spPr>
           <a:xfrm>
-            <a:off x="4800600" y="462161"/>
-            <a:ext cx="2074607" cy="307777"/>
+            <a:off x="457200" y="2819400"/>
+            <a:ext cx="1795684" cy="307777"/>
           </a:xfrm>
           <a:prstGeom prst="rect">
             <a:avLst/>
@@ -9635,33 +9585,45 @@
           <a:lstStyle/>
           <a:p>
             <a:r>
-              <a:rPr lang="en-US"/>
-              <a:t>cuppa1_cc_codegen.py</a:t>
+              <a:rPr lang="en-US" dirty="0"/>
+              <a:t>cuppa1_codegen.py</a:t>
             </a:r>
           </a:p>
         </p:txBody>
       </p:sp>
       <p:pic>
         <p:nvPicPr>
-          <p:cNvPr id="5" name="Picture 4"/>
+          <p:cNvPr id="3" name="Picture 2">
+            <a:extLst>
+              <a:ext uri="{FF2B5EF4-FFF2-40B4-BE49-F238E27FC236}">
+                <a16:creationId xmlns:a16="http://schemas.microsoft.com/office/drawing/2014/main" id="{CDF9A718-5A8B-C74D-824E-46EAF6510F0C}"/>
+              </a:ext>
+            </a:extLst>
+          </p:cNvPr>
           <p:cNvPicPr>
             <a:picLocks noChangeAspect="1"/>
           </p:cNvPicPr>
           <p:nvPr/>
         </p:nvPicPr>
-        <p:blipFill rotWithShape="1">
+        <p:blipFill>
           <a:blip r:embed="rId2"/>
-          <a:srcRect b="1575"/>
-          <a:stretch/>
+          <a:stretch>
+            <a:fillRect/>
+          </a:stretch>
         </p:blipFill>
         <p:spPr>
           <a:xfrm>
-            <a:off x="2819400" y="431800"/>
-            <a:ext cx="5951728" cy="5892800"/>
+            <a:off x="2895600" y="122238"/>
+            <a:ext cx="5540105" cy="6400800"/>
           </a:xfrm>
           <a:prstGeom prst="rect">
             <a:avLst/>
           </a:prstGeom>
+          <a:ln>
+            <a:solidFill>
+              <a:schemeClr val="tx1"/>
+            </a:solidFill>
+          </a:ln>
         </p:spPr>
       </p:pic>
     </p:spTree>
@@ -9721,30 +9683,6 @@
           </a:p>
         </p:txBody>
       </p:sp>
-      <p:pic>
-        <p:nvPicPr>
-          <p:cNvPr id="3" name="Picture 2"/>
-          <p:cNvPicPr>
-            <a:picLocks noChangeAspect="1"/>
-          </p:cNvPicPr>
-          <p:nvPr/>
-        </p:nvPicPr>
-        <p:blipFill>
-          <a:blip r:embed="rId2"/>
-          <a:stretch>
-            <a:fillRect/>
-          </a:stretch>
-        </p:blipFill>
-        <p:spPr>
-          <a:xfrm>
-            <a:off x="457200" y="2057400"/>
-            <a:ext cx="2781300" cy="2578100"/>
-          </a:xfrm>
-          <a:prstGeom prst="rect">
-            <a:avLst/>
-          </a:prstGeom>
-        </p:spPr>
-      </p:pic>
       <p:sp>
         <p:nvSpPr>
           <p:cNvPr id="4" name="TextBox 3"/>
@@ -9783,7 +9721,7 @@
           <p:nvPr/>
         </p:nvPicPr>
         <p:blipFill>
-          <a:blip r:embed="rId3"/>
+          <a:blip r:embed="rId2"/>
           <a:stretch>
             <a:fillRect/>
           </a:stretch>
@@ -9827,7 +9765,7 @@
           <a:effectLst/>
           <a:extLst>
             <a:ext uri="{AF507438-7753-43e0-B8FC-AC1667EBCBE1}">
-              <a14:hiddenEffects xmlns="" xmlns:a14="http://schemas.microsoft.com/office/drawing/2010/main">
+              <a14:hiddenEffects xmlns:a14="http://schemas.microsoft.com/office/drawing/2010/main" xmlns="">
                 <a:effectLst>
                   <a:outerShdw blurRad="63500" dist="38099" dir="2700000" algn="ctr" rotWithShape="0">
                     <a:schemeClr val="bg2">
@@ -9907,6 +9845,40 @@
           </a:p>
         </p:txBody>
       </p:sp>
+      <p:pic>
+        <p:nvPicPr>
+          <p:cNvPr id="8" name="Picture 7">
+            <a:extLst>
+              <a:ext uri="{FF2B5EF4-FFF2-40B4-BE49-F238E27FC236}">
+                <a16:creationId xmlns:a16="http://schemas.microsoft.com/office/drawing/2014/main" id="{5B9C69FD-8BDB-3C48-826A-E0F7621FEDC7}"/>
+              </a:ext>
+            </a:extLst>
+          </p:cNvPr>
+          <p:cNvPicPr>
+            <a:picLocks noChangeAspect="1"/>
+          </p:cNvPicPr>
+          <p:nvPr/>
+        </p:nvPicPr>
+        <p:blipFill rotWithShape="1">
+          <a:blip r:embed="rId3"/>
+          <a:srcRect t="32773" r="36170" b="4747"/>
+          <a:stretch/>
+        </p:blipFill>
+        <p:spPr>
+          <a:xfrm>
+            <a:off x="685800" y="2590800"/>
+            <a:ext cx="2286000" cy="2036619"/>
+          </a:xfrm>
+          <a:prstGeom prst="rect">
+            <a:avLst/>
+          </a:prstGeom>
+          <a:ln>
+            <a:solidFill>
+              <a:schemeClr val="tx1"/>
+            </a:solidFill>
+          </a:ln>
+        </p:spPr>
+      </p:pic>
     </p:spTree>
     <p:extLst>
       <p:ext uri="{BB962C8B-B14F-4D97-AF65-F5344CB8AC3E}">
@@ -10025,7 +9997,13 @@
       </p:grpSpPr>
       <p:sp>
         <p:nvSpPr>
-          <p:cNvPr id="2" name="Title 1"/>
+          <p:cNvPr id="2" name="Title 1">
+            <a:extLst>
+              <a:ext uri="{FF2B5EF4-FFF2-40B4-BE49-F238E27FC236}">
+                <a16:creationId xmlns:a16="http://schemas.microsoft.com/office/drawing/2014/main" id="{DEAD415F-C44B-5D40-8C6C-DB458540E4C2}"/>
+              </a:ext>
+            </a:extLst>
+          </p:cNvPr>
           <p:cNvSpPr>
             <a:spLocks noGrp="1"/>
           </p:cNvSpPr>
@@ -10040,14 +10018,25 @@
           <a:p>
             <a:r>
               <a:rPr lang="en-US" dirty="0"/>
-              <a:t>Formatting the Output</a:t>
-            </a:r>
+              <a:t>Running </a:t>
+            </a:r>
+            <a:r>
+              <a:rPr lang="en-US" dirty="0" err="1"/>
+              <a:t>Codegen</a:t>
+            </a:r>
+            <a:endParaRPr lang="en-US" dirty="0"/>
           </a:p>
         </p:txBody>
       </p:sp>
       <p:pic>
         <p:nvPicPr>
-          <p:cNvPr id="3" name="Picture 2"/>
+          <p:cNvPr id="3" name="Picture 2">
+            <a:extLst>
+              <a:ext uri="{FF2B5EF4-FFF2-40B4-BE49-F238E27FC236}">
+                <a16:creationId xmlns:a16="http://schemas.microsoft.com/office/drawing/2014/main" id="{C49EFE02-0753-D748-B4D8-E1682B04A299}"/>
+              </a:ext>
+            </a:extLst>
+          </p:cNvPr>
           <p:cNvPicPr>
             <a:picLocks noChangeAspect="1"/>
           </p:cNvPicPr>
@@ -10061,58 +10050,116 @@
         </p:blipFill>
         <p:spPr>
           <a:xfrm>
-            <a:off x="228600" y="1541477"/>
-            <a:ext cx="7696200" cy="3177330"/>
+            <a:off x="152400" y="1392238"/>
+            <a:ext cx="6153807" cy="5248835"/>
           </a:xfrm>
           <a:prstGeom prst="rect">
             <a:avLst/>
           </a:prstGeom>
-          <a:ln>
+        </p:spPr>
+      </p:pic>
+      <p:sp>
+        <p:nvSpPr>
+          <p:cNvPr id="4" name="Right Arrow 3">
+            <a:extLst>
+              <a:ext uri="{FF2B5EF4-FFF2-40B4-BE49-F238E27FC236}">
+                <a16:creationId xmlns:a16="http://schemas.microsoft.com/office/drawing/2014/main" id="{24AADA67-3325-2941-88CF-0313FDEB4F0A}"/>
+              </a:ext>
+            </a:extLst>
+          </p:cNvPr>
+          <p:cNvSpPr/>
+          <p:nvPr/>
+        </p:nvSpPr>
+        <p:spPr bwMode="auto">
+          <a:xfrm flipH="1">
+            <a:off x="5867400" y="6096000"/>
+            <a:ext cx="723900" cy="387350"/>
+          </a:xfrm>
+          <a:prstGeom prst="rightArrow">
+            <a:avLst/>
+          </a:prstGeom>
+          <a:solidFill>
+            <a:srgbClr val="FF0000"/>
+          </a:solidFill>
+          <a:ln w="9525" cap="flat" cmpd="sng" algn="ctr">
             <a:solidFill>
               <a:schemeClr val="tx1"/>
             </a:solidFill>
+            <a:prstDash val="solid"/>
+            <a:round/>
+            <a:headEnd type="none" w="med" len="med"/>
+            <a:tailEnd type="none" w="med" len="med"/>
           </a:ln>
+          <a:effectLst/>
+          <a:extLst>
+            <a:ext uri="{AF507438-7753-43e0-B8FC-AC1667EBCBE1}">
+              <a14:hiddenEffects xmlns:a14="http://schemas.microsoft.com/office/drawing/2010/main" xmlns="">
+                <a:effectLst>
+                  <a:outerShdw blurRad="63500" dist="38099" dir="2700000" algn="ctr" rotWithShape="0">
+                    <a:schemeClr val="bg2">
+                      <a:alpha val="74998"/>
+                    </a:schemeClr>
+                  </a:outerShdw>
+                </a:effectLst>
+              </a14:hiddenEffects>
+            </a:ext>
+          </a:extLst>
         </p:spPr>
-      </p:pic>
-      <p:pic>
-        <p:nvPicPr>
-          <p:cNvPr id="4" name="Picture 3"/>
-          <p:cNvPicPr>
-            <a:picLocks noChangeAspect="1"/>
-          </p:cNvPicPr>
+        <p:txBody>
+          <a:bodyPr vert="horz" wrap="square" lIns="91440" tIns="45720" rIns="91440" bIns="45720" numCol="1" rtlCol="0" anchor="t" anchorCtr="0" compatLnSpc="1">
+            <a:prstTxWarp prst="textNoShape">
+              <a:avLst/>
+            </a:prstTxWarp>
+          </a:bodyPr>
+          <a:lstStyle/>
+          <a:p>
+            <a:pPr marL="0" marR="0" indent="0" algn="l" defTabSz="914400" rtl="0" eaLnBrk="0" fontAlgn="base" latinLnBrk="0" hangingPunct="0">
+              <a:lnSpc>
+                <a:spcPct val="100000"/>
+              </a:lnSpc>
+              <a:spcBef>
+                <a:spcPct val="0"/>
+              </a:spcBef>
+              <a:spcAft>
+                <a:spcPct val="0"/>
+              </a:spcAft>
+              <a:buClrTx/>
+              <a:buSzTx/>
+              <a:buFontTx/>
+              <a:buNone/>
+              <a:tabLst/>
+            </a:pPr>
+            <a:endParaRPr kumimoji="0" lang="en-US" sz="2400" b="0" i="0" u="none" strike="noStrike" cap="none" normalizeH="0" baseline="0">
+              <a:ln>
+                <a:noFill/>
+              </a:ln>
+              <a:solidFill>
+                <a:srgbClr val="000000"/>
+              </a:solidFill>
+              <a:effectLst/>
+              <a:latin typeface="Arial" charset="0"/>
+              <a:ea typeface="ＭＳ Ｐゴシック" charset="0"/>
+              <a:cs typeface="ＭＳ Ｐゴシック" charset="0"/>
+            </a:endParaRPr>
+          </a:p>
+        </p:txBody>
+      </p:sp>
+      <p:sp>
+        <p:nvSpPr>
+          <p:cNvPr id="5" name="TextBox 4">
+            <a:extLst>
+              <a:ext uri="{FF2B5EF4-FFF2-40B4-BE49-F238E27FC236}">
+                <a16:creationId xmlns:a16="http://schemas.microsoft.com/office/drawing/2014/main" id="{6823F938-B3A5-F345-B2E6-3B669AAF855F}"/>
+              </a:ext>
+            </a:extLst>
+          </p:cNvPr>
+          <p:cNvSpPr txBox="1"/>
           <p:nvPr/>
-        </p:nvPicPr>
-        <p:blipFill>
-          <a:blip r:embed="rId3"/>
-          <a:stretch>
-            <a:fillRect/>
-          </a:stretch>
-        </p:blipFill>
+        </p:nvSpPr>
         <p:spPr>
           <a:xfrm>
-            <a:off x="4876800" y="4842646"/>
-            <a:ext cx="3441700" cy="1841500"/>
-          </a:xfrm>
-          <a:prstGeom prst="rect">
-            <a:avLst/>
-          </a:prstGeom>
-          <a:ln>
-            <a:solidFill>
-              <a:schemeClr val="tx1"/>
-            </a:solidFill>
-          </a:ln>
-        </p:spPr>
-      </p:pic>
-      <p:sp>
-        <p:nvSpPr>
-          <p:cNvPr id="5" name="TextBox 4"/>
-          <p:cNvSpPr txBox="1"/>
-          <p:nvPr/>
-        </p:nvSpPr>
-        <p:spPr>
-          <a:xfrm>
-            <a:off x="401782" y="5112327"/>
-            <a:ext cx="3020379" cy="523220"/>
+            <a:off x="6591300" y="4837093"/>
+            <a:ext cx="2303836" cy="954107"/>
           </a:xfrm>
           <a:prstGeom prst="rect">
             <a:avLst/>
@@ -10126,14 +10173,33 @@
           <a:lstStyle/>
           <a:p>
             <a:r>
+              <a:rPr lang="en-US" b="1" dirty="0"/>
+              <a:t>Note</a:t>
+            </a:r>
+            <a:r>
               <a:rPr lang="en-US" dirty="0"/>
-              <a:t>Convert the instruction tuple list into</a:t>
-            </a:r>
-          </a:p>
-          <a:p>
-            <a:r>
+              <a:t>: everything is a string</a:t>
+            </a:r>
+            <a:br>
               <a:rPr lang="en-US" dirty="0"/>
-              <a:t>a printable target program.</a:t>
+            </a:br>
+            <a:r>
+              <a:rPr lang="en-US" dirty="0"/>
+              <a:t>in the instruction tuple list</a:t>
+            </a:r>
+            <a:br>
+              <a:rPr lang="en-US" dirty="0"/>
+            </a:br>
+            <a:r>
+              <a:rPr lang="en-US" dirty="0"/>
+              <a:t>making code generation</a:t>
+            </a:r>
+            <a:br>
+              <a:rPr lang="en-US" dirty="0"/>
+            </a:br>
+            <a:r>
+              <a:rPr lang="en-US" dirty="0"/>
+              <a:t>very easy.</a:t>
             </a:r>
           </a:p>
         </p:txBody>
@@ -10141,7 +10207,7 @@
     </p:spTree>
     <p:extLst>
       <p:ext uri="{BB962C8B-B14F-4D97-AF65-F5344CB8AC3E}">
-        <p14:creationId xmlns:p14="http://schemas.microsoft.com/office/powerpoint/2010/main" val="1256819860"/>
+        <p14:creationId xmlns:p14="http://schemas.microsoft.com/office/powerpoint/2010/main" val="1960681728"/>
       </p:ext>
     </p:extLst>
   </p:cSld>
@@ -10185,14 +10251,55 @@
           <a:p>
             <a:r>
               <a:rPr lang="en-US" dirty="0"/>
-              <a:t>Running the Phases of the Compiler</a:t>
+              <a:t>Formatting the Output</a:t>
+            </a:r>
+          </a:p>
+        </p:txBody>
+      </p:sp>
+      <p:sp>
+        <p:nvSpPr>
+          <p:cNvPr id="5" name="TextBox 4"/>
+          <p:cNvSpPr txBox="1"/>
+          <p:nvPr/>
+        </p:nvSpPr>
+        <p:spPr>
+          <a:xfrm>
+            <a:off x="401782" y="5112327"/>
+            <a:ext cx="3020379" cy="523220"/>
+          </a:xfrm>
+          <a:prstGeom prst="rect">
+            <a:avLst/>
+          </a:prstGeom>
+          <a:noFill/>
+        </p:spPr>
+        <p:txBody>
+          <a:bodyPr wrap="none" rtlCol="0">
+            <a:spAutoFit/>
+          </a:bodyPr>
+          <a:lstStyle/>
+          <a:p>
+            <a:r>
+              <a:rPr lang="en-US" dirty="0"/>
+              <a:t>Convert the instruction tuple list into</a:t>
+            </a:r>
+          </a:p>
+          <a:p>
+            <a:r>
+              <a:rPr lang="en-US" dirty="0"/>
+              <a:t>a printable target program.</a:t>
             </a:r>
           </a:p>
         </p:txBody>
       </p:sp>
       <p:pic>
         <p:nvPicPr>
-          <p:cNvPr id="3" name="Picture 2"/>
+          <p:cNvPr id="6" name="Picture 5">
+            <a:extLst>
+              <a:ext uri="{FF2B5EF4-FFF2-40B4-BE49-F238E27FC236}">
+                <a16:creationId xmlns:a16="http://schemas.microsoft.com/office/drawing/2014/main" id="{76CD1DDD-75B0-BA4A-9FF0-CDB87EAD76B8}"/>
+              </a:ext>
+            </a:extLst>
+          </p:cNvPr>
           <p:cNvPicPr>
             <a:picLocks noChangeAspect="1"/>
           </p:cNvPicPr>
@@ -10206,8 +10313,8 @@
         </p:blipFill>
         <p:spPr>
           <a:xfrm>
-            <a:off x="304800" y="1417638"/>
-            <a:ext cx="4800600" cy="1496543"/>
+            <a:off x="450850" y="1410701"/>
+            <a:ext cx="6559550" cy="3389899"/>
           </a:xfrm>
           <a:prstGeom prst="rect">
             <a:avLst/>
@@ -10221,107 +10328,28 @@
       </p:pic>
       <p:pic>
         <p:nvPicPr>
-          <p:cNvPr id="4" name="Picture 3"/>
-          <p:cNvPicPr>
-            <a:picLocks noChangeAspect="1"/>
-          </p:cNvPicPr>
-          <p:nvPr/>
-        </p:nvPicPr>
-        <p:blipFill rotWithShape="1">
-          <a:blip r:embed="rId3"/>
-          <a:srcRect r="45405"/>
-          <a:stretch/>
-        </p:blipFill>
-        <p:spPr>
-          <a:xfrm>
-            <a:off x="304800" y="3122676"/>
-            <a:ext cx="2565400" cy="1296924"/>
-          </a:xfrm>
-          <a:prstGeom prst="rect">
-            <a:avLst/>
-          </a:prstGeom>
-          <a:ln>
-            <a:solidFill>
-              <a:schemeClr val="tx1"/>
-            </a:solidFill>
-          </a:ln>
-        </p:spPr>
-      </p:pic>
-      <p:pic>
-        <p:nvPicPr>
-          <p:cNvPr id="5" name="Picture 4"/>
-          <p:cNvPicPr>
-            <a:picLocks noChangeAspect="1"/>
-          </p:cNvPicPr>
-          <p:nvPr/>
-        </p:nvPicPr>
-        <p:blipFill rotWithShape="1">
-          <a:blip r:embed="rId4"/>
-          <a:srcRect b="10572"/>
-          <a:stretch/>
-        </p:blipFill>
-        <p:spPr>
-          <a:xfrm>
-            <a:off x="2057400" y="2819400"/>
-            <a:ext cx="3483573" cy="2832100"/>
-          </a:xfrm>
-          <a:prstGeom prst="rect">
-            <a:avLst/>
-          </a:prstGeom>
-          <a:ln>
-            <a:solidFill>
-              <a:schemeClr val="tx1"/>
-            </a:solidFill>
-          </a:ln>
-        </p:spPr>
-      </p:pic>
-      <p:pic>
-        <p:nvPicPr>
-          <p:cNvPr id="6" name="Picture 5"/>
+          <p:cNvPr id="7" name="Picture 6">
+            <a:extLst>
+              <a:ext uri="{FF2B5EF4-FFF2-40B4-BE49-F238E27FC236}">
+                <a16:creationId xmlns:a16="http://schemas.microsoft.com/office/drawing/2014/main" id="{D4CE5477-2AB3-1A47-983F-28C1867AA34C}"/>
+              </a:ext>
+            </a:extLst>
+          </p:cNvPr>
           <p:cNvPicPr>
             <a:picLocks noChangeAspect="1"/>
           </p:cNvPicPr>
           <p:nvPr/>
         </p:nvPicPr>
         <p:blipFill>
-          <a:blip r:embed="rId5"/>
+          <a:blip r:embed="rId3"/>
           <a:stretch>
             <a:fillRect/>
           </a:stretch>
         </p:blipFill>
         <p:spPr>
           <a:xfrm>
-            <a:off x="5410200" y="1676400"/>
-            <a:ext cx="3371850" cy="1510589"/>
-          </a:xfrm>
-          <a:prstGeom prst="rect">
-            <a:avLst/>
-          </a:prstGeom>
-          <a:ln>
-            <a:solidFill>
-              <a:schemeClr val="tx1"/>
-            </a:solidFill>
-          </a:ln>
-        </p:spPr>
-      </p:pic>
-      <p:pic>
-        <p:nvPicPr>
-          <p:cNvPr id="7" name="Picture 6"/>
-          <p:cNvPicPr>
-            <a:picLocks noChangeAspect="1"/>
-          </p:cNvPicPr>
-          <p:nvPr/>
-        </p:nvPicPr>
-        <p:blipFill>
-          <a:blip r:embed="rId6"/>
-          <a:stretch>
-            <a:fillRect/>
-          </a:stretch>
-        </p:blipFill>
-        <p:spPr>
-          <a:xfrm>
-            <a:off x="5257800" y="3940655"/>
-            <a:ext cx="3293073" cy="1448592"/>
+            <a:off x="4800600" y="4351587"/>
+            <a:ext cx="2667000" cy="1664291"/>
           </a:xfrm>
           <a:prstGeom prst="rect">
             <a:avLst/>
@@ -10336,7 +10364,7 @@
     </p:spTree>
     <p:extLst>
       <p:ext uri="{BB962C8B-B14F-4D97-AF65-F5344CB8AC3E}">
-        <p14:creationId xmlns:p14="http://schemas.microsoft.com/office/powerpoint/2010/main" val="1904215599"/>
+        <p14:creationId xmlns:p14="http://schemas.microsoft.com/office/powerpoint/2010/main" val="1256819860"/>
       </p:ext>
     </p:extLst>
   </p:cSld>
@@ -10385,155 +10413,319 @@
           </a:p>
         </p:txBody>
       </p:sp>
-      <p:pic>
-        <p:nvPicPr>
-          <p:cNvPr id="3" name="Picture 2"/>
-          <p:cNvPicPr>
-            <a:picLocks noChangeAspect="1"/>
-          </p:cNvPicPr>
+      <p:grpSp>
+        <p:nvGrpSpPr>
+          <p:cNvPr id="12" name="Group 11">
+            <a:extLst>
+              <a:ext uri="{FF2B5EF4-FFF2-40B4-BE49-F238E27FC236}">
+                <a16:creationId xmlns:a16="http://schemas.microsoft.com/office/drawing/2014/main" id="{3E20C72F-2198-B24F-8ACE-1F90E7230BE7}"/>
+              </a:ext>
+            </a:extLst>
+          </p:cNvPr>
+          <p:cNvGrpSpPr/>
           <p:nvPr/>
-        </p:nvPicPr>
-        <p:blipFill>
-          <a:blip r:embed="rId2"/>
-          <a:stretch>
-            <a:fillRect/>
-          </a:stretch>
-        </p:blipFill>
-        <p:spPr>
+        </p:nvGrpSpPr>
+        <p:grpSpPr>
           <a:xfrm>
-            <a:off x="304800" y="1417638"/>
-            <a:ext cx="4800600" cy="1496543"/>
+            <a:off x="1741724" y="1417638"/>
+            <a:ext cx="5268676" cy="5211762"/>
+            <a:chOff x="762000" y="1417638"/>
+            <a:chExt cx="5268676" cy="5211762"/>
           </a:xfrm>
-          <a:prstGeom prst="rect">
-            <a:avLst/>
-          </a:prstGeom>
-          <a:ln>
+        </p:grpSpPr>
+        <p:pic>
+          <p:nvPicPr>
+            <p:cNvPr id="8" name="Picture 7">
+              <a:extLst>
+                <a:ext uri="{FF2B5EF4-FFF2-40B4-BE49-F238E27FC236}">
+                  <a16:creationId xmlns:a16="http://schemas.microsoft.com/office/drawing/2014/main" id="{B1B56483-2D23-B540-813E-B90E33BFE38E}"/>
+                </a:ext>
+              </a:extLst>
+            </p:cNvPr>
+            <p:cNvPicPr>
+              <a:picLocks noChangeAspect="1"/>
+            </p:cNvPicPr>
+            <p:nvPr/>
+          </p:nvPicPr>
+          <p:blipFill>
+            <a:blip r:embed="rId2"/>
+            <a:stretch>
+              <a:fillRect/>
+            </a:stretch>
+          </p:blipFill>
+          <p:spPr>
+            <a:xfrm>
+              <a:off x="762000" y="1417638"/>
+              <a:ext cx="5268676" cy="5211762"/>
+            </a:xfrm>
+            <a:prstGeom prst="rect">
+              <a:avLst/>
+            </a:prstGeom>
+          </p:spPr>
+        </p:pic>
+        <p:sp>
+          <p:nvSpPr>
+            <p:cNvPr id="9" name="Right Arrow 8">
+              <a:extLst>
+                <a:ext uri="{FF2B5EF4-FFF2-40B4-BE49-F238E27FC236}">
+                  <a16:creationId xmlns:a16="http://schemas.microsoft.com/office/drawing/2014/main" id="{DB8FC731-9699-634B-8DDC-6BB4CF4F133A}"/>
+                </a:ext>
+              </a:extLst>
+            </p:cNvPr>
+            <p:cNvSpPr/>
+            <p:nvPr/>
+          </p:nvSpPr>
+          <p:spPr bwMode="auto">
+            <a:xfrm flipH="1">
+              <a:off x="3962400" y="2519363"/>
+              <a:ext cx="723900" cy="387350"/>
+            </a:xfrm>
+            <a:prstGeom prst="rightArrow">
+              <a:avLst/>
+            </a:prstGeom>
             <a:solidFill>
-              <a:schemeClr val="tx1"/>
+              <a:srgbClr val="FF0000"/>
             </a:solidFill>
-          </a:ln>
-        </p:spPr>
-      </p:pic>
-      <p:pic>
-        <p:nvPicPr>
-          <p:cNvPr id="8" name="Picture 7"/>
-          <p:cNvPicPr>
-            <a:picLocks noChangeAspect="1"/>
-          </p:cNvPicPr>
-          <p:nvPr/>
-        </p:nvPicPr>
-        <p:blipFill>
-          <a:blip r:embed="rId3"/>
-          <a:stretch>
-            <a:fillRect/>
-          </a:stretch>
-        </p:blipFill>
-        <p:spPr>
-          <a:xfrm>
-            <a:off x="277091" y="3048000"/>
-            <a:ext cx="3244850" cy="644742"/>
-          </a:xfrm>
-          <a:prstGeom prst="rect">
-            <a:avLst/>
-          </a:prstGeom>
-          <a:ln>
+            <a:ln w="9525" cap="flat" cmpd="sng" algn="ctr">
+              <a:solidFill>
+                <a:schemeClr val="tx1"/>
+              </a:solidFill>
+              <a:prstDash val="solid"/>
+              <a:round/>
+              <a:headEnd type="none" w="med" len="med"/>
+              <a:tailEnd type="none" w="med" len="med"/>
+            </a:ln>
+            <a:effectLst/>
+            <a:extLst>
+              <a:ext uri="{AF507438-7753-43e0-B8FC-AC1667EBCBE1}">
+                <a14:hiddenEffects xmlns:a14="http://schemas.microsoft.com/office/drawing/2010/main" xmlns="">
+                  <a:effectLst>
+                    <a:outerShdw blurRad="63500" dist="38099" dir="2700000" algn="ctr" rotWithShape="0">
+                      <a:schemeClr val="bg2">
+                        <a:alpha val="74998"/>
+                      </a:schemeClr>
+                    </a:outerShdw>
+                  </a:effectLst>
+                </a14:hiddenEffects>
+              </a:ext>
+            </a:extLst>
+          </p:spPr>
+          <p:txBody>
+            <a:bodyPr vert="horz" wrap="square" lIns="91440" tIns="45720" rIns="91440" bIns="45720" numCol="1" rtlCol="0" anchor="t" anchorCtr="0" compatLnSpc="1">
+              <a:prstTxWarp prst="textNoShape">
+                <a:avLst/>
+              </a:prstTxWarp>
+            </a:bodyPr>
+            <a:lstStyle/>
+            <a:p>
+              <a:pPr marL="0" marR="0" indent="0" algn="l" defTabSz="914400" rtl="0" eaLnBrk="0" fontAlgn="base" latinLnBrk="0" hangingPunct="0">
+                <a:lnSpc>
+                  <a:spcPct val="100000"/>
+                </a:lnSpc>
+                <a:spcBef>
+                  <a:spcPct val="0"/>
+                </a:spcBef>
+                <a:spcAft>
+                  <a:spcPct val="0"/>
+                </a:spcAft>
+                <a:buClrTx/>
+                <a:buSzTx/>
+                <a:buFontTx/>
+                <a:buNone/>
+                <a:tabLst/>
+              </a:pPr>
+              <a:endParaRPr kumimoji="0" lang="en-US" sz="2400" b="0" i="0" u="none" strike="noStrike" cap="none" normalizeH="0" baseline="0">
+                <a:ln>
+                  <a:noFill/>
+                </a:ln>
+                <a:solidFill>
+                  <a:srgbClr val="000000"/>
+                </a:solidFill>
+                <a:effectLst/>
+                <a:latin typeface="Arial" charset="0"/>
+                <a:ea typeface="ＭＳ Ｐゴシック" charset="0"/>
+                <a:cs typeface="ＭＳ Ｐゴシック" charset="0"/>
+              </a:endParaRPr>
+            </a:p>
+          </p:txBody>
+        </p:sp>
+        <p:sp>
+          <p:nvSpPr>
+            <p:cNvPr id="10" name="Right Arrow 9">
+              <a:extLst>
+                <a:ext uri="{FF2B5EF4-FFF2-40B4-BE49-F238E27FC236}">
+                  <a16:creationId xmlns:a16="http://schemas.microsoft.com/office/drawing/2014/main" id="{FC8893B6-A387-0D4B-8C33-D97F3B33CC02}"/>
+                </a:ext>
+              </a:extLst>
+            </p:cNvPr>
+            <p:cNvSpPr/>
+            <p:nvPr/>
+          </p:nvSpPr>
+          <p:spPr bwMode="auto">
+            <a:xfrm flipH="1">
+              <a:off x="2514600" y="4876800"/>
+              <a:ext cx="723900" cy="387350"/>
+            </a:xfrm>
+            <a:prstGeom prst="rightArrow">
+              <a:avLst/>
+            </a:prstGeom>
             <a:solidFill>
-              <a:schemeClr val="tx1"/>
+              <a:srgbClr val="FF0000"/>
             </a:solidFill>
-          </a:ln>
-        </p:spPr>
-      </p:pic>
-      <p:pic>
-        <p:nvPicPr>
-          <p:cNvPr id="9" name="Picture 8"/>
-          <p:cNvPicPr>
-            <a:picLocks noChangeAspect="1"/>
-          </p:cNvPicPr>
-          <p:nvPr/>
-        </p:nvPicPr>
-        <p:blipFill>
-          <a:blip r:embed="rId4"/>
-          <a:stretch>
-            <a:fillRect/>
-          </a:stretch>
-        </p:blipFill>
-        <p:spPr>
-          <a:xfrm>
-            <a:off x="3352800" y="2590800"/>
-            <a:ext cx="3581400" cy="2183313"/>
-          </a:xfrm>
-          <a:prstGeom prst="rect">
-            <a:avLst/>
-          </a:prstGeom>
-          <a:ln>
+            <a:ln w="9525" cap="flat" cmpd="sng" algn="ctr">
+              <a:solidFill>
+                <a:schemeClr val="tx1"/>
+              </a:solidFill>
+              <a:prstDash val="solid"/>
+              <a:round/>
+              <a:headEnd type="none" w="med" len="med"/>
+              <a:tailEnd type="none" w="med" len="med"/>
+            </a:ln>
+            <a:effectLst/>
+            <a:extLst>
+              <a:ext uri="{AF507438-7753-43e0-B8FC-AC1667EBCBE1}">
+                <a14:hiddenEffects xmlns:a14="http://schemas.microsoft.com/office/drawing/2010/main" xmlns="">
+                  <a:effectLst>
+                    <a:outerShdw blurRad="63500" dist="38099" dir="2700000" algn="ctr" rotWithShape="0">
+                      <a:schemeClr val="bg2">
+                        <a:alpha val="74998"/>
+                      </a:schemeClr>
+                    </a:outerShdw>
+                  </a:effectLst>
+                </a14:hiddenEffects>
+              </a:ext>
+            </a:extLst>
+          </p:spPr>
+          <p:txBody>
+            <a:bodyPr vert="horz" wrap="square" lIns="91440" tIns="45720" rIns="91440" bIns="45720" numCol="1" rtlCol="0" anchor="t" anchorCtr="0" compatLnSpc="1">
+              <a:prstTxWarp prst="textNoShape">
+                <a:avLst/>
+              </a:prstTxWarp>
+            </a:bodyPr>
+            <a:lstStyle/>
+            <a:p>
+              <a:pPr marL="0" marR="0" indent="0" algn="l" defTabSz="914400" rtl="0" eaLnBrk="0" fontAlgn="base" latinLnBrk="0" hangingPunct="0">
+                <a:lnSpc>
+                  <a:spcPct val="100000"/>
+                </a:lnSpc>
+                <a:spcBef>
+                  <a:spcPct val="0"/>
+                </a:spcBef>
+                <a:spcAft>
+                  <a:spcPct val="0"/>
+                </a:spcAft>
+                <a:buClrTx/>
+                <a:buSzTx/>
+                <a:buFontTx/>
+                <a:buNone/>
+                <a:tabLst/>
+              </a:pPr>
+              <a:endParaRPr kumimoji="0" lang="en-US" sz="2400" b="0" i="0" u="none" strike="noStrike" cap="none" normalizeH="0" baseline="0">
+                <a:ln>
+                  <a:noFill/>
+                </a:ln>
+                <a:solidFill>
+                  <a:srgbClr val="000000"/>
+                </a:solidFill>
+                <a:effectLst/>
+                <a:latin typeface="Arial" charset="0"/>
+                <a:ea typeface="ＭＳ Ｐゴシック" charset="0"/>
+                <a:cs typeface="ＭＳ Ｐゴシック" charset="0"/>
+              </a:endParaRPr>
+            </a:p>
+          </p:txBody>
+        </p:sp>
+        <p:sp>
+          <p:nvSpPr>
+            <p:cNvPr id="11" name="Right Arrow 10">
+              <a:extLst>
+                <a:ext uri="{FF2B5EF4-FFF2-40B4-BE49-F238E27FC236}">
+                  <a16:creationId xmlns:a16="http://schemas.microsoft.com/office/drawing/2014/main" id="{EECA68CF-4581-D743-9691-16A900D983B4}"/>
+                </a:ext>
+              </a:extLst>
+            </p:cNvPr>
+            <p:cNvSpPr/>
+            <p:nvPr/>
+          </p:nvSpPr>
+          <p:spPr bwMode="auto">
+            <a:xfrm flipH="1">
+              <a:off x="2685138" y="5753100"/>
+              <a:ext cx="723900" cy="387350"/>
+            </a:xfrm>
+            <a:prstGeom prst="rightArrow">
+              <a:avLst/>
+            </a:prstGeom>
             <a:solidFill>
-              <a:schemeClr val="tx1"/>
+              <a:srgbClr val="FF0000"/>
             </a:solidFill>
-          </a:ln>
-        </p:spPr>
-      </p:pic>
-      <p:pic>
-        <p:nvPicPr>
-          <p:cNvPr id="10" name="Picture 9"/>
-          <p:cNvPicPr>
-            <a:picLocks noChangeAspect="1"/>
-          </p:cNvPicPr>
-          <p:nvPr/>
-        </p:nvPicPr>
-        <p:blipFill>
-          <a:blip r:embed="rId5"/>
-          <a:stretch>
-            <a:fillRect/>
-          </a:stretch>
-        </p:blipFill>
-        <p:spPr>
-          <a:xfrm>
-            <a:off x="304800" y="4935143"/>
-            <a:ext cx="3886200" cy="1694257"/>
-          </a:xfrm>
-          <a:prstGeom prst="rect">
-            <a:avLst/>
-          </a:prstGeom>
-          <a:ln>
-            <a:solidFill>
-              <a:schemeClr val="tx1"/>
-            </a:solidFill>
-          </a:ln>
-        </p:spPr>
-      </p:pic>
-      <p:pic>
-        <p:nvPicPr>
-          <p:cNvPr id="11" name="Picture 10"/>
-          <p:cNvPicPr>
-            <a:picLocks noChangeAspect="1"/>
-          </p:cNvPicPr>
-          <p:nvPr/>
-        </p:nvPicPr>
-        <p:blipFill>
-          <a:blip r:embed="rId6"/>
-          <a:stretch>
-            <a:fillRect/>
-          </a:stretch>
-        </p:blipFill>
-        <p:spPr>
-          <a:xfrm>
-            <a:off x="4648200" y="5042985"/>
-            <a:ext cx="3524250" cy="1586415"/>
-          </a:xfrm>
-          <a:prstGeom prst="rect">
-            <a:avLst/>
-          </a:prstGeom>
-          <a:ln>
-            <a:solidFill>
-              <a:schemeClr val="tx1"/>
-            </a:solidFill>
-          </a:ln>
-        </p:spPr>
-      </p:pic>
+            <a:ln w="9525" cap="flat" cmpd="sng" algn="ctr">
+              <a:solidFill>
+                <a:schemeClr val="tx1"/>
+              </a:solidFill>
+              <a:prstDash val="solid"/>
+              <a:round/>
+              <a:headEnd type="none" w="med" len="med"/>
+              <a:tailEnd type="none" w="med" len="med"/>
+            </a:ln>
+            <a:effectLst/>
+            <a:extLst>
+              <a:ext uri="{AF507438-7753-43e0-B8FC-AC1667EBCBE1}">
+                <a14:hiddenEffects xmlns:a14="http://schemas.microsoft.com/office/drawing/2010/main" xmlns="">
+                  <a:effectLst>
+                    <a:outerShdw blurRad="63500" dist="38099" dir="2700000" algn="ctr" rotWithShape="0">
+                      <a:schemeClr val="bg2">
+                        <a:alpha val="74998"/>
+                      </a:schemeClr>
+                    </a:outerShdw>
+                  </a:effectLst>
+                </a14:hiddenEffects>
+              </a:ext>
+            </a:extLst>
+          </p:spPr>
+          <p:txBody>
+            <a:bodyPr vert="horz" wrap="square" lIns="91440" tIns="45720" rIns="91440" bIns="45720" numCol="1" rtlCol="0" anchor="t" anchorCtr="0" compatLnSpc="1">
+              <a:prstTxWarp prst="textNoShape">
+                <a:avLst/>
+              </a:prstTxWarp>
+            </a:bodyPr>
+            <a:lstStyle/>
+            <a:p>
+              <a:pPr marL="0" marR="0" indent="0" algn="l" defTabSz="914400" rtl="0" eaLnBrk="0" fontAlgn="base" latinLnBrk="0" hangingPunct="0">
+                <a:lnSpc>
+                  <a:spcPct val="100000"/>
+                </a:lnSpc>
+                <a:spcBef>
+                  <a:spcPct val="0"/>
+                </a:spcBef>
+                <a:spcAft>
+                  <a:spcPct val="0"/>
+                </a:spcAft>
+                <a:buClrTx/>
+                <a:buSzTx/>
+                <a:buFontTx/>
+                <a:buNone/>
+                <a:tabLst/>
+              </a:pPr>
+              <a:endParaRPr kumimoji="0" lang="en-US" sz="2400" b="0" i="0" u="none" strike="noStrike" cap="none" normalizeH="0" baseline="0">
+                <a:ln>
+                  <a:noFill/>
+                </a:ln>
+                <a:solidFill>
+                  <a:srgbClr val="000000"/>
+                </a:solidFill>
+                <a:effectLst/>
+                <a:latin typeface="Arial" charset="0"/>
+                <a:ea typeface="ＭＳ Ｐゴシック" charset="0"/>
+                <a:cs typeface="ＭＳ Ｐゴシック" charset="0"/>
+              </a:endParaRPr>
+            </a:p>
+          </p:txBody>
+        </p:sp>
+      </p:grpSp>
     </p:spTree>
     <p:extLst>
       <p:ext uri="{BB962C8B-B14F-4D97-AF65-F5344CB8AC3E}">
-        <p14:creationId xmlns:p14="http://schemas.microsoft.com/office/powerpoint/2010/main" val="1854510638"/>
+        <p14:creationId xmlns:p14="http://schemas.microsoft.com/office/powerpoint/2010/main" val="1904215599"/>
       </p:ext>
     </p:extLst>
   </p:cSld>
@@ -10577,14 +10769,20 @@
           <a:p>
             <a:r>
               <a:rPr lang="en-US" dirty="0"/>
-              <a:t>Compilation vs Interpretation</a:t>
+              <a:t>Running the Compiler</a:t>
             </a:r>
           </a:p>
         </p:txBody>
       </p:sp>
       <p:pic>
         <p:nvPicPr>
-          <p:cNvPr id="3" name="Picture 2"/>
+          <p:cNvPr id="4" name="Picture 3">
+            <a:extLst>
+              <a:ext uri="{FF2B5EF4-FFF2-40B4-BE49-F238E27FC236}">
+                <a16:creationId xmlns:a16="http://schemas.microsoft.com/office/drawing/2014/main" id="{FBB190EF-E677-CA4B-A501-C36F99AA53C8}"/>
+              </a:ext>
+            </a:extLst>
+          </p:cNvPr>
           <p:cNvPicPr>
             <a:picLocks noChangeAspect="1"/>
           </p:cNvPicPr>
@@ -10598,8 +10796,8 @@
         </p:blipFill>
         <p:spPr>
           <a:xfrm>
-            <a:off x="0" y="1417638"/>
-            <a:ext cx="4806950" cy="1616202"/>
+            <a:off x="381000" y="1450740"/>
+            <a:ext cx="5263322" cy="5254860"/>
           </a:xfrm>
           <a:prstGeom prst="rect">
             <a:avLst/>
@@ -10611,184 +10809,182 @@
           </a:ln>
         </p:spPr>
       </p:pic>
-      <p:pic>
-        <p:nvPicPr>
-          <p:cNvPr id="4" name="Picture 3"/>
-          <p:cNvPicPr>
-            <a:picLocks noChangeAspect="1"/>
-          </p:cNvPicPr>
+      <p:sp>
+        <p:nvSpPr>
+          <p:cNvPr id="12" name="Right Arrow 11">
+            <a:extLst>
+              <a:ext uri="{FF2B5EF4-FFF2-40B4-BE49-F238E27FC236}">
+                <a16:creationId xmlns:a16="http://schemas.microsoft.com/office/drawing/2014/main" id="{0859AFF7-2C84-2F4A-AF39-09BB76D6672F}"/>
+              </a:ext>
+            </a:extLst>
+          </p:cNvPr>
+          <p:cNvSpPr/>
           <p:nvPr/>
-        </p:nvPicPr>
-        <p:blipFill>
-          <a:blip r:embed="rId3"/>
-          <a:stretch>
-            <a:fillRect/>
-          </a:stretch>
-        </p:blipFill>
-        <p:spPr>
-          <a:xfrm>
-            <a:off x="3886200" y="1447800"/>
-            <a:ext cx="5105400" cy="1178919"/>
+        </p:nvSpPr>
+        <p:spPr bwMode="auto">
+          <a:xfrm flipH="1">
+            <a:off x="5410200" y="4495800"/>
+            <a:ext cx="723900" cy="387350"/>
           </a:xfrm>
-          <a:prstGeom prst="rect">
+          <a:prstGeom prst="rightArrow">
             <a:avLst/>
           </a:prstGeom>
-          <a:ln>
+          <a:solidFill>
+            <a:srgbClr val="FF0000"/>
+          </a:solidFill>
+          <a:ln w="9525" cap="flat" cmpd="sng" algn="ctr">
             <a:solidFill>
               <a:schemeClr val="tx1"/>
             </a:solidFill>
+            <a:prstDash val="solid"/>
+            <a:round/>
+            <a:headEnd type="none" w="med" len="med"/>
+            <a:tailEnd type="none" w="med" len="med"/>
           </a:ln>
+          <a:effectLst/>
+          <a:extLst>
+            <a:ext uri="{AF507438-7753-43e0-B8FC-AC1667EBCBE1}">
+              <a14:hiddenEffects xmlns:a14="http://schemas.microsoft.com/office/drawing/2010/main" xmlns="">
+                <a:effectLst>
+                  <a:outerShdw blurRad="63500" dist="38099" dir="2700000" algn="ctr" rotWithShape="0">
+                    <a:schemeClr val="bg2">
+                      <a:alpha val="74998"/>
+                    </a:schemeClr>
+                  </a:outerShdw>
+                </a:effectLst>
+              </a14:hiddenEffects>
+            </a:ext>
+          </a:extLst>
         </p:spPr>
-      </p:pic>
-      <p:pic>
-        <p:nvPicPr>
-          <p:cNvPr id="5" name="Picture 4"/>
-          <p:cNvPicPr>
-            <a:picLocks noChangeAspect="1"/>
-          </p:cNvPicPr>
+        <p:txBody>
+          <a:bodyPr vert="horz" wrap="square" lIns="91440" tIns="45720" rIns="91440" bIns="45720" numCol="1" rtlCol="0" anchor="t" anchorCtr="0" compatLnSpc="1">
+            <a:prstTxWarp prst="textNoShape">
+              <a:avLst/>
+            </a:prstTxWarp>
+          </a:bodyPr>
+          <a:lstStyle/>
+          <a:p>
+            <a:pPr marL="0" marR="0" indent="0" algn="l" defTabSz="914400" rtl="0" eaLnBrk="0" fontAlgn="base" latinLnBrk="0" hangingPunct="0">
+              <a:lnSpc>
+                <a:spcPct val="100000"/>
+              </a:lnSpc>
+              <a:spcBef>
+                <a:spcPct val="0"/>
+              </a:spcBef>
+              <a:spcAft>
+                <a:spcPct val="0"/>
+              </a:spcAft>
+              <a:buClrTx/>
+              <a:buSzTx/>
+              <a:buFontTx/>
+              <a:buNone/>
+              <a:tabLst/>
+            </a:pPr>
+            <a:endParaRPr kumimoji="0" lang="en-US" sz="2400" b="0" i="0" u="none" strike="noStrike" cap="none" normalizeH="0" baseline="0">
+              <a:ln>
+                <a:noFill/>
+              </a:ln>
+              <a:solidFill>
+                <a:srgbClr val="000000"/>
+              </a:solidFill>
+              <a:effectLst/>
+              <a:latin typeface="Arial" charset="0"/>
+              <a:ea typeface="ＭＳ Ｐゴシック" charset="0"/>
+              <a:cs typeface="ＭＳ Ｐゴシック" charset="0"/>
+            </a:endParaRPr>
+          </a:p>
+        </p:txBody>
+      </p:sp>
+      <p:sp>
+        <p:nvSpPr>
+          <p:cNvPr id="13" name="Right Arrow 12">
+            <a:extLst>
+              <a:ext uri="{FF2B5EF4-FFF2-40B4-BE49-F238E27FC236}">
+                <a16:creationId xmlns:a16="http://schemas.microsoft.com/office/drawing/2014/main" id="{72DBA412-26F4-9942-8182-F5470FDB6254}"/>
+              </a:ext>
+            </a:extLst>
+          </p:cNvPr>
+          <p:cNvSpPr/>
           <p:nvPr/>
-        </p:nvPicPr>
-        <p:blipFill>
-          <a:blip r:embed="rId4"/>
-          <a:stretch>
-            <a:fillRect/>
-          </a:stretch>
-        </p:blipFill>
-        <p:spPr>
-          <a:xfrm>
-            <a:off x="554182" y="3114508"/>
-            <a:ext cx="1808018" cy="1126604"/>
+        </p:nvSpPr>
+        <p:spPr bwMode="auto">
+          <a:xfrm flipH="1">
+            <a:off x="5410200" y="5600700"/>
+            <a:ext cx="723900" cy="387350"/>
           </a:xfrm>
-          <a:prstGeom prst="rect">
+          <a:prstGeom prst="rightArrow">
             <a:avLst/>
           </a:prstGeom>
-          <a:ln>
+          <a:solidFill>
+            <a:srgbClr val="FF0000"/>
+          </a:solidFill>
+          <a:ln w="9525" cap="flat" cmpd="sng" algn="ctr">
             <a:solidFill>
               <a:schemeClr val="tx1"/>
             </a:solidFill>
+            <a:prstDash val="solid"/>
+            <a:round/>
+            <a:headEnd type="none" w="med" len="med"/>
+            <a:tailEnd type="none" w="med" len="med"/>
           </a:ln>
+          <a:effectLst/>
+          <a:extLst>
+            <a:ext uri="{AF507438-7753-43e0-B8FC-AC1667EBCBE1}">
+              <a14:hiddenEffects xmlns:a14="http://schemas.microsoft.com/office/drawing/2010/main" xmlns="">
+                <a:effectLst>
+                  <a:outerShdw blurRad="63500" dist="38099" dir="2700000" algn="ctr" rotWithShape="0">
+                    <a:schemeClr val="bg2">
+                      <a:alpha val="74998"/>
+                    </a:schemeClr>
+                  </a:outerShdw>
+                </a:effectLst>
+              </a14:hiddenEffects>
+            </a:ext>
+          </a:extLst>
         </p:spPr>
-      </p:pic>
-      <p:pic>
-        <p:nvPicPr>
-          <p:cNvPr id="6" name="Picture 5"/>
-          <p:cNvPicPr>
-            <a:picLocks noChangeAspect="1"/>
-          </p:cNvPicPr>
-          <p:nvPr/>
-        </p:nvPicPr>
-        <p:blipFill>
-          <a:blip r:embed="rId5"/>
-          <a:stretch>
-            <a:fillRect/>
-          </a:stretch>
-        </p:blipFill>
-        <p:spPr>
-          <a:xfrm>
-            <a:off x="101600" y="5410200"/>
-            <a:ext cx="3022600" cy="889000"/>
-          </a:xfrm>
-          <a:prstGeom prst="rect">
-            <a:avLst/>
-          </a:prstGeom>
-          <a:ln>
-            <a:solidFill>
-              <a:schemeClr val="tx1"/>
-            </a:solidFill>
-          </a:ln>
-        </p:spPr>
-      </p:pic>
-      <p:pic>
-        <p:nvPicPr>
-          <p:cNvPr id="7" name="Picture 6"/>
-          <p:cNvPicPr>
-            <a:picLocks noChangeAspect="1"/>
-          </p:cNvPicPr>
-          <p:nvPr/>
-        </p:nvPicPr>
-        <p:blipFill>
-          <a:blip r:embed="rId6"/>
-          <a:stretch>
-            <a:fillRect/>
-          </a:stretch>
-        </p:blipFill>
-        <p:spPr>
-          <a:xfrm>
-            <a:off x="4802403" y="4085248"/>
-            <a:ext cx="3198597" cy="2310628"/>
-          </a:xfrm>
-          <a:prstGeom prst="rect">
-            <a:avLst/>
-          </a:prstGeom>
-          <a:ln>
-            <a:solidFill>
-              <a:schemeClr val="tx1"/>
-            </a:solidFill>
-          </a:ln>
-        </p:spPr>
-      </p:pic>
-      <p:sp>
-        <p:nvSpPr>
-          <p:cNvPr id="8" name="TextBox 7"/>
-          <p:cNvSpPr txBox="1"/>
-          <p:nvPr/>
-        </p:nvSpPr>
-        <p:spPr>
-          <a:xfrm>
-            <a:off x="401782" y="4849091"/>
-            <a:ext cx="1237839" cy="307777"/>
-          </a:xfrm>
-          <a:prstGeom prst="rect">
-            <a:avLst/>
-          </a:prstGeom>
-          <a:noFill/>
-        </p:spPr>
-        <p:txBody>
-          <a:bodyPr wrap="none" rtlCol="0">
-            <a:spAutoFit/>
+        <p:txBody>
+          <a:bodyPr vert="horz" wrap="square" lIns="91440" tIns="45720" rIns="91440" bIns="45720" numCol="1" rtlCol="0" anchor="t" anchorCtr="0" compatLnSpc="1">
+            <a:prstTxWarp prst="textNoShape">
+              <a:avLst/>
+            </a:prstTxWarp>
           </a:bodyPr>
           <a:lstStyle/>
           <a:p>
-            <a:r>
-              <a:rPr lang="en-US" dirty="0"/>
-              <a:t>Interpretation</a:t>
-            </a:r>
-          </a:p>
-        </p:txBody>
-      </p:sp>
-      <p:sp>
-        <p:nvSpPr>
-          <p:cNvPr id="9" name="TextBox 8"/>
-          <p:cNvSpPr txBox="1"/>
-          <p:nvPr/>
-        </p:nvSpPr>
-        <p:spPr>
-          <a:xfrm>
-            <a:off x="5001491" y="3560618"/>
-            <a:ext cx="1130438" cy="307777"/>
-          </a:xfrm>
-          <a:prstGeom prst="rect">
-            <a:avLst/>
-          </a:prstGeom>
-          <a:noFill/>
-        </p:spPr>
-        <p:txBody>
-          <a:bodyPr wrap="none" rtlCol="0">
-            <a:spAutoFit/>
-          </a:bodyPr>
-          <a:lstStyle/>
-          <a:p>
-            <a:r>
-              <a:rPr lang="en-US" dirty="0"/>
-              <a:t>Compilation</a:t>
-            </a:r>
+            <a:pPr marL="0" marR="0" indent="0" algn="l" defTabSz="914400" rtl="0" eaLnBrk="0" fontAlgn="base" latinLnBrk="0" hangingPunct="0">
+              <a:lnSpc>
+                <a:spcPct val="100000"/>
+              </a:lnSpc>
+              <a:spcBef>
+                <a:spcPct val="0"/>
+              </a:spcBef>
+              <a:spcAft>
+                <a:spcPct val="0"/>
+              </a:spcAft>
+              <a:buClrTx/>
+              <a:buSzTx/>
+              <a:buFontTx/>
+              <a:buNone/>
+              <a:tabLst/>
+            </a:pPr>
+            <a:endParaRPr kumimoji="0" lang="en-US" sz="2400" b="0" i="0" u="none" strike="noStrike" cap="none" normalizeH="0" baseline="0">
+              <a:ln>
+                <a:noFill/>
+              </a:ln>
+              <a:solidFill>
+                <a:srgbClr val="000000"/>
+              </a:solidFill>
+              <a:effectLst/>
+              <a:latin typeface="Arial" charset="0"/>
+              <a:ea typeface="ＭＳ Ｐゴシック" charset="0"/>
+              <a:cs typeface="ＭＳ Ｐゴシック" charset="0"/>
+            </a:endParaRPr>
           </a:p>
         </p:txBody>
       </p:sp>
     </p:spTree>
     <p:extLst>
       <p:ext uri="{BB962C8B-B14F-4D97-AF65-F5344CB8AC3E}">
-        <p14:creationId xmlns:p14="http://schemas.microsoft.com/office/powerpoint/2010/main" val="1463087504"/>
+        <p14:creationId xmlns:p14="http://schemas.microsoft.com/office/powerpoint/2010/main" val="1854510638"/>
       </p:ext>
     </p:extLst>
   </p:cSld>
@@ -11101,8 +11297,16 @@
           <a:lstStyle/>
           <a:p>
             <a:r>
-              <a:rPr lang="en-US"/>
-              <a:t>Assignment #5 – see webpage.</a:t>
+              <a:rPr lang="en-US" dirty="0"/>
+              <a:t>Assignment #4 – see </a:t>
+            </a:r>
+            <a:r>
+              <a:rPr lang="en-US" dirty="0" err="1"/>
+              <a:t>BrightSpace</a:t>
+            </a:r>
+            <a:r>
+              <a:rPr lang="en-US" dirty="0"/>
+              <a:t>.</a:t>
             </a:r>
           </a:p>
         </p:txBody>
@@ -11159,24 +11363,87 @@
           </a:p>
         </p:txBody>
       </p:sp>
+      <p:sp>
+        <p:nvSpPr>
+          <p:cNvPr id="5" name="TextBox 4"/>
+          <p:cNvSpPr txBox="1"/>
+          <p:nvPr/>
+        </p:nvSpPr>
+        <p:spPr>
+          <a:xfrm>
+            <a:off x="845127" y="5867400"/>
+            <a:ext cx="861133" cy="307777"/>
+          </a:xfrm>
+          <a:prstGeom prst="rect">
+            <a:avLst/>
+          </a:prstGeom>
+          <a:noFill/>
+        </p:spPr>
+        <p:txBody>
+          <a:bodyPr wrap="none" rtlCol="0">
+            <a:spAutoFit/>
+          </a:bodyPr>
+          <a:lstStyle/>
+          <a:p>
+            <a:r>
+              <a:rPr lang="en-US" dirty="0"/>
+              <a:t>Cuppa1 </a:t>
+            </a:r>
+          </a:p>
+        </p:txBody>
+      </p:sp>
+      <p:sp>
+        <p:nvSpPr>
+          <p:cNvPr id="7" name="TextBox 6"/>
+          <p:cNvSpPr txBox="1"/>
+          <p:nvPr/>
+        </p:nvSpPr>
+        <p:spPr>
+          <a:xfrm>
+            <a:off x="5614608" y="6400800"/>
+            <a:ext cx="1319592" cy="307777"/>
+          </a:xfrm>
+          <a:prstGeom prst="rect">
+            <a:avLst/>
+          </a:prstGeom>
+          <a:noFill/>
+        </p:spPr>
+        <p:txBody>
+          <a:bodyPr wrap="none" rtlCol="0">
+            <a:spAutoFit/>
+          </a:bodyPr>
+          <a:lstStyle/>
+          <a:p>
+            <a:r>
+              <a:rPr lang="en-US"/>
+              <a:t>Exp1bytecode</a:t>
+            </a:r>
+          </a:p>
+        </p:txBody>
+      </p:sp>
       <p:pic>
         <p:nvPicPr>
-          <p:cNvPr id="4" name="Picture 3"/>
+          <p:cNvPr id="8" name="Picture 7">
+            <a:extLst>
+              <a:ext uri="{FF2B5EF4-FFF2-40B4-BE49-F238E27FC236}">
+                <a16:creationId xmlns:a16="http://schemas.microsoft.com/office/drawing/2014/main" id="{231CBE99-5DF1-AA4A-BE3F-4AFCA7BCDC1D}"/>
+              </a:ext>
+            </a:extLst>
+          </p:cNvPr>
           <p:cNvPicPr>
             <a:picLocks noChangeAspect="1"/>
           </p:cNvPicPr>
           <p:nvPr/>
         </p:nvPicPr>
-        <p:blipFill>
+        <p:blipFill rotWithShape="1">
           <a:blip r:embed="rId2"/>
-          <a:stretch>
-            <a:fillRect/>
-          </a:stretch>
+          <a:srcRect l="6439" t="9277" r="45810" b="4723"/>
+          <a:stretch/>
         </p:blipFill>
         <p:spPr>
           <a:xfrm>
-            <a:off x="304800" y="1417638"/>
-            <a:ext cx="3263900" cy="4826000"/>
+            <a:off x="486032" y="2209134"/>
+            <a:ext cx="3124200" cy="3276601"/>
           </a:xfrm>
           <a:prstGeom prst="rect">
             <a:avLst/>
@@ -11188,53 +11455,29 @@
           </a:ln>
         </p:spPr>
       </p:pic>
-      <p:sp>
-        <p:nvSpPr>
-          <p:cNvPr id="5" name="TextBox 4"/>
-          <p:cNvSpPr txBox="1"/>
-          <p:nvPr/>
-        </p:nvSpPr>
-        <p:spPr>
-          <a:xfrm>
-            <a:off x="845127" y="6428509"/>
-            <a:ext cx="861133" cy="307777"/>
-          </a:xfrm>
-          <a:prstGeom prst="rect">
-            <a:avLst/>
-          </a:prstGeom>
-          <a:noFill/>
-        </p:spPr>
-        <p:txBody>
-          <a:bodyPr wrap="none" rtlCol="0">
-            <a:spAutoFit/>
-          </a:bodyPr>
-          <a:lstStyle/>
-          <a:p>
-            <a:r>
-              <a:rPr lang="en-US" dirty="0"/>
-              <a:t>Cuppa1 </a:t>
-            </a:r>
-          </a:p>
-        </p:txBody>
-      </p:sp>
       <p:pic>
         <p:nvPicPr>
-          <p:cNvPr id="6" name="Picture 5"/>
+          <p:cNvPr id="10" name="Picture 9">
+            <a:extLst>
+              <a:ext uri="{FF2B5EF4-FFF2-40B4-BE49-F238E27FC236}">
+                <a16:creationId xmlns:a16="http://schemas.microsoft.com/office/drawing/2014/main" id="{03F36A21-1AF1-834C-BE77-777EE103EB8D}"/>
+              </a:ext>
+            </a:extLst>
+          </p:cNvPr>
           <p:cNvPicPr>
             <a:picLocks noChangeAspect="1"/>
           </p:cNvPicPr>
           <p:nvPr/>
         </p:nvPicPr>
-        <p:blipFill>
+        <p:blipFill rotWithShape="1">
           <a:blip r:embed="rId3"/>
-          <a:stretch>
-            <a:fillRect/>
-          </a:stretch>
+          <a:srcRect l="5104" t="5948" r="53549" b="1794"/>
+          <a:stretch/>
         </p:blipFill>
         <p:spPr>
           <a:xfrm>
-            <a:off x="4953000" y="736600"/>
-            <a:ext cx="3403600" cy="5511800"/>
+            <a:off x="5239952" y="1342009"/>
+            <a:ext cx="2895600" cy="4906391"/>
           </a:xfrm>
           <a:prstGeom prst="rect">
             <a:avLst/>
@@ -11248,30 +11491,87 @@
       </p:pic>
       <p:sp>
         <p:nvSpPr>
-          <p:cNvPr id="7" name="TextBox 6"/>
-          <p:cNvSpPr txBox="1"/>
+          <p:cNvPr id="3" name="Right Arrow 2">
+            <a:extLst>
+              <a:ext uri="{FF2B5EF4-FFF2-40B4-BE49-F238E27FC236}">
+                <a16:creationId xmlns:a16="http://schemas.microsoft.com/office/drawing/2014/main" id="{0846B9B5-6552-3342-944B-64BAFA6BDDDA}"/>
+              </a:ext>
+            </a:extLst>
+          </p:cNvPr>
+          <p:cNvSpPr/>
           <p:nvPr/>
         </p:nvSpPr>
-        <p:spPr>
+        <p:spPr bwMode="auto">
           <a:xfrm>
-            <a:off x="5614608" y="6400800"/>
-            <a:ext cx="1319592" cy="307777"/>
+            <a:off x="4114800" y="3429000"/>
+            <a:ext cx="609600" cy="366204"/>
           </a:xfrm>
-          <a:prstGeom prst="rect">
+          <a:prstGeom prst="rightArrow">
             <a:avLst/>
           </a:prstGeom>
-          <a:noFill/>
+          <a:solidFill>
+            <a:srgbClr val="FF0000"/>
+          </a:solidFill>
+          <a:ln w="9525" cap="flat" cmpd="sng" algn="ctr">
+            <a:solidFill>
+              <a:schemeClr val="tx1"/>
+            </a:solidFill>
+            <a:prstDash val="solid"/>
+            <a:round/>
+            <a:headEnd type="none" w="med" len="med"/>
+            <a:tailEnd type="none" w="med" len="med"/>
+          </a:ln>
+          <a:effectLst/>
+          <a:extLst>
+            <a:ext uri="{AF507438-7753-43e0-B8FC-AC1667EBCBE1}">
+              <a14:hiddenEffects xmlns="" xmlns:a14="http://schemas.microsoft.com/office/drawing/2010/main">
+                <a:effectLst>
+                  <a:outerShdw blurRad="63500" dist="38099" dir="2700000" algn="ctr" rotWithShape="0">
+                    <a:schemeClr val="bg2">
+                      <a:alpha val="74998"/>
+                    </a:schemeClr>
+                  </a:outerShdw>
+                </a:effectLst>
+              </a14:hiddenEffects>
+            </a:ext>
+          </a:extLst>
         </p:spPr>
         <p:txBody>
-          <a:bodyPr wrap="none" rtlCol="0">
-            <a:spAutoFit/>
+          <a:bodyPr vert="horz" wrap="square" lIns="91440" tIns="45720" rIns="91440" bIns="45720" numCol="1" rtlCol="0" anchor="t" anchorCtr="0" compatLnSpc="1">
+            <a:prstTxWarp prst="textNoShape">
+              <a:avLst/>
+            </a:prstTxWarp>
           </a:bodyPr>
           <a:lstStyle/>
           <a:p>
-            <a:r>
-              <a:rPr lang="en-US"/>
-              <a:t>Exp1bytecode</a:t>
-            </a:r>
+            <a:pPr marL="0" marR="0" indent="0" algn="l" defTabSz="914400" rtl="0" eaLnBrk="0" fontAlgn="base" latinLnBrk="0" hangingPunct="0">
+              <a:lnSpc>
+                <a:spcPct val="100000"/>
+              </a:lnSpc>
+              <a:spcBef>
+                <a:spcPct val="0"/>
+              </a:spcBef>
+              <a:spcAft>
+                <a:spcPct val="0"/>
+              </a:spcAft>
+              <a:buClrTx/>
+              <a:buSzTx/>
+              <a:buFontTx/>
+              <a:buNone/>
+              <a:tabLst/>
+            </a:pPr>
+            <a:endParaRPr kumimoji="0" lang="en-US" sz="2400" b="0" i="0" u="none" strike="noStrike" cap="none" normalizeH="0" baseline="0">
+              <a:ln>
+                <a:noFill/>
+              </a:ln>
+              <a:solidFill>
+                <a:srgbClr val="000000"/>
+              </a:solidFill>
+              <a:effectLst/>
+              <a:latin typeface="Arial" charset="0"/>
+              <a:ea typeface="ＭＳ Ｐゴシック" charset="0"/>
+              <a:cs typeface="ＭＳ Ｐゴシック" charset="0"/>
+            </a:endParaRPr>
           </a:p>
         </p:txBody>
       </p:sp>
@@ -11353,15 +11653,7 @@
             <a:pPr lvl="1"/>
             <a:r>
               <a:rPr lang="en-US" dirty="0"/>
-              <a:t>('assign', name, </a:t>
-            </a:r>
-            <a:r>
-              <a:rPr lang="en-US" dirty="0" err="1"/>
-              <a:t>exp</a:t>
-            </a:r>
-            <a:r>
-              <a:rPr lang="en-US" dirty="0"/>
-              <a:t>) </a:t>
+              <a:t>(‘ASSIGN’, (‘ID’, name), exp) </a:t>
             </a:r>
           </a:p>
           <a:p>
@@ -11466,10 +11758,15 @@
             <p:ph idx="1"/>
           </p:nvPr>
         </p:nvSpPr>
-        <p:spPr/>
+        <p:spPr>
+          <a:xfrm>
+            <a:off x="457200" y="1719263"/>
+            <a:ext cx="8229600" cy="3005137"/>
+          </a:xfrm>
+        </p:spPr>
         <p:txBody>
           <a:bodyPr>
-            <a:normAutofit lnSpcReduction="10000"/>
+            <a:normAutofit/>
           </a:bodyPr>
           <a:lstStyle/>
           <a:p>
@@ -11485,64 +11782,43 @@
             </a:r>
           </a:p>
           <a:p>
-            <a:pPr lvl="1"/>
-            <a:r>
-              <a:rPr lang="en-US" dirty="0"/>
-              <a:t>('assign', name, </a:t>
-            </a:r>
-            <a:r>
-              <a:rPr lang="en-US" dirty="0" err="1"/>
-              <a:t>exp</a:t>
-            </a:r>
-            <a:r>
-              <a:rPr lang="en-US" dirty="0"/>
-              <a:t>) =&gt; store &lt;name&gt; &lt;</a:t>
-            </a:r>
-            <a:r>
-              <a:rPr lang="en-US" dirty="0" err="1"/>
-              <a:t>exp</a:t>
-            </a:r>
-            <a:r>
-              <a:rPr lang="en-US" dirty="0"/>
-              <a:t>&gt;;</a:t>
-            </a:r>
-          </a:p>
-          <a:p>
-            <a:pPr lvl="1"/>
-            <a:r>
-              <a:rPr lang="en-US" dirty="0"/>
-              <a:t> ('put', </a:t>
-            </a:r>
-            <a:r>
-              <a:rPr lang="en-US" dirty="0" err="1"/>
-              <a:t>exp</a:t>
-            </a:r>
-            <a:r>
-              <a:rPr lang="en-US" dirty="0"/>
-              <a:t>) =&gt; print &lt;</a:t>
-            </a:r>
-            <a:r>
-              <a:rPr lang="en-US" dirty="0" err="1"/>
-              <a:t>exp</a:t>
-            </a:r>
-            <a:r>
-              <a:rPr lang="en-US" dirty="0"/>
-              <a:t>&gt;; </a:t>
-            </a:r>
-          </a:p>
-          <a:p>
-            <a:pPr lvl="1"/>
-            <a:r>
-              <a:rPr lang="en-US" dirty="0"/>
-              <a:t>('get', name) =&gt; input &lt;name&gt;; </a:t>
-            </a:r>
-            <a:br>
-              <a:rPr lang="en-US" dirty="0"/>
-            </a:br>
+            <a:pPr marL="344487" lvl="1" indent="0">
+              <a:buNone/>
+            </a:pPr>
             <a:endParaRPr lang="en-US" dirty="0"/>
           </a:p>
         </p:txBody>
       </p:sp>
+      <p:pic>
+        <p:nvPicPr>
+          <p:cNvPr id="4" name="Picture 3">
+            <a:extLst>
+              <a:ext uri="{FF2B5EF4-FFF2-40B4-BE49-F238E27FC236}">
+                <a16:creationId xmlns:a16="http://schemas.microsoft.com/office/drawing/2014/main" id="{0ED10ED9-68AB-3848-820B-7DC24E9F212D}"/>
+              </a:ext>
+            </a:extLst>
+          </p:cNvPr>
+          <p:cNvPicPr>
+            <a:picLocks noChangeAspect="1"/>
+          </p:cNvPicPr>
+          <p:nvPr/>
+        </p:nvPicPr>
+        <p:blipFill>
+          <a:blip r:embed="rId2"/>
+          <a:stretch>
+            <a:fillRect/>
+          </a:stretch>
+        </p:blipFill>
+        <p:spPr>
+          <a:xfrm>
+            <a:off x="1143000" y="4730578"/>
+            <a:ext cx="6642100" cy="1104900"/>
+          </a:xfrm>
+          <a:prstGeom prst="rect">
+            <a:avLst/>
+          </a:prstGeom>
+        </p:spPr>
+      </p:pic>
     </p:spTree>
     <p:extLst>
       <p:ext uri="{BB962C8B-B14F-4D97-AF65-F5344CB8AC3E}">
@@ -11605,10 +11881,15 @@
             <p:ph idx="1"/>
           </p:nvPr>
         </p:nvSpPr>
-        <p:spPr/>
+        <p:spPr>
+          <a:xfrm>
+            <a:off x="457200" y="1719263"/>
+            <a:ext cx="8229600" cy="566737"/>
+          </a:xfrm>
+        </p:spPr>
         <p:txBody>
           <a:bodyPr>
-            <a:normAutofit fontScale="92500" lnSpcReduction="20000"/>
+            <a:normAutofit/>
           </a:bodyPr>
           <a:lstStyle/>
           <a:p>
@@ -11653,184 +11934,38 @@
               <a:t>,</a:t>
             </a:r>
           </a:p>
-          <a:p>
-            <a:pPr lvl="1"/>
-            <a:r>
-              <a:rPr lang="mr-IN" dirty="0"/>
-              <a:t>('+', c1, c2) =&gt; ('+' &lt;c1&gt; &lt;c2&gt;) </a:t>
-            </a:r>
-            <a:endParaRPr lang="en-US" dirty="0"/>
-          </a:p>
-          <a:p>
-            <a:pPr lvl="1"/>
-            <a:r>
-              <a:rPr lang="mr-IN" dirty="0"/>
-              <a:t>('-', c1, c2) =&gt; ('-' &lt;c1&gt; &lt;c2&gt;) </a:t>
-            </a:r>
-            <a:endParaRPr lang="en-US" dirty="0"/>
-          </a:p>
-          <a:p>
-            <a:pPr lvl="1"/>
-            <a:r>
-              <a:rPr lang="mr-IN" dirty="0"/>
-              <a:t>('*', c1, c2) =&gt; ('*' &lt;c1&gt; &lt;c2&gt;) </a:t>
-            </a:r>
-            <a:endParaRPr lang="en-US" dirty="0"/>
-          </a:p>
-          <a:p>
-            <a:pPr lvl="1"/>
-            <a:r>
-              <a:rPr lang="mr-IN" dirty="0"/>
-              <a:t>('/', c1, c2) =&gt; ('/' &lt;c1&gt; &lt;c2&gt;) </a:t>
-            </a:r>
-            <a:endParaRPr lang="en-US" dirty="0"/>
-          </a:p>
-          <a:p>
-            <a:pPr lvl="1"/>
-            <a:r>
-              <a:rPr lang="mr-IN" dirty="0"/>
-              <a:t>('==', c1, c2) =&gt; ('==' &lt;c1&gt; &lt;c2&gt;) </a:t>
-            </a:r>
-            <a:endParaRPr lang="en-US" dirty="0"/>
-          </a:p>
-          <a:p>
-            <a:pPr lvl="1"/>
-            <a:r>
-              <a:rPr lang="mr-IN" dirty="0"/>
-              <a:t>('&lt;=', c1, c2) =&gt; ('&lt;=' &lt;c1&gt; &lt;c2&gt;) </a:t>
-            </a:r>
-            <a:endParaRPr lang="en-US" dirty="0"/>
-          </a:p>
-          <a:p>
-            <a:pPr lvl="1"/>
-            <a:r>
-              <a:rPr lang="mr-IN" dirty="0"/>
-              <a:t>('</a:t>
-            </a:r>
-            <a:r>
-              <a:rPr lang="mr-IN" dirty="0" err="1"/>
-              <a:t>id</a:t>
-            </a:r>
-            <a:r>
-              <a:rPr lang="mr-IN" dirty="0"/>
-              <a:t>', </a:t>
-            </a:r>
-            <a:r>
-              <a:rPr lang="mr-IN" dirty="0" err="1"/>
-              <a:t>name</a:t>
-            </a:r>
-            <a:r>
-              <a:rPr lang="mr-IN" dirty="0"/>
-              <a:t>) =&gt; &lt;</a:t>
-            </a:r>
-            <a:r>
-              <a:rPr lang="mr-IN" dirty="0" err="1"/>
-              <a:t>name</a:t>
-            </a:r>
-            <a:r>
-              <a:rPr lang="mr-IN" dirty="0"/>
-              <a:t>&gt; </a:t>
-            </a:r>
-            <a:endParaRPr lang="en-US" dirty="0"/>
-          </a:p>
-          <a:p>
-            <a:pPr lvl="1"/>
-            <a:r>
-              <a:rPr lang="mr-IN" dirty="0"/>
-              <a:t>('</a:t>
-            </a:r>
-            <a:r>
-              <a:rPr lang="mr-IN" dirty="0" err="1"/>
-              <a:t>integer</a:t>
-            </a:r>
-            <a:r>
-              <a:rPr lang="mr-IN" dirty="0"/>
-              <a:t>', </a:t>
-            </a:r>
-            <a:r>
-              <a:rPr lang="mr-IN" dirty="0" err="1"/>
-              <a:t>value</a:t>
-            </a:r>
-            <a:r>
-              <a:rPr lang="mr-IN" dirty="0"/>
-              <a:t>) =&gt; &lt;</a:t>
-            </a:r>
-            <a:r>
-              <a:rPr lang="mr-IN" dirty="0" err="1"/>
-              <a:t>value</a:t>
-            </a:r>
-            <a:r>
-              <a:rPr lang="mr-IN" dirty="0"/>
-              <a:t>&gt; </a:t>
-            </a:r>
-            <a:endParaRPr lang="en-US" dirty="0"/>
-          </a:p>
-          <a:p>
-            <a:pPr lvl="1"/>
-            <a:r>
-              <a:rPr lang="mr-IN" dirty="0"/>
-              <a:t>('</a:t>
-            </a:r>
-            <a:r>
-              <a:rPr lang="mr-IN" dirty="0" err="1"/>
-              <a:t>uminus</a:t>
-            </a:r>
-            <a:r>
-              <a:rPr lang="mr-IN" dirty="0"/>
-              <a:t>', </a:t>
-            </a:r>
-            <a:r>
-              <a:rPr lang="mr-IN" dirty="0" err="1"/>
-              <a:t>value</a:t>
-            </a:r>
-            <a:r>
-              <a:rPr lang="mr-IN" dirty="0"/>
-              <a:t>) =&gt; - &lt;</a:t>
-            </a:r>
-            <a:r>
-              <a:rPr lang="mr-IN" dirty="0" err="1"/>
-              <a:t>value</a:t>
-            </a:r>
-            <a:r>
-              <a:rPr lang="mr-IN" dirty="0"/>
-              <a:t>&gt; </a:t>
-            </a:r>
-            <a:endParaRPr lang="en-US" dirty="0"/>
-          </a:p>
-          <a:p>
-            <a:pPr lvl="1"/>
-            <a:r>
-              <a:rPr lang="mr-IN" dirty="0"/>
-              <a:t>('</a:t>
-            </a:r>
-            <a:r>
-              <a:rPr lang="mr-IN" dirty="0" err="1"/>
-              <a:t>not</a:t>
-            </a:r>
-            <a:r>
-              <a:rPr lang="mr-IN" dirty="0"/>
-              <a:t>', </a:t>
-            </a:r>
-            <a:r>
-              <a:rPr lang="mr-IN" dirty="0" err="1"/>
-              <a:t>value</a:t>
-            </a:r>
-            <a:r>
-              <a:rPr lang="mr-IN" dirty="0"/>
-              <a:t>) =&gt; ! &lt;</a:t>
-            </a:r>
-            <a:r>
-              <a:rPr lang="mr-IN" dirty="0" err="1"/>
-              <a:t>value</a:t>
-            </a:r>
-            <a:r>
-              <a:rPr lang="mr-IN" dirty="0"/>
-              <a:t>&gt;</a:t>
-            </a:r>
-            <a:endParaRPr lang="en-US" dirty="0"/>
-          </a:p>
-        </p:txBody>
-      </p:sp>
+        </p:txBody>
+      </p:sp>
+      <p:pic>
+        <p:nvPicPr>
+          <p:cNvPr id="4" name="Picture 3">
+            <a:extLst>
+              <a:ext uri="{FF2B5EF4-FFF2-40B4-BE49-F238E27FC236}">
+                <a16:creationId xmlns:a16="http://schemas.microsoft.com/office/drawing/2014/main" id="{83D0948A-BC3D-234E-9D55-0A2C6B587BF9}"/>
+              </a:ext>
+            </a:extLst>
+          </p:cNvPr>
+          <p:cNvPicPr>
+            <a:picLocks noChangeAspect="1"/>
+          </p:cNvPicPr>
+          <p:nvPr/>
+        </p:nvPicPr>
+        <p:blipFill>
+          <a:blip r:embed="rId2"/>
+          <a:stretch>
+            <a:fillRect/>
+          </a:stretch>
+        </p:blipFill>
+        <p:spPr>
+          <a:xfrm>
+            <a:off x="2101850" y="2591744"/>
+            <a:ext cx="4254500" cy="2794000"/>
+          </a:xfrm>
+          <a:prstGeom prst="rect">
+            <a:avLst/>
+          </a:prstGeom>
+        </p:spPr>
+      </p:pic>
     </p:spTree>
     <p:extLst>
       <p:ext uri="{BB962C8B-B14F-4D97-AF65-F5344CB8AC3E}">
@@ -11935,7 +12070,13 @@
       </p:sp>
       <p:pic>
         <p:nvPicPr>
-          <p:cNvPr id="4" name="Picture 3"/>
+          <p:cNvPr id="5" name="Picture 4">
+            <a:extLst>
+              <a:ext uri="{FF2B5EF4-FFF2-40B4-BE49-F238E27FC236}">
+                <a16:creationId xmlns:a16="http://schemas.microsoft.com/office/drawing/2014/main" id="{80401311-1105-6A40-8EB7-1E71D8960259}"/>
+              </a:ext>
+            </a:extLst>
+          </p:cNvPr>
           <p:cNvPicPr>
             <a:picLocks noChangeAspect="1"/>
           </p:cNvPicPr>
@@ -11949,8 +12090,8 @@
         </p:blipFill>
         <p:spPr>
           <a:xfrm>
-            <a:off x="1651000" y="3225800"/>
-            <a:ext cx="5842000" cy="1727200"/>
+            <a:off x="1377950" y="3581400"/>
+            <a:ext cx="5702300" cy="1752600"/>
           </a:xfrm>
           <a:prstGeom prst="rect">
             <a:avLst/>
@@ -12058,7 +12199,13 @@
       </p:sp>
       <p:pic>
         <p:nvPicPr>
-          <p:cNvPr id="5" name="Picture 4"/>
+          <p:cNvPr id="4" name="Picture 3">
+            <a:extLst>
+              <a:ext uri="{FF2B5EF4-FFF2-40B4-BE49-F238E27FC236}">
+                <a16:creationId xmlns:a16="http://schemas.microsoft.com/office/drawing/2014/main" id="{7F7CB4C0-8D37-2340-8981-845AF3E3FD72}"/>
+              </a:ext>
+            </a:extLst>
+          </p:cNvPr>
           <p:cNvPicPr>
             <a:picLocks noChangeAspect="1"/>
           </p:cNvPicPr>
@@ -12072,8 +12219,8 @@
         </p:blipFill>
         <p:spPr>
           <a:xfrm>
-            <a:off x="990600" y="2286000"/>
-            <a:ext cx="6921500" cy="1206500"/>
+            <a:off x="1025954" y="2209800"/>
+            <a:ext cx="6365446" cy="1161754"/>
           </a:xfrm>
           <a:prstGeom prst="rect">
             <a:avLst/>
@@ -12082,7 +12229,13 @@
       </p:pic>
       <p:pic>
         <p:nvPicPr>
-          <p:cNvPr id="6" name="Picture 5"/>
+          <p:cNvPr id="7" name="Picture 6">
+            <a:extLst>
+              <a:ext uri="{FF2B5EF4-FFF2-40B4-BE49-F238E27FC236}">
+                <a16:creationId xmlns:a16="http://schemas.microsoft.com/office/drawing/2014/main" id="{D2361098-E366-5442-8D53-901C9F6055C1}"/>
+              </a:ext>
+            </a:extLst>
+          </p:cNvPr>
           <p:cNvPicPr>
             <a:picLocks noChangeAspect="1"/>
           </p:cNvPicPr>
@@ -12096,8 +12249,38 @@
         </p:blipFill>
         <p:spPr>
           <a:xfrm>
-            <a:off x="990600" y="4114800"/>
-            <a:ext cx="6692900" cy="1905000"/>
+            <a:off x="1025954" y="4267200"/>
+            <a:ext cx="6594046" cy="1362607"/>
+          </a:xfrm>
+          <a:prstGeom prst="rect">
+            <a:avLst/>
+          </a:prstGeom>
+        </p:spPr>
+      </p:pic>
+      <p:pic>
+        <p:nvPicPr>
+          <p:cNvPr id="8" name="Picture 7">
+            <a:extLst>
+              <a:ext uri="{FF2B5EF4-FFF2-40B4-BE49-F238E27FC236}">
+                <a16:creationId xmlns:a16="http://schemas.microsoft.com/office/drawing/2014/main" id="{596F385E-F7A8-B84E-A3A8-9C2DEAF16657}"/>
+              </a:ext>
+            </a:extLst>
+          </p:cNvPr>
+          <p:cNvPicPr>
+            <a:picLocks noChangeAspect="1"/>
+          </p:cNvPicPr>
+          <p:nvPr/>
+        </p:nvPicPr>
+        <p:blipFill>
+          <a:blip r:embed="rId4"/>
+          <a:stretch>
+            <a:fillRect/>
+          </a:stretch>
+        </p:blipFill>
+        <p:spPr>
+          <a:xfrm>
+            <a:off x="5334000" y="5629807"/>
+            <a:ext cx="1498600" cy="635000"/>
           </a:xfrm>
           <a:prstGeom prst="rect">
             <a:avLst/>
@@ -12504,7 +12687,7 @@
         <a:effectLst/>
         <a:extLst>
           <a:ext uri="{AF507438-7753-43e0-B8FC-AC1667EBCBE1}">
-            <a14:hiddenEffects xmlns="" xmlns:a14="http://schemas.microsoft.com/office/drawing/2010/main">
+            <a14:hiddenEffects xmlns:a14="http://schemas.microsoft.com/office/drawing/2010/main" xmlns="">
               <a:effectLst>
                 <a:outerShdw blurRad="63500" dist="38099" dir="2700000" algn="ctr" rotWithShape="0">
                   <a:schemeClr val="bg2">
@@ -12581,7 +12764,7 @@
         <a:effectLst/>
         <a:extLst>
           <a:ext uri="{AF507438-7753-43e0-B8FC-AC1667EBCBE1}">
-            <a14:hiddenEffects xmlns="" xmlns:a14="http://schemas.microsoft.com/office/drawing/2010/main">
+            <a14:hiddenEffects xmlns:a14="http://schemas.microsoft.com/office/drawing/2010/main" xmlns="">
               <a:effectLst>
                 <a:outerShdw blurRad="63500" dist="38099" dir="2700000" algn="ctr" rotWithShape="0">
                   <a:schemeClr val="bg2">

--- a/notes/csc402-ln007.pptx
+++ b/notes/csc402-ln007.pptx
@@ -5,7 +5,7 @@
     <p:sldMasterId id="2147483649" r:id="rId1"/>
   </p:sldMasterIdLst>
   <p:notesMasterIdLst>
-    <p:notesMasterId r:id="rId28"/>
+    <p:notesMasterId r:id="rId27"/>
   </p:notesMasterIdLst>
   <p:sldIdLst>
     <p:sldId id="292" r:id="rId2"/>
@@ -16,24 +16,23 @@
     <p:sldId id="295" r:id="rId7"/>
     <p:sldId id="297" r:id="rId8"/>
     <p:sldId id="298" r:id="rId9"/>
-    <p:sldId id="299" r:id="rId10"/>
-    <p:sldId id="300" r:id="rId11"/>
-    <p:sldId id="301" r:id="rId12"/>
-    <p:sldId id="302" r:id="rId13"/>
-    <p:sldId id="303" r:id="rId14"/>
-    <p:sldId id="304" r:id="rId15"/>
-    <p:sldId id="305" r:id="rId16"/>
-    <p:sldId id="308" r:id="rId17"/>
-    <p:sldId id="306" r:id="rId18"/>
-    <p:sldId id="307" r:id="rId19"/>
-    <p:sldId id="309" r:id="rId20"/>
-    <p:sldId id="318" r:id="rId21"/>
-    <p:sldId id="310" r:id="rId22"/>
-    <p:sldId id="311" r:id="rId23"/>
-    <p:sldId id="312" r:id="rId24"/>
-    <p:sldId id="314" r:id="rId25"/>
-    <p:sldId id="315" r:id="rId26"/>
-    <p:sldId id="316" r:id="rId27"/>
+    <p:sldId id="300" r:id="rId10"/>
+    <p:sldId id="301" r:id="rId11"/>
+    <p:sldId id="302" r:id="rId12"/>
+    <p:sldId id="303" r:id="rId13"/>
+    <p:sldId id="304" r:id="rId14"/>
+    <p:sldId id="305" r:id="rId15"/>
+    <p:sldId id="308" r:id="rId16"/>
+    <p:sldId id="306" r:id="rId17"/>
+    <p:sldId id="307" r:id="rId18"/>
+    <p:sldId id="309" r:id="rId19"/>
+    <p:sldId id="318" r:id="rId20"/>
+    <p:sldId id="310" r:id="rId21"/>
+    <p:sldId id="311" r:id="rId22"/>
+    <p:sldId id="312" r:id="rId23"/>
+    <p:sldId id="314" r:id="rId24"/>
+    <p:sldId id="315" r:id="rId25"/>
+    <p:sldId id="316" r:id="rId26"/>
   </p:sldIdLst>
   <p:sldSz cx="9144000" cy="6858000" type="screen4x3"/>
   <p:notesSz cx="6858000" cy="9144000"/>
@@ -230,17 +229,17 @@
           </a:ln>
           <a:extLst>
             <a:ext uri="{FAA26D3D-D897-4be2-8F04-BA451C77F1D7}">
-              <ma14:placeholderFlag xmlns="" xmlns:ma14="http://schemas.microsoft.com/office/mac/drawingml/2011/main" val="1"/>
+              <ma14:placeholderFlag xmlns:ma14="http://schemas.microsoft.com/office/mac/drawingml/2011/main" xmlns="" val="1"/>
             </a:ext>
             <a:ext uri="{909E8E84-426E-40dd-AFC4-6F175D3DCCD1}">
-              <a14:hiddenFill xmlns:a14="http://schemas.microsoft.com/office/drawing/2010/main" xmlns="">
+              <a14:hiddenFill xmlns="" xmlns:a14="http://schemas.microsoft.com/office/drawing/2010/main">
                 <a:solidFill>
                   <a:schemeClr val="accent1"/>
                 </a:solidFill>
               </a14:hiddenFill>
             </a:ext>
             <a:ext uri="{91240B29-F687-4f45-9708-019B960494DF}">
-              <a14:hiddenLine xmlns:a14="http://schemas.microsoft.com/office/drawing/2010/main" xmlns="" w="9525">
+              <a14:hiddenLine xmlns="" xmlns:a14="http://schemas.microsoft.com/office/drawing/2010/main" w="9525">
                 <a:solidFill>
                   <a:schemeClr val="tx1"/>
                 </a:solidFill>
@@ -291,17 +290,17 @@
           </a:ln>
           <a:extLst>
             <a:ext uri="{FAA26D3D-D897-4be2-8F04-BA451C77F1D7}">
-              <ma14:placeholderFlag xmlns="" xmlns:ma14="http://schemas.microsoft.com/office/mac/drawingml/2011/main" val="1"/>
+              <ma14:placeholderFlag xmlns:ma14="http://schemas.microsoft.com/office/mac/drawingml/2011/main" xmlns="" val="1"/>
             </a:ext>
             <a:ext uri="{909E8E84-426E-40dd-AFC4-6F175D3DCCD1}">
-              <a14:hiddenFill xmlns:a14="http://schemas.microsoft.com/office/drawing/2010/main" xmlns="">
+              <a14:hiddenFill xmlns="" xmlns:a14="http://schemas.microsoft.com/office/drawing/2010/main">
                 <a:solidFill>
                   <a:schemeClr val="accent1"/>
                 </a:solidFill>
               </a14:hiddenFill>
             </a:ext>
             <a:ext uri="{91240B29-F687-4f45-9708-019B960494DF}">
-              <a14:hiddenLine xmlns:a14="http://schemas.microsoft.com/office/drawing/2010/main" xmlns="" w="9525">
+              <a14:hiddenLine xmlns="" xmlns:a14="http://schemas.microsoft.com/office/drawing/2010/main" w="9525">
                 <a:solidFill>
                   <a:schemeClr val="tx1"/>
                 </a:solidFill>
@@ -358,7 +357,7 @@
           <a:effectLst/>
           <a:extLst>
             <a:ext uri="{AF507438-7753-43e0-B8FC-AC1667EBCBE1}">
-              <a14:hiddenEffects xmlns:a14="http://schemas.microsoft.com/office/drawing/2010/main" xmlns="">
+              <a14:hiddenEffects xmlns="" xmlns:a14="http://schemas.microsoft.com/office/drawing/2010/main">
                 <a:effectLst>
                   <a:outerShdw blurRad="63500" dist="38099" dir="2700000" algn="ctr" rotWithShape="0">
                     <a:srgbClr val="000000">
@@ -369,7 +368,7 @@
               </a14:hiddenEffects>
             </a:ext>
             <a:ext uri="{53640926-AAD7-44d8-BBD7-CCE9431645EC}">
-              <a14:shadowObscured xmlns:a14="http://schemas.microsoft.com/office/drawing/2010/main" xmlns="" val="1"/>
+              <a14:shadowObscured xmlns="" xmlns:a14="http://schemas.microsoft.com/office/drawing/2010/main" val="1"/>
             </a:ext>
           </a:extLst>
         </p:spPr>
@@ -398,17 +397,17 @@
           </a:ln>
           <a:extLst>
             <a:ext uri="{FAA26D3D-D897-4be2-8F04-BA451C77F1D7}">
-              <ma14:placeholderFlag xmlns="" xmlns:ma14="http://schemas.microsoft.com/office/mac/drawingml/2011/main" val="1"/>
+              <ma14:placeholderFlag xmlns:ma14="http://schemas.microsoft.com/office/mac/drawingml/2011/main" xmlns="" val="1"/>
             </a:ext>
             <a:ext uri="{909E8E84-426E-40dd-AFC4-6F175D3DCCD1}">
-              <a14:hiddenFill xmlns:a14="http://schemas.microsoft.com/office/drawing/2010/main" xmlns="">
+              <a14:hiddenFill xmlns="" xmlns:a14="http://schemas.microsoft.com/office/drawing/2010/main">
                 <a:solidFill>
                   <a:schemeClr val="accent1"/>
                 </a:solidFill>
               </a14:hiddenFill>
             </a:ext>
             <a:ext uri="{91240B29-F687-4f45-9708-019B960494DF}">
-              <a14:hiddenLine xmlns:a14="http://schemas.microsoft.com/office/drawing/2010/main" xmlns="" w="9525">
+              <a14:hiddenLine xmlns="" xmlns:a14="http://schemas.microsoft.com/office/drawing/2010/main" w="9525">
                 <a:solidFill>
                   <a:schemeClr val="tx1"/>
                 </a:solidFill>
@@ -487,17 +486,17 @@
           </a:ln>
           <a:extLst>
             <a:ext uri="{FAA26D3D-D897-4be2-8F04-BA451C77F1D7}">
-              <ma14:placeholderFlag xmlns="" xmlns:ma14="http://schemas.microsoft.com/office/mac/drawingml/2011/main" val="1"/>
+              <ma14:placeholderFlag xmlns:ma14="http://schemas.microsoft.com/office/mac/drawingml/2011/main" xmlns="" val="1"/>
             </a:ext>
             <a:ext uri="{909E8E84-426E-40dd-AFC4-6F175D3DCCD1}">
-              <a14:hiddenFill xmlns:a14="http://schemas.microsoft.com/office/drawing/2010/main" xmlns="">
+              <a14:hiddenFill xmlns="" xmlns:a14="http://schemas.microsoft.com/office/drawing/2010/main">
                 <a:solidFill>
                   <a:schemeClr val="accent1"/>
                 </a:solidFill>
               </a14:hiddenFill>
             </a:ext>
             <a:ext uri="{91240B29-F687-4f45-9708-019B960494DF}">
-              <a14:hiddenLine xmlns:a14="http://schemas.microsoft.com/office/drawing/2010/main" xmlns="" w="9525">
+              <a14:hiddenLine xmlns="" xmlns:a14="http://schemas.microsoft.com/office/drawing/2010/main" w="9525">
                 <a:solidFill>
                   <a:schemeClr val="tx1"/>
                 </a:solidFill>
@@ -548,17 +547,17 @@
           </a:ln>
           <a:extLst>
             <a:ext uri="{FAA26D3D-D897-4be2-8F04-BA451C77F1D7}">
-              <ma14:placeholderFlag xmlns="" xmlns:ma14="http://schemas.microsoft.com/office/mac/drawingml/2011/main" val="1"/>
+              <ma14:placeholderFlag xmlns:ma14="http://schemas.microsoft.com/office/mac/drawingml/2011/main" xmlns="" val="1"/>
             </a:ext>
             <a:ext uri="{909E8E84-426E-40dd-AFC4-6F175D3DCCD1}">
-              <a14:hiddenFill xmlns:a14="http://schemas.microsoft.com/office/drawing/2010/main" xmlns="">
+              <a14:hiddenFill xmlns="" xmlns:a14="http://schemas.microsoft.com/office/drawing/2010/main">
                 <a:solidFill>
                   <a:schemeClr val="accent1"/>
                 </a:solidFill>
               </a14:hiddenFill>
             </a:ext>
             <a:ext uri="{91240B29-F687-4f45-9708-019B960494DF}">
-              <a14:hiddenLine xmlns:a14="http://schemas.microsoft.com/office/drawing/2010/main" xmlns="" w="9525">
+              <a14:hiddenLine xmlns="" xmlns:a14="http://schemas.microsoft.com/office/drawing/2010/main" w="9525">
                 <a:solidFill>
                   <a:schemeClr val="tx1"/>
                 </a:solidFill>
@@ -789,7 +788,7 @@
             <a:fld id="{0A32AC2C-6A9D-5140-A968-18508A6ACF7A}" type="slidenum">
               <a:rPr lang="en-US" smtClean="0"/>
               <a:pPr/>
-              <a:t>25</a:t>
+              <a:t>24</a:t>
             </a:fld>
             <a:endParaRPr lang="en-US"/>
           </a:p>
@@ -853,12 +852,12 @@
           <a:effectLst/>
           <a:extLst>
             <a:ext uri="{909E8E84-426E-40dd-AFC4-6F175D3DCCD1}">
-              <a14:hiddenFill xmlns:a14="http://schemas.microsoft.com/office/drawing/2010/main" xmlns="">
+              <a14:hiddenFill xmlns="" xmlns:a14="http://schemas.microsoft.com/office/drawing/2010/main">
                 <a:noFill/>
               </a14:hiddenFill>
             </a:ext>
             <a:ext uri="{AF507438-7753-43e0-B8FC-AC1667EBCBE1}">
-              <a14:hiddenEffects xmlns:a14="http://schemas.microsoft.com/office/drawing/2010/main" xmlns="">
+              <a14:hiddenEffects xmlns="" xmlns:a14="http://schemas.microsoft.com/office/drawing/2010/main">
                 <a:effectLst>
                   <a:outerShdw blurRad="63500" dist="38099" dir="2700000" algn="ctr" rotWithShape="0">
                     <a:schemeClr val="bg2">
@@ -1059,7 +1058,7 @@
             <a:effectLst/>
             <a:extLst>
               <a:ext uri="{91240B29-F687-4f45-9708-019B960494DF}">
-                <a14:hiddenLine xmlns:a14="http://schemas.microsoft.com/office/drawing/2010/main" xmlns="" w="9525">
+                <a14:hiddenLine xmlns="" xmlns:a14="http://schemas.microsoft.com/office/drawing/2010/main" w="9525">
                   <a:solidFill>
                     <a:schemeClr val="tx1"/>
                   </a:solidFill>
@@ -1069,7 +1068,7 @@
                 </a14:hiddenLine>
               </a:ext>
               <a:ext uri="{AF507438-7753-43e0-B8FC-AC1667EBCBE1}">
-                <a14:hiddenEffects xmlns:a14="http://schemas.microsoft.com/office/drawing/2010/main" xmlns="">
+                <a14:hiddenEffects xmlns="" xmlns:a14="http://schemas.microsoft.com/office/drawing/2010/main">
                   <a:effectLst>
                     <a:outerShdw blurRad="63500" dist="38099" dir="2700000" algn="ctr" rotWithShape="0">
                       <a:schemeClr val="bg2">
@@ -1114,7 +1113,7 @@
             <a:effectLst/>
             <a:extLst>
               <a:ext uri="{91240B29-F687-4f45-9708-019B960494DF}">
-                <a14:hiddenLine xmlns:a14="http://schemas.microsoft.com/office/drawing/2010/main" xmlns="" w="9525">
+                <a14:hiddenLine xmlns="" xmlns:a14="http://schemas.microsoft.com/office/drawing/2010/main" w="9525">
                   <a:solidFill>
                     <a:schemeClr val="tx1"/>
                   </a:solidFill>
@@ -1124,7 +1123,7 @@
                 </a14:hiddenLine>
               </a:ext>
               <a:ext uri="{AF507438-7753-43e0-B8FC-AC1667EBCBE1}">
-                <a14:hiddenEffects xmlns:a14="http://schemas.microsoft.com/office/drawing/2010/main" xmlns="">
+                <a14:hiddenEffects xmlns="" xmlns:a14="http://schemas.microsoft.com/office/drawing/2010/main">
                   <a:effectLst>
                     <a:outerShdw blurRad="63500" dist="38099" dir="2700000" algn="ctr" rotWithShape="0">
                       <a:schemeClr val="bg2">
@@ -1169,7 +1168,7 @@
             <a:effectLst/>
             <a:extLst>
               <a:ext uri="{91240B29-F687-4f45-9708-019B960494DF}">
-                <a14:hiddenLine xmlns:a14="http://schemas.microsoft.com/office/drawing/2010/main" xmlns="" w="9525">
+                <a14:hiddenLine xmlns="" xmlns:a14="http://schemas.microsoft.com/office/drawing/2010/main" w="9525">
                   <a:solidFill>
                     <a:schemeClr val="tx1"/>
                   </a:solidFill>
@@ -1179,7 +1178,7 @@
                 </a14:hiddenLine>
               </a:ext>
               <a:ext uri="{AF507438-7753-43e0-B8FC-AC1667EBCBE1}">
-                <a14:hiddenEffects xmlns:a14="http://schemas.microsoft.com/office/drawing/2010/main" xmlns="">
+                <a14:hiddenEffects xmlns="" xmlns:a14="http://schemas.microsoft.com/office/drawing/2010/main">
                   <a:effectLst>
                     <a:outerShdw blurRad="63500" dist="38099" dir="2700000" algn="ctr" rotWithShape="0">
                       <a:schemeClr val="bg2">
@@ -1224,7 +1223,7 @@
             <a:effectLst/>
             <a:extLst>
               <a:ext uri="{91240B29-F687-4f45-9708-019B960494DF}">
-                <a14:hiddenLine xmlns:a14="http://schemas.microsoft.com/office/drawing/2010/main" xmlns="" w="9525">
+                <a14:hiddenLine xmlns="" xmlns:a14="http://schemas.microsoft.com/office/drawing/2010/main" w="9525">
                   <a:solidFill>
                     <a:schemeClr val="tx1"/>
                   </a:solidFill>
@@ -1234,7 +1233,7 @@
                 </a14:hiddenLine>
               </a:ext>
               <a:ext uri="{AF507438-7753-43e0-B8FC-AC1667EBCBE1}">
-                <a14:hiddenEffects xmlns:a14="http://schemas.microsoft.com/office/drawing/2010/main" xmlns="">
+                <a14:hiddenEffects xmlns="" xmlns:a14="http://schemas.microsoft.com/office/drawing/2010/main">
                   <a:effectLst>
                     <a:outerShdw blurRad="63500" dist="38099" dir="2700000" algn="ctr" rotWithShape="0">
                       <a:schemeClr val="bg2">
@@ -1279,7 +1278,7 @@
             <a:effectLst/>
             <a:extLst>
               <a:ext uri="{91240B29-F687-4f45-9708-019B960494DF}">
-                <a14:hiddenLine xmlns:a14="http://schemas.microsoft.com/office/drawing/2010/main" xmlns="" w="9525">
+                <a14:hiddenLine xmlns="" xmlns:a14="http://schemas.microsoft.com/office/drawing/2010/main" w="9525">
                   <a:solidFill>
                     <a:schemeClr val="tx1"/>
                   </a:solidFill>
@@ -1289,7 +1288,7 @@
                 </a14:hiddenLine>
               </a:ext>
               <a:ext uri="{AF507438-7753-43e0-B8FC-AC1667EBCBE1}">
-                <a14:hiddenEffects xmlns:a14="http://schemas.microsoft.com/office/drawing/2010/main" xmlns="">
+                <a14:hiddenEffects xmlns="" xmlns:a14="http://schemas.microsoft.com/office/drawing/2010/main">
                   <a:effectLst>
                     <a:outerShdw blurRad="63500" dist="38099" dir="2700000" algn="ctr" rotWithShape="0">
                       <a:schemeClr val="bg2">
@@ -1334,7 +1333,7 @@
             <a:effectLst/>
             <a:extLst>
               <a:ext uri="{91240B29-F687-4f45-9708-019B960494DF}">
-                <a14:hiddenLine xmlns:a14="http://schemas.microsoft.com/office/drawing/2010/main" xmlns="" w="9525">
+                <a14:hiddenLine xmlns="" xmlns:a14="http://schemas.microsoft.com/office/drawing/2010/main" w="9525">
                   <a:solidFill>
                     <a:schemeClr val="tx1"/>
                   </a:solidFill>
@@ -1344,7 +1343,7 @@
                 </a14:hiddenLine>
               </a:ext>
               <a:ext uri="{AF507438-7753-43e0-B8FC-AC1667EBCBE1}">
-                <a14:hiddenEffects xmlns:a14="http://schemas.microsoft.com/office/drawing/2010/main" xmlns="">
+                <a14:hiddenEffects xmlns="" xmlns:a14="http://schemas.microsoft.com/office/drawing/2010/main">
                   <a:effectLst>
                     <a:outerShdw blurRad="63500" dist="38099" dir="2700000" algn="ctr" rotWithShape="0">
                       <a:schemeClr val="bg2">
@@ -1389,7 +1388,7 @@
             <a:effectLst/>
             <a:extLst>
               <a:ext uri="{91240B29-F687-4f45-9708-019B960494DF}">
-                <a14:hiddenLine xmlns:a14="http://schemas.microsoft.com/office/drawing/2010/main" xmlns="" w="9525">
+                <a14:hiddenLine xmlns="" xmlns:a14="http://schemas.microsoft.com/office/drawing/2010/main" w="9525">
                   <a:solidFill>
                     <a:schemeClr val="tx1"/>
                   </a:solidFill>
@@ -1399,7 +1398,7 @@
                 </a14:hiddenLine>
               </a:ext>
               <a:ext uri="{AF507438-7753-43e0-B8FC-AC1667EBCBE1}">
-                <a14:hiddenEffects xmlns:a14="http://schemas.microsoft.com/office/drawing/2010/main" xmlns="">
+                <a14:hiddenEffects xmlns="" xmlns:a14="http://schemas.microsoft.com/office/drawing/2010/main">
                   <a:effectLst>
                     <a:outerShdw blurRad="63500" dist="38099" dir="2700000" algn="ctr" rotWithShape="0">
                       <a:schemeClr val="bg2">
@@ -1444,7 +1443,7 @@
             <a:effectLst/>
             <a:extLst>
               <a:ext uri="{91240B29-F687-4f45-9708-019B960494DF}">
-                <a14:hiddenLine xmlns:a14="http://schemas.microsoft.com/office/drawing/2010/main" xmlns="" w="9525">
+                <a14:hiddenLine xmlns="" xmlns:a14="http://schemas.microsoft.com/office/drawing/2010/main" w="9525">
                   <a:solidFill>
                     <a:schemeClr val="tx1"/>
                   </a:solidFill>
@@ -1454,7 +1453,7 @@
                 </a14:hiddenLine>
               </a:ext>
               <a:ext uri="{AF507438-7753-43e0-B8FC-AC1667EBCBE1}">
-                <a14:hiddenEffects xmlns:a14="http://schemas.microsoft.com/office/drawing/2010/main" xmlns="">
+                <a14:hiddenEffects xmlns="" xmlns:a14="http://schemas.microsoft.com/office/drawing/2010/main">
                   <a:effectLst>
                     <a:outerShdw blurRad="63500" dist="38099" dir="2700000" algn="ctr" rotWithShape="0">
                       <a:schemeClr val="bg2">
@@ -1499,7 +1498,7 @@
             <a:effectLst/>
             <a:extLst>
               <a:ext uri="{91240B29-F687-4f45-9708-019B960494DF}">
-                <a14:hiddenLine xmlns:a14="http://schemas.microsoft.com/office/drawing/2010/main" xmlns="" w="9525">
+                <a14:hiddenLine xmlns="" xmlns:a14="http://schemas.microsoft.com/office/drawing/2010/main" w="9525">
                   <a:solidFill>
                     <a:schemeClr val="tx1"/>
                   </a:solidFill>
@@ -1509,7 +1508,7 @@
                 </a14:hiddenLine>
               </a:ext>
               <a:ext uri="{AF507438-7753-43e0-B8FC-AC1667EBCBE1}">
-                <a14:hiddenEffects xmlns:a14="http://schemas.microsoft.com/office/drawing/2010/main" xmlns="">
+                <a14:hiddenEffects xmlns="" xmlns:a14="http://schemas.microsoft.com/office/drawing/2010/main">
                   <a:effectLst>
                     <a:outerShdw blurRad="63500" dist="38099" dir="2700000" algn="ctr" rotWithShape="0">
                       <a:schemeClr val="bg2">
@@ -1554,7 +1553,7 @@
             <a:effectLst/>
             <a:extLst>
               <a:ext uri="{91240B29-F687-4f45-9708-019B960494DF}">
-                <a14:hiddenLine xmlns:a14="http://schemas.microsoft.com/office/drawing/2010/main" xmlns="" w="9525">
+                <a14:hiddenLine xmlns="" xmlns:a14="http://schemas.microsoft.com/office/drawing/2010/main" w="9525">
                   <a:solidFill>
                     <a:schemeClr val="tx1"/>
                   </a:solidFill>
@@ -1564,7 +1563,7 @@
                 </a14:hiddenLine>
               </a:ext>
               <a:ext uri="{AF507438-7753-43e0-B8FC-AC1667EBCBE1}">
-                <a14:hiddenEffects xmlns:a14="http://schemas.microsoft.com/office/drawing/2010/main" xmlns="">
+                <a14:hiddenEffects xmlns="" xmlns:a14="http://schemas.microsoft.com/office/drawing/2010/main">
                   <a:effectLst>
                     <a:outerShdw blurRad="63500" dist="38099" dir="2700000" algn="ctr" rotWithShape="0">
                       <a:schemeClr val="bg2">
@@ -1609,7 +1608,7 @@
             <a:effectLst/>
             <a:extLst>
               <a:ext uri="{91240B29-F687-4f45-9708-019B960494DF}">
-                <a14:hiddenLine xmlns:a14="http://schemas.microsoft.com/office/drawing/2010/main" xmlns="" w="9525">
+                <a14:hiddenLine xmlns="" xmlns:a14="http://schemas.microsoft.com/office/drawing/2010/main" w="9525">
                   <a:solidFill>
                     <a:schemeClr val="tx1"/>
                   </a:solidFill>
@@ -1619,7 +1618,7 @@
                 </a14:hiddenLine>
               </a:ext>
               <a:ext uri="{AF507438-7753-43e0-B8FC-AC1667EBCBE1}">
-                <a14:hiddenEffects xmlns:a14="http://schemas.microsoft.com/office/drawing/2010/main" xmlns="">
+                <a14:hiddenEffects xmlns="" xmlns:a14="http://schemas.microsoft.com/office/drawing/2010/main">
                   <a:effectLst>
                     <a:outerShdw blurRad="63500" dist="38099" dir="2700000" algn="ctr" rotWithShape="0">
                       <a:schemeClr val="bg2">
@@ -1664,7 +1663,7 @@
             <a:effectLst/>
             <a:extLst>
               <a:ext uri="{91240B29-F687-4f45-9708-019B960494DF}">
-                <a14:hiddenLine xmlns:a14="http://schemas.microsoft.com/office/drawing/2010/main" xmlns="" w="9525">
+                <a14:hiddenLine xmlns="" xmlns:a14="http://schemas.microsoft.com/office/drawing/2010/main" w="9525">
                   <a:solidFill>
                     <a:schemeClr val="tx1"/>
                   </a:solidFill>
@@ -1674,7 +1673,7 @@
                 </a14:hiddenLine>
               </a:ext>
               <a:ext uri="{AF507438-7753-43e0-B8FC-AC1667EBCBE1}">
-                <a14:hiddenEffects xmlns:a14="http://schemas.microsoft.com/office/drawing/2010/main" xmlns="">
+                <a14:hiddenEffects xmlns="" xmlns:a14="http://schemas.microsoft.com/office/drawing/2010/main">
                   <a:effectLst>
                     <a:outerShdw blurRad="63500" dist="38099" dir="2700000" algn="ctr" rotWithShape="0">
                       <a:schemeClr val="bg2">
@@ -1719,7 +1718,7 @@
             <a:effectLst/>
             <a:extLst>
               <a:ext uri="{91240B29-F687-4f45-9708-019B960494DF}">
-                <a14:hiddenLine xmlns:a14="http://schemas.microsoft.com/office/drawing/2010/main" xmlns="" w="9525">
+                <a14:hiddenLine xmlns="" xmlns:a14="http://schemas.microsoft.com/office/drawing/2010/main" w="9525">
                   <a:solidFill>
                     <a:schemeClr val="tx1"/>
                   </a:solidFill>
@@ -1729,7 +1728,7 @@
                 </a14:hiddenLine>
               </a:ext>
               <a:ext uri="{AF507438-7753-43e0-B8FC-AC1667EBCBE1}">
-                <a14:hiddenEffects xmlns:a14="http://schemas.microsoft.com/office/drawing/2010/main" xmlns="">
+                <a14:hiddenEffects xmlns="" xmlns:a14="http://schemas.microsoft.com/office/drawing/2010/main">
                   <a:effectLst>
                     <a:outerShdw blurRad="63500" dist="38099" dir="2700000" algn="ctr" rotWithShape="0">
                       <a:schemeClr val="bg2">
@@ -1774,7 +1773,7 @@
             <a:effectLst/>
             <a:extLst>
               <a:ext uri="{91240B29-F687-4f45-9708-019B960494DF}">
-                <a14:hiddenLine xmlns:a14="http://schemas.microsoft.com/office/drawing/2010/main" xmlns="" w="9525">
+                <a14:hiddenLine xmlns="" xmlns:a14="http://schemas.microsoft.com/office/drawing/2010/main" w="9525">
                   <a:solidFill>
                     <a:schemeClr val="tx1"/>
                   </a:solidFill>
@@ -1784,7 +1783,7 @@
                 </a14:hiddenLine>
               </a:ext>
               <a:ext uri="{AF507438-7753-43e0-B8FC-AC1667EBCBE1}">
-                <a14:hiddenEffects xmlns:a14="http://schemas.microsoft.com/office/drawing/2010/main" xmlns="">
+                <a14:hiddenEffects xmlns="" xmlns:a14="http://schemas.microsoft.com/office/drawing/2010/main">
                   <a:effectLst>
                     <a:outerShdw blurRad="63500" dist="38099" dir="2700000" algn="ctr" rotWithShape="0">
                       <a:schemeClr val="bg2">
@@ -1829,7 +1828,7 @@
             <a:effectLst/>
             <a:extLst>
               <a:ext uri="{91240B29-F687-4f45-9708-019B960494DF}">
-                <a14:hiddenLine xmlns:a14="http://schemas.microsoft.com/office/drawing/2010/main" xmlns="" w="9525">
+                <a14:hiddenLine xmlns="" xmlns:a14="http://schemas.microsoft.com/office/drawing/2010/main" w="9525">
                   <a:solidFill>
                     <a:schemeClr val="tx1"/>
                   </a:solidFill>
@@ -1839,7 +1838,7 @@
                 </a14:hiddenLine>
               </a:ext>
               <a:ext uri="{AF507438-7753-43e0-B8FC-AC1667EBCBE1}">
-                <a14:hiddenEffects xmlns:a14="http://schemas.microsoft.com/office/drawing/2010/main" xmlns="">
+                <a14:hiddenEffects xmlns="" xmlns:a14="http://schemas.microsoft.com/office/drawing/2010/main">
                   <a:effectLst>
                     <a:outerShdw blurRad="63500" dist="38099" dir="2700000" algn="ctr" rotWithShape="0">
                       <a:schemeClr val="bg2">
@@ -1884,7 +1883,7 @@
             <a:effectLst/>
             <a:extLst>
               <a:ext uri="{91240B29-F687-4f45-9708-019B960494DF}">
-                <a14:hiddenLine xmlns:a14="http://schemas.microsoft.com/office/drawing/2010/main" xmlns="" w="9525">
+                <a14:hiddenLine xmlns="" xmlns:a14="http://schemas.microsoft.com/office/drawing/2010/main" w="9525">
                   <a:solidFill>
                     <a:schemeClr val="tx1"/>
                   </a:solidFill>
@@ -1894,7 +1893,7 @@
                 </a14:hiddenLine>
               </a:ext>
               <a:ext uri="{AF507438-7753-43e0-B8FC-AC1667EBCBE1}">
-                <a14:hiddenEffects xmlns:a14="http://schemas.microsoft.com/office/drawing/2010/main" xmlns="">
+                <a14:hiddenEffects xmlns="" xmlns:a14="http://schemas.microsoft.com/office/drawing/2010/main">
                   <a:effectLst>
                     <a:outerShdw blurRad="63500" dist="38099" dir="2700000" algn="ctr" rotWithShape="0">
                       <a:schemeClr val="bg2">
@@ -1939,7 +1938,7 @@
             <a:effectLst/>
             <a:extLst>
               <a:ext uri="{91240B29-F687-4f45-9708-019B960494DF}">
-                <a14:hiddenLine xmlns:a14="http://schemas.microsoft.com/office/drawing/2010/main" xmlns="" w="9525">
+                <a14:hiddenLine xmlns="" xmlns:a14="http://schemas.microsoft.com/office/drawing/2010/main" w="9525">
                   <a:solidFill>
                     <a:schemeClr val="tx1"/>
                   </a:solidFill>
@@ -1949,7 +1948,7 @@
                 </a14:hiddenLine>
               </a:ext>
               <a:ext uri="{AF507438-7753-43e0-B8FC-AC1667EBCBE1}">
-                <a14:hiddenEffects xmlns:a14="http://schemas.microsoft.com/office/drawing/2010/main" xmlns="">
+                <a14:hiddenEffects xmlns="" xmlns:a14="http://schemas.microsoft.com/office/drawing/2010/main">
                   <a:effectLst>
                     <a:outerShdw blurRad="63500" dist="38099" dir="2700000" algn="ctr" rotWithShape="0">
                       <a:schemeClr val="bg2">
@@ -1994,7 +1993,7 @@
             <a:effectLst/>
             <a:extLst>
               <a:ext uri="{91240B29-F687-4f45-9708-019B960494DF}">
-                <a14:hiddenLine xmlns:a14="http://schemas.microsoft.com/office/drawing/2010/main" xmlns="" w="9525">
+                <a14:hiddenLine xmlns="" xmlns:a14="http://schemas.microsoft.com/office/drawing/2010/main" w="9525">
                   <a:solidFill>
                     <a:schemeClr val="tx1"/>
                   </a:solidFill>
@@ -2004,7 +2003,7 @@
                 </a14:hiddenLine>
               </a:ext>
               <a:ext uri="{AF507438-7753-43e0-B8FC-AC1667EBCBE1}">
-                <a14:hiddenEffects xmlns:a14="http://schemas.microsoft.com/office/drawing/2010/main" xmlns="">
+                <a14:hiddenEffects xmlns="" xmlns:a14="http://schemas.microsoft.com/office/drawing/2010/main">
                   <a:effectLst>
                     <a:outerShdw blurRad="63500" dist="38099" dir="2700000" algn="ctr" rotWithShape="0">
                       <a:schemeClr val="bg2">
@@ -2049,7 +2048,7 @@
             <a:effectLst/>
             <a:extLst>
               <a:ext uri="{91240B29-F687-4f45-9708-019B960494DF}">
-                <a14:hiddenLine xmlns:a14="http://schemas.microsoft.com/office/drawing/2010/main" xmlns="" w="9525">
+                <a14:hiddenLine xmlns="" xmlns:a14="http://schemas.microsoft.com/office/drawing/2010/main" w="9525">
                   <a:solidFill>
                     <a:schemeClr val="tx1"/>
                   </a:solidFill>
@@ -2059,7 +2058,7 @@
                 </a14:hiddenLine>
               </a:ext>
               <a:ext uri="{AF507438-7753-43e0-B8FC-AC1667EBCBE1}">
-                <a14:hiddenEffects xmlns:a14="http://schemas.microsoft.com/office/drawing/2010/main" xmlns="">
+                <a14:hiddenEffects xmlns="" xmlns:a14="http://schemas.microsoft.com/office/drawing/2010/main">
                   <a:effectLst>
                     <a:outerShdw blurRad="63500" dist="38099" dir="2700000" algn="ctr" rotWithShape="0">
                       <a:schemeClr val="bg2">
@@ -2104,7 +2103,7 @@
             <a:effectLst/>
             <a:extLst>
               <a:ext uri="{91240B29-F687-4f45-9708-019B960494DF}">
-                <a14:hiddenLine xmlns:a14="http://schemas.microsoft.com/office/drawing/2010/main" xmlns="" w="9525">
+                <a14:hiddenLine xmlns="" xmlns:a14="http://schemas.microsoft.com/office/drawing/2010/main" w="9525">
                   <a:solidFill>
                     <a:schemeClr val="tx1"/>
                   </a:solidFill>
@@ -2114,7 +2113,7 @@
                 </a14:hiddenLine>
               </a:ext>
               <a:ext uri="{AF507438-7753-43e0-B8FC-AC1667EBCBE1}">
-                <a14:hiddenEffects xmlns:a14="http://schemas.microsoft.com/office/drawing/2010/main" xmlns="">
+                <a14:hiddenEffects xmlns="" xmlns:a14="http://schemas.microsoft.com/office/drawing/2010/main">
                   <a:effectLst>
                     <a:outerShdw blurRad="63500" dist="38099" dir="2700000" algn="ctr" rotWithShape="0">
                       <a:schemeClr val="bg2">
@@ -2159,7 +2158,7 @@
             <a:effectLst/>
             <a:extLst>
               <a:ext uri="{91240B29-F687-4f45-9708-019B960494DF}">
-                <a14:hiddenLine xmlns:a14="http://schemas.microsoft.com/office/drawing/2010/main" xmlns="" w="9525">
+                <a14:hiddenLine xmlns="" xmlns:a14="http://schemas.microsoft.com/office/drawing/2010/main" w="9525">
                   <a:solidFill>
                     <a:schemeClr val="tx1"/>
                   </a:solidFill>
@@ -2169,7 +2168,7 @@
                 </a14:hiddenLine>
               </a:ext>
               <a:ext uri="{AF507438-7753-43e0-B8FC-AC1667EBCBE1}">
-                <a14:hiddenEffects xmlns:a14="http://schemas.microsoft.com/office/drawing/2010/main" xmlns="">
+                <a14:hiddenEffects xmlns="" xmlns:a14="http://schemas.microsoft.com/office/drawing/2010/main">
                   <a:effectLst>
                     <a:outerShdw blurRad="63500" dist="38099" dir="2700000" algn="ctr" rotWithShape="0">
                       <a:schemeClr val="bg2">
@@ -2214,7 +2213,7 @@
             <a:effectLst/>
             <a:extLst>
               <a:ext uri="{91240B29-F687-4f45-9708-019B960494DF}">
-                <a14:hiddenLine xmlns:a14="http://schemas.microsoft.com/office/drawing/2010/main" xmlns="" w="9525">
+                <a14:hiddenLine xmlns="" xmlns:a14="http://schemas.microsoft.com/office/drawing/2010/main" w="9525">
                   <a:solidFill>
                     <a:schemeClr val="tx1"/>
                   </a:solidFill>
@@ -2224,7 +2223,7 @@
                 </a14:hiddenLine>
               </a:ext>
               <a:ext uri="{AF507438-7753-43e0-B8FC-AC1667EBCBE1}">
-                <a14:hiddenEffects xmlns:a14="http://schemas.microsoft.com/office/drawing/2010/main" xmlns="">
+                <a14:hiddenEffects xmlns="" xmlns:a14="http://schemas.microsoft.com/office/drawing/2010/main">
                   <a:effectLst>
                     <a:outerShdw blurRad="63500" dist="38099" dir="2700000" algn="ctr" rotWithShape="0">
                       <a:schemeClr val="bg2">
@@ -2269,7 +2268,7 @@
             <a:effectLst/>
             <a:extLst>
               <a:ext uri="{91240B29-F687-4f45-9708-019B960494DF}">
-                <a14:hiddenLine xmlns:a14="http://schemas.microsoft.com/office/drawing/2010/main" xmlns="" w="9525">
+                <a14:hiddenLine xmlns="" xmlns:a14="http://schemas.microsoft.com/office/drawing/2010/main" w="9525">
                   <a:solidFill>
                     <a:schemeClr val="tx1"/>
                   </a:solidFill>
@@ -2279,7 +2278,7 @@
                 </a14:hiddenLine>
               </a:ext>
               <a:ext uri="{AF507438-7753-43e0-B8FC-AC1667EBCBE1}">
-                <a14:hiddenEffects xmlns:a14="http://schemas.microsoft.com/office/drawing/2010/main" xmlns="">
+                <a14:hiddenEffects xmlns="" xmlns:a14="http://schemas.microsoft.com/office/drawing/2010/main">
                   <a:effectLst>
                     <a:outerShdw blurRad="63500" dist="38099" dir="2700000" algn="ctr" rotWithShape="0">
                       <a:schemeClr val="bg2">
@@ -2324,7 +2323,7 @@
             <a:effectLst/>
             <a:extLst>
               <a:ext uri="{91240B29-F687-4f45-9708-019B960494DF}">
-                <a14:hiddenLine xmlns:a14="http://schemas.microsoft.com/office/drawing/2010/main" xmlns="" w="9525">
+                <a14:hiddenLine xmlns="" xmlns:a14="http://schemas.microsoft.com/office/drawing/2010/main" w="9525">
                   <a:solidFill>
                     <a:schemeClr val="tx1"/>
                   </a:solidFill>
@@ -2334,7 +2333,7 @@
                 </a14:hiddenLine>
               </a:ext>
               <a:ext uri="{AF507438-7753-43e0-B8FC-AC1667EBCBE1}">
-                <a14:hiddenEffects xmlns:a14="http://schemas.microsoft.com/office/drawing/2010/main" xmlns="">
+                <a14:hiddenEffects xmlns="" xmlns:a14="http://schemas.microsoft.com/office/drawing/2010/main">
                   <a:effectLst>
                     <a:outerShdw blurRad="63500" dist="38099" dir="2700000" algn="ctr" rotWithShape="0">
                       <a:schemeClr val="bg2">
@@ -2379,7 +2378,7 @@
             <a:effectLst/>
             <a:extLst>
               <a:ext uri="{91240B29-F687-4f45-9708-019B960494DF}">
-                <a14:hiddenLine xmlns:a14="http://schemas.microsoft.com/office/drawing/2010/main" xmlns="" w="9525">
+                <a14:hiddenLine xmlns="" xmlns:a14="http://schemas.microsoft.com/office/drawing/2010/main" w="9525">
                   <a:solidFill>
                     <a:schemeClr val="tx1"/>
                   </a:solidFill>
@@ -2389,7 +2388,7 @@
                 </a14:hiddenLine>
               </a:ext>
               <a:ext uri="{AF507438-7753-43e0-B8FC-AC1667EBCBE1}">
-                <a14:hiddenEffects xmlns:a14="http://schemas.microsoft.com/office/drawing/2010/main" xmlns="">
+                <a14:hiddenEffects xmlns="" xmlns:a14="http://schemas.microsoft.com/office/drawing/2010/main">
                   <a:effectLst>
                     <a:outerShdw blurRad="63500" dist="38099" dir="2700000" algn="ctr" rotWithShape="0">
                       <a:schemeClr val="bg2">
@@ -2434,7 +2433,7 @@
             <a:effectLst/>
             <a:extLst>
               <a:ext uri="{91240B29-F687-4f45-9708-019B960494DF}">
-                <a14:hiddenLine xmlns:a14="http://schemas.microsoft.com/office/drawing/2010/main" xmlns="" w="9525">
+                <a14:hiddenLine xmlns="" xmlns:a14="http://schemas.microsoft.com/office/drawing/2010/main" w="9525">
                   <a:solidFill>
                     <a:schemeClr val="tx1"/>
                   </a:solidFill>
@@ -2444,7 +2443,7 @@
                 </a14:hiddenLine>
               </a:ext>
               <a:ext uri="{AF507438-7753-43e0-B8FC-AC1667EBCBE1}">
-                <a14:hiddenEffects xmlns:a14="http://schemas.microsoft.com/office/drawing/2010/main" xmlns="">
+                <a14:hiddenEffects xmlns="" xmlns:a14="http://schemas.microsoft.com/office/drawing/2010/main">
                   <a:effectLst>
                     <a:outerShdw blurRad="63500" dist="38099" dir="2700000" algn="ctr" rotWithShape="0">
                       <a:schemeClr val="bg2">
@@ -2489,7 +2488,7 @@
             <a:effectLst/>
             <a:extLst>
               <a:ext uri="{91240B29-F687-4f45-9708-019B960494DF}">
-                <a14:hiddenLine xmlns:a14="http://schemas.microsoft.com/office/drawing/2010/main" xmlns="" w="9525">
+                <a14:hiddenLine xmlns="" xmlns:a14="http://schemas.microsoft.com/office/drawing/2010/main" w="9525">
                   <a:solidFill>
                     <a:schemeClr val="tx1"/>
                   </a:solidFill>
@@ -2499,7 +2498,7 @@
                 </a14:hiddenLine>
               </a:ext>
               <a:ext uri="{AF507438-7753-43e0-B8FC-AC1667EBCBE1}">
-                <a14:hiddenEffects xmlns:a14="http://schemas.microsoft.com/office/drawing/2010/main" xmlns="">
+                <a14:hiddenEffects xmlns="" xmlns:a14="http://schemas.microsoft.com/office/drawing/2010/main">
                   <a:effectLst>
                     <a:outerShdw blurRad="63500" dist="38099" dir="2700000" algn="ctr" rotWithShape="0">
                       <a:schemeClr val="bg2">
@@ -2544,7 +2543,7 @@
             <a:effectLst/>
             <a:extLst>
               <a:ext uri="{91240B29-F687-4f45-9708-019B960494DF}">
-                <a14:hiddenLine xmlns:a14="http://schemas.microsoft.com/office/drawing/2010/main" xmlns="" w="9525">
+                <a14:hiddenLine xmlns="" xmlns:a14="http://schemas.microsoft.com/office/drawing/2010/main" w="9525">
                   <a:solidFill>
                     <a:schemeClr val="tx1"/>
                   </a:solidFill>
@@ -2554,7 +2553,7 @@
                 </a14:hiddenLine>
               </a:ext>
               <a:ext uri="{AF507438-7753-43e0-B8FC-AC1667EBCBE1}">
-                <a14:hiddenEffects xmlns:a14="http://schemas.microsoft.com/office/drawing/2010/main" xmlns="">
+                <a14:hiddenEffects xmlns="" xmlns:a14="http://schemas.microsoft.com/office/drawing/2010/main">
                   <a:effectLst>
                     <a:outerShdw blurRad="63500" dist="38099" dir="2700000" algn="ctr" rotWithShape="0">
                       <a:schemeClr val="bg2">
@@ -2599,7 +2598,7 @@
             <a:effectLst/>
             <a:extLst>
               <a:ext uri="{91240B29-F687-4f45-9708-019B960494DF}">
-                <a14:hiddenLine xmlns:a14="http://schemas.microsoft.com/office/drawing/2010/main" xmlns="" w="9525">
+                <a14:hiddenLine xmlns="" xmlns:a14="http://schemas.microsoft.com/office/drawing/2010/main" w="9525">
                   <a:solidFill>
                     <a:schemeClr val="tx1"/>
                   </a:solidFill>
@@ -2609,7 +2608,7 @@
                 </a14:hiddenLine>
               </a:ext>
               <a:ext uri="{AF507438-7753-43e0-B8FC-AC1667EBCBE1}">
-                <a14:hiddenEffects xmlns:a14="http://schemas.microsoft.com/office/drawing/2010/main" xmlns="">
+                <a14:hiddenEffects xmlns="" xmlns:a14="http://schemas.microsoft.com/office/drawing/2010/main">
                   <a:effectLst>
                     <a:outerShdw blurRad="63500" dist="38099" dir="2700000" algn="ctr" rotWithShape="0">
                       <a:schemeClr val="bg2">
@@ -2654,7 +2653,7 @@
             <a:effectLst/>
             <a:extLst>
               <a:ext uri="{91240B29-F687-4f45-9708-019B960494DF}">
-                <a14:hiddenLine xmlns:a14="http://schemas.microsoft.com/office/drawing/2010/main" xmlns="" w="9525">
+                <a14:hiddenLine xmlns="" xmlns:a14="http://schemas.microsoft.com/office/drawing/2010/main" w="9525">
                   <a:solidFill>
                     <a:schemeClr val="tx1"/>
                   </a:solidFill>
@@ -2664,7 +2663,7 @@
                 </a14:hiddenLine>
               </a:ext>
               <a:ext uri="{AF507438-7753-43e0-B8FC-AC1667EBCBE1}">
-                <a14:hiddenEffects xmlns:a14="http://schemas.microsoft.com/office/drawing/2010/main" xmlns="">
+                <a14:hiddenEffects xmlns="" xmlns:a14="http://schemas.microsoft.com/office/drawing/2010/main">
                   <a:effectLst>
                     <a:outerShdw blurRad="63500" dist="38099" dir="2700000" algn="ctr" rotWithShape="0">
                       <a:schemeClr val="bg2">
@@ -2709,7 +2708,7 @@
             <a:effectLst/>
             <a:extLst>
               <a:ext uri="{91240B29-F687-4f45-9708-019B960494DF}">
-                <a14:hiddenLine xmlns:a14="http://schemas.microsoft.com/office/drawing/2010/main" xmlns="" w="9525">
+                <a14:hiddenLine xmlns="" xmlns:a14="http://schemas.microsoft.com/office/drawing/2010/main" w="9525">
                   <a:solidFill>
                     <a:schemeClr val="tx1"/>
                   </a:solidFill>
@@ -2719,7 +2718,7 @@
                 </a14:hiddenLine>
               </a:ext>
               <a:ext uri="{AF507438-7753-43e0-B8FC-AC1667EBCBE1}">
-                <a14:hiddenEffects xmlns:a14="http://schemas.microsoft.com/office/drawing/2010/main" xmlns="">
+                <a14:hiddenEffects xmlns="" xmlns:a14="http://schemas.microsoft.com/office/drawing/2010/main">
                   <a:effectLst>
                     <a:outerShdw blurRad="63500" dist="38099" dir="2700000" algn="ctr" rotWithShape="0">
                       <a:schemeClr val="bg2">
@@ -2768,12 +2767,12 @@
           <a:effectLst/>
           <a:extLst>
             <a:ext uri="{909E8E84-426E-40dd-AFC4-6F175D3DCCD1}">
-              <a14:hiddenFill xmlns:a14="http://schemas.microsoft.com/office/drawing/2010/main" xmlns="">
+              <a14:hiddenFill xmlns="" xmlns:a14="http://schemas.microsoft.com/office/drawing/2010/main">
                 <a:noFill/>
               </a14:hiddenFill>
             </a:ext>
             <a:ext uri="{AF507438-7753-43e0-B8FC-AC1667EBCBE1}">
-              <a14:hiddenEffects xmlns:a14="http://schemas.microsoft.com/office/drawing/2010/main" xmlns="">
+              <a14:hiddenEffects xmlns="" xmlns:a14="http://schemas.microsoft.com/office/drawing/2010/main">
                 <a:effectLst>
                   <a:outerShdw blurRad="63500" dist="38099" dir="2700000" algn="ctr" rotWithShape="0">
                     <a:schemeClr val="bg2">
@@ -5097,12 +5096,12 @@
           <a:effectLst/>
           <a:extLst>
             <a:ext uri="{909E8E84-426E-40dd-AFC4-6F175D3DCCD1}">
-              <a14:hiddenFill xmlns:a14="http://schemas.microsoft.com/office/drawing/2010/main" xmlns="">
+              <a14:hiddenFill xmlns="" xmlns:a14="http://schemas.microsoft.com/office/drawing/2010/main">
                 <a:noFill/>
               </a14:hiddenFill>
             </a:ext>
             <a:ext uri="{AF507438-7753-43e0-B8FC-AC1667EBCBE1}">
-              <a14:hiddenEffects xmlns:a14="http://schemas.microsoft.com/office/drawing/2010/main" xmlns="">
+              <a14:hiddenEffects xmlns="" xmlns:a14="http://schemas.microsoft.com/office/drawing/2010/main">
                 <a:effectLst>
                   <a:outerShdw blurRad="63500" dist="38099" dir="2700000" algn="ctr" rotWithShape="0">
                     <a:schemeClr val="bg2">
@@ -5147,17 +5146,17 @@
           <a:effectLst/>
           <a:extLst>
             <a:ext uri="{FAA26D3D-D897-4be2-8F04-BA451C77F1D7}">
-              <ma14:placeholderFlag xmlns="" xmlns:ma14="http://schemas.microsoft.com/office/mac/drawingml/2011/main" val="1"/>
+              <ma14:placeholderFlag xmlns:ma14="http://schemas.microsoft.com/office/mac/drawingml/2011/main" xmlns="" val="1"/>
             </a:ext>
             <a:ext uri="{909E8E84-426E-40dd-AFC4-6F175D3DCCD1}">
-              <a14:hiddenFill xmlns:a14="http://schemas.microsoft.com/office/drawing/2010/main" xmlns="">
+              <a14:hiddenFill xmlns="" xmlns:a14="http://schemas.microsoft.com/office/drawing/2010/main">
                 <a:solidFill>
                   <a:schemeClr val="accent1"/>
                 </a:solidFill>
               </a14:hiddenFill>
             </a:ext>
             <a:ext uri="{91240B29-F687-4f45-9708-019B960494DF}">
-              <a14:hiddenLine xmlns:a14="http://schemas.microsoft.com/office/drawing/2010/main" xmlns="" w="9525">
+              <a14:hiddenLine xmlns="" xmlns:a14="http://schemas.microsoft.com/office/drawing/2010/main" w="9525">
                 <a:solidFill>
                   <a:schemeClr val="tx1"/>
                 </a:solidFill>
@@ -5167,7 +5166,7 @@
               </a14:hiddenLine>
             </a:ext>
             <a:ext uri="{AF507438-7753-43e0-B8FC-AC1667EBCBE1}">
-              <a14:hiddenEffects xmlns:a14="http://schemas.microsoft.com/office/drawing/2010/main" xmlns="">
+              <a14:hiddenEffects xmlns="" xmlns:a14="http://schemas.microsoft.com/office/drawing/2010/main">
                 <a:effectLst>
                   <a:outerShdw blurRad="63500" dist="38099" dir="2700000" algn="ctr" rotWithShape="0">
                     <a:schemeClr val="bg2">
@@ -5220,17 +5219,17 @@
           <a:effectLst/>
           <a:extLst>
             <a:ext uri="{FAA26D3D-D897-4be2-8F04-BA451C77F1D7}">
-              <ma14:placeholderFlag xmlns="" xmlns:ma14="http://schemas.microsoft.com/office/mac/drawingml/2011/main" val="1"/>
+              <ma14:placeholderFlag xmlns:ma14="http://schemas.microsoft.com/office/mac/drawingml/2011/main" xmlns="" val="1"/>
             </a:ext>
             <a:ext uri="{909E8E84-426E-40dd-AFC4-6F175D3DCCD1}">
-              <a14:hiddenFill xmlns:a14="http://schemas.microsoft.com/office/drawing/2010/main" xmlns="">
+              <a14:hiddenFill xmlns="" xmlns:a14="http://schemas.microsoft.com/office/drawing/2010/main">
                 <a:solidFill>
                   <a:schemeClr val="accent1"/>
                 </a:solidFill>
               </a14:hiddenFill>
             </a:ext>
             <a:ext uri="{91240B29-F687-4f45-9708-019B960494DF}">
-              <a14:hiddenLine xmlns:a14="http://schemas.microsoft.com/office/drawing/2010/main" xmlns="" w="9525">
+              <a14:hiddenLine xmlns="" xmlns:a14="http://schemas.microsoft.com/office/drawing/2010/main" w="9525">
                 <a:solidFill>
                   <a:schemeClr val="tx1"/>
                 </a:solidFill>
@@ -5240,7 +5239,7 @@
               </a14:hiddenLine>
             </a:ext>
             <a:ext uri="{AF507438-7753-43e0-B8FC-AC1667EBCBE1}">
-              <a14:hiddenEffects xmlns:a14="http://schemas.microsoft.com/office/drawing/2010/main" xmlns="">
+              <a14:hiddenEffects xmlns="" xmlns:a14="http://schemas.microsoft.com/office/drawing/2010/main">
                 <a:effectLst>
                   <a:outerShdw blurRad="63500" dist="38099" dir="2700000" algn="ctr" rotWithShape="0">
                     <a:schemeClr val="bg2">
@@ -5321,17 +5320,17 @@
           <a:effectLst/>
           <a:extLst>
             <a:ext uri="{FAA26D3D-D897-4be2-8F04-BA451C77F1D7}">
-              <ma14:placeholderFlag xmlns="" xmlns:ma14="http://schemas.microsoft.com/office/mac/drawingml/2011/main" val="1"/>
+              <ma14:placeholderFlag xmlns:ma14="http://schemas.microsoft.com/office/mac/drawingml/2011/main" xmlns="" val="1"/>
             </a:ext>
             <a:ext uri="{909E8E84-426E-40dd-AFC4-6F175D3DCCD1}">
-              <a14:hiddenFill xmlns:a14="http://schemas.microsoft.com/office/drawing/2010/main" xmlns="">
+              <a14:hiddenFill xmlns="" xmlns:a14="http://schemas.microsoft.com/office/drawing/2010/main">
                 <a:solidFill>
                   <a:schemeClr val="accent1"/>
                 </a:solidFill>
               </a14:hiddenFill>
             </a:ext>
             <a:ext uri="{91240B29-F687-4f45-9708-019B960494DF}">
-              <a14:hiddenLine xmlns:a14="http://schemas.microsoft.com/office/drawing/2010/main" xmlns="" w="9525">
+              <a14:hiddenLine xmlns="" xmlns:a14="http://schemas.microsoft.com/office/drawing/2010/main" w="9525">
                 <a:solidFill>
                   <a:schemeClr val="tx1"/>
                 </a:solidFill>
@@ -5341,7 +5340,7 @@
               </a14:hiddenLine>
             </a:ext>
             <a:ext uri="{AF507438-7753-43e0-B8FC-AC1667EBCBE1}">
-              <a14:hiddenEffects xmlns:a14="http://schemas.microsoft.com/office/drawing/2010/main" xmlns="">
+              <a14:hiddenEffects xmlns="" xmlns:a14="http://schemas.microsoft.com/office/drawing/2010/main">
                 <a:effectLst>
                   <a:outerShdw blurRad="63500" dist="38099" dir="2700000" algn="ctr" rotWithShape="0">
                     <a:schemeClr val="bg2">
@@ -5394,17 +5393,17 @@
           <a:effectLst/>
           <a:extLst>
             <a:ext uri="{FAA26D3D-D897-4be2-8F04-BA451C77F1D7}">
-              <ma14:placeholderFlag xmlns="" xmlns:ma14="http://schemas.microsoft.com/office/mac/drawingml/2011/main" val="1"/>
+              <ma14:placeholderFlag xmlns:ma14="http://schemas.microsoft.com/office/mac/drawingml/2011/main" xmlns="" val="1"/>
             </a:ext>
             <a:ext uri="{909E8E84-426E-40dd-AFC4-6F175D3DCCD1}">
-              <a14:hiddenFill xmlns:a14="http://schemas.microsoft.com/office/drawing/2010/main" xmlns="">
+              <a14:hiddenFill xmlns="" xmlns:a14="http://schemas.microsoft.com/office/drawing/2010/main">
                 <a:solidFill>
                   <a:schemeClr val="accent1"/>
                 </a:solidFill>
               </a14:hiddenFill>
             </a:ext>
             <a:ext uri="{91240B29-F687-4f45-9708-019B960494DF}">
-              <a14:hiddenLine xmlns:a14="http://schemas.microsoft.com/office/drawing/2010/main" xmlns="" w="9525">
+              <a14:hiddenLine xmlns="" xmlns:a14="http://schemas.microsoft.com/office/drawing/2010/main" w="9525">
                 <a:solidFill>
                   <a:schemeClr val="tx1"/>
                 </a:solidFill>
@@ -5414,7 +5413,7 @@
               </a14:hiddenLine>
             </a:ext>
             <a:ext uri="{AF507438-7753-43e0-B8FC-AC1667EBCBE1}">
-              <a14:hiddenEffects xmlns:a14="http://schemas.microsoft.com/office/drawing/2010/main" xmlns="">
+              <a14:hiddenEffects xmlns="" xmlns:a14="http://schemas.microsoft.com/office/drawing/2010/main">
                 <a:effectLst>
                   <a:outerShdw blurRad="63500" dist="38099" dir="2700000" algn="ctr" rotWithShape="0">
                     <a:schemeClr val="bg2">
@@ -5467,17 +5466,17 @@
           <a:effectLst/>
           <a:extLst>
             <a:ext uri="{FAA26D3D-D897-4be2-8F04-BA451C77F1D7}">
-              <ma14:placeholderFlag xmlns="" xmlns:ma14="http://schemas.microsoft.com/office/mac/drawingml/2011/main" val="1"/>
+              <ma14:placeholderFlag xmlns:ma14="http://schemas.microsoft.com/office/mac/drawingml/2011/main" xmlns="" val="1"/>
             </a:ext>
             <a:ext uri="{909E8E84-426E-40dd-AFC4-6F175D3DCCD1}">
-              <a14:hiddenFill xmlns:a14="http://schemas.microsoft.com/office/drawing/2010/main" xmlns="">
+              <a14:hiddenFill xmlns="" xmlns:a14="http://schemas.microsoft.com/office/drawing/2010/main">
                 <a:solidFill>
                   <a:schemeClr val="accent1"/>
                 </a:solidFill>
               </a14:hiddenFill>
             </a:ext>
             <a:ext uri="{91240B29-F687-4f45-9708-019B960494DF}">
-              <a14:hiddenLine xmlns:a14="http://schemas.microsoft.com/office/drawing/2010/main" xmlns="" w="9525">
+              <a14:hiddenLine xmlns="" xmlns:a14="http://schemas.microsoft.com/office/drawing/2010/main" w="9525">
                 <a:solidFill>
                   <a:schemeClr val="tx1"/>
                 </a:solidFill>
@@ -5487,7 +5486,7 @@
               </a14:hiddenLine>
             </a:ext>
             <a:ext uri="{AF507438-7753-43e0-B8FC-AC1667EBCBE1}">
-              <a14:hiddenEffects xmlns:a14="http://schemas.microsoft.com/office/drawing/2010/main" xmlns="">
+              <a14:hiddenEffects xmlns="" xmlns:a14="http://schemas.microsoft.com/office/drawing/2010/main">
                 <a:effectLst>
                   <a:outerShdw blurRad="63500" dist="38099" dir="2700000" algn="ctr" rotWithShape="0">
                     <a:schemeClr val="bg2">
@@ -5561,7 +5560,7 @@
             <a:effectLst/>
             <a:extLst>
               <a:ext uri="{91240B29-F687-4f45-9708-019B960494DF}">
-                <a14:hiddenLine xmlns:a14="http://schemas.microsoft.com/office/drawing/2010/main" xmlns="" w="9525">
+                <a14:hiddenLine xmlns="" xmlns:a14="http://schemas.microsoft.com/office/drawing/2010/main" w="9525">
                   <a:solidFill>
                     <a:schemeClr val="tx1"/>
                   </a:solidFill>
@@ -5571,7 +5570,7 @@
                 </a14:hiddenLine>
               </a:ext>
               <a:ext uri="{AF507438-7753-43e0-B8FC-AC1667EBCBE1}">
-                <a14:hiddenEffects xmlns:a14="http://schemas.microsoft.com/office/drawing/2010/main" xmlns="">
+                <a14:hiddenEffects xmlns="" xmlns:a14="http://schemas.microsoft.com/office/drawing/2010/main">
                   <a:effectLst>
                     <a:outerShdw blurRad="63500" dist="38099" dir="2700000" algn="ctr" rotWithShape="0">
                       <a:schemeClr val="bg2">
@@ -5616,7 +5615,7 @@
             <a:effectLst/>
             <a:extLst>
               <a:ext uri="{91240B29-F687-4f45-9708-019B960494DF}">
-                <a14:hiddenLine xmlns:a14="http://schemas.microsoft.com/office/drawing/2010/main" xmlns="" w="9525">
+                <a14:hiddenLine xmlns="" xmlns:a14="http://schemas.microsoft.com/office/drawing/2010/main" w="9525">
                   <a:solidFill>
                     <a:schemeClr val="tx1"/>
                   </a:solidFill>
@@ -5626,7 +5625,7 @@
                 </a14:hiddenLine>
               </a:ext>
               <a:ext uri="{AF507438-7753-43e0-B8FC-AC1667EBCBE1}">
-                <a14:hiddenEffects xmlns:a14="http://schemas.microsoft.com/office/drawing/2010/main" xmlns="">
+                <a14:hiddenEffects xmlns="" xmlns:a14="http://schemas.microsoft.com/office/drawing/2010/main">
                   <a:effectLst>
                     <a:outerShdw blurRad="63500" dist="38099" dir="2700000" algn="ctr" rotWithShape="0">
                       <a:schemeClr val="bg2">
@@ -5671,7 +5670,7 @@
             <a:effectLst/>
             <a:extLst>
               <a:ext uri="{91240B29-F687-4f45-9708-019B960494DF}">
-                <a14:hiddenLine xmlns:a14="http://schemas.microsoft.com/office/drawing/2010/main" xmlns="" w="9525">
+                <a14:hiddenLine xmlns="" xmlns:a14="http://schemas.microsoft.com/office/drawing/2010/main" w="9525">
                   <a:solidFill>
                     <a:schemeClr val="tx1"/>
                   </a:solidFill>
@@ -5681,7 +5680,7 @@
                 </a14:hiddenLine>
               </a:ext>
               <a:ext uri="{AF507438-7753-43e0-B8FC-AC1667EBCBE1}">
-                <a14:hiddenEffects xmlns:a14="http://schemas.microsoft.com/office/drawing/2010/main" xmlns="">
+                <a14:hiddenEffects xmlns="" xmlns:a14="http://schemas.microsoft.com/office/drawing/2010/main">
                   <a:effectLst>
                     <a:outerShdw blurRad="63500" dist="38099" dir="2700000" algn="ctr" rotWithShape="0">
                       <a:schemeClr val="bg2">
@@ -5726,7 +5725,7 @@
             <a:effectLst/>
             <a:extLst>
               <a:ext uri="{91240B29-F687-4f45-9708-019B960494DF}">
-                <a14:hiddenLine xmlns:a14="http://schemas.microsoft.com/office/drawing/2010/main" xmlns="" w="9525">
+                <a14:hiddenLine xmlns="" xmlns:a14="http://schemas.microsoft.com/office/drawing/2010/main" w="9525">
                   <a:solidFill>
                     <a:schemeClr val="tx1"/>
                   </a:solidFill>
@@ -5736,7 +5735,7 @@
                 </a14:hiddenLine>
               </a:ext>
               <a:ext uri="{AF507438-7753-43e0-B8FC-AC1667EBCBE1}">
-                <a14:hiddenEffects xmlns:a14="http://schemas.microsoft.com/office/drawing/2010/main" xmlns="">
+                <a14:hiddenEffects xmlns="" xmlns:a14="http://schemas.microsoft.com/office/drawing/2010/main">
                   <a:effectLst>
                     <a:outerShdw blurRad="63500" dist="38099" dir="2700000" algn="ctr" rotWithShape="0">
                       <a:schemeClr val="bg2">
@@ -5781,7 +5780,7 @@
             <a:effectLst/>
             <a:extLst>
               <a:ext uri="{91240B29-F687-4f45-9708-019B960494DF}">
-                <a14:hiddenLine xmlns:a14="http://schemas.microsoft.com/office/drawing/2010/main" xmlns="" w="9525">
+                <a14:hiddenLine xmlns="" xmlns:a14="http://schemas.microsoft.com/office/drawing/2010/main" w="9525">
                   <a:solidFill>
                     <a:schemeClr val="tx1"/>
                   </a:solidFill>
@@ -5791,7 +5790,7 @@
                 </a14:hiddenLine>
               </a:ext>
               <a:ext uri="{AF507438-7753-43e0-B8FC-AC1667EBCBE1}">
-                <a14:hiddenEffects xmlns:a14="http://schemas.microsoft.com/office/drawing/2010/main" xmlns="">
+                <a14:hiddenEffects xmlns="" xmlns:a14="http://schemas.microsoft.com/office/drawing/2010/main">
                   <a:effectLst>
                     <a:outerShdw blurRad="63500" dist="38099" dir="2700000" algn="ctr" rotWithShape="0">
                       <a:schemeClr val="bg2">
@@ -5836,7 +5835,7 @@
             <a:effectLst/>
             <a:extLst>
               <a:ext uri="{91240B29-F687-4f45-9708-019B960494DF}">
-                <a14:hiddenLine xmlns:a14="http://schemas.microsoft.com/office/drawing/2010/main" xmlns="" w="9525">
+                <a14:hiddenLine xmlns="" xmlns:a14="http://schemas.microsoft.com/office/drawing/2010/main" w="9525">
                   <a:solidFill>
                     <a:schemeClr val="tx1"/>
                   </a:solidFill>
@@ -5846,7 +5845,7 @@
                 </a14:hiddenLine>
               </a:ext>
               <a:ext uri="{AF507438-7753-43e0-B8FC-AC1667EBCBE1}">
-                <a14:hiddenEffects xmlns:a14="http://schemas.microsoft.com/office/drawing/2010/main" xmlns="">
+                <a14:hiddenEffects xmlns="" xmlns:a14="http://schemas.microsoft.com/office/drawing/2010/main">
                   <a:effectLst>
                     <a:outerShdw blurRad="63500" dist="38099" dir="2700000" algn="ctr" rotWithShape="0">
                       <a:schemeClr val="bg2">
@@ -5891,7 +5890,7 @@
             <a:effectLst/>
             <a:extLst>
               <a:ext uri="{91240B29-F687-4f45-9708-019B960494DF}">
-                <a14:hiddenLine xmlns:a14="http://schemas.microsoft.com/office/drawing/2010/main" xmlns="" w="9525">
+                <a14:hiddenLine xmlns="" xmlns:a14="http://schemas.microsoft.com/office/drawing/2010/main" w="9525">
                   <a:solidFill>
                     <a:schemeClr val="tx1"/>
                   </a:solidFill>
@@ -5901,7 +5900,7 @@
                 </a14:hiddenLine>
               </a:ext>
               <a:ext uri="{AF507438-7753-43e0-B8FC-AC1667EBCBE1}">
-                <a14:hiddenEffects xmlns:a14="http://schemas.microsoft.com/office/drawing/2010/main" xmlns="">
+                <a14:hiddenEffects xmlns="" xmlns:a14="http://schemas.microsoft.com/office/drawing/2010/main">
                   <a:effectLst>
                     <a:outerShdw blurRad="63500" dist="38099" dir="2700000" algn="ctr" rotWithShape="0">
                       <a:schemeClr val="bg2">
@@ -5946,7 +5945,7 @@
             <a:effectLst/>
             <a:extLst>
               <a:ext uri="{91240B29-F687-4f45-9708-019B960494DF}">
-                <a14:hiddenLine xmlns:a14="http://schemas.microsoft.com/office/drawing/2010/main" xmlns="" w="9525">
+                <a14:hiddenLine xmlns="" xmlns:a14="http://schemas.microsoft.com/office/drawing/2010/main" w="9525">
                   <a:solidFill>
                     <a:schemeClr val="tx1"/>
                   </a:solidFill>
@@ -5956,7 +5955,7 @@
                 </a14:hiddenLine>
               </a:ext>
               <a:ext uri="{AF507438-7753-43e0-B8FC-AC1667EBCBE1}">
-                <a14:hiddenEffects xmlns:a14="http://schemas.microsoft.com/office/drawing/2010/main" xmlns="">
+                <a14:hiddenEffects xmlns="" xmlns:a14="http://schemas.microsoft.com/office/drawing/2010/main">
                   <a:effectLst>
                     <a:outerShdw blurRad="63500" dist="38099" dir="2700000" algn="ctr" rotWithShape="0">
                       <a:schemeClr val="bg2">
@@ -6001,7 +6000,7 @@
             <a:effectLst/>
             <a:extLst>
               <a:ext uri="{91240B29-F687-4f45-9708-019B960494DF}">
-                <a14:hiddenLine xmlns:a14="http://schemas.microsoft.com/office/drawing/2010/main" xmlns="" w="9525">
+                <a14:hiddenLine xmlns="" xmlns:a14="http://schemas.microsoft.com/office/drawing/2010/main" w="9525">
                   <a:solidFill>
                     <a:schemeClr val="tx1"/>
                   </a:solidFill>
@@ -6011,7 +6010,7 @@
                 </a14:hiddenLine>
               </a:ext>
               <a:ext uri="{AF507438-7753-43e0-B8FC-AC1667EBCBE1}">
-                <a14:hiddenEffects xmlns:a14="http://schemas.microsoft.com/office/drawing/2010/main" xmlns="">
+                <a14:hiddenEffects xmlns="" xmlns:a14="http://schemas.microsoft.com/office/drawing/2010/main">
                   <a:effectLst>
                     <a:outerShdw blurRad="63500" dist="38099" dir="2700000" algn="ctr" rotWithShape="0">
                       <a:schemeClr val="bg2">
@@ -6056,7 +6055,7 @@
             <a:effectLst/>
             <a:extLst>
               <a:ext uri="{91240B29-F687-4f45-9708-019B960494DF}">
-                <a14:hiddenLine xmlns:a14="http://schemas.microsoft.com/office/drawing/2010/main" xmlns="" w="9525">
+                <a14:hiddenLine xmlns="" xmlns:a14="http://schemas.microsoft.com/office/drawing/2010/main" w="9525">
                   <a:solidFill>
                     <a:schemeClr val="tx1"/>
                   </a:solidFill>
@@ -6066,7 +6065,7 @@
                 </a14:hiddenLine>
               </a:ext>
               <a:ext uri="{AF507438-7753-43e0-B8FC-AC1667EBCBE1}">
-                <a14:hiddenEffects xmlns:a14="http://schemas.microsoft.com/office/drawing/2010/main" xmlns="">
+                <a14:hiddenEffects xmlns="" xmlns:a14="http://schemas.microsoft.com/office/drawing/2010/main">
                   <a:effectLst>
                     <a:outerShdw blurRad="63500" dist="38099" dir="2700000" algn="ctr" rotWithShape="0">
                       <a:schemeClr val="bg2">
@@ -6111,7 +6110,7 @@
             <a:effectLst/>
             <a:extLst>
               <a:ext uri="{91240B29-F687-4f45-9708-019B960494DF}">
-                <a14:hiddenLine xmlns:a14="http://schemas.microsoft.com/office/drawing/2010/main" xmlns="" w="9525">
+                <a14:hiddenLine xmlns="" xmlns:a14="http://schemas.microsoft.com/office/drawing/2010/main" w="9525">
                   <a:solidFill>
                     <a:schemeClr val="tx1"/>
                   </a:solidFill>
@@ -6121,7 +6120,7 @@
                 </a14:hiddenLine>
               </a:ext>
               <a:ext uri="{AF507438-7753-43e0-B8FC-AC1667EBCBE1}">
-                <a14:hiddenEffects xmlns:a14="http://schemas.microsoft.com/office/drawing/2010/main" xmlns="">
+                <a14:hiddenEffects xmlns="" xmlns:a14="http://schemas.microsoft.com/office/drawing/2010/main">
                   <a:effectLst>
                     <a:outerShdw blurRad="63500" dist="38099" dir="2700000" algn="ctr" rotWithShape="0">
                       <a:schemeClr val="bg2">
@@ -6166,7 +6165,7 @@
             <a:effectLst/>
             <a:extLst>
               <a:ext uri="{91240B29-F687-4f45-9708-019B960494DF}">
-                <a14:hiddenLine xmlns:a14="http://schemas.microsoft.com/office/drawing/2010/main" xmlns="" w="9525">
+                <a14:hiddenLine xmlns="" xmlns:a14="http://schemas.microsoft.com/office/drawing/2010/main" w="9525">
                   <a:solidFill>
                     <a:schemeClr val="tx1"/>
                   </a:solidFill>
@@ -6176,7 +6175,7 @@
                 </a14:hiddenLine>
               </a:ext>
               <a:ext uri="{AF507438-7753-43e0-B8FC-AC1667EBCBE1}">
-                <a14:hiddenEffects xmlns:a14="http://schemas.microsoft.com/office/drawing/2010/main" xmlns="">
+                <a14:hiddenEffects xmlns="" xmlns:a14="http://schemas.microsoft.com/office/drawing/2010/main">
                   <a:effectLst>
                     <a:outerShdw blurRad="63500" dist="38099" dir="2700000" algn="ctr" rotWithShape="0">
                       <a:schemeClr val="bg2">
@@ -6221,7 +6220,7 @@
             <a:effectLst/>
             <a:extLst>
               <a:ext uri="{91240B29-F687-4f45-9708-019B960494DF}">
-                <a14:hiddenLine xmlns:a14="http://schemas.microsoft.com/office/drawing/2010/main" xmlns="" w="9525">
+                <a14:hiddenLine xmlns="" xmlns:a14="http://schemas.microsoft.com/office/drawing/2010/main" w="9525">
                   <a:solidFill>
                     <a:schemeClr val="tx1"/>
                   </a:solidFill>
@@ -6231,7 +6230,7 @@
                 </a14:hiddenLine>
               </a:ext>
               <a:ext uri="{AF507438-7753-43e0-B8FC-AC1667EBCBE1}">
-                <a14:hiddenEffects xmlns:a14="http://schemas.microsoft.com/office/drawing/2010/main" xmlns="">
+                <a14:hiddenEffects xmlns="" xmlns:a14="http://schemas.microsoft.com/office/drawing/2010/main">
                   <a:effectLst>
                     <a:outerShdw blurRad="63500" dist="38099" dir="2700000" algn="ctr" rotWithShape="0">
                       <a:schemeClr val="bg2">
@@ -6276,7 +6275,7 @@
             <a:effectLst/>
             <a:extLst>
               <a:ext uri="{91240B29-F687-4f45-9708-019B960494DF}">
-                <a14:hiddenLine xmlns:a14="http://schemas.microsoft.com/office/drawing/2010/main" xmlns="" w="9525">
+                <a14:hiddenLine xmlns="" xmlns:a14="http://schemas.microsoft.com/office/drawing/2010/main" w="9525">
                   <a:solidFill>
                     <a:schemeClr val="tx1"/>
                   </a:solidFill>
@@ -6286,7 +6285,7 @@
                 </a14:hiddenLine>
               </a:ext>
               <a:ext uri="{AF507438-7753-43e0-B8FC-AC1667EBCBE1}">
-                <a14:hiddenEffects xmlns:a14="http://schemas.microsoft.com/office/drawing/2010/main" xmlns="">
+                <a14:hiddenEffects xmlns="" xmlns:a14="http://schemas.microsoft.com/office/drawing/2010/main">
                   <a:effectLst>
                     <a:outerShdw blurRad="63500" dist="38099" dir="2700000" algn="ctr" rotWithShape="0">
                       <a:schemeClr val="bg2">
@@ -6331,7 +6330,7 @@
             <a:effectLst/>
             <a:extLst>
               <a:ext uri="{91240B29-F687-4f45-9708-019B960494DF}">
-                <a14:hiddenLine xmlns:a14="http://schemas.microsoft.com/office/drawing/2010/main" xmlns="" w="9525">
+                <a14:hiddenLine xmlns="" xmlns:a14="http://schemas.microsoft.com/office/drawing/2010/main" w="9525">
                   <a:solidFill>
                     <a:schemeClr val="tx1"/>
                   </a:solidFill>
@@ -6341,7 +6340,7 @@
                 </a14:hiddenLine>
               </a:ext>
               <a:ext uri="{AF507438-7753-43e0-B8FC-AC1667EBCBE1}">
-                <a14:hiddenEffects xmlns:a14="http://schemas.microsoft.com/office/drawing/2010/main" xmlns="">
+                <a14:hiddenEffects xmlns="" xmlns:a14="http://schemas.microsoft.com/office/drawing/2010/main">
                   <a:effectLst>
                     <a:outerShdw blurRad="63500" dist="38099" dir="2700000" algn="ctr" rotWithShape="0">
                       <a:schemeClr val="bg2">
@@ -6386,7 +6385,7 @@
             <a:effectLst/>
             <a:extLst>
               <a:ext uri="{91240B29-F687-4f45-9708-019B960494DF}">
-                <a14:hiddenLine xmlns:a14="http://schemas.microsoft.com/office/drawing/2010/main" xmlns="" w="9525">
+                <a14:hiddenLine xmlns="" xmlns:a14="http://schemas.microsoft.com/office/drawing/2010/main" w="9525">
                   <a:solidFill>
                     <a:schemeClr val="tx1"/>
                   </a:solidFill>
@@ -6396,7 +6395,7 @@
                 </a14:hiddenLine>
               </a:ext>
               <a:ext uri="{AF507438-7753-43e0-B8FC-AC1667EBCBE1}">
-                <a14:hiddenEffects xmlns:a14="http://schemas.microsoft.com/office/drawing/2010/main" xmlns="">
+                <a14:hiddenEffects xmlns="" xmlns:a14="http://schemas.microsoft.com/office/drawing/2010/main">
                   <a:effectLst>
                     <a:outerShdw blurRad="63500" dist="38099" dir="2700000" algn="ctr" rotWithShape="0">
                       <a:schemeClr val="bg2">
@@ -6441,7 +6440,7 @@
             <a:effectLst/>
             <a:extLst>
               <a:ext uri="{91240B29-F687-4f45-9708-019B960494DF}">
-                <a14:hiddenLine xmlns:a14="http://schemas.microsoft.com/office/drawing/2010/main" xmlns="" w="9525">
+                <a14:hiddenLine xmlns="" xmlns:a14="http://schemas.microsoft.com/office/drawing/2010/main" w="9525">
                   <a:solidFill>
                     <a:schemeClr val="tx1"/>
                   </a:solidFill>
@@ -6451,7 +6450,7 @@
                 </a14:hiddenLine>
               </a:ext>
               <a:ext uri="{AF507438-7753-43e0-B8FC-AC1667EBCBE1}">
-                <a14:hiddenEffects xmlns:a14="http://schemas.microsoft.com/office/drawing/2010/main" xmlns="">
+                <a14:hiddenEffects xmlns="" xmlns:a14="http://schemas.microsoft.com/office/drawing/2010/main">
                   <a:effectLst>
                     <a:outerShdw blurRad="63500" dist="38099" dir="2700000" algn="ctr" rotWithShape="0">
                       <a:schemeClr val="bg2">
@@ -6496,7 +6495,7 @@
             <a:effectLst/>
             <a:extLst>
               <a:ext uri="{91240B29-F687-4f45-9708-019B960494DF}">
-                <a14:hiddenLine xmlns:a14="http://schemas.microsoft.com/office/drawing/2010/main" xmlns="" w="9525">
+                <a14:hiddenLine xmlns="" xmlns:a14="http://schemas.microsoft.com/office/drawing/2010/main" w="9525">
                   <a:solidFill>
                     <a:schemeClr val="tx1"/>
                   </a:solidFill>
@@ -6506,7 +6505,7 @@
                 </a14:hiddenLine>
               </a:ext>
               <a:ext uri="{AF507438-7753-43e0-B8FC-AC1667EBCBE1}">
-                <a14:hiddenEffects xmlns:a14="http://schemas.microsoft.com/office/drawing/2010/main" xmlns="">
+                <a14:hiddenEffects xmlns="" xmlns:a14="http://schemas.microsoft.com/office/drawing/2010/main">
                   <a:effectLst>
                     <a:outerShdw blurRad="63500" dist="38099" dir="2700000" algn="ctr" rotWithShape="0">
                       <a:schemeClr val="bg2">
@@ -6551,7 +6550,7 @@
             <a:effectLst/>
             <a:extLst>
               <a:ext uri="{91240B29-F687-4f45-9708-019B960494DF}">
-                <a14:hiddenLine xmlns:a14="http://schemas.microsoft.com/office/drawing/2010/main" xmlns="" w="9525">
+                <a14:hiddenLine xmlns="" xmlns:a14="http://schemas.microsoft.com/office/drawing/2010/main" w="9525">
                   <a:solidFill>
                     <a:schemeClr val="tx1"/>
                   </a:solidFill>
@@ -6561,7 +6560,7 @@
                 </a14:hiddenLine>
               </a:ext>
               <a:ext uri="{AF507438-7753-43e0-B8FC-AC1667EBCBE1}">
-                <a14:hiddenEffects xmlns:a14="http://schemas.microsoft.com/office/drawing/2010/main" xmlns="">
+                <a14:hiddenEffects xmlns="" xmlns:a14="http://schemas.microsoft.com/office/drawing/2010/main">
                   <a:effectLst>
                     <a:outerShdw blurRad="63500" dist="38099" dir="2700000" algn="ctr" rotWithShape="0">
                       <a:schemeClr val="bg2">
@@ -6606,7 +6605,7 @@
             <a:effectLst/>
             <a:extLst>
               <a:ext uri="{91240B29-F687-4f45-9708-019B960494DF}">
-                <a14:hiddenLine xmlns:a14="http://schemas.microsoft.com/office/drawing/2010/main" xmlns="" w="9525">
+                <a14:hiddenLine xmlns="" xmlns:a14="http://schemas.microsoft.com/office/drawing/2010/main" w="9525">
                   <a:solidFill>
                     <a:schemeClr val="tx1"/>
                   </a:solidFill>
@@ -6616,7 +6615,7 @@
                 </a14:hiddenLine>
               </a:ext>
               <a:ext uri="{AF507438-7753-43e0-B8FC-AC1667EBCBE1}">
-                <a14:hiddenEffects xmlns:a14="http://schemas.microsoft.com/office/drawing/2010/main" xmlns="">
+                <a14:hiddenEffects xmlns="" xmlns:a14="http://schemas.microsoft.com/office/drawing/2010/main">
                   <a:effectLst>
                     <a:outerShdw blurRad="63500" dist="38099" dir="2700000" algn="ctr" rotWithShape="0">
                       <a:schemeClr val="bg2">
@@ -6661,7 +6660,7 @@
             <a:effectLst/>
             <a:extLst>
               <a:ext uri="{91240B29-F687-4f45-9708-019B960494DF}">
-                <a14:hiddenLine xmlns:a14="http://schemas.microsoft.com/office/drawing/2010/main" xmlns="" w="9525">
+                <a14:hiddenLine xmlns="" xmlns:a14="http://schemas.microsoft.com/office/drawing/2010/main" w="9525">
                   <a:solidFill>
                     <a:schemeClr val="tx1"/>
                   </a:solidFill>
@@ -6671,7 +6670,7 @@
                 </a14:hiddenLine>
               </a:ext>
               <a:ext uri="{AF507438-7753-43e0-B8FC-AC1667EBCBE1}">
-                <a14:hiddenEffects xmlns:a14="http://schemas.microsoft.com/office/drawing/2010/main" xmlns="">
+                <a14:hiddenEffects xmlns="" xmlns:a14="http://schemas.microsoft.com/office/drawing/2010/main">
                   <a:effectLst>
                     <a:outerShdw blurRad="63500" dist="38099" dir="2700000" algn="ctr" rotWithShape="0">
                       <a:schemeClr val="bg2">
@@ -6716,7 +6715,7 @@
             <a:effectLst/>
             <a:extLst>
               <a:ext uri="{91240B29-F687-4f45-9708-019B960494DF}">
-                <a14:hiddenLine xmlns:a14="http://schemas.microsoft.com/office/drawing/2010/main" xmlns="" w="9525">
+                <a14:hiddenLine xmlns="" xmlns:a14="http://schemas.microsoft.com/office/drawing/2010/main" w="9525">
                   <a:solidFill>
                     <a:schemeClr val="tx1"/>
                   </a:solidFill>
@@ -6726,7 +6725,7 @@
                 </a14:hiddenLine>
               </a:ext>
               <a:ext uri="{AF507438-7753-43e0-B8FC-AC1667EBCBE1}">
-                <a14:hiddenEffects xmlns:a14="http://schemas.microsoft.com/office/drawing/2010/main" xmlns="">
+                <a14:hiddenEffects xmlns="" xmlns:a14="http://schemas.microsoft.com/office/drawing/2010/main">
                   <a:effectLst>
                     <a:outerShdw blurRad="63500" dist="38099" dir="2700000" algn="ctr" rotWithShape="0">
                       <a:schemeClr val="bg2">
@@ -6771,7 +6770,7 @@
             <a:effectLst/>
             <a:extLst>
               <a:ext uri="{91240B29-F687-4f45-9708-019B960494DF}">
-                <a14:hiddenLine xmlns:a14="http://schemas.microsoft.com/office/drawing/2010/main" xmlns="" w="9525">
+                <a14:hiddenLine xmlns="" xmlns:a14="http://schemas.microsoft.com/office/drawing/2010/main" w="9525">
                   <a:solidFill>
                     <a:schemeClr val="tx1"/>
                   </a:solidFill>
@@ -6781,7 +6780,7 @@
                 </a14:hiddenLine>
               </a:ext>
               <a:ext uri="{AF507438-7753-43e0-B8FC-AC1667EBCBE1}">
-                <a14:hiddenEffects xmlns:a14="http://schemas.microsoft.com/office/drawing/2010/main" xmlns="">
+                <a14:hiddenEffects xmlns="" xmlns:a14="http://schemas.microsoft.com/office/drawing/2010/main">
                   <a:effectLst>
                     <a:outerShdw blurRad="63500" dist="38099" dir="2700000" algn="ctr" rotWithShape="0">
                       <a:schemeClr val="bg2">
@@ -6826,7 +6825,7 @@
             <a:effectLst/>
             <a:extLst>
               <a:ext uri="{91240B29-F687-4f45-9708-019B960494DF}">
-                <a14:hiddenLine xmlns:a14="http://schemas.microsoft.com/office/drawing/2010/main" xmlns="" w="9525">
+                <a14:hiddenLine xmlns="" xmlns:a14="http://schemas.microsoft.com/office/drawing/2010/main" w="9525">
                   <a:solidFill>
                     <a:schemeClr val="tx1"/>
                   </a:solidFill>
@@ -6836,7 +6835,7 @@
                 </a14:hiddenLine>
               </a:ext>
               <a:ext uri="{AF507438-7753-43e0-B8FC-AC1667EBCBE1}">
-                <a14:hiddenEffects xmlns:a14="http://schemas.microsoft.com/office/drawing/2010/main" xmlns="">
+                <a14:hiddenEffects xmlns="" xmlns:a14="http://schemas.microsoft.com/office/drawing/2010/main">
                   <a:effectLst>
                     <a:outerShdw blurRad="63500" dist="38099" dir="2700000" algn="ctr" rotWithShape="0">
                       <a:schemeClr val="bg2">
@@ -6881,7 +6880,7 @@
             <a:effectLst/>
             <a:extLst>
               <a:ext uri="{91240B29-F687-4f45-9708-019B960494DF}">
-                <a14:hiddenLine xmlns:a14="http://schemas.microsoft.com/office/drawing/2010/main" xmlns="" w="9525">
+                <a14:hiddenLine xmlns="" xmlns:a14="http://schemas.microsoft.com/office/drawing/2010/main" w="9525">
                   <a:solidFill>
                     <a:schemeClr val="tx1"/>
                   </a:solidFill>
@@ -6891,7 +6890,7 @@
                 </a14:hiddenLine>
               </a:ext>
               <a:ext uri="{AF507438-7753-43e0-B8FC-AC1667EBCBE1}">
-                <a14:hiddenEffects xmlns:a14="http://schemas.microsoft.com/office/drawing/2010/main" xmlns="">
+                <a14:hiddenEffects xmlns="" xmlns:a14="http://schemas.microsoft.com/office/drawing/2010/main">
                   <a:effectLst>
                     <a:outerShdw blurRad="63500" dist="38099" dir="2700000" algn="ctr" rotWithShape="0">
                       <a:schemeClr val="bg2">
@@ -6936,7 +6935,7 @@
             <a:effectLst/>
             <a:extLst>
               <a:ext uri="{91240B29-F687-4f45-9708-019B960494DF}">
-                <a14:hiddenLine xmlns:a14="http://schemas.microsoft.com/office/drawing/2010/main" xmlns="" w="9525">
+                <a14:hiddenLine xmlns="" xmlns:a14="http://schemas.microsoft.com/office/drawing/2010/main" w="9525">
                   <a:solidFill>
                     <a:schemeClr val="tx1"/>
                   </a:solidFill>
@@ -6946,7 +6945,7 @@
                 </a14:hiddenLine>
               </a:ext>
               <a:ext uri="{AF507438-7753-43e0-B8FC-AC1667EBCBE1}">
-                <a14:hiddenEffects xmlns:a14="http://schemas.microsoft.com/office/drawing/2010/main" xmlns="">
+                <a14:hiddenEffects xmlns="" xmlns:a14="http://schemas.microsoft.com/office/drawing/2010/main">
                   <a:effectLst>
                     <a:outerShdw blurRad="63500" dist="38099" dir="2700000" algn="ctr" rotWithShape="0">
                       <a:schemeClr val="bg2">
@@ -6991,7 +6990,7 @@
             <a:effectLst/>
             <a:extLst>
               <a:ext uri="{91240B29-F687-4f45-9708-019B960494DF}">
-                <a14:hiddenLine xmlns:a14="http://schemas.microsoft.com/office/drawing/2010/main" xmlns="" w="9525">
+                <a14:hiddenLine xmlns="" xmlns:a14="http://schemas.microsoft.com/office/drawing/2010/main" w="9525">
                   <a:solidFill>
                     <a:schemeClr val="tx1"/>
                   </a:solidFill>
@@ -7001,7 +7000,7 @@
                 </a14:hiddenLine>
               </a:ext>
               <a:ext uri="{AF507438-7753-43e0-B8FC-AC1667EBCBE1}">
-                <a14:hiddenEffects xmlns:a14="http://schemas.microsoft.com/office/drawing/2010/main" xmlns="">
+                <a14:hiddenEffects xmlns="" xmlns:a14="http://schemas.microsoft.com/office/drawing/2010/main">
                   <a:effectLst>
                     <a:outerShdw blurRad="63500" dist="38099" dir="2700000" algn="ctr" rotWithShape="0">
                       <a:schemeClr val="bg2">
@@ -7046,7 +7045,7 @@
             <a:effectLst/>
             <a:extLst>
               <a:ext uri="{91240B29-F687-4f45-9708-019B960494DF}">
-                <a14:hiddenLine xmlns:a14="http://schemas.microsoft.com/office/drawing/2010/main" xmlns="" w="9525">
+                <a14:hiddenLine xmlns="" xmlns:a14="http://schemas.microsoft.com/office/drawing/2010/main" w="9525">
                   <a:solidFill>
                     <a:schemeClr val="tx1"/>
                   </a:solidFill>
@@ -7056,7 +7055,7 @@
                 </a14:hiddenLine>
               </a:ext>
               <a:ext uri="{AF507438-7753-43e0-B8FC-AC1667EBCBE1}">
-                <a14:hiddenEffects xmlns:a14="http://schemas.microsoft.com/office/drawing/2010/main" xmlns="">
+                <a14:hiddenEffects xmlns="" xmlns:a14="http://schemas.microsoft.com/office/drawing/2010/main">
                   <a:effectLst>
                     <a:outerShdw blurRad="63500" dist="38099" dir="2700000" algn="ctr" rotWithShape="0">
                       <a:schemeClr val="bg2">
@@ -7101,7 +7100,7 @@
             <a:effectLst/>
             <a:extLst>
               <a:ext uri="{91240B29-F687-4f45-9708-019B960494DF}">
-                <a14:hiddenLine xmlns:a14="http://schemas.microsoft.com/office/drawing/2010/main" xmlns="" w="9525">
+                <a14:hiddenLine xmlns="" xmlns:a14="http://schemas.microsoft.com/office/drawing/2010/main" w="9525">
                   <a:solidFill>
                     <a:schemeClr val="tx1"/>
                   </a:solidFill>
@@ -7111,7 +7110,7 @@
                 </a14:hiddenLine>
               </a:ext>
               <a:ext uri="{AF507438-7753-43e0-B8FC-AC1667EBCBE1}">
-                <a14:hiddenEffects xmlns:a14="http://schemas.microsoft.com/office/drawing/2010/main" xmlns="">
+                <a14:hiddenEffects xmlns="" xmlns:a14="http://schemas.microsoft.com/office/drawing/2010/main">
                   <a:effectLst>
                     <a:outerShdw blurRad="63500" dist="38099" dir="2700000" algn="ctr" rotWithShape="0">
                       <a:schemeClr val="bg2">
@@ -7156,7 +7155,7 @@
             <a:effectLst/>
             <a:extLst>
               <a:ext uri="{91240B29-F687-4f45-9708-019B960494DF}">
-                <a14:hiddenLine xmlns:a14="http://schemas.microsoft.com/office/drawing/2010/main" xmlns="" w="9525">
+                <a14:hiddenLine xmlns="" xmlns:a14="http://schemas.microsoft.com/office/drawing/2010/main" w="9525">
                   <a:solidFill>
                     <a:schemeClr val="tx1"/>
                   </a:solidFill>
@@ -7166,7 +7165,7 @@
                 </a14:hiddenLine>
               </a:ext>
               <a:ext uri="{AF507438-7753-43e0-B8FC-AC1667EBCBE1}">
-                <a14:hiddenEffects xmlns:a14="http://schemas.microsoft.com/office/drawing/2010/main" xmlns="">
+                <a14:hiddenEffects xmlns="" xmlns:a14="http://schemas.microsoft.com/office/drawing/2010/main">
                   <a:effectLst>
                     <a:outerShdw blurRad="63500" dist="38099" dir="2700000" algn="ctr" rotWithShape="0">
                       <a:schemeClr val="bg2">
@@ -7211,7 +7210,7 @@
             <a:effectLst/>
             <a:extLst>
               <a:ext uri="{91240B29-F687-4f45-9708-019B960494DF}">
-                <a14:hiddenLine xmlns:a14="http://schemas.microsoft.com/office/drawing/2010/main" xmlns="" w="9525">
+                <a14:hiddenLine xmlns="" xmlns:a14="http://schemas.microsoft.com/office/drawing/2010/main" w="9525">
                   <a:solidFill>
                     <a:schemeClr val="tx1"/>
                   </a:solidFill>
@@ -7221,7 +7220,7 @@
                 </a14:hiddenLine>
               </a:ext>
               <a:ext uri="{AF507438-7753-43e0-B8FC-AC1667EBCBE1}">
-                <a14:hiddenEffects xmlns:a14="http://schemas.microsoft.com/office/drawing/2010/main" xmlns="">
+                <a14:hiddenEffects xmlns="" xmlns:a14="http://schemas.microsoft.com/office/drawing/2010/main">
                   <a:effectLst>
                     <a:outerShdw blurRad="63500" dist="38099" dir="2700000" algn="ctr" rotWithShape="0">
                       <a:schemeClr val="bg2">
@@ -7802,123 +7801,6 @@
           <a:p>
             <a:r>
               <a:rPr lang="en-US" dirty="0"/>
-              <a:t>A Basic Compiler Architecture</a:t>
-            </a:r>
-          </a:p>
-        </p:txBody>
-      </p:sp>
-      <p:sp>
-        <p:nvSpPr>
-          <p:cNvPr id="3" name="Content Placeholder 2"/>
-          <p:cNvSpPr>
-            <a:spLocks noGrp="1"/>
-          </p:cNvSpPr>
-          <p:nvPr>
-            <p:ph idx="1"/>
-          </p:nvPr>
-        </p:nvSpPr>
-        <p:spPr>
-          <a:xfrm>
-            <a:off x="457200" y="1719263"/>
-            <a:ext cx="8229600" cy="1100137"/>
-          </a:xfrm>
-        </p:spPr>
-        <p:txBody>
-          <a:bodyPr/>
-          <a:lstStyle/>
-          <a:p>
-            <a:r>
-              <a:rPr lang="en-US" dirty="0"/>
-              <a:t>Our basic compiler consists of:</a:t>
-            </a:r>
-          </a:p>
-          <a:p>
-            <a:pPr lvl="1"/>
-            <a:r>
-              <a:rPr lang="en-US" dirty="0"/>
-              <a:t>The Cuppa1 frontend</a:t>
-            </a:r>
-          </a:p>
-          <a:p>
-            <a:pPr lvl="1"/>
-            <a:r>
-              <a:rPr lang="en-US" dirty="0"/>
-              <a:t>A code generation tree walker</a:t>
-            </a:r>
-          </a:p>
-        </p:txBody>
-      </p:sp>
-      <p:pic>
-        <p:nvPicPr>
-          <p:cNvPr id="5" name="Picture 4"/>
-          <p:cNvPicPr>
-            <a:picLocks noChangeAspect="1"/>
-          </p:cNvPicPr>
-          <p:nvPr/>
-        </p:nvPicPr>
-        <p:blipFill>
-          <a:blip r:embed="rId2"/>
-          <a:stretch>
-            <a:fillRect/>
-          </a:stretch>
-        </p:blipFill>
-        <p:spPr>
-          <a:xfrm>
-            <a:off x="990600" y="3570705"/>
-            <a:ext cx="6705600" cy="3058695"/>
-          </a:xfrm>
-          <a:prstGeom prst="rect">
-            <a:avLst/>
-          </a:prstGeom>
-        </p:spPr>
-      </p:pic>
-    </p:spTree>
-    <p:extLst>
-      <p:ext uri="{BB962C8B-B14F-4D97-AF65-F5344CB8AC3E}">
-        <p14:creationId xmlns:p14="http://schemas.microsoft.com/office/powerpoint/2010/main" val="1786695996"/>
-      </p:ext>
-    </p:extLst>
-  </p:cSld>
-  <p:clrMapOvr>
-    <a:masterClrMapping/>
-  </p:clrMapOvr>
-</p:sld>
-</file>
-
-<file path=ppt/slides/slide11.xml><?xml version="1.0" encoding="utf-8"?>
-<p:sld xmlns:a="http://schemas.openxmlformats.org/drawingml/2006/main" xmlns:r="http://schemas.openxmlformats.org/officeDocument/2006/relationships" xmlns:p="http://schemas.openxmlformats.org/presentationml/2006/main">
-  <p:cSld>
-    <p:spTree>
-      <p:nvGrpSpPr>
-        <p:cNvPr id="1" name=""/>
-        <p:cNvGrpSpPr/>
-        <p:nvPr/>
-      </p:nvGrpSpPr>
-      <p:grpSpPr>
-        <a:xfrm>
-          <a:off x="0" y="0"/>
-          <a:ext cx="0" cy="0"/>
-          <a:chOff x="0" y="0"/>
-          <a:chExt cx="0" cy="0"/>
-        </a:xfrm>
-      </p:grpSpPr>
-      <p:sp>
-        <p:nvSpPr>
-          <p:cNvPr id="2" name="Title 1"/>
-          <p:cNvSpPr>
-            <a:spLocks noGrp="1"/>
-          </p:cNvSpPr>
-          <p:nvPr>
-            <p:ph type="title"/>
-          </p:nvPr>
-        </p:nvSpPr>
-        <p:spPr/>
-        <p:txBody>
-          <a:bodyPr/>
-          <a:lstStyle/>
-          <a:p>
-            <a:r>
-              <a:rPr lang="en-US" dirty="0"/>
               <a:t>Frontend Pattern Translation</a:t>
             </a:r>
           </a:p>
@@ -8060,6 +7942,112 @@
 </p:sld>
 </file>
 
+<file path=ppt/slides/slide11.xml><?xml version="1.0" encoding="utf-8"?>
+<p:sld xmlns:a="http://schemas.openxmlformats.org/drawingml/2006/main" xmlns:r="http://schemas.openxmlformats.org/officeDocument/2006/relationships" xmlns:p="http://schemas.openxmlformats.org/presentationml/2006/main">
+  <p:cSld>
+    <p:spTree>
+      <p:nvGrpSpPr>
+        <p:cNvPr id="1" name=""/>
+        <p:cNvGrpSpPr/>
+        <p:nvPr/>
+      </p:nvGrpSpPr>
+      <p:grpSpPr>
+        <a:xfrm>
+          <a:off x="0" y="0"/>
+          <a:ext cx="0" cy="0"/>
+          <a:chOff x="0" y="0"/>
+          <a:chExt cx="0" cy="0"/>
+        </a:xfrm>
+      </p:grpSpPr>
+      <p:sp>
+        <p:nvSpPr>
+          <p:cNvPr id="2" name="Title 1"/>
+          <p:cNvSpPr>
+            <a:spLocks noGrp="1"/>
+          </p:cNvSpPr>
+          <p:nvPr>
+            <p:ph type="title"/>
+          </p:nvPr>
+        </p:nvSpPr>
+        <p:spPr/>
+        <p:txBody>
+          <a:bodyPr/>
+          <a:lstStyle/>
+          <a:p>
+            <a:r>
+              <a:rPr lang="en-US" dirty="0" err="1"/>
+              <a:t>Codegen</a:t>
+            </a:r>
+            <a:r>
+              <a:rPr lang="en-US" dirty="0"/>
+              <a:t> Tree Walker</a:t>
+            </a:r>
+          </a:p>
+        </p:txBody>
+      </p:sp>
+      <p:sp>
+        <p:nvSpPr>
+          <p:cNvPr id="3" name="Content Placeholder 2"/>
+          <p:cNvSpPr>
+            <a:spLocks noGrp="1"/>
+          </p:cNvSpPr>
+          <p:nvPr>
+            <p:ph idx="1"/>
+          </p:nvPr>
+        </p:nvSpPr>
+        <p:spPr/>
+        <p:txBody>
+          <a:bodyPr>
+            <a:normAutofit/>
+          </a:bodyPr>
+          <a:lstStyle/>
+          <a:p>
+            <a:r>
+              <a:rPr lang="en-US" dirty="0"/>
+              <a:t>The code generator for our compiler is a tree walker that walks the Cuppa1 AST and for each AST pattern that appears in a pattern translation rule it will generate the corresponding target code.</a:t>
+            </a:r>
+          </a:p>
+          <a:p>
+            <a:pPr lvl="1"/>
+            <a:r>
+              <a:rPr lang="en-US" dirty="0"/>
+              <a:t>Cuppa1 statement patterns will generate Exp1bytecode instructions on a </a:t>
+            </a:r>
+            <a:r>
+              <a:rPr lang="en-US" i="1" dirty="0"/>
+              <a:t>list</a:t>
+            </a:r>
+          </a:p>
+          <a:p>
+            <a:pPr lvl="1"/>
+            <a:r>
+              <a:rPr lang="en-US" dirty="0"/>
+              <a:t>Cuppa1 expression patterns will generate Exp1bytecode expressions returned as </a:t>
+            </a:r>
+            <a:r>
+              <a:rPr lang="en-US" i="1" dirty="0"/>
+              <a:t>strings</a:t>
+            </a:r>
+            <a:r>
+              <a:rPr lang="en-US" dirty="0"/>
+              <a:t>.</a:t>
+            </a:r>
+          </a:p>
+        </p:txBody>
+      </p:sp>
+    </p:spTree>
+    <p:extLst>
+      <p:ext uri="{BB962C8B-B14F-4D97-AF65-F5344CB8AC3E}">
+        <p14:creationId xmlns:p14="http://schemas.microsoft.com/office/powerpoint/2010/main" val="357476084"/>
+      </p:ext>
+    </p:extLst>
+  </p:cSld>
+  <p:clrMapOvr>
+    <a:masterClrMapping/>
+  </p:clrMapOvr>
+</p:sld>
+</file>
+
 <file path=ppt/slides/slide12.xml><?xml version="1.0" encoding="utf-8"?>
 <p:sld xmlns:a="http://schemas.openxmlformats.org/drawingml/2006/main" xmlns:r="http://schemas.openxmlformats.org/officeDocument/2006/relationships" xmlns:p="http://schemas.openxmlformats.org/presentationml/2006/main">
   <p:cSld>
@@ -8077,6 +8065,41 @@
           <a:chExt cx="0" cy="0"/>
         </a:xfrm>
       </p:grpSpPr>
+      <p:pic>
+        <p:nvPicPr>
+          <p:cNvPr id="9" name="Picture 8">
+            <a:extLst>
+              <a:ext uri="{FF2B5EF4-FFF2-40B4-BE49-F238E27FC236}">
+                <a16:creationId xmlns:a16="http://schemas.microsoft.com/office/drawing/2014/main" id="{CA39FC1C-CA13-6C46-9ECE-548F8859CF0E}"/>
+              </a:ext>
+            </a:extLst>
+          </p:cNvPr>
+          <p:cNvPicPr>
+            <a:picLocks noChangeAspect="1"/>
+          </p:cNvPicPr>
+          <p:nvPr/>
+        </p:nvPicPr>
+        <p:blipFill>
+          <a:blip r:embed="rId2"/>
+          <a:stretch>
+            <a:fillRect/>
+          </a:stretch>
+        </p:blipFill>
+        <p:spPr>
+          <a:xfrm>
+            <a:off x="850900" y="3346797"/>
+            <a:ext cx="3200400" cy="1701800"/>
+          </a:xfrm>
+          <a:prstGeom prst="rect">
+            <a:avLst/>
+          </a:prstGeom>
+          <a:ln>
+            <a:solidFill>
+              <a:schemeClr val="tx1"/>
+            </a:solidFill>
+          </a:ln>
+        </p:spPr>
+      </p:pic>
       <p:sp>
         <p:nvSpPr>
           <p:cNvPr id="2" name="Title 1"/>
@@ -8096,10 +8119,7 @@
               <a:rPr lang="en-US" dirty="0" err="1"/>
               <a:t>Codegen</a:t>
             </a:r>
-            <a:r>
-              <a:rPr lang="en-US" dirty="0"/>
-              <a:t> Tree Walker</a:t>
-            </a:r>
+            <a:endParaRPr lang="en-US" dirty="0"/>
           </a:p>
         </p:txBody>
       </p:sp>
@@ -8113,42 +8133,240 @@
             <p:ph idx="1"/>
           </p:nvPr>
         </p:nvSpPr>
-        <p:spPr/>
+        <p:spPr>
+          <a:xfrm>
+            <a:off x="457200" y="1719263"/>
+            <a:ext cx="8229600" cy="1252537"/>
+          </a:xfrm>
+        </p:spPr>
         <p:txBody>
           <a:bodyPr>
-            <a:normAutofit/>
+            <a:normAutofit fontScale="85000" lnSpcReduction="20000"/>
           </a:bodyPr>
           <a:lstStyle/>
           <a:p>
             <a:r>
               <a:rPr lang="en-US" dirty="0"/>
-              <a:t>The code generator for our compiler is a tree walker that walks the Cuppa1 AST and for each AST pattern that appears in a pattern translation rule it will generate the corresponding target code.</a:t>
+              <a:t>Recall the pattern translation,</a:t>
             </a:r>
           </a:p>
           <a:p>
             <a:pPr lvl="1"/>
             <a:r>
               <a:rPr lang="en-US" dirty="0"/>
-              <a:t>Cuppa1 statement patterns will generate Exp1bytecode instructions on a </a:t>
-            </a:r>
-            <a:r>
-              <a:rPr lang="en-US" i="1" dirty="0"/>
-              <a:t>list</a:t>
-            </a:r>
-          </a:p>
-          <a:p>
-            <a:pPr lvl="1"/>
+              <a:t>(‘GET’, (‘ID’, name)) =&gt; input &lt;name&gt;;</a:t>
+            </a:r>
+          </a:p>
+          <a:p>
             <a:r>
               <a:rPr lang="en-US" dirty="0"/>
-              <a:t>Cuppa1 expression patterns will generate Exp1bytecode expressions returned as </a:t>
-            </a:r>
-            <a:r>
-              <a:rPr lang="en-US" i="1" dirty="0"/>
-              <a:t>strings</a:t>
+              <a:t>The </a:t>
+            </a:r>
+            <a:r>
+              <a:rPr lang="en-US" dirty="0" err="1"/>
+              <a:t>codegen</a:t>
             </a:r>
             <a:r>
               <a:rPr lang="en-US" dirty="0"/>
-              <a:t>.</a:t>
+              <a:t> tree walker has a function for that,</a:t>
+            </a:r>
+          </a:p>
+        </p:txBody>
+      </p:sp>
+      <p:sp>
+        <p:nvSpPr>
+          <p:cNvPr id="4" name="Rectangle 3"/>
+          <p:cNvSpPr/>
+          <p:nvPr/>
+        </p:nvSpPr>
+        <p:spPr>
+          <a:xfrm>
+            <a:off x="4800600" y="462161"/>
+            <a:ext cx="1795684" cy="307777"/>
+          </a:xfrm>
+          <a:prstGeom prst="rect">
+            <a:avLst/>
+          </a:prstGeom>
+        </p:spPr>
+        <p:txBody>
+          <a:bodyPr wrap="none">
+            <a:spAutoFit/>
+          </a:bodyPr>
+          <a:lstStyle/>
+          <a:p>
+            <a:r>
+              <a:rPr lang="en-US" dirty="0"/>
+              <a:t>cuppa1_codegen.py</a:t>
+            </a:r>
+          </a:p>
+        </p:txBody>
+      </p:sp>
+      <p:sp>
+        <p:nvSpPr>
+          <p:cNvPr id="6" name="TextBox 5"/>
+          <p:cNvSpPr txBox="1"/>
+          <p:nvPr/>
+        </p:nvSpPr>
+        <p:spPr>
+          <a:xfrm>
+            <a:off x="4959927" y="3505200"/>
+            <a:ext cx="3913251" cy="1384995"/>
+          </a:xfrm>
+          <a:prstGeom prst="rect">
+            <a:avLst/>
+          </a:prstGeom>
+          <a:noFill/>
+        </p:spPr>
+        <p:txBody>
+          <a:bodyPr wrap="none" rtlCol="0">
+            <a:spAutoFit/>
+          </a:bodyPr>
+          <a:lstStyle/>
+          <a:p>
+            <a:r>
+              <a:rPr lang="en-US" dirty="0"/>
+              <a:t>Even though the translation rule for the get</a:t>
+            </a:r>
+          </a:p>
+          <a:p>
+            <a:r>
+              <a:rPr lang="en-US" dirty="0"/>
+              <a:t>statement demands that we also generate the </a:t>
+            </a:r>
+          </a:p>
+          <a:p>
+            <a:r>
+              <a:rPr lang="en-US" dirty="0"/>
+              <a:t>semicolon as part of the translation,</a:t>
+            </a:r>
+          </a:p>
+          <a:p>
+            <a:r>
+              <a:rPr lang="en-US" dirty="0"/>
+              <a:t>we delay this until we generate the actual </a:t>
+            </a:r>
+          </a:p>
+          <a:p>
+            <a:r>
+              <a:rPr lang="en-US" dirty="0"/>
+              <a:t>machine instructions.</a:t>
+            </a:r>
+          </a:p>
+          <a:p>
+            <a:endParaRPr lang="en-US" dirty="0"/>
+          </a:p>
+        </p:txBody>
+      </p:sp>
+      <p:sp>
+        <p:nvSpPr>
+          <p:cNvPr id="7" name="Right Arrow 6"/>
+          <p:cNvSpPr/>
+          <p:nvPr/>
+        </p:nvSpPr>
+        <p:spPr bwMode="auto">
+          <a:xfrm>
+            <a:off x="609600" y="3810000"/>
+            <a:ext cx="533400" cy="304800"/>
+          </a:xfrm>
+          <a:prstGeom prst="rightArrow">
+            <a:avLst/>
+          </a:prstGeom>
+          <a:solidFill>
+            <a:srgbClr val="FF0000"/>
+          </a:solidFill>
+          <a:ln w="9525" cap="flat" cmpd="sng" algn="ctr">
+            <a:solidFill>
+              <a:schemeClr val="tx1"/>
+            </a:solidFill>
+            <a:prstDash val="solid"/>
+            <a:round/>
+            <a:headEnd type="none" w="med" len="med"/>
+            <a:tailEnd type="none" w="med" len="med"/>
+          </a:ln>
+          <a:effectLst/>
+          <a:extLst>
+            <a:ext uri="{AF507438-7753-43e0-B8FC-AC1667EBCBE1}">
+              <a14:hiddenEffects xmlns="" xmlns:a14="http://schemas.microsoft.com/office/drawing/2010/main">
+                <a:effectLst>
+                  <a:outerShdw blurRad="63500" dist="38099" dir="2700000" algn="ctr" rotWithShape="0">
+                    <a:schemeClr val="bg2">
+                      <a:alpha val="74998"/>
+                    </a:schemeClr>
+                  </a:outerShdw>
+                </a:effectLst>
+              </a14:hiddenEffects>
+            </a:ext>
+          </a:extLst>
+        </p:spPr>
+        <p:txBody>
+          <a:bodyPr vert="horz" wrap="square" lIns="91440" tIns="45720" rIns="91440" bIns="45720" numCol="1" rtlCol="0" anchor="t" anchorCtr="0" compatLnSpc="1">
+            <a:prstTxWarp prst="textNoShape">
+              <a:avLst/>
+            </a:prstTxWarp>
+          </a:bodyPr>
+          <a:lstStyle/>
+          <a:p>
+            <a:pPr marL="0" marR="0" indent="0" algn="l" defTabSz="914400" rtl="0" eaLnBrk="0" fontAlgn="base" latinLnBrk="0" hangingPunct="0">
+              <a:lnSpc>
+                <a:spcPct val="100000"/>
+              </a:lnSpc>
+              <a:spcBef>
+                <a:spcPct val="0"/>
+              </a:spcBef>
+              <a:spcAft>
+                <a:spcPct val="0"/>
+              </a:spcAft>
+              <a:buClrTx/>
+              <a:buSzTx/>
+              <a:buFontTx/>
+              <a:buNone/>
+              <a:tabLst/>
+            </a:pPr>
+            <a:endParaRPr kumimoji="0" lang="en-US" sz="2400" b="0" i="0" u="none" strike="noStrike" cap="none" normalizeH="0" baseline="0">
+              <a:ln>
+                <a:noFill/>
+              </a:ln>
+              <a:solidFill>
+                <a:srgbClr val="000000"/>
+              </a:solidFill>
+              <a:effectLst/>
+              <a:latin typeface="Arial" charset="0"/>
+              <a:ea typeface="ＭＳ Ｐゴシック" charset="0"/>
+              <a:cs typeface="ＭＳ Ｐゴシック" charset="0"/>
+            </a:endParaRPr>
+          </a:p>
+        </p:txBody>
+      </p:sp>
+      <p:sp>
+        <p:nvSpPr>
+          <p:cNvPr id="8" name="TextBox 7"/>
+          <p:cNvSpPr txBox="1"/>
+          <p:nvPr/>
+        </p:nvSpPr>
+        <p:spPr>
+          <a:xfrm>
+            <a:off x="720436" y="5805055"/>
+            <a:ext cx="4685898" cy="307777"/>
+          </a:xfrm>
+          <a:prstGeom prst="rect">
+            <a:avLst/>
+          </a:prstGeom>
+          <a:noFill/>
+          <a:ln>
+            <a:solidFill>
+              <a:schemeClr val="tx1"/>
+            </a:solidFill>
+          </a:ln>
+        </p:spPr>
+        <p:txBody>
+          <a:bodyPr wrap="none" rtlCol="0">
+            <a:spAutoFit/>
+          </a:bodyPr>
+          <a:lstStyle/>
+          <a:p>
+            <a:r>
+              <a:rPr lang="en-US" dirty="0"/>
+              <a:t>We use Python’s ability to do pattern matching on tuples!</a:t>
             </a:r>
           </a:p>
         </p:txBody>
@@ -8156,7 +8374,7 @@
     </p:spTree>
     <p:extLst>
       <p:ext uri="{BB962C8B-B14F-4D97-AF65-F5344CB8AC3E}">
-        <p14:creationId xmlns:p14="http://schemas.microsoft.com/office/powerpoint/2010/main" val="357476084"/>
+        <p14:creationId xmlns:p14="http://schemas.microsoft.com/office/powerpoint/2010/main" val="2058171927"/>
       </p:ext>
     </p:extLst>
   </p:cSld>
@@ -8185,10 +8403,10 @@
       </p:grpSpPr>
       <p:pic>
         <p:nvPicPr>
-          <p:cNvPr id="9" name="Picture 8">
+          <p:cNvPr id="5" name="Picture 4">
             <a:extLst>
               <a:ext uri="{FF2B5EF4-FFF2-40B4-BE49-F238E27FC236}">
-                <a16:creationId xmlns:a16="http://schemas.microsoft.com/office/drawing/2014/main" id="{CA39FC1C-CA13-6C46-9ECE-548F8859CF0E}"/>
+                <a16:creationId xmlns:a16="http://schemas.microsoft.com/office/drawing/2014/main" id="{E645E90D-4870-F949-B322-978278FA3C74}"/>
               </a:ext>
             </a:extLst>
           </p:cNvPr>
@@ -8205,8 +8423,8 @@
         </p:blipFill>
         <p:spPr>
           <a:xfrm>
-            <a:off x="850900" y="3346797"/>
-            <a:ext cx="3200400" cy="1701800"/>
+            <a:off x="1600200" y="3683000"/>
+            <a:ext cx="3975100" cy="1778000"/>
           </a:xfrm>
           <a:prstGeom prst="rect">
             <a:avLst/>
@@ -8259,7 +8477,7 @@
         </p:spPr>
         <p:txBody>
           <a:bodyPr>
-            <a:normAutofit fontScale="85000" lnSpcReduction="20000"/>
+            <a:normAutofit fontScale="92500" lnSpcReduction="20000"/>
           </a:bodyPr>
           <a:lstStyle/>
           <a:p>
@@ -8272,7 +8490,7 @@
             <a:pPr lvl="1"/>
             <a:r>
               <a:rPr lang="en-US" dirty="0"/>
-              <a:t>(‘GET’, (‘ID’, name)) =&gt; input &lt;name&gt;;</a:t>
+              <a:t>(‘ASSIGN’, (‘ID’, name), exp) =&gt; store &lt;name&gt; &lt;exp&gt;;</a:t>
             </a:r>
           </a:p>
           <a:p>
@@ -8321,72 +8539,16 @@
       </p:sp>
       <p:sp>
         <p:nvSpPr>
-          <p:cNvPr id="6" name="TextBox 5"/>
-          <p:cNvSpPr txBox="1"/>
-          <p:nvPr/>
-        </p:nvSpPr>
-        <p:spPr>
-          <a:xfrm>
-            <a:off x="4959927" y="3505200"/>
-            <a:ext cx="3913251" cy="1384995"/>
-          </a:xfrm>
-          <a:prstGeom prst="rect">
-            <a:avLst/>
-          </a:prstGeom>
-          <a:noFill/>
-        </p:spPr>
-        <p:txBody>
-          <a:bodyPr wrap="none" rtlCol="0">
-            <a:spAutoFit/>
-          </a:bodyPr>
-          <a:lstStyle/>
-          <a:p>
-            <a:r>
-              <a:rPr lang="en-US" dirty="0"/>
-              <a:t>Even though the translation rule for the get</a:t>
-            </a:r>
-          </a:p>
-          <a:p>
-            <a:r>
-              <a:rPr lang="en-US" dirty="0"/>
-              <a:t>statement demands that we also generate the </a:t>
-            </a:r>
-          </a:p>
-          <a:p>
-            <a:r>
-              <a:rPr lang="en-US" dirty="0"/>
-              <a:t>semicolon as part of the translation,</a:t>
-            </a:r>
-          </a:p>
-          <a:p>
-            <a:r>
-              <a:rPr lang="en-US" dirty="0"/>
-              <a:t>we delay this until we generate the actual </a:t>
-            </a:r>
-          </a:p>
-          <a:p>
-            <a:r>
-              <a:rPr lang="en-US" dirty="0"/>
-              <a:t>machine instructions.</a:t>
-            </a:r>
-          </a:p>
-          <a:p>
-            <a:endParaRPr lang="en-US" dirty="0"/>
-          </a:p>
-        </p:txBody>
-      </p:sp>
-      <p:sp>
-        <p:nvSpPr>
-          <p:cNvPr id="7" name="Right Arrow 6"/>
+          <p:cNvPr id="8" name="Left Arrow 7"/>
           <p:cNvSpPr/>
           <p:nvPr/>
         </p:nvSpPr>
         <p:spPr bwMode="auto">
           <a:xfrm>
-            <a:off x="609600" y="3810000"/>
-            <a:ext cx="533400" cy="304800"/>
+            <a:off x="4076700" y="4603750"/>
+            <a:ext cx="495300" cy="273050"/>
           </a:xfrm>
-          <a:prstGeom prst="rightArrow">
+          <a:prstGeom prst="leftArrow">
             <a:avLst/>
           </a:prstGeom>
           <a:solidFill>
@@ -8404,7 +8566,7 @@
           <a:effectLst/>
           <a:extLst>
             <a:ext uri="{AF507438-7753-43e0-B8FC-AC1667EBCBE1}">
-              <a14:hiddenEffects xmlns:a14="http://schemas.microsoft.com/office/drawing/2010/main" xmlns="">
+              <a14:hiddenEffects xmlns="" xmlns:a14="http://schemas.microsoft.com/office/drawing/2010/main">
                 <a:effectLst>
                   <a:outerShdw blurRad="63500" dist="38099" dir="2700000" algn="ctr" rotWithShape="0">
                     <a:schemeClr val="bg2">
@@ -8455,44 +8617,10 @@
           </a:p>
         </p:txBody>
       </p:sp>
-      <p:sp>
-        <p:nvSpPr>
-          <p:cNvPr id="8" name="TextBox 7"/>
-          <p:cNvSpPr txBox="1"/>
-          <p:nvPr/>
-        </p:nvSpPr>
-        <p:spPr>
-          <a:xfrm>
-            <a:off x="720436" y="5805055"/>
-            <a:ext cx="4685898" cy="307777"/>
-          </a:xfrm>
-          <a:prstGeom prst="rect">
-            <a:avLst/>
-          </a:prstGeom>
-          <a:noFill/>
-          <a:ln>
-            <a:solidFill>
-              <a:schemeClr val="tx1"/>
-            </a:solidFill>
-          </a:ln>
-        </p:spPr>
-        <p:txBody>
-          <a:bodyPr wrap="none" rtlCol="0">
-            <a:spAutoFit/>
-          </a:bodyPr>
-          <a:lstStyle/>
-          <a:p>
-            <a:r>
-              <a:rPr lang="en-US" dirty="0"/>
-              <a:t>We use Python’s ability to do pattern matching on tuples!</a:t>
-            </a:r>
-          </a:p>
-        </p:txBody>
-      </p:sp>
     </p:spTree>
     <p:extLst>
       <p:ext uri="{BB962C8B-B14F-4D97-AF65-F5344CB8AC3E}">
-        <p14:creationId xmlns:p14="http://schemas.microsoft.com/office/powerpoint/2010/main" val="2058171927"/>
+        <p14:creationId xmlns:p14="http://schemas.microsoft.com/office/powerpoint/2010/main" val="597238018"/>
       </p:ext>
     </p:extLst>
   </p:cSld>
@@ -8521,252 +8649,6 @@
       </p:grpSpPr>
       <p:pic>
         <p:nvPicPr>
-          <p:cNvPr id="5" name="Picture 4">
-            <a:extLst>
-              <a:ext uri="{FF2B5EF4-FFF2-40B4-BE49-F238E27FC236}">
-                <a16:creationId xmlns:a16="http://schemas.microsoft.com/office/drawing/2014/main" id="{E645E90D-4870-F949-B322-978278FA3C74}"/>
-              </a:ext>
-            </a:extLst>
-          </p:cNvPr>
-          <p:cNvPicPr>
-            <a:picLocks noChangeAspect="1"/>
-          </p:cNvPicPr>
-          <p:nvPr/>
-        </p:nvPicPr>
-        <p:blipFill>
-          <a:blip r:embed="rId2"/>
-          <a:stretch>
-            <a:fillRect/>
-          </a:stretch>
-        </p:blipFill>
-        <p:spPr>
-          <a:xfrm>
-            <a:off x="1600200" y="3683000"/>
-            <a:ext cx="3975100" cy="1778000"/>
-          </a:xfrm>
-          <a:prstGeom prst="rect">
-            <a:avLst/>
-          </a:prstGeom>
-          <a:ln>
-            <a:solidFill>
-              <a:schemeClr val="tx1"/>
-            </a:solidFill>
-          </a:ln>
-        </p:spPr>
-      </p:pic>
-      <p:sp>
-        <p:nvSpPr>
-          <p:cNvPr id="2" name="Title 1"/>
-          <p:cNvSpPr>
-            <a:spLocks noGrp="1"/>
-          </p:cNvSpPr>
-          <p:nvPr>
-            <p:ph type="title"/>
-          </p:nvPr>
-        </p:nvSpPr>
-        <p:spPr/>
-        <p:txBody>
-          <a:bodyPr/>
-          <a:lstStyle/>
-          <a:p>
-            <a:r>
-              <a:rPr lang="en-US" dirty="0" err="1"/>
-              <a:t>Codegen</a:t>
-            </a:r>
-            <a:endParaRPr lang="en-US" dirty="0"/>
-          </a:p>
-        </p:txBody>
-      </p:sp>
-      <p:sp>
-        <p:nvSpPr>
-          <p:cNvPr id="3" name="Content Placeholder 2"/>
-          <p:cNvSpPr>
-            <a:spLocks noGrp="1"/>
-          </p:cNvSpPr>
-          <p:nvPr>
-            <p:ph idx="1"/>
-          </p:nvPr>
-        </p:nvSpPr>
-        <p:spPr>
-          <a:xfrm>
-            <a:off x="457200" y="1719263"/>
-            <a:ext cx="8229600" cy="1252537"/>
-          </a:xfrm>
-        </p:spPr>
-        <p:txBody>
-          <a:bodyPr>
-            <a:normAutofit fontScale="92500" lnSpcReduction="20000"/>
-          </a:bodyPr>
-          <a:lstStyle/>
-          <a:p>
-            <a:r>
-              <a:rPr lang="en-US" dirty="0"/>
-              <a:t>Recall the pattern translation,</a:t>
-            </a:r>
-          </a:p>
-          <a:p>
-            <a:pPr lvl="1"/>
-            <a:r>
-              <a:rPr lang="en-US" dirty="0"/>
-              <a:t>(‘ASSIGN’, (‘ID’, name), exp) =&gt; store &lt;name&gt; &lt;exp&gt;;</a:t>
-            </a:r>
-          </a:p>
-          <a:p>
-            <a:r>
-              <a:rPr lang="en-US" dirty="0"/>
-              <a:t>The </a:t>
-            </a:r>
-            <a:r>
-              <a:rPr lang="en-US" dirty="0" err="1"/>
-              <a:t>codegen</a:t>
-            </a:r>
-            <a:r>
-              <a:rPr lang="en-US" dirty="0"/>
-              <a:t> tree walker has a function for that,</a:t>
-            </a:r>
-          </a:p>
-        </p:txBody>
-      </p:sp>
-      <p:sp>
-        <p:nvSpPr>
-          <p:cNvPr id="4" name="Rectangle 3"/>
-          <p:cNvSpPr/>
-          <p:nvPr/>
-        </p:nvSpPr>
-        <p:spPr>
-          <a:xfrm>
-            <a:off x="4800600" y="462161"/>
-            <a:ext cx="1795684" cy="307777"/>
-          </a:xfrm>
-          <a:prstGeom prst="rect">
-            <a:avLst/>
-          </a:prstGeom>
-        </p:spPr>
-        <p:txBody>
-          <a:bodyPr wrap="none">
-            <a:spAutoFit/>
-          </a:bodyPr>
-          <a:lstStyle/>
-          <a:p>
-            <a:r>
-              <a:rPr lang="en-US" dirty="0"/>
-              <a:t>cuppa1_codegen.py</a:t>
-            </a:r>
-          </a:p>
-        </p:txBody>
-      </p:sp>
-      <p:sp>
-        <p:nvSpPr>
-          <p:cNvPr id="8" name="Left Arrow 7"/>
-          <p:cNvSpPr/>
-          <p:nvPr/>
-        </p:nvSpPr>
-        <p:spPr bwMode="auto">
-          <a:xfrm>
-            <a:off x="4076700" y="4603750"/>
-            <a:ext cx="495300" cy="273050"/>
-          </a:xfrm>
-          <a:prstGeom prst="leftArrow">
-            <a:avLst/>
-          </a:prstGeom>
-          <a:solidFill>
-            <a:srgbClr val="FF0000"/>
-          </a:solidFill>
-          <a:ln w="9525" cap="flat" cmpd="sng" algn="ctr">
-            <a:solidFill>
-              <a:schemeClr val="tx1"/>
-            </a:solidFill>
-            <a:prstDash val="solid"/>
-            <a:round/>
-            <a:headEnd type="none" w="med" len="med"/>
-            <a:tailEnd type="none" w="med" len="med"/>
-          </a:ln>
-          <a:effectLst/>
-          <a:extLst>
-            <a:ext uri="{AF507438-7753-43e0-B8FC-AC1667EBCBE1}">
-              <a14:hiddenEffects xmlns:a14="http://schemas.microsoft.com/office/drawing/2010/main" xmlns="">
-                <a:effectLst>
-                  <a:outerShdw blurRad="63500" dist="38099" dir="2700000" algn="ctr" rotWithShape="0">
-                    <a:schemeClr val="bg2">
-                      <a:alpha val="74998"/>
-                    </a:schemeClr>
-                  </a:outerShdw>
-                </a:effectLst>
-              </a14:hiddenEffects>
-            </a:ext>
-          </a:extLst>
-        </p:spPr>
-        <p:txBody>
-          <a:bodyPr vert="horz" wrap="square" lIns="91440" tIns="45720" rIns="91440" bIns="45720" numCol="1" rtlCol="0" anchor="t" anchorCtr="0" compatLnSpc="1">
-            <a:prstTxWarp prst="textNoShape">
-              <a:avLst/>
-            </a:prstTxWarp>
-          </a:bodyPr>
-          <a:lstStyle/>
-          <a:p>
-            <a:pPr marL="0" marR="0" indent="0" algn="l" defTabSz="914400" rtl="0" eaLnBrk="0" fontAlgn="base" latinLnBrk="0" hangingPunct="0">
-              <a:lnSpc>
-                <a:spcPct val="100000"/>
-              </a:lnSpc>
-              <a:spcBef>
-                <a:spcPct val="0"/>
-              </a:spcBef>
-              <a:spcAft>
-                <a:spcPct val="0"/>
-              </a:spcAft>
-              <a:buClrTx/>
-              <a:buSzTx/>
-              <a:buFontTx/>
-              <a:buNone/>
-              <a:tabLst/>
-            </a:pPr>
-            <a:endParaRPr kumimoji="0" lang="en-US" sz="2400" b="0" i="0" u="none" strike="noStrike" cap="none" normalizeH="0" baseline="0">
-              <a:ln>
-                <a:noFill/>
-              </a:ln>
-              <a:solidFill>
-                <a:srgbClr val="000000"/>
-              </a:solidFill>
-              <a:effectLst/>
-              <a:latin typeface="Arial" charset="0"/>
-              <a:ea typeface="ＭＳ Ｐゴシック" charset="0"/>
-              <a:cs typeface="ＭＳ Ｐゴシック" charset="0"/>
-            </a:endParaRPr>
-          </a:p>
-        </p:txBody>
-      </p:sp>
-    </p:spTree>
-    <p:extLst>
-      <p:ext uri="{BB962C8B-B14F-4D97-AF65-F5344CB8AC3E}">
-        <p14:creationId xmlns:p14="http://schemas.microsoft.com/office/powerpoint/2010/main" val="597238018"/>
-      </p:ext>
-    </p:extLst>
-  </p:cSld>
-  <p:clrMapOvr>
-    <a:masterClrMapping/>
-  </p:clrMapOvr>
-</p:sld>
-</file>
-
-<file path=ppt/slides/slide15.xml><?xml version="1.0" encoding="utf-8"?>
-<p:sld xmlns:a="http://schemas.openxmlformats.org/drawingml/2006/main" xmlns:r="http://schemas.openxmlformats.org/officeDocument/2006/relationships" xmlns:p="http://schemas.openxmlformats.org/presentationml/2006/main">
-  <p:cSld>
-    <p:spTree>
-      <p:nvGrpSpPr>
-        <p:cNvPr id="1" name=""/>
-        <p:cNvGrpSpPr/>
-        <p:nvPr/>
-      </p:nvGrpSpPr>
-      <p:grpSpPr>
-        <a:xfrm>
-          <a:off x="0" y="0"/>
-          <a:ext cx="0" cy="0"/>
-          <a:chOff x="0" y="0"/>
-          <a:chExt cx="0" cy="0"/>
-        </a:xfrm>
-      </p:grpSpPr>
-      <p:pic>
-        <p:nvPicPr>
           <p:cNvPr id="7" name="Picture 6">
             <a:extLst>
               <a:ext uri="{FF2B5EF4-FFF2-40B4-BE49-F238E27FC236}">
@@ -8942,7 +8824,7 @@
           <a:effectLst/>
           <a:extLst>
             <a:ext uri="{AF507438-7753-43e0-B8FC-AC1667EBCBE1}">
-              <a14:hiddenEffects xmlns:a14="http://schemas.microsoft.com/office/drawing/2010/main" xmlns="">
+              <a14:hiddenEffects xmlns="" xmlns:a14="http://schemas.microsoft.com/office/drawing/2010/main">
                 <a:effectLst>
                   <a:outerShdw blurRad="63500" dist="38099" dir="2700000" algn="ctr" rotWithShape="0">
                     <a:schemeClr val="bg2">
@@ -9036,7 +8918,7 @@
 </p:sld>
 </file>
 
-<file path=ppt/slides/slide16.xml><?xml version="1.0" encoding="utf-8"?>
+<file path=ppt/slides/slide15.xml><?xml version="1.0" encoding="utf-8"?>
 <p:sld xmlns:a="http://schemas.openxmlformats.org/drawingml/2006/main" xmlns:r="http://schemas.openxmlformats.org/officeDocument/2006/relationships" xmlns:p="http://schemas.openxmlformats.org/presentationml/2006/main">
   <p:cSld>
     <p:spTree>
@@ -9273,7 +9155,7 @@
           <a:effectLst/>
           <a:extLst>
             <a:ext uri="{AF507438-7753-43e0-B8FC-AC1667EBCBE1}">
-              <a14:hiddenEffects xmlns:a14="http://schemas.microsoft.com/office/drawing/2010/main" xmlns="">
+              <a14:hiddenEffects xmlns="" xmlns:a14="http://schemas.microsoft.com/office/drawing/2010/main">
                 <a:effectLst>
                   <a:outerShdw blurRad="63500" dist="38099" dir="2700000" algn="ctr" rotWithShape="0">
                     <a:schemeClr val="bg2">
@@ -9337,7 +9219,7 @@
 </p:sld>
 </file>
 
-<file path=ppt/slides/slide17.xml><?xml version="1.0" encoding="utf-8"?>
+<file path=ppt/slides/slide16.xml><?xml version="1.0" encoding="utf-8"?>
 <p:sld xmlns:a="http://schemas.openxmlformats.org/drawingml/2006/main" xmlns:r="http://schemas.openxmlformats.org/officeDocument/2006/relationships" xmlns:p="http://schemas.openxmlformats.org/presentationml/2006/main">
   <p:cSld>
     <p:spTree>
@@ -9523,7 +9405,7 @@
 </p:sld>
 </file>
 
-<file path=ppt/slides/slide18.xml><?xml version="1.0" encoding="utf-8"?>
+<file path=ppt/slides/slide17.xml><?xml version="1.0" encoding="utf-8"?>
 <p:sld xmlns:a="http://schemas.openxmlformats.org/drawingml/2006/main" xmlns:r="http://schemas.openxmlformats.org/officeDocument/2006/relationships" xmlns:p="http://schemas.openxmlformats.org/presentationml/2006/main">
   <p:cSld>
     <p:spTree>
@@ -9639,7 +9521,7 @@
 </p:sld>
 </file>
 
-<file path=ppt/slides/slide19.xml><?xml version="1.0" encoding="utf-8"?>
+<file path=ppt/slides/slide18.xml><?xml version="1.0" encoding="utf-8"?>
 <p:sld xmlns:a="http://schemas.openxmlformats.org/drawingml/2006/main" xmlns:r="http://schemas.openxmlformats.org/officeDocument/2006/relationships" xmlns:p="http://schemas.openxmlformats.org/presentationml/2006/main">
   <p:cSld>
     <p:spTree>
@@ -9765,7 +9647,7 @@
           <a:effectLst/>
           <a:extLst>
             <a:ext uri="{AF507438-7753-43e0-B8FC-AC1667EBCBE1}">
-              <a14:hiddenEffects xmlns:a14="http://schemas.microsoft.com/office/drawing/2010/main" xmlns="">
+              <a14:hiddenEffects xmlns="" xmlns:a14="http://schemas.microsoft.com/office/drawing/2010/main">
                 <a:effectLst>
                   <a:outerShdw blurRad="63500" dist="38099" dir="2700000" algn="ctr" rotWithShape="0">
                     <a:schemeClr val="bg2">
@@ -9892,93 +9774,7 @@
 </p:sld>
 </file>
 
-<file path=ppt/slides/slide2.xml><?xml version="1.0" encoding="utf-8"?>
-<p:sld xmlns:a="http://schemas.openxmlformats.org/drawingml/2006/main" xmlns:r="http://schemas.openxmlformats.org/officeDocument/2006/relationships" xmlns:p="http://schemas.openxmlformats.org/presentationml/2006/main">
-  <p:cSld>
-    <p:spTree>
-      <p:nvGrpSpPr>
-        <p:cNvPr id="1" name=""/>
-        <p:cNvGrpSpPr/>
-        <p:nvPr/>
-      </p:nvGrpSpPr>
-      <p:grpSpPr>
-        <a:xfrm>
-          <a:off x="0" y="0"/>
-          <a:ext cx="0" cy="0"/>
-          <a:chOff x="0" y="0"/>
-          <a:chExt cx="0" cy="0"/>
-        </a:xfrm>
-      </p:grpSpPr>
-      <p:sp>
-        <p:nvSpPr>
-          <p:cNvPr id="2" name="Title 1">
-            <a:extLst>
-              <a:ext uri="{FF2B5EF4-FFF2-40B4-BE49-F238E27FC236}">
-                <a16:creationId xmlns:a16="http://schemas.microsoft.com/office/drawing/2014/main" id="{04AC7ACA-FA4F-B54F-8EA6-97EBBE95195A}"/>
-              </a:ext>
-            </a:extLst>
-          </p:cNvPr>
-          <p:cNvSpPr>
-            <a:spLocks noGrp="1"/>
-          </p:cNvSpPr>
-          <p:nvPr>
-            <p:ph type="title"/>
-          </p:nvPr>
-        </p:nvSpPr>
-        <p:spPr/>
-        <p:txBody>
-          <a:bodyPr/>
-          <a:lstStyle/>
-          <a:p>
-            <a:r>
-              <a:rPr lang="en-US" dirty="0"/>
-              <a:t>Reading</a:t>
-            </a:r>
-          </a:p>
-        </p:txBody>
-      </p:sp>
-      <p:sp>
-        <p:nvSpPr>
-          <p:cNvPr id="3" name="Content Placeholder 2">
-            <a:extLst>
-              <a:ext uri="{FF2B5EF4-FFF2-40B4-BE49-F238E27FC236}">
-                <a16:creationId xmlns:a16="http://schemas.microsoft.com/office/drawing/2014/main" id="{4A2B6B90-0D00-084D-8D4A-CDC229D21419}"/>
-              </a:ext>
-            </a:extLst>
-          </p:cNvPr>
-          <p:cNvSpPr>
-            <a:spLocks noGrp="1"/>
-          </p:cNvSpPr>
-          <p:nvPr>
-            <p:ph idx="1"/>
-          </p:nvPr>
-        </p:nvSpPr>
-        <p:spPr/>
-        <p:txBody>
-          <a:bodyPr/>
-          <a:lstStyle/>
-          <a:p>
-            <a:r>
-              <a:rPr lang="en-US" dirty="0"/>
-              <a:t>Chap 6</a:t>
-            </a:r>
-          </a:p>
-        </p:txBody>
-      </p:sp>
-    </p:spTree>
-    <p:extLst>
-      <p:ext uri="{BB962C8B-B14F-4D97-AF65-F5344CB8AC3E}">
-        <p14:creationId xmlns:p14="http://schemas.microsoft.com/office/powerpoint/2010/main" val="1559756629"/>
-      </p:ext>
-    </p:extLst>
-  </p:cSld>
-  <p:clrMapOvr>
-    <a:masterClrMapping/>
-  </p:clrMapOvr>
-</p:sld>
-</file>
-
-<file path=ppt/slides/slide20.xml><?xml version="1.0" encoding="utf-8"?>
+<file path=ppt/slides/slide19.xml><?xml version="1.0" encoding="utf-8"?>
 <p:sld xmlns:a="http://schemas.openxmlformats.org/drawingml/2006/main" xmlns:r="http://schemas.openxmlformats.org/officeDocument/2006/relationships" xmlns:p="http://schemas.openxmlformats.org/presentationml/2006/main">
   <p:cSld>
     <p:spTree>
@@ -10093,7 +9889,7 @@
           <a:effectLst/>
           <a:extLst>
             <a:ext uri="{AF507438-7753-43e0-B8FC-AC1667EBCBE1}">
-              <a14:hiddenEffects xmlns:a14="http://schemas.microsoft.com/office/drawing/2010/main" xmlns="">
+              <a14:hiddenEffects xmlns="" xmlns:a14="http://schemas.microsoft.com/office/drawing/2010/main">
                 <a:effectLst>
                   <a:outerShdw blurRad="63500" dist="38099" dir="2700000" algn="ctr" rotWithShape="0">
                     <a:schemeClr val="bg2">
@@ -10217,7 +10013,93 @@
 </p:sld>
 </file>
 
-<file path=ppt/slides/slide21.xml><?xml version="1.0" encoding="utf-8"?>
+<file path=ppt/slides/slide2.xml><?xml version="1.0" encoding="utf-8"?>
+<p:sld xmlns:a="http://schemas.openxmlformats.org/drawingml/2006/main" xmlns:r="http://schemas.openxmlformats.org/officeDocument/2006/relationships" xmlns:p="http://schemas.openxmlformats.org/presentationml/2006/main">
+  <p:cSld>
+    <p:spTree>
+      <p:nvGrpSpPr>
+        <p:cNvPr id="1" name=""/>
+        <p:cNvGrpSpPr/>
+        <p:nvPr/>
+      </p:nvGrpSpPr>
+      <p:grpSpPr>
+        <a:xfrm>
+          <a:off x="0" y="0"/>
+          <a:ext cx="0" cy="0"/>
+          <a:chOff x="0" y="0"/>
+          <a:chExt cx="0" cy="0"/>
+        </a:xfrm>
+      </p:grpSpPr>
+      <p:sp>
+        <p:nvSpPr>
+          <p:cNvPr id="2" name="Title 1">
+            <a:extLst>
+              <a:ext uri="{FF2B5EF4-FFF2-40B4-BE49-F238E27FC236}">
+                <a16:creationId xmlns:a16="http://schemas.microsoft.com/office/drawing/2014/main" id="{04AC7ACA-FA4F-B54F-8EA6-97EBBE95195A}"/>
+              </a:ext>
+            </a:extLst>
+          </p:cNvPr>
+          <p:cNvSpPr>
+            <a:spLocks noGrp="1"/>
+          </p:cNvSpPr>
+          <p:nvPr>
+            <p:ph type="title"/>
+          </p:nvPr>
+        </p:nvSpPr>
+        <p:spPr/>
+        <p:txBody>
+          <a:bodyPr/>
+          <a:lstStyle/>
+          <a:p>
+            <a:r>
+              <a:rPr lang="en-US" dirty="0"/>
+              <a:t>Reading</a:t>
+            </a:r>
+          </a:p>
+        </p:txBody>
+      </p:sp>
+      <p:sp>
+        <p:nvSpPr>
+          <p:cNvPr id="3" name="Content Placeholder 2">
+            <a:extLst>
+              <a:ext uri="{FF2B5EF4-FFF2-40B4-BE49-F238E27FC236}">
+                <a16:creationId xmlns:a16="http://schemas.microsoft.com/office/drawing/2014/main" id="{4A2B6B90-0D00-084D-8D4A-CDC229D21419}"/>
+              </a:ext>
+            </a:extLst>
+          </p:cNvPr>
+          <p:cNvSpPr>
+            <a:spLocks noGrp="1"/>
+          </p:cNvSpPr>
+          <p:nvPr>
+            <p:ph idx="1"/>
+          </p:nvPr>
+        </p:nvSpPr>
+        <p:spPr/>
+        <p:txBody>
+          <a:bodyPr/>
+          <a:lstStyle/>
+          <a:p>
+            <a:r>
+              <a:rPr lang="en-US" dirty="0"/>
+              <a:t>Chap 6</a:t>
+            </a:r>
+          </a:p>
+        </p:txBody>
+      </p:sp>
+    </p:spTree>
+    <p:extLst>
+      <p:ext uri="{BB962C8B-B14F-4D97-AF65-F5344CB8AC3E}">
+        <p14:creationId xmlns:p14="http://schemas.microsoft.com/office/powerpoint/2010/main" val="1559756629"/>
+      </p:ext>
+    </p:extLst>
+  </p:cSld>
+  <p:clrMapOvr>
+    <a:masterClrMapping/>
+  </p:clrMapOvr>
+</p:sld>
+</file>
+
+<file path=ppt/slides/slide20.xml><?xml version="1.0" encoding="utf-8"?>
 <p:sld xmlns:a="http://schemas.openxmlformats.org/drawingml/2006/main" xmlns:r="http://schemas.openxmlformats.org/officeDocument/2006/relationships" xmlns:p="http://schemas.openxmlformats.org/presentationml/2006/main">
   <p:cSld>
     <p:spTree>
@@ -10374,7 +10256,7 @@
 </p:sld>
 </file>
 
-<file path=ppt/slides/slide22.xml><?xml version="1.0" encoding="utf-8"?>
+<file path=ppt/slides/slide21.xml><?xml version="1.0" encoding="utf-8"?>
 <p:sld xmlns:a="http://schemas.openxmlformats.org/drawingml/2006/main" xmlns:r="http://schemas.openxmlformats.org/officeDocument/2006/relationships" xmlns:p="http://schemas.openxmlformats.org/presentationml/2006/main">
   <p:cSld>
     <p:spTree>
@@ -10498,7 +10380,7 @@
             <a:effectLst/>
             <a:extLst>
               <a:ext uri="{AF507438-7753-43e0-B8FC-AC1667EBCBE1}">
-                <a14:hiddenEffects xmlns:a14="http://schemas.microsoft.com/office/drawing/2010/main" xmlns="">
+                <a14:hiddenEffects xmlns="" xmlns:a14="http://schemas.microsoft.com/office/drawing/2010/main">
                   <a:effectLst>
                     <a:outerShdw blurRad="63500" dist="38099" dir="2700000" algn="ctr" rotWithShape="0">
                       <a:schemeClr val="bg2">
@@ -10584,7 +10466,7 @@
             <a:effectLst/>
             <a:extLst>
               <a:ext uri="{AF507438-7753-43e0-B8FC-AC1667EBCBE1}">
-                <a14:hiddenEffects xmlns:a14="http://schemas.microsoft.com/office/drawing/2010/main" xmlns="">
+                <a14:hiddenEffects xmlns="" xmlns:a14="http://schemas.microsoft.com/office/drawing/2010/main">
                   <a:effectLst>
                     <a:outerShdw blurRad="63500" dist="38099" dir="2700000" algn="ctr" rotWithShape="0">
                       <a:schemeClr val="bg2">
@@ -10670,7 +10552,7 @@
             <a:effectLst/>
             <a:extLst>
               <a:ext uri="{AF507438-7753-43e0-B8FC-AC1667EBCBE1}">
-                <a14:hiddenEffects xmlns:a14="http://schemas.microsoft.com/office/drawing/2010/main" xmlns="">
+                <a14:hiddenEffects xmlns="" xmlns:a14="http://schemas.microsoft.com/office/drawing/2010/main">
                   <a:effectLst>
                     <a:outerShdw blurRad="63500" dist="38099" dir="2700000" algn="ctr" rotWithShape="0">
                       <a:schemeClr val="bg2">
@@ -10735,7 +10617,7 @@
 </p:sld>
 </file>
 
-<file path=ppt/slides/slide23.xml><?xml version="1.0" encoding="utf-8"?>
+<file path=ppt/slides/slide22.xml><?xml version="1.0" encoding="utf-8"?>
 <p:sld xmlns:a="http://schemas.openxmlformats.org/drawingml/2006/main" xmlns:r="http://schemas.openxmlformats.org/officeDocument/2006/relationships" xmlns:p="http://schemas.openxmlformats.org/presentationml/2006/main">
   <p:cSld>
     <p:spTree>
@@ -10844,7 +10726,7 @@
           <a:effectLst/>
           <a:extLst>
             <a:ext uri="{AF507438-7753-43e0-B8FC-AC1667EBCBE1}">
-              <a14:hiddenEffects xmlns:a14="http://schemas.microsoft.com/office/drawing/2010/main" xmlns="">
+              <a14:hiddenEffects xmlns="" xmlns:a14="http://schemas.microsoft.com/office/drawing/2010/main">
                 <a:effectLst>
                   <a:outerShdw blurRad="63500" dist="38099" dir="2700000" algn="ctr" rotWithShape="0">
                     <a:schemeClr val="bg2">
@@ -10930,7 +10812,7 @@
           <a:effectLst/>
           <a:extLst>
             <a:ext uri="{AF507438-7753-43e0-B8FC-AC1667EBCBE1}">
-              <a14:hiddenEffects xmlns:a14="http://schemas.microsoft.com/office/drawing/2010/main" xmlns="">
+              <a14:hiddenEffects xmlns="" xmlns:a14="http://schemas.microsoft.com/office/drawing/2010/main">
                 <a:effectLst>
                   <a:outerShdw blurRad="63500" dist="38099" dir="2700000" algn="ctr" rotWithShape="0">
                     <a:schemeClr val="bg2">
@@ -10994,7 +10876,7 @@
 </p:sld>
 </file>
 
-<file path=ppt/slides/slide24.xml><?xml version="1.0" encoding="utf-8"?>
+<file path=ppt/slides/slide23.xml><?xml version="1.0" encoding="utf-8"?>
 <p:sld xmlns:a="http://schemas.openxmlformats.org/drawingml/2006/main" xmlns:r="http://schemas.openxmlformats.org/officeDocument/2006/relationships" xmlns:p="http://schemas.openxmlformats.org/presentationml/2006/main">
   <p:cSld>
     <p:spTree>
@@ -11166,7 +11048,7 @@
 </p:sld>
 </file>
 
-<file path=ppt/slides/slide25.xml><?xml version="1.0" encoding="utf-8"?>
+<file path=ppt/slides/slide24.xml><?xml version="1.0" encoding="utf-8"?>
 <p:sld xmlns:a="http://schemas.openxmlformats.org/drawingml/2006/main" xmlns:r="http://schemas.openxmlformats.org/officeDocument/2006/relationships" xmlns:p="http://schemas.openxmlformats.org/presentationml/2006/main">
   <p:cSld>
     <p:spTree>
@@ -11242,7 +11124,7 @@
 </p:sld>
 </file>
 
-<file path=ppt/slides/slide26.xml><?xml version="1.0" encoding="utf-8"?>
+<file path=ppt/slides/slide25.xml><?xml version="1.0" encoding="utf-8"?>
 <p:sld xmlns:a="http://schemas.openxmlformats.org/drawingml/2006/main" xmlns:r="http://schemas.openxmlformats.org/officeDocument/2006/relationships" xmlns:p="http://schemas.openxmlformats.org/presentationml/2006/main">
   <p:cSld>
     <p:spTree>
@@ -11524,7 +11406,7 @@
           <a:effectLst/>
           <a:extLst>
             <a:ext uri="{AF507438-7753-43e0-B8FC-AC1667EBCBE1}">
-              <a14:hiddenEffects xmlns="" xmlns:a14="http://schemas.microsoft.com/office/drawing/2010/main">
+              <a14:hiddenEffects xmlns:a14="http://schemas.microsoft.com/office/drawing/2010/main" xmlns="">
                 <a:effectLst>
                   <a:outerShdw blurRad="63500" dist="38099" dir="2700000" algn="ctr" rotWithShape="0">
                     <a:schemeClr val="bg2">
@@ -12098,6 +11980,139 @@
           </a:prstGeom>
         </p:spPr>
       </p:pic>
+      <p:sp>
+        <p:nvSpPr>
+          <p:cNvPr id="4" name="Left Arrow 3">
+            <a:extLst>
+              <a:ext uri="{FF2B5EF4-FFF2-40B4-BE49-F238E27FC236}">
+                <a16:creationId xmlns:a16="http://schemas.microsoft.com/office/drawing/2014/main" id="{342345EE-A003-334F-8FBB-A70463442E64}"/>
+              </a:ext>
+            </a:extLst>
+          </p:cNvPr>
+          <p:cNvSpPr/>
+          <p:nvPr/>
+        </p:nvSpPr>
+        <p:spPr bwMode="auto">
+          <a:xfrm>
+            <a:off x="5867400" y="4953000"/>
+            <a:ext cx="457200" cy="304800"/>
+          </a:xfrm>
+          <a:prstGeom prst="leftArrow">
+            <a:avLst/>
+          </a:prstGeom>
+          <a:solidFill>
+            <a:srgbClr val="FF0000"/>
+          </a:solidFill>
+          <a:ln w="9525" cap="flat" cmpd="sng" algn="ctr">
+            <a:solidFill>
+              <a:schemeClr val="tx1"/>
+            </a:solidFill>
+            <a:prstDash val="solid"/>
+            <a:round/>
+            <a:headEnd type="none" w="med" len="med"/>
+            <a:tailEnd type="none" w="med" len="med"/>
+          </a:ln>
+          <a:effectLst/>
+          <a:extLst>
+            <a:ext uri="{AF507438-7753-43e0-B8FC-AC1667EBCBE1}">
+              <a14:hiddenEffects xmlns:a14="http://schemas.microsoft.com/office/drawing/2010/main" xmlns="">
+                <a:effectLst>
+                  <a:outerShdw blurRad="63500" dist="38099" dir="2700000" algn="ctr" rotWithShape="0">
+                    <a:schemeClr val="bg2">
+                      <a:alpha val="74998"/>
+                    </a:schemeClr>
+                  </a:outerShdw>
+                </a:effectLst>
+              </a14:hiddenEffects>
+            </a:ext>
+          </a:extLst>
+        </p:spPr>
+        <p:txBody>
+          <a:bodyPr vert="horz" wrap="square" lIns="91440" tIns="45720" rIns="91440" bIns="45720" numCol="1" rtlCol="0" anchor="t" anchorCtr="0" compatLnSpc="1">
+            <a:prstTxWarp prst="textNoShape">
+              <a:avLst/>
+            </a:prstTxWarp>
+          </a:bodyPr>
+          <a:lstStyle/>
+          <a:p>
+            <a:pPr marL="0" marR="0" indent="0" algn="l" defTabSz="914400" rtl="0" eaLnBrk="0" fontAlgn="base" latinLnBrk="0" hangingPunct="0">
+              <a:lnSpc>
+                <a:spcPct val="100000"/>
+              </a:lnSpc>
+              <a:spcBef>
+                <a:spcPct val="0"/>
+              </a:spcBef>
+              <a:spcAft>
+                <a:spcPct val="0"/>
+              </a:spcAft>
+              <a:buClrTx/>
+              <a:buSzTx/>
+              <a:buFontTx/>
+              <a:buNone/>
+              <a:tabLst/>
+            </a:pPr>
+            <a:endParaRPr kumimoji="0" lang="en-US" sz="2400" b="0" i="0" u="none" strike="noStrike" cap="none" normalizeH="0" baseline="0">
+              <a:ln>
+                <a:noFill/>
+              </a:ln>
+              <a:solidFill>
+                <a:srgbClr val="000000"/>
+              </a:solidFill>
+              <a:effectLst/>
+              <a:latin typeface="Arial" charset="0"/>
+              <a:ea typeface="ＭＳ Ｐゴシック" charset="0"/>
+              <a:cs typeface="ＭＳ Ｐゴシック" charset="0"/>
+            </a:endParaRPr>
+          </a:p>
+        </p:txBody>
+      </p:sp>
+      <p:sp>
+        <p:nvSpPr>
+          <p:cNvPr id="6" name="TextBox 5">
+            <a:extLst>
+              <a:ext uri="{FF2B5EF4-FFF2-40B4-BE49-F238E27FC236}">
+                <a16:creationId xmlns:a16="http://schemas.microsoft.com/office/drawing/2014/main" id="{0820AC58-CC55-6748-82BD-6FBE6DA466EF}"/>
+              </a:ext>
+            </a:extLst>
+          </p:cNvPr>
+          <p:cNvSpPr txBox="1"/>
+          <p:nvPr/>
+        </p:nvSpPr>
+        <p:spPr>
+          <a:xfrm>
+            <a:off x="1524000" y="5994400"/>
+            <a:ext cx="6888424" cy="523220"/>
+          </a:xfrm>
+          <a:prstGeom prst="rect">
+            <a:avLst/>
+          </a:prstGeom>
+          <a:noFill/>
+        </p:spPr>
+        <p:txBody>
+          <a:bodyPr wrap="none" rtlCol="0">
+            <a:spAutoFit/>
+          </a:bodyPr>
+          <a:lstStyle/>
+          <a:p>
+            <a:r>
+              <a:rPr lang="en-US" dirty="0"/>
+              <a:t>Note: labels cannot appear by themselves, so we have to put a noop instruction here</a:t>
+            </a:r>
+            <a:br>
+              <a:rPr lang="en-US" dirty="0"/>
+            </a:br>
+            <a:r>
+              <a:rPr lang="en-US" dirty="0"/>
+              <a:t>in order to make this a </a:t>
+            </a:r>
+            <a:r>
+              <a:rPr lang="en-US"/>
+              <a:t>legal pattern.</a:t>
+            </a:r>
+            <a:endParaRPr lang="en-US" dirty="0"/>
+          </a:p>
+        </p:txBody>
+      </p:sp>
     </p:spTree>
     <p:extLst>
       <p:ext uri="{BB962C8B-B14F-4D97-AF65-F5344CB8AC3E}">
@@ -12334,7 +12349,7 @@
           <a:p>
             <a:r>
               <a:rPr lang="en-US" dirty="0"/>
-              <a:t>A Basic Compiler</a:t>
+              <a:t>A Basic Compiler Architecture</a:t>
             </a:r>
           </a:p>
         </p:txBody>
@@ -12349,89 +12364,65 @@
             <p:ph idx="1"/>
           </p:nvPr>
         </p:nvSpPr>
-        <p:spPr/>
-        <p:txBody>
-          <a:bodyPr>
-            <a:normAutofit fontScale="92500" lnSpcReduction="20000"/>
-          </a:bodyPr>
-          <a:lstStyle/>
-          <a:p>
-            <a:r>
-              <a:rPr lang="en-US" dirty="0"/>
-              <a:t>One thing to keep in mind is the notion of </a:t>
-            </a:r>
-            <a:r>
-              <a:rPr lang="en-US" i="1" dirty="0"/>
-              <a:t>target pattern compositionality</a:t>
-            </a:r>
-            <a:r>
-              <a:rPr lang="en-US" dirty="0"/>
-              <a:t>. </a:t>
-            </a:r>
-          </a:p>
-          <a:p>
-            <a:r>
-              <a:rPr lang="en-US" dirty="0"/>
-              <a:t>By that we mean that any target language patterns generated from the same class of AST patterns should be able to be composed,</a:t>
-            </a:r>
-          </a:p>
-          <a:p>
-            <a:pPr lvl="1"/>
-            <a:r>
-              <a:rPr lang="en-US" dirty="0"/>
-              <a:t>Any one of the Exp1bytecode patterns due to statements in Cuppa1 should be able to be composed with any other Exp1bytecode pattern due to a statement without ever generating incorrect target code. </a:t>
-            </a:r>
-          </a:p>
-          <a:p>
-            <a:pPr lvl="1"/>
-            <a:r>
-              <a:rPr lang="en-US" dirty="0"/>
-              <a:t>The same thing is true for Exp1bycode patterns generated from Cuppa1 expressions</a:t>
-            </a:r>
-          </a:p>
-        </p:txBody>
-      </p:sp>
-      <p:sp>
-        <p:nvSpPr>
-          <p:cNvPr id="4" name="TextBox 3"/>
-          <p:cNvSpPr txBox="1"/>
-          <p:nvPr/>
-        </p:nvSpPr>
         <p:spPr>
           <a:xfrm>
-            <a:off x="693502" y="6278661"/>
-            <a:ext cx="7756995" cy="307777"/>
+            <a:off x="457200" y="1719263"/>
+            <a:ext cx="8229600" cy="1100137"/>
+          </a:xfrm>
+        </p:spPr>
+        <p:txBody>
+          <a:bodyPr/>
+          <a:lstStyle/>
+          <a:p>
+            <a:r>
+              <a:rPr lang="en-US" dirty="0"/>
+              <a:t>Our basic compiler consists of:</a:t>
+            </a:r>
+          </a:p>
+          <a:p>
+            <a:pPr lvl="1"/>
+            <a:r>
+              <a:rPr lang="en-US" dirty="0"/>
+              <a:t>The Cuppa1 frontend</a:t>
+            </a:r>
+          </a:p>
+          <a:p>
+            <a:pPr lvl="1"/>
+            <a:r>
+              <a:rPr lang="en-US" dirty="0"/>
+              <a:t>A code generation tree walker</a:t>
+            </a:r>
+          </a:p>
+        </p:txBody>
+      </p:sp>
+      <p:pic>
+        <p:nvPicPr>
+          <p:cNvPr id="5" name="Picture 4"/>
+          <p:cNvPicPr>
+            <a:picLocks noChangeAspect="1"/>
+          </p:cNvPicPr>
+          <p:nvPr/>
+        </p:nvPicPr>
+        <p:blipFill>
+          <a:blip r:embed="rId2"/>
+          <a:stretch>
+            <a:fillRect/>
+          </a:stretch>
+        </p:blipFill>
+        <p:spPr>
+          <a:xfrm>
+            <a:off x="990600" y="3570705"/>
+            <a:ext cx="6705600" cy="3058695"/>
           </a:xfrm>
           <a:prstGeom prst="rect">
             <a:avLst/>
           </a:prstGeom>
-          <a:noFill/>
         </p:spPr>
-        <p:txBody>
-          <a:bodyPr wrap="none" rtlCol="0">
-            <a:spAutoFit/>
-          </a:bodyPr>
-          <a:lstStyle/>
-          <a:p>
-            <a:r>
-              <a:rPr lang="en-US" dirty="0"/>
-              <a:t>See the ‘</a:t>
-            </a:r>
-            <a:r>
-              <a:rPr lang="en-US" dirty="0" err="1"/>
-              <a:t>noop</a:t>
-            </a:r>
-            <a:r>
-              <a:rPr lang="en-US" dirty="0"/>
-              <a:t>’ instructions at the end of the target patterns for ‘while’, ’if-then’, and ‘if-then-else’.</a:t>
-            </a:r>
-          </a:p>
-        </p:txBody>
-      </p:sp>
+      </p:pic>
     </p:spTree>
     <p:extLst>
       <p:ext uri="{BB962C8B-B14F-4D97-AF65-F5344CB8AC3E}">
-        <p14:creationId xmlns:p14="http://schemas.microsoft.com/office/powerpoint/2010/main" val="433471177"/>
+        <p14:creationId xmlns:p14="http://schemas.microsoft.com/office/powerpoint/2010/main" val="1786695996"/>
       </p:ext>
     </p:extLst>
   </p:cSld>
@@ -12687,7 +12678,7 @@
         <a:effectLst/>
         <a:extLst>
           <a:ext uri="{AF507438-7753-43e0-B8FC-AC1667EBCBE1}">
-            <a14:hiddenEffects xmlns:a14="http://schemas.microsoft.com/office/drawing/2010/main" xmlns="">
+            <a14:hiddenEffects xmlns="" xmlns:a14="http://schemas.microsoft.com/office/drawing/2010/main">
               <a:effectLst>
                 <a:outerShdw blurRad="63500" dist="38099" dir="2700000" algn="ctr" rotWithShape="0">
                   <a:schemeClr val="bg2">
@@ -12764,7 +12755,7 @@
         <a:effectLst/>
         <a:extLst>
           <a:ext uri="{AF507438-7753-43e0-B8FC-AC1667EBCBE1}">
-            <a14:hiddenEffects xmlns:a14="http://schemas.microsoft.com/office/drawing/2010/main" xmlns="">
+            <a14:hiddenEffects xmlns="" xmlns:a14="http://schemas.microsoft.com/office/drawing/2010/main">
               <a:effectLst>
                 <a:outerShdw blurRad="63500" dist="38099" dir="2700000" algn="ctr" rotWithShape="0">
                   <a:schemeClr val="bg2">

--- a/notes/csc402-ln007.pptx
+++ b/notes/csc402-ln007.pptx
@@ -229,17 +229,17 @@
           </a:ln>
           <a:extLst>
             <a:ext uri="{FAA26D3D-D897-4be2-8F04-BA451C77F1D7}">
-              <ma14:placeholderFlag xmlns:ma14="http://schemas.microsoft.com/office/mac/drawingml/2011/main" xmlns="" val="1"/>
+              <ma14:placeholderFlag xmlns="" xmlns:ma14="http://schemas.microsoft.com/office/mac/drawingml/2011/main" val="1"/>
             </a:ext>
             <a:ext uri="{909E8E84-426E-40dd-AFC4-6F175D3DCCD1}">
-              <a14:hiddenFill xmlns="" xmlns:a14="http://schemas.microsoft.com/office/drawing/2010/main">
+              <a14:hiddenFill xmlns:a14="http://schemas.microsoft.com/office/drawing/2010/main" xmlns="">
                 <a:solidFill>
                   <a:schemeClr val="accent1"/>
                 </a:solidFill>
               </a14:hiddenFill>
             </a:ext>
             <a:ext uri="{91240B29-F687-4f45-9708-019B960494DF}">
-              <a14:hiddenLine xmlns="" xmlns:a14="http://schemas.microsoft.com/office/drawing/2010/main" w="9525">
+              <a14:hiddenLine xmlns:a14="http://schemas.microsoft.com/office/drawing/2010/main" xmlns="" w="9525">
                 <a:solidFill>
                   <a:schemeClr val="tx1"/>
                 </a:solidFill>
@@ -290,17 +290,17 @@
           </a:ln>
           <a:extLst>
             <a:ext uri="{FAA26D3D-D897-4be2-8F04-BA451C77F1D7}">
-              <ma14:placeholderFlag xmlns:ma14="http://schemas.microsoft.com/office/mac/drawingml/2011/main" xmlns="" val="1"/>
+              <ma14:placeholderFlag xmlns="" xmlns:ma14="http://schemas.microsoft.com/office/mac/drawingml/2011/main" val="1"/>
             </a:ext>
             <a:ext uri="{909E8E84-426E-40dd-AFC4-6F175D3DCCD1}">
-              <a14:hiddenFill xmlns="" xmlns:a14="http://schemas.microsoft.com/office/drawing/2010/main">
+              <a14:hiddenFill xmlns:a14="http://schemas.microsoft.com/office/drawing/2010/main" xmlns="">
                 <a:solidFill>
                   <a:schemeClr val="accent1"/>
                 </a:solidFill>
               </a14:hiddenFill>
             </a:ext>
             <a:ext uri="{91240B29-F687-4f45-9708-019B960494DF}">
-              <a14:hiddenLine xmlns="" xmlns:a14="http://schemas.microsoft.com/office/drawing/2010/main" w="9525">
+              <a14:hiddenLine xmlns:a14="http://schemas.microsoft.com/office/drawing/2010/main" xmlns="" w="9525">
                 <a:solidFill>
                   <a:schemeClr val="tx1"/>
                 </a:solidFill>
@@ -357,7 +357,7 @@
           <a:effectLst/>
           <a:extLst>
             <a:ext uri="{AF507438-7753-43e0-B8FC-AC1667EBCBE1}">
-              <a14:hiddenEffects xmlns="" xmlns:a14="http://schemas.microsoft.com/office/drawing/2010/main">
+              <a14:hiddenEffects xmlns:a14="http://schemas.microsoft.com/office/drawing/2010/main" xmlns="">
                 <a:effectLst>
                   <a:outerShdw blurRad="63500" dist="38099" dir="2700000" algn="ctr" rotWithShape="0">
                     <a:srgbClr val="000000">
@@ -368,7 +368,7 @@
               </a14:hiddenEffects>
             </a:ext>
             <a:ext uri="{53640926-AAD7-44d8-BBD7-CCE9431645EC}">
-              <a14:shadowObscured xmlns="" xmlns:a14="http://schemas.microsoft.com/office/drawing/2010/main" val="1"/>
+              <a14:shadowObscured xmlns:a14="http://schemas.microsoft.com/office/drawing/2010/main" xmlns="" val="1"/>
             </a:ext>
           </a:extLst>
         </p:spPr>
@@ -397,17 +397,17 @@
           </a:ln>
           <a:extLst>
             <a:ext uri="{FAA26D3D-D897-4be2-8F04-BA451C77F1D7}">
-              <ma14:placeholderFlag xmlns:ma14="http://schemas.microsoft.com/office/mac/drawingml/2011/main" xmlns="" val="1"/>
+              <ma14:placeholderFlag xmlns="" xmlns:ma14="http://schemas.microsoft.com/office/mac/drawingml/2011/main" val="1"/>
             </a:ext>
             <a:ext uri="{909E8E84-426E-40dd-AFC4-6F175D3DCCD1}">
-              <a14:hiddenFill xmlns="" xmlns:a14="http://schemas.microsoft.com/office/drawing/2010/main">
+              <a14:hiddenFill xmlns:a14="http://schemas.microsoft.com/office/drawing/2010/main" xmlns="">
                 <a:solidFill>
                   <a:schemeClr val="accent1"/>
                 </a:solidFill>
               </a14:hiddenFill>
             </a:ext>
             <a:ext uri="{91240B29-F687-4f45-9708-019B960494DF}">
-              <a14:hiddenLine xmlns="" xmlns:a14="http://schemas.microsoft.com/office/drawing/2010/main" w="9525">
+              <a14:hiddenLine xmlns:a14="http://schemas.microsoft.com/office/drawing/2010/main" xmlns="" w="9525">
                 <a:solidFill>
                   <a:schemeClr val="tx1"/>
                 </a:solidFill>
@@ -486,17 +486,17 @@
           </a:ln>
           <a:extLst>
             <a:ext uri="{FAA26D3D-D897-4be2-8F04-BA451C77F1D7}">
-              <ma14:placeholderFlag xmlns:ma14="http://schemas.microsoft.com/office/mac/drawingml/2011/main" xmlns="" val="1"/>
+              <ma14:placeholderFlag xmlns="" xmlns:ma14="http://schemas.microsoft.com/office/mac/drawingml/2011/main" val="1"/>
             </a:ext>
             <a:ext uri="{909E8E84-426E-40dd-AFC4-6F175D3DCCD1}">
-              <a14:hiddenFill xmlns="" xmlns:a14="http://schemas.microsoft.com/office/drawing/2010/main">
+              <a14:hiddenFill xmlns:a14="http://schemas.microsoft.com/office/drawing/2010/main" xmlns="">
                 <a:solidFill>
                   <a:schemeClr val="accent1"/>
                 </a:solidFill>
               </a14:hiddenFill>
             </a:ext>
             <a:ext uri="{91240B29-F687-4f45-9708-019B960494DF}">
-              <a14:hiddenLine xmlns="" xmlns:a14="http://schemas.microsoft.com/office/drawing/2010/main" w="9525">
+              <a14:hiddenLine xmlns:a14="http://schemas.microsoft.com/office/drawing/2010/main" xmlns="" w="9525">
                 <a:solidFill>
                   <a:schemeClr val="tx1"/>
                 </a:solidFill>
@@ -547,17 +547,17 @@
           </a:ln>
           <a:extLst>
             <a:ext uri="{FAA26D3D-D897-4be2-8F04-BA451C77F1D7}">
-              <ma14:placeholderFlag xmlns:ma14="http://schemas.microsoft.com/office/mac/drawingml/2011/main" xmlns="" val="1"/>
+              <ma14:placeholderFlag xmlns="" xmlns:ma14="http://schemas.microsoft.com/office/mac/drawingml/2011/main" val="1"/>
             </a:ext>
             <a:ext uri="{909E8E84-426E-40dd-AFC4-6F175D3DCCD1}">
-              <a14:hiddenFill xmlns="" xmlns:a14="http://schemas.microsoft.com/office/drawing/2010/main">
+              <a14:hiddenFill xmlns:a14="http://schemas.microsoft.com/office/drawing/2010/main" xmlns="">
                 <a:solidFill>
                   <a:schemeClr val="accent1"/>
                 </a:solidFill>
               </a14:hiddenFill>
             </a:ext>
             <a:ext uri="{91240B29-F687-4f45-9708-019B960494DF}">
-              <a14:hiddenLine xmlns="" xmlns:a14="http://schemas.microsoft.com/office/drawing/2010/main" w="9525">
+              <a14:hiddenLine xmlns:a14="http://schemas.microsoft.com/office/drawing/2010/main" xmlns="" w="9525">
                 <a:solidFill>
                   <a:schemeClr val="tx1"/>
                 </a:solidFill>
@@ -852,12 +852,12 @@
           <a:effectLst/>
           <a:extLst>
             <a:ext uri="{909E8E84-426E-40dd-AFC4-6F175D3DCCD1}">
-              <a14:hiddenFill xmlns="" xmlns:a14="http://schemas.microsoft.com/office/drawing/2010/main">
+              <a14:hiddenFill xmlns:a14="http://schemas.microsoft.com/office/drawing/2010/main" xmlns="">
                 <a:noFill/>
               </a14:hiddenFill>
             </a:ext>
             <a:ext uri="{AF507438-7753-43e0-B8FC-AC1667EBCBE1}">
-              <a14:hiddenEffects xmlns="" xmlns:a14="http://schemas.microsoft.com/office/drawing/2010/main">
+              <a14:hiddenEffects xmlns:a14="http://schemas.microsoft.com/office/drawing/2010/main" xmlns="">
                 <a:effectLst>
                   <a:outerShdw blurRad="63500" dist="38099" dir="2700000" algn="ctr" rotWithShape="0">
                     <a:schemeClr val="bg2">
@@ -1058,7 +1058,7 @@
             <a:effectLst/>
             <a:extLst>
               <a:ext uri="{91240B29-F687-4f45-9708-019B960494DF}">
-                <a14:hiddenLine xmlns="" xmlns:a14="http://schemas.microsoft.com/office/drawing/2010/main" w="9525">
+                <a14:hiddenLine xmlns:a14="http://schemas.microsoft.com/office/drawing/2010/main" xmlns="" w="9525">
                   <a:solidFill>
                     <a:schemeClr val="tx1"/>
                   </a:solidFill>
@@ -1068,7 +1068,7 @@
                 </a14:hiddenLine>
               </a:ext>
               <a:ext uri="{AF507438-7753-43e0-B8FC-AC1667EBCBE1}">
-                <a14:hiddenEffects xmlns="" xmlns:a14="http://schemas.microsoft.com/office/drawing/2010/main">
+                <a14:hiddenEffects xmlns:a14="http://schemas.microsoft.com/office/drawing/2010/main" xmlns="">
                   <a:effectLst>
                     <a:outerShdw blurRad="63500" dist="38099" dir="2700000" algn="ctr" rotWithShape="0">
                       <a:schemeClr val="bg2">
@@ -1113,7 +1113,7 @@
             <a:effectLst/>
             <a:extLst>
               <a:ext uri="{91240B29-F687-4f45-9708-019B960494DF}">
-                <a14:hiddenLine xmlns="" xmlns:a14="http://schemas.microsoft.com/office/drawing/2010/main" w="9525">
+                <a14:hiddenLine xmlns:a14="http://schemas.microsoft.com/office/drawing/2010/main" xmlns="" w="9525">
                   <a:solidFill>
                     <a:schemeClr val="tx1"/>
                   </a:solidFill>
@@ -1123,7 +1123,7 @@
                 </a14:hiddenLine>
               </a:ext>
               <a:ext uri="{AF507438-7753-43e0-B8FC-AC1667EBCBE1}">
-                <a14:hiddenEffects xmlns="" xmlns:a14="http://schemas.microsoft.com/office/drawing/2010/main">
+                <a14:hiddenEffects xmlns:a14="http://schemas.microsoft.com/office/drawing/2010/main" xmlns="">
                   <a:effectLst>
                     <a:outerShdw blurRad="63500" dist="38099" dir="2700000" algn="ctr" rotWithShape="0">
                       <a:schemeClr val="bg2">
@@ -1168,7 +1168,7 @@
             <a:effectLst/>
             <a:extLst>
               <a:ext uri="{91240B29-F687-4f45-9708-019B960494DF}">
-                <a14:hiddenLine xmlns="" xmlns:a14="http://schemas.microsoft.com/office/drawing/2010/main" w="9525">
+                <a14:hiddenLine xmlns:a14="http://schemas.microsoft.com/office/drawing/2010/main" xmlns="" w="9525">
                   <a:solidFill>
                     <a:schemeClr val="tx1"/>
                   </a:solidFill>
@@ -1178,7 +1178,7 @@
                 </a14:hiddenLine>
               </a:ext>
               <a:ext uri="{AF507438-7753-43e0-B8FC-AC1667EBCBE1}">
-                <a14:hiddenEffects xmlns="" xmlns:a14="http://schemas.microsoft.com/office/drawing/2010/main">
+                <a14:hiddenEffects xmlns:a14="http://schemas.microsoft.com/office/drawing/2010/main" xmlns="">
                   <a:effectLst>
                     <a:outerShdw blurRad="63500" dist="38099" dir="2700000" algn="ctr" rotWithShape="0">
                       <a:schemeClr val="bg2">
@@ -1223,7 +1223,7 @@
             <a:effectLst/>
             <a:extLst>
               <a:ext uri="{91240B29-F687-4f45-9708-019B960494DF}">
-                <a14:hiddenLine xmlns="" xmlns:a14="http://schemas.microsoft.com/office/drawing/2010/main" w="9525">
+                <a14:hiddenLine xmlns:a14="http://schemas.microsoft.com/office/drawing/2010/main" xmlns="" w="9525">
                   <a:solidFill>
                     <a:schemeClr val="tx1"/>
                   </a:solidFill>
@@ -1233,7 +1233,7 @@
                 </a14:hiddenLine>
               </a:ext>
               <a:ext uri="{AF507438-7753-43e0-B8FC-AC1667EBCBE1}">
-                <a14:hiddenEffects xmlns="" xmlns:a14="http://schemas.microsoft.com/office/drawing/2010/main">
+                <a14:hiddenEffects xmlns:a14="http://schemas.microsoft.com/office/drawing/2010/main" xmlns="">
                   <a:effectLst>
                     <a:outerShdw blurRad="63500" dist="38099" dir="2700000" algn="ctr" rotWithShape="0">
                       <a:schemeClr val="bg2">
@@ -1278,7 +1278,7 @@
             <a:effectLst/>
             <a:extLst>
               <a:ext uri="{91240B29-F687-4f45-9708-019B960494DF}">
-                <a14:hiddenLine xmlns="" xmlns:a14="http://schemas.microsoft.com/office/drawing/2010/main" w="9525">
+                <a14:hiddenLine xmlns:a14="http://schemas.microsoft.com/office/drawing/2010/main" xmlns="" w="9525">
                   <a:solidFill>
                     <a:schemeClr val="tx1"/>
                   </a:solidFill>
@@ -1288,7 +1288,7 @@
                 </a14:hiddenLine>
               </a:ext>
               <a:ext uri="{AF507438-7753-43e0-B8FC-AC1667EBCBE1}">
-                <a14:hiddenEffects xmlns="" xmlns:a14="http://schemas.microsoft.com/office/drawing/2010/main">
+                <a14:hiddenEffects xmlns:a14="http://schemas.microsoft.com/office/drawing/2010/main" xmlns="">
                   <a:effectLst>
                     <a:outerShdw blurRad="63500" dist="38099" dir="2700000" algn="ctr" rotWithShape="0">
                       <a:schemeClr val="bg2">
@@ -1333,7 +1333,7 @@
             <a:effectLst/>
             <a:extLst>
               <a:ext uri="{91240B29-F687-4f45-9708-019B960494DF}">
-                <a14:hiddenLine xmlns="" xmlns:a14="http://schemas.microsoft.com/office/drawing/2010/main" w="9525">
+                <a14:hiddenLine xmlns:a14="http://schemas.microsoft.com/office/drawing/2010/main" xmlns="" w="9525">
                   <a:solidFill>
                     <a:schemeClr val="tx1"/>
                   </a:solidFill>
@@ -1343,7 +1343,7 @@
                 </a14:hiddenLine>
               </a:ext>
               <a:ext uri="{AF507438-7753-43e0-B8FC-AC1667EBCBE1}">
-                <a14:hiddenEffects xmlns="" xmlns:a14="http://schemas.microsoft.com/office/drawing/2010/main">
+                <a14:hiddenEffects xmlns:a14="http://schemas.microsoft.com/office/drawing/2010/main" xmlns="">
                   <a:effectLst>
                     <a:outerShdw blurRad="63500" dist="38099" dir="2700000" algn="ctr" rotWithShape="0">
                       <a:schemeClr val="bg2">
@@ -1388,7 +1388,7 @@
             <a:effectLst/>
             <a:extLst>
               <a:ext uri="{91240B29-F687-4f45-9708-019B960494DF}">
-                <a14:hiddenLine xmlns="" xmlns:a14="http://schemas.microsoft.com/office/drawing/2010/main" w="9525">
+                <a14:hiddenLine xmlns:a14="http://schemas.microsoft.com/office/drawing/2010/main" xmlns="" w="9525">
                   <a:solidFill>
                     <a:schemeClr val="tx1"/>
                   </a:solidFill>
@@ -1398,7 +1398,7 @@
                 </a14:hiddenLine>
               </a:ext>
               <a:ext uri="{AF507438-7753-43e0-B8FC-AC1667EBCBE1}">
-                <a14:hiddenEffects xmlns="" xmlns:a14="http://schemas.microsoft.com/office/drawing/2010/main">
+                <a14:hiddenEffects xmlns:a14="http://schemas.microsoft.com/office/drawing/2010/main" xmlns="">
                   <a:effectLst>
                     <a:outerShdw blurRad="63500" dist="38099" dir="2700000" algn="ctr" rotWithShape="0">
                       <a:schemeClr val="bg2">
@@ -1443,7 +1443,7 @@
             <a:effectLst/>
             <a:extLst>
               <a:ext uri="{91240B29-F687-4f45-9708-019B960494DF}">
-                <a14:hiddenLine xmlns="" xmlns:a14="http://schemas.microsoft.com/office/drawing/2010/main" w="9525">
+                <a14:hiddenLine xmlns:a14="http://schemas.microsoft.com/office/drawing/2010/main" xmlns="" w="9525">
                   <a:solidFill>
                     <a:schemeClr val="tx1"/>
                   </a:solidFill>
@@ -1453,7 +1453,7 @@
                 </a14:hiddenLine>
               </a:ext>
               <a:ext uri="{AF507438-7753-43e0-B8FC-AC1667EBCBE1}">
-                <a14:hiddenEffects xmlns="" xmlns:a14="http://schemas.microsoft.com/office/drawing/2010/main">
+                <a14:hiddenEffects xmlns:a14="http://schemas.microsoft.com/office/drawing/2010/main" xmlns="">
                   <a:effectLst>
                     <a:outerShdw blurRad="63500" dist="38099" dir="2700000" algn="ctr" rotWithShape="0">
                       <a:schemeClr val="bg2">
@@ -1498,7 +1498,7 @@
             <a:effectLst/>
             <a:extLst>
               <a:ext uri="{91240B29-F687-4f45-9708-019B960494DF}">
-                <a14:hiddenLine xmlns="" xmlns:a14="http://schemas.microsoft.com/office/drawing/2010/main" w="9525">
+                <a14:hiddenLine xmlns:a14="http://schemas.microsoft.com/office/drawing/2010/main" xmlns="" w="9525">
                   <a:solidFill>
                     <a:schemeClr val="tx1"/>
                   </a:solidFill>
@@ -1508,7 +1508,7 @@
                 </a14:hiddenLine>
               </a:ext>
               <a:ext uri="{AF507438-7753-43e0-B8FC-AC1667EBCBE1}">
-                <a14:hiddenEffects xmlns="" xmlns:a14="http://schemas.microsoft.com/office/drawing/2010/main">
+                <a14:hiddenEffects xmlns:a14="http://schemas.microsoft.com/office/drawing/2010/main" xmlns="">
                   <a:effectLst>
                     <a:outerShdw blurRad="63500" dist="38099" dir="2700000" algn="ctr" rotWithShape="0">
                       <a:schemeClr val="bg2">
@@ -1553,7 +1553,7 @@
             <a:effectLst/>
             <a:extLst>
               <a:ext uri="{91240B29-F687-4f45-9708-019B960494DF}">
-                <a14:hiddenLine xmlns="" xmlns:a14="http://schemas.microsoft.com/office/drawing/2010/main" w="9525">
+                <a14:hiddenLine xmlns:a14="http://schemas.microsoft.com/office/drawing/2010/main" xmlns="" w="9525">
                   <a:solidFill>
                     <a:schemeClr val="tx1"/>
                   </a:solidFill>
@@ -1563,7 +1563,7 @@
                 </a14:hiddenLine>
               </a:ext>
               <a:ext uri="{AF507438-7753-43e0-B8FC-AC1667EBCBE1}">
-                <a14:hiddenEffects xmlns="" xmlns:a14="http://schemas.microsoft.com/office/drawing/2010/main">
+                <a14:hiddenEffects xmlns:a14="http://schemas.microsoft.com/office/drawing/2010/main" xmlns="">
                   <a:effectLst>
                     <a:outerShdw blurRad="63500" dist="38099" dir="2700000" algn="ctr" rotWithShape="0">
                       <a:schemeClr val="bg2">
@@ -1608,7 +1608,7 @@
             <a:effectLst/>
             <a:extLst>
               <a:ext uri="{91240B29-F687-4f45-9708-019B960494DF}">
-                <a14:hiddenLine xmlns="" xmlns:a14="http://schemas.microsoft.com/office/drawing/2010/main" w="9525">
+                <a14:hiddenLine xmlns:a14="http://schemas.microsoft.com/office/drawing/2010/main" xmlns="" w="9525">
                   <a:solidFill>
                     <a:schemeClr val="tx1"/>
                   </a:solidFill>
@@ -1618,7 +1618,7 @@
                 </a14:hiddenLine>
               </a:ext>
               <a:ext uri="{AF507438-7753-43e0-B8FC-AC1667EBCBE1}">
-                <a14:hiddenEffects xmlns="" xmlns:a14="http://schemas.microsoft.com/office/drawing/2010/main">
+                <a14:hiddenEffects xmlns:a14="http://schemas.microsoft.com/office/drawing/2010/main" xmlns="">
                   <a:effectLst>
                     <a:outerShdw blurRad="63500" dist="38099" dir="2700000" algn="ctr" rotWithShape="0">
                       <a:schemeClr val="bg2">
@@ -1663,7 +1663,7 @@
             <a:effectLst/>
             <a:extLst>
               <a:ext uri="{91240B29-F687-4f45-9708-019B960494DF}">
-                <a14:hiddenLine xmlns="" xmlns:a14="http://schemas.microsoft.com/office/drawing/2010/main" w="9525">
+                <a14:hiddenLine xmlns:a14="http://schemas.microsoft.com/office/drawing/2010/main" xmlns="" w="9525">
                   <a:solidFill>
                     <a:schemeClr val="tx1"/>
                   </a:solidFill>
@@ -1673,7 +1673,7 @@
                 </a14:hiddenLine>
               </a:ext>
               <a:ext uri="{AF507438-7753-43e0-B8FC-AC1667EBCBE1}">
-                <a14:hiddenEffects xmlns="" xmlns:a14="http://schemas.microsoft.com/office/drawing/2010/main">
+                <a14:hiddenEffects xmlns:a14="http://schemas.microsoft.com/office/drawing/2010/main" xmlns="">
                   <a:effectLst>
                     <a:outerShdw blurRad="63500" dist="38099" dir="2700000" algn="ctr" rotWithShape="0">
                       <a:schemeClr val="bg2">
@@ -1718,7 +1718,7 @@
             <a:effectLst/>
             <a:extLst>
               <a:ext uri="{91240B29-F687-4f45-9708-019B960494DF}">
-                <a14:hiddenLine xmlns="" xmlns:a14="http://schemas.microsoft.com/office/drawing/2010/main" w="9525">
+                <a14:hiddenLine xmlns:a14="http://schemas.microsoft.com/office/drawing/2010/main" xmlns="" w="9525">
                   <a:solidFill>
                     <a:schemeClr val="tx1"/>
                   </a:solidFill>
@@ -1728,7 +1728,7 @@
                 </a14:hiddenLine>
               </a:ext>
               <a:ext uri="{AF507438-7753-43e0-B8FC-AC1667EBCBE1}">
-                <a14:hiddenEffects xmlns="" xmlns:a14="http://schemas.microsoft.com/office/drawing/2010/main">
+                <a14:hiddenEffects xmlns:a14="http://schemas.microsoft.com/office/drawing/2010/main" xmlns="">
                   <a:effectLst>
                     <a:outerShdw blurRad="63500" dist="38099" dir="2700000" algn="ctr" rotWithShape="0">
                       <a:schemeClr val="bg2">
@@ -1773,7 +1773,7 @@
             <a:effectLst/>
             <a:extLst>
               <a:ext uri="{91240B29-F687-4f45-9708-019B960494DF}">
-                <a14:hiddenLine xmlns="" xmlns:a14="http://schemas.microsoft.com/office/drawing/2010/main" w="9525">
+                <a14:hiddenLine xmlns:a14="http://schemas.microsoft.com/office/drawing/2010/main" xmlns="" w="9525">
                   <a:solidFill>
                     <a:schemeClr val="tx1"/>
                   </a:solidFill>
@@ -1783,7 +1783,7 @@
                 </a14:hiddenLine>
               </a:ext>
               <a:ext uri="{AF507438-7753-43e0-B8FC-AC1667EBCBE1}">
-                <a14:hiddenEffects xmlns="" xmlns:a14="http://schemas.microsoft.com/office/drawing/2010/main">
+                <a14:hiddenEffects xmlns:a14="http://schemas.microsoft.com/office/drawing/2010/main" xmlns="">
                   <a:effectLst>
                     <a:outerShdw blurRad="63500" dist="38099" dir="2700000" algn="ctr" rotWithShape="0">
                       <a:schemeClr val="bg2">
@@ -1828,7 +1828,7 @@
             <a:effectLst/>
             <a:extLst>
               <a:ext uri="{91240B29-F687-4f45-9708-019B960494DF}">
-                <a14:hiddenLine xmlns="" xmlns:a14="http://schemas.microsoft.com/office/drawing/2010/main" w="9525">
+                <a14:hiddenLine xmlns:a14="http://schemas.microsoft.com/office/drawing/2010/main" xmlns="" w="9525">
                   <a:solidFill>
                     <a:schemeClr val="tx1"/>
                   </a:solidFill>
@@ -1838,7 +1838,7 @@
                 </a14:hiddenLine>
               </a:ext>
               <a:ext uri="{AF507438-7753-43e0-B8FC-AC1667EBCBE1}">
-                <a14:hiddenEffects xmlns="" xmlns:a14="http://schemas.microsoft.com/office/drawing/2010/main">
+                <a14:hiddenEffects xmlns:a14="http://schemas.microsoft.com/office/drawing/2010/main" xmlns="">
                   <a:effectLst>
                     <a:outerShdw blurRad="63500" dist="38099" dir="2700000" algn="ctr" rotWithShape="0">
                       <a:schemeClr val="bg2">
@@ -1883,7 +1883,7 @@
             <a:effectLst/>
             <a:extLst>
               <a:ext uri="{91240B29-F687-4f45-9708-019B960494DF}">
-                <a14:hiddenLine xmlns="" xmlns:a14="http://schemas.microsoft.com/office/drawing/2010/main" w="9525">
+                <a14:hiddenLine xmlns:a14="http://schemas.microsoft.com/office/drawing/2010/main" xmlns="" w="9525">
                   <a:solidFill>
                     <a:schemeClr val="tx1"/>
                   </a:solidFill>
@@ -1893,7 +1893,7 @@
                 </a14:hiddenLine>
               </a:ext>
               <a:ext uri="{AF507438-7753-43e0-B8FC-AC1667EBCBE1}">
-                <a14:hiddenEffects xmlns="" xmlns:a14="http://schemas.microsoft.com/office/drawing/2010/main">
+                <a14:hiddenEffects xmlns:a14="http://schemas.microsoft.com/office/drawing/2010/main" xmlns="">
                   <a:effectLst>
                     <a:outerShdw blurRad="63500" dist="38099" dir="2700000" algn="ctr" rotWithShape="0">
                       <a:schemeClr val="bg2">
@@ -1938,7 +1938,7 @@
             <a:effectLst/>
             <a:extLst>
               <a:ext uri="{91240B29-F687-4f45-9708-019B960494DF}">
-                <a14:hiddenLine xmlns="" xmlns:a14="http://schemas.microsoft.com/office/drawing/2010/main" w="9525">
+                <a14:hiddenLine xmlns:a14="http://schemas.microsoft.com/office/drawing/2010/main" xmlns="" w="9525">
                   <a:solidFill>
                     <a:schemeClr val="tx1"/>
                   </a:solidFill>
@@ -1948,7 +1948,7 @@
                 </a14:hiddenLine>
               </a:ext>
               <a:ext uri="{AF507438-7753-43e0-B8FC-AC1667EBCBE1}">
-                <a14:hiddenEffects xmlns="" xmlns:a14="http://schemas.microsoft.com/office/drawing/2010/main">
+                <a14:hiddenEffects xmlns:a14="http://schemas.microsoft.com/office/drawing/2010/main" xmlns="">
                   <a:effectLst>
                     <a:outerShdw blurRad="63500" dist="38099" dir="2700000" algn="ctr" rotWithShape="0">
                       <a:schemeClr val="bg2">
@@ -1993,7 +1993,7 @@
             <a:effectLst/>
             <a:extLst>
               <a:ext uri="{91240B29-F687-4f45-9708-019B960494DF}">
-                <a14:hiddenLine xmlns="" xmlns:a14="http://schemas.microsoft.com/office/drawing/2010/main" w="9525">
+                <a14:hiddenLine xmlns:a14="http://schemas.microsoft.com/office/drawing/2010/main" xmlns="" w="9525">
                   <a:solidFill>
                     <a:schemeClr val="tx1"/>
                   </a:solidFill>
@@ -2003,7 +2003,7 @@
                 </a14:hiddenLine>
               </a:ext>
               <a:ext uri="{AF507438-7753-43e0-B8FC-AC1667EBCBE1}">
-                <a14:hiddenEffects xmlns="" xmlns:a14="http://schemas.microsoft.com/office/drawing/2010/main">
+                <a14:hiddenEffects xmlns:a14="http://schemas.microsoft.com/office/drawing/2010/main" xmlns="">
                   <a:effectLst>
                     <a:outerShdw blurRad="63500" dist="38099" dir="2700000" algn="ctr" rotWithShape="0">
                       <a:schemeClr val="bg2">
@@ -2048,7 +2048,7 @@
             <a:effectLst/>
             <a:extLst>
               <a:ext uri="{91240B29-F687-4f45-9708-019B960494DF}">
-                <a14:hiddenLine xmlns="" xmlns:a14="http://schemas.microsoft.com/office/drawing/2010/main" w="9525">
+                <a14:hiddenLine xmlns:a14="http://schemas.microsoft.com/office/drawing/2010/main" xmlns="" w="9525">
                   <a:solidFill>
                     <a:schemeClr val="tx1"/>
                   </a:solidFill>
@@ -2058,7 +2058,7 @@
                 </a14:hiddenLine>
               </a:ext>
               <a:ext uri="{AF507438-7753-43e0-B8FC-AC1667EBCBE1}">
-                <a14:hiddenEffects xmlns="" xmlns:a14="http://schemas.microsoft.com/office/drawing/2010/main">
+                <a14:hiddenEffects xmlns:a14="http://schemas.microsoft.com/office/drawing/2010/main" xmlns="">
                   <a:effectLst>
                     <a:outerShdw blurRad="63500" dist="38099" dir="2700000" algn="ctr" rotWithShape="0">
                       <a:schemeClr val="bg2">
@@ -2103,7 +2103,7 @@
             <a:effectLst/>
             <a:extLst>
               <a:ext uri="{91240B29-F687-4f45-9708-019B960494DF}">
-                <a14:hiddenLine xmlns="" xmlns:a14="http://schemas.microsoft.com/office/drawing/2010/main" w="9525">
+                <a14:hiddenLine xmlns:a14="http://schemas.microsoft.com/office/drawing/2010/main" xmlns="" w="9525">
                   <a:solidFill>
                     <a:schemeClr val="tx1"/>
                   </a:solidFill>
@@ -2113,7 +2113,7 @@
                 </a14:hiddenLine>
               </a:ext>
               <a:ext uri="{AF507438-7753-43e0-B8FC-AC1667EBCBE1}">
-                <a14:hiddenEffects xmlns="" xmlns:a14="http://schemas.microsoft.com/office/drawing/2010/main">
+                <a14:hiddenEffects xmlns:a14="http://schemas.microsoft.com/office/drawing/2010/main" xmlns="">
                   <a:effectLst>
                     <a:outerShdw blurRad="63500" dist="38099" dir="2700000" algn="ctr" rotWithShape="0">
                       <a:schemeClr val="bg2">
@@ -2158,7 +2158,7 @@
             <a:effectLst/>
             <a:extLst>
               <a:ext uri="{91240B29-F687-4f45-9708-019B960494DF}">
-                <a14:hiddenLine xmlns="" xmlns:a14="http://schemas.microsoft.com/office/drawing/2010/main" w="9525">
+                <a14:hiddenLine xmlns:a14="http://schemas.microsoft.com/office/drawing/2010/main" xmlns="" w="9525">
                   <a:solidFill>
                     <a:schemeClr val="tx1"/>
                   </a:solidFill>
@@ -2168,7 +2168,7 @@
                 </a14:hiddenLine>
               </a:ext>
               <a:ext uri="{AF507438-7753-43e0-B8FC-AC1667EBCBE1}">
-                <a14:hiddenEffects xmlns="" xmlns:a14="http://schemas.microsoft.com/office/drawing/2010/main">
+                <a14:hiddenEffects xmlns:a14="http://schemas.microsoft.com/office/drawing/2010/main" xmlns="">
                   <a:effectLst>
                     <a:outerShdw blurRad="63500" dist="38099" dir="2700000" algn="ctr" rotWithShape="0">
                       <a:schemeClr val="bg2">
@@ -2213,7 +2213,7 @@
             <a:effectLst/>
             <a:extLst>
               <a:ext uri="{91240B29-F687-4f45-9708-019B960494DF}">
-                <a14:hiddenLine xmlns="" xmlns:a14="http://schemas.microsoft.com/office/drawing/2010/main" w="9525">
+                <a14:hiddenLine xmlns:a14="http://schemas.microsoft.com/office/drawing/2010/main" xmlns="" w="9525">
                   <a:solidFill>
                     <a:schemeClr val="tx1"/>
                   </a:solidFill>
@@ -2223,7 +2223,7 @@
                 </a14:hiddenLine>
               </a:ext>
               <a:ext uri="{AF507438-7753-43e0-B8FC-AC1667EBCBE1}">
-                <a14:hiddenEffects xmlns="" xmlns:a14="http://schemas.microsoft.com/office/drawing/2010/main">
+                <a14:hiddenEffects xmlns:a14="http://schemas.microsoft.com/office/drawing/2010/main" xmlns="">
                   <a:effectLst>
                     <a:outerShdw blurRad="63500" dist="38099" dir="2700000" algn="ctr" rotWithShape="0">
                       <a:schemeClr val="bg2">
@@ -2268,7 +2268,7 @@
             <a:effectLst/>
             <a:extLst>
               <a:ext uri="{91240B29-F687-4f45-9708-019B960494DF}">
-                <a14:hiddenLine xmlns="" xmlns:a14="http://schemas.microsoft.com/office/drawing/2010/main" w="9525">
+                <a14:hiddenLine xmlns:a14="http://schemas.microsoft.com/office/drawing/2010/main" xmlns="" w="9525">
                   <a:solidFill>
                     <a:schemeClr val="tx1"/>
                   </a:solidFill>
@@ -2278,7 +2278,7 @@
                 </a14:hiddenLine>
               </a:ext>
               <a:ext uri="{AF507438-7753-43e0-B8FC-AC1667EBCBE1}">
-                <a14:hiddenEffects xmlns="" xmlns:a14="http://schemas.microsoft.com/office/drawing/2010/main">
+                <a14:hiddenEffects xmlns:a14="http://schemas.microsoft.com/office/drawing/2010/main" xmlns="">
                   <a:effectLst>
                     <a:outerShdw blurRad="63500" dist="38099" dir="2700000" algn="ctr" rotWithShape="0">
                       <a:schemeClr val="bg2">
@@ -2323,7 +2323,7 @@
             <a:effectLst/>
             <a:extLst>
               <a:ext uri="{91240B29-F687-4f45-9708-019B960494DF}">
-                <a14:hiddenLine xmlns="" xmlns:a14="http://schemas.microsoft.com/office/drawing/2010/main" w="9525">
+                <a14:hiddenLine xmlns:a14="http://schemas.microsoft.com/office/drawing/2010/main" xmlns="" w="9525">
                   <a:solidFill>
                     <a:schemeClr val="tx1"/>
                   </a:solidFill>
@@ -2333,7 +2333,7 @@
                 </a14:hiddenLine>
               </a:ext>
               <a:ext uri="{AF507438-7753-43e0-B8FC-AC1667EBCBE1}">
-                <a14:hiddenEffects xmlns="" xmlns:a14="http://schemas.microsoft.com/office/drawing/2010/main">
+                <a14:hiddenEffects xmlns:a14="http://schemas.microsoft.com/office/drawing/2010/main" xmlns="">
                   <a:effectLst>
                     <a:outerShdw blurRad="63500" dist="38099" dir="2700000" algn="ctr" rotWithShape="0">
                       <a:schemeClr val="bg2">
@@ -2378,7 +2378,7 @@
             <a:effectLst/>
             <a:extLst>
               <a:ext uri="{91240B29-F687-4f45-9708-019B960494DF}">
-                <a14:hiddenLine xmlns="" xmlns:a14="http://schemas.microsoft.com/office/drawing/2010/main" w="9525">
+                <a14:hiddenLine xmlns:a14="http://schemas.microsoft.com/office/drawing/2010/main" xmlns="" w="9525">
                   <a:solidFill>
                     <a:schemeClr val="tx1"/>
                   </a:solidFill>
@@ -2388,7 +2388,7 @@
                 </a14:hiddenLine>
               </a:ext>
               <a:ext uri="{AF507438-7753-43e0-B8FC-AC1667EBCBE1}">
-                <a14:hiddenEffects xmlns="" xmlns:a14="http://schemas.microsoft.com/office/drawing/2010/main">
+                <a14:hiddenEffects xmlns:a14="http://schemas.microsoft.com/office/drawing/2010/main" xmlns="">
                   <a:effectLst>
                     <a:outerShdw blurRad="63500" dist="38099" dir="2700000" algn="ctr" rotWithShape="0">
                       <a:schemeClr val="bg2">
@@ -2433,7 +2433,7 @@
             <a:effectLst/>
             <a:extLst>
               <a:ext uri="{91240B29-F687-4f45-9708-019B960494DF}">
-                <a14:hiddenLine xmlns="" xmlns:a14="http://schemas.microsoft.com/office/drawing/2010/main" w="9525">
+                <a14:hiddenLine xmlns:a14="http://schemas.microsoft.com/office/drawing/2010/main" xmlns="" w="9525">
                   <a:solidFill>
                     <a:schemeClr val="tx1"/>
                   </a:solidFill>
@@ -2443,7 +2443,7 @@
                 </a14:hiddenLine>
               </a:ext>
               <a:ext uri="{AF507438-7753-43e0-B8FC-AC1667EBCBE1}">
-                <a14:hiddenEffects xmlns="" xmlns:a14="http://schemas.microsoft.com/office/drawing/2010/main">
+                <a14:hiddenEffects xmlns:a14="http://schemas.microsoft.com/office/drawing/2010/main" xmlns="">
                   <a:effectLst>
                     <a:outerShdw blurRad="63500" dist="38099" dir="2700000" algn="ctr" rotWithShape="0">
                       <a:schemeClr val="bg2">
@@ -2488,7 +2488,7 @@
             <a:effectLst/>
             <a:extLst>
               <a:ext uri="{91240B29-F687-4f45-9708-019B960494DF}">
-                <a14:hiddenLine xmlns="" xmlns:a14="http://schemas.microsoft.com/office/drawing/2010/main" w="9525">
+                <a14:hiddenLine xmlns:a14="http://schemas.microsoft.com/office/drawing/2010/main" xmlns="" w="9525">
                   <a:solidFill>
                     <a:schemeClr val="tx1"/>
                   </a:solidFill>
@@ -2498,7 +2498,7 @@
                 </a14:hiddenLine>
               </a:ext>
               <a:ext uri="{AF507438-7753-43e0-B8FC-AC1667EBCBE1}">
-                <a14:hiddenEffects xmlns="" xmlns:a14="http://schemas.microsoft.com/office/drawing/2010/main">
+                <a14:hiddenEffects xmlns:a14="http://schemas.microsoft.com/office/drawing/2010/main" xmlns="">
                   <a:effectLst>
                     <a:outerShdw blurRad="63500" dist="38099" dir="2700000" algn="ctr" rotWithShape="0">
                       <a:schemeClr val="bg2">
@@ -2543,7 +2543,7 @@
             <a:effectLst/>
             <a:extLst>
               <a:ext uri="{91240B29-F687-4f45-9708-019B960494DF}">
-                <a14:hiddenLine xmlns="" xmlns:a14="http://schemas.microsoft.com/office/drawing/2010/main" w="9525">
+                <a14:hiddenLine xmlns:a14="http://schemas.microsoft.com/office/drawing/2010/main" xmlns="" w="9525">
                   <a:solidFill>
                     <a:schemeClr val="tx1"/>
                   </a:solidFill>
@@ -2553,7 +2553,7 @@
                 </a14:hiddenLine>
               </a:ext>
               <a:ext uri="{AF507438-7753-43e0-B8FC-AC1667EBCBE1}">
-                <a14:hiddenEffects xmlns="" xmlns:a14="http://schemas.microsoft.com/office/drawing/2010/main">
+                <a14:hiddenEffects xmlns:a14="http://schemas.microsoft.com/office/drawing/2010/main" xmlns="">
                   <a:effectLst>
                     <a:outerShdw blurRad="63500" dist="38099" dir="2700000" algn="ctr" rotWithShape="0">
                       <a:schemeClr val="bg2">
@@ -2598,7 +2598,7 @@
             <a:effectLst/>
             <a:extLst>
               <a:ext uri="{91240B29-F687-4f45-9708-019B960494DF}">
-                <a14:hiddenLine xmlns="" xmlns:a14="http://schemas.microsoft.com/office/drawing/2010/main" w="9525">
+                <a14:hiddenLine xmlns:a14="http://schemas.microsoft.com/office/drawing/2010/main" xmlns="" w="9525">
                   <a:solidFill>
                     <a:schemeClr val="tx1"/>
                   </a:solidFill>
@@ -2608,7 +2608,7 @@
                 </a14:hiddenLine>
               </a:ext>
               <a:ext uri="{AF507438-7753-43e0-B8FC-AC1667EBCBE1}">
-                <a14:hiddenEffects xmlns="" xmlns:a14="http://schemas.microsoft.com/office/drawing/2010/main">
+                <a14:hiddenEffects xmlns:a14="http://schemas.microsoft.com/office/drawing/2010/main" xmlns="">
                   <a:effectLst>
                     <a:outerShdw blurRad="63500" dist="38099" dir="2700000" algn="ctr" rotWithShape="0">
                       <a:schemeClr val="bg2">
@@ -2653,7 +2653,7 @@
             <a:effectLst/>
             <a:extLst>
               <a:ext uri="{91240B29-F687-4f45-9708-019B960494DF}">
-                <a14:hiddenLine xmlns="" xmlns:a14="http://schemas.microsoft.com/office/drawing/2010/main" w="9525">
+                <a14:hiddenLine xmlns:a14="http://schemas.microsoft.com/office/drawing/2010/main" xmlns="" w="9525">
                   <a:solidFill>
                     <a:schemeClr val="tx1"/>
                   </a:solidFill>
@@ -2663,7 +2663,7 @@
                 </a14:hiddenLine>
               </a:ext>
               <a:ext uri="{AF507438-7753-43e0-B8FC-AC1667EBCBE1}">
-                <a14:hiddenEffects xmlns="" xmlns:a14="http://schemas.microsoft.com/office/drawing/2010/main">
+                <a14:hiddenEffects xmlns:a14="http://schemas.microsoft.com/office/drawing/2010/main" xmlns="">
                   <a:effectLst>
                     <a:outerShdw blurRad="63500" dist="38099" dir="2700000" algn="ctr" rotWithShape="0">
                       <a:schemeClr val="bg2">
@@ -2708,7 +2708,7 @@
             <a:effectLst/>
             <a:extLst>
               <a:ext uri="{91240B29-F687-4f45-9708-019B960494DF}">
-                <a14:hiddenLine xmlns="" xmlns:a14="http://schemas.microsoft.com/office/drawing/2010/main" w="9525">
+                <a14:hiddenLine xmlns:a14="http://schemas.microsoft.com/office/drawing/2010/main" xmlns="" w="9525">
                   <a:solidFill>
                     <a:schemeClr val="tx1"/>
                   </a:solidFill>
@@ -2718,7 +2718,7 @@
                 </a14:hiddenLine>
               </a:ext>
               <a:ext uri="{AF507438-7753-43e0-B8FC-AC1667EBCBE1}">
-                <a14:hiddenEffects xmlns="" xmlns:a14="http://schemas.microsoft.com/office/drawing/2010/main">
+                <a14:hiddenEffects xmlns:a14="http://schemas.microsoft.com/office/drawing/2010/main" xmlns="">
                   <a:effectLst>
                     <a:outerShdw blurRad="63500" dist="38099" dir="2700000" algn="ctr" rotWithShape="0">
                       <a:schemeClr val="bg2">
@@ -2767,12 +2767,12 @@
           <a:effectLst/>
           <a:extLst>
             <a:ext uri="{909E8E84-426E-40dd-AFC4-6F175D3DCCD1}">
-              <a14:hiddenFill xmlns="" xmlns:a14="http://schemas.microsoft.com/office/drawing/2010/main">
+              <a14:hiddenFill xmlns:a14="http://schemas.microsoft.com/office/drawing/2010/main" xmlns="">
                 <a:noFill/>
               </a14:hiddenFill>
             </a:ext>
             <a:ext uri="{AF507438-7753-43e0-B8FC-AC1667EBCBE1}">
-              <a14:hiddenEffects xmlns="" xmlns:a14="http://schemas.microsoft.com/office/drawing/2010/main">
+              <a14:hiddenEffects xmlns:a14="http://schemas.microsoft.com/office/drawing/2010/main" xmlns="">
                 <a:effectLst>
                   <a:outerShdw blurRad="63500" dist="38099" dir="2700000" algn="ctr" rotWithShape="0">
                     <a:schemeClr val="bg2">
@@ -5096,12 +5096,12 @@
           <a:effectLst/>
           <a:extLst>
             <a:ext uri="{909E8E84-426E-40dd-AFC4-6F175D3DCCD1}">
-              <a14:hiddenFill xmlns="" xmlns:a14="http://schemas.microsoft.com/office/drawing/2010/main">
+              <a14:hiddenFill xmlns:a14="http://schemas.microsoft.com/office/drawing/2010/main" xmlns="">
                 <a:noFill/>
               </a14:hiddenFill>
             </a:ext>
             <a:ext uri="{AF507438-7753-43e0-B8FC-AC1667EBCBE1}">
-              <a14:hiddenEffects xmlns="" xmlns:a14="http://schemas.microsoft.com/office/drawing/2010/main">
+              <a14:hiddenEffects xmlns:a14="http://schemas.microsoft.com/office/drawing/2010/main" xmlns="">
                 <a:effectLst>
                   <a:outerShdw blurRad="63500" dist="38099" dir="2700000" algn="ctr" rotWithShape="0">
                     <a:schemeClr val="bg2">
@@ -5146,17 +5146,17 @@
           <a:effectLst/>
           <a:extLst>
             <a:ext uri="{FAA26D3D-D897-4be2-8F04-BA451C77F1D7}">
-              <ma14:placeholderFlag xmlns:ma14="http://schemas.microsoft.com/office/mac/drawingml/2011/main" xmlns="" val="1"/>
+              <ma14:placeholderFlag xmlns="" xmlns:ma14="http://schemas.microsoft.com/office/mac/drawingml/2011/main" val="1"/>
             </a:ext>
             <a:ext uri="{909E8E84-426E-40dd-AFC4-6F175D3DCCD1}">
-              <a14:hiddenFill xmlns="" xmlns:a14="http://schemas.microsoft.com/office/drawing/2010/main">
+              <a14:hiddenFill xmlns:a14="http://schemas.microsoft.com/office/drawing/2010/main" xmlns="">
                 <a:solidFill>
                   <a:schemeClr val="accent1"/>
                 </a:solidFill>
               </a14:hiddenFill>
             </a:ext>
             <a:ext uri="{91240B29-F687-4f45-9708-019B960494DF}">
-              <a14:hiddenLine xmlns="" xmlns:a14="http://schemas.microsoft.com/office/drawing/2010/main" w="9525">
+              <a14:hiddenLine xmlns:a14="http://schemas.microsoft.com/office/drawing/2010/main" xmlns="" w="9525">
                 <a:solidFill>
                   <a:schemeClr val="tx1"/>
                 </a:solidFill>
@@ -5166,7 +5166,7 @@
               </a14:hiddenLine>
             </a:ext>
             <a:ext uri="{AF507438-7753-43e0-B8FC-AC1667EBCBE1}">
-              <a14:hiddenEffects xmlns="" xmlns:a14="http://schemas.microsoft.com/office/drawing/2010/main">
+              <a14:hiddenEffects xmlns:a14="http://schemas.microsoft.com/office/drawing/2010/main" xmlns="">
                 <a:effectLst>
                   <a:outerShdw blurRad="63500" dist="38099" dir="2700000" algn="ctr" rotWithShape="0">
                     <a:schemeClr val="bg2">
@@ -5219,17 +5219,17 @@
           <a:effectLst/>
           <a:extLst>
             <a:ext uri="{FAA26D3D-D897-4be2-8F04-BA451C77F1D7}">
-              <ma14:placeholderFlag xmlns:ma14="http://schemas.microsoft.com/office/mac/drawingml/2011/main" xmlns="" val="1"/>
+              <ma14:placeholderFlag xmlns="" xmlns:ma14="http://schemas.microsoft.com/office/mac/drawingml/2011/main" val="1"/>
             </a:ext>
             <a:ext uri="{909E8E84-426E-40dd-AFC4-6F175D3DCCD1}">
-              <a14:hiddenFill xmlns="" xmlns:a14="http://schemas.microsoft.com/office/drawing/2010/main">
+              <a14:hiddenFill xmlns:a14="http://schemas.microsoft.com/office/drawing/2010/main" xmlns="">
                 <a:solidFill>
                   <a:schemeClr val="accent1"/>
                 </a:solidFill>
               </a14:hiddenFill>
             </a:ext>
             <a:ext uri="{91240B29-F687-4f45-9708-019B960494DF}">
-              <a14:hiddenLine xmlns="" xmlns:a14="http://schemas.microsoft.com/office/drawing/2010/main" w="9525">
+              <a14:hiddenLine xmlns:a14="http://schemas.microsoft.com/office/drawing/2010/main" xmlns="" w="9525">
                 <a:solidFill>
                   <a:schemeClr val="tx1"/>
                 </a:solidFill>
@@ -5239,7 +5239,7 @@
               </a14:hiddenLine>
             </a:ext>
             <a:ext uri="{AF507438-7753-43e0-B8FC-AC1667EBCBE1}">
-              <a14:hiddenEffects xmlns="" xmlns:a14="http://schemas.microsoft.com/office/drawing/2010/main">
+              <a14:hiddenEffects xmlns:a14="http://schemas.microsoft.com/office/drawing/2010/main" xmlns="">
                 <a:effectLst>
                   <a:outerShdw blurRad="63500" dist="38099" dir="2700000" algn="ctr" rotWithShape="0">
                     <a:schemeClr val="bg2">
@@ -5320,17 +5320,17 @@
           <a:effectLst/>
           <a:extLst>
             <a:ext uri="{FAA26D3D-D897-4be2-8F04-BA451C77F1D7}">
-              <ma14:placeholderFlag xmlns:ma14="http://schemas.microsoft.com/office/mac/drawingml/2011/main" xmlns="" val="1"/>
+              <ma14:placeholderFlag xmlns="" xmlns:ma14="http://schemas.microsoft.com/office/mac/drawingml/2011/main" val="1"/>
             </a:ext>
             <a:ext uri="{909E8E84-426E-40dd-AFC4-6F175D3DCCD1}">
-              <a14:hiddenFill xmlns="" xmlns:a14="http://schemas.microsoft.com/office/drawing/2010/main">
+              <a14:hiddenFill xmlns:a14="http://schemas.microsoft.com/office/drawing/2010/main" xmlns="">
                 <a:solidFill>
                   <a:schemeClr val="accent1"/>
                 </a:solidFill>
               </a14:hiddenFill>
             </a:ext>
             <a:ext uri="{91240B29-F687-4f45-9708-019B960494DF}">
-              <a14:hiddenLine xmlns="" xmlns:a14="http://schemas.microsoft.com/office/drawing/2010/main" w="9525">
+              <a14:hiddenLine xmlns:a14="http://schemas.microsoft.com/office/drawing/2010/main" xmlns="" w="9525">
                 <a:solidFill>
                   <a:schemeClr val="tx1"/>
                 </a:solidFill>
@@ -5340,7 +5340,7 @@
               </a14:hiddenLine>
             </a:ext>
             <a:ext uri="{AF507438-7753-43e0-B8FC-AC1667EBCBE1}">
-              <a14:hiddenEffects xmlns="" xmlns:a14="http://schemas.microsoft.com/office/drawing/2010/main">
+              <a14:hiddenEffects xmlns:a14="http://schemas.microsoft.com/office/drawing/2010/main" xmlns="">
                 <a:effectLst>
                   <a:outerShdw blurRad="63500" dist="38099" dir="2700000" algn="ctr" rotWithShape="0">
                     <a:schemeClr val="bg2">
@@ -5393,17 +5393,17 @@
           <a:effectLst/>
           <a:extLst>
             <a:ext uri="{FAA26D3D-D897-4be2-8F04-BA451C77F1D7}">
-              <ma14:placeholderFlag xmlns:ma14="http://schemas.microsoft.com/office/mac/drawingml/2011/main" xmlns="" val="1"/>
+              <ma14:placeholderFlag xmlns="" xmlns:ma14="http://schemas.microsoft.com/office/mac/drawingml/2011/main" val="1"/>
             </a:ext>
             <a:ext uri="{909E8E84-426E-40dd-AFC4-6F175D3DCCD1}">
-              <a14:hiddenFill xmlns="" xmlns:a14="http://schemas.microsoft.com/office/drawing/2010/main">
+              <a14:hiddenFill xmlns:a14="http://schemas.microsoft.com/office/drawing/2010/main" xmlns="">
                 <a:solidFill>
                   <a:schemeClr val="accent1"/>
                 </a:solidFill>
               </a14:hiddenFill>
             </a:ext>
             <a:ext uri="{91240B29-F687-4f45-9708-019B960494DF}">
-              <a14:hiddenLine xmlns="" xmlns:a14="http://schemas.microsoft.com/office/drawing/2010/main" w="9525">
+              <a14:hiddenLine xmlns:a14="http://schemas.microsoft.com/office/drawing/2010/main" xmlns="" w="9525">
                 <a:solidFill>
                   <a:schemeClr val="tx1"/>
                 </a:solidFill>
@@ -5413,7 +5413,7 @@
               </a14:hiddenLine>
             </a:ext>
             <a:ext uri="{AF507438-7753-43e0-B8FC-AC1667EBCBE1}">
-              <a14:hiddenEffects xmlns="" xmlns:a14="http://schemas.microsoft.com/office/drawing/2010/main">
+              <a14:hiddenEffects xmlns:a14="http://schemas.microsoft.com/office/drawing/2010/main" xmlns="">
                 <a:effectLst>
                   <a:outerShdw blurRad="63500" dist="38099" dir="2700000" algn="ctr" rotWithShape="0">
                     <a:schemeClr val="bg2">
@@ -5466,17 +5466,17 @@
           <a:effectLst/>
           <a:extLst>
             <a:ext uri="{FAA26D3D-D897-4be2-8F04-BA451C77F1D7}">
-              <ma14:placeholderFlag xmlns:ma14="http://schemas.microsoft.com/office/mac/drawingml/2011/main" xmlns="" val="1"/>
+              <ma14:placeholderFlag xmlns="" xmlns:ma14="http://schemas.microsoft.com/office/mac/drawingml/2011/main" val="1"/>
             </a:ext>
             <a:ext uri="{909E8E84-426E-40dd-AFC4-6F175D3DCCD1}">
-              <a14:hiddenFill xmlns="" xmlns:a14="http://schemas.microsoft.com/office/drawing/2010/main">
+              <a14:hiddenFill xmlns:a14="http://schemas.microsoft.com/office/drawing/2010/main" xmlns="">
                 <a:solidFill>
                   <a:schemeClr val="accent1"/>
                 </a:solidFill>
               </a14:hiddenFill>
             </a:ext>
             <a:ext uri="{91240B29-F687-4f45-9708-019B960494DF}">
-              <a14:hiddenLine xmlns="" xmlns:a14="http://schemas.microsoft.com/office/drawing/2010/main" w="9525">
+              <a14:hiddenLine xmlns:a14="http://schemas.microsoft.com/office/drawing/2010/main" xmlns="" w="9525">
                 <a:solidFill>
                   <a:schemeClr val="tx1"/>
                 </a:solidFill>
@@ -5486,7 +5486,7 @@
               </a14:hiddenLine>
             </a:ext>
             <a:ext uri="{AF507438-7753-43e0-B8FC-AC1667EBCBE1}">
-              <a14:hiddenEffects xmlns="" xmlns:a14="http://schemas.microsoft.com/office/drawing/2010/main">
+              <a14:hiddenEffects xmlns:a14="http://schemas.microsoft.com/office/drawing/2010/main" xmlns="">
                 <a:effectLst>
                   <a:outerShdw blurRad="63500" dist="38099" dir="2700000" algn="ctr" rotWithShape="0">
                     <a:schemeClr val="bg2">
@@ -5560,7 +5560,7 @@
             <a:effectLst/>
             <a:extLst>
               <a:ext uri="{91240B29-F687-4f45-9708-019B960494DF}">
-                <a14:hiddenLine xmlns="" xmlns:a14="http://schemas.microsoft.com/office/drawing/2010/main" w="9525">
+                <a14:hiddenLine xmlns:a14="http://schemas.microsoft.com/office/drawing/2010/main" xmlns="" w="9525">
                   <a:solidFill>
                     <a:schemeClr val="tx1"/>
                   </a:solidFill>
@@ -5570,7 +5570,7 @@
                 </a14:hiddenLine>
               </a:ext>
               <a:ext uri="{AF507438-7753-43e0-B8FC-AC1667EBCBE1}">
-                <a14:hiddenEffects xmlns="" xmlns:a14="http://schemas.microsoft.com/office/drawing/2010/main">
+                <a14:hiddenEffects xmlns:a14="http://schemas.microsoft.com/office/drawing/2010/main" xmlns="">
                   <a:effectLst>
                     <a:outerShdw blurRad="63500" dist="38099" dir="2700000" algn="ctr" rotWithShape="0">
                       <a:schemeClr val="bg2">
@@ -5615,7 +5615,7 @@
             <a:effectLst/>
             <a:extLst>
               <a:ext uri="{91240B29-F687-4f45-9708-019B960494DF}">
-                <a14:hiddenLine xmlns="" xmlns:a14="http://schemas.microsoft.com/office/drawing/2010/main" w="9525">
+                <a14:hiddenLine xmlns:a14="http://schemas.microsoft.com/office/drawing/2010/main" xmlns="" w="9525">
                   <a:solidFill>
                     <a:schemeClr val="tx1"/>
                   </a:solidFill>
@@ -5625,7 +5625,7 @@
                 </a14:hiddenLine>
               </a:ext>
               <a:ext uri="{AF507438-7753-43e0-B8FC-AC1667EBCBE1}">
-                <a14:hiddenEffects xmlns="" xmlns:a14="http://schemas.microsoft.com/office/drawing/2010/main">
+                <a14:hiddenEffects xmlns:a14="http://schemas.microsoft.com/office/drawing/2010/main" xmlns="">
                   <a:effectLst>
                     <a:outerShdw blurRad="63500" dist="38099" dir="2700000" algn="ctr" rotWithShape="0">
                       <a:schemeClr val="bg2">
@@ -5670,7 +5670,7 @@
             <a:effectLst/>
             <a:extLst>
               <a:ext uri="{91240B29-F687-4f45-9708-019B960494DF}">
-                <a14:hiddenLine xmlns="" xmlns:a14="http://schemas.microsoft.com/office/drawing/2010/main" w="9525">
+                <a14:hiddenLine xmlns:a14="http://schemas.microsoft.com/office/drawing/2010/main" xmlns="" w="9525">
                   <a:solidFill>
                     <a:schemeClr val="tx1"/>
                   </a:solidFill>
@@ -5680,7 +5680,7 @@
                 </a14:hiddenLine>
               </a:ext>
               <a:ext uri="{AF507438-7753-43e0-B8FC-AC1667EBCBE1}">
-                <a14:hiddenEffects xmlns="" xmlns:a14="http://schemas.microsoft.com/office/drawing/2010/main">
+                <a14:hiddenEffects xmlns:a14="http://schemas.microsoft.com/office/drawing/2010/main" xmlns="">
                   <a:effectLst>
                     <a:outerShdw blurRad="63500" dist="38099" dir="2700000" algn="ctr" rotWithShape="0">
                       <a:schemeClr val="bg2">
@@ -5725,7 +5725,7 @@
             <a:effectLst/>
             <a:extLst>
               <a:ext uri="{91240B29-F687-4f45-9708-019B960494DF}">
-                <a14:hiddenLine xmlns="" xmlns:a14="http://schemas.microsoft.com/office/drawing/2010/main" w="9525">
+                <a14:hiddenLine xmlns:a14="http://schemas.microsoft.com/office/drawing/2010/main" xmlns="" w="9525">
                   <a:solidFill>
                     <a:schemeClr val="tx1"/>
                   </a:solidFill>
@@ -5735,7 +5735,7 @@
                 </a14:hiddenLine>
               </a:ext>
               <a:ext uri="{AF507438-7753-43e0-B8FC-AC1667EBCBE1}">
-                <a14:hiddenEffects xmlns="" xmlns:a14="http://schemas.microsoft.com/office/drawing/2010/main">
+                <a14:hiddenEffects xmlns:a14="http://schemas.microsoft.com/office/drawing/2010/main" xmlns="">
                   <a:effectLst>
                     <a:outerShdw blurRad="63500" dist="38099" dir="2700000" algn="ctr" rotWithShape="0">
                       <a:schemeClr val="bg2">
@@ -5780,7 +5780,7 @@
             <a:effectLst/>
             <a:extLst>
               <a:ext uri="{91240B29-F687-4f45-9708-019B960494DF}">
-                <a14:hiddenLine xmlns="" xmlns:a14="http://schemas.microsoft.com/office/drawing/2010/main" w="9525">
+                <a14:hiddenLine xmlns:a14="http://schemas.microsoft.com/office/drawing/2010/main" xmlns="" w="9525">
                   <a:solidFill>
                     <a:schemeClr val="tx1"/>
                   </a:solidFill>
@@ -5790,7 +5790,7 @@
                 </a14:hiddenLine>
               </a:ext>
               <a:ext uri="{AF507438-7753-43e0-B8FC-AC1667EBCBE1}">
-                <a14:hiddenEffects xmlns="" xmlns:a14="http://schemas.microsoft.com/office/drawing/2010/main">
+                <a14:hiddenEffects xmlns:a14="http://schemas.microsoft.com/office/drawing/2010/main" xmlns="">
                   <a:effectLst>
                     <a:outerShdw blurRad="63500" dist="38099" dir="2700000" algn="ctr" rotWithShape="0">
                       <a:schemeClr val="bg2">
@@ -5835,7 +5835,7 @@
             <a:effectLst/>
             <a:extLst>
               <a:ext uri="{91240B29-F687-4f45-9708-019B960494DF}">
-                <a14:hiddenLine xmlns="" xmlns:a14="http://schemas.microsoft.com/office/drawing/2010/main" w="9525">
+                <a14:hiddenLine xmlns:a14="http://schemas.microsoft.com/office/drawing/2010/main" xmlns="" w="9525">
                   <a:solidFill>
                     <a:schemeClr val="tx1"/>
                   </a:solidFill>
@@ -5845,7 +5845,7 @@
                 </a14:hiddenLine>
               </a:ext>
               <a:ext uri="{AF507438-7753-43e0-B8FC-AC1667EBCBE1}">
-                <a14:hiddenEffects xmlns="" xmlns:a14="http://schemas.microsoft.com/office/drawing/2010/main">
+                <a14:hiddenEffects xmlns:a14="http://schemas.microsoft.com/office/drawing/2010/main" xmlns="">
                   <a:effectLst>
                     <a:outerShdw blurRad="63500" dist="38099" dir="2700000" algn="ctr" rotWithShape="0">
                       <a:schemeClr val="bg2">
@@ -5890,7 +5890,7 @@
             <a:effectLst/>
             <a:extLst>
               <a:ext uri="{91240B29-F687-4f45-9708-019B960494DF}">
-                <a14:hiddenLine xmlns="" xmlns:a14="http://schemas.microsoft.com/office/drawing/2010/main" w="9525">
+                <a14:hiddenLine xmlns:a14="http://schemas.microsoft.com/office/drawing/2010/main" xmlns="" w="9525">
                   <a:solidFill>
                     <a:schemeClr val="tx1"/>
                   </a:solidFill>
@@ -5900,7 +5900,7 @@
                 </a14:hiddenLine>
               </a:ext>
               <a:ext uri="{AF507438-7753-43e0-B8FC-AC1667EBCBE1}">
-                <a14:hiddenEffects xmlns="" xmlns:a14="http://schemas.microsoft.com/office/drawing/2010/main">
+                <a14:hiddenEffects xmlns:a14="http://schemas.microsoft.com/office/drawing/2010/main" xmlns="">
                   <a:effectLst>
                     <a:outerShdw blurRad="63500" dist="38099" dir="2700000" algn="ctr" rotWithShape="0">
                       <a:schemeClr val="bg2">
@@ -5945,7 +5945,7 @@
             <a:effectLst/>
             <a:extLst>
               <a:ext uri="{91240B29-F687-4f45-9708-019B960494DF}">
-                <a14:hiddenLine xmlns="" xmlns:a14="http://schemas.microsoft.com/office/drawing/2010/main" w="9525">
+                <a14:hiddenLine xmlns:a14="http://schemas.microsoft.com/office/drawing/2010/main" xmlns="" w="9525">
                   <a:solidFill>
                     <a:schemeClr val="tx1"/>
                   </a:solidFill>
@@ -5955,7 +5955,7 @@
                 </a14:hiddenLine>
               </a:ext>
               <a:ext uri="{AF507438-7753-43e0-B8FC-AC1667EBCBE1}">
-                <a14:hiddenEffects xmlns="" xmlns:a14="http://schemas.microsoft.com/office/drawing/2010/main">
+                <a14:hiddenEffects xmlns:a14="http://schemas.microsoft.com/office/drawing/2010/main" xmlns="">
                   <a:effectLst>
                     <a:outerShdw blurRad="63500" dist="38099" dir="2700000" algn="ctr" rotWithShape="0">
                       <a:schemeClr val="bg2">
@@ -6000,7 +6000,7 @@
             <a:effectLst/>
             <a:extLst>
               <a:ext uri="{91240B29-F687-4f45-9708-019B960494DF}">
-                <a14:hiddenLine xmlns="" xmlns:a14="http://schemas.microsoft.com/office/drawing/2010/main" w="9525">
+                <a14:hiddenLine xmlns:a14="http://schemas.microsoft.com/office/drawing/2010/main" xmlns="" w="9525">
                   <a:solidFill>
                     <a:schemeClr val="tx1"/>
                   </a:solidFill>
@@ -6010,7 +6010,7 @@
                 </a14:hiddenLine>
               </a:ext>
               <a:ext uri="{AF507438-7753-43e0-B8FC-AC1667EBCBE1}">
-                <a14:hiddenEffects xmlns="" xmlns:a14="http://schemas.microsoft.com/office/drawing/2010/main">
+                <a14:hiddenEffects xmlns:a14="http://schemas.microsoft.com/office/drawing/2010/main" xmlns="">
                   <a:effectLst>
                     <a:outerShdw blurRad="63500" dist="38099" dir="2700000" algn="ctr" rotWithShape="0">
                       <a:schemeClr val="bg2">
@@ -6055,7 +6055,7 @@
             <a:effectLst/>
             <a:extLst>
               <a:ext uri="{91240B29-F687-4f45-9708-019B960494DF}">
-                <a14:hiddenLine xmlns="" xmlns:a14="http://schemas.microsoft.com/office/drawing/2010/main" w="9525">
+                <a14:hiddenLine xmlns:a14="http://schemas.microsoft.com/office/drawing/2010/main" xmlns="" w="9525">
                   <a:solidFill>
                     <a:schemeClr val="tx1"/>
                   </a:solidFill>
@@ -6065,7 +6065,7 @@
                 </a14:hiddenLine>
               </a:ext>
               <a:ext uri="{AF507438-7753-43e0-B8FC-AC1667EBCBE1}">
-                <a14:hiddenEffects xmlns="" xmlns:a14="http://schemas.microsoft.com/office/drawing/2010/main">
+                <a14:hiddenEffects xmlns:a14="http://schemas.microsoft.com/office/drawing/2010/main" xmlns="">
                   <a:effectLst>
                     <a:outerShdw blurRad="63500" dist="38099" dir="2700000" algn="ctr" rotWithShape="0">
                       <a:schemeClr val="bg2">
@@ -6110,7 +6110,7 @@
             <a:effectLst/>
             <a:extLst>
               <a:ext uri="{91240B29-F687-4f45-9708-019B960494DF}">
-                <a14:hiddenLine xmlns="" xmlns:a14="http://schemas.microsoft.com/office/drawing/2010/main" w="9525">
+                <a14:hiddenLine xmlns:a14="http://schemas.microsoft.com/office/drawing/2010/main" xmlns="" w="9525">
                   <a:solidFill>
                     <a:schemeClr val="tx1"/>
                   </a:solidFill>
@@ -6120,7 +6120,7 @@
                 </a14:hiddenLine>
               </a:ext>
               <a:ext uri="{AF507438-7753-43e0-B8FC-AC1667EBCBE1}">
-                <a14:hiddenEffects xmlns="" xmlns:a14="http://schemas.microsoft.com/office/drawing/2010/main">
+                <a14:hiddenEffects xmlns:a14="http://schemas.microsoft.com/office/drawing/2010/main" xmlns="">
                   <a:effectLst>
                     <a:outerShdw blurRad="63500" dist="38099" dir="2700000" algn="ctr" rotWithShape="0">
                       <a:schemeClr val="bg2">
@@ -6165,7 +6165,7 @@
             <a:effectLst/>
             <a:extLst>
               <a:ext uri="{91240B29-F687-4f45-9708-019B960494DF}">
-                <a14:hiddenLine xmlns="" xmlns:a14="http://schemas.microsoft.com/office/drawing/2010/main" w="9525">
+                <a14:hiddenLine xmlns:a14="http://schemas.microsoft.com/office/drawing/2010/main" xmlns="" w="9525">
                   <a:solidFill>
                     <a:schemeClr val="tx1"/>
                   </a:solidFill>
@@ -6175,7 +6175,7 @@
                 </a14:hiddenLine>
               </a:ext>
               <a:ext uri="{AF507438-7753-43e0-B8FC-AC1667EBCBE1}">
-                <a14:hiddenEffects xmlns="" xmlns:a14="http://schemas.microsoft.com/office/drawing/2010/main">
+                <a14:hiddenEffects xmlns:a14="http://schemas.microsoft.com/office/drawing/2010/main" xmlns="">
                   <a:effectLst>
                     <a:outerShdw blurRad="63500" dist="38099" dir="2700000" algn="ctr" rotWithShape="0">
                       <a:schemeClr val="bg2">
@@ -6220,7 +6220,7 @@
             <a:effectLst/>
             <a:extLst>
               <a:ext uri="{91240B29-F687-4f45-9708-019B960494DF}">
-                <a14:hiddenLine xmlns="" xmlns:a14="http://schemas.microsoft.com/office/drawing/2010/main" w="9525">
+                <a14:hiddenLine xmlns:a14="http://schemas.microsoft.com/office/drawing/2010/main" xmlns="" w="9525">
                   <a:solidFill>
                     <a:schemeClr val="tx1"/>
                   </a:solidFill>
@@ -6230,7 +6230,7 @@
                 </a14:hiddenLine>
               </a:ext>
               <a:ext uri="{AF507438-7753-43e0-B8FC-AC1667EBCBE1}">
-                <a14:hiddenEffects xmlns="" xmlns:a14="http://schemas.microsoft.com/office/drawing/2010/main">
+                <a14:hiddenEffects xmlns:a14="http://schemas.microsoft.com/office/drawing/2010/main" xmlns="">
                   <a:effectLst>
                     <a:outerShdw blurRad="63500" dist="38099" dir="2700000" algn="ctr" rotWithShape="0">
                       <a:schemeClr val="bg2">
@@ -6275,7 +6275,7 @@
             <a:effectLst/>
             <a:extLst>
               <a:ext uri="{91240B29-F687-4f45-9708-019B960494DF}">
-                <a14:hiddenLine xmlns="" xmlns:a14="http://schemas.microsoft.com/office/drawing/2010/main" w="9525">
+                <a14:hiddenLine xmlns:a14="http://schemas.microsoft.com/office/drawing/2010/main" xmlns="" w="9525">
                   <a:solidFill>
                     <a:schemeClr val="tx1"/>
                   </a:solidFill>
@@ -6285,7 +6285,7 @@
                 </a14:hiddenLine>
               </a:ext>
               <a:ext uri="{AF507438-7753-43e0-B8FC-AC1667EBCBE1}">
-                <a14:hiddenEffects xmlns="" xmlns:a14="http://schemas.microsoft.com/office/drawing/2010/main">
+                <a14:hiddenEffects xmlns:a14="http://schemas.microsoft.com/office/drawing/2010/main" xmlns="">
                   <a:effectLst>
                     <a:outerShdw blurRad="63500" dist="38099" dir="2700000" algn="ctr" rotWithShape="0">
                       <a:schemeClr val="bg2">
@@ -6330,7 +6330,7 @@
             <a:effectLst/>
             <a:extLst>
               <a:ext uri="{91240B29-F687-4f45-9708-019B960494DF}">
-                <a14:hiddenLine xmlns="" xmlns:a14="http://schemas.microsoft.com/office/drawing/2010/main" w="9525">
+                <a14:hiddenLine xmlns:a14="http://schemas.microsoft.com/office/drawing/2010/main" xmlns="" w="9525">
                   <a:solidFill>
                     <a:schemeClr val="tx1"/>
                   </a:solidFill>
@@ -6340,7 +6340,7 @@
                 </a14:hiddenLine>
               </a:ext>
               <a:ext uri="{AF507438-7753-43e0-B8FC-AC1667EBCBE1}">
-                <a14:hiddenEffects xmlns="" xmlns:a14="http://schemas.microsoft.com/office/drawing/2010/main">
+                <a14:hiddenEffects xmlns:a14="http://schemas.microsoft.com/office/drawing/2010/main" xmlns="">
                   <a:effectLst>
                     <a:outerShdw blurRad="63500" dist="38099" dir="2700000" algn="ctr" rotWithShape="0">
                       <a:schemeClr val="bg2">
@@ -6385,7 +6385,7 @@
             <a:effectLst/>
             <a:extLst>
               <a:ext uri="{91240B29-F687-4f45-9708-019B960494DF}">
-                <a14:hiddenLine xmlns="" xmlns:a14="http://schemas.microsoft.com/office/drawing/2010/main" w="9525">
+                <a14:hiddenLine xmlns:a14="http://schemas.microsoft.com/office/drawing/2010/main" xmlns="" w="9525">
                   <a:solidFill>
                     <a:schemeClr val="tx1"/>
                   </a:solidFill>
@@ -6395,7 +6395,7 @@
                 </a14:hiddenLine>
               </a:ext>
               <a:ext uri="{AF507438-7753-43e0-B8FC-AC1667EBCBE1}">
-                <a14:hiddenEffects xmlns="" xmlns:a14="http://schemas.microsoft.com/office/drawing/2010/main">
+                <a14:hiddenEffects xmlns:a14="http://schemas.microsoft.com/office/drawing/2010/main" xmlns="">
                   <a:effectLst>
                     <a:outerShdw blurRad="63500" dist="38099" dir="2700000" algn="ctr" rotWithShape="0">
                       <a:schemeClr val="bg2">
@@ -6440,7 +6440,7 @@
             <a:effectLst/>
             <a:extLst>
               <a:ext uri="{91240B29-F687-4f45-9708-019B960494DF}">
-                <a14:hiddenLine xmlns="" xmlns:a14="http://schemas.microsoft.com/office/drawing/2010/main" w="9525">
+                <a14:hiddenLine xmlns:a14="http://schemas.microsoft.com/office/drawing/2010/main" xmlns="" w="9525">
                   <a:solidFill>
                     <a:schemeClr val="tx1"/>
                   </a:solidFill>
@@ -6450,7 +6450,7 @@
                 </a14:hiddenLine>
               </a:ext>
               <a:ext uri="{AF507438-7753-43e0-B8FC-AC1667EBCBE1}">
-                <a14:hiddenEffects xmlns="" xmlns:a14="http://schemas.microsoft.com/office/drawing/2010/main">
+                <a14:hiddenEffects xmlns:a14="http://schemas.microsoft.com/office/drawing/2010/main" xmlns="">
                   <a:effectLst>
                     <a:outerShdw blurRad="63500" dist="38099" dir="2700000" algn="ctr" rotWithShape="0">
                       <a:schemeClr val="bg2">
@@ -6495,7 +6495,7 @@
             <a:effectLst/>
             <a:extLst>
               <a:ext uri="{91240B29-F687-4f45-9708-019B960494DF}">
-                <a14:hiddenLine xmlns="" xmlns:a14="http://schemas.microsoft.com/office/drawing/2010/main" w="9525">
+                <a14:hiddenLine xmlns:a14="http://schemas.microsoft.com/office/drawing/2010/main" xmlns="" w="9525">
                   <a:solidFill>
                     <a:schemeClr val="tx1"/>
                   </a:solidFill>
@@ -6505,7 +6505,7 @@
                 </a14:hiddenLine>
               </a:ext>
               <a:ext uri="{AF507438-7753-43e0-B8FC-AC1667EBCBE1}">
-                <a14:hiddenEffects xmlns="" xmlns:a14="http://schemas.microsoft.com/office/drawing/2010/main">
+                <a14:hiddenEffects xmlns:a14="http://schemas.microsoft.com/office/drawing/2010/main" xmlns="">
                   <a:effectLst>
                     <a:outerShdw blurRad="63500" dist="38099" dir="2700000" algn="ctr" rotWithShape="0">
                       <a:schemeClr val="bg2">
@@ -6550,7 +6550,7 @@
             <a:effectLst/>
             <a:extLst>
               <a:ext uri="{91240B29-F687-4f45-9708-019B960494DF}">
-                <a14:hiddenLine xmlns="" xmlns:a14="http://schemas.microsoft.com/office/drawing/2010/main" w="9525">
+                <a14:hiddenLine xmlns:a14="http://schemas.microsoft.com/office/drawing/2010/main" xmlns="" w="9525">
                   <a:solidFill>
                     <a:schemeClr val="tx1"/>
                   </a:solidFill>
@@ -6560,7 +6560,7 @@
                 </a14:hiddenLine>
               </a:ext>
               <a:ext uri="{AF507438-7753-43e0-B8FC-AC1667EBCBE1}">
-                <a14:hiddenEffects xmlns="" xmlns:a14="http://schemas.microsoft.com/office/drawing/2010/main">
+                <a14:hiddenEffects xmlns:a14="http://schemas.microsoft.com/office/drawing/2010/main" xmlns="">
                   <a:effectLst>
                     <a:outerShdw blurRad="63500" dist="38099" dir="2700000" algn="ctr" rotWithShape="0">
                       <a:schemeClr val="bg2">
@@ -6605,7 +6605,7 @@
             <a:effectLst/>
             <a:extLst>
               <a:ext uri="{91240B29-F687-4f45-9708-019B960494DF}">
-                <a14:hiddenLine xmlns="" xmlns:a14="http://schemas.microsoft.com/office/drawing/2010/main" w="9525">
+                <a14:hiddenLine xmlns:a14="http://schemas.microsoft.com/office/drawing/2010/main" xmlns="" w="9525">
                   <a:solidFill>
                     <a:schemeClr val="tx1"/>
                   </a:solidFill>
@@ -6615,7 +6615,7 @@
                 </a14:hiddenLine>
               </a:ext>
               <a:ext uri="{AF507438-7753-43e0-B8FC-AC1667EBCBE1}">
-                <a14:hiddenEffects xmlns="" xmlns:a14="http://schemas.microsoft.com/office/drawing/2010/main">
+                <a14:hiddenEffects xmlns:a14="http://schemas.microsoft.com/office/drawing/2010/main" xmlns="">
                   <a:effectLst>
                     <a:outerShdw blurRad="63500" dist="38099" dir="2700000" algn="ctr" rotWithShape="0">
                       <a:schemeClr val="bg2">
@@ -6660,7 +6660,7 @@
             <a:effectLst/>
             <a:extLst>
               <a:ext uri="{91240B29-F687-4f45-9708-019B960494DF}">
-                <a14:hiddenLine xmlns="" xmlns:a14="http://schemas.microsoft.com/office/drawing/2010/main" w="9525">
+                <a14:hiddenLine xmlns:a14="http://schemas.microsoft.com/office/drawing/2010/main" xmlns="" w="9525">
                   <a:solidFill>
                     <a:schemeClr val="tx1"/>
                   </a:solidFill>
@@ -6670,7 +6670,7 @@
                 </a14:hiddenLine>
               </a:ext>
               <a:ext uri="{AF507438-7753-43e0-B8FC-AC1667EBCBE1}">
-                <a14:hiddenEffects xmlns="" xmlns:a14="http://schemas.microsoft.com/office/drawing/2010/main">
+                <a14:hiddenEffects xmlns:a14="http://schemas.microsoft.com/office/drawing/2010/main" xmlns="">
                   <a:effectLst>
                     <a:outerShdw blurRad="63500" dist="38099" dir="2700000" algn="ctr" rotWithShape="0">
                       <a:schemeClr val="bg2">
@@ -6715,7 +6715,7 @@
             <a:effectLst/>
             <a:extLst>
               <a:ext uri="{91240B29-F687-4f45-9708-019B960494DF}">
-                <a14:hiddenLine xmlns="" xmlns:a14="http://schemas.microsoft.com/office/drawing/2010/main" w="9525">
+                <a14:hiddenLine xmlns:a14="http://schemas.microsoft.com/office/drawing/2010/main" xmlns="" w="9525">
                   <a:solidFill>
                     <a:schemeClr val="tx1"/>
                   </a:solidFill>
@@ -6725,7 +6725,7 @@
                 </a14:hiddenLine>
               </a:ext>
               <a:ext uri="{AF507438-7753-43e0-B8FC-AC1667EBCBE1}">
-                <a14:hiddenEffects xmlns="" xmlns:a14="http://schemas.microsoft.com/office/drawing/2010/main">
+                <a14:hiddenEffects xmlns:a14="http://schemas.microsoft.com/office/drawing/2010/main" xmlns="">
                   <a:effectLst>
                     <a:outerShdw blurRad="63500" dist="38099" dir="2700000" algn="ctr" rotWithShape="0">
                       <a:schemeClr val="bg2">
@@ -6770,7 +6770,7 @@
             <a:effectLst/>
             <a:extLst>
               <a:ext uri="{91240B29-F687-4f45-9708-019B960494DF}">
-                <a14:hiddenLine xmlns="" xmlns:a14="http://schemas.microsoft.com/office/drawing/2010/main" w="9525">
+                <a14:hiddenLine xmlns:a14="http://schemas.microsoft.com/office/drawing/2010/main" xmlns="" w="9525">
                   <a:solidFill>
                     <a:schemeClr val="tx1"/>
                   </a:solidFill>
@@ -6780,7 +6780,7 @@
                 </a14:hiddenLine>
               </a:ext>
               <a:ext uri="{AF507438-7753-43e0-B8FC-AC1667EBCBE1}">
-                <a14:hiddenEffects xmlns="" xmlns:a14="http://schemas.microsoft.com/office/drawing/2010/main">
+                <a14:hiddenEffects xmlns:a14="http://schemas.microsoft.com/office/drawing/2010/main" xmlns="">
                   <a:effectLst>
                     <a:outerShdw blurRad="63500" dist="38099" dir="2700000" algn="ctr" rotWithShape="0">
                       <a:schemeClr val="bg2">
@@ -6825,7 +6825,7 @@
             <a:effectLst/>
             <a:extLst>
               <a:ext uri="{91240B29-F687-4f45-9708-019B960494DF}">
-                <a14:hiddenLine xmlns="" xmlns:a14="http://schemas.microsoft.com/office/drawing/2010/main" w="9525">
+                <a14:hiddenLine xmlns:a14="http://schemas.microsoft.com/office/drawing/2010/main" xmlns="" w="9525">
                   <a:solidFill>
                     <a:schemeClr val="tx1"/>
                   </a:solidFill>
@@ -6835,7 +6835,7 @@
                 </a14:hiddenLine>
               </a:ext>
               <a:ext uri="{AF507438-7753-43e0-B8FC-AC1667EBCBE1}">
-                <a14:hiddenEffects xmlns="" xmlns:a14="http://schemas.microsoft.com/office/drawing/2010/main">
+                <a14:hiddenEffects xmlns:a14="http://schemas.microsoft.com/office/drawing/2010/main" xmlns="">
                   <a:effectLst>
                     <a:outerShdw blurRad="63500" dist="38099" dir="2700000" algn="ctr" rotWithShape="0">
                       <a:schemeClr val="bg2">
@@ -6880,7 +6880,7 @@
             <a:effectLst/>
             <a:extLst>
               <a:ext uri="{91240B29-F687-4f45-9708-019B960494DF}">
-                <a14:hiddenLine xmlns="" xmlns:a14="http://schemas.microsoft.com/office/drawing/2010/main" w="9525">
+                <a14:hiddenLine xmlns:a14="http://schemas.microsoft.com/office/drawing/2010/main" xmlns="" w="9525">
                   <a:solidFill>
                     <a:schemeClr val="tx1"/>
                   </a:solidFill>
@@ -6890,7 +6890,7 @@
                 </a14:hiddenLine>
               </a:ext>
               <a:ext uri="{AF507438-7753-43e0-B8FC-AC1667EBCBE1}">
-                <a14:hiddenEffects xmlns="" xmlns:a14="http://schemas.microsoft.com/office/drawing/2010/main">
+                <a14:hiddenEffects xmlns:a14="http://schemas.microsoft.com/office/drawing/2010/main" xmlns="">
                   <a:effectLst>
                     <a:outerShdw blurRad="63500" dist="38099" dir="2700000" algn="ctr" rotWithShape="0">
                       <a:schemeClr val="bg2">
@@ -6935,7 +6935,7 @@
             <a:effectLst/>
             <a:extLst>
               <a:ext uri="{91240B29-F687-4f45-9708-019B960494DF}">
-                <a14:hiddenLine xmlns="" xmlns:a14="http://schemas.microsoft.com/office/drawing/2010/main" w="9525">
+                <a14:hiddenLine xmlns:a14="http://schemas.microsoft.com/office/drawing/2010/main" xmlns="" w="9525">
                   <a:solidFill>
                     <a:schemeClr val="tx1"/>
                   </a:solidFill>
@@ -6945,7 +6945,7 @@
                 </a14:hiddenLine>
               </a:ext>
               <a:ext uri="{AF507438-7753-43e0-B8FC-AC1667EBCBE1}">
-                <a14:hiddenEffects xmlns="" xmlns:a14="http://schemas.microsoft.com/office/drawing/2010/main">
+                <a14:hiddenEffects xmlns:a14="http://schemas.microsoft.com/office/drawing/2010/main" xmlns="">
                   <a:effectLst>
                     <a:outerShdw blurRad="63500" dist="38099" dir="2700000" algn="ctr" rotWithShape="0">
                       <a:schemeClr val="bg2">
@@ -6990,7 +6990,7 @@
             <a:effectLst/>
             <a:extLst>
               <a:ext uri="{91240B29-F687-4f45-9708-019B960494DF}">
-                <a14:hiddenLine xmlns="" xmlns:a14="http://schemas.microsoft.com/office/drawing/2010/main" w="9525">
+                <a14:hiddenLine xmlns:a14="http://schemas.microsoft.com/office/drawing/2010/main" xmlns="" w="9525">
                   <a:solidFill>
                     <a:schemeClr val="tx1"/>
                   </a:solidFill>
@@ -7000,7 +7000,7 @@
                 </a14:hiddenLine>
               </a:ext>
               <a:ext uri="{AF507438-7753-43e0-B8FC-AC1667EBCBE1}">
-                <a14:hiddenEffects xmlns="" xmlns:a14="http://schemas.microsoft.com/office/drawing/2010/main">
+                <a14:hiddenEffects xmlns:a14="http://schemas.microsoft.com/office/drawing/2010/main" xmlns="">
                   <a:effectLst>
                     <a:outerShdw blurRad="63500" dist="38099" dir="2700000" algn="ctr" rotWithShape="0">
                       <a:schemeClr val="bg2">
@@ -7045,7 +7045,7 @@
             <a:effectLst/>
             <a:extLst>
               <a:ext uri="{91240B29-F687-4f45-9708-019B960494DF}">
-                <a14:hiddenLine xmlns="" xmlns:a14="http://schemas.microsoft.com/office/drawing/2010/main" w="9525">
+                <a14:hiddenLine xmlns:a14="http://schemas.microsoft.com/office/drawing/2010/main" xmlns="" w="9525">
                   <a:solidFill>
                     <a:schemeClr val="tx1"/>
                   </a:solidFill>
@@ -7055,7 +7055,7 @@
                 </a14:hiddenLine>
               </a:ext>
               <a:ext uri="{AF507438-7753-43e0-B8FC-AC1667EBCBE1}">
-                <a14:hiddenEffects xmlns="" xmlns:a14="http://schemas.microsoft.com/office/drawing/2010/main">
+                <a14:hiddenEffects xmlns:a14="http://schemas.microsoft.com/office/drawing/2010/main" xmlns="">
                   <a:effectLst>
                     <a:outerShdw blurRad="63500" dist="38099" dir="2700000" algn="ctr" rotWithShape="0">
                       <a:schemeClr val="bg2">
@@ -7100,7 +7100,7 @@
             <a:effectLst/>
             <a:extLst>
               <a:ext uri="{91240B29-F687-4f45-9708-019B960494DF}">
-                <a14:hiddenLine xmlns="" xmlns:a14="http://schemas.microsoft.com/office/drawing/2010/main" w="9525">
+                <a14:hiddenLine xmlns:a14="http://schemas.microsoft.com/office/drawing/2010/main" xmlns="" w="9525">
                   <a:solidFill>
                     <a:schemeClr val="tx1"/>
                   </a:solidFill>
@@ -7110,7 +7110,7 @@
                 </a14:hiddenLine>
               </a:ext>
               <a:ext uri="{AF507438-7753-43e0-B8FC-AC1667EBCBE1}">
-                <a14:hiddenEffects xmlns="" xmlns:a14="http://schemas.microsoft.com/office/drawing/2010/main">
+                <a14:hiddenEffects xmlns:a14="http://schemas.microsoft.com/office/drawing/2010/main" xmlns="">
                   <a:effectLst>
                     <a:outerShdw blurRad="63500" dist="38099" dir="2700000" algn="ctr" rotWithShape="0">
                       <a:schemeClr val="bg2">
@@ -7155,7 +7155,7 @@
             <a:effectLst/>
             <a:extLst>
               <a:ext uri="{91240B29-F687-4f45-9708-019B960494DF}">
-                <a14:hiddenLine xmlns="" xmlns:a14="http://schemas.microsoft.com/office/drawing/2010/main" w="9525">
+                <a14:hiddenLine xmlns:a14="http://schemas.microsoft.com/office/drawing/2010/main" xmlns="" w="9525">
                   <a:solidFill>
                     <a:schemeClr val="tx1"/>
                   </a:solidFill>
@@ -7165,7 +7165,7 @@
                 </a14:hiddenLine>
               </a:ext>
               <a:ext uri="{AF507438-7753-43e0-B8FC-AC1667EBCBE1}">
-                <a14:hiddenEffects xmlns="" xmlns:a14="http://schemas.microsoft.com/office/drawing/2010/main">
+                <a14:hiddenEffects xmlns:a14="http://schemas.microsoft.com/office/drawing/2010/main" xmlns="">
                   <a:effectLst>
                     <a:outerShdw blurRad="63500" dist="38099" dir="2700000" algn="ctr" rotWithShape="0">
                       <a:schemeClr val="bg2">
@@ -7210,7 +7210,7 @@
             <a:effectLst/>
             <a:extLst>
               <a:ext uri="{91240B29-F687-4f45-9708-019B960494DF}">
-                <a14:hiddenLine xmlns="" xmlns:a14="http://schemas.microsoft.com/office/drawing/2010/main" w="9525">
+                <a14:hiddenLine xmlns:a14="http://schemas.microsoft.com/office/drawing/2010/main" xmlns="" w="9525">
                   <a:solidFill>
                     <a:schemeClr val="tx1"/>
                   </a:solidFill>
@@ -7220,7 +7220,7 @@
                 </a14:hiddenLine>
               </a:ext>
               <a:ext uri="{AF507438-7753-43e0-B8FC-AC1667EBCBE1}">
-                <a14:hiddenEffects xmlns="" xmlns:a14="http://schemas.microsoft.com/office/drawing/2010/main">
+                <a14:hiddenEffects xmlns:a14="http://schemas.microsoft.com/office/drawing/2010/main" xmlns="">
                   <a:effectLst>
                     <a:outerShdw blurRad="63500" dist="38099" dir="2700000" algn="ctr" rotWithShape="0">
                       <a:schemeClr val="bg2">
@@ -8286,7 +8286,7 @@
           <a:effectLst/>
           <a:extLst>
             <a:ext uri="{AF507438-7753-43e0-B8FC-AC1667EBCBE1}">
-              <a14:hiddenEffects xmlns="" xmlns:a14="http://schemas.microsoft.com/office/drawing/2010/main">
+              <a14:hiddenEffects xmlns:a14="http://schemas.microsoft.com/office/drawing/2010/main" xmlns="">
                 <a:effectLst>
                   <a:outerShdw blurRad="63500" dist="38099" dir="2700000" algn="ctr" rotWithShape="0">
                     <a:schemeClr val="bg2">
@@ -8345,8 +8345,8 @@
         </p:nvSpPr>
         <p:spPr>
           <a:xfrm>
-            <a:off x="720436" y="5805055"/>
-            <a:ext cx="4685898" cy="307777"/>
+            <a:off x="876300" y="5511800"/>
+            <a:ext cx="5182701" cy="523220"/>
           </a:xfrm>
           <a:prstGeom prst="rect">
             <a:avLst/>
@@ -8365,9 +8365,195 @@
           <a:lstStyle/>
           <a:p>
             <a:r>
+              <a:rPr lang="en-US" b="1" dirty="0"/>
+              <a:t>Note</a:t>
+            </a:r>
+            <a:r>
               <a:rPr lang="en-US" dirty="0"/>
-              <a:t>We use Python’s ability to do pattern matching on tuples!</a:t>
-            </a:r>
+              <a:t>: We use Python’s ability to do pattern matching on tuples!</a:t>
+            </a:r>
+          </a:p>
+          <a:p>
+            <a:r>
+              <a:rPr lang="en-US" b="1" dirty="0"/>
+              <a:t>Note</a:t>
+            </a:r>
+            <a:r>
+              <a:rPr lang="en-US" dirty="0"/>
+              <a:t>: We have the &lt;name&gt; = name identity translation.</a:t>
+            </a:r>
+          </a:p>
+        </p:txBody>
+      </p:sp>
+      <p:sp>
+        <p:nvSpPr>
+          <p:cNvPr id="10" name="Right Arrow 9">
+            <a:extLst>
+              <a:ext uri="{FF2B5EF4-FFF2-40B4-BE49-F238E27FC236}">
+                <a16:creationId xmlns:a16="http://schemas.microsoft.com/office/drawing/2014/main" id="{E42AD001-938D-1E4F-83AD-82F46D937015}"/>
+              </a:ext>
+            </a:extLst>
+          </p:cNvPr>
+          <p:cNvSpPr/>
+          <p:nvPr/>
+        </p:nvSpPr>
+        <p:spPr bwMode="auto">
+          <a:xfrm rot="16200000">
+            <a:off x="3009900" y="4705697"/>
+            <a:ext cx="533400" cy="304800"/>
+          </a:xfrm>
+          <a:prstGeom prst="rightArrow">
+            <a:avLst/>
+          </a:prstGeom>
+          <a:solidFill>
+            <a:srgbClr val="FF0000"/>
+          </a:solidFill>
+          <a:ln w="9525" cap="flat" cmpd="sng" algn="ctr">
+            <a:solidFill>
+              <a:schemeClr val="tx1"/>
+            </a:solidFill>
+            <a:prstDash val="solid"/>
+            <a:round/>
+            <a:headEnd type="none" w="med" len="med"/>
+            <a:tailEnd type="none" w="med" len="med"/>
+          </a:ln>
+          <a:effectLst/>
+          <a:extLst>
+            <a:ext uri="{AF507438-7753-43e0-B8FC-AC1667EBCBE1}">
+              <a14:hiddenEffects xmlns:a14="http://schemas.microsoft.com/office/drawing/2010/main" xmlns="">
+                <a:effectLst>
+                  <a:outerShdw blurRad="63500" dist="38099" dir="2700000" algn="ctr" rotWithShape="0">
+                    <a:schemeClr val="bg2">
+                      <a:alpha val="74998"/>
+                    </a:schemeClr>
+                  </a:outerShdw>
+                </a:effectLst>
+              </a14:hiddenEffects>
+            </a:ext>
+          </a:extLst>
+        </p:spPr>
+        <p:txBody>
+          <a:bodyPr vert="horz" wrap="square" lIns="91440" tIns="45720" rIns="91440" bIns="45720" numCol="1" rtlCol="0" anchor="t" anchorCtr="0" compatLnSpc="1">
+            <a:prstTxWarp prst="textNoShape">
+              <a:avLst/>
+            </a:prstTxWarp>
+          </a:bodyPr>
+          <a:lstStyle/>
+          <a:p>
+            <a:pPr marL="0" marR="0" indent="0" algn="l" defTabSz="914400" rtl="0" eaLnBrk="0" fontAlgn="base" latinLnBrk="0" hangingPunct="0">
+              <a:lnSpc>
+                <a:spcPct val="100000"/>
+              </a:lnSpc>
+              <a:spcBef>
+                <a:spcPct val="0"/>
+              </a:spcBef>
+              <a:spcAft>
+                <a:spcPct val="0"/>
+              </a:spcAft>
+              <a:buClrTx/>
+              <a:buSzTx/>
+              <a:buFontTx/>
+              <a:buNone/>
+              <a:tabLst/>
+            </a:pPr>
+            <a:endParaRPr kumimoji="0" lang="en-US" sz="2400" b="0" i="0" u="none" strike="noStrike" cap="none" normalizeH="0" baseline="0">
+              <a:ln>
+                <a:noFill/>
+              </a:ln>
+              <a:solidFill>
+                <a:srgbClr val="000000"/>
+              </a:solidFill>
+              <a:effectLst/>
+              <a:latin typeface="Arial" charset="0"/>
+              <a:ea typeface="ＭＳ Ｐゴシック" charset="0"/>
+              <a:cs typeface="ＭＳ Ｐゴシック" charset="0"/>
+            </a:endParaRPr>
+          </a:p>
+        </p:txBody>
+      </p:sp>
+      <p:sp>
+        <p:nvSpPr>
+          <p:cNvPr id="11" name="Right Arrow 10">
+            <a:extLst>
+              <a:ext uri="{FF2B5EF4-FFF2-40B4-BE49-F238E27FC236}">
+                <a16:creationId xmlns:a16="http://schemas.microsoft.com/office/drawing/2014/main" id="{260D1973-0C70-0946-8BA7-83E88E7CA466}"/>
+              </a:ext>
+            </a:extLst>
+          </p:cNvPr>
+          <p:cNvSpPr/>
+          <p:nvPr/>
+        </p:nvSpPr>
+        <p:spPr bwMode="auto">
+          <a:xfrm rot="5400000">
+            <a:off x="5165042" y="1671638"/>
+            <a:ext cx="533400" cy="304800"/>
+          </a:xfrm>
+          <a:prstGeom prst="rightArrow">
+            <a:avLst/>
+          </a:prstGeom>
+          <a:solidFill>
+            <a:srgbClr val="FF0000"/>
+          </a:solidFill>
+          <a:ln w="9525" cap="flat" cmpd="sng" algn="ctr">
+            <a:solidFill>
+              <a:schemeClr val="tx1"/>
+            </a:solidFill>
+            <a:prstDash val="solid"/>
+            <a:round/>
+            <a:headEnd type="none" w="med" len="med"/>
+            <a:tailEnd type="none" w="med" len="med"/>
+          </a:ln>
+          <a:effectLst/>
+          <a:extLst>
+            <a:ext uri="{AF507438-7753-43e0-B8FC-AC1667EBCBE1}">
+              <a14:hiddenEffects xmlns:a14="http://schemas.microsoft.com/office/drawing/2010/main" xmlns="">
+                <a:effectLst>
+                  <a:outerShdw blurRad="63500" dist="38099" dir="2700000" algn="ctr" rotWithShape="0">
+                    <a:schemeClr val="bg2">
+                      <a:alpha val="74998"/>
+                    </a:schemeClr>
+                  </a:outerShdw>
+                </a:effectLst>
+              </a14:hiddenEffects>
+            </a:ext>
+          </a:extLst>
+        </p:spPr>
+        <p:txBody>
+          <a:bodyPr vert="horz" wrap="square" lIns="91440" tIns="45720" rIns="91440" bIns="45720" numCol="1" rtlCol="0" anchor="t" anchorCtr="0" compatLnSpc="1">
+            <a:prstTxWarp prst="textNoShape">
+              <a:avLst/>
+            </a:prstTxWarp>
+          </a:bodyPr>
+          <a:lstStyle/>
+          <a:p>
+            <a:pPr marL="0" marR="0" indent="0" algn="l" defTabSz="914400" rtl="0" eaLnBrk="0" fontAlgn="base" latinLnBrk="0" hangingPunct="0">
+              <a:lnSpc>
+                <a:spcPct val="100000"/>
+              </a:lnSpc>
+              <a:spcBef>
+                <a:spcPct val="0"/>
+              </a:spcBef>
+              <a:spcAft>
+                <a:spcPct val="0"/>
+              </a:spcAft>
+              <a:buClrTx/>
+              <a:buSzTx/>
+              <a:buFontTx/>
+              <a:buNone/>
+              <a:tabLst/>
+            </a:pPr>
+            <a:endParaRPr kumimoji="0" lang="en-US" sz="2400" b="0" i="0" u="none" strike="noStrike" cap="none" normalizeH="0" baseline="0">
+              <a:ln>
+                <a:noFill/>
+              </a:ln>
+              <a:solidFill>
+                <a:srgbClr val="000000"/>
+              </a:solidFill>
+              <a:effectLst/>
+              <a:latin typeface="Arial" charset="0"/>
+              <a:ea typeface="ＭＳ Ｐゴシック" charset="0"/>
+              <a:cs typeface="ＭＳ Ｐゴシック" charset="0"/>
+            </a:endParaRPr>
           </a:p>
         </p:txBody>
       </p:sp>
@@ -8566,7 +8752,7 @@
           <a:effectLst/>
           <a:extLst>
             <a:ext uri="{AF507438-7753-43e0-B8FC-AC1667EBCBE1}">
-              <a14:hiddenEffects xmlns="" xmlns:a14="http://schemas.microsoft.com/office/drawing/2010/main">
+              <a14:hiddenEffects xmlns:a14="http://schemas.microsoft.com/office/drawing/2010/main" xmlns="">
                 <a:effectLst>
                   <a:outerShdw blurRad="63500" dist="38099" dir="2700000" algn="ctr" rotWithShape="0">
                     <a:schemeClr val="bg2">
@@ -8614,6 +8800,131 @@
               <a:ea typeface="ＭＳ Ｐゴシック" charset="0"/>
               <a:cs typeface="ＭＳ Ｐゴシック" charset="0"/>
             </a:endParaRPr>
+          </a:p>
+        </p:txBody>
+      </p:sp>
+      <p:sp>
+        <p:nvSpPr>
+          <p:cNvPr id="6" name="Down Arrow 5">
+            <a:extLst>
+              <a:ext uri="{FF2B5EF4-FFF2-40B4-BE49-F238E27FC236}">
+                <a16:creationId xmlns:a16="http://schemas.microsoft.com/office/drawing/2014/main" id="{BAF687A7-9B03-F34F-A34C-F152ABC3B49E}"/>
+              </a:ext>
+            </a:extLst>
+          </p:cNvPr>
+          <p:cNvSpPr/>
+          <p:nvPr/>
+        </p:nvSpPr>
+        <p:spPr bwMode="auto">
+          <a:xfrm>
+            <a:off x="7848600" y="1719263"/>
+            <a:ext cx="228600" cy="414337"/>
+          </a:xfrm>
+          <a:prstGeom prst="downArrow">
+            <a:avLst/>
+          </a:prstGeom>
+          <a:solidFill>
+            <a:srgbClr val="FF0000"/>
+          </a:solidFill>
+          <a:ln w="9525" cap="flat" cmpd="sng" algn="ctr">
+            <a:solidFill>
+              <a:schemeClr val="tx1"/>
+            </a:solidFill>
+            <a:prstDash val="solid"/>
+            <a:round/>
+            <a:headEnd type="none" w="med" len="med"/>
+            <a:tailEnd type="none" w="med" len="med"/>
+          </a:ln>
+          <a:effectLst/>
+          <a:extLst>
+            <a:ext uri="{AF507438-7753-43e0-B8FC-AC1667EBCBE1}">
+              <a14:hiddenEffects xmlns="" xmlns:a14="http://schemas.microsoft.com/office/drawing/2010/main">
+                <a:effectLst>
+                  <a:outerShdw blurRad="63500" dist="38099" dir="2700000" algn="ctr" rotWithShape="0">
+                    <a:schemeClr val="bg2">
+                      <a:alpha val="74998"/>
+                    </a:schemeClr>
+                  </a:outerShdw>
+                </a:effectLst>
+              </a14:hiddenEffects>
+            </a:ext>
+          </a:extLst>
+        </p:spPr>
+        <p:txBody>
+          <a:bodyPr vert="horz" wrap="square" lIns="91440" tIns="45720" rIns="91440" bIns="45720" numCol="1" rtlCol="0" anchor="t" anchorCtr="0" compatLnSpc="1">
+            <a:prstTxWarp prst="textNoShape">
+              <a:avLst/>
+            </a:prstTxWarp>
+          </a:bodyPr>
+          <a:lstStyle/>
+          <a:p>
+            <a:pPr marL="0" marR="0" indent="0" algn="l" defTabSz="914400" rtl="0" eaLnBrk="0" fontAlgn="base" latinLnBrk="0" hangingPunct="0">
+              <a:lnSpc>
+                <a:spcPct val="100000"/>
+              </a:lnSpc>
+              <a:spcBef>
+                <a:spcPct val="0"/>
+              </a:spcBef>
+              <a:spcAft>
+                <a:spcPct val="0"/>
+              </a:spcAft>
+              <a:buClrTx/>
+              <a:buSzTx/>
+              <a:buFontTx/>
+              <a:buNone/>
+              <a:tabLst/>
+            </a:pPr>
+            <a:endParaRPr kumimoji="0" lang="en-US" sz="2400" b="0" i="0" u="none" strike="noStrike" cap="none" normalizeH="0" baseline="0">
+              <a:ln>
+                <a:noFill/>
+              </a:ln>
+              <a:solidFill>
+                <a:srgbClr val="000000"/>
+              </a:solidFill>
+              <a:effectLst/>
+              <a:latin typeface="Arial" charset="0"/>
+              <a:ea typeface="ＭＳ Ｐゴシック" charset="0"/>
+              <a:cs typeface="ＭＳ Ｐゴシック" charset="0"/>
+            </a:endParaRPr>
+          </a:p>
+        </p:txBody>
+      </p:sp>
+      <p:sp>
+        <p:nvSpPr>
+          <p:cNvPr id="7" name="TextBox 6">
+            <a:extLst>
+              <a:ext uri="{FF2B5EF4-FFF2-40B4-BE49-F238E27FC236}">
+                <a16:creationId xmlns:a16="http://schemas.microsoft.com/office/drawing/2014/main" id="{4E642E3F-5A81-7D45-BFAD-5303ADF74EAC}"/>
+              </a:ext>
+            </a:extLst>
+          </p:cNvPr>
+          <p:cNvSpPr txBox="1"/>
+          <p:nvPr/>
+        </p:nvSpPr>
+        <p:spPr>
+          <a:xfrm>
+            <a:off x="1609453" y="6083300"/>
+            <a:ext cx="4105547" cy="307777"/>
+          </a:xfrm>
+          <a:prstGeom prst="rect">
+            <a:avLst/>
+          </a:prstGeom>
+          <a:noFill/>
+        </p:spPr>
+        <p:txBody>
+          <a:bodyPr wrap="none" rtlCol="0">
+            <a:spAutoFit/>
+          </a:bodyPr>
+          <a:lstStyle/>
+          <a:p>
+            <a:r>
+              <a:rPr lang="en-US" b="1" dirty="0"/>
+              <a:t>Note</a:t>
+            </a:r>
+            <a:r>
+              <a:rPr lang="en-US" dirty="0"/>
+              <a:t>: We have the translation &lt;exp&gt; = walk(exp).</a:t>
+            </a:r>
           </a:p>
         </p:txBody>
       </p:sp>
@@ -8824,7 +9135,7 @@
           <a:effectLst/>
           <a:extLst>
             <a:ext uri="{AF507438-7753-43e0-B8FC-AC1667EBCBE1}">
-              <a14:hiddenEffects xmlns="" xmlns:a14="http://schemas.microsoft.com/office/drawing/2010/main">
+              <a14:hiddenEffects xmlns:a14="http://schemas.microsoft.com/office/drawing/2010/main" xmlns="">
                 <a:effectLst>
                   <a:outerShdw blurRad="63500" dist="38099" dir="2700000" algn="ctr" rotWithShape="0">
                     <a:schemeClr val="bg2">
@@ -8905,6 +9216,73 @@
           </a:prstGeom>
         </p:spPr>
       </p:pic>
+      <p:sp>
+        <p:nvSpPr>
+          <p:cNvPr id="5" name="TextBox 4">
+            <a:extLst>
+              <a:ext uri="{FF2B5EF4-FFF2-40B4-BE49-F238E27FC236}">
+                <a16:creationId xmlns:a16="http://schemas.microsoft.com/office/drawing/2014/main" id="{44F362E8-735B-1341-8675-FDBE5F4EE646}"/>
+              </a:ext>
+            </a:extLst>
+          </p:cNvPr>
+          <p:cNvSpPr txBox="1"/>
+          <p:nvPr/>
+        </p:nvSpPr>
+        <p:spPr>
+          <a:xfrm>
+            <a:off x="6096000" y="4546600"/>
+            <a:ext cx="1850186" cy="738664"/>
+          </a:xfrm>
+          <a:prstGeom prst="rect">
+            <a:avLst/>
+          </a:prstGeom>
+          <a:noFill/>
+        </p:spPr>
+        <p:txBody>
+          <a:bodyPr wrap="none" rtlCol="0">
+            <a:spAutoFit/>
+          </a:bodyPr>
+          <a:lstStyle/>
+          <a:p>
+            <a:r>
+              <a:rPr lang="en-US" b="1" dirty="0"/>
+              <a:t>Note</a:t>
+            </a:r>
+            <a:r>
+              <a:rPr lang="en-US" dirty="0"/>
+              <a:t>:</a:t>
+            </a:r>
+          </a:p>
+          <a:p>
+            <a:r>
+              <a:rPr lang="en-US" dirty="0"/>
+              <a:t>&lt;</a:t>
+            </a:r>
+            <a:r>
+              <a:rPr lang="en-US" dirty="0" err="1"/>
+              <a:t>cond</a:t>
+            </a:r>
+            <a:r>
+              <a:rPr lang="en-US" dirty="0"/>
+              <a:t>&gt; = walk(</a:t>
+            </a:r>
+            <a:r>
+              <a:rPr lang="en-US" dirty="0" err="1"/>
+              <a:t>cond</a:t>
+            </a:r>
+            <a:r>
+              <a:rPr lang="en-US" dirty="0"/>
+              <a:t>)</a:t>
+            </a:r>
+          </a:p>
+          <a:p>
+            <a:r>
+              <a:rPr lang="en-US" dirty="0"/>
+              <a:t>&lt;body&gt; = walk(body)</a:t>
+            </a:r>
+          </a:p>
+        </p:txBody>
+      </p:sp>
     </p:spTree>
     <p:extLst>
       <p:ext uri="{BB962C8B-B14F-4D97-AF65-F5344CB8AC3E}">
@@ -8971,7 +9349,7 @@
         <p:spPr>
           <a:xfrm>
             <a:off x="457200" y="1417638"/>
-            <a:ext cx="4114800" cy="3382962"/>
+            <a:ext cx="4114800" cy="3840162"/>
           </a:xfrm>
         </p:spPr>
         <p:txBody>
@@ -9015,15 +9393,21 @@
           <a:p>
             <a:r>
               <a:rPr lang="en-US" dirty="0"/>
-              <a:t>The </a:t>
-            </a:r>
-            <a:r>
-              <a:rPr lang="en-US" dirty="0" err="1"/>
-              <a:t>codegen</a:t>
-            </a:r>
+              <a:t>The codegen tree walker has a function for that,</a:t>
+            </a:r>
+          </a:p>
+          <a:p>
+            <a:pPr lvl="1"/>
             <a:r>
               <a:rPr lang="en-US" dirty="0"/>
-              <a:t> tree walker has a function for that,</a:t>
+              <a:t>&lt;c1&gt; = walk(c1)</a:t>
+            </a:r>
+          </a:p>
+          <a:p>
+            <a:pPr lvl="1"/>
+            <a:r>
+              <a:rPr lang="en-US" dirty="0"/>
+              <a:t>&lt;c2&gt; = walk(c2)</a:t>
             </a:r>
           </a:p>
         </p:txBody>
@@ -9155,7 +9539,7 @@
           <a:effectLst/>
           <a:extLst>
             <a:ext uri="{AF507438-7753-43e0-B8FC-AC1667EBCBE1}">
-              <a14:hiddenEffects xmlns="" xmlns:a14="http://schemas.microsoft.com/office/drawing/2010/main">
+              <a14:hiddenEffects xmlns:a14="http://schemas.microsoft.com/office/drawing/2010/main" xmlns="">
                 <a:effectLst>
                   <a:outerShdw blurRad="63500" dist="38099" dir="2700000" algn="ctr" rotWithShape="0">
                     <a:schemeClr val="bg2">
@@ -9647,7 +10031,7 @@
           <a:effectLst/>
           <a:extLst>
             <a:ext uri="{AF507438-7753-43e0-B8FC-AC1667EBCBE1}">
-              <a14:hiddenEffects xmlns="" xmlns:a14="http://schemas.microsoft.com/office/drawing/2010/main">
+              <a14:hiddenEffects xmlns:a14="http://schemas.microsoft.com/office/drawing/2010/main" xmlns="">
                 <a:effectLst>
                   <a:outerShdw blurRad="63500" dist="38099" dir="2700000" algn="ctr" rotWithShape="0">
                     <a:schemeClr val="bg2">
@@ -9889,7 +10273,7 @@
           <a:effectLst/>
           <a:extLst>
             <a:ext uri="{AF507438-7753-43e0-B8FC-AC1667EBCBE1}">
-              <a14:hiddenEffects xmlns="" xmlns:a14="http://schemas.microsoft.com/office/drawing/2010/main">
+              <a14:hiddenEffects xmlns:a14="http://schemas.microsoft.com/office/drawing/2010/main" xmlns="">
                 <a:effectLst>
                   <a:outerShdw blurRad="63500" dist="38099" dir="2700000" algn="ctr" rotWithShape="0">
                     <a:schemeClr val="bg2">
@@ -10380,7 +10764,7 @@
             <a:effectLst/>
             <a:extLst>
               <a:ext uri="{AF507438-7753-43e0-B8FC-AC1667EBCBE1}">
-                <a14:hiddenEffects xmlns="" xmlns:a14="http://schemas.microsoft.com/office/drawing/2010/main">
+                <a14:hiddenEffects xmlns:a14="http://schemas.microsoft.com/office/drawing/2010/main" xmlns="">
                   <a:effectLst>
                     <a:outerShdw blurRad="63500" dist="38099" dir="2700000" algn="ctr" rotWithShape="0">
                       <a:schemeClr val="bg2">
@@ -10466,7 +10850,7 @@
             <a:effectLst/>
             <a:extLst>
               <a:ext uri="{AF507438-7753-43e0-B8FC-AC1667EBCBE1}">
-                <a14:hiddenEffects xmlns="" xmlns:a14="http://schemas.microsoft.com/office/drawing/2010/main">
+                <a14:hiddenEffects xmlns:a14="http://schemas.microsoft.com/office/drawing/2010/main" xmlns="">
                   <a:effectLst>
                     <a:outerShdw blurRad="63500" dist="38099" dir="2700000" algn="ctr" rotWithShape="0">
                       <a:schemeClr val="bg2">
@@ -10552,7 +10936,7 @@
             <a:effectLst/>
             <a:extLst>
               <a:ext uri="{AF507438-7753-43e0-B8FC-AC1667EBCBE1}">
-                <a14:hiddenEffects xmlns="" xmlns:a14="http://schemas.microsoft.com/office/drawing/2010/main">
+                <a14:hiddenEffects xmlns:a14="http://schemas.microsoft.com/office/drawing/2010/main" xmlns="">
                   <a:effectLst>
                     <a:outerShdw blurRad="63500" dist="38099" dir="2700000" algn="ctr" rotWithShape="0">
                       <a:schemeClr val="bg2">
@@ -10726,7 +11110,7 @@
           <a:effectLst/>
           <a:extLst>
             <a:ext uri="{AF507438-7753-43e0-B8FC-AC1667EBCBE1}">
-              <a14:hiddenEffects xmlns="" xmlns:a14="http://schemas.microsoft.com/office/drawing/2010/main">
+              <a14:hiddenEffects xmlns:a14="http://schemas.microsoft.com/office/drawing/2010/main" xmlns="">
                 <a:effectLst>
                   <a:outerShdw blurRad="63500" dist="38099" dir="2700000" algn="ctr" rotWithShape="0">
                     <a:schemeClr val="bg2">
@@ -10812,7 +11196,7 @@
           <a:effectLst/>
           <a:extLst>
             <a:ext uri="{AF507438-7753-43e0-B8FC-AC1667EBCBE1}">
-              <a14:hiddenEffects xmlns="" xmlns:a14="http://schemas.microsoft.com/office/drawing/2010/main">
+              <a14:hiddenEffects xmlns:a14="http://schemas.microsoft.com/office/drawing/2010/main" xmlns="">
                 <a:effectLst>
                   <a:outerShdw blurRad="63500" dist="38099" dir="2700000" algn="ctr" rotWithShape="0">
                     <a:schemeClr val="bg2">
@@ -10860,6 +11244,76 @@
               <a:ea typeface="ＭＳ Ｐゴシック" charset="0"/>
               <a:cs typeface="ＭＳ Ｐゴシック" charset="0"/>
             </a:endParaRPr>
+          </a:p>
+        </p:txBody>
+      </p:sp>
+      <p:sp>
+        <p:nvSpPr>
+          <p:cNvPr id="3" name="TextBox 2">
+            <a:extLst>
+              <a:ext uri="{FF2B5EF4-FFF2-40B4-BE49-F238E27FC236}">
+                <a16:creationId xmlns:a16="http://schemas.microsoft.com/office/drawing/2014/main" id="{F88E21A1-E708-E446-9850-574C72A6DE56}"/>
+              </a:ext>
+            </a:extLst>
+          </p:cNvPr>
+          <p:cNvSpPr txBox="1"/>
+          <p:nvPr/>
+        </p:nvSpPr>
+        <p:spPr>
+          <a:xfrm>
+            <a:off x="1676400" y="1811179"/>
+            <a:ext cx="227948" cy="246221"/>
+          </a:xfrm>
+          <a:prstGeom prst="rect">
+            <a:avLst/>
+          </a:prstGeom>
+          <a:noFill/>
+        </p:spPr>
+        <p:txBody>
+          <a:bodyPr wrap="none" rtlCol="0">
+            <a:spAutoFit/>
+          </a:bodyPr>
+          <a:lstStyle/>
+          <a:p>
+            <a:r>
+              <a:rPr lang="en-US" sz="1000" dirty="0"/>
+              <a:t>{</a:t>
+            </a:r>
+          </a:p>
+        </p:txBody>
+      </p:sp>
+      <p:sp>
+        <p:nvSpPr>
+          <p:cNvPr id="5" name="TextBox 4">
+            <a:extLst>
+              <a:ext uri="{FF2B5EF4-FFF2-40B4-BE49-F238E27FC236}">
+                <a16:creationId xmlns:a16="http://schemas.microsoft.com/office/drawing/2014/main" id="{FEE00E5E-E6C0-C149-9A66-3AD153178813}"/>
+              </a:ext>
+            </a:extLst>
+          </p:cNvPr>
+          <p:cNvSpPr txBox="1"/>
+          <p:nvPr/>
+        </p:nvSpPr>
+        <p:spPr>
+          <a:xfrm>
+            <a:off x="2810113" y="1811179"/>
+            <a:ext cx="227948" cy="246221"/>
+          </a:xfrm>
+          <a:prstGeom prst="rect">
+            <a:avLst/>
+          </a:prstGeom>
+          <a:noFill/>
+        </p:spPr>
+        <p:txBody>
+          <a:bodyPr wrap="none" rtlCol="0">
+            <a:spAutoFit/>
+          </a:bodyPr>
+          <a:lstStyle/>
+          <a:p>
+            <a:r>
+              <a:rPr lang="en-US" sz="1000" dirty="0"/>
+              <a:t>}</a:t>
+            </a:r>
           </a:p>
         </p:txBody>
       </p:sp>
@@ -11406,7 +11860,7 @@
           <a:effectLst/>
           <a:extLst>
             <a:ext uri="{AF507438-7753-43e0-B8FC-AC1667EBCBE1}">
-              <a14:hiddenEffects xmlns:a14="http://schemas.microsoft.com/office/drawing/2010/main" xmlns="">
+              <a14:hiddenEffects xmlns="" xmlns:a14="http://schemas.microsoft.com/office/drawing/2010/main">
                 <a:effectLst>
                   <a:outerShdw blurRad="63500" dist="38099" dir="2700000" algn="ctr" rotWithShape="0">
                     <a:schemeClr val="bg2">
@@ -12015,7 +12469,7 @@
           <a:effectLst/>
           <a:extLst>
             <a:ext uri="{AF507438-7753-43e0-B8FC-AC1667EBCBE1}">
-              <a14:hiddenEffects xmlns:a14="http://schemas.microsoft.com/office/drawing/2010/main" xmlns="">
+              <a14:hiddenEffects xmlns="" xmlns:a14="http://schemas.microsoft.com/office/drawing/2010/main">
                 <a:effectLst>
                   <a:outerShdw blurRad="63500" dist="38099" dir="2700000" algn="ctr" rotWithShape="0">
                     <a:schemeClr val="bg2">
@@ -12678,7 +13132,7 @@
         <a:effectLst/>
         <a:extLst>
           <a:ext uri="{AF507438-7753-43e0-B8FC-AC1667EBCBE1}">
-            <a14:hiddenEffects xmlns="" xmlns:a14="http://schemas.microsoft.com/office/drawing/2010/main">
+            <a14:hiddenEffects xmlns:a14="http://schemas.microsoft.com/office/drawing/2010/main" xmlns="">
               <a:effectLst>
                 <a:outerShdw blurRad="63500" dist="38099" dir="2700000" algn="ctr" rotWithShape="0">
                   <a:schemeClr val="bg2">
@@ -12755,7 +13209,7 @@
         <a:effectLst/>
         <a:extLst>
           <a:ext uri="{AF507438-7753-43e0-B8FC-AC1667EBCBE1}">
-            <a14:hiddenEffects xmlns="" xmlns:a14="http://schemas.microsoft.com/office/drawing/2010/main">
+            <a14:hiddenEffects xmlns:a14="http://schemas.microsoft.com/office/drawing/2010/main" xmlns="">
               <a:effectLst>
                 <a:outerShdw blurRad="63500" dist="38099" dir="2700000" algn="ctr" rotWithShape="0">
                   <a:schemeClr val="bg2">

--- a/notes/csc402-ln007.pptx
+++ b/notes/csc402-ln007.pptx
@@ -229,17 +229,17 @@
           </a:ln>
           <a:extLst>
             <a:ext uri="{FAA26D3D-D897-4be2-8F04-BA451C77F1D7}">
-              <ma14:placeholderFlag xmlns="" xmlns:ma14="http://schemas.microsoft.com/office/mac/drawingml/2011/main" val="1"/>
+              <ma14:placeholderFlag xmlns:ma14="http://schemas.microsoft.com/office/mac/drawingml/2011/main" xmlns="" val="1"/>
             </a:ext>
             <a:ext uri="{909E8E84-426E-40dd-AFC4-6F175D3DCCD1}">
-              <a14:hiddenFill xmlns:a14="http://schemas.microsoft.com/office/drawing/2010/main" xmlns="">
+              <a14:hiddenFill xmlns="" xmlns:a14="http://schemas.microsoft.com/office/drawing/2010/main">
                 <a:solidFill>
                   <a:schemeClr val="accent1"/>
                 </a:solidFill>
               </a14:hiddenFill>
             </a:ext>
             <a:ext uri="{91240B29-F687-4f45-9708-019B960494DF}">
-              <a14:hiddenLine xmlns:a14="http://schemas.microsoft.com/office/drawing/2010/main" xmlns="" w="9525">
+              <a14:hiddenLine xmlns="" xmlns:a14="http://schemas.microsoft.com/office/drawing/2010/main" w="9525">
                 <a:solidFill>
                   <a:schemeClr val="tx1"/>
                 </a:solidFill>
@@ -290,17 +290,17 @@
           </a:ln>
           <a:extLst>
             <a:ext uri="{FAA26D3D-D897-4be2-8F04-BA451C77F1D7}">
-              <ma14:placeholderFlag xmlns="" xmlns:ma14="http://schemas.microsoft.com/office/mac/drawingml/2011/main" val="1"/>
+              <ma14:placeholderFlag xmlns:ma14="http://schemas.microsoft.com/office/mac/drawingml/2011/main" xmlns="" val="1"/>
             </a:ext>
             <a:ext uri="{909E8E84-426E-40dd-AFC4-6F175D3DCCD1}">
-              <a14:hiddenFill xmlns:a14="http://schemas.microsoft.com/office/drawing/2010/main" xmlns="">
+              <a14:hiddenFill xmlns="" xmlns:a14="http://schemas.microsoft.com/office/drawing/2010/main">
                 <a:solidFill>
                   <a:schemeClr val="accent1"/>
                 </a:solidFill>
               </a14:hiddenFill>
             </a:ext>
             <a:ext uri="{91240B29-F687-4f45-9708-019B960494DF}">
-              <a14:hiddenLine xmlns:a14="http://schemas.microsoft.com/office/drawing/2010/main" xmlns="" w="9525">
+              <a14:hiddenLine xmlns="" xmlns:a14="http://schemas.microsoft.com/office/drawing/2010/main" w="9525">
                 <a:solidFill>
                   <a:schemeClr val="tx1"/>
                 </a:solidFill>
@@ -357,7 +357,7 @@
           <a:effectLst/>
           <a:extLst>
             <a:ext uri="{AF507438-7753-43e0-B8FC-AC1667EBCBE1}">
-              <a14:hiddenEffects xmlns:a14="http://schemas.microsoft.com/office/drawing/2010/main" xmlns="">
+              <a14:hiddenEffects xmlns="" xmlns:a14="http://schemas.microsoft.com/office/drawing/2010/main">
                 <a:effectLst>
                   <a:outerShdw blurRad="63500" dist="38099" dir="2700000" algn="ctr" rotWithShape="0">
                     <a:srgbClr val="000000">
@@ -368,7 +368,7 @@
               </a14:hiddenEffects>
             </a:ext>
             <a:ext uri="{53640926-AAD7-44d8-BBD7-CCE9431645EC}">
-              <a14:shadowObscured xmlns:a14="http://schemas.microsoft.com/office/drawing/2010/main" xmlns="" val="1"/>
+              <a14:shadowObscured xmlns="" xmlns:a14="http://schemas.microsoft.com/office/drawing/2010/main" val="1"/>
             </a:ext>
           </a:extLst>
         </p:spPr>
@@ -397,17 +397,17 @@
           </a:ln>
           <a:extLst>
             <a:ext uri="{FAA26D3D-D897-4be2-8F04-BA451C77F1D7}">
-              <ma14:placeholderFlag xmlns="" xmlns:ma14="http://schemas.microsoft.com/office/mac/drawingml/2011/main" val="1"/>
+              <ma14:placeholderFlag xmlns:ma14="http://schemas.microsoft.com/office/mac/drawingml/2011/main" xmlns="" val="1"/>
             </a:ext>
             <a:ext uri="{909E8E84-426E-40dd-AFC4-6F175D3DCCD1}">
-              <a14:hiddenFill xmlns:a14="http://schemas.microsoft.com/office/drawing/2010/main" xmlns="">
+              <a14:hiddenFill xmlns="" xmlns:a14="http://schemas.microsoft.com/office/drawing/2010/main">
                 <a:solidFill>
                   <a:schemeClr val="accent1"/>
                 </a:solidFill>
               </a14:hiddenFill>
             </a:ext>
             <a:ext uri="{91240B29-F687-4f45-9708-019B960494DF}">
-              <a14:hiddenLine xmlns:a14="http://schemas.microsoft.com/office/drawing/2010/main" xmlns="" w="9525">
+              <a14:hiddenLine xmlns="" xmlns:a14="http://schemas.microsoft.com/office/drawing/2010/main" w="9525">
                 <a:solidFill>
                   <a:schemeClr val="tx1"/>
                 </a:solidFill>
@@ -486,17 +486,17 @@
           </a:ln>
           <a:extLst>
             <a:ext uri="{FAA26D3D-D897-4be2-8F04-BA451C77F1D7}">
-              <ma14:placeholderFlag xmlns="" xmlns:ma14="http://schemas.microsoft.com/office/mac/drawingml/2011/main" val="1"/>
+              <ma14:placeholderFlag xmlns:ma14="http://schemas.microsoft.com/office/mac/drawingml/2011/main" xmlns="" val="1"/>
             </a:ext>
             <a:ext uri="{909E8E84-426E-40dd-AFC4-6F175D3DCCD1}">
-              <a14:hiddenFill xmlns:a14="http://schemas.microsoft.com/office/drawing/2010/main" xmlns="">
+              <a14:hiddenFill xmlns="" xmlns:a14="http://schemas.microsoft.com/office/drawing/2010/main">
                 <a:solidFill>
                   <a:schemeClr val="accent1"/>
                 </a:solidFill>
               </a14:hiddenFill>
             </a:ext>
             <a:ext uri="{91240B29-F687-4f45-9708-019B960494DF}">
-              <a14:hiddenLine xmlns:a14="http://schemas.microsoft.com/office/drawing/2010/main" xmlns="" w="9525">
+              <a14:hiddenLine xmlns="" xmlns:a14="http://schemas.microsoft.com/office/drawing/2010/main" w="9525">
                 <a:solidFill>
                   <a:schemeClr val="tx1"/>
                 </a:solidFill>
@@ -547,17 +547,17 @@
           </a:ln>
           <a:extLst>
             <a:ext uri="{FAA26D3D-D897-4be2-8F04-BA451C77F1D7}">
-              <ma14:placeholderFlag xmlns="" xmlns:ma14="http://schemas.microsoft.com/office/mac/drawingml/2011/main" val="1"/>
+              <ma14:placeholderFlag xmlns:ma14="http://schemas.microsoft.com/office/mac/drawingml/2011/main" xmlns="" val="1"/>
             </a:ext>
             <a:ext uri="{909E8E84-426E-40dd-AFC4-6F175D3DCCD1}">
-              <a14:hiddenFill xmlns:a14="http://schemas.microsoft.com/office/drawing/2010/main" xmlns="">
+              <a14:hiddenFill xmlns="" xmlns:a14="http://schemas.microsoft.com/office/drawing/2010/main">
                 <a:solidFill>
                   <a:schemeClr val="accent1"/>
                 </a:solidFill>
               </a14:hiddenFill>
             </a:ext>
             <a:ext uri="{91240B29-F687-4f45-9708-019B960494DF}">
-              <a14:hiddenLine xmlns:a14="http://schemas.microsoft.com/office/drawing/2010/main" xmlns="" w="9525">
+              <a14:hiddenLine xmlns="" xmlns:a14="http://schemas.microsoft.com/office/drawing/2010/main" w="9525">
                 <a:solidFill>
                   <a:schemeClr val="tx1"/>
                 </a:solidFill>
@@ -852,12 +852,12 @@
           <a:effectLst/>
           <a:extLst>
             <a:ext uri="{909E8E84-426E-40dd-AFC4-6F175D3DCCD1}">
-              <a14:hiddenFill xmlns:a14="http://schemas.microsoft.com/office/drawing/2010/main" xmlns="">
+              <a14:hiddenFill xmlns="" xmlns:a14="http://schemas.microsoft.com/office/drawing/2010/main">
                 <a:noFill/>
               </a14:hiddenFill>
             </a:ext>
             <a:ext uri="{AF507438-7753-43e0-B8FC-AC1667EBCBE1}">
-              <a14:hiddenEffects xmlns:a14="http://schemas.microsoft.com/office/drawing/2010/main" xmlns="">
+              <a14:hiddenEffects xmlns="" xmlns:a14="http://schemas.microsoft.com/office/drawing/2010/main">
                 <a:effectLst>
                   <a:outerShdw blurRad="63500" dist="38099" dir="2700000" algn="ctr" rotWithShape="0">
                     <a:schemeClr val="bg2">
@@ -1058,7 +1058,7 @@
             <a:effectLst/>
             <a:extLst>
               <a:ext uri="{91240B29-F687-4f45-9708-019B960494DF}">
-                <a14:hiddenLine xmlns:a14="http://schemas.microsoft.com/office/drawing/2010/main" xmlns="" w="9525">
+                <a14:hiddenLine xmlns="" xmlns:a14="http://schemas.microsoft.com/office/drawing/2010/main" w="9525">
                   <a:solidFill>
                     <a:schemeClr val="tx1"/>
                   </a:solidFill>
@@ -1068,7 +1068,7 @@
                 </a14:hiddenLine>
               </a:ext>
               <a:ext uri="{AF507438-7753-43e0-B8FC-AC1667EBCBE1}">
-                <a14:hiddenEffects xmlns:a14="http://schemas.microsoft.com/office/drawing/2010/main" xmlns="">
+                <a14:hiddenEffects xmlns="" xmlns:a14="http://schemas.microsoft.com/office/drawing/2010/main">
                   <a:effectLst>
                     <a:outerShdw blurRad="63500" dist="38099" dir="2700000" algn="ctr" rotWithShape="0">
                       <a:schemeClr val="bg2">
@@ -1113,7 +1113,7 @@
             <a:effectLst/>
             <a:extLst>
               <a:ext uri="{91240B29-F687-4f45-9708-019B960494DF}">
-                <a14:hiddenLine xmlns:a14="http://schemas.microsoft.com/office/drawing/2010/main" xmlns="" w="9525">
+                <a14:hiddenLine xmlns="" xmlns:a14="http://schemas.microsoft.com/office/drawing/2010/main" w="9525">
                   <a:solidFill>
                     <a:schemeClr val="tx1"/>
                   </a:solidFill>
@@ -1123,7 +1123,7 @@
                 </a14:hiddenLine>
               </a:ext>
               <a:ext uri="{AF507438-7753-43e0-B8FC-AC1667EBCBE1}">
-                <a14:hiddenEffects xmlns:a14="http://schemas.microsoft.com/office/drawing/2010/main" xmlns="">
+                <a14:hiddenEffects xmlns="" xmlns:a14="http://schemas.microsoft.com/office/drawing/2010/main">
                   <a:effectLst>
                     <a:outerShdw blurRad="63500" dist="38099" dir="2700000" algn="ctr" rotWithShape="0">
                       <a:schemeClr val="bg2">
@@ -1168,7 +1168,7 @@
             <a:effectLst/>
             <a:extLst>
               <a:ext uri="{91240B29-F687-4f45-9708-019B960494DF}">
-                <a14:hiddenLine xmlns:a14="http://schemas.microsoft.com/office/drawing/2010/main" xmlns="" w="9525">
+                <a14:hiddenLine xmlns="" xmlns:a14="http://schemas.microsoft.com/office/drawing/2010/main" w="9525">
                   <a:solidFill>
                     <a:schemeClr val="tx1"/>
                   </a:solidFill>
@@ -1178,7 +1178,7 @@
                 </a14:hiddenLine>
               </a:ext>
               <a:ext uri="{AF507438-7753-43e0-B8FC-AC1667EBCBE1}">
-                <a14:hiddenEffects xmlns:a14="http://schemas.microsoft.com/office/drawing/2010/main" xmlns="">
+                <a14:hiddenEffects xmlns="" xmlns:a14="http://schemas.microsoft.com/office/drawing/2010/main">
                   <a:effectLst>
                     <a:outerShdw blurRad="63500" dist="38099" dir="2700000" algn="ctr" rotWithShape="0">
                       <a:schemeClr val="bg2">
@@ -1223,7 +1223,7 @@
             <a:effectLst/>
             <a:extLst>
               <a:ext uri="{91240B29-F687-4f45-9708-019B960494DF}">
-                <a14:hiddenLine xmlns:a14="http://schemas.microsoft.com/office/drawing/2010/main" xmlns="" w="9525">
+                <a14:hiddenLine xmlns="" xmlns:a14="http://schemas.microsoft.com/office/drawing/2010/main" w="9525">
                   <a:solidFill>
                     <a:schemeClr val="tx1"/>
                   </a:solidFill>
@@ -1233,7 +1233,7 @@
                 </a14:hiddenLine>
               </a:ext>
               <a:ext uri="{AF507438-7753-43e0-B8FC-AC1667EBCBE1}">
-                <a14:hiddenEffects xmlns:a14="http://schemas.microsoft.com/office/drawing/2010/main" xmlns="">
+                <a14:hiddenEffects xmlns="" xmlns:a14="http://schemas.microsoft.com/office/drawing/2010/main">
                   <a:effectLst>
                     <a:outerShdw blurRad="63500" dist="38099" dir="2700000" algn="ctr" rotWithShape="0">
                       <a:schemeClr val="bg2">
@@ -1278,7 +1278,7 @@
             <a:effectLst/>
             <a:extLst>
               <a:ext uri="{91240B29-F687-4f45-9708-019B960494DF}">
-                <a14:hiddenLine xmlns:a14="http://schemas.microsoft.com/office/drawing/2010/main" xmlns="" w="9525">
+                <a14:hiddenLine xmlns="" xmlns:a14="http://schemas.microsoft.com/office/drawing/2010/main" w="9525">
                   <a:solidFill>
                     <a:schemeClr val="tx1"/>
                   </a:solidFill>
@@ -1288,7 +1288,7 @@
                 </a14:hiddenLine>
               </a:ext>
               <a:ext uri="{AF507438-7753-43e0-B8FC-AC1667EBCBE1}">
-                <a14:hiddenEffects xmlns:a14="http://schemas.microsoft.com/office/drawing/2010/main" xmlns="">
+                <a14:hiddenEffects xmlns="" xmlns:a14="http://schemas.microsoft.com/office/drawing/2010/main">
                   <a:effectLst>
                     <a:outerShdw blurRad="63500" dist="38099" dir="2700000" algn="ctr" rotWithShape="0">
                       <a:schemeClr val="bg2">
@@ -1333,7 +1333,7 @@
             <a:effectLst/>
             <a:extLst>
               <a:ext uri="{91240B29-F687-4f45-9708-019B960494DF}">
-                <a14:hiddenLine xmlns:a14="http://schemas.microsoft.com/office/drawing/2010/main" xmlns="" w="9525">
+                <a14:hiddenLine xmlns="" xmlns:a14="http://schemas.microsoft.com/office/drawing/2010/main" w="9525">
                   <a:solidFill>
                     <a:schemeClr val="tx1"/>
                   </a:solidFill>
@@ -1343,7 +1343,7 @@
                 </a14:hiddenLine>
               </a:ext>
               <a:ext uri="{AF507438-7753-43e0-B8FC-AC1667EBCBE1}">
-                <a14:hiddenEffects xmlns:a14="http://schemas.microsoft.com/office/drawing/2010/main" xmlns="">
+                <a14:hiddenEffects xmlns="" xmlns:a14="http://schemas.microsoft.com/office/drawing/2010/main">
                   <a:effectLst>
                     <a:outerShdw blurRad="63500" dist="38099" dir="2700000" algn="ctr" rotWithShape="0">
                       <a:schemeClr val="bg2">
@@ -1388,7 +1388,7 @@
             <a:effectLst/>
             <a:extLst>
               <a:ext uri="{91240B29-F687-4f45-9708-019B960494DF}">
-                <a14:hiddenLine xmlns:a14="http://schemas.microsoft.com/office/drawing/2010/main" xmlns="" w="9525">
+                <a14:hiddenLine xmlns="" xmlns:a14="http://schemas.microsoft.com/office/drawing/2010/main" w="9525">
                   <a:solidFill>
                     <a:schemeClr val="tx1"/>
                   </a:solidFill>
@@ -1398,7 +1398,7 @@
                 </a14:hiddenLine>
               </a:ext>
               <a:ext uri="{AF507438-7753-43e0-B8FC-AC1667EBCBE1}">
-                <a14:hiddenEffects xmlns:a14="http://schemas.microsoft.com/office/drawing/2010/main" xmlns="">
+                <a14:hiddenEffects xmlns="" xmlns:a14="http://schemas.microsoft.com/office/drawing/2010/main">
                   <a:effectLst>
                     <a:outerShdw blurRad="63500" dist="38099" dir="2700000" algn="ctr" rotWithShape="0">
                       <a:schemeClr val="bg2">
@@ -1443,7 +1443,7 @@
             <a:effectLst/>
             <a:extLst>
               <a:ext uri="{91240B29-F687-4f45-9708-019B960494DF}">
-                <a14:hiddenLine xmlns:a14="http://schemas.microsoft.com/office/drawing/2010/main" xmlns="" w="9525">
+                <a14:hiddenLine xmlns="" xmlns:a14="http://schemas.microsoft.com/office/drawing/2010/main" w="9525">
                   <a:solidFill>
                     <a:schemeClr val="tx1"/>
                   </a:solidFill>
@@ -1453,7 +1453,7 @@
                 </a14:hiddenLine>
               </a:ext>
               <a:ext uri="{AF507438-7753-43e0-B8FC-AC1667EBCBE1}">
-                <a14:hiddenEffects xmlns:a14="http://schemas.microsoft.com/office/drawing/2010/main" xmlns="">
+                <a14:hiddenEffects xmlns="" xmlns:a14="http://schemas.microsoft.com/office/drawing/2010/main">
                   <a:effectLst>
                     <a:outerShdw blurRad="63500" dist="38099" dir="2700000" algn="ctr" rotWithShape="0">
                       <a:schemeClr val="bg2">
@@ -1498,7 +1498,7 @@
             <a:effectLst/>
             <a:extLst>
               <a:ext uri="{91240B29-F687-4f45-9708-019B960494DF}">
-                <a14:hiddenLine xmlns:a14="http://schemas.microsoft.com/office/drawing/2010/main" xmlns="" w="9525">
+                <a14:hiddenLine xmlns="" xmlns:a14="http://schemas.microsoft.com/office/drawing/2010/main" w="9525">
                   <a:solidFill>
                     <a:schemeClr val="tx1"/>
                   </a:solidFill>
@@ -1508,7 +1508,7 @@
                 </a14:hiddenLine>
               </a:ext>
               <a:ext uri="{AF507438-7753-43e0-B8FC-AC1667EBCBE1}">
-                <a14:hiddenEffects xmlns:a14="http://schemas.microsoft.com/office/drawing/2010/main" xmlns="">
+                <a14:hiddenEffects xmlns="" xmlns:a14="http://schemas.microsoft.com/office/drawing/2010/main">
                   <a:effectLst>
                     <a:outerShdw blurRad="63500" dist="38099" dir="2700000" algn="ctr" rotWithShape="0">
                       <a:schemeClr val="bg2">
@@ -1553,7 +1553,7 @@
             <a:effectLst/>
             <a:extLst>
               <a:ext uri="{91240B29-F687-4f45-9708-019B960494DF}">
-                <a14:hiddenLine xmlns:a14="http://schemas.microsoft.com/office/drawing/2010/main" xmlns="" w="9525">
+                <a14:hiddenLine xmlns="" xmlns:a14="http://schemas.microsoft.com/office/drawing/2010/main" w="9525">
                   <a:solidFill>
                     <a:schemeClr val="tx1"/>
                   </a:solidFill>
@@ -1563,7 +1563,7 @@
                 </a14:hiddenLine>
               </a:ext>
               <a:ext uri="{AF507438-7753-43e0-B8FC-AC1667EBCBE1}">
-                <a14:hiddenEffects xmlns:a14="http://schemas.microsoft.com/office/drawing/2010/main" xmlns="">
+                <a14:hiddenEffects xmlns="" xmlns:a14="http://schemas.microsoft.com/office/drawing/2010/main">
                   <a:effectLst>
                     <a:outerShdw blurRad="63500" dist="38099" dir="2700000" algn="ctr" rotWithShape="0">
                       <a:schemeClr val="bg2">
@@ -1608,7 +1608,7 @@
             <a:effectLst/>
             <a:extLst>
               <a:ext uri="{91240B29-F687-4f45-9708-019B960494DF}">
-                <a14:hiddenLine xmlns:a14="http://schemas.microsoft.com/office/drawing/2010/main" xmlns="" w="9525">
+                <a14:hiddenLine xmlns="" xmlns:a14="http://schemas.microsoft.com/office/drawing/2010/main" w="9525">
                   <a:solidFill>
                     <a:schemeClr val="tx1"/>
                   </a:solidFill>
@@ -1618,7 +1618,7 @@
                 </a14:hiddenLine>
               </a:ext>
               <a:ext uri="{AF507438-7753-43e0-B8FC-AC1667EBCBE1}">
-                <a14:hiddenEffects xmlns:a14="http://schemas.microsoft.com/office/drawing/2010/main" xmlns="">
+                <a14:hiddenEffects xmlns="" xmlns:a14="http://schemas.microsoft.com/office/drawing/2010/main">
                   <a:effectLst>
                     <a:outerShdw blurRad="63500" dist="38099" dir="2700000" algn="ctr" rotWithShape="0">
                       <a:schemeClr val="bg2">
@@ -1663,7 +1663,7 @@
             <a:effectLst/>
             <a:extLst>
               <a:ext uri="{91240B29-F687-4f45-9708-019B960494DF}">
-                <a14:hiddenLine xmlns:a14="http://schemas.microsoft.com/office/drawing/2010/main" xmlns="" w="9525">
+                <a14:hiddenLine xmlns="" xmlns:a14="http://schemas.microsoft.com/office/drawing/2010/main" w="9525">
                   <a:solidFill>
                     <a:schemeClr val="tx1"/>
                   </a:solidFill>
@@ -1673,7 +1673,7 @@
                 </a14:hiddenLine>
               </a:ext>
               <a:ext uri="{AF507438-7753-43e0-B8FC-AC1667EBCBE1}">
-                <a14:hiddenEffects xmlns:a14="http://schemas.microsoft.com/office/drawing/2010/main" xmlns="">
+                <a14:hiddenEffects xmlns="" xmlns:a14="http://schemas.microsoft.com/office/drawing/2010/main">
                   <a:effectLst>
                     <a:outerShdw blurRad="63500" dist="38099" dir="2700000" algn="ctr" rotWithShape="0">
                       <a:schemeClr val="bg2">
@@ -1718,7 +1718,7 @@
             <a:effectLst/>
             <a:extLst>
               <a:ext uri="{91240B29-F687-4f45-9708-019B960494DF}">
-                <a14:hiddenLine xmlns:a14="http://schemas.microsoft.com/office/drawing/2010/main" xmlns="" w="9525">
+                <a14:hiddenLine xmlns="" xmlns:a14="http://schemas.microsoft.com/office/drawing/2010/main" w="9525">
                   <a:solidFill>
                     <a:schemeClr val="tx1"/>
                   </a:solidFill>
@@ -1728,7 +1728,7 @@
                 </a14:hiddenLine>
               </a:ext>
               <a:ext uri="{AF507438-7753-43e0-B8FC-AC1667EBCBE1}">
-                <a14:hiddenEffects xmlns:a14="http://schemas.microsoft.com/office/drawing/2010/main" xmlns="">
+                <a14:hiddenEffects xmlns="" xmlns:a14="http://schemas.microsoft.com/office/drawing/2010/main">
                   <a:effectLst>
                     <a:outerShdw blurRad="63500" dist="38099" dir="2700000" algn="ctr" rotWithShape="0">
                       <a:schemeClr val="bg2">
@@ -1773,7 +1773,7 @@
             <a:effectLst/>
             <a:extLst>
               <a:ext uri="{91240B29-F687-4f45-9708-019B960494DF}">
-                <a14:hiddenLine xmlns:a14="http://schemas.microsoft.com/office/drawing/2010/main" xmlns="" w="9525">
+                <a14:hiddenLine xmlns="" xmlns:a14="http://schemas.microsoft.com/office/drawing/2010/main" w="9525">
                   <a:solidFill>
                     <a:schemeClr val="tx1"/>
                   </a:solidFill>
@@ -1783,7 +1783,7 @@
                 </a14:hiddenLine>
               </a:ext>
               <a:ext uri="{AF507438-7753-43e0-B8FC-AC1667EBCBE1}">
-                <a14:hiddenEffects xmlns:a14="http://schemas.microsoft.com/office/drawing/2010/main" xmlns="">
+                <a14:hiddenEffects xmlns="" xmlns:a14="http://schemas.microsoft.com/office/drawing/2010/main">
                   <a:effectLst>
                     <a:outerShdw blurRad="63500" dist="38099" dir="2700000" algn="ctr" rotWithShape="0">
                       <a:schemeClr val="bg2">
@@ -1828,7 +1828,7 @@
             <a:effectLst/>
             <a:extLst>
               <a:ext uri="{91240B29-F687-4f45-9708-019B960494DF}">
-                <a14:hiddenLine xmlns:a14="http://schemas.microsoft.com/office/drawing/2010/main" xmlns="" w="9525">
+                <a14:hiddenLine xmlns="" xmlns:a14="http://schemas.microsoft.com/office/drawing/2010/main" w="9525">
                   <a:solidFill>
                     <a:schemeClr val="tx1"/>
                   </a:solidFill>
@@ -1838,7 +1838,7 @@
                 </a14:hiddenLine>
               </a:ext>
               <a:ext uri="{AF507438-7753-43e0-B8FC-AC1667EBCBE1}">
-                <a14:hiddenEffects xmlns:a14="http://schemas.microsoft.com/office/drawing/2010/main" xmlns="">
+                <a14:hiddenEffects xmlns="" xmlns:a14="http://schemas.microsoft.com/office/drawing/2010/main">
                   <a:effectLst>
                     <a:outerShdw blurRad="63500" dist="38099" dir="2700000" algn="ctr" rotWithShape="0">
                       <a:schemeClr val="bg2">
@@ -1883,7 +1883,7 @@
             <a:effectLst/>
             <a:extLst>
               <a:ext uri="{91240B29-F687-4f45-9708-019B960494DF}">
-                <a14:hiddenLine xmlns:a14="http://schemas.microsoft.com/office/drawing/2010/main" xmlns="" w="9525">
+                <a14:hiddenLine xmlns="" xmlns:a14="http://schemas.microsoft.com/office/drawing/2010/main" w="9525">
                   <a:solidFill>
                     <a:schemeClr val="tx1"/>
                   </a:solidFill>
@@ -1893,7 +1893,7 @@
                 </a14:hiddenLine>
               </a:ext>
               <a:ext uri="{AF507438-7753-43e0-B8FC-AC1667EBCBE1}">
-                <a14:hiddenEffects xmlns:a14="http://schemas.microsoft.com/office/drawing/2010/main" xmlns="">
+                <a14:hiddenEffects xmlns="" xmlns:a14="http://schemas.microsoft.com/office/drawing/2010/main">
                   <a:effectLst>
                     <a:outerShdw blurRad="63500" dist="38099" dir="2700000" algn="ctr" rotWithShape="0">
                       <a:schemeClr val="bg2">
@@ -1938,7 +1938,7 @@
             <a:effectLst/>
             <a:extLst>
               <a:ext uri="{91240B29-F687-4f45-9708-019B960494DF}">
-                <a14:hiddenLine xmlns:a14="http://schemas.microsoft.com/office/drawing/2010/main" xmlns="" w="9525">
+                <a14:hiddenLine xmlns="" xmlns:a14="http://schemas.microsoft.com/office/drawing/2010/main" w="9525">
                   <a:solidFill>
                     <a:schemeClr val="tx1"/>
                   </a:solidFill>
@@ -1948,7 +1948,7 @@
                 </a14:hiddenLine>
               </a:ext>
               <a:ext uri="{AF507438-7753-43e0-B8FC-AC1667EBCBE1}">
-                <a14:hiddenEffects xmlns:a14="http://schemas.microsoft.com/office/drawing/2010/main" xmlns="">
+                <a14:hiddenEffects xmlns="" xmlns:a14="http://schemas.microsoft.com/office/drawing/2010/main">
                   <a:effectLst>
                     <a:outerShdw blurRad="63500" dist="38099" dir="2700000" algn="ctr" rotWithShape="0">
                       <a:schemeClr val="bg2">
@@ -1993,7 +1993,7 @@
             <a:effectLst/>
             <a:extLst>
               <a:ext uri="{91240B29-F687-4f45-9708-019B960494DF}">
-                <a14:hiddenLine xmlns:a14="http://schemas.microsoft.com/office/drawing/2010/main" xmlns="" w="9525">
+                <a14:hiddenLine xmlns="" xmlns:a14="http://schemas.microsoft.com/office/drawing/2010/main" w="9525">
                   <a:solidFill>
                     <a:schemeClr val="tx1"/>
                   </a:solidFill>
@@ -2003,7 +2003,7 @@
                 </a14:hiddenLine>
               </a:ext>
               <a:ext uri="{AF507438-7753-43e0-B8FC-AC1667EBCBE1}">
-                <a14:hiddenEffects xmlns:a14="http://schemas.microsoft.com/office/drawing/2010/main" xmlns="">
+                <a14:hiddenEffects xmlns="" xmlns:a14="http://schemas.microsoft.com/office/drawing/2010/main">
                   <a:effectLst>
                     <a:outerShdw blurRad="63500" dist="38099" dir="2700000" algn="ctr" rotWithShape="0">
                       <a:schemeClr val="bg2">
@@ -2048,7 +2048,7 @@
             <a:effectLst/>
             <a:extLst>
               <a:ext uri="{91240B29-F687-4f45-9708-019B960494DF}">
-                <a14:hiddenLine xmlns:a14="http://schemas.microsoft.com/office/drawing/2010/main" xmlns="" w="9525">
+                <a14:hiddenLine xmlns="" xmlns:a14="http://schemas.microsoft.com/office/drawing/2010/main" w="9525">
                   <a:solidFill>
                     <a:schemeClr val="tx1"/>
                   </a:solidFill>
@@ -2058,7 +2058,7 @@
                 </a14:hiddenLine>
               </a:ext>
               <a:ext uri="{AF507438-7753-43e0-B8FC-AC1667EBCBE1}">
-                <a14:hiddenEffects xmlns:a14="http://schemas.microsoft.com/office/drawing/2010/main" xmlns="">
+                <a14:hiddenEffects xmlns="" xmlns:a14="http://schemas.microsoft.com/office/drawing/2010/main">
                   <a:effectLst>
                     <a:outerShdw blurRad="63500" dist="38099" dir="2700000" algn="ctr" rotWithShape="0">
                       <a:schemeClr val="bg2">
@@ -2103,7 +2103,7 @@
             <a:effectLst/>
             <a:extLst>
               <a:ext uri="{91240B29-F687-4f45-9708-019B960494DF}">
-                <a14:hiddenLine xmlns:a14="http://schemas.microsoft.com/office/drawing/2010/main" xmlns="" w="9525">
+                <a14:hiddenLine xmlns="" xmlns:a14="http://schemas.microsoft.com/office/drawing/2010/main" w="9525">
                   <a:solidFill>
                     <a:schemeClr val="tx1"/>
                   </a:solidFill>
@@ -2113,7 +2113,7 @@
                 </a14:hiddenLine>
               </a:ext>
               <a:ext uri="{AF507438-7753-43e0-B8FC-AC1667EBCBE1}">
-                <a14:hiddenEffects xmlns:a14="http://schemas.microsoft.com/office/drawing/2010/main" xmlns="">
+                <a14:hiddenEffects xmlns="" xmlns:a14="http://schemas.microsoft.com/office/drawing/2010/main">
                   <a:effectLst>
                     <a:outerShdw blurRad="63500" dist="38099" dir="2700000" algn="ctr" rotWithShape="0">
                       <a:schemeClr val="bg2">
@@ -2158,7 +2158,7 @@
             <a:effectLst/>
             <a:extLst>
               <a:ext uri="{91240B29-F687-4f45-9708-019B960494DF}">
-                <a14:hiddenLine xmlns:a14="http://schemas.microsoft.com/office/drawing/2010/main" xmlns="" w="9525">
+                <a14:hiddenLine xmlns="" xmlns:a14="http://schemas.microsoft.com/office/drawing/2010/main" w="9525">
                   <a:solidFill>
                     <a:schemeClr val="tx1"/>
                   </a:solidFill>
@@ -2168,7 +2168,7 @@
                 </a14:hiddenLine>
               </a:ext>
               <a:ext uri="{AF507438-7753-43e0-B8FC-AC1667EBCBE1}">
-                <a14:hiddenEffects xmlns:a14="http://schemas.microsoft.com/office/drawing/2010/main" xmlns="">
+                <a14:hiddenEffects xmlns="" xmlns:a14="http://schemas.microsoft.com/office/drawing/2010/main">
                   <a:effectLst>
                     <a:outerShdw blurRad="63500" dist="38099" dir="2700000" algn="ctr" rotWithShape="0">
                       <a:schemeClr val="bg2">
@@ -2213,7 +2213,7 @@
             <a:effectLst/>
             <a:extLst>
               <a:ext uri="{91240B29-F687-4f45-9708-019B960494DF}">
-                <a14:hiddenLine xmlns:a14="http://schemas.microsoft.com/office/drawing/2010/main" xmlns="" w="9525">
+                <a14:hiddenLine xmlns="" xmlns:a14="http://schemas.microsoft.com/office/drawing/2010/main" w="9525">
                   <a:solidFill>
                     <a:schemeClr val="tx1"/>
                   </a:solidFill>
@@ -2223,7 +2223,7 @@
                 </a14:hiddenLine>
               </a:ext>
               <a:ext uri="{AF507438-7753-43e0-B8FC-AC1667EBCBE1}">
-                <a14:hiddenEffects xmlns:a14="http://schemas.microsoft.com/office/drawing/2010/main" xmlns="">
+                <a14:hiddenEffects xmlns="" xmlns:a14="http://schemas.microsoft.com/office/drawing/2010/main">
                   <a:effectLst>
                     <a:outerShdw blurRad="63500" dist="38099" dir="2700000" algn="ctr" rotWithShape="0">
                       <a:schemeClr val="bg2">
@@ -2268,7 +2268,7 @@
             <a:effectLst/>
             <a:extLst>
               <a:ext uri="{91240B29-F687-4f45-9708-019B960494DF}">
-                <a14:hiddenLine xmlns:a14="http://schemas.microsoft.com/office/drawing/2010/main" xmlns="" w="9525">
+                <a14:hiddenLine xmlns="" xmlns:a14="http://schemas.microsoft.com/office/drawing/2010/main" w="9525">
                   <a:solidFill>
                     <a:schemeClr val="tx1"/>
                   </a:solidFill>
@@ -2278,7 +2278,7 @@
                 </a14:hiddenLine>
               </a:ext>
               <a:ext uri="{AF507438-7753-43e0-B8FC-AC1667EBCBE1}">
-                <a14:hiddenEffects xmlns:a14="http://schemas.microsoft.com/office/drawing/2010/main" xmlns="">
+                <a14:hiddenEffects xmlns="" xmlns:a14="http://schemas.microsoft.com/office/drawing/2010/main">
                   <a:effectLst>
                     <a:outerShdw blurRad="63500" dist="38099" dir="2700000" algn="ctr" rotWithShape="0">
                       <a:schemeClr val="bg2">
@@ -2323,7 +2323,7 @@
             <a:effectLst/>
             <a:extLst>
               <a:ext uri="{91240B29-F687-4f45-9708-019B960494DF}">
-                <a14:hiddenLine xmlns:a14="http://schemas.microsoft.com/office/drawing/2010/main" xmlns="" w="9525">
+                <a14:hiddenLine xmlns="" xmlns:a14="http://schemas.microsoft.com/office/drawing/2010/main" w="9525">
                   <a:solidFill>
                     <a:schemeClr val="tx1"/>
                   </a:solidFill>
@@ -2333,7 +2333,7 @@
                 </a14:hiddenLine>
               </a:ext>
               <a:ext uri="{AF507438-7753-43e0-B8FC-AC1667EBCBE1}">
-                <a14:hiddenEffects xmlns:a14="http://schemas.microsoft.com/office/drawing/2010/main" xmlns="">
+                <a14:hiddenEffects xmlns="" xmlns:a14="http://schemas.microsoft.com/office/drawing/2010/main">
                   <a:effectLst>
                     <a:outerShdw blurRad="63500" dist="38099" dir="2700000" algn="ctr" rotWithShape="0">
                       <a:schemeClr val="bg2">
@@ -2378,7 +2378,7 @@
             <a:effectLst/>
             <a:extLst>
               <a:ext uri="{91240B29-F687-4f45-9708-019B960494DF}">
-                <a14:hiddenLine xmlns:a14="http://schemas.microsoft.com/office/drawing/2010/main" xmlns="" w="9525">
+                <a14:hiddenLine xmlns="" xmlns:a14="http://schemas.microsoft.com/office/drawing/2010/main" w="9525">
                   <a:solidFill>
                     <a:schemeClr val="tx1"/>
                   </a:solidFill>
@@ -2388,7 +2388,7 @@
                 </a14:hiddenLine>
               </a:ext>
               <a:ext uri="{AF507438-7753-43e0-B8FC-AC1667EBCBE1}">
-                <a14:hiddenEffects xmlns:a14="http://schemas.microsoft.com/office/drawing/2010/main" xmlns="">
+                <a14:hiddenEffects xmlns="" xmlns:a14="http://schemas.microsoft.com/office/drawing/2010/main">
                   <a:effectLst>
                     <a:outerShdw blurRad="63500" dist="38099" dir="2700000" algn="ctr" rotWithShape="0">
                       <a:schemeClr val="bg2">
@@ -2433,7 +2433,7 @@
             <a:effectLst/>
             <a:extLst>
               <a:ext uri="{91240B29-F687-4f45-9708-019B960494DF}">
-                <a14:hiddenLine xmlns:a14="http://schemas.microsoft.com/office/drawing/2010/main" xmlns="" w="9525">
+                <a14:hiddenLine xmlns="" xmlns:a14="http://schemas.microsoft.com/office/drawing/2010/main" w="9525">
                   <a:solidFill>
                     <a:schemeClr val="tx1"/>
                   </a:solidFill>
@@ -2443,7 +2443,7 @@
                 </a14:hiddenLine>
               </a:ext>
               <a:ext uri="{AF507438-7753-43e0-B8FC-AC1667EBCBE1}">
-                <a14:hiddenEffects xmlns:a14="http://schemas.microsoft.com/office/drawing/2010/main" xmlns="">
+                <a14:hiddenEffects xmlns="" xmlns:a14="http://schemas.microsoft.com/office/drawing/2010/main">
                   <a:effectLst>
                     <a:outerShdw blurRad="63500" dist="38099" dir="2700000" algn="ctr" rotWithShape="0">
                       <a:schemeClr val="bg2">
@@ -2488,7 +2488,7 @@
             <a:effectLst/>
             <a:extLst>
               <a:ext uri="{91240B29-F687-4f45-9708-019B960494DF}">
-                <a14:hiddenLine xmlns:a14="http://schemas.microsoft.com/office/drawing/2010/main" xmlns="" w="9525">
+                <a14:hiddenLine xmlns="" xmlns:a14="http://schemas.microsoft.com/office/drawing/2010/main" w="9525">
                   <a:solidFill>
                     <a:schemeClr val="tx1"/>
                   </a:solidFill>
@@ -2498,7 +2498,7 @@
                 </a14:hiddenLine>
               </a:ext>
               <a:ext uri="{AF507438-7753-43e0-B8FC-AC1667EBCBE1}">
-                <a14:hiddenEffects xmlns:a14="http://schemas.microsoft.com/office/drawing/2010/main" xmlns="">
+                <a14:hiddenEffects xmlns="" xmlns:a14="http://schemas.microsoft.com/office/drawing/2010/main">
                   <a:effectLst>
                     <a:outerShdw blurRad="63500" dist="38099" dir="2700000" algn="ctr" rotWithShape="0">
                       <a:schemeClr val="bg2">
@@ -2543,7 +2543,7 @@
             <a:effectLst/>
             <a:extLst>
               <a:ext uri="{91240B29-F687-4f45-9708-019B960494DF}">
-                <a14:hiddenLine xmlns:a14="http://schemas.microsoft.com/office/drawing/2010/main" xmlns="" w="9525">
+                <a14:hiddenLine xmlns="" xmlns:a14="http://schemas.microsoft.com/office/drawing/2010/main" w="9525">
                   <a:solidFill>
                     <a:schemeClr val="tx1"/>
                   </a:solidFill>
@@ -2553,7 +2553,7 @@
                 </a14:hiddenLine>
               </a:ext>
               <a:ext uri="{AF507438-7753-43e0-B8FC-AC1667EBCBE1}">
-                <a14:hiddenEffects xmlns:a14="http://schemas.microsoft.com/office/drawing/2010/main" xmlns="">
+                <a14:hiddenEffects xmlns="" xmlns:a14="http://schemas.microsoft.com/office/drawing/2010/main">
                   <a:effectLst>
                     <a:outerShdw blurRad="63500" dist="38099" dir="2700000" algn="ctr" rotWithShape="0">
                       <a:schemeClr val="bg2">
@@ -2598,7 +2598,7 @@
             <a:effectLst/>
             <a:extLst>
               <a:ext uri="{91240B29-F687-4f45-9708-019B960494DF}">
-                <a14:hiddenLine xmlns:a14="http://schemas.microsoft.com/office/drawing/2010/main" xmlns="" w="9525">
+                <a14:hiddenLine xmlns="" xmlns:a14="http://schemas.microsoft.com/office/drawing/2010/main" w="9525">
                   <a:solidFill>
                     <a:schemeClr val="tx1"/>
                   </a:solidFill>
@@ -2608,7 +2608,7 @@
                 </a14:hiddenLine>
               </a:ext>
               <a:ext uri="{AF507438-7753-43e0-B8FC-AC1667EBCBE1}">
-                <a14:hiddenEffects xmlns:a14="http://schemas.microsoft.com/office/drawing/2010/main" xmlns="">
+                <a14:hiddenEffects xmlns="" xmlns:a14="http://schemas.microsoft.com/office/drawing/2010/main">
                   <a:effectLst>
                     <a:outerShdw blurRad="63500" dist="38099" dir="2700000" algn="ctr" rotWithShape="0">
                       <a:schemeClr val="bg2">
@@ -2653,7 +2653,7 @@
             <a:effectLst/>
             <a:extLst>
               <a:ext uri="{91240B29-F687-4f45-9708-019B960494DF}">
-                <a14:hiddenLine xmlns:a14="http://schemas.microsoft.com/office/drawing/2010/main" xmlns="" w="9525">
+                <a14:hiddenLine xmlns="" xmlns:a14="http://schemas.microsoft.com/office/drawing/2010/main" w="9525">
                   <a:solidFill>
                     <a:schemeClr val="tx1"/>
                   </a:solidFill>
@@ -2663,7 +2663,7 @@
                 </a14:hiddenLine>
               </a:ext>
               <a:ext uri="{AF507438-7753-43e0-B8FC-AC1667EBCBE1}">
-                <a14:hiddenEffects xmlns:a14="http://schemas.microsoft.com/office/drawing/2010/main" xmlns="">
+                <a14:hiddenEffects xmlns="" xmlns:a14="http://schemas.microsoft.com/office/drawing/2010/main">
                   <a:effectLst>
                     <a:outerShdw blurRad="63500" dist="38099" dir="2700000" algn="ctr" rotWithShape="0">
                       <a:schemeClr val="bg2">
@@ -2708,7 +2708,7 @@
             <a:effectLst/>
             <a:extLst>
               <a:ext uri="{91240B29-F687-4f45-9708-019B960494DF}">
-                <a14:hiddenLine xmlns:a14="http://schemas.microsoft.com/office/drawing/2010/main" xmlns="" w="9525">
+                <a14:hiddenLine xmlns="" xmlns:a14="http://schemas.microsoft.com/office/drawing/2010/main" w="9525">
                   <a:solidFill>
                     <a:schemeClr val="tx1"/>
                   </a:solidFill>
@@ -2718,7 +2718,7 @@
                 </a14:hiddenLine>
               </a:ext>
               <a:ext uri="{AF507438-7753-43e0-B8FC-AC1667EBCBE1}">
-                <a14:hiddenEffects xmlns:a14="http://schemas.microsoft.com/office/drawing/2010/main" xmlns="">
+                <a14:hiddenEffects xmlns="" xmlns:a14="http://schemas.microsoft.com/office/drawing/2010/main">
                   <a:effectLst>
                     <a:outerShdw blurRad="63500" dist="38099" dir="2700000" algn="ctr" rotWithShape="0">
                       <a:schemeClr val="bg2">
@@ -2767,12 +2767,12 @@
           <a:effectLst/>
           <a:extLst>
             <a:ext uri="{909E8E84-426E-40dd-AFC4-6F175D3DCCD1}">
-              <a14:hiddenFill xmlns:a14="http://schemas.microsoft.com/office/drawing/2010/main" xmlns="">
+              <a14:hiddenFill xmlns="" xmlns:a14="http://schemas.microsoft.com/office/drawing/2010/main">
                 <a:noFill/>
               </a14:hiddenFill>
             </a:ext>
             <a:ext uri="{AF507438-7753-43e0-B8FC-AC1667EBCBE1}">
-              <a14:hiddenEffects xmlns:a14="http://schemas.microsoft.com/office/drawing/2010/main" xmlns="">
+              <a14:hiddenEffects xmlns="" xmlns:a14="http://schemas.microsoft.com/office/drawing/2010/main">
                 <a:effectLst>
                   <a:outerShdw blurRad="63500" dist="38099" dir="2700000" algn="ctr" rotWithShape="0">
                     <a:schemeClr val="bg2">
@@ -5096,12 +5096,12 @@
           <a:effectLst/>
           <a:extLst>
             <a:ext uri="{909E8E84-426E-40dd-AFC4-6F175D3DCCD1}">
-              <a14:hiddenFill xmlns:a14="http://schemas.microsoft.com/office/drawing/2010/main" xmlns="">
+              <a14:hiddenFill xmlns="" xmlns:a14="http://schemas.microsoft.com/office/drawing/2010/main">
                 <a:noFill/>
               </a14:hiddenFill>
             </a:ext>
             <a:ext uri="{AF507438-7753-43e0-B8FC-AC1667EBCBE1}">
-              <a14:hiddenEffects xmlns:a14="http://schemas.microsoft.com/office/drawing/2010/main" xmlns="">
+              <a14:hiddenEffects xmlns="" xmlns:a14="http://schemas.microsoft.com/office/drawing/2010/main">
                 <a:effectLst>
                   <a:outerShdw blurRad="63500" dist="38099" dir="2700000" algn="ctr" rotWithShape="0">
                     <a:schemeClr val="bg2">
@@ -5146,17 +5146,17 @@
           <a:effectLst/>
           <a:extLst>
             <a:ext uri="{FAA26D3D-D897-4be2-8F04-BA451C77F1D7}">
-              <ma14:placeholderFlag xmlns="" xmlns:ma14="http://schemas.microsoft.com/office/mac/drawingml/2011/main" val="1"/>
+              <ma14:placeholderFlag xmlns:ma14="http://schemas.microsoft.com/office/mac/drawingml/2011/main" xmlns="" val="1"/>
             </a:ext>
             <a:ext uri="{909E8E84-426E-40dd-AFC4-6F175D3DCCD1}">
-              <a14:hiddenFill xmlns:a14="http://schemas.microsoft.com/office/drawing/2010/main" xmlns="">
+              <a14:hiddenFill xmlns="" xmlns:a14="http://schemas.microsoft.com/office/drawing/2010/main">
                 <a:solidFill>
                   <a:schemeClr val="accent1"/>
                 </a:solidFill>
               </a14:hiddenFill>
             </a:ext>
             <a:ext uri="{91240B29-F687-4f45-9708-019B960494DF}">
-              <a14:hiddenLine xmlns:a14="http://schemas.microsoft.com/office/drawing/2010/main" xmlns="" w="9525">
+              <a14:hiddenLine xmlns="" xmlns:a14="http://schemas.microsoft.com/office/drawing/2010/main" w="9525">
                 <a:solidFill>
                   <a:schemeClr val="tx1"/>
                 </a:solidFill>
@@ -5166,7 +5166,7 @@
               </a14:hiddenLine>
             </a:ext>
             <a:ext uri="{AF507438-7753-43e0-B8FC-AC1667EBCBE1}">
-              <a14:hiddenEffects xmlns:a14="http://schemas.microsoft.com/office/drawing/2010/main" xmlns="">
+              <a14:hiddenEffects xmlns="" xmlns:a14="http://schemas.microsoft.com/office/drawing/2010/main">
                 <a:effectLst>
                   <a:outerShdw blurRad="63500" dist="38099" dir="2700000" algn="ctr" rotWithShape="0">
                     <a:schemeClr val="bg2">
@@ -5219,17 +5219,17 @@
           <a:effectLst/>
           <a:extLst>
             <a:ext uri="{FAA26D3D-D897-4be2-8F04-BA451C77F1D7}">
-              <ma14:placeholderFlag xmlns="" xmlns:ma14="http://schemas.microsoft.com/office/mac/drawingml/2011/main" val="1"/>
+              <ma14:placeholderFlag xmlns:ma14="http://schemas.microsoft.com/office/mac/drawingml/2011/main" xmlns="" val="1"/>
             </a:ext>
             <a:ext uri="{909E8E84-426E-40dd-AFC4-6F175D3DCCD1}">
-              <a14:hiddenFill xmlns:a14="http://schemas.microsoft.com/office/drawing/2010/main" xmlns="">
+              <a14:hiddenFill xmlns="" xmlns:a14="http://schemas.microsoft.com/office/drawing/2010/main">
                 <a:solidFill>
                   <a:schemeClr val="accent1"/>
                 </a:solidFill>
               </a14:hiddenFill>
             </a:ext>
             <a:ext uri="{91240B29-F687-4f45-9708-019B960494DF}">
-              <a14:hiddenLine xmlns:a14="http://schemas.microsoft.com/office/drawing/2010/main" xmlns="" w="9525">
+              <a14:hiddenLine xmlns="" xmlns:a14="http://schemas.microsoft.com/office/drawing/2010/main" w="9525">
                 <a:solidFill>
                   <a:schemeClr val="tx1"/>
                 </a:solidFill>
@@ -5239,7 +5239,7 @@
               </a14:hiddenLine>
             </a:ext>
             <a:ext uri="{AF507438-7753-43e0-B8FC-AC1667EBCBE1}">
-              <a14:hiddenEffects xmlns:a14="http://schemas.microsoft.com/office/drawing/2010/main" xmlns="">
+              <a14:hiddenEffects xmlns="" xmlns:a14="http://schemas.microsoft.com/office/drawing/2010/main">
                 <a:effectLst>
                   <a:outerShdw blurRad="63500" dist="38099" dir="2700000" algn="ctr" rotWithShape="0">
                     <a:schemeClr val="bg2">
@@ -5320,17 +5320,17 @@
           <a:effectLst/>
           <a:extLst>
             <a:ext uri="{FAA26D3D-D897-4be2-8F04-BA451C77F1D7}">
-              <ma14:placeholderFlag xmlns="" xmlns:ma14="http://schemas.microsoft.com/office/mac/drawingml/2011/main" val="1"/>
+              <ma14:placeholderFlag xmlns:ma14="http://schemas.microsoft.com/office/mac/drawingml/2011/main" xmlns="" val="1"/>
             </a:ext>
             <a:ext uri="{909E8E84-426E-40dd-AFC4-6F175D3DCCD1}">
-              <a14:hiddenFill xmlns:a14="http://schemas.microsoft.com/office/drawing/2010/main" xmlns="">
+              <a14:hiddenFill xmlns="" xmlns:a14="http://schemas.microsoft.com/office/drawing/2010/main">
                 <a:solidFill>
                   <a:schemeClr val="accent1"/>
                 </a:solidFill>
               </a14:hiddenFill>
             </a:ext>
             <a:ext uri="{91240B29-F687-4f45-9708-019B960494DF}">
-              <a14:hiddenLine xmlns:a14="http://schemas.microsoft.com/office/drawing/2010/main" xmlns="" w="9525">
+              <a14:hiddenLine xmlns="" xmlns:a14="http://schemas.microsoft.com/office/drawing/2010/main" w="9525">
                 <a:solidFill>
                   <a:schemeClr val="tx1"/>
                 </a:solidFill>
@@ -5340,7 +5340,7 @@
               </a14:hiddenLine>
             </a:ext>
             <a:ext uri="{AF507438-7753-43e0-B8FC-AC1667EBCBE1}">
-              <a14:hiddenEffects xmlns:a14="http://schemas.microsoft.com/office/drawing/2010/main" xmlns="">
+              <a14:hiddenEffects xmlns="" xmlns:a14="http://schemas.microsoft.com/office/drawing/2010/main">
                 <a:effectLst>
                   <a:outerShdw blurRad="63500" dist="38099" dir="2700000" algn="ctr" rotWithShape="0">
                     <a:schemeClr val="bg2">
@@ -5393,17 +5393,17 @@
           <a:effectLst/>
           <a:extLst>
             <a:ext uri="{FAA26D3D-D897-4be2-8F04-BA451C77F1D7}">
-              <ma14:placeholderFlag xmlns="" xmlns:ma14="http://schemas.microsoft.com/office/mac/drawingml/2011/main" val="1"/>
+              <ma14:placeholderFlag xmlns:ma14="http://schemas.microsoft.com/office/mac/drawingml/2011/main" xmlns="" val="1"/>
             </a:ext>
             <a:ext uri="{909E8E84-426E-40dd-AFC4-6F175D3DCCD1}">
-              <a14:hiddenFill xmlns:a14="http://schemas.microsoft.com/office/drawing/2010/main" xmlns="">
+              <a14:hiddenFill xmlns="" xmlns:a14="http://schemas.microsoft.com/office/drawing/2010/main">
                 <a:solidFill>
                   <a:schemeClr val="accent1"/>
                 </a:solidFill>
               </a14:hiddenFill>
             </a:ext>
             <a:ext uri="{91240B29-F687-4f45-9708-019B960494DF}">
-              <a14:hiddenLine xmlns:a14="http://schemas.microsoft.com/office/drawing/2010/main" xmlns="" w="9525">
+              <a14:hiddenLine xmlns="" xmlns:a14="http://schemas.microsoft.com/office/drawing/2010/main" w="9525">
                 <a:solidFill>
                   <a:schemeClr val="tx1"/>
                 </a:solidFill>
@@ -5413,7 +5413,7 @@
               </a14:hiddenLine>
             </a:ext>
             <a:ext uri="{AF507438-7753-43e0-B8FC-AC1667EBCBE1}">
-              <a14:hiddenEffects xmlns:a14="http://schemas.microsoft.com/office/drawing/2010/main" xmlns="">
+              <a14:hiddenEffects xmlns="" xmlns:a14="http://schemas.microsoft.com/office/drawing/2010/main">
                 <a:effectLst>
                   <a:outerShdw blurRad="63500" dist="38099" dir="2700000" algn="ctr" rotWithShape="0">
                     <a:schemeClr val="bg2">
@@ -5466,17 +5466,17 @@
           <a:effectLst/>
           <a:extLst>
             <a:ext uri="{FAA26D3D-D897-4be2-8F04-BA451C77F1D7}">
-              <ma14:placeholderFlag xmlns="" xmlns:ma14="http://schemas.microsoft.com/office/mac/drawingml/2011/main" val="1"/>
+              <ma14:placeholderFlag xmlns:ma14="http://schemas.microsoft.com/office/mac/drawingml/2011/main" xmlns="" val="1"/>
             </a:ext>
             <a:ext uri="{909E8E84-426E-40dd-AFC4-6F175D3DCCD1}">
-              <a14:hiddenFill xmlns:a14="http://schemas.microsoft.com/office/drawing/2010/main" xmlns="">
+              <a14:hiddenFill xmlns="" xmlns:a14="http://schemas.microsoft.com/office/drawing/2010/main">
                 <a:solidFill>
                   <a:schemeClr val="accent1"/>
                 </a:solidFill>
               </a14:hiddenFill>
             </a:ext>
             <a:ext uri="{91240B29-F687-4f45-9708-019B960494DF}">
-              <a14:hiddenLine xmlns:a14="http://schemas.microsoft.com/office/drawing/2010/main" xmlns="" w="9525">
+              <a14:hiddenLine xmlns="" xmlns:a14="http://schemas.microsoft.com/office/drawing/2010/main" w="9525">
                 <a:solidFill>
                   <a:schemeClr val="tx1"/>
                 </a:solidFill>
@@ -5486,7 +5486,7 @@
               </a14:hiddenLine>
             </a:ext>
             <a:ext uri="{AF507438-7753-43e0-B8FC-AC1667EBCBE1}">
-              <a14:hiddenEffects xmlns:a14="http://schemas.microsoft.com/office/drawing/2010/main" xmlns="">
+              <a14:hiddenEffects xmlns="" xmlns:a14="http://schemas.microsoft.com/office/drawing/2010/main">
                 <a:effectLst>
                   <a:outerShdw blurRad="63500" dist="38099" dir="2700000" algn="ctr" rotWithShape="0">
                     <a:schemeClr val="bg2">
@@ -5560,7 +5560,7 @@
             <a:effectLst/>
             <a:extLst>
               <a:ext uri="{91240B29-F687-4f45-9708-019B960494DF}">
-                <a14:hiddenLine xmlns:a14="http://schemas.microsoft.com/office/drawing/2010/main" xmlns="" w="9525">
+                <a14:hiddenLine xmlns="" xmlns:a14="http://schemas.microsoft.com/office/drawing/2010/main" w="9525">
                   <a:solidFill>
                     <a:schemeClr val="tx1"/>
                   </a:solidFill>
@@ -5570,7 +5570,7 @@
                 </a14:hiddenLine>
               </a:ext>
               <a:ext uri="{AF507438-7753-43e0-B8FC-AC1667EBCBE1}">
-                <a14:hiddenEffects xmlns:a14="http://schemas.microsoft.com/office/drawing/2010/main" xmlns="">
+                <a14:hiddenEffects xmlns="" xmlns:a14="http://schemas.microsoft.com/office/drawing/2010/main">
                   <a:effectLst>
                     <a:outerShdw blurRad="63500" dist="38099" dir="2700000" algn="ctr" rotWithShape="0">
                       <a:schemeClr val="bg2">
@@ -5615,7 +5615,7 @@
             <a:effectLst/>
             <a:extLst>
               <a:ext uri="{91240B29-F687-4f45-9708-019B960494DF}">
-                <a14:hiddenLine xmlns:a14="http://schemas.microsoft.com/office/drawing/2010/main" xmlns="" w="9525">
+                <a14:hiddenLine xmlns="" xmlns:a14="http://schemas.microsoft.com/office/drawing/2010/main" w="9525">
                   <a:solidFill>
                     <a:schemeClr val="tx1"/>
                   </a:solidFill>
@@ -5625,7 +5625,7 @@
                 </a14:hiddenLine>
               </a:ext>
               <a:ext uri="{AF507438-7753-43e0-B8FC-AC1667EBCBE1}">
-                <a14:hiddenEffects xmlns:a14="http://schemas.microsoft.com/office/drawing/2010/main" xmlns="">
+                <a14:hiddenEffects xmlns="" xmlns:a14="http://schemas.microsoft.com/office/drawing/2010/main">
                   <a:effectLst>
                     <a:outerShdw blurRad="63500" dist="38099" dir="2700000" algn="ctr" rotWithShape="0">
                       <a:schemeClr val="bg2">
@@ -5670,7 +5670,7 @@
             <a:effectLst/>
             <a:extLst>
               <a:ext uri="{91240B29-F687-4f45-9708-019B960494DF}">
-                <a14:hiddenLine xmlns:a14="http://schemas.microsoft.com/office/drawing/2010/main" xmlns="" w="9525">
+                <a14:hiddenLine xmlns="" xmlns:a14="http://schemas.microsoft.com/office/drawing/2010/main" w="9525">
                   <a:solidFill>
                     <a:schemeClr val="tx1"/>
                   </a:solidFill>
@@ -5680,7 +5680,7 @@
                 </a14:hiddenLine>
               </a:ext>
               <a:ext uri="{AF507438-7753-43e0-B8FC-AC1667EBCBE1}">
-                <a14:hiddenEffects xmlns:a14="http://schemas.microsoft.com/office/drawing/2010/main" xmlns="">
+                <a14:hiddenEffects xmlns="" xmlns:a14="http://schemas.microsoft.com/office/drawing/2010/main">
                   <a:effectLst>
                     <a:outerShdw blurRad="63500" dist="38099" dir="2700000" algn="ctr" rotWithShape="0">
                       <a:schemeClr val="bg2">
@@ -5725,7 +5725,7 @@
             <a:effectLst/>
             <a:extLst>
               <a:ext uri="{91240B29-F687-4f45-9708-019B960494DF}">
-                <a14:hiddenLine xmlns:a14="http://schemas.microsoft.com/office/drawing/2010/main" xmlns="" w="9525">
+                <a14:hiddenLine xmlns="" xmlns:a14="http://schemas.microsoft.com/office/drawing/2010/main" w="9525">
                   <a:solidFill>
                     <a:schemeClr val="tx1"/>
                   </a:solidFill>
@@ -5735,7 +5735,7 @@
                 </a14:hiddenLine>
               </a:ext>
               <a:ext uri="{AF507438-7753-43e0-B8FC-AC1667EBCBE1}">
-                <a14:hiddenEffects xmlns:a14="http://schemas.microsoft.com/office/drawing/2010/main" xmlns="">
+                <a14:hiddenEffects xmlns="" xmlns:a14="http://schemas.microsoft.com/office/drawing/2010/main">
                   <a:effectLst>
                     <a:outerShdw blurRad="63500" dist="38099" dir="2700000" algn="ctr" rotWithShape="0">
                       <a:schemeClr val="bg2">
@@ -5780,7 +5780,7 @@
             <a:effectLst/>
             <a:extLst>
               <a:ext uri="{91240B29-F687-4f45-9708-019B960494DF}">
-                <a14:hiddenLine xmlns:a14="http://schemas.microsoft.com/office/drawing/2010/main" xmlns="" w="9525">
+                <a14:hiddenLine xmlns="" xmlns:a14="http://schemas.microsoft.com/office/drawing/2010/main" w="9525">
                   <a:solidFill>
                     <a:schemeClr val="tx1"/>
                   </a:solidFill>
@@ -5790,7 +5790,7 @@
                 </a14:hiddenLine>
               </a:ext>
               <a:ext uri="{AF507438-7753-43e0-B8FC-AC1667EBCBE1}">
-                <a14:hiddenEffects xmlns:a14="http://schemas.microsoft.com/office/drawing/2010/main" xmlns="">
+                <a14:hiddenEffects xmlns="" xmlns:a14="http://schemas.microsoft.com/office/drawing/2010/main">
                   <a:effectLst>
                     <a:outerShdw blurRad="63500" dist="38099" dir="2700000" algn="ctr" rotWithShape="0">
                       <a:schemeClr val="bg2">
@@ -5835,7 +5835,7 @@
             <a:effectLst/>
             <a:extLst>
               <a:ext uri="{91240B29-F687-4f45-9708-019B960494DF}">
-                <a14:hiddenLine xmlns:a14="http://schemas.microsoft.com/office/drawing/2010/main" xmlns="" w="9525">
+                <a14:hiddenLine xmlns="" xmlns:a14="http://schemas.microsoft.com/office/drawing/2010/main" w="9525">
                   <a:solidFill>
                     <a:schemeClr val="tx1"/>
                   </a:solidFill>
@@ -5845,7 +5845,7 @@
                 </a14:hiddenLine>
               </a:ext>
               <a:ext uri="{AF507438-7753-43e0-B8FC-AC1667EBCBE1}">
-                <a14:hiddenEffects xmlns:a14="http://schemas.microsoft.com/office/drawing/2010/main" xmlns="">
+                <a14:hiddenEffects xmlns="" xmlns:a14="http://schemas.microsoft.com/office/drawing/2010/main">
                   <a:effectLst>
                     <a:outerShdw blurRad="63500" dist="38099" dir="2700000" algn="ctr" rotWithShape="0">
                       <a:schemeClr val="bg2">
@@ -5890,7 +5890,7 @@
             <a:effectLst/>
             <a:extLst>
               <a:ext uri="{91240B29-F687-4f45-9708-019B960494DF}">
-                <a14:hiddenLine xmlns:a14="http://schemas.microsoft.com/office/drawing/2010/main" xmlns="" w="9525">
+                <a14:hiddenLine xmlns="" xmlns:a14="http://schemas.microsoft.com/office/drawing/2010/main" w="9525">
                   <a:solidFill>
                     <a:schemeClr val="tx1"/>
                   </a:solidFill>
@@ -5900,7 +5900,7 @@
                 </a14:hiddenLine>
               </a:ext>
               <a:ext uri="{AF507438-7753-43e0-B8FC-AC1667EBCBE1}">
-                <a14:hiddenEffects xmlns:a14="http://schemas.microsoft.com/office/drawing/2010/main" xmlns="">
+                <a14:hiddenEffects xmlns="" xmlns:a14="http://schemas.microsoft.com/office/drawing/2010/main">
                   <a:effectLst>
                     <a:outerShdw blurRad="63500" dist="38099" dir="2700000" algn="ctr" rotWithShape="0">
                       <a:schemeClr val="bg2">
@@ -5945,7 +5945,7 @@
             <a:effectLst/>
             <a:extLst>
               <a:ext uri="{91240B29-F687-4f45-9708-019B960494DF}">
-                <a14:hiddenLine xmlns:a14="http://schemas.microsoft.com/office/drawing/2010/main" xmlns="" w="9525">
+                <a14:hiddenLine xmlns="" xmlns:a14="http://schemas.microsoft.com/office/drawing/2010/main" w="9525">
                   <a:solidFill>
                     <a:schemeClr val="tx1"/>
                   </a:solidFill>
@@ -5955,7 +5955,7 @@
                 </a14:hiddenLine>
               </a:ext>
               <a:ext uri="{AF507438-7753-43e0-B8FC-AC1667EBCBE1}">
-                <a14:hiddenEffects xmlns:a14="http://schemas.microsoft.com/office/drawing/2010/main" xmlns="">
+                <a14:hiddenEffects xmlns="" xmlns:a14="http://schemas.microsoft.com/office/drawing/2010/main">
                   <a:effectLst>
                     <a:outerShdw blurRad="63500" dist="38099" dir="2700000" algn="ctr" rotWithShape="0">
                       <a:schemeClr val="bg2">
@@ -6000,7 +6000,7 @@
             <a:effectLst/>
             <a:extLst>
               <a:ext uri="{91240B29-F687-4f45-9708-019B960494DF}">
-                <a14:hiddenLine xmlns:a14="http://schemas.microsoft.com/office/drawing/2010/main" xmlns="" w="9525">
+                <a14:hiddenLine xmlns="" xmlns:a14="http://schemas.microsoft.com/office/drawing/2010/main" w="9525">
                   <a:solidFill>
                     <a:schemeClr val="tx1"/>
                   </a:solidFill>
@@ -6010,7 +6010,7 @@
                 </a14:hiddenLine>
               </a:ext>
               <a:ext uri="{AF507438-7753-43e0-B8FC-AC1667EBCBE1}">
-                <a14:hiddenEffects xmlns:a14="http://schemas.microsoft.com/office/drawing/2010/main" xmlns="">
+                <a14:hiddenEffects xmlns="" xmlns:a14="http://schemas.microsoft.com/office/drawing/2010/main">
                   <a:effectLst>
                     <a:outerShdw blurRad="63500" dist="38099" dir="2700000" algn="ctr" rotWithShape="0">
                       <a:schemeClr val="bg2">
@@ -6055,7 +6055,7 @@
             <a:effectLst/>
             <a:extLst>
               <a:ext uri="{91240B29-F687-4f45-9708-019B960494DF}">
-                <a14:hiddenLine xmlns:a14="http://schemas.microsoft.com/office/drawing/2010/main" xmlns="" w="9525">
+                <a14:hiddenLine xmlns="" xmlns:a14="http://schemas.microsoft.com/office/drawing/2010/main" w="9525">
                   <a:solidFill>
                     <a:schemeClr val="tx1"/>
                   </a:solidFill>
@@ -6065,7 +6065,7 @@
                 </a14:hiddenLine>
               </a:ext>
               <a:ext uri="{AF507438-7753-43e0-B8FC-AC1667EBCBE1}">
-                <a14:hiddenEffects xmlns:a14="http://schemas.microsoft.com/office/drawing/2010/main" xmlns="">
+                <a14:hiddenEffects xmlns="" xmlns:a14="http://schemas.microsoft.com/office/drawing/2010/main">
                   <a:effectLst>
                     <a:outerShdw blurRad="63500" dist="38099" dir="2700000" algn="ctr" rotWithShape="0">
                       <a:schemeClr val="bg2">
@@ -6110,7 +6110,7 @@
             <a:effectLst/>
             <a:extLst>
               <a:ext uri="{91240B29-F687-4f45-9708-019B960494DF}">
-                <a14:hiddenLine xmlns:a14="http://schemas.microsoft.com/office/drawing/2010/main" xmlns="" w="9525">
+                <a14:hiddenLine xmlns="" xmlns:a14="http://schemas.microsoft.com/office/drawing/2010/main" w="9525">
                   <a:solidFill>
                     <a:schemeClr val="tx1"/>
                   </a:solidFill>
@@ -6120,7 +6120,7 @@
                 </a14:hiddenLine>
               </a:ext>
               <a:ext uri="{AF507438-7753-43e0-B8FC-AC1667EBCBE1}">
-                <a14:hiddenEffects xmlns:a14="http://schemas.microsoft.com/office/drawing/2010/main" xmlns="">
+                <a14:hiddenEffects xmlns="" xmlns:a14="http://schemas.microsoft.com/office/drawing/2010/main">
                   <a:effectLst>
                     <a:outerShdw blurRad="63500" dist="38099" dir="2700000" algn="ctr" rotWithShape="0">
                       <a:schemeClr val="bg2">
@@ -6165,7 +6165,7 @@
             <a:effectLst/>
             <a:extLst>
               <a:ext uri="{91240B29-F687-4f45-9708-019B960494DF}">
-                <a14:hiddenLine xmlns:a14="http://schemas.microsoft.com/office/drawing/2010/main" xmlns="" w="9525">
+                <a14:hiddenLine xmlns="" xmlns:a14="http://schemas.microsoft.com/office/drawing/2010/main" w="9525">
                   <a:solidFill>
                     <a:schemeClr val="tx1"/>
                   </a:solidFill>
@@ -6175,7 +6175,7 @@
                 </a14:hiddenLine>
               </a:ext>
               <a:ext uri="{AF507438-7753-43e0-B8FC-AC1667EBCBE1}">
-                <a14:hiddenEffects xmlns:a14="http://schemas.microsoft.com/office/drawing/2010/main" xmlns="">
+                <a14:hiddenEffects xmlns="" xmlns:a14="http://schemas.microsoft.com/office/drawing/2010/main">
                   <a:effectLst>
                     <a:outerShdw blurRad="63500" dist="38099" dir="2700000" algn="ctr" rotWithShape="0">
                       <a:schemeClr val="bg2">
@@ -6220,7 +6220,7 @@
             <a:effectLst/>
             <a:extLst>
               <a:ext uri="{91240B29-F687-4f45-9708-019B960494DF}">
-                <a14:hiddenLine xmlns:a14="http://schemas.microsoft.com/office/drawing/2010/main" xmlns="" w="9525">
+                <a14:hiddenLine xmlns="" xmlns:a14="http://schemas.microsoft.com/office/drawing/2010/main" w="9525">
                   <a:solidFill>
                     <a:schemeClr val="tx1"/>
                   </a:solidFill>
@@ -6230,7 +6230,7 @@
                 </a14:hiddenLine>
               </a:ext>
               <a:ext uri="{AF507438-7753-43e0-B8FC-AC1667EBCBE1}">
-                <a14:hiddenEffects xmlns:a14="http://schemas.microsoft.com/office/drawing/2010/main" xmlns="">
+                <a14:hiddenEffects xmlns="" xmlns:a14="http://schemas.microsoft.com/office/drawing/2010/main">
                   <a:effectLst>
                     <a:outerShdw blurRad="63500" dist="38099" dir="2700000" algn="ctr" rotWithShape="0">
                       <a:schemeClr val="bg2">
@@ -6275,7 +6275,7 @@
             <a:effectLst/>
             <a:extLst>
               <a:ext uri="{91240B29-F687-4f45-9708-019B960494DF}">
-                <a14:hiddenLine xmlns:a14="http://schemas.microsoft.com/office/drawing/2010/main" xmlns="" w="9525">
+                <a14:hiddenLine xmlns="" xmlns:a14="http://schemas.microsoft.com/office/drawing/2010/main" w="9525">
                   <a:solidFill>
                     <a:schemeClr val="tx1"/>
                   </a:solidFill>
@@ -6285,7 +6285,7 @@
                 </a14:hiddenLine>
               </a:ext>
               <a:ext uri="{AF507438-7753-43e0-B8FC-AC1667EBCBE1}">
-                <a14:hiddenEffects xmlns:a14="http://schemas.microsoft.com/office/drawing/2010/main" xmlns="">
+                <a14:hiddenEffects xmlns="" xmlns:a14="http://schemas.microsoft.com/office/drawing/2010/main">
                   <a:effectLst>
                     <a:outerShdw blurRad="63500" dist="38099" dir="2700000" algn="ctr" rotWithShape="0">
                       <a:schemeClr val="bg2">
@@ -6330,7 +6330,7 @@
             <a:effectLst/>
             <a:extLst>
               <a:ext uri="{91240B29-F687-4f45-9708-019B960494DF}">
-                <a14:hiddenLine xmlns:a14="http://schemas.microsoft.com/office/drawing/2010/main" xmlns="" w="9525">
+                <a14:hiddenLine xmlns="" xmlns:a14="http://schemas.microsoft.com/office/drawing/2010/main" w="9525">
                   <a:solidFill>
                     <a:schemeClr val="tx1"/>
                   </a:solidFill>
@@ -6340,7 +6340,7 @@
                 </a14:hiddenLine>
               </a:ext>
               <a:ext uri="{AF507438-7753-43e0-B8FC-AC1667EBCBE1}">
-                <a14:hiddenEffects xmlns:a14="http://schemas.microsoft.com/office/drawing/2010/main" xmlns="">
+                <a14:hiddenEffects xmlns="" xmlns:a14="http://schemas.microsoft.com/office/drawing/2010/main">
                   <a:effectLst>
                     <a:outerShdw blurRad="63500" dist="38099" dir="2700000" algn="ctr" rotWithShape="0">
                       <a:schemeClr val="bg2">
@@ -6385,7 +6385,7 @@
             <a:effectLst/>
             <a:extLst>
               <a:ext uri="{91240B29-F687-4f45-9708-019B960494DF}">
-                <a14:hiddenLine xmlns:a14="http://schemas.microsoft.com/office/drawing/2010/main" xmlns="" w="9525">
+                <a14:hiddenLine xmlns="" xmlns:a14="http://schemas.microsoft.com/office/drawing/2010/main" w="9525">
                   <a:solidFill>
                     <a:schemeClr val="tx1"/>
                   </a:solidFill>
@@ -6395,7 +6395,7 @@
                 </a14:hiddenLine>
               </a:ext>
               <a:ext uri="{AF507438-7753-43e0-B8FC-AC1667EBCBE1}">
-                <a14:hiddenEffects xmlns:a14="http://schemas.microsoft.com/office/drawing/2010/main" xmlns="">
+                <a14:hiddenEffects xmlns="" xmlns:a14="http://schemas.microsoft.com/office/drawing/2010/main">
                   <a:effectLst>
                     <a:outerShdw blurRad="63500" dist="38099" dir="2700000" algn="ctr" rotWithShape="0">
                       <a:schemeClr val="bg2">
@@ -6440,7 +6440,7 @@
             <a:effectLst/>
             <a:extLst>
               <a:ext uri="{91240B29-F687-4f45-9708-019B960494DF}">
-                <a14:hiddenLine xmlns:a14="http://schemas.microsoft.com/office/drawing/2010/main" xmlns="" w="9525">
+                <a14:hiddenLine xmlns="" xmlns:a14="http://schemas.microsoft.com/office/drawing/2010/main" w="9525">
                   <a:solidFill>
                     <a:schemeClr val="tx1"/>
                   </a:solidFill>
@@ -6450,7 +6450,7 @@
                 </a14:hiddenLine>
               </a:ext>
               <a:ext uri="{AF507438-7753-43e0-B8FC-AC1667EBCBE1}">
-                <a14:hiddenEffects xmlns:a14="http://schemas.microsoft.com/office/drawing/2010/main" xmlns="">
+                <a14:hiddenEffects xmlns="" xmlns:a14="http://schemas.microsoft.com/office/drawing/2010/main">
                   <a:effectLst>
                     <a:outerShdw blurRad="63500" dist="38099" dir="2700000" algn="ctr" rotWithShape="0">
                       <a:schemeClr val="bg2">
@@ -6495,7 +6495,7 @@
             <a:effectLst/>
             <a:extLst>
               <a:ext uri="{91240B29-F687-4f45-9708-019B960494DF}">
-                <a14:hiddenLine xmlns:a14="http://schemas.microsoft.com/office/drawing/2010/main" xmlns="" w="9525">
+                <a14:hiddenLine xmlns="" xmlns:a14="http://schemas.microsoft.com/office/drawing/2010/main" w="9525">
                   <a:solidFill>
                     <a:schemeClr val="tx1"/>
                   </a:solidFill>
@@ -6505,7 +6505,7 @@
                 </a14:hiddenLine>
               </a:ext>
               <a:ext uri="{AF507438-7753-43e0-B8FC-AC1667EBCBE1}">
-                <a14:hiddenEffects xmlns:a14="http://schemas.microsoft.com/office/drawing/2010/main" xmlns="">
+                <a14:hiddenEffects xmlns="" xmlns:a14="http://schemas.microsoft.com/office/drawing/2010/main">
                   <a:effectLst>
                     <a:outerShdw blurRad="63500" dist="38099" dir="2700000" algn="ctr" rotWithShape="0">
                       <a:schemeClr val="bg2">
@@ -6550,7 +6550,7 @@
             <a:effectLst/>
             <a:extLst>
               <a:ext uri="{91240B29-F687-4f45-9708-019B960494DF}">
-                <a14:hiddenLine xmlns:a14="http://schemas.microsoft.com/office/drawing/2010/main" xmlns="" w="9525">
+                <a14:hiddenLine xmlns="" xmlns:a14="http://schemas.microsoft.com/office/drawing/2010/main" w="9525">
                   <a:solidFill>
                     <a:schemeClr val="tx1"/>
                   </a:solidFill>
@@ -6560,7 +6560,7 @@
                 </a14:hiddenLine>
               </a:ext>
               <a:ext uri="{AF507438-7753-43e0-B8FC-AC1667EBCBE1}">
-                <a14:hiddenEffects xmlns:a14="http://schemas.microsoft.com/office/drawing/2010/main" xmlns="">
+                <a14:hiddenEffects xmlns="" xmlns:a14="http://schemas.microsoft.com/office/drawing/2010/main">
                   <a:effectLst>
                     <a:outerShdw blurRad="63500" dist="38099" dir="2700000" algn="ctr" rotWithShape="0">
                       <a:schemeClr val="bg2">
@@ -6605,7 +6605,7 @@
             <a:effectLst/>
             <a:extLst>
               <a:ext uri="{91240B29-F687-4f45-9708-019B960494DF}">
-                <a14:hiddenLine xmlns:a14="http://schemas.microsoft.com/office/drawing/2010/main" xmlns="" w="9525">
+                <a14:hiddenLine xmlns="" xmlns:a14="http://schemas.microsoft.com/office/drawing/2010/main" w="9525">
                   <a:solidFill>
                     <a:schemeClr val="tx1"/>
                   </a:solidFill>
@@ -6615,7 +6615,7 @@
                 </a14:hiddenLine>
               </a:ext>
               <a:ext uri="{AF507438-7753-43e0-B8FC-AC1667EBCBE1}">
-                <a14:hiddenEffects xmlns:a14="http://schemas.microsoft.com/office/drawing/2010/main" xmlns="">
+                <a14:hiddenEffects xmlns="" xmlns:a14="http://schemas.microsoft.com/office/drawing/2010/main">
                   <a:effectLst>
                     <a:outerShdw blurRad="63500" dist="38099" dir="2700000" algn="ctr" rotWithShape="0">
                       <a:schemeClr val="bg2">
@@ -6660,7 +6660,7 @@
             <a:effectLst/>
             <a:extLst>
               <a:ext uri="{91240B29-F687-4f45-9708-019B960494DF}">
-                <a14:hiddenLine xmlns:a14="http://schemas.microsoft.com/office/drawing/2010/main" xmlns="" w="9525">
+                <a14:hiddenLine xmlns="" xmlns:a14="http://schemas.microsoft.com/office/drawing/2010/main" w="9525">
                   <a:solidFill>
                     <a:schemeClr val="tx1"/>
                   </a:solidFill>
@@ -6670,7 +6670,7 @@
                 </a14:hiddenLine>
               </a:ext>
               <a:ext uri="{AF507438-7753-43e0-B8FC-AC1667EBCBE1}">
-                <a14:hiddenEffects xmlns:a14="http://schemas.microsoft.com/office/drawing/2010/main" xmlns="">
+                <a14:hiddenEffects xmlns="" xmlns:a14="http://schemas.microsoft.com/office/drawing/2010/main">
                   <a:effectLst>
                     <a:outerShdw blurRad="63500" dist="38099" dir="2700000" algn="ctr" rotWithShape="0">
                       <a:schemeClr val="bg2">
@@ -6715,7 +6715,7 @@
             <a:effectLst/>
             <a:extLst>
               <a:ext uri="{91240B29-F687-4f45-9708-019B960494DF}">
-                <a14:hiddenLine xmlns:a14="http://schemas.microsoft.com/office/drawing/2010/main" xmlns="" w="9525">
+                <a14:hiddenLine xmlns="" xmlns:a14="http://schemas.microsoft.com/office/drawing/2010/main" w="9525">
                   <a:solidFill>
                     <a:schemeClr val="tx1"/>
                   </a:solidFill>
@@ -6725,7 +6725,7 @@
                 </a14:hiddenLine>
               </a:ext>
               <a:ext uri="{AF507438-7753-43e0-B8FC-AC1667EBCBE1}">
-                <a14:hiddenEffects xmlns:a14="http://schemas.microsoft.com/office/drawing/2010/main" xmlns="">
+                <a14:hiddenEffects xmlns="" xmlns:a14="http://schemas.microsoft.com/office/drawing/2010/main">
                   <a:effectLst>
                     <a:outerShdw blurRad="63500" dist="38099" dir="2700000" algn="ctr" rotWithShape="0">
                       <a:schemeClr val="bg2">
@@ -6770,7 +6770,7 @@
             <a:effectLst/>
             <a:extLst>
               <a:ext uri="{91240B29-F687-4f45-9708-019B960494DF}">
-                <a14:hiddenLine xmlns:a14="http://schemas.microsoft.com/office/drawing/2010/main" xmlns="" w="9525">
+                <a14:hiddenLine xmlns="" xmlns:a14="http://schemas.microsoft.com/office/drawing/2010/main" w="9525">
                   <a:solidFill>
                     <a:schemeClr val="tx1"/>
                   </a:solidFill>
@@ -6780,7 +6780,7 @@
                 </a14:hiddenLine>
               </a:ext>
               <a:ext uri="{AF507438-7753-43e0-B8FC-AC1667EBCBE1}">
-                <a14:hiddenEffects xmlns:a14="http://schemas.microsoft.com/office/drawing/2010/main" xmlns="">
+                <a14:hiddenEffects xmlns="" xmlns:a14="http://schemas.microsoft.com/office/drawing/2010/main">
                   <a:effectLst>
                     <a:outerShdw blurRad="63500" dist="38099" dir="2700000" algn="ctr" rotWithShape="0">
                       <a:schemeClr val="bg2">
@@ -6825,7 +6825,7 @@
             <a:effectLst/>
             <a:extLst>
               <a:ext uri="{91240B29-F687-4f45-9708-019B960494DF}">
-                <a14:hiddenLine xmlns:a14="http://schemas.microsoft.com/office/drawing/2010/main" xmlns="" w="9525">
+                <a14:hiddenLine xmlns="" xmlns:a14="http://schemas.microsoft.com/office/drawing/2010/main" w="9525">
                   <a:solidFill>
                     <a:schemeClr val="tx1"/>
                   </a:solidFill>
@@ -6835,7 +6835,7 @@
                 </a14:hiddenLine>
               </a:ext>
               <a:ext uri="{AF507438-7753-43e0-B8FC-AC1667EBCBE1}">
-                <a14:hiddenEffects xmlns:a14="http://schemas.microsoft.com/office/drawing/2010/main" xmlns="">
+                <a14:hiddenEffects xmlns="" xmlns:a14="http://schemas.microsoft.com/office/drawing/2010/main">
                   <a:effectLst>
                     <a:outerShdw blurRad="63500" dist="38099" dir="2700000" algn="ctr" rotWithShape="0">
                       <a:schemeClr val="bg2">
@@ -6880,7 +6880,7 @@
             <a:effectLst/>
             <a:extLst>
               <a:ext uri="{91240B29-F687-4f45-9708-019B960494DF}">
-                <a14:hiddenLine xmlns:a14="http://schemas.microsoft.com/office/drawing/2010/main" xmlns="" w="9525">
+                <a14:hiddenLine xmlns="" xmlns:a14="http://schemas.microsoft.com/office/drawing/2010/main" w="9525">
                   <a:solidFill>
                     <a:schemeClr val="tx1"/>
                   </a:solidFill>
@@ -6890,7 +6890,7 @@
                 </a14:hiddenLine>
               </a:ext>
               <a:ext uri="{AF507438-7753-43e0-B8FC-AC1667EBCBE1}">
-                <a14:hiddenEffects xmlns:a14="http://schemas.microsoft.com/office/drawing/2010/main" xmlns="">
+                <a14:hiddenEffects xmlns="" xmlns:a14="http://schemas.microsoft.com/office/drawing/2010/main">
                   <a:effectLst>
                     <a:outerShdw blurRad="63500" dist="38099" dir="2700000" algn="ctr" rotWithShape="0">
                       <a:schemeClr val="bg2">
@@ -6935,7 +6935,7 @@
             <a:effectLst/>
             <a:extLst>
               <a:ext uri="{91240B29-F687-4f45-9708-019B960494DF}">
-                <a14:hiddenLine xmlns:a14="http://schemas.microsoft.com/office/drawing/2010/main" xmlns="" w="9525">
+                <a14:hiddenLine xmlns="" xmlns:a14="http://schemas.microsoft.com/office/drawing/2010/main" w="9525">
                   <a:solidFill>
                     <a:schemeClr val="tx1"/>
                   </a:solidFill>
@@ -6945,7 +6945,7 @@
                 </a14:hiddenLine>
               </a:ext>
               <a:ext uri="{AF507438-7753-43e0-B8FC-AC1667EBCBE1}">
-                <a14:hiddenEffects xmlns:a14="http://schemas.microsoft.com/office/drawing/2010/main" xmlns="">
+                <a14:hiddenEffects xmlns="" xmlns:a14="http://schemas.microsoft.com/office/drawing/2010/main">
                   <a:effectLst>
                     <a:outerShdw blurRad="63500" dist="38099" dir="2700000" algn="ctr" rotWithShape="0">
                       <a:schemeClr val="bg2">
@@ -6990,7 +6990,7 @@
             <a:effectLst/>
             <a:extLst>
               <a:ext uri="{91240B29-F687-4f45-9708-019B960494DF}">
-                <a14:hiddenLine xmlns:a14="http://schemas.microsoft.com/office/drawing/2010/main" xmlns="" w="9525">
+                <a14:hiddenLine xmlns="" xmlns:a14="http://schemas.microsoft.com/office/drawing/2010/main" w="9525">
                   <a:solidFill>
                     <a:schemeClr val="tx1"/>
                   </a:solidFill>
@@ -7000,7 +7000,7 @@
                 </a14:hiddenLine>
               </a:ext>
               <a:ext uri="{AF507438-7753-43e0-B8FC-AC1667EBCBE1}">
-                <a14:hiddenEffects xmlns:a14="http://schemas.microsoft.com/office/drawing/2010/main" xmlns="">
+                <a14:hiddenEffects xmlns="" xmlns:a14="http://schemas.microsoft.com/office/drawing/2010/main">
                   <a:effectLst>
                     <a:outerShdw blurRad="63500" dist="38099" dir="2700000" algn="ctr" rotWithShape="0">
                       <a:schemeClr val="bg2">
@@ -7045,7 +7045,7 @@
             <a:effectLst/>
             <a:extLst>
               <a:ext uri="{91240B29-F687-4f45-9708-019B960494DF}">
-                <a14:hiddenLine xmlns:a14="http://schemas.microsoft.com/office/drawing/2010/main" xmlns="" w="9525">
+                <a14:hiddenLine xmlns="" xmlns:a14="http://schemas.microsoft.com/office/drawing/2010/main" w="9525">
                   <a:solidFill>
                     <a:schemeClr val="tx1"/>
                   </a:solidFill>
@@ -7055,7 +7055,7 @@
                 </a14:hiddenLine>
               </a:ext>
               <a:ext uri="{AF507438-7753-43e0-B8FC-AC1667EBCBE1}">
-                <a14:hiddenEffects xmlns:a14="http://schemas.microsoft.com/office/drawing/2010/main" xmlns="">
+                <a14:hiddenEffects xmlns="" xmlns:a14="http://schemas.microsoft.com/office/drawing/2010/main">
                   <a:effectLst>
                     <a:outerShdw blurRad="63500" dist="38099" dir="2700000" algn="ctr" rotWithShape="0">
                       <a:schemeClr val="bg2">
@@ -7100,7 +7100,7 @@
             <a:effectLst/>
             <a:extLst>
               <a:ext uri="{91240B29-F687-4f45-9708-019B960494DF}">
-                <a14:hiddenLine xmlns:a14="http://schemas.microsoft.com/office/drawing/2010/main" xmlns="" w="9525">
+                <a14:hiddenLine xmlns="" xmlns:a14="http://schemas.microsoft.com/office/drawing/2010/main" w="9525">
                   <a:solidFill>
                     <a:schemeClr val="tx1"/>
                   </a:solidFill>
@@ -7110,7 +7110,7 @@
                 </a14:hiddenLine>
               </a:ext>
               <a:ext uri="{AF507438-7753-43e0-B8FC-AC1667EBCBE1}">
-                <a14:hiddenEffects xmlns:a14="http://schemas.microsoft.com/office/drawing/2010/main" xmlns="">
+                <a14:hiddenEffects xmlns="" xmlns:a14="http://schemas.microsoft.com/office/drawing/2010/main">
                   <a:effectLst>
                     <a:outerShdw blurRad="63500" dist="38099" dir="2700000" algn="ctr" rotWithShape="0">
                       <a:schemeClr val="bg2">
@@ -7155,7 +7155,7 @@
             <a:effectLst/>
             <a:extLst>
               <a:ext uri="{91240B29-F687-4f45-9708-019B960494DF}">
-                <a14:hiddenLine xmlns:a14="http://schemas.microsoft.com/office/drawing/2010/main" xmlns="" w="9525">
+                <a14:hiddenLine xmlns="" xmlns:a14="http://schemas.microsoft.com/office/drawing/2010/main" w="9525">
                   <a:solidFill>
                     <a:schemeClr val="tx1"/>
                   </a:solidFill>
@@ -7165,7 +7165,7 @@
                 </a14:hiddenLine>
               </a:ext>
               <a:ext uri="{AF507438-7753-43e0-B8FC-AC1667EBCBE1}">
-                <a14:hiddenEffects xmlns:a14="http://schemas.microsoft.com/office/drawing/2010/main" xmlns="">
+                <a14:hiddenEffects xmlns="" xmlns:a14="http://schemas.microsoft.com/office/drawing/2010/main">
                   <a:effectLst>
                     <a:outerShdw blurRad="63500" dist="38099" dir="2700000" algn="ctr" rotWithShape="0">
                       <a:schemeClr val="bg2">
@@ -7210,7 +7210,7 @@
             <a:effectLst/>
             <a:extLst>
               <a:ext uri="{91240B29-F687-4f45-9708-019B960494DF}">
-                <a14:hiddenLine xmlns:a14="http://schemas.microsoft.com/office/drawing/2010/main" xmlns="" w="9525">
+                <a14:hiddenLine xmlns="" xmlns:a14="http://schemas.microsoft.com/office/drawing/2010/main" w="9525">
                   <a:solidFill>
                     <a:schemeClr val="tx1"/>
                   </a:solidFill>
@@ -7220,7 +7220,7 @@
                 </a14:hiddenLine>
               </a:ext>
               <a:ext uri="{AF507438-7753-43e0-B8FC-AC1667EBCBE1}">
-                <a14:hiddenEffects xmlns:a14="http://schemas.microsoft.com/office/drawing/2010/main" xmlns="">
+                <a14:hiddenEffects xmlns="" xmlns:a14="http://schemas.microsoft.com/office/drawing/2010/main">
                   <a:effectLst>
                     <a:outerShdw blurRad="63500" dist="38099" dir="2700000" algn="ctr" rotWithShape="0">
                       <a:schemeClr val="bg2">
@@ -8286,7 +8286,7 @@
           <a:effectLst/>
           <a:extLst>
             <a:ext uri="{AF507438-7753-43e0-B8FC-AC1667EBCBE1}">
-              <a14:hiddenEffects xmlns:a14="http://schemas.microsoft.com/office/drawing/2010/main" xmlns="">
+              <a14:hiddenEffects xmlns="" xmlns:a14="http://schemas.microsoft.com/office/drawing/2010/main">
                 <a:effectLst>
                   <a:outerShdw blurRad="63500" dist="38099" dir="2700000" algn="ctr" rotWithShape="0">
                     <a:schemeClr val="bg2">
@@ -8420,7 +8420,7 @@
           <a:effectLst/>
           <a:extLst>
             <a:ext uri="{AF507438-7753-43e0-B8FC-AC1667EBCBE1}">
-              <a14:hiddenEffects xmlns:a14="http://schemas.microsoft.com/office/drawing/2010/main" xmlns="">
+              <a14:hiddenEffects xmlns="" xmlns:a14="http://schemas.microsoft.com/office/drawing/2010/main">
                 <a:effectLst>
                   <a:outerShdw blurRad="63500" dist="38099" dir="2700000" algn="ctr" rotWithShape="0">
                     <a:schemeClr val="bg2">
@@ -8506,7 +8506,7 @@
           <a:effectLst/>
           <a:extLst>
             <a:ext uri="{AF507438-7753-43e0-B8FC-AC1667EBCBE1}">
-              <a14:hiddenEffects xmlns:a14="http://schemas.microsoft.com/office/drawing/2010/main" xmlns="">
+              <a14:hiddenEffects xmlns="" xmlns:a14="http://schemas.microsoft.com/office/drawing/2010/main">
                 <a:effectLst>
                   <a:outerShdw blurRad="63500" dist="38099" dir="2700000" algn="ctr" rotWithShape="0">
                     <a:schemeClr val="bg2">
@@ -8752,7 +8752,7 @@
           <a:effectLst/>
           <a:extLst>
             <a:ext uri="{AF507438-7753-43e0-B8FC-AC1667EBCBE1}">
-              <a14:hiddenEffects xmlns:a14="http://schemas.microsoft.com/office/drawing/2010/main" xmlns="">
+              <a14:hiddenEffects xmlns="" xmlns:a14="http://schemas.microsoft.com/office/drawing/2010/main">
                 <a:effectLst>
                   <a:outerShdw blurRad="63500" dist="38099" dir="2700000" algn="ctr" rotWithShape="0">
                     <a:schemeClr val="bg2">
@@ -8838,7 +8838,7 @@
           <a:effectLst/>
           <a:extLst>
             <a:ext uri="{AF507438-7753-43e0-B8FC-AC1667EBCBE1}">
-              <a14:hiddenEffects xmlns="" xmlns:a14="http://schemas.microsoft.com/office/drawing/2010/main">
+              <a14:hiddenEffects xmlns:a14="http://schemas.microsoft.com/office/drawing/2010/main" xmlns="">
                 <a:effectLst>
                   <a:outerShdw blurRad="63500" dist="38099" dir="2700000" algn="ctr" rotWithShape="0">
                     <a:schemeClr val="bg2">
@@ -9135,7 +9135,7 @@
           <a:effectLst/>
           <a:extLst>
             <a:ext uri="{AF507438-7753-43e0-B8FC-AC1667EBCBE1}">
-              <a14:hiddenEffects xmlns:a14="http://schemas.microsoft.com/office/drawing/2010/main" xmlns="">
+              <a14:hiddenEffects xmlns="" xmlns:a14="http://schemas.microsoft.com/office/drawing/2010/main">
                 <a:effectLst>
                   <a:outerShdw blurRad="63500" dist="38099" dir="2700000" algn="ctr" rotWithShape="0">
                     <a:schemeClr val="bg2">
@@ -9539,7 +9539,7 @@
           <a:effectLst/>
           <a:extLst>
             <a:ext uri="{AF507438-7753-43e0-B8FC-AC1667EBCBE1}">
-              <a14:hiddenEffects xmlns:a14="http://schemas.microsoft.com/office/drawing/2010/main" xmlns="">
+              <a14:hiddenEffects xmlns="" xmlns:a14="http://schemas.microsoft.com/office/drawing/2010/main">
                 <a:effectLst>
                   <a:outerShdw blurRad="63500" dist="38099" dir="2700000" algn="ctr" rotWithShape="0">
                     <a:schemeClr val="bg2">
@@ -10031,7 +10031,7 @@
           <a:effectLst/>
           <a:extLst>
             <a:ext uri="{AF507438-7753-43e0-B8FC-AC1667EBCBE1}">
-              <a14:hiddenEffects xmlns:a14="http://schemas.microsoft.com/office/drawing/2010/main" xmlns="">
+              <a14:hiddenEffects xmlns="" xmlns:a14="http://schemas.microsoft.com/office/drawing/2010/main">
                 <a:effectLst>
                   <a:outerShdw blurRad="63500" dist="38099" dir="2700000" algn="ctr" rotWithShape="0">
                     <a:schemeClr val="bg2">
@@ -10273,7 +10273,7 @@
           <a:effectLst/>
           <a:extLst>
             <a:ext uri="{AF507438-7753-43e0-B8FC-AC1667EBCBE1}">
-              <a14:hiddenEffects xmlns:a14="http://schemas.microsoft.com/office/drawing/2010/main" xmlns="">
+              <a14:hiddenEffects xmlns="" xmlns:a14="http://schemas.microsoft.com/office/drawing/2010/main">
                 <a:effectLst>
                   <a:outerShdw blurRad="63500" dist="38099" dir="2700000" algn="ctr" rotWithShape="0">
                     <a:schemeClr val="bg2">
@@ -10764,7 +10764,7 @@
             <a:effectLst/>
             <a:extLst>
               <a:ext uri="{AF507438-7753-43e0-B8FC-AC1667EBCBE1}">
-                <a14:hiddenEffects xmlns:a14="http://schemas.microsoft.com/office/drawing/2010/main" xmlns="">
+                <a14:hiddenEffects xmlns="" xmlns:a14="http://schemas.microsoft.com/office/drawing/2010/main">
                   <a:effectLst>
                     <a:outerShdw blurRad="63500" dist="38099" dir="2700000" algn="ctr" rotWithShape="0">
                       <a:schemeClr val="bg2">
@@ -10850,7 +10850,7 @@
             <a:effectLst/>
             <a:extLst>
               <a:ext uri="{AF507438-7753-43e0-B8FC-AC1667EBCBE1}">
-                <a14:hiddenEffects xmlns:a14="http://schemas.microsoft.com/office/drawing/2010/main" xmlns="">
+                <a14:hiddenEffects xmlns="" xmlns:a14="http://schemas.microsoft.com/office/drawing/2010/main">
                   <a:effectLst>
                     <a:outerShdw blurRad="63500" dist="38099" dir="2700000" algn="ctr" rotWithShape="0">
                       <a:schemeClr val="bg2">
@@ -10936,7 +10936,7 @@
             <a:effectLst/>
             <a:extLst>
               <a:ext uri="{AF507438-7753-43e0-B8FC-AC1667EBCBE1}">
-                <a14:hiddenEffects xmlns:a14="http://schemas.microsoft.com/office/drawing/2010/main" xmlns="">
+                <a14:hiddenEffects xmlns="" xmlns:a14="http://schemas.microsoft.com/office/drawing/2010/main">
                   <a:effectLst>
                     <a:outerShdw blurRad="63500" dist="38099" dir="2700000" algn="ctr" rotWithShape="0">
                       <a:schemeClr val="bg2">
@@ -11110,7 +11110,7 @@
           <a:effectLst/>
           <a:extLst>
             <a:ext uri="{AF507438-7753-43e0-B8FC-AC1667EBCBE1}">
-              <a14:hiddenEffects xmlns:a14="http://schemas.microsoft.com/office/drawing/2010/main" xmlns="">
+              <a14:hiddenEffects xmlns="" xmlns:a14="http://schemas.microsoft.com/office/drawing/2010/main">
                 <a:effectLst>
                   <a:outerShdw blurRad="63500" dist="38099" dir="2700000" algn="ctr" rotWithShape="0">
                     <a:schemeClr val="bg2">
@@ -11196,7 +11196,7 @@
           <a:effectLst/>
           <a:extLst>
             <a:ext uri="{AF507438-7753-43e0-B8FC-AC1667EBCBE1}">
-              <a14:hiddenEffects xmlns:a14="http://schemas.microsoft.com/office/drawing/2010/main" xmlns="">
+              <a14:hiddenEffects xmlns="" xmlns:a14="http://schemas.microsoft.com/office/drawing/2010/main">
                 <a:effectLst>
                   <a:outerShdw blurRad="63500" dist="38099" dir="2700000" algn="ctr" rotWithShape="0">
                     <a:schemeClr val="bg2">
@@ -11633,8 +11633,12 @@
           <a:lstStyle/>
           <a:p>
             <a:r>
+              <a:rPr lang="en-US"/>
+              <a:t>Assignment #3 </a:t>
+            </a:r>
+            <a:r>
               <a:rPr lang="en-US" dirty="0"/>
-              <a:t>Assignment #4 – see </a:t>
+              <a:t>– see </a:t>
             </a:r>
             <a:r>
               <a:rPr lang="en-US" dirty="0" err="1"/>
@@ -11860,7 +11864,7 @@
           <a:effectLst/>
           <a:extLst>
             <a:ext uri="{AF507438-7753-43e0-B8FC-AC1667EBCBE1}">
-              <a14:hiddenEffects xmlns="" xmlns:a14="http://schemas.microsoft.com/office/drawing/2010/main">
+              <a14:hiddenEffects xmlns:a14="http://schemas.microsoft.com/office/drawing/2010/main" xmlns="">
                 <a:effectLst>
                   <a:outerShdw blurRad="63500" dist="38099" dir="2700000" algn="ctr" rotWithShape="0">
                     <a:schemeClr val="bg2">
@@ -12469,7 +12473,7 @@
           <a:effectLst/>
           <a:extLst>
             <a:ext uri="{AF507438-7753-43e0-B8FC-AC1667EBCBE1}">
-              <a14:hiddenEffects xmlns="" xmlns:a14="http://schemas.microsoft.com/office/drawing/2010/main">
+              <a14:hiddenEffects xmlns:a14="http://schemas.microsoft.com/office/drawing/2010/main" xmlns="">
                 <a:effectLst>
                   <a:outerShdw blurRad="63500" dist="38099" dir="2700000" algn="ctr" rotWithShape="0">
                     <a:schemeClr val="bg2">
@@ -13132,7 +13136,7 @@
         <a:effectLst/>
         <a:extLst>
           <a:ext uri="{AF507438-7753-43e0-B8FC-AC1667EBCBE1}">
-            <a14:hiddenEffects xmlns:a14="http://schemas.microsoft.com/office/drawing/2010/main" xmlns="">
+            <a14:hiddenEffects xmlns="" xmlns:a14="http://schemas.microsoft.com/office/drawing/2010/main">
               <a:effectLst>
                 <a:outerShdw blurRad="63500" dist="38099" dir="2700000" algn="ctr" rotWithShape="0">
                   <a:schemeClr val="bg2">
@@ -13209,7 +13213,7 @@
         <a:effectLst/>
         <a:extLst>
           <a:ext uri="{AF507438-7753-43e0-B8FC-AC1667EBCBE1}">
-            <a14:hiddenEffects xmlns:a14="http://schemas.microsoft.com/office/drawing/2010/main" xmlns="">
+            <a14:hiddenEffects xmlns="" xmlns:a14="http://schemas.microsoft.com/office/drawing/2010/main">
               <a:effectLst>
                 <a:outerShdw blurRad="63500" dist="38099" dir="2700000" algn="ctr" rotWithShape="0">
                   <a:schemeClr val="bg2">
